--- a/프레젠테이션 1.pptx
+++ b/프레젠테이션 1.pptx
@@ -2,7 +2,7 @@
 <file path=ppt/presentation.xml><?xml version="1.0" encoding="utf-8"?>
 <p:presentation xmlns:r="http://schemas.openxmlformats.org/officeDocument/2006/relationships" xmlns:c="http://schemas.openxmlformats.org/drawingml/2006/chart" xmlns:a="http://schemas.openxmlformats.org/drawingml/2006/main" xmlns:dgm="http://schemas.openxmlformats.org/drawingml/2006/diagram" xmlns:dsp="http://schemas.microsoft.com/office/drawing/2008/diagram" xmlns:p="http://schemas.openxmlformats.org/presentationml/2006/main">
   <p:sldMasterIdLst>
-    <p:sldMasterId id="2147483782" r:id="rId1"/>
+    <p:sldMasterId id="2147483802" r:id="rId1"/>
   </p:sldMasterIdLst>
   <p:notesMasterIdLst>
     <p:notesMasterId r:id="rId2"/>
@@ -16,6 +16,8 @@
     <p:sldId id="262" r:id="rId8"/>
     <p:sldId id="263" r:id="rId9"/>
     <p:sldId id="264" r:id="rId10"/>
+    <p:sldId id="265" r:id="rId11"/>
+    <p:sldId id="266" r:id="rId12"/>
   </p:sldIdLst>
   <p:sldSz cx="12192000" cy="6858000"/>
   <p:notesSz cx="6858000" cy="9144000"/>
@@ -212,7 +214,7 @@
               <a:pPr lvl="0">
                 <a:defRPr/>
               </a:pPr>
-              <a:t>2021-05-24</a:t>
+              <a:t>2021-05-25</a:t>
             </a:fld>
             <a:endParaRPr lang="ko-KR" altLang="en-US"/>
           </a:p>
@@ -607,6 +609,105 @@
 </p:notes>
 </file>
 
+<file path=ppt/notesSlides/notesSlide10.xml><?xml version="1.0" encoding="utf-8"?>
+<p:notes xmlns:r="http://schemas.openxmlformats.org/officeDocument/2006/relationships" xmlns:c="http://schemas.openxmlformats.org/drawingml/2006/chart" xmlns:a="http://schemas.openxmlformats.org/drawingml/2006/main" xmlns:dgm="http://schemas.openxmlformats.org/drawingml/2006/diagram" xmlns:dsp="http://schemas.microsoft.com/office/drawing/2008/diagram" xmlns:p="http://schemas.openxmlformats.org/presentationml/2006/main">
+  <p:cSld>
+    <p:spTree>
+      <p:nvGrpSpPr>
+        <p:cNvPr id="1" name=""/>
+        <p:cNvGrpSpPr/>
+        <p:nvPr/>
+      </p:nvGrpSpPr>
+      <p:grpSpPr>
+        <a:xfrm>
+          <a:off x="0" y="0"/>
+          <a:ext cx="0" cy="0"/>
+          <a:chOff x="0" y="0"/>
+          <a:chExt cx="0" cy="0"/>
+        </a:xfrm>
+      </p:grpSpPr>
+      <p:sp>
+        <p:nvSpPr>
+          <p:cNvPr id="2" name="Slide Image Placeholder 1"/>
+          <p:cNvSpPr>
+            <a:spLocks noGrp="1" noRot="1" noChangeAspect="1" noTextEdit="1"/>
+          </p:cNvSpPr>
+          <p:nvPr>
+            <p:ph type="sldImg" idx="0"/>
+          </p:nvPr>
+        </p:nvSpPr>
+        <p:spPr>
+          <a:xfrm>
+            <a:off x="2143125" y="684521"/>
+            <a:ext cx="2571750" cy="3429000"/>
+          </a:xfrm>
+        </p:spPr>
+      </p:sp>
+      <p:sp>
+        <p:nvSpPr>
+          <p:cNvPr id="3" name="Notes Placeholder 2"/>
+          <p:cNvSpPr>
+            <a:spLocks noGrp="1"/>
+          </p:cNvSpPr>
+          <p:nvPr>
+            <p:ph type="body" idx="1"/>
+          </p:nvPr>
+        </p:nvSpPr>
+        <p:spPr/>
+        <p:txBody>
+          <a:bodyPr>
+            <a:normAutofit/>
+          </a:bodyPr>
+          <a:lstStyle/>
+          <a:p>
+            <a:pPr lvl="0">
+              <a:defRPr/>
+            </a:pPr>
+            <a:r>
+              <a:rPr lang="ko-KR" altLang="en-US"/>
+              <a:t/>
+            </a:r>
+            <a:endParaRPr lang="ko-KR" altLang="en-US"/>
+          </a:p>
+        </p:txBody>
+      </p:sp>
+      <p:sp>
+        <p:nvSpPr>
+          <p:cNvPr id="4" name="Slide Number Placeholder 3"/>
+          <p:cNvSpPr>
+            <a:spLocks noGrp="1"/>
+          </p:cNvSpPr>
+          <p:nvPr>
+            <p:ph type="sldNum" sz="quarter" idx="10"/>
+          </p:nvPr>
+        </p:nvSpPr>
+        <p:spPr/>
+        <p:txBody>
+          <a:bodyPr/>
+          <a:lstStyle/>
+          <a:p>
+            <a:pPr lvl="0">
+              <a:defRPr/>
+            </a:pPr>
+            <a:fld id="{9B26CD33-4337-4529-948A-94F6960B2374}" type="slidenum">
+              <a:rPr lang="en-US" altLang="ko-KR"/>
+              <a:pPr lvl="0">
+                <a:defRPr/>
+              </a:pPr>
+              <a:t>10</a:t>
+            </a:fld>
+            <a:endParaRPr lang="en-US" altLang="ko-KR"/>
+          </a:p>
+        </p:txBody>
+      </p:sp>
+    </p:spTree>
+  </p:cSld>
+  <p:clrMapOvr>
+    <a:masterClrMapping/>
+  </p:clrMapOvr>
+</p:notes>
+</file>
+
 <file path=ppt/notesSlides/notesSlide2.xml><?xml version="1.0" encoding="utf-8"?>
 <p:notes xmlns:r="http://schemas.openxmlformats.org/officeDocument/2006/relationships" xmlns:c="http://schemas.openxmlformats.org/drawingml/2006/chart" xmlns:a="http://schemas.openxmlformats.org/drawingml/2006/main" xmlns:dgm="http://schemas.openxmlformats.org/drawingml/2006/diagram" xmlns:dsp="http://schemas.microsoft.com/office/drawing/2008/diagram" xmlns:p="http://schemas.openxmlformats.org/presentationml/2006/main">
   <p:cSld>
@@ -1287,6 +1388,105 @@
                 <a:defRPr/>
               </a:pPr>
               <a:t>8</a:t>
+            </a:fld>
+            <a:endParaRPr lang="en-US" altLang="ko-KR"/>
+          </a:p>
+        </p:txBody>
+      </p:sp>
+    </p:spTree>
+  </p:cSld>
+  <p:clrMapOvr>
+    <a:masterClrMapping/>
+  </p:clrMapOvr>
+</p:notes>
+</file>
+
+<file path=ppt/notesSlides/notesSlide9.xml><?xml version="1.0" encoding="utf-8"?>
+<p:notes xmlns:r="http://schemas.openxmlformats.org/officeDocument/2006/relationships" xmlns:c="http://schemas.openxmlformats.org/drawingml/2006/chart" xmlns:a="http://schemas.openxmlformats.org/drawingml/2006/main" xmlns:dgm="http://schemas.openxmlformats.org/drawingml/2006/diagram" xmlns:dsp="http://schemas.microsoft.com/office/drawing/2008/diagram" xmlns:p="http://schemas.openxmlformats.org/presentationml/2006/main">
+  <p:cSld>
+    <p:spTree>
+      <p:nvGrpSpPr>
+        <p:cNvPr id="1" name=""/>
+        <p:cNvGrpSpPr/>
+        <p:nvPr/>
+      </p:nvGrpSpPr>
+      <p:grpSpPr>
+        <a:xfrm>
+          <a:off x="0" y="0"/>
+          <a:ext cx="0" cy="0"/>
+          <a:chOff x="0" y="0"/>
+          <a:chExt cx="0" cy="0"/>
+        </a:xfrm>
+      </p:grpSpPr>
+      <p:sp>
+        <p:nvSpPr>
+          <p:cNvPr id="2" name="Slide Image Placeholder 1"/>
+          <p:cNvSpPr>
+            <a:spLocks noGrp="1" noRot="1" noChangeAspect="1" noTextEdit="1"/>
+          </p:cNvSpPr>
+          <p:nvPr>
+            <p:ph type="sldImg" idx="0"/>
+          </p:nvPr>
+        </p:nvSpPr>
+        <p:spPr>
+          <a:xfrm>
+            <a:off x="2143125" y="684521"/>
+            <a:ext cx="2571750" cy="3429000"/>
+          </a:xfrm>
+        </p:spPr>
+      </p:sp>
+      <p:sp>
+        <p:nvSpPr>
+          <p:cNvPr id="3" name="Notes Placeholder 2"/>
+          <p:cNvSpPr>
+            <a:spLocks noGrp="1"/>
+          </p:cNvSpPr>
+          <p:nvPr>
+            <p:ph type="body" idx="1"/>
+          </p:nvPr>
+        </p:nvSpPr>
+        <p:spPr/>
+        <p:txBody>
+          <a:bodyPr>
+            <a:normAutofit/>
+          </a:bodyPr>
+          <a:lstStyle/>
+          <a:p>
+            <a:pPr lvl="0">
+              <a:defRPr/>
+            </a:pPr>
+            <a:r>
+              <a:rPr lang="ko-KR" altLang="en-US"/>
+              <a:t/>
+            </a:r>
+            <a:endParaRPr lang="ko-KR" altLang="en-US"/>
+          </a:p>
+        </p:txBody>
+      </p:sp>
+      <p:sp>
+        <p:nvSpPr>
+          <p:cNvPr id="4" name="Slide Number Placeholder 3"/>
+          <p:cNvSpPr>
+            <a:spLocks noGrp="1"/>
+          </p:cNvSpPr>
+          <p:nvPr>
+            <p:ph type="sldNum" sz="quarter" idx="10"/>
+          </p:nvPr>
+        </p:nvSpPr>
+        <p:spPr/>
+        <p:txBody>
+          <a:bodyPr/>
+          <a:lstStyle/>
+          <a:p>
+            <a:pPr lvl="0">
+              <a:defRPr/>
+            </a:pPr>
+            <a:fld id="{9B26CD33-4337-4529-948A-94F6960B2374}" type="slidenum">
+              <a:rPr lang="en-US" altLang="ko-KR"/>
+              <a:pPr lvl="0">
+                <a:defRPr/>
+              </a:pPr>
+              <a:t>9</a:t>
             </a:fld>
             <a:endParaRPr lang="en-US" altLang="ko-KR"/>
           </a:p>
@@ -8004,6 +8204,2066 @@
 </p:sld>
 </file>
 
+<file path=ppt/slides/slide10.xml><?xml version="1.0" encoding="utf-8"?>
+<p:sld xmlns:r="http://schemas.openxmlformats.org/officeDocument/2006/relationships" xmlns:c="http://schemas.openxmlformats.org/drawingml/2006/chart" xmlns:a="http://schemas.openxmlformats.org/drawingml/2006/main" xmlns:dgm="http://schemas.openxmlformats.org/drawingml/2006/diagram" xmlns:dsp="http://schemas.microsoft.com/office/drawing/2008/diagram" xmlns:p="http://schemas.openxmlformats.org/presentationml/2006/main">
+  <p:cSld>
+    <p:spTree>
+      <p:nvGrpSpPr>
+        <p:cNvPr id="1" name=""/>
+        <p:cNvGrpSpPr/>
+        <p:nvPr/>
+      </p:nvGrpSpPr>
+      <p:grpSpPr>
+        <a:xfrm>
+          <a:off x="0" y="0"/>
+          <a:ext cx="0" cy="0"/>
+          <a:chOff x="0" y="0"/>
+          <a:chExt cx="0" cy="0"/>
+        </a:xfrm>
+      </p:grpSpPr>
+      <p:sp>
+        <p:nvSpPr>
+          <p:cNvPr id="12" name="TextBox 11"/>
+          <p:cNvSpPr txBox="1"/>
+          <p:nvPr/>
+        </p:nvSpPr>
+        <p:spPr>
+          <a:xfrm>
+            <a:off x="1703511" y="408640"/>
+            <a:ext cx="4392488" cy="369332"/>
+          </a:xfrm>
+          <a:prstGeom prst="rect">
+            <a:avLst/>
+          </a:prstGeom>
+          <a:noFill/>
+        </p:spPr>
+        <p:txBody>
+          <a:bodyPr wrap="square">
+            <a:spAutoFit/>
+          </a:bodyPr>
+          <a:lstStyle/>
+          <a:p>
+            <a:pPr>
+              <a:lnSpc>
+                <a:spcPct val="90000"/>
+              </a:lnSpc>
+              <a:defRPr/>
+            </a:pPr>
+            <a:r>
+              <a:rPr lang="en-US" altLang="ko-KR" sz="2000" spc="300">
+                <a:solidFill>
+                  <a:srgbClr val="663300"/>
+                </a:solidFill>
+                <a:latin typeface="+mn-ea"/>
+              </a:rPr>
+              <a:t>10.</a:t>
+            </a:r>
+            <a:r>
+              <a:rPr lang="ko-KR" altLang="en-US" sz="2000" spc="300">
+                <a:solidFill>
+                  <a:srgbClr val="663300"/>
+                </a:solidFill>
+                <a:latin typeface="+mn-ea"/>
+              </a:rPr>
+              <a:t>마이페이지</a:t>
+            </a:r>
+            <a:endParaRPr lang="ko-KR" altLang="en-US" sz="2000" spc="300">
+              <a:solidFill>
+                <a:srgbClr val="663300"/>
+              </a:solidFill>
+              <a:latin typeface="+mn-ea"/>
+            </a:endParaRPr>
+          </a:p>
+        </p:txBody>
+      </p:sp>
+      <p:sp>
+        <p:nvSpPr>
+          <p:cNvPr id="2" name="슬라이드 번호 개체 틀 1"/>
+          <p:cNvSpPr>
+            <a:spLocks noGrp="1"/>
+          </p:cNvSpPr>
+          <p:nvPr>
+            <p:ph type="sldNum" sz="quarter" idx="4"/>
+          </p:nvPr>
+        </p:nvSpPr>
+        <p:spPr/>
+        <p:txBody>
+          <a:bodyPr/>
+          <a:lstStyle/>
+          <a:p>
+            <a:pPr lvl="0">
+              <a:defRPr/>
+            </a:pPr>
+            <a:fld id="{2FECCACC-60ED-4580-AB4B-3C07270897C0}" type="slidenum">
+              <a:rPr lang="en-US" altLang="en-US">
+                <a:latin typeface="나눔고딕"/>
+                <a:ea typeface="나눔고딕"/>
+              </a:rPr>
+              <a:pPr lvl="0">
+                <a:defRPr/>
+              </a:pPr>
+              <a:t>10</a:t>
+            </a:fld>
+            <a:endParaRPr lang="en-US" altLang="en-US">
+              <a:latin typeface="나눔고딕"/>
+              <a:ea typeface="나눔고딕"/>
+            </a:endParaRPr>
+          </a:p>
+        </p:txBody>
+      </p:sp>
+      <p:sp>
+        <p:nvSpPr>
+          <p:cNvPr id="14" name="TextBox 13"/>
+          <p:cNvSpPr txBox="1"/>
+          <p:nvPr/>
+        </p:nvSpPr>
+        <p:spPr>
+          <a:xfrm>
+            <a:off x="6030058" y="404664"/>
+            <a:ext cx="4392488" cy="397032"/>
+          </a:xfrm>
+          <a:prstGeom prst="rect">
+            <a:avLst/>
+          </a:prstGeom>
+          <a:noFill/>
+        </p:spPr>
+        <p:txBody>
+          <a:bodyPr wrap="square">
+            <a:spAutoFit/>
+          </a:bodyPr>
+          <a:lstStyle/>
+          <a:p>
+            <a:pPr algn="r">
+              <a:lnSpc>
+                <a:spcPct val="90000"/>
+              </a:lnSpc>
+              <a:defRPr/>
+            </a:pPr>
+            <a:r>
+              <a:rPr lang="ko-KR" altLang="en-US" sz="1100">
+                <a:latin typeface="+mn-ea"/>
+              </a:rPr>
+              <a:t>로그인</a:t>
+            </a:r>
+            <a:endParaRPr lang="ko-KR" altLang="en-US" sz="1100">
+              <a:latin typeface="+mn-ea"/>
+            </a:endParaRPr>
+          </a:p>
+          <a:p>
+            <a:pPr algn="r">
+              <a:lnSpc>
+                <a:spcPct val="90000"/>
+              </a:lnSpc>
+              <a:defRPr/>
+            </a:pPr>
+            <a:r>
+              <a:rPr lang="en-US" altLang="ko-KR" sz="1100" b="1">
+                <a:latin typeface="+mn-ea"/>
+              </a:rPr>
+              <a:t>161116</a:t>
+            </a:r>
+            <a:endParaRPr lang="ko-KR" altLang="en-US" sz="1100" b="1">
+              <a:latin typeface="+mn-ea"/>
+            </a:endParaRPr>
+          </a:p>
+        </p:txBody>
+      </p:sp>
+      <p:graphicFrame>
+        <p:nvGraphicFramePr>
+          <p:cNvPr id="106" name=""/>
+          <p:cNvGraphicFramePr>
+            <a:graphicFrameLocks noGrp="1"/>
+          </p:cNvGraphicFramePr>
+          <p:nvPr/>
+        </p:nvGraphicFramePr>
+        <p:xfrm>
+          <a:off x="7984818" y="1123603"/>
+          <a:ext cx="3850930" cy="3974135"/>
+        </p:xfrm>
+        <a:graphic>
+          <a:graphicData uri="http://schemas.openxmlformats.org/drawingml/2006/table">
+            <a:tbl>
+              <a:tblPr firstRow="1" bandRow="1">
+                <a:tableStyleId>{01A66EDD-3DAB-4C5B-A090-DC80EC1FD486}</a:tableStyleId>
+              </a:tblPr>
+              <a:tblGrid>
+                <a:gridCol w="686725"/>
+                <a:gridCol w="3164205"/>
+              </a:tblGrid>
+              <a:tr h="334235">
+                <a:tc gridSpan="2">
+                  <a:txBody>
+                    <a:bodyPr vert="horz" wrap="square" lIns="91440" tIns="45720" rIns="91440" bIns="45720" anchor="ctr" anchorCtr="1">
+                      <a:spAutoFit/>
+                    </a:bodyPr>
+                    <a:p>
+                      <a:pPr marL="0" marR="0" lvl="0" indent="0" algn="ctr" defTabSz="914400" rtl="0" eaLnBrk="1" latinLnBrk="1" hangingPunct="1">
+                        <a:lnSpc>
+                          <a:spcPct val="100000"/>
+                        </a:lnSpc>
+                        <a:spcBef>
+                          <a:spcPts val="100"/>
+                        </a:spcBef>
+                        <a:spcAft>
+                          <a:spcPts val="0"/>
+                        </a:spcAft>
+                        <a:buClrTx/>
+                        <a:buFontTx/>
+                        <a:buNone/>
+                        <a:defRPr/>
+                      </a:pPr>
+                      <a:r>
+                        <a:rPr lang="en-US" altLang="ko-KR" b="1">
+                          <a:solidFill>
+                            <a:schemeClr val="dk1"/>
+                          </a:solidFill>
+                        </a:rPr>
+                        <a:t>Description</a:t>
+                      </a:r>
+                      <a:endParaRPr lang="en-US" altLang="ko-KR">
+                        <a:solidFill>
+                          <a:schemeClr val="dk1"/>
+                        </a:solidFill>
+                      </a:endParaRPr>
+                    </a:p>
+                  </a:txBody>
+                  <a:tcPr marL="91440" marR="91440" anchor="ctr" anchorCtr="1">
+                    <a:lnL w="12700" cap="flat" cmpd="sng" algn="ctr">
+                      <a:solidFill>
+                        <a:schemeClr val="tx1"/>
+                      </a:solidFill>
+                      <a:prstDash val="solid"/>
+                      <a:round/>
+                      <a:headEnd w="med" len="med"/>
+                      <a:tailEnd w="med" len="med"/>
+                    </a:lnL>
+                    <a:lnR w="12700" cap="flat" cmpd="sng" algn="ctr">
+                      <a:solidFill>
+                        <a:schemeClr val="tx1"/>
+                      </a:solidFill>
+                      <a:prstDash val="solid"/>
+                      <a:round/>
+                      <a:headEnd w="med" len="med"/>
+                      <a:tailEnd w="med" len="med"/>
+                    </a:lnR>
+                    <a:lnT w="12700" cap="flat" cmpd="sng" algn="ctr">
+                      <a:solidFill>
+                        <a:schemeClr val="tx1"/>
+                      </a:solidFill>
+                      <a:prstDash val="solid"/>
+                      <a:round/>
+                      <a:headEnd w="med" len="med"/>
+                      <a:tailEnd w="med" len="med"/>
+                    </a:lnT>
+                    <a:lnB w="12700" cap="flat" cmpd="sng" algn="ctr">
+                      <a:solidFill>
+                        <a:schemeClr val="tx1"/>
+                      </a:solidFill>
+                      <a:prstDash val="solid"/>
+                      <a:round/>
+                      <a:headEnd w="med" len="med"/>
+                      <a:tailEnd w="med" len="med"/>
+                    </a:lnB>
+                    <a:solidFill>
+                      <a:srgbClr val="e0e0e0"/>
+                    </a:solidFill>
+                  </a:tcPr>
+                </a:tc>
+                <a:tc hMerge="1">
+                  <a:txBody>
+                    <a:bodyPr vert="horz" wrap="square" lIns="91440" tIns="45720" rIns="91440" bIns="45720" anchor="t" anchorCtr="0">
+                      <a:spAutoFit/>
+                    </a:bodyPr>
+                    <a:p>
+                      <a:pPr>
+                        <a:defRPr/>
+                      </a:pPr>
+                      <a:endParaRPr lang="en-US" altLang="ko-KR"/>
+                    </a:p>
+                  </a:txBody>
+                  <a:tcPr marL="91440" marR="91440">
+                    <a:lnL w="12700" cap="flat" cmpd="sng" algn="ctr">
+                      <a:solidFill>
+                        <a:schemeClr val="tx1"/>
+                      </a:solidFill>
+                      <a:prstDash val="solid"/>
+                      <a:round/>
+                      <a:headEnd w="med" len="med"/>
+                      <a:tailEnd w="med" len="med"/>
+                    </a:lnL>
+                    <a:lnR w="12700" cap="flat" cmpd="sng" algn="ctr">
+                      <a:solidFill>
+                        <a:schemeClr val="tx1"/>
+                      </a:solidFill>
+                      <a:prstDash val="solid"/>
+                      <a:round/>
+                      <a:headEnd w="med" len="med"/>
+                      <a:tailEnd w="med" len="med"/>
+                    </a:lnR>
+                    <a:lnT w="12700" cap="flat" cmpd="sng" algn="ctr">
+                      <a:solidFill>
+                        <a:schemeClr val="tx1"/>
+                      </a:solidFill>
+                      <a:prstDash val="solid"/>
+                      <a:round/>
+                      <a:headEnd w="med" len="med"/>
+                      <a:tailEnd w="med" len="med"/>
+                    </a:lnT>
+                    <a:lnB w="12700" cap="flat" cmpd="sng" algn="ctr">
+                      <a:solidFill>
+                        <a:schemeClr val="tx1"/>
+                      </a:solidFill>
+                      <a:prstDash val="solid"/>
+                      <a:round/>
+                      <a:headEnd w="med" len="med"/>
+                      <a:tailEnd w="med" len="med"/>
+                    </a:lnB>
+                    <a:solidFill>
+                      <a:schemeClr val="lt1"/>
+                    </a:solidFill>
+                  </a:tcPr>
+                </a:tc>
+              </a:tr>
+              <a:tr h="515210">
+                <a:tc gridSpan="2">
+                  <a:txBody>
+                    <a:bodyPr vert="horz" wrap="square" lIns="91440" tIns="45720" rIns="91440" bIns="45720" anchor="ctr" anchorCtr="1">
+                      <a:spAutoFit/>
+                    </a:bodyPr>
+                    <a:p>
+                      <a:pPr algn="ctr">
+                        <a:defRPr/>
+                      </a:pPr>
+                      <a:r>
+                        <a:rPr lang="ko-KR" altLang="en-US" sz="1100">
+                          <a:solidFill>
+                            <a:schemeClr val="dk1"/>
+                          </a:solidFill>
+                        </a:rPr>
+                        <a:t>사용자가 담아 놓은 장바구니 관리 페이지</a:t>
+                      </a:r>
+                      <a:endParaRPr lang="en-US" altLang="ko-KR" sz="1100">
+                        <a:solidFill>
+                          <a:schemeClr val="dk1"/>
+                        </a:solidFill>
+                      </a:endParaRPr>
+                    </a:p>
+                  </a:txBody>
+                  <a:tcPr marL="91440" marR="91440" anchor="ctr" anchorCtr="1">
+                    <a:lnL w="12700" cap="flat" cmpd="sng" algn="ctr">
+                      <a:solidFill>
+                        <a:schemeClr val="tx1"/>
+                      </a:solidFill>
+                      <a:prstDash val="solid"/>
+                      <a:round/>
+                      <a:headEnd w="med" len="med"/>
+                      <a:tailEnd w="med" len="med"/>
+                    </a:lnL>
+                    <a:lnR w="12700" cap="flat" cmpd="sng" algn="ctr">
+                      <a:solidFill>
+                        <a:schemeClr val="tx1"/>
+                      </a:solidFill>
+                      <a:prstDash val="solid"/>
+                      <a:round/>
+                      <a:headEnd w="med" len="med"/>
+                      <a:tailEnd w="med" len="med"/>
+                    </a:lnR>
+                    <a:lnT w="12700" cap="flat" cmpd="sng" algn="ctr">
+                      <a:solidFill>
+                        <a:schemeClr val="tx1"/>
+                      </a:solidFill>
+                      <a:prstDash val="solid"/>
+                      <a:round/>
+                      <a:headEnd w="med" len="med"/>
+                      <a:tailEnd w="med" len="med"/>
+                    </a:lnT>
+                    <a:lnB w="12700" cap="flat" cmpd="sng" algn="ctr">
+                      <a:solidFill>
+                        <a:schemeClr val="tx1"/>
+                      </a:solidFill>
+                      <a:prstDash val="solid"/>
+                      <a:round/>
+                      <a:headEnd w="med" len="med"/>
+                      <a:tailEnd w="med" len="med"/>
+                    </a:lnB>
+                    <a:solidFill>
+                      <a:schemeClr val="lt1"/>
+                    </a:solidFill>
+                  </a:tcPr>
+                </a:tc>
+                <a:tc hMerge="1">
+                  <a:txBody>
+                    <a:bodyPr vert="horz" wrap="square" lIns="91440" tIns="45720" rIns="91440" bIns="45720" anchor="t" anchorCtr="0">
+                      <a:spAutoFit/>
+                    </a:bodyPr>
+                    <a:p>
+                      <a:pPr>
+                        <a:defRPr/>
+                      </a:pPr>
+                      <a:endParaRPr lang="en-US" altLang="ko-KR"/>
+                    </a:p>
+                  </a:txBody>
+                  <a:tcPr marL="91440" marR="91440">
+                    <a:lnL w="12700" cap="flat" cmpd="sng" algn="ctr">
+                      <a:solidFill>
+                        <a:schemeClr val="tx1"/>
+                      </a:solidFill>
+                      <a:prstDash val="solid"/>
+                      <a:round/>
+                      <a:headEnd w="med" len="med"/>
+                      <a:tailEnd w="med" len="med"/>
+                    </a:lnL>
+                    <a:lnR w="12700" cap="flat" cmpd="sng" algn="ctr">
+                      <a:solidFill>
+                        <a:schemeClr val="tx1"/>
+                      </a:solidFill>
+                      <a:prstDash val="solid"/>
+                      <a:round/>
+                      <a:headEnd w="med" len="med"/>
+                      <a:tailEnd w="med" len="med"/>
+                    </a:lnR>
+                    <a:lnT w="12700" cap="flat" cmpd="sng" algn="ctr">
+                      <a:solidFill>
+                        <a:schemeClr val="tx1"/>
+                      </a:solidFill>
+                      <a:prstDash val="solid"/>
+                      <a:round/>
+                      <a:headEnd w="med" len="med"/>
+                      <a:tailEnd w="med" len="med"/>
+                    </a:lnT>
+                    <a:lnB w="12700" cap="flat" cmpd="sng" algn="ctr">
+                      <a:solidFill>
+                        <a:schemeClr val="tx1"/>
+                      </a:solidFill>
+                      <a:prstDash val="solid"/>
+                      <a:round/>
+                      <a:headEnd w="med" len="med"/>
+                      <a:tailEnd w="med" len="med"/>
+                    </a:lnB>
+                    <a:solidFill>
+                      <a:schemeClr val="lt1"/>
+                    </a:solidFill>
+                  </a:tcPr>
+                </a:tc>
+              </a:tr>
+              <a:tr h="515210">
+                <a:tc gridSpan="2">
+                  <a:txBody>
+                    <a:bodyPr vert="horz" wrap="square" lIns="91440" tIns="45720" rIns="91440" bIns="45720" anchor="ctr" anchorCtr="1">
+                      <a:spAutoFit/>
+                    </a:bodyPr>
+                    <a:p>
+                      <a:pPr algn="ctr">
+                        <a:defRPr/>
+                      </a:pPr>
+                      <a:r>
+                        <a:rPr lang="en-US" altLang="ko-KR">
+                          <a:solidFill>
+                            <a:schemeClr val="dk1"/>
+                          </a:solidFill>
+                        </a:rPr>
+                        <a:t>function</a:t>
+                      </a:r>
+                      <a:endParaRPr lang="en-US" altLang="ko-KR">
+                        <a:solidFill>
+                          <a:schemeClr val="dk1"/>
+                        </a:solidFill>
+                      </a:endParaRPr>
+                    </a:p>
+                  </a:txBody>
+                  <a:tcPr marL="91440" marR="91440" anchor="ctr" anchorCtr="1">
+                    <a:lnL w="12700" cap="flat" cmpd="sng" algn="ctr">
+                      <a:solidFill>
+                        <a:schemeClr val="tx1"/>
+                      </a:solidFill>
+                      <a:prstDash val="solid"/>
+                      <a:round/>
+                      <a:headEnd w="med" len="med"/>
+                      <a:tailEnd w="med" len="med"/>
+                    </a:lnL>
+                    <a:lnR w="12700" cap="flat" cmpd="sng" algn="ctr">
+                      <a:solidFill>
+                        <a:schemeClr val="tx1"/>
+                      </a:solidFill>
+                      <a:prstDash val="solid"/>
+                      <a:round/>
+                      <a:headEnd w="med" len="med"/>
+                      <a:tailEnd w="med" len="med"/>
+                    </a:lnR>
+                    <a:lnT w="12700" cap="flat" cmpd="sng" algn="ctr">
+                      <a:solidFill>
+                        <a:schemeClr val="tx1"/>
+                      </a:solidFill>
+                      <a:prstDash val="solid"/>
+                      <a:round/>
+                      <a:headEnd w="med" len="med"/>
+                      <a:tailEnd w="med" len="med"/>
+                    </a:lnT>
+                    <a:lnB w="12700" cap="flat" cmpd="sng" algn="ctr">
+                      <a:solidFill>
+                        <a:schemeClr val="tx1"/>
+                      </a:solidFill>
+                      <a:prstDash val="solid"/>
+                      <a:round/>
+                      <a:headEnd w="med" len="med"/>
+                      <a:tailEnd w="med" len="med"/>
+                    </a:lnB>
+                    <a:solidFill>
+                      <a:srgbClr val="d1d1d1"/>
+                    </a:solidFill>
+                  </a:tcPr>
+                </a:tc>
+                <a:tc hMerge="1">
+                  <a:txBody>
+                    <a:bodyPr vert="horz" wrap="square" lIns="91440" tIns="45720" rIns="91440" bIns="45720" anchor="t" anchorCtr="0">
+                      <a:spAutoFit/>
+                    </a:bodyPr>
+                    <a:p>
+                      <a:pPr>
+                        <a:defRPr/>
+                      </a:pPr>
+                      <a:endParaRPr lang="ko-KR" altLang="en-US"/>
+                    </a:p>
+                  </a:txBody>
+                  <a:tcPr marL="91440" marR="91440">
+                    <a:lnL w="12700" cap="flat" cmpd="sng" algn="ctr">
+                      <a:solidFill>
+                        <a:schemeClr val="tx1"/>
+                      </a:solidFill>
+                      <a:prstDash val="solid"/>
+                      <a:round/>
+                      <a:headEnd w="med" len="med"/>
+                      <a:tailEnd w="med" len="med"/>
+                    </a:lnL>
+                    <a:lnR w="12700" cap="flat" cmpd="sng" algn="ctr">
+                      <a:solidFill>
+                        <a:schemeClr val="tx1"/>
+                      </a:solidFill>
+                      <a:prstDash val="solid"/>
+                      <a:round/>
+                      <a:headEnd w="med" len="med"/>
+                      <a:tailEnd w="med" len="med"/>
+                    </a:lnR>
+                    <a:lnT w="12700" cap="flat" cmpd="sng" algn="ctr">
+                      <a:solidFill>
+                        <a:schemeClr val="tx1"/>
+                      </a:solidFill>
+                      <a:prstDash val="solid"/>
+                      <a:round/>
+                      <a:headEnd w="med" len="med"/>
+                      <a:tailEnd w="med" len="med"/>
+                    </a:lnT>
+                    <a:lnB w="12700" cap="flat" cmpd="sng" algn="ctr">
+                      <a:solidFill>
+                        <a:schemeClr val="tx1"/>
+                      </a:solidFill>
+                      <a:prstDash val="solid"/>
+                      <a:round/>
+                      <a:headEnd w="med" len="med"/>
+                      <a:tailEnd w="med" len="med"/>
+                    </a:lnB>
+                    <a:solidFill>
+                      <a:schemeClr val="lt1"/>
+                    </a:solidFill>
+                  </a:tcPr>
+                </a:tc>
+              </a:tr>
+              <a:tr h="515210">
+                <a:tc>
+                  <a:txBody>
+                    <a:bodyPr vert="horz" wrap="square" lIns="91440" tIns="45720" rIns="91440" bIns="45720" anchor="ctr" anchorCtr="1">
+                      <a:spAutoFit/>
+                    </a:bodyPr>
+                    <a:p>
+                      <a:pPr algn="ctr">
+                        <a:defRPr/>
+                      </a:pPr>
+                      <a:endParaRPr lang="en-US" altLang="ko-KR" sz="1100">
+                        <a:solidFill>
+                          <a:schemeClr val="dk1"/>
+                        </a:solidFill>
+                      </a:endParaRPr>
+                    </a:p>
+                  </a:txBody>
+                  <a:tcPr marL="91440" marR="91440" anchor="ctr" anchorCtr="1">
+                    <a:lnL w="12700" cap="flat" cmpd="sng" algn="ctr">
+                      <a:solidFill>
+                        <a:schemeClr val="tx1"/>
+                      </a:solidFill>
+                      <a:prstDash val="solid"/>
+                      <a:round/>
+                      <a:headEnd w="med" len="med"/>
+                      <a:tailEnd w="med" len="med"/>
+                    </a:lnL>
+                    <a:lnR w="12700" cap="flat" cmpd="sng" algn="ctr">
+                      <a:solidFill>
+                        <a:schemeClr val="tx1"/>
+                      </a:solidFill>
+                      <a:prstDash val="solid"/>
+                      <a:round/>
+                      <a:headEnd w="med" len="med"/>
+                      <a:tailEnd w="med" len="med"/>
+                    </a:lnR>
+                    <a:lnT w="12700" cap="flat" cmpd="sng" algn="ctr">
+                      <a:solidFill>
+                        <a:schemeClr val="tx1"/>
+                      </a:solidFill>
+                      <a:prstDash val="solid"/>
+                      <a:round/>
+                      <a:headEnd w="med" len="med"/>
+                      <a:tailEnd w="med" len="med"/>
+                    </a:lnT>
+                    <a:lnB w="12700" cap="flat" cmpd="sng" algn="ctr">
+                      <a:solidFill>
+                        <a:schemeClr val="tx1"/>
+                      </a:solidFill>
+                      <a:prstDash val="solid"/>
+                      <a:round/>
+                      <a:headEnd w="med" len="med"/>
+                      <a:tailEnd w="med" len="med"/>
+                    </a:lnB>
+                    <a:solidFill>
+                      <a:schemeClr val="lt1"/>
+                    </a:solidFill>
+                  </a:tcPr>
+                </a:tc>
+                <a:tc>
+                  <a:txBody>
+                    <a:bodyPr vert="horz" wrap="square" lIns="91440" tIns="45720" rIns="91440" bIns="45720" anchor="ctr" anchorCtr="1">
+                      <a:spAutoFit/>
+                    </a:bodyPr>
+                    <a:p>
+                      <a:pPr>
+                        <a:defRPr/>
+                      </a:pPr>
+                      <a:endParaRPr lang="en-US" altLang="ko-KR" sz="1100">
+                        <a:solidFill>
+                          <a:schemeClr val="dk1"/>
+                        </a:solidFill>
+                      </a:endParaRPr>
+                    </a:p>
+                  </a:txBody>
+                  <a:tcPr marL="91440" marR="91440" anchor="ctr" anchorCtr="1">
+                    <a:lnL w="12700" cap="flat" cmpd="sng" algn="ctr">
+                      <a:solidFill>
+                        <a:schemeClr val="tx1"/>
+                      </a:solidFill>
+                      <a:prstDash val="solid"/>
+                      <a:round/>
+                      <a:headEnd w="med" len="med"/>
+                      <a:tailEnd w="med" len="med"/>
+                    </a:lnL>
+                    <a:lnR w="12700" cap="flat" cmpd="sng" algn="ctr">
+                      <a:solidFill>
+                        <a:schemeClr val="tx1"/>
+                      </a:solidFill>
+                      <a:prstDash val="solid"/>
+                      <a:round/>
+                      <a:headEnd w="med" len="med"/>
+                      <a:tailEnd w="med" len="med"/>
+                    </a:lnR>
+                    <a:lnT w="12700" cap="flat" cmpd="sng" algn="ctr">
+                      <a:solidFill>
+                        <a:schemeClr val="tx1"/>
+                      </a:solidFill>
+                      <a:prstDash val="solid"/>
+                      <a:round/>
+                      <a:headEnd w="med" len="med"/>
+                      <a:tailEnd w="med" len="med"/>
+                    </a:lnT>
+                    <a:lnB w="12700" cap="flat" cmpd="sng" algn="ctr">
+                      <a:solidFill>
+                        <a:schemeClr val="tx1"/>
+                      </a:solidFill>
+                      <a:prstDash val="solid"/>
+                      <a:round/>
+                      <a:headEnd w="med" len="med"/>
+                      <a:tailEnd w="med" len="med"/>
+                    </a:lnB>
+                    <a:solidFill>
+                      <a:schemeClr val="lt1"/>
+                    </a:solidFill>
+                  </a:tcPr>
+                </a:tc>
+              </a:tr>
+              <a:tr h="515210">
+                <a:tc>
+                  <a:txBody>
+                    <a:bodyPr vert="horz" wrap="square" lIns="91440" tIns="45720" rIns="91440" bIns="45720" anchor="ctr" anchorCtr="1">
+                      <a:spAutoFit/>
+                    </a:bodyPr>
+                    <a:p>
+                      <a:pPr algn="ctr">
+                        <a:defRPr/>
+                      </a:pPr>
+                      <a:endParaRPr lang="en-US" altLang="ko-KR" sz="1100">
+                        <a:solidFill>
+                          <a:schemeClr val="dk1"/>
+                        </a:solidFill>
+                      </a:endParaRPr>
+                    </a:p>
+                  </a:txBody>
+                  <a:tcPr marL="91440" marR="91440" anchor="ctr" anchorCtr="1">
+                    <a:lnL w="12700" cap="flat" cmpd="sng" algn="ctr">
+                      <a:solidFill>
+                        <a:schemeClr val="tx1"/>
+                      </a:solidFill>
+                      <a:prstDash val="solid"/>
+                      <a:round/>
+                      <a:headEnd w="med" len="med"/>
+                      <a:tailEnd w="med" len="med"/>
+                    </a:lnL>
+                    <a:lnR w="12700" cap="flat" cmpd="sng" algn="ctr">
+                      <a:solidFill>
+                        <a:schemeClr val="tx1"/>
+                      </a:solidFill>
+                      <a:prstDash val="solid"/>
+                      <a:round/>
+                      <a:headEnd w="med" len="med"/>
+                      <a:tailEnd w="med" len="med"/>
+                    </a:lnR>
+                    <a:lnT w="12700" cap="flat" cmpd="sng" algn="ctr">
+                      <a:solidFill>
+                        <a:schemeClr val="tx1"/>
+                      </a:solidFill>
+                      <a:prstDash val="solid"/>
+                      <a:round/>
+                      <a:headEnd w="med" len="med"/>
+                      <a:tailEnd w="med" len="med"/>
+                    </a:lnT>
+                    <a:lnB w="12700" cap="flat" cmpd="sng" algn="ctr">
+                      <a:solidFill>
+                        <a:schemeClr val="tx1"/>
+                      </a:solidFill>
+                      <a:prstDash val="solid"/>
+                      <a:round/>
+                      <a:headEnd w="med" len="med"/>
+                      <a:tailEnd w="med" len="med"/>
+                    </a:lnB>
+                    <a:solidFill>
+                      <a:schemeClr val="lt1"/>
+                    </a:solidFill>
+                  </a:tcPr>
+                </a:tc>
+                <a:tc>
+                  <a:txBody>
+                    <a:bodyPr vert="horz" wrap="square" lIns="91440" tIns="45720" rIns="91440" bIns="45720" anchor="ctr" anchorCtr="1">
+                      <a:spAutoFit/>
+                    </a:bodyPr>
+                    <a:p>
+                      <a:pPr>
+                        <a:defRPr/>
+                      </a:pPr>
+                      <a:endParaRPr lang="ko-KR" altLang="en-US" sz="1100">
+                        <a:solidFill>
+                          <a:schemeClr val="dk1"/>
+                        </a:solidFill>
+                      </a:endParaRPr>
+                    </a:p>
+                  </a:txBody>
+                  <a:tcPr marL="91440" marR="91440" anchor="ctr" anchorCtr="1">
+                    <a:lnL w="12700" cap="flat" cmpd="sng" algn="ctr">
+                      <a:solidFill>
+                        <a:schemeClr val="tx1"/>
+                      </a:solidFill>
+                      <a:prstDash val="solid"/>
+                      <a:round/>
+                      <a:headEnd w="med" len="med"/>
+                      <a:tailEnd w="med" len="med"/>
+                    </a:lnL>
+                    <a:lnR w="12700" cap="flat" cmpd="sng" algn="ctr">
+                      <a:solidFill>
+                        <a:schemeClr val="tx1"/>
+                      </a:solidFill>
+                      <a:prstDash val="solid"/>
+                      <a:round/>
+                      <a:headEnd w="med" len="med"/>
+                      <a:tailEnd w="med" len="med"/>
+                    </a:lnR>
+                    <a:lnT w="12700" cap="flat" cmpd="sng" algn="ctr">
+                      <a:solidFill>
+                        <a:schemeClr val="tx1"/>
+                      </a:solidFill>
+                      <a:prstDash val="solid"/>
+                      <a:round/>
+                      <a:headEnd w="med" len="med"/>
+                      <a:tailEnd w="med" len="med"/>
+                    </a:lnT>
+                    <a:lnB w="12700" cap="flat" cmpd="sng" algn="ctr">
+                      <a:solidFill>
+                        <a:schemeClr val="tx1"/>
+                      </a:solidFill>
+                      <a:prstDash val="solid"/>
+                      <a:round/>
+                      <a:headEnd w="med" len="med"/>
+                      <a:tailEnd w="med" len="med"/>
+                    </a:lnB>
+                    <a:solidFill>
+                      <a:schemeClr val="lt1"/>
+                    </a:solidFill>
+                  </a:tcPr>
+                </a:tc>
+              </a:tr>
+              <a:tr h="515210">
+                <a:tc>
+                  <a:txBody>
+                    <a:bodyPr vert="horz" wrap="square" lIns="91440" tIns="45720" rIns="91440" bIns="45720" anchor="ctr" anchorCtr="1">
+                      <a:spAutoFit/>
+                    </a:bodyPr>
+                    <a:p>
+                      <a:pPr algn="ctr">
+                        <a:defRPr/>
+                      </a:pPr>
+                      <a:endParaRPr lang="en-US" altLang="ko-KR" sz="1100">
+                        <a:solidFill>
+                          <a:schemeClr val="dk1"/>
+                        </a:solidFill>
+                      </a:endParaRPr>
+                    </a:p>
+                  </a:txBody>
+                  <a:tcPr marL="91440" marR="91440" anchor="ctr" anchorCtr="1">
+                    <a:lnL w="12700" cap="flat" cmpd="sng" algn="ctr">
+                      <a:solidFill>
+                        <a:schemeClr val="tx1"/>
+                      </a:solidFill>
+                      <a:prstDash val="solid"/>
+                      <a:round/>
+                      <a:headEnd w="med" len="med"/>
+                      <a:tailEnd w="med" len="med"/>
+                    </a:lnL>
+                    <a:lnR w="12700" cap="flat" cmpd="sng" algn="ctr">
+                      <a:solidFill>
+                        <a:schemeClr val="tx1"/>
+                      </a:solidFill>
+                      <a:prstDash val="solid"/>
+                      <a:round/>
+                      <a:headEnd w="med" len="med"/>
+                      <a:tailEnd w="med" len="med"/>
+                    </a:lnR>
+                    <a:lnT w="12700" cap="flat" cmpd="sng" algn="ctr">
+                      <a:solidFill>
+                        <a:schemeClr val="tx1"/>
+                      </a:solidFill>
+                      <a:prstDash val="solid"/>
+                      <a:round/>
+                      <a:headEnd w="med" len="med"/>
+                      <a:tailEnd w="med" len="med"/>
+                    </a:lnT>
+                    <a:lnB w="12700" cap="flat" cmpd="sng" algn="ctr">
+                      <a:solidFill>
+                        <a:schemeClr val="tx1"/>
+                      </a:solidFill>
+                      <a:prstDash val="solid"/>
+                      <a:round/>
+                      <a:headEnd w="med" len="med"/>
+                      <a:tailEnd w="med" len="med"/>
+                    </a:lnB>
+                    <a:solidFill>
+                      <a:schemeClr val="lt1"/>
+                    </a:solidFill>
+                  </a:tcPr>
+                </a:tc>
+                <a:tc>
+                  <a:txBody>
+                    <a:bodyPr vert="horz" wrap="square" lIns="91440" tIns="45720" rIns="91440" bIns="45720" anchor="ctr" anchorCtr="1">
+                      <a:spAutoFit/>
+                    </a:bodyPr>
+                    <a:p>
+                      <a:pPr>
+                        <a:defRPr/>
+                      </a:pPr>
+                      <a:endParaRPr lang="ko-KR" altLang="en-US" sz="1100">
+                        <a:solidFill>
+                          <a:schemeClr val="dk1"/>
+                        </a:solidFill>
+                      </a:endParaRPr>
+                    </a:p>
+                  </a:txBody>
+                  <a:tcPr marL="91440" marR="91440" anchor="ctr" anchorCtr="1">
+                    <a:lnL w="12700" cap="flat" cmpd="sng" algn="ctr">
+                      <a:solidFill>
+                        <a:schemeClr val="tx1"/>
+                      </a:solidFill>
+                      <a:prstDash val="solid"/>
+                      <a:round/>
+                      <a:headEnd w="med" len="med"/>
+                      <a:tailEnd w="med" len="med"/>
+                    </a:lnL>
+                    <a:lnR w="12700" cap="flat" cmpd="sng" algn="ctr">
+                      <a:solidFill>
+                        <a:schemeClr val="tx1"/>
+                      </a:solidFill>
+                      <a:prstDash val="solid"/>
+                      <a:round/>
+                      <a:headEnd w="med" len="med"/>
+                      <a:tailEnd w="med" len="med"/>
+                    </a:lnR>
+                    <a:lnT w="12700" cap="flat" cmpd="sng" algn="ctr">
+                      <a:solidFill>
+                        <a:schemeClr val="tx1"/>
+                      </a:solidFill>
+                      <a:prstDash val="solid"/>
+                      <a:round/>
+                      <a:headEnd w="med" len="med"/>
+                      <a:tailEnd w="med" len="med"/>
+                    </a:lnT>
+                    <a:lnB w="12700" cap="flat" cmpd="sng" algn="ctr">
+                      <a:solidFill>
+                        <a:schemeClr val="tx1"/>
+                      </a:solidFill>
+                      <a:prstDash val="solid"/>
+                      <a:round/>
+                      <a:headEnd w="med" len="med"/>
+                      <a:tailEnd w="med" len="med"/>
+                    </a:lnB>
+                    <a:solidFill>
+                      <a:schemeClr val="lt1"/>
+                    </a:solidFill>
+                  </a:tcPr>
+                </a:tc>
+              </a:tr>
+              <a:tr h="515210">
+                <a:tc>
+                  <a:txBody>
+                    <a:bodyPr vert="horz" wrap="square" lIns="91440" tIns="45720" rIns="91440" bIns="45720" anchor="ctr" anchorCtr="1">
+                      <a:spAutoFit/>
+                    </a:bodyPr>
+                    <a:p>
+                      <a:pPr algn="ctr">
+                        <a:defRPr/>
+                      </a:pPr>
+                      <a:endParaRPr lang="en-US" altLang="ko-KR" sz="1100">
+                        <a:solidFill>
+                          <a:schemeClr val="dk1"/>
+                        </a:solidFill>
+                      </a:endParaRPr>
+                    </a:p>
+                  </a:txBody>
+                  <a:tcPr marL="91440" marR="91440" anchor="ctr" anchorCtr="1">
+                    <a:lnL w="12700" cap="flat" cmpd="sng" algn="ctr">
+                      <a:solidFill>
+                        <a:schemeClr val="tx1"/>
+                      </a:solidFill>
+                      <a:prstDash val="solid"/>
+                      <a:round/>
+                      <a:headEnd w="med" len="med"/>
+                      <a:tailEnd w="med" len="med"/>
+                    </a:lnL>
+                    <a:lnR w="12700" cap="flat" cmpd="sng" algn="ctr">
+                      <a:solidFill>
+                        <a:schemeClr val="tx1"/>
+                      </a:solidFill>
+                      <a:prstDash val="solid"/>
+                      <a:round/>
+                      <a:headEnd w="med" len="med"/>
+                      <a:tailEnd w="med" len="med"/>
+                    </a:lnR>
+                    <a:lnT w="12700" cap="flat" cmpd="sng" algn="ctr">
+                      <a:solidFill>
+                        <a:schemeClr val="tx1"/>
+                      </a:solidFill>
+                      <a:prstDash val="solid"/>
+                      <a:round/>
+                      <a:headEnd w="med" len="med"/>
+                      <a:tailEnd w="med" len="med"/>
+                    </a:lnT>
+                    <a:lnB w="12700" cap="flat" cmpd="sng" algn="ctr">
+                      <a:solidFill>
+                        <a:schemeClr val="tx1"/>
+                      </a:solidFill>
+                      <a:prstDash val="solid"/>
+                      <a:round/>
+                      <a:headEnd w="med" len="med"/>
+                      <a:tailEnd w="med" len="med"/>
+                    </a:lnB>
+                    <a:solidFill>
+                      <a:schemeClr val="lt1"/>
+                    </a:solidFill>
+                  </a:tcPr>
+                </a:tc>
+                <a:tc>
+                  <a:txBody>
+                    <a:bodyPr vert="horz" wrap="square" lIns="91440" tIns="45720" rIns="91440" bIns="45720" anchor="ctr" anchorCtr="1">
+                      <a:spAutoFit/>
+                    </a:bodyPr>
+                    <a:p>
+                      <a:pPr>
+                        <a:defRPr/>
+                      </a:pPr>
+                      <a:endParaRPr lang="ko-KR" altLang="en-US" sz="1100">
+                        <a:solidFill>
+                          <a:schemeClr val="dk1"/>
+                        </a:solidFill>
+                      </a:endParaRPr>
+                    </a:p>
+                  </a:txBody>
+                  <a:tcPr marL="91440" marR="91440" anchor="ctr" anchorCtr="1">
+                    <a:lnL w="12700" cap="flat" cmpd="sng" algn="ctr">
+                      <a:solidFill>
+                        <a:schemeClr val="tx1"/>
+                      </a:solidFill>
+                      <a:prstDash val="solid"/>
+                      <a:round/>
+                      <a:headEnd w="med" len="med"/>
+                      <a:tailEnd w="med" len="med"/>
+                    </a:lnL>
+                    <a:lnR w="12700" cap="flat" cmpd="sng" algn="ctr">
+                      <a:solidFill>
+                        <a:schemeClr val="tx1"/>
+                      </a:solidFill>
+                      <a:prstDash val="solid"/>
+                      <a:round/>
+                      <a:headEnd w="med" len="med"/>
+                      <a:tailEnd w="med" len="med"/>
+                    </a:lnR>
+                    <a:lnT w="12700" cap="flat" cmpd="sng" algn="ctr">
+                      <a:solidFill>
+                        <a:schemeClr val="tx1"/>
+                      </a:solidFill>
+                      <a:prstDash val="solid"/>
+                      <a:round/>
+                      <a:headEnd w="med" len="med"/>
+                      <a:tailEnd w="med" len="med"/>
+                    </a:lnT>
+                    <a:lnB w="12700" cap="flat" cmpd="sng" algn="ctr">
+                      <a:solidFill>
+                        <a:schemeClr val="tx1"/>
+                      </a:solidFill>
+                      <a:prstDash val="solid"/>
+                      <a:round/>
+                      <a:headEnd w="med" len="med"/>
+                      <a:tailEnd w="med" len="med"/>
+                    </a:lnB>
+                    <a:solidFill>
+                      <a:schemeClr val="lt1"/>
+                    </a:solidFill>
+                  </a:tcPr>
+                </a:tc>
+              </a:tr>
+              <a:tr h="515210">
+                <a:tc>
+                  <a:txBody>
+                    <a:bodyPr vert="horz" wrap="square" lIns="91440" tIns="45720" rIns="91440" bIns="45720" anchor="ctr" anchorCtr="1">
+                      <a:spAutoFit/>
+                    </a:bodyPr>
+                    <a:p>
+                      <a:pPr algn="ctr">
+                        <a:defRPr/>
+                      </a:pPr>
+                      <a:endParaRPr lang="en-US" altLang="ko-KR" sz="1100">
+                        <a:solidFill>
+                          <a:schemeClr val="dk1"/>
+                        </a:solidFill>
+                      </a:endParaRPr>
+                    </a:p>
+                  </a:txBody>
+                  <a:tcPr marL="91440" marR="91440" anchor="ctr" anchorCtr="1">
+                    <a:lnL w="12700" cap="flat" cmpd="sng" algn="ctr">
+                      <a:solidFill>
+                        <a:schemeClr val="tx1"/>
+                      </a:solidFill>
+                      <a:prstDash val="solid"/>
+                      <a:round/>
+                      <a:headEnd w="med" len="med"/>
+                      <a:tailEnd w="med" len="med"/>
+                    </a:lnL>
+                    <a:lnR w="12700" cap="flat" cmpd="sng" algn="ctr">
+                      <a:solidFill>
+                        <a:schemeClr val="tx1"/>
+                      </a:solidFill>
+                      <a:prstDash val="solid"/>
+                      <a:round/>
+                      <a:headEnd w="med" len="med"/>
+                      <a:tailEnd w="med" len="med"/>
+                    </a:lnR>
+                    <a:lnT w="12700" cap="flat" cmpd="sng" algn="ctr">
+                      <a:solidFill>
+                        <a:schemeClr val="tx1"/>
+                      </a:solidFill>
+                      <a:prstDash val="solid"/>
+                      <a:round/>
+                      <a:headEnd w="med" len="med"/>
+                      <a:tailEnd w="med" len="med"/>
+                    </a:lnT>
+                    <a:lnB w="12700" cap="flat" cmpd="sng" algn="ctr">
+                      <a:solidFill>
+                        <a:schemeClr val="tx1"/>
+                      </a:solidFill>
+                      <a:prstDash val="solid"/>
+                      <a:round/>
+                      <a:headEnd w="med" len="med"/>
+                      <a:tailEnd w="med" len="med"/>
+                    </a:lnB>
+                    <a:solidFill>
+                      <a:schemeClr val="lt1"/>
+                    </a:solidFill>
+                  </a:tcPr>
+                </a:tc>
+                <a:tc>
+                  <a:txBody>
+                    <a:bodyPr vert="horz" wrap="square" lIns="91440" tIns="45720" rIns="91440" bIns="45720" anchor="ctr" anchorCtr="1">
+                      <a:spAutoFit/>
+                    </a:bodyPr>
+                    <a:p>
+                      <a:pPr>
+                        <a:defRPr/>
+                      </a:pPr>
+                      <a:endParaRPr lang="ko-KR" altLang="en-US" sz="1100">
+                        <a:solidFill>
+                          <a:schemeClr val="dk1"/>
+                        </a:solidFill>
+                      </a:endParaRPr>
+                    </a:p>
+                  </a:txBody>
+                  <a:tcPr marL="91440" marR="91440" anchor="ctr" anchorCtr="1">
+                    <a:lnL w="12700" cap="flat" cmpd="sng" algn="ctr">
+                      <a:solidFill>
+                        <a:schemeClr val="tx1"/>
+                      </a:solidFill>
+                      <a:prstDash val="solid"/>
+                      <a:round/>
+                      <a:headEnd w="med" len="med"/>
+                      <a:tailEnd w="med" len="med"/>
+                    </a:lnL>
+                    <a:lnR w="12700" cap="flat" cmpd="sng" algn="ctr">
+                      <a:solidFill>
+                        <a:schemeClr val="tx1"/>
+                      </a:solidFill>
+                      <a:prstDash val="solid"/>
+                      <a:round/>
+                      <a:headEnd w="med" len="med"/>
+                      <a:tailEnd w="med" len="med"/>
+                    </a:lnR>
+                    <a:lnT w="12700" cap="flat" cmpd="sng" algn="ctr">
+                      <a:solidFill>
+                        <a:schemeClr val="tx1"/>
+                      </a:solidFill>
+                      <a:prstDash val="solid"/>
+                      <a:round/>
+                      <a:headEnd w="med" len="med"/>
+                      <a:tailEnd w="med" len="med"/>
+                    </a:lnT>
+                    <a:lnB w="12700" cap="flat" cmpd="sng" algn="ctr">
+                      <a:solidFill>
+                        <a:schemeClr val="tx1"/>
+                      </a:solidFill>
+                      <a:prstDash val="solid"/>
+                      <a:round/>
+                      <a:headEnd w="med" len="med"/>
+                      <a:tailEnd w="med" len="med"/>
+                    </a:lnB>
+                    <a:solidFill>
+                      <a:schemeClr val="lt1"/>
+                    </a:solidFill>
+                  </a:tcPr>
+                </a:tc>
+              </a:tr>
+            </a:tbl>
+          </a:graphicData>
+        </a:graphic>
+      </p:graphicFrame>
+      <p:sp>
+        <p:nvSpPr>
+          <p:cNvPr id="287" name="Shape 434"/>
+          <p:cNvSpPr/>
+          <p:nvPr/>
+        </p:nvSpPr>
+        <p:spPr>
+          <a:xfrm>
+            <a:off x="1881887" y="1123603"/>
+            <a:ext cx="2908790" cy="5152103"/>
+          </a:xfrm>
+          <a:prstGeom prst="rect">
+            <a:avLst/>
+          </a:prstGeom>
+          <a:ln>
+            <a:solidFill>
+              <a:srgbClr val="000000">
+                <a:alpha val="100000"/>
+              </a:srgbClr>
+            </a:solidFill>
+          </a:ln>
+        </p:spPr>
+        <p:txBody>
+          <a:bodyPr lIns="45324" tIns="45324" rIns="45324" bIns="45324"/>
+          <a:p>
+            <a:pPr marL="0" indent="0" algn="ctr" defTabSz="906145" rtl="0" eaLnBrk="1" latinLnBrk="0" hangingPunct="0">
+              <a:lnSpc>
+                <a:spcPct val="120000"/>
+              </a:lnSpc>
+              <a:spcBef>
+                <a:spcPct val="0"/>
+              </a:spcBef>
+              <a:spcAft>
+                <a:spcPts val="0"/>
+              </a:spcAft>
+              <a:buNone/>
+              <a:defRPr sz="700" b="1">
+                <a:latin typeface="Wingdings"/>
+                <a:ea typeface="Wingdings"/>
+                <a:cs typeface="Wingdings"/>
+                <a:sym typeface="Wingdings"/>
+              </a:defRPr>
+            </a:pPr>
+            <a:endParaRPr xmlns:mc="http://schemas.openxmlformats.org/markup-compatibility/2006" xmlns:hp="http://schemas.haansoft.com/office/presentation/8.0" kumimoji="0" sz="700" b="1" i="0" u="none" strike="noStrike" kern="0" cap="none" spc="0" normalizeH="0" baseline="0" mc:Ignorable="hp" hp:hslEmbossed="0">
+              <a:solidFill>
+                <a:srgbClr val="000000"/>
+              </a:solidFill>
+              <a:latin typeface="맑은 고딕"/>
+              <a:ea typeface="맑은 고딕"/>
+              <a:cs typeface="맑은 고딕"/>
+              <a:sym typeface="맑은 고딕"/>
+            </a:endParaRPr>
+          </a:p>
+        </p:txBody>
+      </p:sp>
+      <p:sp>
+        <p:nvSpPr>
+          <p:cNvPr id="288" name="타원 50"/>
+          <p:cNvSpPr/>
+          <p:nvPr/>
+        </p:nvSpPr>
+        <p:spPr>
+          <a:xfrm>
+            <a:off x="2715106" y="1268760"/>
+            <a:ext cx="1239708" cy="628317"/>
+          </a:xfrm>
+          <a:prstGeom prst="ellipse">
+            <a:avLst/>
+          </a:prstGeom>
+          <a:noFill/>
+          <a:ln w="3175" cap="flat" cmpd="sng" algn="ctr">
+            <a:solidFill>
+              <a:srgbClr val="bfbfbf">
+                <a:alpha val="100000"/>
+              </a:srgbClr>
+            </a:solidFill>
+            <a:prstDash val="solid"/>
+          </a:ln>
+        </p:spPr>
+        <p:txBody>
+          <a:bodyPr anchor="ctr"/>
+          <a:p>
+            <a:pPr marL="0" indent="0" algn="ctr" defTabSz="914400" rtl="0" eaLnBrk="1" latinLnBrk="1" hangingPunct="1">
+              <a:lnSpc>
+                <a:spcPct val="100000"/>
+              </a:lnSpc>
+              <a:spcBef>
+                <a:spcPct val="0"/>
+              </a:spcBef>
+              <a:spcAft>
+                <a:spcPts val="0"/>
+              </a:spcAft>
+              <a:buNone/>
+              <a:defRPr/>
+            </a:pPr>
+            <a:r>
+              <a:rPr xmlns:mc="http://schemas.openxmlformats.org/markup-compatibility/2006" xmlns:hp="http://schemas.haansoft.com/office/presentation/8.0" kumimoji="0" lang="ko-KR" altLang="en-US" sz="900" b="0" i="0" u="none" strike="noStrike" kern="1200" cap="none" spc="0" normalizeH="0" baseline="0" mc:Ignorable="hp" hp:hslEmbossed="0">
+                <a:solidFill>
+                  <a:srgbClr val="000000"/>
+                </a:solidFill>
+                <a:latin typeface="Calibri"/>
+                <a:ea typeface="맑은 고딕"/>
+                <a:cs typeface="맑은 고딕"/>
+              </a:rPr>
+              <a:t>로고</a:t>
+            </a:r>
+            <a:endParaRPr xmlns:mc="http://schemas.openxmlformats.org/markup-compatibility/2006" xmlns:hp="http://schemas.haansoft.com/office/presentation/8.0" kumimoji="0" lang="ko-KR" altLang="en-US" sz="900" b="0" i="0" u="none" strike="noStrike" kern="1200" cap="none" spc="0" normalizeH="0" baseline="0" mc:Ignorable="hp" hp:hslEmbossed="0">
+              <a:solidFill>
+                <a:srgbClr val="000000"/>
+              </a:solidFill>
+              <a:latin typeface="Calibri"/>
+              <a:ea typeface="맑은 고딕"/>
+              <a:cs typeface="맑은 고딕"/>
+            </a:endParaRPr>
+          </a:p>
+        </p:txBody>
+      </p:sp>
+      <p:sp>
+        <p:nvSpPr>
+          <p:cNvPr id="291" name=""/>
+          <p:cNvSpPr/>
+          <p:nvPr/>
+        </p:nvSpPr>
+        <p:spPr>
+          <a:xfrm>
+            <a:off x="1892449" y="5825449"/>
+            <a:ext cx="2898228" cy="450256"/>
+          </a:xfrm>
+          <a:prstGeom prst="rect">
+            <a:avLst/>
+          </a:prstGeom>
+          <a:solidFill>
+            <a:srgbClr val="ffffff">
+              <a:alpha val="100000"/>
+            </a:srgbClr>
+          </a:solidFill>
+          <a:ln w="19050" cap="flat" cmpd="sng" algn="ctr">
+            <a:solidFill>
+              <a:srgbClr val="9be5c8">
+                <a:alpha val="100000"/>
+              </a:srgbClr>
+            </a:solidFill>
+            <a:prstDash val="solid"/>
+          </a:ln>
+        </p:spPr>
+        <p:txBody>
+          <a:bodyPr anchor="ctr"/>
+          <a:p>
+            <a:pPr marL="0" indent="0" algn="ctr" defTabSz="914400" rtl="0" eaLnBrk="1" latinLnBrk="1" hangingPunct="1">
+              <a:lnSpc>
+                <a:spcPct val="100000"/>
+              </a:lnSpc>
+              <a:spcBef>
+                <a:spcPct val="0"/>
+              </a:spcBef>
+              <a:spcAft>
+                <a:spcPts val="0"/>
+              </a:spcAft>
+              <a:buNone/>
+              <a:defRPr/>
+            </a:pPr>
+            <a:endParaRPr xmlns:mc="http://schemas.openxmlformats.org/markup-compatibility/2006" xmlns:hp="http://schemas.haansoft.com/office/presentation/8.0" kumimoji="0" lang="ko-KR" altLang="en-US" sz="1800" b="0" i="0" u="none" strike="noStrike" kern="1200" cap="none" spc="0" normalizeH="0" baseline="0" mc:Ignorable="hp" hp:hslEmbossed="0">
+              <a:solidFill>
+                <a:srgbClr val="ffffff"/>
+              </a:solidFill>
+              <a:latin typeface="Calibri"/>
+              <a:ea typeface="맑은 고딕"/>
+              <a:cs typeface="맑은 고딕"/>
+            </a:endParaRPr>
+          </a:p>
+        </p:txBody>
+      </p:sp>
+      <p:graphicFrame>
+        <p:nvGraphicFramePr>
+          <p:cNvPr id="292" name=""/>
+          <p:cNvGraphicFramePr>
+            <a:graphicFrameLocks noGrp="1"/>
+          </p:cNvGraphicFramePr>
+          <p:nvPr/>
+        </p:nvGraphicFramePr>
+        <p:xfrm>
+          <a:off x="1881886" y="5825450"/>
+          <a:ext cx="2907396" cy="450256"/>
+        </p:xfrm>
+        <a:graphic>
+          <a:graphicData uri="http://schemas.openxmlformats.org/drawingml/2006/table">
+            <a:tbl>
+              <a:tblPr firstRow="1" bandRow="1">
+                <a:tableStyleId>{01A66EDD-3DAB-4C5B-A090-DC80EC1FD486}</a:tableStyleId>
+              </a:tblPr>
+              <a:tblGrid>
+                <a:gridCol w="727197"/>
+                <a:gridCol w="725805"/>
+                <a:gridCol w="727197"/>
+                <a:gridCol w="727197"/>
+              </a:tblGrid>
+              <a:tr h="450256">
+                <a:tc>
+                  <a:txBody>
+                    <a:bodyPr vert="horz" wrap="square" lIns="91440" tIns="45720" rIns="91440" bIns="45720" anchor="t" anchorCtr="0">
+                      <a:spAutoFit/>
+                    </a:bodyPr>
+                    <a:p>
+                      <a:pPr marL="0" algn="ctr" defTabSz="914400" rtl="0" eaLnBrk="1" latinLnBrk="1" hangingPunct="1">
+                        <a:buNone/>
+                        <a:defRPr/>
+                      </a:pPr>
+                      <a:r>
+                        <a:rPr xmlns:mc="http://schemas.openxmlformats.org/markup-compatibility/2006" xmlns:hp="http://schemas.haansoft.com/office/presentation/8.0" kumimoji="0" lang="ko-KR" altLang="en-US" sz="1800" b="1" i="0" u="none" strike="noStrike" kern="1200" cap="none" normalizeH="0" baseline="0" mc:Ignorable="hp" hp:hslEmbossed="0">
+                          <a:ln w="9525">
+                            <a:solidFill>
+                              <a:srgbClr val="ffffff"/>
+                            </a:solidFill>
+                          </a:ln>
+                          <a:solidFill>
+                            <a:srgbClr val="000000"/>
+                          </a:solidFill>
+                          <a:latin typeface="Calibri"/>
+                          <a:ea typeface="맑은 고딕"/>
+                          <a:cs typeface="맑은 고딕"/>
+                        </a:rPr>
+                        <a:t>홈</a:t>
+                      </a:r>
+                      <a:endParaRPr xmlns:mc="http://schemas.openxmlformats.org/markup-compatibility/2006" xmlns:hp="http://schemas.haansoft.com/office/presentation/8.0" kumimoji="0" lang="en-US" altLang="ko-KR" sz="1800" b="1" i="0" u="none" strike="noStrike" kern="1200" cap="none" normalizeH="0" baseline="0" mc:Ignorable="hp" hp:hslEmbossed="0">
+                        <a:ln w="9525">
+                          <a:solidFill>
+                            <a:srgbClr val="ffffff"/>
+                          </a:solidFill>
+                        </a:ln>
+                        <a:solidFill>
+                          <a:srgbClr val="000000"/>
+                        </a:solidFill>
+                        <a:latin typeface="Calibri"/>
+                        <a:ea typeface="맑은 고딕"/>
+                        <a:cs typeface="Calibri"/>
+                      </a:endParaRPr>
+                    </a:p>
+                  </a:txBody>
+                  <a:tcPr marL="91440" marR="91440">
+                    <a:lnL w="25400" cap="flat" cmpd="sng" algn="ctr">
+                      <a:solidFill>
+                        <a:srgbClr val="69d8ad">
+                          <a:alpha val="100000"/>
+                        </a:srgbClr>
+                      </a:solidFill>
+                      <a:prstDash val="solid"/>
+                      <a:round/>
+                      <a:headEnd w="med" len="med"/>
+                      <a:tailEnd w="med" len="med"/>
+                    </a:lnL>
+                    <a:lnR w="25400" cap="flat" cmpd="sng" algn="ctr">
+                      <a:solidFill>
+                        <a:srgbClr val="69d8ad">
+                          <a:alpha val="100000"/>
+                        </a:srgbClr>
+                      </a:solidFill>
+                      <a:prstDash val="solid"/>
+                      <a:round/>
+                      <a:headEnd w="med" len="med"/>
+                      <a:tailEnd w="med" len="med"/>
+                    </a:lnR>
+                    <a:lnT w="25400" cap="flat" cmpd="sng" algn="ctr">
+                      <a:solidFill>
+                        <a:srgbClr val="69d8ad">
+                          <a:alpha val="100000"/>
+                        </a:srgbClr>
+                      </a:solidFill>
+                      <a:prstDash val="solid"/>
+                      <a:round/>
+                      <a:headEnd w="med" len="med"/>
+                      <a:tailEnd w="med" len="med"/>
+                    </a:lnT>
+                    <a:lnB w="25400" cap="flat" cmpd="sng" algn="ctr">
+                      <a:solidFill>
+                        <a:srgbClr val="69d8ad">
+                          <a:alpha val="100000"/>
+                        </a:srgbClr>
+                      </a:solidFill>
+                      <a:prstDash val="solid"/>
+                      <a:round/>
+                      <a:headEnd w="med" len="med"/>
+                      <a:tailEnd w="med" len="med"/>
+                    </a:lnB>
+                    <a:solidFill>
+                      <a:srgbClr val="ffffff">
+                        <a:alpha val="100000"/>
+                      </a:srgbClr>
+                    </a:solidFill>
+                  </a:tcPr>
+                </a:tc>
+                <a:tc>
+                  <a:txBody>
+                    <a:bodyPr vert="horz" wrap="square" lIns="91440" tIns="45720" rIns="91440" bIns="45720" anchor="t" anchorCtr="0">
+                      <a:spAutoFit/>
+                    </a:bodyPr>
+                    <a:p>
+                      <a:pPr marL="0" algn="ctr" defTabSz="914400" rtl="0" eaLnBrk="1" latinLnBrk="1" hangingPunct="1">
+                        <a:buNone/>
+                        <a:defRPr/>
+                      </a:pPr>
+                      <a:r>
+                        <a:rPr xmlns:mc="http://schemas.openxmlformats.org/markup-compatibility/2006" xmlns:hp="http://schemas.haansoft.com/office/presentation/8.0" kumimoji="0" lang="ko-KR" altLang="en-US" sz="1800" b="1" i="0" u="none" strike="noStrike" kern="1200" cap="none" normalizeH="0" baseline="0" mc:Ignorable="hp" hp:hslEmbossed="0">
+                          <a:ln w="9525">
+                            <a:solidFill>
+                              <a:srgbClr val="ffffff"/>
+                            </a:solidFill>
+                          </a:ln>
+                          <a:solidFill>
+                            <a:srgbClr val="000000"/>
+                          </a:solidFill>
+                          <a:latin typeface="Calibri"/>
+                          <a:ea typeface="맑은 고딕"/>
+                          <a:cs typeface="맑은 고딕"/>
+                        </a:rPr>
+                        <a:t>상품</a:t>
+                      </a:r>
+                      <a:endParaRPr xmlns:mc="http://schemas.openxmlformats.org/markup-compatibility/2006" xmlns:hp="http://schemas.haansoft.com/office/presentation/8.0" kumimoji="0" lang="ko-KR" altLang="en-US" sz="1800" b="1" i="0" u="none" strike="noStrike" kern="1200" cap="none" normalizeH="0" baseline="0" mc:Ignorable="hp" hp:hslEmbossed="0">
+                        <a:ln w="9525">
+                          <a:solidFill>
+                            <a:srgbClr val="ffffff"/>
+                          </a:solidFill>
+                        </a:ln>
+                        <a:solidFill>
+                          <a:srgbClr val="000000"/>
+                        </a:solidFill>
+                        <a:latin typeface="Calibri"/>
+                        <a:ea typeface="맑은 고딕"/>
+                        <a:cs typeface="맑은 고딕"/>
+                      </a:endParaRPr>
+                    </a:p>
+                  </a:txBody>
+                  <a:tcPr marL="91440" marR="91440">
+                    <a:lnL w="25400" cap="flat" cmpd="sng" algn="ctr">
+                      <a:solidFill>
+                        <a:srgbClr val="69d8ad">
+                          <a:alpha val="100000"/>
+                        </a:srgbClr>
+                      </a:solidFill>
+                      <a:prstDash val="solid"/>
+                      <a:round/>
+                      <a:headEnd w="med" len="med"/>
+                      <a:tailEnd w="med" len="med"/>
+                    </a:lnL>
+                    <a:lnR w="25400" cap="flat" cmpd="sng" algn="ctr">
+                      <a:solidFill>
+                        <a:srgbClr val="69d8ad">
+                          <a:alpha val="100000"/>
+                        </a:srgbClr>
+                      </a:solidFill>
+                      <a:prstDash val="solid"/>
+                      <a:round/>
+                      <a:headEnd w="med" len="med"/>
+                      <a:tailEnd w="med" len="med"/>
+                    </a:lnR>
+                    <a:lnT w="25400" cap="flat" cmpd="sng" algn="ctr">
+                      <a:solidFill>
+                        <a:srgbClr val="69d8ad">
+                          <a:alpha val="100000"/>
+                        </a:srgbClr>
+                      </a:solidFill>
+                      <a:prstDash val="solid"/>
+                      <a:round/>
+                      <a:headEnd w="med" len="med"/>
+                      <a:tailEnd w="med" len="med"/>
+                    </a:lnT>
+                    <a:lnB w="25400" cap="flat" cmpd="sng" algn="ctr">
+                      <a:solidFill>
+                        <a:srgbClr val="69d8ad">
+                          <a:alpha val="100000"/>
+                        </a:srgbClr>
+                      </a:solidFill>
+                      <a:prstDash val="solid"/>
+                      <a:round/>
+                      <a:headEnd w="med" len="med"/>
+                      <a:tailEnd w="med" len="med"/>
+                    </a:lnB>
+                    <a:solidFill>
+                      <a:srgbClr val="ffffff">
+                        <a:alpha val="100000"/>
+                      </a:srgbClr>
+                    </a:solidFill>
+                  </a:tcPr>
+                </a:tc>
+                <a:tc>
+                  <a:txBody>
+                    <a:bodyPr vert="horz" wrap="square" lIns="91440" tIns="45720" rIns="91440" bIns="45720" anchor="t" anchorCtr="0">
+                      <a:spAutoFit/>
+                    </a:bodyPr>
+                    <a:p>
+                      <a:pPr marL="0" algn="ctr" defTabSz="914400" rtl="0" eaLnBrk="1" latinLnBrk="1" hangingPunct="1">
+                        <a:buNone/>
+                        <a:defRPr/>
+                      </a:pPr>
+                      <a:r>
+                        <a:rPr xmlns:mc="http://schemas.openxmlformats.org/markup-compatibility/2006" xmlns:hp="http://schemas.haansoft.com/office/presentation/8.0" kumimoji="0" lang="ko-KR" altLang="en-US" sz="1800" b="1" i="0" u="none" strike="noStrike" kern="1200" cap="none" normalizeH="0" baseline="0" mc:Ignorable="hp" hp:hslEmbossed="0">
+                          <a:ln w="9525">
+                            <a:solidFill>
+                              <a:srgbClr val="ffffff"/>
+                            </a:solidFill>
+                          </a:ln>
+                          <a:solidFill>
+                            <a:srgbClr val="000000"/>
+                          </a:solidFill>
+                          <a:latin typeface="Calibri"/>
+                          <a:ea typeface="맑은 고딕"/>
+                          <a:cs typeface="맑은 고딕"/>
+                        </a:rPr>
+                        <a:t>검색</a:t>
+                      </a:r>
+                      <a:endParaRPr xmlns:mc="http://schemas.openxmlformats.org/markup-compatibility/2006" xmlns:hp="http://schemas.haansoft.com/office/presentation/8.0" kumimoji="0" lang="ko-KR" altLang="en-US" sz="1800" b="1" i="0" u="none" strike="noStrike" kern="1200" cap="none" normalizeH="0" baseline="0" mc:Ignorable="hp" hp:hslEmbossed="0">
+                        <a:ln w="9525">
+                          <a:solidFill>
+                            <a:srgbClr val="ffffff"/>
+                          </a:solidFill>
+                        </a:ln>
+                        <a:solidFill>
+                          <a:srgbClr val="000000"/>
+                        </a:solidFill>
+                        <a:latin typeface="Calibri"/>
+                        <a:ea typeface="맑은 고딕"/>
+                        <a:cs typeface="맑은 고딕"/>
+                      </a:endParaRPr>
+                    </a:p>
+                  </a:txBody>
+                  <a:tcPr marL="91440" marR="91440">
+                    <a:lnL w="25400" cap="flat" cmpd="sng" algn="ctr">
+                      <a:solidFill>
+                        <a:srgbClr val="69d8ad">
+                          <a:alpha val="100000"/>
+                        </a:srgbClr>
+                      </a:solidFill>
+                      <a:prstDash val="solid"/>
+                      <a:round/>
+                      <a:headEnd w="med" len="med"/>
+                      <a:tailEnd w="med" len="med"/>
+                    </a:lnL>
+                    <a:lnR w="25400" cap="flat" cmpd="sng" algn="ctr">
+                      <a:solidFill>
+                        <a:srgbClr val="69d8ad">
+                          <a:alpha val="100000"/>
+                        </a:srgbClr>
+                      </a:solidFill>
+                      <a:prstDash val="solid"/>
+                      <a:round/>
+                      <a:headEnd w="med" len="med"/>
+                      <a:tailEnd w="med" len="med"/>
+                    </a:lnR>
+                    <a:lnT w="25400" cap="flat" cmpd="sng" algn="ctr">
+                      <a:solidFill>
+                        <a:srgbClr val="69d8ad">
+                          <a:alpha val="100000"/>
+                        </a:srgbClr>
+                      </a:solidFill>
+                      <a:prstDash val="solid"/>
+                      <a:round/>
+                      <a:headEnd w="med" len="med"/>
+                      <a:tailEnd w="med" len="med"/>
+                    </a:lnT>
+                    <a:lnB w="25400" cap="flat" cmpd="sng" algn="ctr">
+                      <a:solidFill>
+                        <a:srgbClr val="69d8ad">
+                          <a:alpha val="100000"/>
+                        </a:srgbClr>
+                      </a:solidFill>
+                      <a:prstDash val="solid"/>
+                      <a:round/>
+                      <a:headEnd w="med" len="med"/>
+                      <a:tailEnd w="med" len="med"/>
+                    </a:lnB>
+                    <a:solidFill>
+                      <a:srgbClr val="ffffff">
+                        <a:alpha val="100000"/>
+                      </a:srgbClr>
+                    </a:solidFill>
+                  </a:tcPr>
+                </a:tc>
+                <a:tc>
+                  <a:txBody>
+                    <a:bodyPr vert="horz" wrap="square" lIns="91440" tIns="45720" rIns="91440" bIns="45720" anchor="t" anchorCtr="0">
+                      <a:spAutoFit/>
+                    </a:bodyPr>
+                    <a:p>
+                      <a:pPr marL="0" algn="ctr" defTabSz="914400" rtl="0" eaLnBrk="1" latinLnBrk="1" hangingPunct="1">
+                        <a:buNone/>
+                        <a:defRPr/>
+                      </a:pPr>
+                      <a:r>
+                        <a:rPr xmlns:mc="http://schemas.openxmlformats.org/markup-compatibility/2006" xmlns:hp="http://schemas.haansoft.com/office/presentation/8.0" kumimoji="0" lang="ko-KR" altLang="en-US" sz="1800" b="1" i="0" u="none" strike="noStrike" kern="1200" cap="none" normalizeH="0" baseline="0" mc:Ignorable="hp" hp:hslEmbossed="0">
+                          <a:ln w="9525">
+                            <a:solidFill>
+                              <a:srgbClr val="ffffff"/>
+                            </a:solidFill>
+                          </a:ln>
+                          <a:solidFill>
+                            <a:srgbClr val="000000"/>
+                          </a:solidFill>
+                          <a:latin typeface="Calibri"/>
+                          <a:ea typeface="맑은 고딕"/>
+                          <a:cs typeface="맑은 고딕"/>
+                        </a:rPr>
+                        <a:t>마이</a:t>
+                      </a:r>
+                      <a:endParaRPr xmlns:mc="http://schemas.openxmlformats.org/markup-compatibility/2006" xmlns:hp="http://schemas.haansoft.com/office/presentation/8.0" kumimoji="0" lang="ko-KR" altLang="en-US" sz="1800" b="1" i="0" u="none" strike="noStrike" kern="1200" cap="none" normalizeH="0" baseline="0" mc:Ignorable="hp" hp:hslEmbossed="0">
+                        <a:ln w="9525">
+                          <a:solidFill>
+                            <a:srgbClr val="ffffff"/>
+                          </a:solidFill>
+                        </a:ln>
+                        <a:solidFill>
+                          <a:srgbClr val="000000"/>
+                        </a:solidFill>
+                        <a:latin typeface="Calibri"/>
+                        <a:ea typeface="맑은 고딕"/>
+                        <a:cs typeface="맑은 고딕"/>
+                      </a:endParaRPr>
+                    </a:p>
+                  </a:txBody>
+                  <a:tcPr marL="91440" marR="91440">
+                    <a:lnL w="25400" cap="flat" cmpd="sng" algn="ctr">
+                      <a:solidFill>
+                        <a:srgbClr val="69d8ad">
+                          <a:alpha val="100000"/>
+                        </a:srgbClr>
+                      </a:solidFill>
+                      <a:prstDash val="solid"/>
+                      <a:round/>
+                      <a:headEnd w="med" len="med"/>
+                      <a:tailEnd w="med" len="med"/>
+                    </a:lnL>
+                    <a:lnR w="25400" cap="flat" cmpd="sng" algn="ctr">
+                      <a:solidFill>
+                        <a:srgbClr val="69d8ad">
+                          <a:alpha val="100000"/>
+                        </a:srgbClr>
+                      </a:solidFill>
+                      <a:prstDash val="solid"/>
+                      <a:round/>
+                      <a:headEnd w="med" len="med"/>
+                      <a:tailEnd w="med" len="med"/>
+                    </a:lnR>
+                    <a:lnT w="25400" cap="flat" cmpd="sng" algn="ctr">
+                      <a:solidFill>
+                        <a:srgbClr val="69d8ad">
+                          <a:alpha val="100000"/>
+                        </a:srgbClr>
+                      </a:solidFill>
+                      <a:prstDash val="solid"/>
+                      <a:round/>
+                      <a:headEnd w="med" len="med"/>
+                      <a:tailEnd w="med" len="med"/>
+                    </a:lnT>
+                    <a:lnB w="25400" cap="flat" cmpd="sng" algn="ctr">
+                      <a:solidFill>
+                        <a:srgbClr val="69d8ad">
+                          <a:alpha val="100000"/>
+                        </a:srgbClr>
+                      </a:solidFill>
+                      <a:prstDash val="solid"/>
+                      <a:round/>
+                      <a:headEnd w="med" len="med"/>
+                      <a:tailEnd w="med" len="med"/>
+                    </a:lnB>
+                    <a:solidFill>
+                      <a:srgbClr val="ffffff">
+                        <a:alpha val="100000"/>
+                      </a:srgbClr>
+                    </a:solidFill>
+                  </a:tcPr>
+                </a:tc>
+              </a:tr>
+            </a:tbl>
+          </a:graphicData>
+        </a:graphic>
+      </p:graphicFrame>
+      <p:sp>
+        <p:nvSpPr>
+          <p:cNvPr id="297" name="타원 83"/>
+          <p:cNvSpPr/>
+          <p:nvPr/>
+        </p:nvSpPr>
+        <p:spPr>
+          <a:xfrm>
+            <a:off x="1810448" y="5825449"/>
+            <a:ext cx="142876" cy="142876"/>
+          </a:xfrm>
+          <a:prstGeom prst="ellipse">
+            <a:avLst/>
+          </a:prstGeom>
+          <a:solidFill>
+            <a:srgbClr val="fce700">
+              <a:alpha val="100000"/>
+            </a:srgbClr>
+          </a:solidFill>
+          <a:ln w="19050" cap="flat" cmpd="sng" algn="ctr">
+            <a:noFill/>
+            <a:prstDash val="solid"/>
+          </a:ln>
+        </p:spPr>
+        <p:txBody>
+          <a:bodyPr lIns="0" tIns="0" rIns="0" bIns="0" anchor="ctr"/>
+          <a:p>
+            <a:pPr marL="0" indent="0" algn="ctr" defTabSz="914400" rtl="0" eaLnBrk="1" latinLnBrk="1" hangingPunct="1">
+              <a:lnSpc>
+                <a:spcPct val="100000"/>
+              </a:lnSpc>
+              <a:spcBef>
+                <a:spcPct val="0"/>
+              </a:spcBef>
+              <a:spcAft>
+                <a:spcPts val="0"/>
+              </a:spcAft>
+              <a:buNone/>
+              <a:defRPr/>
+            </a:pPr>
+            <a:r>
+              <a:rPr xmlns:mc="http://schemas.openxmlformats.org/markup-compatibility/2006" xmlns:hp="http://schemas.haansoft.com/office/presentation/8.0" kumimoji="0" lang="en-US" altLang="ko-KR" sz="900" b="1" i="0" u="none" strike="noStrike" kern="1200" cap="none" spc="0" normalizeH="0" baseline="0" mc:Ignorable="hp" hp:hslEmbossed="0">
+                <a:solidFill>
+                  <a:srgbClr val="663300"/>
+                </a:solidFill>
+                <a:latin typeface="Calibri"/>
+                <a:ea typeface="맑은 고딕"/>
+                <a:cs typeface="Calibri"/>
+              </a:rPr>
+              <a:t>3</a:t>
+            </a:r>
+            <a:endParaRPr xmlns:mc="http://schemas.openxmlformats.org/markup-compatibility/2006" xmlns:hp="http://schemas.haansoft.com/office/presentation/8.0" kumimoji="0" lang="en-US" altLang="ko-KR" sz="900" b="1" i="0" u="none" strike="noStrike" kern="1200" cap="none" spc="0" normalizeH="0" baseline="0" mc:Ignorable="hp" hp:hslEmbossed="0">
+              <a:solidFill>
+                <a:srgbClr val="663300"/>
+              </a:solidFill>
+              <a:latin typeface="Calibri"/>
+              <a:ea typeface="맑은 고딕"/>
+              <a:cs typeface="Calibri"/>
+            </a:endParaRPr>
+          </a:p>
+        </p:txBody>
+      </p:sp>
+      <p:sp>
+        <p:nvSpPr>
+          <p:cNvPr id="298" name=""/>
+          <p:cNvSpPr/>
+          <p:nvPr/>
+        </p:nvSpPr>
+        <p:spPr>
+          <a:xfrm>
+            <a:off x="1881886" y="2022748"/>
+            <a:ext cx="2896833" cy="3802701"/>
+          </a:xfrm>
+          <a:prstGeom prst="rect">
+            <a:avLst/>
+          </a:prstGeom>
+          <a:solidFill>
+            <a:schemeClr val="lt1"/>
+          </a:solidFill>
+        </p:spPr>
+        <p:style>
+          <a:lnRef idx="2">
+            <a:schemeClr val="accent1">
+              <a:shade val="20000"/>
+            </a:schemeClr>
+          </a:lnRef>
+          <a:fillRef idx="1">
+            <a:schemeClr val="accent1"/>
+          </a:fillRef>
+          <a:effectRef idx="0">
+            <a:schemeClr val="accent1"/>
+          </a:effectRef>
+          <a:fontRef idx="minor">
+            <a:schemeClr val="lt1"/>
+          </a:fontRef>
+        </p:style>
+        <p:txBody>
+          <a:bodyPr anchor="ctr"/>
+          <a:p>
+            <a:pPr algn="ctr">
+              <a:defRPr/>
+            </a:pPr>
+            <a:endParaRPr lang="ko-KR" altLang="en-US"/>
+          </a:p>
+        </p:txBody>
+      </p:sp>
+      <p:sp>
+        <p:nvSpPr>
+          <p:cNvPr id="299" name=""/>
+          <p:cNvSpPr/>
+          <p:nvPr/>
+        </p:nvSpPr>
+        <p:spPr>
+          <a:xfrm>
+            <a:off x="1892449" y="2022748"/>
+            <a:ext cx="720090" cy="661478"/>
+          </a:xfrm>
+          <a:prstGeom prst="rect">
+            <a:avLst/>
+          </a:prstGeom>
+        </p:spPr>
+        <p:style>
+          <a:lnRef idx="2">
+            <a:schemeClr val="accent1">
+              <a:shade val="20000"/>
+            </a:schemeClr>
+          </a:lnRef>
+          <a:fillRef idx="1">
+            <a:schemeClr val="accent1"/>
+          </a:fillRef>
+          <a:effectRef idx="0">
+            <a:schemeClr val="accent1"/>
+          </a:effectRef>
+          <a:fontRef idx="minor">
+            <a:schemeClr val="lt1"/>
+          </a:fontRef>
+        </p:style>
+        <p:txBody>
+          <a:bodyPr anchor="ctr"/>
+          <a:p>
+            <a:pPr algn="ctr">
+              <a:defRPr/>
+            </a:pPr>
+            <a:endParaRPr lang="ko-KR" altLang="en-US"/>
+          </a:p>
+        </p:txBody>
+      </p:sp>
+      <p:sp>
+        <p:nvSpPr>
+          <p:cNvPr id="302" name=""/>
+          <p:cNvSpPr/>
+          <p:nvPr/>
+        </p:nvSpPr>
+        <p:spPr>
+          <a:xfrm>
+            <a:off x="2610212" y="2022747"/>
+            <a:ext cx="720090" cy="661478"/>
+          </a:xfrm>
+          <a:prstGeom prst="rect">
+            <a:avLst/>
+          </a:prstGeom>
+          <a:solidFill>
+            <a:srgbClr val="6182d6">
+              <a:alpha val="100000"/>
+            </a:srgbClr>
+          </a:solidFill>
+          <a:ln w="19050" cap="flat" cmpd="sng" algn="ctr">
+            <a:solidFill>
+              <a:srgbClr val="2e3e67">
+                <a:alpha val="100000"/>
+              </a:srgbClr>
+            </a:solidFill>
+            <a:prstDash val="solid"/>
+          </a:ln>
+        </p:spPr>
+        <p:txBody>
+          <a:bodyPr anchor="ctr"/>
+          <a:p>
+            <a:pPr marL="0" indent="0" algn="ctr" defTabSz="914400" rtl="0" eaLnBrk="1" latinLnBrk="1" hangingPunct="1">
+              <a:lnSpc>
+                <a:spcPct val="100000"/>
+              </a:lnSpc>
+              <a:spcBef>
+                <a:spcPct val="0"/>
+              </a:spcBef>
+              <a:spcAft>
+                <a:spcPts val="0"/>
+              </a:spcAft>
+              <a:buNone/>
+              <a:defRPr/>
+            </a:pPr>
+            <a:endParaRPr xmlns:mc="http://schemas.openxmlformats.org/markup-compatibility/2006" xmlns:hp="http://schemas.haansoft.com/office/presentation/8.0" kumimoji="0" lang="ko-KR" altLang="en-US" sz="1800" b="0" i="0" u="none" strike="noStrike" kern="1200" cap="none" spc="0" normalizeH="0" baseline="0" mc:Ignorable="hp" hp:hslEmbossed="0">
+              <a:solidFill>
+                <a:srgbClr val="ffffff"/>
+              </a:solidFill>
+              <a:latin typeface="Calibri"/>
+              <a:ea typeface="맑은 고딕"/>
+              <a:cs typeface="맑은 고딕"/>
+            </a:endParaRPr>
+          </a:p>
+        </p:txBody>
+      </p:sp>
+      <p:sp>
+        <p:nvSpPr>
+          <p:cNvPr id="303" name=""/>
+          <p:cNvSpPr/>
+          <p:nvPr/>
+        </p:nvSpPr>
+        <p:spPr>
+          <a:xfrm>
+            <a:off x="3330302" y="2022747"/>
+            <a:ext cx="720090" cy="661478"/>
+          </a:xfrm>
+          <a:prstGeom prst="rect">
+            <a:avLst/>
+          </a:prstGeom>
+          <a:solidFill>
+            <a:srgbClr val="6182d6">
+              <a:alpha val="100000"/>
+            </a:srgbClr>
+          </a:solidFill>
+          <a:ln w="19050" cap="flat" cmpd="sng" algn="ctr">
+            <a:solidFill>
+              <a:srgbClr val="2e3e67">
+                <a:alpha val="100000"/>
+              </a:srgbClr>
+            </a:solidFill>
+            <a:prstDash val="solid"/>
+          </a:ln>
+        </p:spPr>
+        <p:txBody>
+          <a:bodyPr anchor="ctr"/>
+          <a:p>
+            <a:pPr marL="0" indent="0" algn="ctr" defTabSz="914400" rtl="0" eaLnBrk="1" latinLnBrk="1" hangingPunct="1">
+              <a:lnSpc>
+                <a:spcPct val="100000"/>
+              </a:lnSpc>
+              <a:spcBef>
+                <a:spcPct val="0"/>
+              </a:spcBef>
+              <a:spcAft>
+                <a:spcPts val="0"/>
+              </a:spcAft>
+              <a:buNone/>
+              <a:defRPr/>
+            </a:pPr>
+            <a:endParaRPr xmlns:mc="http://schemas.openxmlformats.org/markup-compatibility/2006" xmlns:hp="http://schemas.haansoft.com/office/presentation/8.0" kumimoji="0" lang="ko-KR" altLang="en-US" sz="1800" b="0" i="0" u="none" strike="noStrike" kern="1200" cap="none" spc="0" normalizeH="0" baseline="0" mc:Ignorable="hp" hp:hslEmbossed="0">
+              <a:solidFill>
+                <a:srgbClr val="ffffff"/>
+              </a:solidFill>
+              <a:latin typeface="Calibri"/>
+              <a:ea typeface="맑은 고딕"/>
+              <a:cs typeface="맑은 고딕"/>
+            </a:endParaRPr>
+          </a:p>
+        </p:txBody>
+      </p:sp>
+      <p:sp>
+        <p:nvSpPr>
+          <p:cNvPr id="304" name=""/>
+          <p:cNvSpPr/>
+          <p:nvPr/>
+        </p:nvSpPr>
+        <p:spPr>
+          <a:xfrm>
+            <a:off x="4050392" y="2022748"/>
+            <a:ext cx="720090" cy="661478"/>
+          </a:xfrm>
+          <a:prstGeom prst="rect">
+            <a:avLst/>
+          </a:prstGeom>
+          <a:solidFill>
+            <a:srgbClr val="6182d6">
+              <a:alpha val="100000"/>
+            </a:srgbClr>
+          </a:solidFill>
+          <a:ln w="19050" cap="flat" cmpd="sng" algn="ctr">
+            <a:solidFill>
+              <a:srgbClr val="2e3e67">
+                <a:alpha val="100000"/>
+              </a:srgbClr>
+            </a:solidFill>
+            <a:prstDash val="solid"/>
+          </a:ln>
+        </p:spPr>
+        <p:txBody>
+          <a:bodyPr anchor="ctr"/>
+          <a:p>
+            <a:pPr marL="0" indent="0" algn="ctr" defTabSz="914400" rtl="0" eaLnBrk="1" latinLnBrk="1" hangingPunct="1">
+              <a:lnSpc>
+                <a:spcPct val="100000"/>
+              </a:lnSpc>
+              <a:spcBef>
+                <a:spcPct val="0"/>
+              </a:spcBef>
+              <a:spcAft>
+                <a:spcPts val="0"/>
+              </a:spcAft>
+              <a:buNone/>
+              <a:defRPr/>
+            </a:pPr>
+            <a:endParaRPr xmlns:mc="http://schemas.openxmlformats.org/markup-compatibility/2006" xmlns:hp="http://schemas.haansoft.com/office/presentation/8.0" kumimoji="0" lang="ko-KR" altLang="en-US" sz="1800" b="0" i="0" u="none" strike="noStrike" kern="1200" cap="none" spc="0" normalizeH="0" baseline="0" mc:Ignorable="hp" hp:hslEmbossed="0">
+              <a:solidFill>
+                <a:srgbClr val="ffffff"/>
+              </a:solidFill>
+              <a:latin typeface="Calibri"/>
+              <a:ea typeface="맑은 고딕"/>
+              <a:cs typeface="맑은 고딕"/>
+            </a:endParaRPr>
+          </a:p>
+        </p:txBody>
+      </p:sp>
+    </p:spTree>
+  </p:cSld>
+  <p:clrMapOvr>
+    <a:masterClrMapping/>
+  </p:clrMapOvr>
+  <mc:AlternateContent xmlns:mc="http://schemas.openxmlformats.org/markup-compatibility/2006">
+    <mc:Choice xmlns:p14="http://schemas.microsoft.com/office/powerpoint/2010/main" Requires="p14">
+      <p:transition xmlns:mc="http://schemas.openxmlformats.org/markup-compatibility/2006" xmlns:p14="http://schemas.microsoft.com/office/powerpoint/2010/main" mc:Ignorable="p14" p14:dur="500"/>
+    </mc:Choice>
+    <mc:Fallback>
+      <p:transition/>
+    </mc:Fallback>
+  </mc:AlternateContent>
+</p:sld>
+</file>
+
 <file path=ppt/slides/slide2.xml><?xml version="1.0" encoding="utf-8"?>
 <p:sld xmlns:r="http://schemas.openxmlformats.org/officeDocument/2006/relationships" xmlns:c="http://schemas.openxmlformats.org/drawingml/2006/chart" xmlns:a="http://schemas.openxmlformats.org/drawingml/2006/main" xmlns:dgm="http://schemas.openxmlformats.org/drawingml/2006/diagram" xmlns:dsp="http://schemas.microsoft.com/office/drawing/2008/diagram" xmlns:p="http://schemas.openxmlformats.org/presentationml/2006/main">
   <p:cSld>
@@ -25284,7 +27544,7 @@
         </p:nvGraphicFramePr>
         <p:xfrm>
           <a:off x="7984818" y="1123603"/>
-          <a:ext cx="3850930" cy="3458925"/>
+          <a:ext cx="3850930" cy="3974135"/>
         </p:xfrm>
         <a:graphic>
           <a:graphicData uri="http://schemas.openxmlformats.org/drawingml/2006/table">
@@ -25446,9 +27706,9 @@
                             <a:schemeClr val="dk1"/>
                           </a:solidFill>
                         </a:rPr>
-                        <a:t>사용자가 담아 놓은 장바구니 관리 페이지</a:t>
+                        <a:t>장바구니에 있는 상품들 결제 페이지</a:t>
                       </a:r>
-                      <a:endParaRPr lang="en-US" altLang="ko-KR" sz="1100">
+                      <a:endParaRPr lang="ko-KR" altLang="en-US" sz="1100">
                         <a:solidFill>
                           <a:schemeClr val="dk1"/>
                         </a:solidFill>
@@ -25756,9 +28016,67 @@
                             <a:schemeClr val="dk1"/>
                           </a:solidFill>
                         </a:rPr>
-                        <a:t>장바구니 상품 목록 출력</a:t>
+                        <a:t>내 주소 </a:t>
+                      </a:r>
+                      <a:r>
+                        <a:rPr lang="en-US" altLang="ko-KR" sz="1100">
+                          <a:solidFill>
+                            <a:schemeClr val="dk1"/>
+                          </a:solidFill>
+                        </a:rPr>
+                        <a:t>:</a:t>
+                      </a:r>
+                      <a:r>
+                        <a:rPr lang="ko-KR" altLang="en-US" sz="1100">
+                          <a:solidFill>
+                            <a:schemeClr val="dk1"/>
+                          </a:solidFill>
+                        </a:rPr>
+                        <a:t> 사용자가 저장한 주소 출력</a:t>
                       </a:r>
                       <a:endParaRPr lang="ko-KR" altLang="en-US" sz="1100">
+                        <a:solidFill>
+                          <a:schemeClr val="dk1"/>
+                        </a:solidFill>
+                      </a:endParaRPr>
+                    </a:p>
+                    <a:p>
+                      <a:pPr>
+                        <a:defRPr/>
+                      </a:pPr>
+                      <a:r>
+                        <a:rPr lang="ko-KR" altLang="en-US" sz="1100">
+                          <a:solidFill>
+                            <a:schemeClr val="dk1"/>
+                          </a:solidFill>
+                        </a:rPr>
+                        <a:t>주소 검색 </a:t>
+                      </a:r>
+                      <a:r>
+                        <a:rPr lang="en-US" altLang="ko-KR" sz="1100">
+                          <a:solidFill>
+                            <a:schemeClr val="dk1"/>
+                          </a:solidFill>
+                        </a:rPr>
+                        <a:t>:</a:t>
+                      </a:r>
+                      <a:r>
+                        <a:rPr lang="ko-KR" altLang="en-US" sz="1100">
+                          <a:solidFill>
+                            <a:schemeClr val="dk1"/>
+                          </a:solidFill>
+                        </a:rPr>
+                        <a:t> 다음 주소검색 </a:t>
+                      </a:r>
+                      <a:r>
+                        <a:rPr lang="en-US" altLang="ko-KR" sz="1100">
+                          <a:solidFill>
+                            <a:schemeClr val="dk1"/>
+                          </a:solidFill>
+                        </a:rPr>
+                        <a:t>api</a:t>
+                      </a:r>
+                      <a:endParaRPr lang="en-US" altLang="ko-KR" sz="1100">
                         <a:solidFill>
                           <a:schemeClr val="dk1"/>
                         </a:solidFill>
@@ -25890,7 +28208,23 @@
                             <a:schemeClr val="dk1"/>
                           </a:solidFill>
                         </a:rPr>
-                        <a:t>장바구니 상품 총 금액</a:t>
+                        <a:t>주문내역 </a:t>
+                      </a:r>
+                      <a:r>
+                        <a:rPr lang="en-US" altLang="ko-KR" sz="1100">
+                          <a:solidFill>
+                            <a:schemeClr val="dk1"/>
+                          </a:solidFill>
+                        </a:rPr>
+                        <a:t>:</a:t>
+                      </a:r>
+                      <a:r>
+                        <a:rPr lang="ko-KR" altLang="en-US" sz="1100">
+                          <a:solidFill>
+                            <a:schemeClr val="dk1"/>
+                          </a:solidFill>
+                        </a:rPr>
+                        <a:t> 구매할 상품들 전체 가격과 수량 출력</a:t>
                       </a:r>
                       <a:endParaRPr lang="ko-KR" altLang="en-US" sz="1100">
                         <a:solidFill>
@@ -26019,12 +28353,70 @@
                         <a:defRPr/>
                       </a:pPr>
                       <a:r>
+                        <a:rPr lang="en-US" altLang="ko-KR" sz="1100">
+                          <a:solidFill>
+                            <a:schemeClr val="dk1"/>
+                          </a:solidFill>
+                        </a:rPr>
+                        <a:t>-</a:t>
+                      </a:r>
+                      <a:r>
                         <a:rPr lang="ko-KR" altLang="en-US" sz="1100">
                           <a:solidFill>
                             <a:schemeClr val="dk1"/>
                           </a:solidFill>
                         </a:rPr>
-                        <a:t>주문 결제 페이지로 이동</a:t>
+                        <a:t> 쿠폰 선택 버튼 </a:t>
+                      </a:r>
+                      <a:r>
+                        <a:rPr lang="en-US" altLang="ko-KR" sz="1100">
+                          <a:solidFill>
+                            <a:schemeClr val="dk1"/>
+                          </a:solidFill>
+                        </a:rPr>
+                        <a:t>(</a:t>
+                      </a:r>
+                      <a:r>
+                        <a:rPr lang="ko-KR" altLang="en-US" sz="1100">
+                          <a:solidFill>
+                            <a:schemeClr val="dk1"/>
+                          </a:solidFill>
+                        </a:rPr>
+                        <a:t> 선택후 쿠폰 이름</a:t>
+                      </a:r>
+                      <a:r>
+                        <a:rPr lang="en-US" altLang="ko-KR" sz="1100">
+                          <a:solidFill>
+                            <a:schemeClr val="dk1"/>
+                          </a:solidFill>
+                        </a:rPr>
+                        <a:t>)</a:t>
+                      </a:r>
+                      <a:endParaRPr lang="en-US" altLang="ko-KR" sz="1100">
+                        <a:solidFill>
+                          <a:schemeClr val="dk1"/>
+                        </a:solidFill>
+                      </a:endParaRPr>
+                    </a:p>
+                    <a:p>
+                      <a:pPr>
+                        <a:defRPr/>
+                      </a:pPr>
+                      <a:r>
+                        <a:rPr lang="en-US" altLang="ko-KR" sz="1100">
+                          <a:solidFill>
+                            <a:schemeClr val="dk1"/>
+                          </a:solidFill>
+                        </a:rPr>
+                        <a:t>-</a:t>
+                      </a:r>
+                      <a:r>
+                        <a:rPr lang="ko-KR" altLang="en-US" sz="1100">
+                          <a:solidFill>
+                            <a:schemeClr val="dk1"/>
+                          </a:solidFill>
+                        </a:rPr>
+                        <a:t> 쿠폰으로 할인되는 금액</a:t>
                       </a:r>
                       <a:endParaRPr lang="ko-KR" altLang="en-US" sz="1100">
                         <a:solidFill>
@@ -26158,7 +28550,141 @@
                             <a:schemeClr val="dk1"/>
                           </a:solidFill>
                         </a:rPr>
-                        <a:t>장바구니에서 상품 삭제</a:t>
+                        <a:t>가격</a:t>
+                      </a:r>
+                      <a:endParaRPr lang="ko-KR" altLang="en-US" sz="1100">
+                        <a:solidFill>
+                          <a:schemeClr val="dk1"/>
+                        </a:solidFill>
+                      </a:endParaRPr>
+                    </a:p>
+                  </a:txBody>
+                  <a:tcPr marL="91440" marR="91440" anchor="ctr" anchorCtr="1">
+                    <a:lnL w="12700" cap="flat" cmpd="sng" algn="ctr">
+                      <a:solidFill>
+                        <a:schemeClr val="tx1"/>
+                      </a:solidFill>
+                      <a:prstDash val="solid"/>
+                      <a:round/>
+                      <a:headEnd w="med" len="med"/>
+                      <a:tailEnd w="med" len="med"/>
+                    </a:lnL>
+                    <a:lnR w="12700" cap="flat" cmpd="sng" algn="ctr">
+                      <a:solidFill>
+                        <a:schemeClr val="tx1"/>
+                      </a:solidFill>
+                      <a:prstDash val="solid"/>
+                      <a:round/>
+                      <a:headEnd w="med" len="med"/>
+                      <a:tailEnd w="med" len="med"/>
+                    </a:lnR>
+                    <a:lnT w="12700" cap="flat" cmpd="sng" algn="ctr">
+                      <a:solidFill>
+                        <a:schemeClr val="tx1"/>
+                      </a:solidFill>
+                      <a:prstDash val="solid"/>
+                      <a:round/>
+                      <a:headEnd w="med" len="med"/>
+                      <a:tailEnd w="med" len="med"/>
+                    </a:lnT>
+                    <a:lnB w="12700" cap="flat" cmpd="sng" algn="ctr">
+                      <a:solidFill>
+                        <a:schemeClr val="tx1"/>
+                      </a:solidFill>
+                      <a:prstDash val="solid"/>
+                      <a:round/>
+                      <a:headEnd w="med" len="med"/>
+                      <a:tailEnd w="med" len="med"/>
+                    </a:lnB>
+                    <a:solidFill>
+                      <a:schemeClr val="lt1"/>
+                    </a:solidFill>
+                  </a:tcPr>
+                </a:tc>
+              </a:tr>
+              <a:tr h="515210">
+                <a:tc>
+                  <a:txBody>
+                    <a:bodyPr vert="horz" wrap="square" lIns="91440" tIns="45720" rIns="91440" bIns="45720" anchor="ctr" anchorCtr="1">
+                      <a:spAutoFit/>
+                    </a:bodyPr>
+                    <a:p>
+                      <a:pPr algn="ctr">
+                        <a:defRPr/>
+                      </a:pPr>
+                      <a:r>
+                        <a:rPr lang="en-US" altLang="ko-KR" sz="1100">
+                          <a:solidFill>
+                            <a:schemeClr val="dk1"/>
+                          </a:solidFill>
+                        </a:rPr>
+                        <a:t>5</a:t>
+                      </a:r>
+                      <a:endParaRPr lang="en-US" altLang="ko-KR" sz="1100">
+                        <a:solidFill>
+                          <a:schemeClr val="dk1"/>
+                        </a:solidFill>
+                      </a:endParaRPr>
+                    </a:p>
+                  </a:txBody>
+                  <a:tcPr marL="91440" marR="91440" anchor="ctr" anchorCtr="1">
+                    <a:lnL w="12700" cap="flat" cmpd="sng" algn="ctr">
+                      <a:solidFill>
+                        <a:schemeClr val="tx1"/>
+                      </a:solidFill>
+                      <a:prstDash val="solid"/>
+                      <a:round/>
+                      <a:headEnd w="med" len="med"/>
+                      <a:tailEnd w="med" len="med"/>
+                    </a:lnL>
+                    <a:lnR w="12700" cap="flat" cmpd="sng" algn="ctr">
+                      <a:solidFill>
+                        <a:schemeClr val="tx1"/>
+                      </a:solidFill>
+                      <a:prstDash val="solid"/>
+                      <a:round/>
+                      <a:headEnd w="med" len="med"/>
+                      <a:tailEnd w="med" len="med"/>
+                    </a:lnR>
+                    <a:lnT w="12700" cap="flat" cmpd="sng" algn="ctr">
+                      <a:solidFill>
+                        <a:schemeClr val="tx1"/>
+                      </a:solidFill>
+                      <a:prstDash val="solid"/>
+                      <a:round/>
+                      <a:headEnd w="med" len="med"/>
+                      <a:tailEnd w="med" len="med"/>
+                    </a:lnT>
+                    <a:lnB w="12700" cap="flat" cmpd="sng" algn="ctr">
+                      <a:solidFill>
+                        <a:schemeClr val="tx1"/>
+                      </a:solidFill>
+                      <a:prstDash val="solid"/>
+                      <a:round/>
+                      <a:headEnd w="med" len="med"/>
+                      <a:tailEnd w="med" len="med"/>
+                    </a:lnB>
+                    <a:solidFill>
+                      <a:schemeClr val="lt1"/>
+                    </a:solidFill>
+                  </a:tcPr>
+                </a:tc>
+                <a:tc>
+                  <a:txBody>
+                    <a:bodyPr vert="horz" wrap="square" lIns="91440" tIns="45720" rIns="91440" bIns="45720" anchor="ctr" anchorCtr="1">
+                      <a:spAutoFit/>
+                    </a:bodyPr>
+                    <a:p>
+                      <a:pPr>
+                        <a:defRPr/>
+                      </a:pPr>
+                      <a:r>
+                        <a:rPr lang="ko-KR" altLang="en-US" sz="1100">
+                          <a:solidFill>
+                            <a:schemeClr val="dk1"/>
+                          </a:solidFill>
+                        </a:rPr>
+                        <a:t>결제 버튼</a:t>
                       </a:r>
                       <a:endParaRPr lang="ko-KR" altLang="en-US" sz="1100">
                         <a:solidFill>
@@ -26433,7 +28959,7 @@
                 <a:ea typeface="맑은 고딕"/>
                 <a:cs typeface="Calibri"/>
               </a:rPr>
-              <a:t>2</a:t>
+              <a:t>4</a:t>
             </a:r>
             <a:endParaRPr xmlns:mc="http://schemas.openxmlformats.org/markup-compatibility/2006" xmlns:hp="http://schemas.haansoft.com/office/presentation/8.0" kumimoji="0" lang="en-US" altLang="ko-KR" sz="900" b="1" i="0" u="none" strike="noStrike" kern="1200" cap="none" spc="0" normalizeH="0" baseline="0" mc:Ignorable="hp" hp:hslEmbossed="0">
               <a:solidFill>
@@ -26488,7 +29014,7 @@
             </a:pPr>
             <a:r>
               <a:rPr lang="ko-KR" altLang="en-US"/>
-              <a:t>주문하기</a:t>
+              <a:t>결제하기</a:t>
             </a:r>
             <a:endParaRPr lang="ko-KR" altLang="en-US"/>
           </a:p>
@@ -26543,7 +29069,7 @@
                 <a:ea typeface="맑은 고딕"/>
                 <a:cs typeface="Calibri"/>
               </a:rPr>
-              <a:t>3</a:t>
+              <a:t>5</a:t>
             </a:r>
             <a:endParaRPr xmlns:mc="http://schemas.openxmlformats.org/markup-compatibility/2006" xmlns:hp="http://schemas.haansoft.com/office/presentation/8.0" kumimoji="0" lang="en-US" altLang="ko-KR" sz="900" b="1" i="0" u="none" strike="noStrike" kern="1200" cap="none" spc="0" normalizeH="0" baseline="0" mc:Ignorable="hp" hp:hslEmbossed="0">
               <a:solidFill>
@@ -26613,8 +29139,8 @@
         </p:nvSpPr>
         <p:spPr>
           <a:xfrm>
-            <a:off x="644906" y="2582896"/>
-            <a:ext cx="2908790" cy="993032"/>
+            <a:off x="663723" y="2263106"/>
+            <a:ext cx="2889973" cy="1307155"/>
           </a:xfrm>
           <a:prstGeom prst="rect">
             <a:avLst/>
@@ -26825,7 +29351,7 @@
         </p:nvSpPr>
         <p:spPr>
           <a:xfrm>
-            <a:off x="581024" y="2511458"/>
+            <a:off x="573468" y="2197335"/>
             <a:ext cx="142876" cy="142876"/>
           </a:xfrm>
           <a:prstGeom prst="ellipse">
@@ -26887,8 +29413,8 @@
         </p:nvSpPr>
         <p:spPr>
           <a:xfrm>
-            <a:off x="652462" y="4152354"/>
-            <a:ext cx="2908790" cy="993032"/>
+            <a:off x="652462" y="3699654"/>
+            <a:ext cx="2901234" cy="1841563"/>
           </a:xfrm>
           <a:prstGeom prst="rect">
             <a:avLst/>
@@ -26942,7 +29468,7 @@
         </p:nvSpPr>
         <p:spPr>
           <a:xfrm>
-            <a:off x="774456" y="4272240"/>
+            <a:off x="774456" y="4149468"/>
             <a:ext cx="2672357" cy="300568"/>
           </a:xfrm>
           <a:prstGeom prst="rect">
@@ -26985,22 +29511,11 @@
                 </a:solidFill>
                 <a:latin typeface="Calibri"/>
                 <a:ea typeface="맑은 고딕"/>
-                <a:cs typeface="맑은 고딕"/>
-              </a:rPr>
-              <a:t>주소</a:t>
-            </a:r>
-            <a:r>
-              <a:rPr xmlns:mc="http://schemas.openxmlformats.org/markup-compatibility/2006" xmlns:hp="http://schemas.haansoft.com/office/presentation/8.0" kumimoji="0" lang="en-US" altLang="ko-KR" sz="1100" b="0" i="0" u="none" strike="noStrike" kern="1200" cap="none" spc="0" normalizeH="0" baseline="0" mc:Ignorable="hp" hp:hslEmbossed="0">
-                <a:solidFill>
-                  <a:srgbClr val="000000"/>
-                </a:solidFill>
-                <a:latin typeface="Calibri"/>
-                <a:ea typeface="맑은 고딕"/>
                 <a:cs typeface="Calibri"/>
               </a:rPr>
-              <a:t>1</a:t>
-            </a:r>
-            <a:endParaRPr xmlns:mc="http://schemas.openxmlformats.org/markup-compatibility/2006" xmlns:hp="http://schemas.haansoft.com/office/presentation/8.0" kumimoji="0" lang="en-US" altLang="ko-KR" sz="1100" b="0" i="0" u="none" strike="noStrike" kern="1200" cap="none" spc="0" normalizeH="0" baseline="0" mc:Ignorable="hp" hp:hslEmbossed="0">
+              <a:t>상품명 	가격	수량</a:t>
+            </a:r>
+            <a:endParaRPr xmlns:mc="http://schemas.openxmlformats.org/markup-compatibility/2006" xmlns:hp="http://schemas.haansoft.com/office/presentation/8.0" kumimoji="0" lang="ko-KR" altLang="en-US" sz="1100" b="0" i="0" u="none" strike="noStrike" kern="1200" cap="none" spc="0" normalizeH="0" baseline="0" mc:Ignorable="hp" hp:hslEmbossed="0">
               <a:solidFill>
                 <a:srgbClr val="000000"/>
               </a:solidFill>
@@ -27013,13 +29528,75 @@
       </p:sp>
       <p:sp>
         <p:nvSpPr>
-          <p:cNvPr id="213" name=""/>
+          <p:cNvPr id="214" name="타원 83"/>
           <p:cNvSpPr/>
           <p:nvPr/>
         </p:nvSpPr>
         <p:spPr>
           <a:xfrm>
-            <a:off x="774456" y="4697890"/>
+            <a:off x="573468" y="3699654"/>
+            <a:ext cx="142876" cy="142876"/>
+          </a:xfrm>
+          <a:prstGeom prst="ellipse">
+            <a:avLst/>
+          </a:prstGeom>
+          <a:solidFill>
+            <a:srgbClr val="fce700">
+              <a:alpha val="100000"/>
+            </a:srgbClr>
+          </a:solidFill>
+          <a:ln w="19050" cap="flat" cmpd="sng" algn="ctr">
+            <a:noFill/>
+            <a:prstDash val="solid"/>
+          </a:ln>
+        </p:spPr>
+        <p:txBody>
+          <a:bodyPr lIns="0" tIns="0" rIns="0" bIns="0" anchor="ctr"/>
+          <a:p>
+            <a:pPr marL="0" indent="0" algn="ctr" defTabSz="914400" rtl="0" eaLnBrk="1" latinLnBrk="1" hangingPunct="1">
+              <a:lnSpc>
+                <a:spcPct val="100000"/>
+              </a:lnSpc>
+              <a:spcBef>
+                <a:spcPct val="0"/>
+              </a:spcBef>
+              <a:spcAft>
+                <a:spcPts val="0"/>
+              </a:spcAft>
+              <a:buNone/>
+              <a:defRPr/>
+            </a:pPr>
+            <a:r>
+              <a:rPr xmlns:mc="http://schemas.openxmlformats.org/markup-compatibility/2006" xmlns:hp="http://schemas.haansoft.com/office/presentation/8.0" kumimoji="0" lang="en-US" altLang="ko-KR" sz="900" b="1" i="0" u="none" strike="noStrike" kern="1200" cap="none" spc="0" normalizeH="0" baseline="0" mc:Ignorable="hp" hp:hslEmbossed="0">
+                <a:solidFill>
+                  <a:srgbClr val="663300"/>
+                </a:solidFill>
+                <a:latin typeface="Calibri"/>
+                <a:ea typeface="맑은 고딕"/>
+                <a:cs typeface="Calibri"/>
+              </a:rPr>
+              <a:t>2</a:t>
+            </a:r>
+            <a:endParaRPr xmlns:mc="http://schemas.openxmlformats.org/markup-compatibility/2006" xmlns:hp="http://schemas.haansoft.com/office/presentation/8.0" kumimoji="0" lang="en-US" altLang="ko-KR" sz="900" b="1" i="0" u="none" strike="noStrike" kern="1200" cap="none" spc="0" normalizeH="0" baseline="0" mc:Ignorable="hp" hp:hslEmbossed="0">
+              <a:solidFill>
+                <a:srgbClr val="663300"/>
+              </a:solidFill>
+              <a:latin typeface="Calibri"/>
+              <a:ea typeface="맑은 고딕"/>
+              <a:cs typeface="Calibri"/>
+            </a:endParaRPr>
+          </a:p>
+        </p:txBody>
+      </p:sp>
+      <p:sp>
+        <p:nvSpPr>
+          <p:cNvPr id="215" name=""/>
+          <p:cNvSpPr/>
+          <p:nvPr/>
+        </p:nvSpPr>
+        <p:spPr>
+          <a:xfrm>
+            <a:off x="763122" y="4575119"/>
             <a:ext cx="2672357" cy="300568"/>
           </a:xfrm>
           <a:prstGeom prst="rect">
@@ -27062,12 +29639,250 @@
                 </a:solidFill>
                 <a:latin typeface="Calibri"/>
                 <a:ea typeface="맑은 고딕"/>
-                <a:cs typeface="맑은 고딕"/>
+                <a:cs typeface="Calibri"/>
               </a:rPr>
-              <a:t>주소 </a:t>
-            </a:r>
-            <a:r>
-              <a:rPr xmlns:mc="http://schemas.openxmlformats.org/markup-compatibility/2006" xmlns:hp="http://schemas.haansoft.com/office/presentation/8.0" kumimoji="0" lang="en-US" altLang="ko-KR" sz="1100" b="0" i="0" u="none" strike="noStrike" kern="1200" cap="none" spc="0" normalizeH="0" baseline="0" mc:Ignorable="hp" hp:hslEmbossed="0">
+              <a:t>상품명	가격	수량</a:t>
+            </a:r>
+            <a:endParaRPr xmlns:mc="http://schemas.openxmlformats.org/markup-compatibility/2006" xmlns:hp="http://schemas.haansoft.com/office/presentation/8.0" kumimoji="0" lang="ko-KR" altLang="en-US" sz="1100" b="0" i="0" u="none" strike="noStrike" kern="1200" cap="none" spc="0" normalizeH="0" baseline="0" mc:Ignorable="hp" hp:hslEmbossed="0">
+              <a:solidFill>
+                <a:srgbClr val="000000"/>
+              </a:solidFill>
+              <a:latin typeface="Calibri"/>
+              <a:ea typeface="맑은 고딕"/>
+              <a:cs typeface="Calibri"/>
+            </a:endParaRPr>
+          </a:p>
+        </p:txBody>
+      </p:sp>
+      <p:sp>
+        <p:nvSpPr>
+          <p:cNvPr id="216" name=""/>
+          <p:cNvSpPr/>
+          <p:nvPr/>
+        </p:nvSpPr>
+        <p:spPr>
+          <a:xfrm>
+            <a:off x="774456" y="5024034"/>
+            <a:ext cx="2672357" cy="300568"/>
+          </a:xfrm>
+          <a:prstGeom prst="rect">
+            <a:avLst/>
+          </a:prstGeom>
+          <a:solidFill>
+            <a:srgbClr val="ffffff">
+              <a:alpha val="100000"/>
+            </a:srgbClr>
+          </a:solidFill>
+          <a:ln w="19050" cap="flat" cmpd="sng" algn="ctr">
+            <a:solidFill>
+              <a:srgbClr val="000000">
+                <a:alpha val="100000"/>
+              </a:srgbClr>
+            </a:solidFill>
+            <a:prstDash val="solid"/>
+          </a:ln>
+        </p:spPr>
+        <p:txBody>
+          <a:bodyPr anchor="ctr"/>
+          <a:p>
+            <a:pPr marL="0" indent="0" algn="ctr" defTabSz="914400" rtl="0" eaLnBrk="1" latinLnBrk="1" hangingPunct="1">
+              <a:lnSpc>
+                <a:spcPct val="100000"/>
+              </a:lnSpc>
+              <a:spcBef>
+                <a:spcPct val="0"/>
+              </a:spcBef>
+              <a:spcAft>
+                <a:spcPts val="0"/>
+              </a:spcAft>
+              <a:buNone/>
+              <a:defRPr/>
+            </a:pPr>
+            <a:r>
+              <a:rPr xmlns:mc="http://schemas.openxmlformats.org/markup-compatibility/2006" xmlns:hp="http://schemas.haansoft.com/office/presentation/8.0" kumimoji="0" lang="ko-KR" altLang="en-US" sz="1100" b="0" i="0" u="none" strike="noStrike" kern="1200" cap="none" spc="0" normalizeH="0" baseline="0" mc:Ignorable="hp" hp:hslEmbossed="0">
+                <a:solidFill>
+                  <a:srgbClr val="000000"/>
+                </a:solidFill>
+                <a:latin typeface="Calibri"/>
+                <a:ea typeface="맑은 고딕"/>
+                <a:cs typeface="Calibri"/>
+              </a:rPr>
+              <a:t>상품명	가격	수량</a:t>
+            </a:r>
+            <a:endParaRPr xmlns:mc="http://schemas.openxmlformats.org/markup-compatibility/2006" xmlns:hp="http://schemas.haansoft.com/office/presentation/8.0" kumimoji="0" lang="ko-KR" altLang="en-US" sz="1100" b="0" i="0" u="none" strike="noStrike" kern="1200" cap="none" spc="0" normalizeH="0" baseline="0" mc:Ignorable="hp" hp:hslEmbossed="0">
+              <a:solidFill>
+                <a:srgbClr val="000000"/>
+              </a:solidFill>
+              <a:latin typeface="Calibri"/>
+              <a:ea typeface="맑은 고딕"/>
+              <a:cs typeface="Calibri"/>
+            </a:endParaRPr>
+          </a:p>
+        </p:txBody>
+      </p:sp>
+      <p:sp>
+        <p:nvSpPr>
+          <p:cNvPr id="217" name=""/>
+          <p:cNvSpPr/>
+          <p:nvPr/>
+        </p:nvSpPr>
+        <p:spPr>
+          <a:xfrm>
+            <a:off x="774456" y="3743421"/>
+            <a:ext cx="1460878" cy="334199"/>
+          </a:xfrm>
+          <a:prstGeom prst="rect">
+            <a:avLst/>
+          </a:prstGeom>
+          <a:solidFill>
+            <a:schemeClr val="lt1"/>
+          </a:solidFill>
+        </p:spPr>
+        <p:style>
+          <a:lnRef idx="2">
+            <a:schemeClr val="accent1">
+              <a:shade val="20000"/>
+            </a:schemeClr>
+          </a:lnRef>
+          <a:fillRef idx="1">
+            <a:schemeClr val="accent1"/>
+          </a:fillRef>
+          <a:effectRef idx="0">
+            <a:schemeClr val="accent1"/>
+          </a:effectRef>
+          <a:fontRef idx="minor">
+            <a:schemeClr val="lt1"/>
+          </a:fontRef>
+        </p:style>
+        <p:txBody>
+          <a:bodyPr anchor="ctr"/>
+          <a:p>
+            <a:pPr algn="ctr">
+              <a:defRPr/>
+            </a:pPr>
+            <a:r>
+              <a:rPr lang="ko-KR" altLang="en-US" sz="1300">
+                <a:solidFill>
+                  <a:schemeClr val="dk1"/>
+                </a:solidFill>
+              </a:rPr>
+              <a:t>주문내역</a:t>
+            </a:r>
+            <a:endParaRPr lang="ko-KR" altLang="en-US" sz="1300">
+              <a:solidFill>
+                <a:schemeClr val="dk1"/>
+              </a:solidFill>
+            </a:endParaRPr>
+          </a:p>
+        </p:txBody>
+      </p:sp>
+      <p:sp>
+        <p:nvSpPr>
+          <p:cNvPr id="240" name=""/>
+          <p:cNvSpPr/>
+          <p:nvPr/>
+        </p:nvSpPr>
+        <p:spPr>
+          <a:xfrm>
+            <a:off x="774456" y="2340211"/>
+            <a:ext cx="1260600" cy="242685"/>
+          </a:xfrm>
+          <a:prstGeom prst="rect">
+            <a:avLst/>
+          </a:prstGeom>
+          <a:solidFill>
+            <a:schemeClr val="lt1"/>
+          </a:solidFill>
+          <a:ln>
+            <a:solidFill>
+              <a:schemeClr val="dk1"/>
+            </a:solidFill>
+          </a:ln>
+        </p:spPr>
+        <p:style>
+          <a:lnRef idx="2">
+            <a:schemeClr val="accent1">
+              <a:shade val="20000"/>
+            </a:schemeClr>
+          </a:lnRef>
+          <a:fillRef idx="1">
+            <a:schemeClr val="accent1"/>
+          </a:fillRef>
+          <a:effectRef idx="0">
+            <a:schemeClr val="accent1"/>
+          </a:effectRef>
+          <a:fontRef idx="minor">
+            <a:schemeClr val="lt1"/>
+          </a:fontRef>
+        </p:style>
+        <p:txBody>
+          <a:bodyPr anchor="ctr"/>
+          <a:p>
+            <a:pPr algn="ctr">
+              <a:defRPr/>
+            </a:pPr>
+            <a:r>
+              <a:rPr lang="ko-KR" altLang="en-US" sz="1200">
+                <a:solidFill>
+                  <a:schemeClr val="dk1"/>
+                </a:solidFill>
+              </a:rPr>
+              <a:t>내 주소</a:t>
+            </a:r>
+            <a:endParaRPr lang="ko-KR" altLang="en-US" sz="1200">
+              <a:solidFill>
+                <a:schemeClr val="dk1"/>
+              </a:solidFill>
+            </a:endParaRPr>
+          </a:p>
+        </p:txBody>
+      </p:sp>
+      <p:sp>
+        <p:nvSpPr>
+          <p:cNvPr id="241" name=""/>
+          <p:cNvSpPr/>
+          <p:nvPr/>
+        </p:nvSpPr>
+        <p:spPr>
+          <a:xfrm>
+            <a:off x="2167784" y="2340210"/>
+            <a:ext cx="1260600" cy="242685"/>
+          </a:xfrm>
+          <a:prstGeom prst="rect">
+            <a:avLst/>
+          </a:prstGeom>
+          <a:solidFill>
+            <a:srgbClr val="ffffff">
+              <a:alpha val="100000"/>
+            </a:srgbClr>
+          </a:solidFill>
+          <a:ln w="19050" cap="flat" cmpd="sng" algn="ctr">
+            <a:solidFill>
+              <a:schemeClr val="dk1">
+                <a:alpha val="100000"/>
+              </a:schemeClr>
+            </a:solidFill>
+            <a:prstDash val="solid"/>
+          </a:ln>
+        </p:spPr>
+        <p:txBody>
+          <a:bodyPr anchor="ctr"/>
+          <a:p>
+            <a:pPr marL="0" indent="0" algn="ctr" defTabSz="914400" rtl="0" eaLnBrk="1" latinLnBrk="1" hangingPunct="1">
+              <a:lnSpc>
+                <a:spcPct val="100000"/>
+              </a:lnSpc>
+              <a:spcBef>
+                <a:spcPct val="0"/>
+              </a:spcBef>
+              <a:spcAft>
+                <a:spcPts val="0"/>
+              </a:spcAft>
+              <a:buNone/>
+              <a:defRPr/>
+            </a:pPr>
+            <a:r>
+              <a:rPr xmlns:mc="http://schemas.openxmlformats.org/markup-compatibility/2006" xmlns:hp="http://schemas.haansoft.com/office/presentation/8.0" kumimoji="0" lang="ko-KR" altLang="en-US" sz="1200" b="0" i="0" u="none" strike="noStrike" kern="1200" cap="none" spc="0" normalizeH="0" baseline="0" mc:Ignorable="hp" hp:hslEmbossed="0">
                 <a:solidFill>
                   <a:srgbClr val="000000"/>
                 </a:solidFill>
@@ -27075,10 +29890,116 @@
                 <a:ea typeface="맑은 고딕"/>
                 <a:cs typeface="맑은 고딕"/>
               </a:rPr>
-              <a:t>2(</a:t>
-            </a:r>
-            <a:r>
-              <a:rPr xmlns:mc="http://schemas.openxmlformats.org/markup-compatibility/2006" xmlns:hp="http://schemas.haansoft.com/office/presentation/8.0" kumimoji="0" lang="ko-KR" altLang="en-US" sz="1100" b="0" i="0" u="none" strike="noStrike" kern="1200" cap="none" spc="0" normalizeH="0" baseline="0" mc:Ignorable="hp" hp:hslEmbossed="0">
+              <a:t>주소검색</a:t>
+            </a:r>
+            <a:endParaRPr xmlns:mc="http://schemas.openxmlformats.org/markup-compatibility/2006" xmlns:hp="http://schemas.haansoft.com/office/presentation/8.0" kumimoji="0" lang="ko-KR" altLang="en-US" sz="1200" b="0" i="0" u="none" strike="noStrike" kern="1200" cap="none" spc="0" normalizeH="0" baseline="0" mc:Ignorable="hp" hp:hslEmbossed="0">
+              <a:solidFill>
+                <a:srgbClr val="000000"/>
+              </a:solidFill>
+              <a:latin typeface="Calibri"/>
+              <a:ea typeface="맑은 고딕"/>
+              <a:cs typeface="맑은 고딕"/>
+            </a:endParaRPr>
+          </a:p>
+        </p:txBody>
+      </p:sp>
+      <p:sp>
+        <p:nvSpPr>
+          <p:cNvPr id="264" name="Shape 434"/>
+          <p:cNvSpPr/>
+          <p:nvPr/>
+        </p:nvSpPr>
+        <p:spPr>
+          <a:xfrm>
+            <a:off x="4097329" y="1123601"/>
+            <a:ext cx="2908790" cy="5152103"/>
+          </a:xfrm>
+          <a:prstGeom prst="rect">
+            <a:avLst/>
+          </a:prstGeom>
+          <a:ln>
+            <a:solidFill>
+              <a:srgbClr val="000000">
+                <a:alpha val="100000"/>
+              </a:srgbClr>
+            </a:solidFill>
+          </a:ln>
+        </p:spPr>
+        <p:txBody>
+          <a:bodyPr lIns="45324" tIns="45324" rIns="45324" bIns="45324"/>
+          <a:p>
+            <a:pPr marL="0" indent="0" algn="ctr" defTabSz="906145" rtl="0" eaLnBrk="1" latinLnBrk="0" hangingPunct="0">
+              <a:lnSpc>
+                <a:spcPct val="120000"/>
+              </a:lnSpc>
+              <a:spcBef>
+                <a:spcPct val="0"/>
+              </a:spcBef>
+              <a:spcAft>
+                <a:spcPts val="0"/>
+              </a:spcAft>
+              <a:buNone/>
+              <a:defRPr sz="700" b="1">
+                <a:latin typeface="Wingdings"/>
+                <a:ea typeface="Wingdings"/>
+                <a:cs typeface="Wingdings"/>
+                <a:sym typeface="Wingdings"/>
+              </a:defRPr>
+            </a:pPr>
+            <a:endParaRPr xmlns:mc="http://schemas.openxmlformats.org/markup-compatibility/2006" xmlns:hp="http://schemas.haansoft.com/office/presentation/8.0" kumimoji="0" sz="700" b="1" i="0" u="none" strike="noStrike" kern="0" cap="none" spc="0" normalizeH="0" baseline="0" mc:Ignorable="hp" hp:hslEmbossed="0">
+              <a:solidFill>
+                <a:srgbClr val="000000"/>
+              </a:solidFill>
+              <a:latin typeface="맑은 고딕"/>
+              <a:ea typeface="맑은 고딕"/>
+              <a:cs typeface="맑은 고딕"/>
+              <a:sym typeface="맑은 고딕"/>
+            </a:endParaRPr>
+          </a:p>
+        </p:txBody>
+      </p:sp>
+      <p:sp>
+        <p:nvSpPr>
+          <p:cNvPr id="265" name="타원 50"/>
+          <p:cNvSpPr/>
+          <p:nvPr/>
+        </p:nvSpPr>
+        <p:spPr>
+          <a:xfrm>
+            <a:off x="4856292" y="1296430"/>
+            <a:ext cx="1239708" cy="628317"/>
+          </a:xfrm>
+          <a:prstGeom prst="ellipse">
+            <a:avLst/>
+          </a:prstGeom>
+          <a:noFill/>
+          <a:ln w="3175" cap="flat" cmpd="sng" algn="ctr">
+            <a:solidFill>
+              <a:srgbClr val="bfbfbf">
+                <a:alpha val="100000"/>
+              </a:srgbClr>
+            </a:solidFill>
+            <a:prstDash val="solid"/>
+          </a:ln>
+        </p:spPr>
+        <p:txBody>
+          <a:bodyPr anchor="ctr"/>
+          <a:p>
+            <a:pPr marL="0" indent="0" algn="ctr" defTabSz="914400" rtl="0" eaLnBrk="1" latinLnBrk="1" hangingPunct="1">
+              <a:lnSpc>
+                <a:spcPct val="100000"/>
+              </a:lnSpc>
+              <a:spcBef>
+                <a:spcPct val="0"/>
+              </a:spcBef>
+              <a:spcAft>
+                <a:spcPts val="0"/>
+              </a:spcAft>
+              <a:buNone/>
+              <a:defRPr/>
+            </a:pPr>
+            <a:r>
+              <a:rPr xmlns:mc="http://schemas.openxmlformats.org/markup-compatibility/2006" xmlns:hp="http://schemas.haansoft.com/office/presentation/8.0" kumimoji="0" lang="ko-KR" altLang="en-US" sz="900" b="0" i="0" u="none" strike="noStrike" kern="1200" cap="none" spc="0" normalizeH="0" baseline="0" mc:Ignorable="hp" hp:hslEmbossed="0">
                 <a:solidFill>
                   <a:srgbClr val="000000"/>
                 </a:solidFill>
@@ -27086,20 +30007,9 @@
                 <a:ea typeface="맑은 고딕"/>
                 <a:cs typeface="맑은 고딕"/>
               </a:rPr>
-              <a:t>상세주소</a:t>
-            </a:r>
-            <a:r>
-              <a:rPr xmlns:mc="http://schemas.openxmlformats.org/markup-compatibility/2006" xmlns:hp="http://schemas.haansoft.com/office/presentation/8.0" kumimoji="0" lang="en-US" altLang="ko-KR" sz="1100" b="0" i="0" u="none" strike="noStrike" kern="1200" cap="none" spc="0" normalizeH="0" baseline="0" mc:Ignorable="hp" hp:hslEmbossed="0">
-                <a:solidFill>
-                  <a:srgbClr val="000000"/>
-                </a:solidFill>
-                <a:latin typeface="Calibri"/>
-                <a:ea typeface="맑은 고딕"/>
-                <a:cs typeface="맑은 고딕"/>
-              </a:rPr>
-              <a:t>)</a:t>
-            </a:r>
-            <a:endParaRPr xmlns:mc="http://schemas.openxmlformats.org/markup-compatibility/2006" xmlns:hp="http://schemas.haansoft.com/office/presentation/8.0" kumimoji="0" lang="en-US" altLang="ko-KR" sz="1100" b="0" i="0" u="none" strike="noStrike" kern="1200" cap="none" spc="0" normalizeH="0" baseline="0" mc:Ignorable="hp" hp:hslEmbossed="0">
+              <a:t>로고</a:t>
+            </a:r>
+            <a:endParaRPr xmlns:mc="http://schemas.openxmlformats.org/markup-compatibility/2006" xmlns:hp="http://schemas.haansoft.com/office/presentation/8.0" kumimoji="0" lang="ko-KR" altLang="en-US" sz="900" b="0" i="0" u="none" strike="noStrike" kern="1200" cap="none" spc="0" normalizeH="0" baseline="0" mc:Ignorable="hp" hp:hslEmbossed="0">
               <a:solidFill>
                 <a:srgbClr val="000000"/>
               </a:solidFill>
@@ -27112,13 +30022,204 @@
       </p:sp>
       <p:sp>
         <p:nvSpPr>
-          <p:cNvPr id="214" name="타원 83"/>
+          <p:cNvPr id="266" name=""/>
           <p:cNvSpPr/>
           <p:nvPr/>
         </p:nvSpPr>
         <p:spPr>
           <a:xfrm>
-            <a:off x="620860" y="4080916"/>
+            <a:off x="4093552" y="1420089"/>
+            <a:ext cx="476250" cy="381000"/>
+          </a:xfrm>
+          <a:prstGeom prst="rect">
+            <a:avLst/>
+          </a:prstGeom>
+          <a:solidFill>
+            <a:srgbClr val="ffffff">
+              <a:alpha val="100000"/>
+            </a:srgbClr>
+          </a:solidFill>
+          <a:ln w="12700" cap="flat" cmpd="sng" algn="ctr">
+            <a:solidFill>
+              <a:srgbClr val="000000">
+                <a:alpha val="100000"/>
+              </a:srgbClr>
+            </a:solidFill>
+            <a:prstDash val="solid"/>
+          </a:ln>
+        </p:spPr>
+        <p:txBody>
+          <a:bodyPr anchor="ctr"/>
+          <a:p>
+            <a:pPr marL="0" indent="0" algn="ctr" defTabSz="914400" rtl="0" eaLnBrk="1" latinLnBrk="1" hangingPunct="1">
+              <a:lnSpc>
+                <a:spcPct val="100000"/>
+              </a:lnSpc>
+              <a:spcBef>
+                <a:spcPct val="0"/>
+              </a:spcBef>
+              <a:spcAft>
+                <a:spcPts val="0"/>
+              </a:spcAft>
+              <a:buNone/>
+              <a:defRPr/>
+            </a:pPr>
+            <a:endParaRPr xmlns:mc="http://schemas.openxmlformats.org/markup-compatibility/2006" xmlns:hp="http://schemas.haansoft.com/office/presentation/8.0" kumimoji="0" lang="ko-KR" altLang="en-US" sz="1800" b="0" i="0" u="none" strike="noStrike" kern="1200" cap="none" spc="0" normalizeH="0" baseline="0" mc:Ignorable="hp" hp:hslEmbossed="0">
+              <a:solidFill>
+                <a:srgbClr val="ffffff"/>
+              </a:solidFill>
+              <a:latin typeface="Calibri"/>
+              <a:ea typeface="맑은 고딕"/>
+              <a:cs typeface="맑은 고딕"/>
+            </a:endParaRPr>
+          </a:p>
+        </p:txBody>
+      </p:sp>
+      <p:cxnSp>
+        <p:nvCxnSpPr>
+          <p:cNvPr id="267" name=""/>
+          <p:cNvCxnSpPr/>
+          <p:nvPr/>
+        </p:nvCxnSpPr>
+        <p:spPr>
+          <a:xfrm rot="10800000">
+            <a:off x="4133388" y="1610589"/>
+            <a:ext cx="407838" cy="0"/>
+          </a:xfrm>
+          <a:prstGeom prst="straightConnector1">
+            <a:avLst/>
+          </a:prstGeom>
+          <a:noFill/>
+          <a:ln w="12700" cap="flat" cmpd="sng" algn="ctr">
+            <a:solidFill>
+              <a:srgbClr val="5e81d9">
+                <a:alpha val="100000"/>
+              </a:srgbClr>
+            </a:solidFill>
+            <a:prstDash val="solid"/>
+            <a:tailEnd type="arrow"/>
+          </a:ln>
+        </p:spPr>
+      </p:cxnSp>
+      <p:sp>
+        <p:nvSpPr>
+          <p:cNvPr id="268" name=""/>
+          <p:cNvSpPr/>
+          <p:nvPr/>
+        </p:nvSpPr>
+        <p:spPr>
+          <a:xfrm>
+            <a:off x="4093552" y="2296444"/>
+            <a:ext cx="2901234" cy="4006932"/>
+          </a:xfrm>
+          <a:prstGeom prst="rect">
+            <a:avLst/>
+          </a:prstGeom>
+          <a:solidFill>
+            <a:srgbClr val="ffffff">
+              <a:alpha val="100000"/>
+            </a:srgbClr>
+          </a:solidFill>
+          <a:ln w="19050" cap="flat" cmpd="sng" algn="ctr">
+            <a:solidFill>
+              <a:srgbClr val="2e3e67">
+                <a:alpha val="100000"/>
+              </a:srgbClr>
+            </a:solidFill>
+            <a:prstDash val="solid"/>
+          </a:ln>
+        </p:spPr>
+        <p:txBody>
+          <a:bodyPr anchor="ctr"/>
+          <a:p>
+            <a:pPr marL="0" indent="0" algn="ctr" defTabSz="914400" rtl="0" eaLnBrk="1" latinLnBrk="1" hangingPunct="1">
+              <a:lnSpc>
+                <a:spcPct val="100000"/>
+              </a:lnSpc>
+              <a:spcBef>
+                <a:spcPct val="0"/>
+              </a:spcBef>
+              <a:spcAft>
+                <a:spcPts val="0"/>
+              </a:spcAft>
+              <a:buNone/>
+              <a:defRPr/>
+            </a:pPr>
+            <a:endParaRPr xmlns:mc="http://schemas.openxmlformats.org/markup-compatibility/2006" xmlns:hp="http://schemas.haansoft.com/office/presentation/8.0" kumimoji="0" lang="ko-KR" altLang="en-US" sz="1800" b="0" i="0" u="none" strike="noStrike" kern="1200" cap="none" spc="0" normalizeH="0" baseline="0" mc:Ignorable="hp" hp:hslEmbossed="0">
+              <a:solidFill>
+                <a:srgbClr val="ffffff"/>
+              </a:solidFill>
+              <a:latin typeface="Calibri"/>
+              <a:ea typeface="맑은 고딕"/>
+              <a:cs typeface="맑은 고딕"/>
+            </a:endParaRPr>
+          </a:p>
+        </p:txBody>
+      </p:sp>
+      <p:sp>
+        <p:nvSpPr>
+          <p:cNvPr id="269" name=""/>
+          <p:cNvSpPr/>
+          <p:nvPr/>
+        </p:nvSpPr>
+        <p:spPr>
+          <a:xfrm>
+            <a:off x="4093552" y="5640327"/>
+            <a:ext cx="2901234" cy="663049"/>
+          </a:xfrm>
+          <a:prstGeom prst="rect">
+            <a:avLst/>
+          </a:prstGeom>
+          <a:solidFill>
+            <a:srgbClr val="ffffff">
+              <a:alpha val="100000"/>
+            </a:srgbClr>
+          </a:solidFill>
+          <a:ln w="19050" cap="flat" cmpd="sng" algn="ctr">
+            <a:solidFill>
+              <a:srgbClr val="2e3e67">
+                <a:alpha val="100000"/>
+              </a:srgbClr>
+            </a:solidFill>
+            <a:prstDash val="solid"/>
+          </a:ln>
+        </p:spPr>
+        <p:txBody>
+          <a:bodyPr anchor="ctr"/>
+          <a:p>
+            <a:pPr marL="0" indent="0" algn="ctr" defTabSz="914400" rtl="0" eaLnBrk="1" latinLnBrk="1" hangingPunct="1">
+              <a:lnSpc>
+                <a:spcPct val="100000"/>
+              </a:lnSpc>
+              <a:spcBef>
+                <a:spcPct val="0"/>
+              </a:spcBef>
+              <a:spcAft>
+                <a:spcPts val="0"/>
+              </a:spcAft>
+              <a:buNone/>
+              <a:defRPr/>
+            </a:pPr>
+            <a:endParaRPr xmlns:mc="http://schemas.openxmlformats.org/markup-compatibility/2006" xmlns:hp="http://schemas.haansoft.com/office/presentation/8.0" kumimoji="0" lang="ko-KR" altLang="en-US" sz="1800" b="0" i="0" u="none" strike="noStrike" kern="1200" cap="none" spc="0" normalizeH="0" baseline="0" mc:Ignorable="hp" hp:hslEmbossed="0">
+              <a:solidFill>
+                <a:srgbClr val="ffffff"/>
+              </a:solidFill>
+              <a:latin typeface="Calibri"/>
+              <a:ea typeface="맑은 고딕"/>
+              <a:cs typeface="맑은 고딕"/>
+            </a:endParaRPr>
+          </a:p>
+        </p:txBody>
+      </p:sp>
+      <p:sp>
+        <p:nvSpPr>
+          <p:cNvPr id="270" name="타원 83"/>
+          <p:cNvSpPr/>
+          <p:nvPr/>
+        </p:nvSpPr>
+        <p:spPr>
+          <a:xfrm>
+            <a:off x="4022114" y="5568889"/>
             <a:ext cx="142876" cy="142876"/>
           </a:xfrm>
           <a:prstGeom prst="ellipse">
@@ -27159,7 +30260,7 @@
                 <a:ea typeface="맑은 고딕"/>
                 <a:cs typeface="Calibri"/>
               </a:rPr>
-              <a:t>1</a:t>
+              <a:t>4</a:t>
             </a:r>
             <a:endParaRPr xmlns:mc="http://schemas.openxmlformats.org/markup-compatibility/2006" xmlns:hp="http://schemas.haansoft.com/office/presentation/8.0" kumimoji="0" lang="en-US" altLang="ko-KR" sz="900" b="1" i="0" u="none" strike="noStrike" kern="1200" cap="none" spc="0" normalizeH="0" baseline="0" mc:Ignorable="hp" hp:hslEmbossed="0">
               <a:solidFill>
@@ -27168,6 +30269,2087 @@
               <a:latin typeface="Calibri"/>
               <a:ea typeface="맑은 고딕"/>
               <a:cs typeface="Calibri"/>
+            </a:endParaRPr>
+          </a:p>
+        </p:txBody>
+      </p:sp>
+      <p:sp>
+        <p:nvSpPr>
+          <p:cNvPr id="271" name=""/>
+          <p:cNvSpPr/>
+          <p:nvPr/>
+        </p:nvSpPr>
+        <p:spPr>
+          <a:xfrm>
+            <a:off x="4093552" y="5971852"/>
+            <a:ext cx="2901234" cy="331525"/>
+          </a:xfrm>
+          <a:prstGeom prst="rect">
+            <a:avLst/>
+          </a:prstGeom>
+          <a:solidFill>
+            <a:srgbClr val="9be5c8">
+              <a:alpha val="100000"/>
+            </a:srgbClr>
+          </a:solidFill>
+          <a:ln w="19050" cap="flat" cmpd="sng" algn="ctr">
+            <a:solidFill>
+              <a:srgbClr val="2e3e67">
+                <a:alpha val="100000"/>
+              </a:srgbClr>
+            </a:solidFill>
+            <a:prstDash val="solid"/>
+          </a:ln>
+        </p:spPr>
+        <p:txBody>
+          <a:bodyPr anchor="ctr"/>
+          <a:p>
+            <a:pPr marL="0" indent="0" algn="ctr" defTabSz="914400" rtl="0" eaLnBrk="1" latinLnBrk="1" hangingPunct="1">
+              <a:lnSpc>
+                <a:spcPct val="100000"/>
+              </a:lnSpc>
+              <a:spcBef>
+                <a:spcPct val="0"/>
+              </a:spcBef>
+              <a:spcAft>
+                <a:spcPts val="0"/>
+              </a:spcAft>
+              <a:buNone/>
+              <a:defRPr/>
+            </a:pPr>
+            <a:r>
+              <a:rPr xmlns:mc="http://schemas.openxmlformats.org/markup-compatibility/2006" xmlns:hp="http://schemas.haansoft.com/office/presentation/8.0" kumimoji="0" lang="ko-KR" altLang="en-US" sz="1800" b="0" i="0" u="none" strike="noStrike" kern="1200" cap="none" spc="0" normalizeH="0" baseline="0" mc:Ignorable="hp" hp:hslEmbossed="0">
+                <a:solidFill>
+                  <a:srgbClr val="ffffff"/>
+                </a:solidFill>
+                <a:latin typeface="Calibri"/>
+                <a:ea typeface="맑은 고딕"/>
+                <a:cs typeface="맑은 고딕"/>
+              </a:rPr>
+              <a:t>결제하기</a:t>
+            </a:r>
+            <a:endParaRPr xmlns:mc="http://schemas.openxmlformats.org/markup-compatibility/2006" xmlns:hp="http://schemas.haansoft.com/office/presentation/8.0" kumimoji="0" lang="ko-KR" altLang="en-US" sz="1800" b="0" i="0" u="none" strike="noStrike" kern="1200" cap="none" spc="0" normalizeH="0" baseline="0" mc:Ignorable="hp" hp:hslEmbossed="0">
+              <a:solidFill>
+                <a:srgbClr val="ffffff"/>
+              </a:solidFill>
+              <a:latin typeface="Calibri"/>
+              <a:ea typeface="맑은 고딕"/>
+              <a:cs typeface="맑은 고딕"/>
+            </a:endParaRPr>
+          </a:p>
+        </p:txBody>
+      </p:sp>
+      <p:sp>
+        <p:nvSpPr>
+          <p:cNvPr id="272" name="타원 83"/>
+          <p:cNvSpPr/>
+          <p:nvPr/>
+        </p:nvSpPr>
+        <p:spPr>
+          <a:xfrm>
+            <a:off x="4061950" y="5900414"/>
+            <a:ext cx="142876" cy="142876"/>
+          </a:xfrm>
+          <a:prstGeom prst="ellipse">
+            <a:avLst/>
+          </a:prstGeom>
+          <a:solidFill>
+            <a:srgbClr val="fce700">
+              <a:alpha val="100000"/>
+            </a:srgbClr>
+          </a:solidFill>
+          <a:ln w="19050" cap="flat" cmpd="sng" algn="ctr">
+            <a:noFill/>
+            <a:prstDash val="solid"/>
+          </a:ln>
+        </p:spPr>
+        <p:txBody>
+          <a:bodyPr lIns="0" tIns="0" rIns="0" bIns="0" anchor="ctr"/>
+          <a:p>
+            <a:pPr marL="0" indent="0" algn="ctr" defTabSz="914400" rtl="0" eaLnBrk="1" latinLnBrk="1" hangingPunct="1">
+              <a:lnSpc>
+                <a:spcPct val="100000"/>
+              </a:lnSpc>
+              <a:spcBef>
+                <a:spcPct val="0"/>
+              </a:spcBef>
+              <a:spcAft>
+                <a:spcPts val="0"/>
+              </a:spcAft>
+              <a:buNone/>
+              <a:defRPr/>
+            </a:pPr>
+            <a:r>
+              <a:rPr xmlns:mc="http://schemas.openxmlformats.org/markup-compatibility/2006" xmlns:hp="http://schemas.haansoft.com/office/presentation/8.0" kumimoji="0" lang="en-US" altLang="ko-KR" sz="900" b="1" i="0" u="none" strike="noStrike" kern="1200" cap="none" spc="0" normalizeH="0" baseline="0" mc:Ignorable="hp" hp:hslEmbossed="0">
+                <a:solidFill>
+                  <a:srgbClr val="663300"/>
+                </a:solidFill>
+                <a:latin typeface="Calibri"/>
+                <a:ea typeface="맑은 고딕"/>
+                <a:cs typeface="Calibri"/>
+              </a:rPr>
+              <a:t>5</a:t>
+            </a:r>
+            <a:endParaRPr xmlns:mc="http://schemas.openxmlformats.org/markup-compatibility/2006" xmlns:hp="http://schemas.haansoft.com/office/presentation/8.0" kumimoji="0" lang="en-US" altLang="ko-KR" sz="900" b="1" i="0" u="none" strike="noStrike" kern="1200" cap="none" spc="0" normalizeH="0" baseline="0" mc:Ignorable="hp" hp:hslEmbossed="0">
+              <a:solidFill>
+                <a:srgbClr val="663300"/>
+              </a:solidFill>
+              <a:latin typeface="Calibri"/>
+              <a:ea typeface="맑은 고딕"/>
+              <a:cs typeface="Calibri"/>
+            </a:endParaRPr>
+          </a:p>
+        </p:txBody>
+      </p:sp>
+      <p:sp>
+        <p:nvSpPr>
+          <p:cNvPr id="273" name=""/>
+          <p:cNvSpPr/>
+          <p:nvPr/>
+        </p:nvSpPr>
+        <p:spPr>
+          <a:xfrm>
+            <a:off x="4541226" y="5711765"/>
+            <a:ext cx="1869840" cy="188649"/>
+          </a:xfrm>
+          <a:prstGeom prst="rect">
+            <a:avLst/>
+          </a:prstGeom>
+          <a:solidFill>
+            <a:srgbClr val="6182d6">
+              <a:alpha val="100000"/>
+            </a:srgbClr>
+          </a:solidFill>
+          <a:ln w="19050" cap="flat" cmpd="sng" algn="ctr">
+            <a:solidFill>
+              <a:srgbClr val="2e3e67">
+                <a:alpha val="100000"/>
+              </a:srgbClr>
+            </a:solidFill>
+            <a:prstDash val="solid"/>
+          </a:ln>
+        </p:spPr>
+        <p:txBody>
+          <a:bodyPr anchor="ctr"/>
+          <a:p>
+            <a:pPr marL="0" indent="0" algn="ctr" defTabSz="914400" rtl="0" eaLnBrk="1" latinLnBrk="1" hangingPunct="1">
+              <a:lnSpc>
+                <a:spcPct val="100000"/>
+              </a:lnSpc>
+              <a:spcBef>
+                <a:spcPct val="0"/>
+              </a:spcBef>
+              <a:spcAft>
+                <a:spcPts val="0"/>
+              </a:spcAft>
+              <a:buNone/>
+              <a:defRPr/>
+            </a:pPr>
+            <a:r>
+              <a:rPr xmlns:mc="http://schemas.openxmlformats.org/markup-compatibility/2006" xmlns:hp="http://schemas.haansoft.com/office/presentation/8.0" kumimoji="0" lang="en-US" altLang="ko-KR" sz="1300" b="0" i="0" u="none" strike="noStrike" kern="1200" cap="none" spc="0" normalizeH="0" baseline="0" mc:Ignorable="hp" hp:hslEmbossed="0">
+                <a:solidFill>
+                  <a:srgbClr val="ffffff"/>
+                </a:solidFill>
+                <a:latin typeface="Calibri"/>
+                <a:ea typeface="맑은 고딕"/>
+                <a:cs typeface="Calibri"/>
+              </a:rPr>
+              <a:t>10000</a:t>
+            </a:r>
+            <a:r>
+              <a:rPr xmlns:mc="http://schemas.openxmlformats.org/markup-compatibility/2006" xmlns:hp="http://schemas.haansoft.com/office/presentation/8.0" kumimoji="0" lang="ko-KR" altLang="en-US" sz="1300" b="0" i="0" u="none" strike="noStrike" kern="1200" cap="none" spc="0" normalizeH="0" baseline="0" mc:Ignorable="hp" hp:hslEmbossed="0">
+                <a:solidFill>
+                  <a:srgbClr val="ffffff"/>
+                </a:solidFill>
+                <a:latin typeface="Calibri"/>
+                <a:ea typeface="맑은 고딕"/>
+                <a:cs typeface="맑은 고딕"/>
+              </a:rPr>
+              <a:t>원</a:t>
+            </a:r>
+            <a:endParaRPr xmlns:mc="http://schemas.openxmlformats.org/markup-compatibility/2006" xmlns:hp="http://schemas.haansoft.com/office/presentation/8.0" kumimoji="0" lang="ko-KR" altLang="en-US" sz="1300" b="0" i="0" u="none" strike="noStrike" kern="1200" cap="none" spc="0" normalizeH="0" baseline="0" mc:Ignorable="hp" hp:hslEmbossed="0">
+              <a:solidFill>
+                <a:srgbClr val="ffffff"/>
+              </a:solidFill>
+              <a:latin typeface="Calibri"/>
+              <a:ea typeface="맑은 고딕"/>
+              <a:cs typeface="맑은 고딕"/>
+            </a:endParaRPr>
+          </a:p>
+        </p:txBody>
+      </p:sp>
+      <p:sp>
+        <p:nvSpPr>
+          <p:cNvPr id="274" name=""/>
+          <p:cNvSpPr/>
+          <p:nvPr/>
+        </p:nvSpPr>
+        <p:spPr>
+          <a:xfrm>
+            <a:off x="4085996" y="2296444"/>
+            <a:ext cx="2908790" cy="1474648"/>
+          </a:xfrm>
+          <a:prstGeom prst="rect">
+            <a:avLst/>
+          </a:prstGeom>
+          <a:solidFill>
+            <a:srgbClr val="ffffff">
+              <a:alpha val="100000"/>
+            </a:srgbClr>
+          </a:solidFill>
+          <a:ln w="19050" cap="flat" cmpd="sng" algn="ctr">
+            <a:solidFill>
+              <a:srgbClr val="2e3e67">
+                <a:alpha val="100000"/>
+              </a:srgbClr>
+            </a:solidFill>
+            <a:prstDash val="solid"/>
+          </a:ln>
+        </p:spPr>
+        <p:txBody>
+          <a:bodyPr anchor="ctr"/>
+          <a:p>
+            <a:pPr marL="0" indent="0" algn="ctr" defTabSz="914400" rtl="0" eaLnBrk="1" latinLnBrk="1" hangingPunct="1">
+              <a:lnSpc>
+                <a:spcPct val="100000"/>
+              </a:lnSpc>
+              <a:spcBef>
+                <a:spcPct val="0"/>
+              </a:spcBef>
+              <a:spcAft>
+                <a:spcPts val="0"/>
+              </a:spcAft>
+              <a:buNone/>
+              <a:defRPr/>
+            </a:pPr>
+            <a:endParaRPr xmlns:mc="http://schemas.openxmlformats.org/markup-compatibility/2006" xmlns:hp="http://schemas.haansoft.com/office/presentation/8.0" kumimoji="0" lang="ko-KR" altLang="en-US" sz="1800" b="0" i="0" u="none" strike="noStrike" kern="1200" cap="none" spc="0" normalizeH="0" baseline="0" mc:Ignorable="hp" hp:hslEmbossed="0">
+              <a:solidFill>
+                <a:srgbClr val="ffffff"/>
+              </a:solidFill>
+              <a:latin typeface="Calibri"/>
+              <a:ea typeface="맑은 고딕"/>
+              <a:cs typeface="맑은 고딕"/>
+            </a:endParaRPr>
+          </a:p>
+        </p:txBody>
+      </p:sp>
+      <p:sp>
+        <p:nvSpPr>
+          <p:cNvPr id="275" name=""/>
+          <p:cNvSpPr/>
+          <p:nvPr/>
+        </p:nvSpPr>
+        <p:spPr>
+          <a:xfrm>
+            <a:off x="4204212" y="2827863"/>
+            <a:ext cx="2672357" cy="300568"/>
+          </a:xfrm>
+          <a:prstGeom prst="rect">
+            <a:avLst/>
+          </a:prstGeom>
+          <a:solidFill>
+            <a:srgbClr val="ffffff">
+              <a:alpha val="100000"/>
+            </a:srgbClr>
+          </a:solidFill>
+          <a:ln w="19050" cap="flat" cmpd="sng" algn="ctr">
+            <a:solidFill>
+              <a:srgbClr val="000000">
+                <a:alpha val="100000"/>
+              </a:srgbClr>
+            </a:solidFill>
+            <a:prstDash val="solid"/>
+          </a:ln>
+        </p:spPr>
+        <p:txBody>
+          <a:bodyPr anchor="ctr"/>
+          <a:p>
+            <a:pPr marL="0" indent="0" algn="ctr" defTabSz="914400" rtl="0" eaLnBrk="1" latinLnBrk="1" hangingPunct="1">
+              <a:lnSpc>
+                <a:spcPct val="100000"/>
+              </a:lnSpc>
+              <a:spcBef>
+                <a:spcPct val="0"/>
+              </a:spcBef>
+              <a:spcAft>
+                <a:spcPts val="0"/>
+              </a:spcAft>
+              <a:buNone/>
+              <a:defRPr/>
+            </a:pPr>
+            <a:r>
+              <a:rPr xmlns:mc="http://schemas.openxmlformats.org/markup-compatibility/2006" xmlns:hp="http://schemas.haansoft.com/office/presentation/8.0" kumimoji="0" lang="ko-KR" altLang="en-US" sz="1100" b="0" i="0" u="none" strike="noStrike" kern="1200" cap="none" spc="0" normalizeH="0" baseline="0" mc:Ignorable="hp" hp:hslEmbossed="0">
+                <a:solidFill>
+                  <a:srgbClr val="000000"/>
+                </a:solidFill>
+                <a:latin typeface="Calibri"/>
+                <a:ea typeface="맑은 고딕"/>
+                <a:cs typeface="Calibri"/>
+              </a:rPr>
+              <a:t>쿠폰 선택</a:t>
+            </a:r>
+            <a:endParaRPr xmlns:mc="http://schemas.openxmlformats.org/markup-compatibility/2006" xmlns:hp="http://schemas.haansoft.com/office/presentation/8.0" kumimoji="0" lang="ko-KR" altLang="en-US" sz="1100" b="0" i="0" u="none" strike="noStrike" kern="1200" cap="none" spc="0" normalizeH="0" baseline="0" mc:Ignorable="hp" hp:hslEmbossed="0">
+              <a:solidFill>
+                <a:srgbClr val="000000"/>
+              </a:solidFill>
+              <a:latin typeface="Calibri"/>
+              <a:ea typeface="맑은 고딕"/>
+              <a:cs typeface="Calibri"/>
+            </a:endParaRPr>
+          </a:p>
+        </p:txBody>
+      </p:sp>
+      <p:sp>
+        <p:nvSpPr>
+          <p:cNvPr id="276" name=""/>
+          <p:cNvSpPr/>
+          <p:nvPr/>
+        </p:nvSpPr>
+        <p:spPr>
+          <a:xfrm>
+            <a:off x="4207990" y="3278716"/>
+            <a:ext cx="2672357" cy="300568"/>
+          </a:xfrm>
+          <a:prstGeom prst="rect">
+            <a:avLst/>
+          </a:prstGeom>
+          <a:solidFill>
+            <a:srgbClr val="ffffff">
+              <a:alpha val="100000"/>
+            </a:srgbClr>
+          </a:solidFill>
+          <a:ln w="19050" cap="flat" cmpd="sng" algn="ctr">
+            <a:solidFill>
+              <a:srgbClr val="000000">
+                <a:alpha val="100000"/>
+              </a:srgbClr>
+            </a:solidFill>
+            <a:prstDash val="solid"/>
+          </a:ln>
+        </p:spPr>
+        <p:txBody>
+          <a:bodyPr anchor="ctr"/>
+          <a:p>
+            <a:pPr marL="0" indent="0" algn="ctr" defTabSz="914400" rtl="0" eaLnBrk="1" latinLnBrk="1" hangingPunct="1">
+              <a:lnSpc>
+                <a:spcPct val="100000"/>
+              </a:lnSpc>
+              <a:spcBef>
+                <a:spcPct val="0"/>
+              </a:spcBef>
+              <a:spcAft>
+                <a:spcPts val="0"/>
+              </a:spcAft>
+              <a:buNone/>
+              <a:defRPr/>
+            </a:pPr>
+            <a:r>
+              <a:rPr xmlns:mc="http://schemas.openxmlformats.org/markup-compatibility/2006" xmlns:hp="http://schemas.haansoft.com/office/presentation/8.0" kumimoji="0" lang="ko-KR" altLang="en-US" sz="1100" b="0" i="0" u="none" strike="noStrike" kern="1200" cap="none" spc="0" normalizeH="0" baseline="0" mc:Ignorable="hp" hp:hslEmbossed="0">
+                <a:solidFill>
+                  <a:srgbClr val="000000"/>
+                </a:solidFill>
+                <a:latin typeface="Calibri"/>
+                <a:ea typeface="맑은 고딕"/>
+                <a:cs typeface="맑은 고딕"/>
+              </a:rPr>
+              <a:t>쿠폰 적용 금액</a:t>
+            </a:r>
+            <a:endParaRPr xmlns:mc="http://schemas.openxmlformats.org/markup-compatibility/2006" xmlns:hp="http://schemas.haansoft.com/office/presentation/8.0" kumimoji="0" lang="ko-KR" altLang="en-US" sz="1100" b="0" i="0" u="none" strike="noStrike" kern="1200" cap="none" spc="0" normalizeH="0" baseline="0" mc:Ignorable="hp" hp:hslEmbossed="0">
+              <a:solidFill>
+                <a:srgbClr val="000000"/>
+              </a:solidFill>
+              <a:latin typeface="Calibri"/>
+              <a:ea typeface="맑은 고딕"/>
+              <a:cs typeface="맑은 고딕"/>
+            </a:endParaRPr>
+          </a:p>
+        </p:txBody>
+      </p:sp>
+      <p:sp>
+        <p:nvSpPr>
+          <p:cNvPr id="277" name="타원 83"/>
+          <p:cNvSpPr/>
+          <p:nvPr/>
+        </p:nvSpPr>
+        <p:spPr>
+          <a:xfrm>
+            <a:off x="4014558" y="2225006"/>
+            <a:ext cx="142876" cy="142876"/>
+          </a:xfrm>
+          <a:prstGeom prst="ellipse">
+            <a:avLst/>
+          </a:prstGeom>
+          <a:solidFill>
+            <a:srgbClr val="fce700">
+              <a:alpha val="100000"/>
+            </a:srgbClr>
+          </a:solidFill>
+          <a:ln w="19050" cap="flat" cmpd="sng" algn="ctr">
+            <a:noFill/>
+            <a:prstDash val="solid"/>
+          </a:ln>
+        </p:spPr>
+        <p:txBody>
+          <a:bodyPr lIns="0" tIns="0" rIns="0" bIns="0" anchor="ctr"/>
+          <a:p>
+            <a:pPr marL="0" indent="0" algn="ctr" defTabSz="914400" rtl="0" eaLnBrk="1" latinLnBrk="1" hangingPunct="1">
+              <a:lnSpc>
+                <a:spcPct val="100000"/>
+              </a:lnSpc>
+              <a:spcBef>
+                <a:spcPct val="0"/>
+              </a:spcBef>
+              <a:spcAft>
+                <a:spcPts val="0"/>
+              </a:spcAft>
+              <a:buNone/>
+              <a:defRPr/>
+            </a:pPr>
+            <a:r>
+              <a:rPr xmlns:mc="http://schemas.openxmlformats.org/markup-compatibility/2006" xmlns:hp="http://schemas.haansoft.com/office/presentation/8.0" kumimoji="0" lang="en-US" altLang="ko-KR" sz="900" b="1" i="0" u="none" strike="noStrike" kern="1200" cap="none" spc="0" normalizeH="0" baseline="0" mc:Ignorable="hp" hp:hslEmbossed="0">
+                <a:solidFill>
+                  <a:srgbClr val="663300"/>
+                </a:solidFill>
+                <a:latin typeface="Calibri"/>
+                <a:ea typeface="맑은 고딕"/>
+                <a:cs typeface="Calibri"/>
+              </a:rPr>
+              <a:t>3</a:t>
+            </a:r>
+            <a:endParaRPr xmlns:mc="http://schemas.openxmlformats.org/markup-compatibility/2006" xmlns:hp="http://schemas.haansoft.com/office/presentation/8.0" kumimoji="0" lang="en-US" altLang="ko-KR" sz="900" b="1" i="0" u="none" strike="noStrike" kern="1200" cap="none" spc="0" normalizeH="0" baseline="0" mc:Ignorable="hp" hp:hslEmbossed="0">
+              <a:solidFill>
+                <a:srgbClr val="663300"/>
+              </a:solidFill>
+              <a:latin typeface="Calibri"/>
+              <a:ea typeface="맑은 고딕"/>
+              <a:cs typeface="Calibri"/>
+            </a:endParaRPr>
+          </a:p>
+        </p:txBody>
+      </p:sp>
+      <p:sp>
+        <p:nvSpPr>
+          <p:cNvPr id="286" name=""/>
+          <p:cNvSpPr/>
+          <p:nvPr/>
+        </p:nvSpPr>
+        <p:spPr>
+          <a:xfrm>
+            <a:off x="4204826" y="2348832"/>
+            <a:ext cx="1460878" cy="334199"/>
+          </a:xfrm>
+          <a:prstGeom prst="rect">
+            <a:avLst/>
+          </a:prstGeom>
+          <a:solidFill>
+            <a:srgbClr val="ffffff">
+              <a:alpha val="100000"/>
+            </a:srgbClr>
+          </a:solidFill>
+          <a:ln w="19050" cap="flat" cmpd="sng" algn="ctr">
+            <a:solidFill>
+              <a:srgbClr val="2e3e67">
+                <a:alpha val="100000"/>
+              </a:srgbClr>
+            </a:solidFill>
+            <a:prstDash val="solid"/>
+          </a:ln>
+        </p:spPr>
+        <p:txBody>
+          <a:bodyPr anchor="ctr"/>
+          <a:p>
+            <a:pPr marL="0" indent="0" algn="ctr" defTabSz="914400" rtl="0" eaLnBrk="1" latinLnBrk="1" hangingPunct="1">
+              <a:lnSpc>
+                <a:spcPct val="100000"/>
+              </a:lnSpc>
+              <a:spcBef>
+                <a:spcPct val="0"/>
+              </a:spcBef>
+              <a:spcAft>
+                <a:spcPts val="0"/>
+              </a:spcAft>
+              <a:buNone/>
+              <a:defRPr/>
+            </a:pPr>
+            <a:r>
+              <a:rPr xmlns:mc="http://schemas.openxmlformats.org/markup-compatibility/2006" xmlns:hp="http://schemas.haansoft.com/office/presentation/8.0" kumimoji="0" lang="ko-KR" altLang="en-US" sz="1300" b="0" i="0" u="none" strike="noStrike" kern="1200" cap="none" spc="0" normalizeH="0" baseline="0" mc:Ignorable="hp" hp:hslEmbossed="0">
+                <a:solidFill>
+                  <a:srgbClr val="000000"/>
+                </a:solidFill>
+                <a:latin typeface="Calibri"/>
+                <a:ea typeface="맑은 고딕"/>
+                <a:cs typeface="맑은 고딕"/>
+              </a:rPr>
+              <a:t>쿠폰</a:t>
+            </a:r>
+            <a:endParaRPr xmlns:mc="http://schemas.openxmlformats.org/markup-compatibility/2006" xmlns:hp="http://schemas.haansoft.com/office/presentation/8.0" kumimoji="0" lang="ko-KR" altLang="en-US" sz="1300" b="0" i="0" u="none" strike="noStrike" kern="1200" cap="none" spc="0" normalizeH="0" baseline="0" mc:Ignorable="hp" hp:hslEmbossed="0">
+              <a:solidFill>
+                <a:srgbClr val="000000"/>
+              </a:solidFill>
+              <a:latin typeface="Calibri"/>
+              <a:ea typeface="맑은 고딕"/>
+              <a:cs typeface="맑은 고딕"/>
+            </a:endParaRPr>
+          </a:p>
+        </p:txBody>
+      </p:sp>
+    </p:spTree>
+  </p:cSld>
+  <p:clrMapOvr>
+    <a:masterClrMapping/>
+  </p:clrMapOvr>
+  <mc:AlternateContent xmlns:mc="http://schemas.openxmlformats.org/markup-compatibility/2006">
+    <mc:Choice xmlns:p14="http://schemas.microsoft.com/office/powerpoint/2010/main" Requires="p14">
+      <p:transition xmlns:mc="http://schemas.openxmlformats.org/markup-compatibility/2006" xmlns:p14="http://schemas.microsoft.com/office/powerpoint/2010/main" mc:Ignorable="p14" p14:dur="500"/>
+    </mc:Choice>
+    <mc:Fallback>
+      <p:transition/>
+    </mc:Fallback>
+  </mc:AlternateContent>
+</p:sld>
+</file>
+
+<file path=ppt/slides/slide9.xml><?xml version="1.0" encoding="utf-8"?>
+<p:sld xmlns:r="http://schemas.openxmlformats.org/officeDocument/2006/relationships" xmlns:c="http://schemas.openxmlformats.org/drawingml/2006/chart" xmlns:a="http://schemas.openxmlformats.org/drawingml/2006/main" xmlns:dgm="http://schemas.openxmlformats.org/drawingml/2006/diagram" xmlns:dsp="http://schemas.microsoft.com/office/drawing/2008/diagram" xmlns:p="http://schemas.openxmlformats.org/presentationml/2006/main">
+  <p:cSld>
+    <p:spTree>
+      <p:nvGrpSpPr>
+        <p:cNvPr id="1" name=""/>
+        <p:cNvGrpSpPr/>
+        <p:nvPr/>
+      </p:nvGrpSpPr>
+      <p:grpSpPr>
+        <a:xfrm>
+          <a:off x="0" y="0"/>
+          <a:ext cx="0" cy="0"/>
+          <a:chOff x="0" y="0"/>
+          <a:chExt cx="0" cy="0"/>
+        </a:xfrm>
+      </p:grpSpPr>
+      <p:sp>
+        <p:nvSpPr>
+          <p:cNvPr id="12" name="TextBox 11"/>
+          <p:cNvSpPr txBox="1"/>
+          <p:nvPr/>
+        </p:nvSpPr>
+        <p:spPr>
+          <a:xfrm>
+            <a:off x="1703511" y="408640"/>
+            <a:ext cx="4392488" cy="369332"/>
+          </a:xfrm>
+          <a:prstGeom prst="rect">
+            <a:avLst/>
+          </a:prstGeom>
+          <a:noFill/>
+        </p:spPr>
+        <p:txBody>
+          <a:bodyPr wrap="square">
+            <a:spAutoFit/>
+          </a:bodyPr>
+          <a:lstStyle/>
+          <a:p>
+            <a:pPr>
+              <a:lnSpc>
+                <a:spcPct val="90000"/>
+              </a:lnSpc>
+              <a:defRPr/>
+            </a:pPr>
+            <a:r>
+              <a:rPr lang="en-US" altLang="ko-KR" sz="2000" spc="300">
+                <a:solidFill>
+                  <a:srgbClr val="663300"/>
+                </a:solidFill>
+                <a:latin typeface="+mn-ea"/>
+              </a:rPr>
+              <a:t>09.</a:t>
+            </a:r>
+            <a:r>
+              <a:rPr lang="ko-KR" altLang="en-US" sz="2000" spc="300">
+                <a:solidFill>
+                  <a:srgbClr val="663300"/>
+                </a:solidFill>
+                <a:latin typeface="+mn-ea"/>
+              </a:rPr>
+              <a:t>결제완료</a:t>
+            </a:r>
+            <a:endParaRPr lang="ko-KR" altLang="en-US" sz="2000" spc="300">
+              <a:solidFill>
+                <a:srgbClr val="663300"/>
+              </a:solidFill>
+              <a:latin typeface="+mn-ea"/>
+            </a:endParaRPr>
+          </a:p>
+        </p:txBody>
+      </p:sp>
+      <p:sp>
+        <p:nvSpPr>
+          <p:cNvPr id="2" name="슬라이드 번호 개체 틀 1"/>
+          <p:cNvSpPr>
+            <a:spLocks noGrp="1"/>
+          </p:cNvSpPr>
+          <p:nvPr>
+            <p:ph type="sldNum" sz="quarter" idx="4"/>
+          </p:nvPr>
+        </p:nvSpPr>
+        <p:spPr/>
+        <p:txBody>
+          <a:bodyPr/>
+          <a:lstStyle/>
+          <a:p>
+            <a:pPr lvl="0">
+              <a:defRPr/>
+            </a:pPr>
+            <a:fld id="{2FECCACC-60ED-4580-AB4B-3C07270897C0}" type="slidenum">
+              <a:rPr lang="en-US" altLang="en-US">
+                <a:latin typeface="나눔고딕"/>
+                <a:ea typeface="나눔고딕"/>
+              </a:rPr>
+              <a:pPr lvl="0">
+                <a:defRPr/>
+              </a:pPr>
+              <a:t>9</a:t>
+            </a:fld>
+            <a:endParaRPr lang="en-US" altLang="en-US">
+              <a:latin typeface="나눔고딕"/>
+              <a:ea typeface="나눔고딕"/>
+            </a:endParaRPr>
+          </a:p>
+        </p:txBody>
+      </p:sp>
+      <p:sp>
+        <p:nvSpPr>
+          <p:cNvPr id="14" name="TextBox 13"/>
+          <p:cNvSpPr txBox="1"/>
+          <p:nvPr/>
+        </p:nvSpPr>
+        <p:spPr>
+          <a:xfrm>
+            <a:off x="6030058" y="404664"/>
+            <a:ext cx="4392488" cy="397032"/>
+          </a:xfrm>
+          <a:prstGeom prst="rect">
+            <a:avLst/>
+          </a:prstGeom>
+          <a:noFill/>
+        </p:spPr>
+        <p:txBody>
+          <a:bodyPr wrap="square">
+            <a:spAutoFit/>
+          </a:bodyPr>
+          <a:lstStyle/>
+          <a:p>
+            <a:pPr algn="r">
+              <a:lnSpc>
+                <a:spcPct val="90000"/>
+              </a:lnSpc>
+              <a:defRPr/>
+            </a:pPr>
+            <a:r>
+              <a:rPr lang="ko-KR" altLang="en-US" sz="1100">
+                <a:latin typeface="+mn-ea"/>
+              </a:rPr>
+              <a:t>로그인</a:t>
+            </a:r>
+            <a:endParaRPr lang="ko-KR" altLang="en-US" sz="1100">
+              <a:latin typeface="+mn-ea"/>
+            </a:endParaRPr>
+          </a:p>
+          <a:p>
+            <a:pPr algn="r">
+              <a:lnSpc>
+                <a:spcPct val="90000"/>
+              </a:lnSpc>
+              <a:defRPr/>
+            </a:pPr>
+            <a:r>
+              <a:rPr lang="en-US" altLang="ko-KR" sz="1100" b="1">
+                <a:latin typeface="+mn-ea"/>
+              </a:rPr>
+              <a:t>161116</a:t>
+            </a:r>
+            <a:endParaRPr lang="ko-KR" altLang="en-US" sz="1100" b="1">
+              <a:latin typeface="+mn-ea"/>
+            </a:endParaRPr>
+          </a:p>
+        </p:txBody>
+      </p:sp>
+      <p:graphicFrame>
+        <p:nvGraphicFramePr>
+          <p:cNvPr id="106" name=""/>
+          <p:cNvGraphicFramePr>
+            <a:graphicFrameLocks noGrp="1"/>
+          </p:cNvGraphicFramePr>
+          <p:nvPr/>
+        </p:nvGraphicFramePr>
+        <p:xfrm>
+          <a:off x="7984818" y="1123603"/>
+          <a:ext cx="3850930" cy="2661100"/>
+        </p:xfrm>
+        <a:graphic>
+          <a:graphicData uri="http://schemas.openxmlformats.org/drawingml/2006/table">
+            <a:tbl>
+              <a:tblPr firstRow="1" bandRow="1">
+                <a:tableStyleId>{01A66EDD-3DAB-4C5B-A090-DC80EC1FD486}</a:tableStyleId>
+              </a:tblPr>
+              <a:tblGrid>
+                <a:gridCol w="686725"/>
+                <a:gridCol w="3164205"/>
+              </a:tblGrid>
+              <a:tr h="334235">
+                <a:tc gridSpan="2">
+                  <a:txBody>
+                    <a:bodyPr vert="horz" wrap="square" lIns="91440" tIns="45720" rIns="91440" bIns="45720" anchor="ctr" anchorCtr="1">
+                      <a:spAutoFit/>
+                    </a:bodyPr>
+                    <a:p>
+                      <a:pPr marL="0" marR="0" lvl="0" indent="0" algn="ctr" defTabSz="914400" rtl="0" eaLnBrk="1" latinLnBrk="1" hangingPunct="1">
+                        <a:lnSpc>
+                          <a:spcPct val="100000"/>
+                        </a:lnSpc>
+                        <a:spcBef>
+                          <a:spcPts val="100"/>
+                        </a:spcBef>
+                        <a:spcAft>
+                          <a:spcPts val="0"/>
+                        </a:spcAft>
+                        <a:buClrTx/>
+                        <a:buFontTx/>
+                        <a:buNone/>
+                        <a:defRPr/>
+                      </a:pPr>
+                      <a:r>
+                        <a:rPr lang="en-US" altLang="ko-KR" b="1">
+                          <a:solidFill>
+                            <a:schemeClr val="dk1"/>
+                          </a:solidFill>
+                        </a:rPr>
+                        <a:t>Description</a:t>
+                      </a:r>
+                      <a:endParaRPr lang="en-US" altLang="ko-KR">
+                        <a:solidFill>
+                          <a:schemeClr val="dk1"/>
+                        </a:solidFill>
+                      </a:endParaRPr>
+                    </a:p>
+                  </a:txBody>
+                  <a:tcPr marL="91440" marR="91440" anchor="ctr" anchorCtr="1">
+                    <a:lnL w="12700" cap="flat" cmpd="sng" algn="ctr">
+                      <a:solidFill>
+                        <a:schemeClr val="tx1"/>
+                      </a:solidFill>
+                      <a:prstDash val="solid"/>
+                      <a:round/>
+                      <a:headEnd w="med" len="med"/>
+                      <a:tailEnd w="med" len="med"/>
+                    </a:lnL>
+                    <a:lnR w="12700" cap="flat" cmpd="sng" algn="ctr">
+                      <a:solidFill>
+                        <a:schemeClr val="tx1"/>
+                      </a:solidFill>
+                      <a:prstDash val="solid"/>
+                      <a:round/>
+                      <a:headEnd w="med" len="med"/>
+                      <a:tailEnd w="med" len="med"/>
+                    </a:lnR>
+                    <a:lnT w="12700" cap="flat" cmpd="sng" algn="ctr">
+                      <a:solidFill>
+                        <a:schemeClr val="tx1"/>
+                      </a:solidFill>
+                      <a:prstDash val="solid"/>
+                      <a:round/>
+                      <a:headEnd w="med" len="med"/>
+                      <a:tailEnd w="med" len="med"/>
+                    </a:lnT>
+                    <a:lnB w="12700" cap="flat" cmpd="sng" algn="ctr">
+                      <a:solidFill>
+                        <a:schemeClr val="tx1"/>
+                      </a:solidFill>
+                      <a:prstDash val="solid"/>
+                      <a:round/>
+                      <a:headEnd w="med" len="med"/>
+                      <a:tailEnd w="med" len="med"/>
+                    </a:lnB>
+                    <a:solidFill>
+                      <a:srgbClr val="e0e0e0"/>
+                    </a:solidFill>
+                  </a:tcPr>
+                </a:tc>
+                <a:tc hMerge="1">
+                  <a:txBody>
+                    <a:bodyPr vert="horz" wrap="square" lIns="91440" tIns="45720" rIns="91440" bIns="45720" anchor="t" anchorCtr="0">
+                      <a:spAutoFit/>
+                    </a:bodyPr>
+                    <a:p>
+                      <a:pPr>
+                        <a:defRPr/>
+                      </a:pPr>
+                      <a:endParaRPr lang="en-US" altLang="ko-KR"/>
+                    </a:p>
+                  </a:txBody>
+                  <a:tcPr marL="91440" marR="91440">
+                    <a:lnL w="12700" cap="flat" cmpd="sng" algn="ctr">
+                      <a:solidFill>
+                        <a:schemeClr val="tx1"/>
+                      </a:solidFill>
+                      <a:prstDash val="solid"/>
+                      <a:round/>
+                      <a:headEnd w="med" len="med"/>
+                      <a:tailEnd w="med" len="med"/>
+                    </a:lnL>
+                    <a:lnR w="12700" cap="flat" cmpd="sng" algn="ctr">
+                      <a:solidFill>
+                        <a:schemeClr val="tx1"/>
+                      </a:solidFill>
+                      <a:prstDash val="solid"/>
+                      <a:round/>
+                      <a:headEnd w="med" len="med"/>
+                      <a:tailEnd w="med" len="med"/>
+                    </a:lnR>
+                    <a:lnT w="12700" cap="flat" cmpd="sng" algn="ctr">
+                      <a:solidFill>
+                        <a:schemeClr val="tx1"/>
+                      </a:solidFill>
+                      <a:prstDash val="solid"/>
+                      <a:round/>
+                      <a:headEnd w="med" len="med"/>
+                      <a:tailEnd w="med" len="med"/>
+                    </a:lnT>
+                    <a:lnB w="12700" cap="flat" cmpd="sng" algn="ctr">
+                      <a:solidFill>
+                        <a:schemeClr val="tx1"/>
+                      </a:solidFill>
+                      <a:prstDash val="solid"/>
+                      <a:round/>
+                      <a:headEnd w="med" len="med"/>
+                      <a:tailEnd w="med" len="med"/>
+                    </a:lnB>
+                    <a:solidFill>
+                      <a:schemeClr val="lt1"/>
+                    </a:solidFill>
+                  </a:tcPr>
+                </a:tc>
+              </a:tr>
+              <a:tr h="515210">
+                <a:tc gridSpan="2">
+                  <a:txBody>
+                    <a:bodyPr vert="horz" wrap="square" lIns="91440" tIns="45720" rIns="91440" bIns="45720" anchor="ctr" anchorCtr="1">
+                      <a:spAutoFit/>
+                    </a:bodyPr>
+                    <a:p>
+                      <a:pPr algn="ctr">
+                        <a:defRPr/>
+                      </a:pPr>
+                      <a:r>
+                        <a:rPr lang="ko-KR" altLang="en-US" sz="1100">
+                          <a:solidFill>
+                            <a:schemeClr val="dk1"/>
+                          </a:solidFill>
+                        </a:rPr>
+                        <a:t>결제 완료 페이지</a:t>
+                      </a:r>
+                      <a:endParaRPr lang="ko-KR" altLang="en-US" sz="1100">
+                        <a:solidFill>
+                          <a:schemeClr val="dk1"/>
+                        </a:solidFill>
+                      </a:endParaRPr>
+                    </a:p>
+                  </a:txBody>
+                  <a:tcPr marL="91440" marR="91440" anchor="ctr" anchorCtr="1">
+                    <a:lnL w="12700" cap="flat" cmpd="sng" algn="ctr">
+                      <a:solidFill>
+                        <a:schemeClr val="tx1"/>
+                      </a:solidFill>
+                      <a:prstDash val="solid"/>
+                      <a:round/>
+                      <a:headEnd w="med" len="med"/>
+                      <a:tailEnd w="med" len="med"/>
+                    </a:lnL>
+                    <a:lnR w="12700" cap="flat" cmpd="sng" algn="ctr">
+                      <a:solidFill>
+                        <a:schemeClr val="tx1"/>
+                      </a:solidFill>
+                      <a:prstDash val="solid"/>
+                      <a:round/>
+                      <a:headEnd w="med" len="med"/>
+                      <a:tailEnd w="med" len="med"/>
+                    </a:lnR>
+                    <a:lnT w="12700" cap="flat" cmpd="sng" algn="ctr">
+                      <a:solidFill>
+                        <a:schemeClr val="tx1"/>
+                      </a:solidFill>
+                      <a:prstDash val="solid"/>
+                      <a:round/>
+                      <a:headEnd w="med" len="med"/>
+                      <a:tailEnd w="med" len="med"/>
+                    </a:lnT>
+                    <a:lnB w="12700" cap="flat" cmpd="sng" algn="ctr">
+                      <a:solidFill>
+                        <a:schemeClr val="tx1"/>
+                      </a:solidFill>
+                      <a:prstDash val="solid"/>
+                      <a:round/>
+                      <a:headEnd w="med" len="med"/>
+                      <a:tailEnd w="med" len="med"/>
+                    </a:lnB>
+                    <a:solidFill>
+                      <a:schemeClr val="lt1"/>
+                    </a:solidFill>
+                  </a:tcPr>
+                </a:tc>
+                <a:tc hMerge="1">
+                  <a:txBody>
+                    <a:bodyPr vert="horz" wrap="square" lIns="91440" tIns="45720" rIns="91440" bIns="45720" anchor="t" anchorCtr="0">
+                      <a:spAutoFit/>
+                    </a:bodyPr>
+                    <a:p>
+                      <a:pPr>
+                        <a:defRPr/>
+                      </a:pPr>
+                      <a:endParaRPr lang="en-US" altLang="ko-KR"/>
+                    </a:p>
+                  </a:txBody>
+                  <a:tcPr marL="91440" marR="91440">
+                    <a:lnL w="12700" cap="flat" cmpd="sng" algn="ctr">
+                      <a:solidFill>
+                        <a:schemeClr val="tx1"/>
+                      </a:solidFill>
+                      <a:prstDash val="solid"/>
+                      <a:round/>
+                      <a:headEnd w="med" len="med"/>
+                      <a:tailEnd w="med" len="med"/>
+                    </a:lnL>
+                    <a:lnR w="12700" cap="flat" cmpd="sng" algn="ctr">
+                      <a:solidFill>
+                        <a:schemeClr val="tx1"/>
+                      </a:solidFill>
+                      <a:prstDash val="solid"/>
+                      <a:round/>
+                      <a:headEnd w="med" len="med"/>
+                      <a:tailEnd w="med" len="med"/>
+                    </a:lnR>
+                    <a:lnT w="12700" cap="flat" cmpd="sng" algn="ctr">
+                      <a:solidFill>
+                        <a:schemeClr val="tx1"/>
+                      </a:solidFill>
+                      <a:prstDash val="solid"/>
+                      <a:round/>
+                      <a:headEnd w="med" len="med"/>
+                      <a:tailEnd w="med" len="med"/>
+                    </a:lnT>
+                    <a:lnB w="12700" cap="flat" cmpd="sng" algn="ctr">
+                      <a:solidFill>
+                        <a:schemeClr val="tx1"/>
+                      </a:solidFill>
+                      <a:prstDash val="solid"/>
+                      <a:round/>
+                      <a:headEnd w="med" len="med"/>
+                      <a:tailEnd w="med" len="med"/>
+                    </a:lnB>
+                    <a:solidFill>
+                      <a:schemeClr val="lt1"/>
+                    </a:solidFill>
+                  </a:tcPr>
+                </a:tc>
+              </a:tr>
+              <a:tr h="515210">
+                <a:tc gridSpan="2">
+                  <a:txBody>
+                    <a:bodyPr vert="horz" wrap="square" lIns="91440" tIns="45720" rIns="91440" bIns="45720" anchor="ctr" anchorCtr="1">
+                      <a:spAutoFit/>
+                    </a:bodyPr>
+                    <a:p>
+                      <a:pPr algn="ctr">
+                        <a:defRPr/>
+                      </a:pPr>
+                      <a:r>
+                        <a:rPr lang="en-US" altLang="ko-KR">
+                          <a:solidFill>
+                            <a:schemeClr val="dk1"/>
+                          </a:solidFill>
+                        </a:rPr>
+                        <a:t>function</a:t>
+                      </a:r>
+                      <a:endParaRPr lang="en-US" altLang="ko-KR">
+                        <a:solidFill>
+                          <a:schemeClr val="dk1"/>
+                        </a:solidFill>
+                      </a:endParaRPr>
+                    </a:p>
+                  </a:txBody>
+                  <a:tcPr marL="91440" marR="91440" anchor="ctr" anchorCtr="1">
+                    <a:lnL w="12700" cap="flat" cmpd="sng" algn="ctr">
+                      <a:solidFill>
+                        <a:schemeClr val="tx1"/>
+                      </a:solidFill>
+                      <a:prstDash val="solid"/>
+                      <a:round/>
+                      <a:headEnd w="med" len="med"/>
+                      <a:tailEnd w="med" len="med"/>
+                    </a:lnL>
+                    <a:lnR w="12700" cap="flat" cmpd="sng" algn="ctr">
+                      <a:solidFill>
+                        <a:schemeClr val="tx1"/>
+                      </a:solidFill>
+                      <a:prstDash val="solid"/>
+                      <a:round/>
+                      <a:headEnd w="med" len="med"/>
+                      <a:tailEnd w="med" len="med"/>
+                    </a:lnR>
+                    <a:lnT w="12700" cap="flat" cmpd="sng" algn="ctr">
+                      <a:solidFill>
+                        <a:schemeClr val="tx1"/>
+                      </a:solidFill>
+                      <a:prstDash val="solid"/>
+                      <a:round/>
+                      <a:headEnd w="med" len="med"/>
+                      <a:tailEnd w="med" len="med"/>
+                    </a:lnT>
+                    <a:lnB w="12700" cap="flat" cmpd="sng" algn="ctr">
+                      <a:solidFill>
+                        <a:schemeClr val="tx1"/>
+                      </a:solidFill>
+                      <a:prstDash val="solid"/>
+                      <a:round/>
+                      <a:headEnd w="med" len="med"/>
+                      <a:tailEnd w="med" len="med"/>
+                    </a:lnB>
+                    <a:solidFill>
+                      <a:srgbClr val="d1d1d1"/>
+                    </a:solidFill>
+                  </a:tcPr>
+                </a:tc>
+                <a:tc hMerge="1">
+                  <a:txBody>
+                    <a:bodyPr vert="horz" wrap="square" lIns="91440" tIns="45720" rIns="91440" bIns="45720" anchor="t" anchorCtr="0">
+                      <a:spAutoFit/>
+                    </a:bodyPr>
+                    <a:p>
+                      <a:pPr>
+                        <a:defRPr/>
+                      </a:pPr>
+                      <a:endParaRPr lang="ko-KR" altLang="en-US"/>
+                    </a:p>
+                  </a:txBody>
+                  <a:tcPr marL="91440" marR="91440">
+                    <a:lnL w="12700" cap="flat" cmpd="sng" algn="ctr">
+                      <a:solidFill>
+                        <a:schemeClr val="tx1"/>
+                      </a:solidFill>
+                      <a:prstDash val="solid"/>
+                      <a:round/>
+                      <a:headEnd w="med" len="med"/>
+                      <a:tailEnd w="med" len="med"/>
+                    </a:lnL>
+                    <a:lnR w="12700" cap="flat" cmpd="sng" algn="ctr">
+                      <a:solidFill>
+                        <a:schemeClr val="tx1"/>
+                      </a:solidFill>
+                      <a:prstDash val="solid"/>
+                      <a:round/>
+                      <a:headEnd w="med" len="med"/>
+                      <a:tailEnd w="med" len="med"/>
+                    </a:lnR>
+                    <a:lnT w="12700" cap="flat" cmpd="sng" algn="ctr">
+                      <a:solidFill>
+                        <a:schemeClr val="tx1"/>
+                      </a:solidFill>
+                      <a:prstDash val="solid"/>
+                      <a:round/>
+                      <a:headEnd w="med" len="med"/>
+                      <a:tailEnd w="med" len="med"/>
+                    </a:lnT>
+                    <a:lnB w="12700" cap="flat" cmpd="sng" algn="ctr">
+                      <a:solidFill>
+                        <a:schemeClr val="tx1"/>
+                      </a:solidFill>
+                      <a:prstDash val="solid"/>
+                      <a:round/>
+                      <a:headEnd w="med" len="med"/>
+                      <a:tailEnd w="med" len="med"/>
+                    </a:lnB>
+                    <a:solidFill>
+                      <a:schemeClr val="lt1"/>
+                    </a:solidFill>
+                  </a:tcPr>
+                </a:tc>
+              </a:tr>
+              <a:tr h="1111475">
+                <a:tc>
+                  <a:txBody>
+                    <a:bodyPr vert="horz" wrap="square" lIns="91440" tIns="45720" rIns="91440" bIns="45720" anchor="ctr" anchorCtr="1">
+                      <a:spAutoFit/>
+                    </a:bodyPr>
+                    <a:p>
+                      <a:pPr algn="ctr">
+                        <a:defRPr/>
+                      </a:pPr>
+                      <a:r>
+                        <a:rPr lang="en-US" altLang="ko-KR" sz="1100">
+                          <a:solidFill>
+                            <a:schemeClr val="dk1"/>
+                          </a:solidFill>
+                        </a:rPr>
+                        <a:t>1</a:t>
+                      </a:r>
+                      <a:endParaRPr lang="en-US" altLang="ko-KR" sz="1100">
+                        <a:solidFill>
+                          <a:schemeClr val="dk1"/>
+                        </a:solidFill>
+                      </a:endParaRPr>
+                    </a:p>
+                  </a:txBody>
+                  <a:tcPr marL="91440" marR="91440" anchor="ctr" anchorCtr="1">
+                    <a:lnL w="12700" cap="flat" cmpd="sng" algn="ctr">
+                      <a:solidFill>
+                        <a:schemeClr val="tx1"/>
+                      </a:solidFill>
+                      <a:prstDash val="solid"/>
+                      <a:round/>
+                      <a:headEnd w="med" len="med"/>
+                      <a:tailEnd w="med" len="med"/>
+                    </a:lnL>
+                    <a:lnR w="12700" cap="flat" cmpd="sng" algn="ctr">
+                      <a:solidFill>
+                        <a:schemeClr val="tx1"/>
+                      </a:solidFill>
+                      <a:prstDash val="solid"/>
+                      <a:round/>
+                      <a:headEnd w="med" len="med"/>
+                      <a:tailEnd w="med" len="med"/>
+                    </a:lnR>
+                    <a:lnT w="12700" cap="flat" cmpd="sng" algn="ctr">
+                      <a:solidFill>
+                        <a:schemeClr val="tx1"/>
+                      </a:solidFill>
+                      <a:prstDash val="solid"/>
+                      <a:round/>
+                      <a:headEnd w="med" len="med"/>
+                      <a:tailEnd w="med" len="med"/>
+                    </a:lnT>
+                    <a:lnB w="12700" cap="flat" cmpd="sng" algn="ctr">
+                      <a:solidFill>
+                        <a:schemeClr val="tx1"/>
+                      </a:solidFill>
+                      <a:prstDash val="solid"/>
+                      <a:round/>
+                      <a:headEnd w="med" len="med"/>
+                      <a:tailEnd w="med" len="med"/>
+                    </a:lnB>
+                    <a:solidFill>
+                      <a:schemeClr val="lt1"/>
+                    </a:solidFill>
+                  </a:tcPr>
+                </a:tc>
+                <a:tc>
+                  <a:txBody>
+                    <a:bodyPr vert="horz" wrap="square" lIns="91440" tIns="45720" rIns="91440" bIns="45720" anchor="ctr" anchorCtr="1">
+                      <a:spAutoFit/>
+                    </a:bodyPr>
+                    <a:p>
+                      <a:pPr>
+                        <a:defRPr/>
+                      </a:pPr>
+                      <a:r>
+                        <a:rPr lang="ko-KR" altLang="en-US" sz="1100">
+                          <a:solidFill>
+                            <a:schemeClr val="dk1"/>
+                          </a:solidFill>
+                        </a:rPr>
+                        <a:t>결제 완료 후 홈으로 이동 버튼</a:t>
+                      </a:r>
+                      <a:endParaRPr lang="ko-KR" altLang="en-US" sz="1100">
+                        <a:solidFill>
+                          <a:schemeClr val="dk1"/>
+                        </a:solidFill>
+                      </a:endParaRPr>
+                    </a:p>
+                    <a:p>
+                      <a:pPr>
+                        <a:defRPr/>
+                      </a:pPr>
+                      <a:endParaRPr lang="ko-KR" altLang="en-US" sz="1100">
+                        <a:solidFill>
+                          <a:schemeClr val="dk1"/>
+                        </a:solidFill>
+                      </a:endParaRPr>
+                    </a:p>
+                    <a:p>
+                      <a:pPr>
+                        <a:defRPr/>
+                      </a:pPr>
+                      <a:r>
+                        <a:rPr lang="en-US" altLang="ko-KR" sz="1100">
+                          <a:solidFill>
+                            <a:schemeClr val="dk1"/>
+                          </a:solidFill>
+                        </a:rPr>
+                        <a:t>-</a:t>
+                      </a:r>
+                      <a:r>
+                        <a:rPr lang="ko-KR" altLang="en-US" sz="1100">
+                          <a:solidFill>
+                            <a:schemeClr val="dk1"/>
+                          </a:solidFill>
+                        </a:rPr>
+                        <a:t>결제 후 결제 정보는 관리자에서 관리 가능</a:t>
+                      </a:r>
+                      <a:endParaRPr lang="ko-KR" altLang="en-US" sz="1100">
+                        <a:solidFill>
+                          <a:schemeClr val="dk1"/>
+                        </a:solidFill>
+                      </a:endParaRPr>
+                    </a:p>
+                    <a:p>
+                      <a:pPr>
+                        <a:defRPr/>
+                      </a:pPr>
+                      <a:r>
+                        <a:rPr lang="en-US" altLang="ko-KR" sz="1100">
+                          <a:solidFill>
+                            <a:schemeClr val="dk1"/>
+                          </a:solidFill>
+                        </a:rPr>
+                        <a:t>-</a:t>
+                      </a:r>
+                      <a:r>
+                        <a:rPr lang="ko-KR" altLang="en-US" sz="1100">
+                          <a:solidFill>
+                            <a:schemeClr val="dk1"/>
+                          </a:solidFill>
+                        </a:rPr>
+                        <a:t>결제 후 업체 담당자에게 주문정보 전달</a:t>
+                      </a:r>
+                      <a:endParaRPr lang="ko-KR" altLang="en-US" sz="1100">
+                        <a:solidFill>
+                          <a:schemeClr val="dk1"/>
+                        </a:solidFill>
+                      </a:endParaRPr>
+                    </a:p>
+                    <a:p>
+                      <a:pPr>
+                        <a:defRPr/>
+                      </a:pPr>
+                      <a:r>
+                        <a:rPr lang="ko-KR" altLang="en-US" sz="1100">
+                          <a:solidFill>
+                            <a:schemeClr val="dk1"/>
+                          </a:solidFill>
+                        </a:rPr>
+                        <a:t>주문정보 전달 방식은 휴대폰 문자 및 카카오톡</a:t>
+                      </a:r>
+                      <a:endParaRPr lang="ko-KR" altLang="en-US" sz="1100">
+                        <a:solidFill>
+                          <a:schemeClr val="dk1"/>
+                        </a:solidFill>
+                      </a:endParaRPr>
+                    </a:p>
+                    <a:p>
+                      <a:pPr>
+                        <a:defRPr/>
+                      </a:pPr>
+                      <a:r>
+                        <a:rPr lang="en-US" altLang="ko-KR" sz="1100">
+                          <a:solidFill>
+                            <a:schemeClr val="dk1"/>
+                          </a:solidFill>
+                        </a:rPr>
+                        <a:t>-</a:t>
+                      </a:r>
+                      <a:r>
+                        <a:rPr lang="ko-KR" altLang="en-US" sz="1100">
+                          <a:solidFill>
+                            <a:schemeClr val="dk1"/>
+                          </a:solidFill>
+                        </a:rPr>
+                        <a:t>결제 완료후 사용자의 카카오톡으로 주문정보 전달</a:t>
+                      </a:r>
+                      <a:endParaRPr lang="ko-KR" altLang="en-US" sz="1100">
+                        <a:solidFill>
+                          <a:schemeClr val="dk1"/>
+                        </a:solidFill>
+                      </a:endParaRPr>
+                    </a:p>
+                  </a:txBody>
+                  <a:tcPr marL="91440" marR="91440" anchor="ctr" anchorCtr="1">
+                    <a:lnL w="12700" cap="flat" cmpd="sng" algn="ctr">
+                      <a:solidFill>
+                        <a:schemeClr val="tx1"/>
+                      </a:solidFill>
+                      <a:prstDash val="solid"/>
+                      <a:round/>
+                      <a:headEnd w="med" len="med"/>
+                      <a:tailEnd w="med" len="med"/>
+                    </a:lnL>
+                    <a:lnR w="12700" cap="flat" cmpd="sng" algn="ctr">
+                      <a:solidFill>
+                        <a:schemeClr val="tx1"/>
+                      </a:solidFill>
+                      <a:prstDash val="solid"/>
+                      <a:round/>
+                      <a:headEnd w="med" len="med"/>
+                      <a:tailEnd w="med" len="med"/>
+                    </a:lnR>
+                    <a:lnT w="12700" cap="flat" cmpd="sng" algn="ctr">
+                      <a:solidFill>
+                        <a:schemeClr val="tx1"/>
+                      </a:solidFill>
+                      <a:prstDash val="solid"/>
+                      <a:round/>
+                      <a:headEnd w="med" len="med"/>
+                      <a:tailEnd w="med" len="med"/>
+                    </a:lnT>
+                    <a:lnB w="12700" cap="flat" cmpd="sng" algn="ctr">
+                      <a:solidFill>
+                        <a:schemeClr val="tx1"/>
+                      </a:solidFill>
+                      <a:prstDash val="solid"/>
+                      <a:round/>
+                      <a:headEnd w="med" len="med"/>
+                      <a:tailEnd w="med" len="med"/>
+                    </a:lnB>
+                    <a:solidFill>
+                      <a:schemeClr val="lt1"/>
+                    </a:solidFill>
+                  </a:tcPr>
+                </a:tc>
+              </a:tr>
+            </a:tbl>
+          </a:graphicData>
+        </a:graphic>
+      </p:graphicFrame>
+      <p:sp>
+        <p:nvSpPr>
+          <p:cNvPr id="264" name="Shape 434"/>
+          <p:cNvSpPr/>
+          <p:nvPr/>
+        </p:nvSpPr>
+        <p:spPr>
+          <a:xfrm>
+            <a:off x="3899755" y="1123603"/>
+            <a:ext cx="2908790" cy="5152103"/>
+          </a:xfrm>
+          <a:prstGeom prst="rect">
+            <a:avLst/>
+          </a:prstGeom>
+          <a:ln>
+            <a:solidFill>
+              <a:srgbClr val="000000">
+                <a:alpha val="100000"/>
+              </a:srgbClr>
+            </a:solidFill>
+          </a:ln>
+        </p:spPr>
+        <p:txBody>
+          <a:bodyPr lIns="45324" tIns="45324" rIns="45324" bIns="45324"/>
+          <a:p>
+            <a:pPr marL="0" indent="0" algn="ctr" defTabSz="906145" rtl="0" eaLnBrk="1" latinLnBrk="0" hangingPunct="0">
+              <a:lnSpc>
+                <a:spcPct val="120000"/>
+              </a:lnSpc>
+              <a:spcBef>
+                <a:spcPct val="0"/>
+              </a:spcBef>
+              <a:spcAft>
+                <a:spcPts val="0"/>
+              </a:spcAft>
+              <a:buNone/>
+              <a:defRPr sz="700" b="1">
+                <a:latin typeface="Wingdings"/>
+                <a:ea typeface="Wingdings"/>
+                <a:cs typeface="Wingdings"/>
+                <a:sym typeface="Wingdings"/>
+              </a:defRPr>
+            </a:pPr>
+            <a:endParaRPr xmlns:mc="http://schemas.openxmlformats.org/markup-compatibility/2006" xmlns:hp="http://schemas.haansoft.com/office/presentation/8.0" kumimoji="0" sz="700" b="1" i="0" u="none" strike="noStrike" kern="0" cap="none" spc="0" normalizeH="0" baseline="0" mc:Ignorable="hp" hp:hslEmbossed="0">
+              <a:solidFill>
+                <a:srgbClr val="000000"/>
+              </a:solidFill>
+              <a:latin typeface="맑은 고딕"/>
+              <a:ea typeface="맑은 고딕"/>
+              <a:cs typeface="맑은 고딕"/>
+              <a:sym typeface="맑은 고딕"/>
+            </a:endParaRPr>
+          </a:p>
+        </p:txBody>
+      </p:sp>
+      <p:sp>
+        <p:nvSpPr>
+          <p:cNvPr id="265" name="타원 50"/>
+          <p:cNvSpPr/>
+          <p:nvPr/>
+        </p:nvSpPr>
+        <p:spPr>
+          <a:xfrm>
+            <a:off x="4734917" y="1296431"/>
+            <a:ext cx="1239708" cy="628317"/>
+          </a:xfrm>
+          <a:prstGeom prst="ellipse">
+            <a:avLst/>
+          </a:prstGeom>
+          <a:noFill/>
+          <a:ln w="3175" cap="flat" cmpd="sng" algn="ctr">
+            <a:solidFill>
+              <a:srgbClr val="bfbfbf">
+                <a:alpha val="100000"/>
+              </a:srgbClr>
+            </a:solidFill>
+            <a:prstDash val="solid"/>
+          </a:ln>
+        </p:spPr>
+        <p:txBody>
+          <a:bodyPr anchor="ctr"/>
+          <a:p>
+            <a:pPr marL="0" indent="0" algn="ctr" defTabSz="914400" rtl="0" eaLnBrk="1" latinLnBrk="1" hangingPunct="1">
+              <a:lnSpc>
+                <a:spcPct val="100000"/>
+              </a:lnSpc>
+              <a:spcBef>
+                <a:spcPct val="0"/>
+              </a:spcBef>
+              <a:spcAft>
+                <a:spcPts val="0"/>
+              </a:spcAft>
+              <a:buNone/>
+              <a:defRPr/>
+            </a:pPr>
+            <a:r>
+              <a:rPr xmlns:mc="http://schemas.openxmlformats.org/markup-compatibility/2006" xmlns:hp="http://schemas.haansoft.com/office/presentation/8.0" kumimoji="0" lang="ko-KR" altLang="en-US" sz="900" b="0" i="0" u="none" strike="noStrike" kern="1200" cap="none" spc="0" normalizeH="0" baseline="0" mc:Ignorable="hp" hp:hslEmbossed="0">
+                <a:solidFill>
+                  <a:srgbClr val="000000"/>
+                </a:solidFill>
+                <a:latin typeface="Calibri"/>
+                <a:ea typeface="맑은 고딕"/>
+                <a:cs typeface="맑은 고딕"/>
+              </a:rPr>
+              <a:t>로고</a:t>
+            </a:r>
+            <a:endParaRPr xmlns:mc="http://schemas.openxmlformats.org/markup-compatibility/2006" xmlns:hp="http://schemas.haansoft.com/office/presentation/8.0" kumimoji="0" lang="ko-KR" altLang="en-US" sz="900" b="0" i="0" u="none" strike="noStrike" kern="1200" cap="none" spc="0" normalizeH="0" baseline="0" mc:Ignorable="hp" hp:hslEmbossed="0">
+              <a:solidFill>
+                <a:srgbClr val="000000"/>
+              </a:solidFill>
+              <a:latin typeface="Calibri"/>
+              <a:ea typeface="맑은 고딕"/>
+              <a:cs typeface="맑은 고딕"/>
+            </a:endParaRPr>
+          </a:p>
+        </p:txBody>
+      </p:sp>
+      <p:sp>
+        <p:nvSpPr>
+          <p:cNvPr id="287" name=""/>
+          <p:cNvSpPr/>
+          <p:nvPr/>
+        </p:nvSpPr>
+        <p:spPr>
+          <a:xfrm>
+            <a:off x="4326273" y="2223175"/>
+            <a:ext cx="2056995" cy="709309"/>
+          </a:xfrm>
+          <a:prstGeom prst="rect">
+            <a:avLst/>
+          </a:prstGeom>
+          <a:solidFill>
+            <a:schemeClr val="lt1"/>
+          </a:solidFill>
+        </p:spPr>
+        <p:style>
+          <a:lnRef idx="2">
+            <a:schemeClr val="accent1">
+              <a:shade val="20000"/>
+            </a:schemeClr>
+          </a:lnRef>
+          <a:fillRef idx="1">
+            <a:schemeClr val="accent1"/>
+          </a:fillRef>
+          <a:effectRef idx="0">
+            <a:schemeClr val="accent1"/>
+          </a:effectRef>
+          <a:fontRef idx="minor">
+            <a:schemeClr val="lt1"/>
+          </a:fontRef>
+        </p:style>
+        <p:txBody>
+          <a:bodyPr anchor="ctr"/>
+          <a:p>
+            <a:pPr algn="ctr">
+              <a:defRPr/>
+            </a:pPr>
+            <a:r>
+              <a:rPr lang="ko-KR" altLang="en-US" sz="1200">
+                <a:solidFill>
+                  <a:schemeClr val="dk1"/>
+                </a:solidFill>
+              </a:rPr>
+              <a:t>결제해주셔서</a:t>
+            </a:r>
+            <a:endParaRPr lang="ko-KR" altLang="en-US" sz="1200">
+              <a:solidFill>
+                <a:schemeClr val="dk1"/>
+              </a:solidFill>
+            </a:endParaRPr>
+          </a:p>
+          <a:p>
+            <a:pPr algn="ctr">
+              <a:defRPr/>
+            </a:pPr>
+            <a:r>
+              <a:rPr lang="ko-KR" altLang="en-US" sz="1200">
+                <a:solidFill>
+                  <a:schemeClr val="dk1"/>
+                </a:solidFill>
+              </a:rPr>
+              <a:t>감사합니다</a:t>
+            </a:r>
+            <a:r>
+              <a:rPr lang="en-US" altLang="ko-KR" sz="1200">
+                <a:solidFill>
+                  <a:schemeClr val="dk1"/>
+                </a:solidFill>
+              </a:rPr>
+              <a:t>.</a:t>
+            </a:r>
+            <a:endParaRPr lang="en-US" altLang="ko-KR" sz="1200">
+              <a:solidFill>
+                <a:schemeClr val="dk1"/>
+              </a:solidFill>
+            </a:endParaRPr>
+          </a:p>
+          <a:p>
+            <a:pPr algn="ctr">
+              <a:defRPr/>
+            </a:pPr>
+            <a:endParaRPr lang="en-US" altLang="ko-KR" sz="1200">
+              <a:solidFill>
+                <a:schemeClr val="dk1"/>
+              </a:solidFill>
+            </a:endParaRPr>
+          </a:p>
+        </p:txBody>
+      </p:sp>
+      <p:sp>
+        <p:nvSpPr>
+          <p:cNvPr id="288" name=""/>
+          <p:cNvSpPr/>
+          <p:nvPr/>
+        </p:nvSpPr>
+        <p:spPr>
+          <a:xfrm>
+            <a:off x="4013672" y="3110670"/>
+            <a:ext cx="2683409" cy="3165035"/>
+          </a:xfrm>
+          <a:prstGeom prst="rect">
+            <a:avLst/>
+          </a:prstGeom>
+          <a:solidFill>
+            <a:schemeClr val="lt1"/>
+          </a:solidFill>
+        </p:spPr>
+        <p:style>
+          <a:lnRef idx="2">
+            <a:schemeClr val="accent1">
+              <a:shade val="20000"/>
+            </a:schemeClr>
+          </a:lnRef>
+          <a:fillRef idx="1">
+            <a:schemeClr val="accent1"/>
+          </a:fillRef>
+          <a:effectRef idx="0">
+            <a:schemeClr val="accent1"/>
+          </a:effectRef>
+          <a:fontRef idx="minor">
+            <a:schemeClr val="lt1"/>
+          </a:fontRef>
+        </p:style>
+        <p:txBody>
+          <a:bodyPr anchor="ctr"/>
+          <a:p>
+            <a:pPr algn="ctr">
+              <a:defRPr/>
+            </a:pPr>
+            <a:endParaRPr lang="ko-KR" altLang="en-US"/>
+          </a:p>
+        </p:txBody>
+      </p:sp>
+      <p:sp>
+        <p:nvSpPr>
+          <p:cNvPr id="289" name=""/>
+          <p:cNvSpPr/>
+          <p:nvPr/>
+        </p:nvSpPr>
+        <p:spPr>
+          <a:xfrm>
+            <a:off x="4133126" y="3699654"/>
+            <a:ext cx="2442048" cy="324255"/>
+          </a:xfrm>
+          <a:prstGeom prst="rect">
+            <a:avLst/>
+          </a:prstGeom>
+          <a:solidFill>
+            <a:schemeClr val="lt1"/>
+          </a:solidFill>
+        </p:spPr>
+        <p:style>
+          <a:lnRef idx="2">
+            <a:schemeClr val="accent1">
+              <a:shade val="20000"/>
+            </a:schemeClr>
+          </a:lnRef>
+          <a:fillRef idx="1">
+            <a:schemeClr val="accent1"/>
+          </a:fillRef>
+          <a:effectRef idx="0">
+            <a:schemeClr val="accent1"/>
+          </a:effectRef>
+          <a:fontRef idx="minor">
+            <a:schemeClr val="lt1"/>
+          </a:fontRef>
+        </p:style>
+        <p:txBody>
+          <a:bodyPr anchor="ctr"/>
+          <a:p>
+            <a:pPr algn="ctr">
+              <a:defRPr/>
+            </a:pPr>
+            <a:r>
+              <a:rPr lang="ko-KR" altLang="en-US" sz="1200">
+                <a:solidFill>
+                  <a:schemeClr val="dk1"/>
+                </a:solidFill>
+              </a:rPr>
+              <a:t>상품명	가격	수량</a:t>
+            </a:r>
+            <a:endParaRPr lang="ko-KR" altLang="en-US" sz="1200">
+              <a:solidFill>
+                <a:schemeClr val="dk1"/>
+              </a:solidFill>
+            </a:endParaRPr>
+          </a:p>
+        </p:txBody>
+      </p:sp>
+      <p:sp>
+        <p:nvSpPr>
+          <p:cNvPr id="290" name=""/>
+          <p:cNvSpPr/>
+          <p:nvPr/>
+        </p:nvSpPr>
+        <p:spPr>
+          <a:xfrm>
+            <a:off x="4133125" y="3221274"/>
+            <a:ext cx="1221024" cy="354654"/>
+          </a:xfrm>
+          <a:prstGeom prst="rect">
+            <a:avLst/>
+          </a:prstGeom>
+          <a:solidFill>
+            <a:schemeClr val="lt1"/>
+          </a:solidFill>
+        </p:spPr>
+        <p:style>
+          <a:lnRef idx="2">
+            <a:schemeClr val="accent1">
+              <a:shade val="20000"/>
+            </a:schemeClr>
+          </a:lnRef>
+          <a:fillRef idx="1">
+            <a:schemeClr val="accent1"/>
+          </a:fillRef>
+          <a:effectRef idx="0">
+            <a:schemeClr val="accent1"/>
+          </a:effectRef>
+          <a:fontRef idx="minor">
+            <a:schemeClr val="lt1"/>
+          </a:fontRef>
+        </p:style>
+        <p:txBody>
+          <a:bodyPr anchor="ctr"/>
+          <a:p>
+            <a:pPr algn="ctr">
+              <a:defRPr/>
+            </a:pPr>
+            <a:r>
+              <a:rPr lang="ko-KR" altLang="en-US" sz="1300">
+                <a:solidFill>
+                  <a:schemeClr val="dk1"/>
+                </a:solidFill>
+              </a:rPr>
+              <a:t>주문내역</a:t>
+            </a:r>
+            <a:endParaRPr lang="ko-KR" altLang="en-US" sz="1300">
+              <a:solidFill>
+                <a:schemeClr val="dk1"/>
+              </a:solidFill>
+            </a:endParaRPr>
+          </a:p>
+        </p:txBody>
+      </p:sp>
+      <p:sp>
+        <p:nvSpPr>
+          <p:cNvPr id="291" name=""/>
+          <p:cNvSpPr/>
+          <p:nvPr/>
+        </p:nvSpPr>
+        <p:spPr>
+          <a:xfrm>
+            <a:off x="4621651" y="2687873"/>
+            <a:ext cx="1474348" cy="187460"/>
+          </a:xfrm>
+          <a:prstGeom prst="rect">
+            <a:avLst/>
+          </a:prstGeom>
+          <a:solidFill>
+            <a:schemeClr val="lt1"/>
+          </a:solidFill>
+        </p:spPr>
+        <p:style>
+          <a:lnRef idx="2">
+            <a:schemeClr val="accent1">
+              <a:shade val="20000"/>
+            </a:schemeClr>
+          </a:lnRef>
+          <a:fillRef idx="1">
+            <a:schemeClr val="accent1"/>
+          </a:fillRef>
+          <a:effectRef idx="0">
+            <a:schemeClr val="accent1"/>
+          </a:effectRef>
+          <a:fontRef idx="minor">
+            <a:schemeClr val="lt1"/>
+          </a:fontRef>
+        </p:style>
+        <p:txBody>
+          <a:bodyPr anchor="ctr"/>
+          <a:p>
+            <a:pPr algn="ctr">
+              <a:defRPr/>
+            </a:pPr>
+            <a:r>
+              <a:rPr lang="ko-KR" altLang="en-US" sz="1100">
+                <a:solidFill>
+                  <a:schemeClr val="dk1"/>
+                </a:solidFill>
+              </a:rPr>
+              <a:t>집모양</a:t>
+            </a:r>
+            <a:endParaRPr lang="ko-KR" altLang="en-US" sz="1100">
+              <a:solidFill>
+                <a:schemeClr val="dk1"/>
+              </a:solidFill>
+            </a:endParaRPr>
+          </a:p>
+        </p:txBody>
+      </p:sp>
+      <p:sp>
+        <p:nvSpPr>
+          <p:cNvPr id="292" name="타원 83"/>
+          <p:cNvSpPr/>
+          <p:nvPr/>
+        </p:nvSpPr>
+        <p:spPr>
+          <a:xfrm>
+            <a:off x="4550213" y="2638727"/>
+            <a:ext cx="142876" cy="142876"/>
+          </a:xfrm>
+          <a:prstGeom prst="ellipse">
+            <a:avLst/>
+          </a:prstGeom>
+          <a:solidFill>
+            <a:srgbClr val="fce700">
+              <a:alpha val="100000"/>
+            </a:srgbClr>
+          </a:solidFill>
+          <a:ln w="19050" cap="flat" cmpd="sng" algn="ctr">
+            <a:noFill/>
+            <a:prstDash val="solid"/>
+          </a:ln>
+        </p:spPr>
+        <p:txBody>
+          <a:bodyPr lIns="0" tIns="0" rIns="0" bIns="0" anchor="ctr"/>
+          <a:p>
+            <a:pPr marL="0" indent="0" algn="ctr" defTabSz="914400" rtl="0" eaLnBrk="1" latinLnBrk="1" hangingPunct="1">
+              <a:lnSpc>
+                <a:spcPct val="100000"/>
+              </a:lnSpc>
+              <a:spcBef>
+                <a:spcPct val="0"/>
+              </a:spcBef>
+              <a:spcAft>
+                <a:spcPts val="0"/>
+              </a:spcAft>
+              <a:buNone/>
+              <a:defRPr/>
+            </a:pPr>
+            <a:r>
+              <a:rPr xmlns:mc="http://schemas.openxmlformats.org/markup-compatibility/2006" xmlns:hp="http://schemas.haansoft.com/office/presentation/8.0" kumimoji="0" lang="en-US" altLang="ko-KR" sz="900" b="1" i="0" u="none" strike="noStrike" kern="1200" cap="none" spc="0" normalizeH="0" baseline="0" mc:Ignorable="hp" hp:hslEmbossed="0">
+                <a:solidFill>
+                  <a:srgbClr val="663300"/>
+                </a:solidFill>
+                <a:latin typeface="Calibri"/>
+                <a:ea typeface="맑은 고딕"/>
+                <a:cs typeface="Calibri"/>
+              </a:rPr>
+              <a:t>1</a:t>
+            </a:r>
+            <a:endParaRPr xmlns:mc="http://schemas.openxmlformats.org/markup-compatibility/2006" xmlns:hp="http://schemas.haansoft.com/office/presentation/8.0" kumimoji="0" lang="en-US" altLang="ko-KR" sz="900" b="1" i="0" u="none" strike="noStrike" kern="1200" cap="none" spc="0" normalizeH="0" baseline="0" mc:Ignorable="hp" hp:hslEmbossed="0">
+              <a:solidFill>
+                <a:srgbClr val="663300"/>
+              </a:solidFill>
+              <a:latin typeface="Calibri"/>
+              <a:ea typeface="맑은 고딕"/>
+              <a:cs typeface="Calibri"/>
+            </a:endParaRPr>
+          </a:p>
+        </p:txBody>
+      </p:sp>
+      <p:sp>
+        <p:nvSpPr>
+          <p:cNvPr id="293" name=""/>
+          <p:cNvSpPr/>
+          <p:nvPr/>
+        </p:nvSpPr>
+        <p:spPr>
+          <a:xfrm>
+            <a:off x="4133125" y="4146033"/>
+            <a:ext cx="2442048" cy="324255"/>
+          </a:xfrm>
+          <a:prstGeom prst="rect">
+            <a:avLst/>
+          </a:prstGeom>
+          <a:solidFill>
+            <a:srgbClr val="ffffff">
+              <a:alpha val="100000"/>
+            </a:srgbClr>
+          </a:solidFill>
+          <a:ln w="19050" cap="flat" cmpd="sng" algn="ctr">
+            <a:solidFill>
+              <a:srgbClr val="2e3e67">
+                <a:alpha val="100000"/>
+              </a:srgbClr>
+            </a:solidFill>
+            <a:prstDash val="solid"/>
+          </a:ln>
+        </p:spPr>
+        <p:txBody>
+          <a:bodyPr anchor="ctr"/>
+          <a:p>
+            <a:pPr marL="0" indent="0" algn="ctr" defTabSz="914400" rtl="0" eaLnBrk="1" latinLnBrk="1" hangingPunct="1">
+              <a:lnSpc>
+                <a:spcPct val="100000"/>
+              </a:lnSpc>
+              <a:spcBef>
+                <a:spcPct val="0"/>
+              </a:spcBef>
+              <a:spcAft>
+                <a:spcPts val="0"/>
+              </a:spcAft>
+              <a:buNone/>
+              <a:defRPr/>
+            </a:pPr>
+            <a:r>
+              <a:rPr xmlns:mc="http://schemas.openxmlformats.org/markup-compatibility/2006" xmlns:hp="http://schemas.haansoft.com/office/presentation/8.0" kumimoji="0" lang="ko-KR" altLang="en-US" sz="1200" b="0" i="0" u="none" strike="noStrike" kern="1200" cap="none" spc="0" normalizeH="0" baseline="0" mc:Ignorable="hp" hp:hslEmbossed="0">
+                <a:solidFill>
+                  <a:srgbClr val="000000"/>
+                </a:solidFill>
+                <a:latin typeface="Calibri"/>
+                <a:ea typeface="맑은 고딕"/>
+                <a:cs typeface="맑은 고딕"/>
+              </a:rPr>
+              <a:t>상품명	가격	수량</a:t>
+            </a:r>
+            <a:endParaRPr xmlns:mc="http://schemas.openxmlformats.org/markup-compatibility/2006" xmlns:hp="http://schemas.haansoft.com/office/presentation/8.0" kumimoji="0" lang="ko-KR" altLang="en-US" sz="1200" b="0" i="0" u="none" strike="noStrike" kern="1200" cap="none" spc="0" normalizeH="0" baseline="0" mc:Ignorable="hp" hp:hslEmbossed="0">
+              <a:solidFill>
+                <a:srgbClr val="000000"/>
+              </a:solidFill>
+              <a:latin typeface="Calibri"/>
+              <a:ea typeface="맑은 고딕"/>
+              <a:cs typeface="맑은 고딕"/>
+            </a:endParaRPr>
+          </a:p>
+        </p:txBody>
+      </p:sp>
+      <p:sp>
+        <p:nvSpPr>
+          <p:cNvPr id="294" name=""/>
+          <p:cNvSpPr/>
+          <p:nvPr/>
+        </p:nvSpPr>
+        <p:spPr>
+          <a:xfrm>
+            <a:off x="4133125" y="4582982"/>
+            <a:ext cx="2442048" cy="324255"/>
+          </a:xfrm>
+          <a:prstGeom prst="rect">
+            <a:avLst/>
+          </a:prstGeom>
+          <a:solidFill>
+            <a:srgbClr val="ffffff">
+              <a:alpha val="100000"/>
+            </a:srgbClr>
+          </a:solidFill>
+          <a:ln w="19050" cap="flat" cmpd="sng" algn="ctr">
+            <a:solidFill>
+              <a:srgbClr val="2e3e67">
+                <a:alpha val="100000"/>
+              </a:srgbClr>
+            </a:solidFill>
+            <a:prstDash val="solid"/>
+          </a:ln>
+        </p:spPr>
+        <p:txBody>
+          <a:bodyPr anchor="ctr"/>
+          <a:p>
+            <a:pPr marL="0" indent="0" algn="ctr" defTabSz="914400" rtl="0" eaLnBrk="1" latinLnBrk="1" hangingPunct="1">
+              <a:lnSpc>
+                <a:spcPct val="100000"/>
+              </a:lnSpc>
+              <a:spcBef>
+                <a:spcPct val="0"/>
+              </a:spcBef>
+              <a:spcAft>
+                <a:spcPts val="0"/>
+              </a:spcAft>
+              <a:buNone/>
+              <a:defRPr/>
+            </a:pPr>
+            <a:r>
+              <a:rPr xmlns:mc="http://schemas.openxmlformats.org/markup-compatibility/2006" xmlns:hp="http://schemas.haansoft.com/office/presentation/8.0" kumimoji="0" lang="ko-KR" altLang="en-US" sz="1200" b="0" i="0" u="none" strike="noStrike" kern="1200" cap="none" spc="0" normalizeH="0" baseline="0" mc:Ignorable="hp" hp:hslEmbossed="0">
+                <a:solidFill>
+                  <a:srgbClr val="000000"/>
+                </a:solidFill>
+                <a:latin typeface="Calibri"/>
+                <a:ea typeface="맑은 고딕"/>
+                <a:cs typeface="맑은 고딕"/>
+              </a:rPr>
+              <a:t>상품명	가격	수량</a:t>
+            </a:r>
+            <a:endParaRPr xmlns:mc="http://schemas.openxmlformats.org/markup-compatibility/2006" xmlns:hp="http://schemas.haansoft.com/office/presentation/8.0" kumimoji="0" lang="ko-KR" altLang="en-US" sz="1200" b="0" i="0" u="none" strike="noStrike" kern="1200" cap="none" spc="0" normalizeH="0" baseline="0" mc:Ignorable="hp" hp:hslEmbossed="0">
+              <a:solidFill>
+                <a:srgbClr val="000000"/>
+              </a:solidFill>
+              <a:latin typeface="Calibri"/>
+              <a:ea typeface="맑은 고딕"/>
+              <a:cs typeface="맑은 고딕"/>
+            </a:endParaRPr>
+          </a:p>
+        </p:txBody>
+      </p:sp>
+      <p:sp>
+        <p:nvSpPr>
+          <p:cNvPr id="295" name=""/>
+          <p:cNvSpPr/>
+          <p:nvPr/>
+        </p:nvSpPr>
+        <p:spPr>
+          <a:xfrm>
+            <a:off x="4133126" y="5527782"/>
+            <a:ext cx="2442048" cy="747924"/>
+          </a:xfrm>
+          <a:prstGeom prst="rect">
+            <a:avLst/>
+          </a:prstGeom>
+          <a:solidFill>
+            <a:schemeClr val="lt1"/>
+          </a:solidFill>
+        </p:spPr>
+        <p:style>
+          <a:lnRef idx="2">
+            <a:schemeClr val="accent1">
+              <a:shade val="20000"/>
+            </a:schemeClr>
+          </a:lnRef>
+          <a:fillRef idx="1">
+            <a:schemeClr val="accent1"/>
+          </a:fillRef>
+          <a:effectRef idx="0">
+            <a:schemeClr val="accent1"/>
+          </a:effectRef>
+          <a:fontRef idx="minor">
+            <a:schemeClr val="lt1"/>
+          </a:fontRef>
+        </p:style>
+        <p:txBody>
+          <a:bodyPr anchor="ctr"/>
+          <a:p>
+            <a:pPr algn="ctr">
+              <a:defRPr/>
+            </a:pPr>
+            <a:r>
+              <a:rPr lang="ko-KR" altLang="en-US" sz="1300">
+                <a:solidFill>
+                  <a:schemeClr val="dk1"/>
+                </a:solidFill>
+              </a:rPr>
+              <a:t>주문 배송지</a:t>
+            </a:r>
+            <a:endParaRPr lang="ko-KR" altLang="en-US" sz="1300">
+              <a:solidFill>
+                <a:schemeClr val="dk1"/>
+              </a:solidFill>
+            </a:endParaRPr>
+          </a:p>
+        </p:txBody>
+      </p:sp>
+      <p:sp>
+        <p:nvSpPr>
+          <p:cNvPr id="297" name=""/>
+          <p:cNvSpPr/>
+          <p:nvPr/>
+        </p:nvSpPr>
+        <p:spPr>
+          <a:xfrm>
+            <a:off x="4137802" y="5021538"/>
+            <a:ext cx="1221024" cy="372893"/>
+          </a:xfrm>
+          <a:prstGeom prst="rect">
+            <a:avLst/>
+          </a:prstGeom>
+          <a:solidFill>
+            <a:srgbClr val="ffffff">
+              <a:alpha val="100000"/>
+            </a:srgbClr>
+          </a:solidFill>
+          <a:ln w="19050" cap="flat" cmpd="sng" algn="ctr">
+            <a:solidFill>
+              <a:srgbClr val="2e3e67">
+                <a:alpha val="100000"/>
+              </a:srgbClr>
+            </a:solidFill>
+            <a:prstDash val="solid"/>
+          </a:ln>
+        </p:spPr>
+        <p:txBody>
+          <a:bodyPr anchor="ctr"/>
+          <a:p>
+            <a:pPr marL="0" indent="0" algn="ctr" defTabSz="914400" rtl="0" eaLnBrk="1" latinLnBrk="1" hangingPunct="1">
+              <a:lnSpc>
+                <a:spcPct val="100000"/>
+              </a:lnSpc>
+              <a:spcBef>
+                <a:spcPct val="0"/>
+              </a:spcBef>
+              <a:spcAft>
+                <a:spcPts val="0"/>
+              </a:spcAft>
+              <a:buNone/>
+              <a:defRPr/>
+            </a:pPr>
+            <a:r>
+              <a:rPr xmlns:mc="http://schemas.openxmlformats.org/markup-compatibility/2006" xmlns:hp="http://schemas.haansoft.com/office/presentation/8.0" kumimoji="0" lang="ko-KR" altLang="en-US" sz="1300" b="0" i="0" u="none" strike="noStrike" kern="1200" cap="none" spc="0" normalizeH="0" baseline="0" mc:Ignorable="hp" hp:hslEmbossed="0">
+                <a:solidFill>
+                  <a:srgbClr val="000000"/>
+                </a:solidFill>
+                <a:latin typeface="Calibri"/>
+                <a:ea typeface="맑은 고딕"/>
+                <a:cs typeface="맑은 고딕"/>
+              </a:rPr>
+              <a:t>주문내역</a:t>
+            </a:r>
+            <a:endParaRPr xmlns:mc="http://schemas.openxmlformats.org/markup-compatibility/2006" xmlns:hp="http://schemas.haansoft.com/office/presentation/8.0" kumimoji="0" lang="ko-KR" altLang="en-US" sz="1300" b="0" i="0" u="none" strike="noStrike" kern="1200" cap="none" spc="0" normalizeH="0" baseline="0" mc:Ignorable="hp" hp:hslEmbossed="0">
+              <a:solidFill>
+                <a:srgbClr val="000000"/>
+              </a:solidFill>
+              <a:latin typeface="Calibri"/>
+              <a:ea typeface="맑은 고딕"/>
+              <a:cs typeface="맑은 고딕"/>
             </a:endParaRPr>
           </a:p>
         </p:txBody>

--- a/프레젠테이션 1.pptx
+++ b/프레젠테이션 1.pptx
@@ -2,7 +2,7 @@
 <file path=ppt/presentation.xml><?xml version="1.0" encoding="utf-8"?>
 <p:presentation xmlns:r="http://schemas.openxmlformats.org/officeDocument/2006/relationships" xmlns:c="http://schemas.openxmlformats.org/drawingml/2006/chart" xmlns:a="http://schemas.openxmlformats.org/drawingml/2006/main" xmlns:dgm="http://schemas.openxmlformats.org/drawingml/2006/diagram" xmlns:dsp="http://schemas.microsoft.com/office/drawing/2008/diagram" xmlns:p="http://schemas.openxmlformats.org/presentationml/2006/main">
   <p:sldMasterIdLst>
-    <p:sldMasterId id="2147483802" r:id="rId1"/>
+    <p:sldMasterId id="2147483794" r:id="rId1"/>
   </p:sldMasterIdLst>
   <p:notesMasterIdLst>
     <p:notesMasterId r:id="rId2"/>
@@ -18,6 +18,8 @@
     <p:sldId id="264" r:id="rId10"/>
     <p:sldId id="265" r:id="rId11"/>
     <p:sldId id="266" r:id="rId12"/>
+    <p:sldId id="267" r:id="rId13"/>
+    <p:sldId id="268" r:id="rId14"/>
   </p:sldIdLst>
   <p:sldSz cx="12192000" cy="6858000"/>
   <p:notesSz cx="6858000" cy="9144000"/>
@@ -214,7 +216,7 @@
               <a:pPr lvl="0">
                 <a:defRPr/>
               </a:pPr>
-              <a:t>2021-05-25</a:t>
+              <a:t>2021-05-26</a:t>
             </a:fld>
             <a:endParaRPr lang="ko-KR" altLang="en-US"/>
           </a:p>
@@ -695,6 +697,204 @@
                 <a:defRPr/>
               </a:pPr>
               <a:t>10</a:t>
+            </a:fld>
+            <a:endParaRPr lang="en-US" altLang="ko-KR"/>
+          </a:p>
+        </p:txBody>
+      </p:sp>
+    </p:spTree>
+  </p:cSld>
+  <p:clrMapOvr>
+    <a:masterClrMapping/>
+  </p:clrMapOvr>
+</p:notes>
+</file>
+
+<file path=ppt/notesSlides/notesSlide11.xml><?xml version="1.0" encoding="utf-8"?>
+<p:notes xmlns:r="http://schemas.openxmlformats.org/officeDocument/2006/relationships" xmlns:c="http://schemas.openxmlformats.org/drawingml/2006/chart" xmlns:a="http://schemas.openxmlformats.org/drawingml/2006/main" xmlns:dgm="http://schemas.openxmlformats.org/drawingml/2006/diagram" xmlns:dsp="http://schemas.microsoft.com/office/drawing/2008/diagram" xmlns:p="http://schemas.openxmlformats.org/presentationml/2006/main">
+  <p:cSld>
+    <p:spTree>
+      <p:nvGrpSpPr>
+        <p:cNvPr id="1" name=""/>
+        <p:cNvGrpSpPr/>
+        <p:nvPr/>
+      </p:nvGrpSpPr>
+      <p:grpSpPr>
+        <a:xfrm>
+          <a:off x="0" y="0"/>
+          <a:ext cx="0" cy="0"/>
+          <a:chOff x="0" y="0"/>
+          <a:chExt cx="0" cy="0"/>
+        </a:xfrm>
+      </p:grpSpPr>
+      <p:sp>
+        <p:nvSpPr>
+          <p:cNvPr id="2" name="Slide Image Placeholder 1"/>
+          <p:cNvSpPr>
+            <a:spLocks noGrp="1" noRot="1" noChangeAspect="1" noTextEdit="1"/>
+          </p:cNvSpPr>
+          <p:nvPr>
+            <p:ph type="sldImg" idx="0"/>
+          </p:nvPr>
+        </p:nvSpPr>
+        <p:spPr>
+          <a:xfrm>
+            <a:off x="2143125" y="684521"/>
+            <a:ext cx="2571750" cy="3429000"/>
+          </a:xfrm>
+        </p:spPr>
+      </p:sp>
+      <p:sp>
+        <p:nvSpPr>
+          <p:cNvPr id="3" name="Notes Placeholder 2"/>
+          <p:cNvSpPr>
+            <a:spLocks noGrp="1"/>
+          </p:cNvSpPr>
+          <p:nvPr>
+            <p:ph type="body" idx="1"/>
+          </p:nvPr>
+        </p:nvSpPr>
+        <p:spPr/>
+        <p:txBody>
+          <a:bodyPr>
+            <a:normAutofit/>
+          </a:bodyPr>
+          <a:lstStyle/>
+          <a:p>
+            <a:pPr lvl="0">
+              <a:defRPr/>
+            </a:pPr>
+            <a:r>
+              <a:rPr lang="ko-KR" altLang="en-US"/>
+              <a:t/>
+            </a:r>
+            <a:endParaRPr lang="ko-KR" altLang="en-US"/>
+          </a:p>
+        </p:txBody>
+      </p:sp>
+      <p:sp>
+        <p:nvSpPr>
+          <p:cNvPr id="4" name="Slide Number Placeholder 3"/>
+          <p:cNvSpPr>
+            <a:spLocks noGrp="1"/>
+          </p:cNvSpPr>
+          <p:nvPr>
+            <p:ph type="sldNum" sz="quarter" idx="10"/>
+          </p:nvPr>
+        </p:nvSpPr>
+        <p:spPr/>
+        <p:txBody>
+          <a:bodyPr/>
+          <a:lstStyle/>
+          <a:p>
+            <a:pPr lvl="0">
+              <a:defRPr/>
+            </a:pPr>
+            <a:fld id="{9B26CD33-4337-4529-948A-94F6960B2374}" type="slidenum">
+              <a:rPr lang="en-US" altLang="ko-KR"/>
+              <a:pPr lvl="0">
+                <a:defRPr/>
+              </a:pPr>
+              <a:t>11</a:t>
+            </a:fld>
+            <a:endParaRPr lang="en-US" altLang="ko-KR"/>
+          </a:p>
+        </p:txBody>
+      </p:sp>
+    </p:spTree>
+  </p:cSld>
+  <p:clrMapOvr>
+    <a:masterClrMapping/>
+  </p:clrMapOvr>
+</p:notes>
+</file>
+
+<file path=ppt/notesSlides/notesSlide12.xml><?xml version="1.0" encoding="utf-8"?>
+<p:notes xmlns:r="http://schemas.openxmlformats.org/officeDocument/2006/relationships" xmlns:c="http://schemas.openxmlformats.org/drawingml/2006/chart" xmlns:a="http://schemas.openxmlformats.org/drawingml/2006/main" xmlns:dgm="http://schemas.openxmlformats.org/drawingml/2006/diagram" xmlns:dsp="http://schemas.microsoft.com/office/drawing/2008/diagram" xmlns:p="http://schemas.openxmlformats.org/presentationml/2006/main">
+  <p:cSld>
+    <p:spTree>
+      <p:nvGrpSpPr>
+        <p:cNvPr id="1" name=""/>
+        <p:cNvGrpSpPr/>
+        <p:nvPr/>
+      </p:nvGrpSpPr>
+      <p:grpSpPr>
+        <a:xfrm>
+          <a:off x="0" y="0"/>
+          <a:ext cx="0" cy="0"/>
+          <a:chOff x="0" y="0"/>
+          <a:chExt cx="0" cy="0"/>
+        </a:xfrm>
+      </p:grpSpPr>
+      <p:sp>
+        <p:nvSpPr>
+          <p:cNvPr id="2" name="Slide Image Placeholder 1"/>
+          <p:cNvSpPr>
+            <a:spLocks noGrp="1" noRot="1" noChangeAspect="1" noTextEdit="1"/>
+          </p:cNvSpPr>
+          <p:nvPr>
+            <p:ph type="sldImg" idx="0"/>
+          </p:nvPr>
+        </p:nvSpPr>
+        <p:spPr>
+          <a:xfrm>
+            <a:off x="2143125" y="684521"/>
+            <a:ext cx="2571750" cy="3429000"/>
+          </a:xfrm>
+        </p:spPr>
+      </p:sp>
+      <p:sp>
+        <p:nvSpPr>
+          <p:cNvPr id="3" name="Notes Placeholder 2"/>
+          <p:cNvSpPr>
+            <a:spLocks noGrp="1"/>
+          </p:cNvSpPr>
+          <p:nvPr>
+            <p:ph type="body" idx="1"/>
+          </p:nvPr>
+        </p:nvSpPr>
+        <p:spPr/>
+        <p:txBody>
+          <a:bodyPr>
+            <a:normAutofit/>
+          </a:bodyPr>
+          <a:lstStyle/>
+          <a:p>
+            <a:pPr lvl="0">
+              <a:defRPr/>
+            </a:pPr>
+            <a:r>
+              <a:rPr lang="ko-KR" altLang="en-US"/>
+              <a:t/>
+            </a:r>
+            <a:endParaRPr lang="ko-KR" altLang="en-US"/>
+          </a:p>
+        </p:txBody>
+      </p:sp>
+      <p:sp>
+        <p:nvSpPr>
+          <p:cNvPr id="4" name="Slide Number Placeholder 3"/>
+          <p:cNvSpPr>
+            <a:spLocks noGrp="1"/>
+          </p:cNvSpPr>
+          <p:nvPr>
+            <p:ph type="sldNum" sz="quarter" idx="10"/>
+          </p:nvPr>
+        </p:nvSpPr>
+        <p:spPr/>
+        <p:txBody>
+          <a:bodyPr/>
+          <a:lstStyle/>
+          <a:p>
+            <a:pPr lvl="0">
+              <a:defRPr/>
+            </a:pPr>
+            <a:fld id="{9B26CD33-4337-4529-948A-94F6960B2374}" type="slidenum">
+              <a:rPr lang="en-US" altLang="ko-KR"/>
+              <a:pPr lvl="0">
+                <a:defRPr/>
+              </a:pPr>
+              <a:t>12</a:t>
             </a:fld>
             <a:endParaRPr lang="en-US" altLang="ko-KR"/>
           </a:p>
@@ -8378,7 +8578,7 @@
         </p:nvGraphicFramePr>
         <p:xfrm>
           <a:off x="7984818" y="1123603"/>
-          <a:ext cx="3850930" cy="3974135"/>
+          <a:ext cx="3850930" cy="4217115"/>
         </p:xfrm>
         <a:graphic>
           <a:graphicData uri="http://schemas.openxmlformats.org/drawingml/2006/table">
@@ -8778,6 +8978,14 @@
                       <a:pPr algn="ctr">
                         <a:defRPr/>
                       </a:pPr>
+                      <a:r>
+                        <a:rPr lang="en-US" altLang="ko-KR" sz="1100">
+                          <a:solidFill>
+                            <a:schemeClr val="dk1"/>
+                          </a:solidFill>
+                        </a:rPr>
+                        <a:t>1</a:t>
+                      </a:r>
                       <a:endParaRPr lang="en-US" altLang="ko-KR" sz="1100">
                         <a:solidFill>
                           <a:schemeClr val="dk1"/>
@@ -8836,7 +9044,117 @@
                       <a:pPr>
                         <a:defRPr/>
                       </a:pPr>
-                      <a:endParaRPr lang="en-US" altLang="ko-KR" sz="1100">
+                      <a:r>
+                        <a:rPr lang="en-US" altLang="ko-KR" sz="1100">
+                          <a:solidFill>
+                            <a:schemeClr val="dk1"/>
+                          </a:solidFill>
+                        </a:rPr>
+                        <a:t>-</a:t>
+                      </a:r>
+                      <a:r>
+                        <a:rPr lang="ko-KR" altLang="en-US" sz="1100">
+                          <a:solidFill>
+                            <a:schemeClr val="dk1"/>
+                          </a:solidFill>
+                        </a:rPr>
+                        <a:t> 로그인 </a:t>
+                      </a:r>
+                      <a:r>
+                        <a:rPr lang="en-US" altLang="ko-KR" sz="1100">
+                          <a:solidFill>
+                            <a:schemeClr val="dk1"/>
+                          </a:solidFill>
+                        </a:rPr>
+                        <a:t>/</a:t>
+                      </a:r>
+                      <a:r>
+                        <a:rPr lang="ko-KR" altLang="en-US" sz="1100">
+                          <a:solidFill>
+                            <a:schemeClr val="dk1"/>
+                          </a:solidFill>
+                        </a:rPr>
+                        <a:t> 로그아웃</a:t>
+                      </a:r>
+                      <a:endParaRPr lang="ko-KR" altLang="en-US" sz="1100">
+                        <a:solidFill>
+                          <a:schemeClr val="dk1"/>
+                        </a:solidFill>
+                      </a:endParaRPr>
+                    </a:p>
+                    <a:p>
+                      <a:pPr>
+                        <a:defRPr/>
+                      </a:pPr>
+                      <a:r>
+                        <a:rPr lang="en-US" altLang="ko-KR" sz="1100">
+                          <a:solidFill>
+                            <a:schemeClr val="dk1"/>
+                          </a:solidFill>
+                        </a:rPr>
+                        <a:t>-</a:t>
+                      </a:r>
+                      <a:r>
+                        <a:rPr lang="ko-KR" altLang="en-US" sz="1100">
+                          <a:solidFill>
+                            <a:schemeClr val="dk1"/>
+                          </a:solidFill>
+                        </a:rPr>
+                        <a:t> 내 배송지 설정</a:t>
+                      </a:r>
+                      <a:endParaRPr lang="ko-KR" altLang="en-US" sz="1100">
+                        <a:solidFill>
+                          <a:schemeClr val="dk1"/>
+                        </a:solidFill>
+                      </a:endParaRPr>
+                    </a:p>
+                    <a:p>
+                      <a:pPr>
+                        <a:defRPr/>
+                      </a:pPr>
+                      <a:r>
+                        <a:rPr lang="en-US" altLang="ko-KR" sz="1100">
+                          <a:solidFill>
+                            <a:schemeClr val="dk1"/>
+                          </a:solidFill>
+                        </a:rPr>
+                        <a:t>-</a:t>
+                      </a:r>
+                      <a:r>
+                        <a:rPr lang="ko-KR" altLang="en-US" sz="1100">
+                          <a:solidFill>
+                            <a:schemeClr val="dk1"/>
+                          </a:solidFill>
+                        </a:rPr>
+                        <a:t> 내 구매내역</a:t>
+                      </a:r>
+                      <a:endParaRPr lang="ko-KR" altLang="en-US" sz="1100">
+                        <a:solidFill>
+                          <a:schemeClr val="dk1"/>
+                        </a:solidFill>
+                      </a:endParaRPr>
+                    </a:p>
+                    <a:p>
+                      <a:pPr>
+                        <a:defRPr/>
+                      </a:pPr>
+                      <a:r>
+                        <a:rPr lang="en-US" altLang="ko-KR" sz="1100">
+                          <a:solidFill>
+                            <a:schemeClr val="dk1"/>
+                          </a:solidFill>
+                        </a:rPr>
+                        <a:t>-</a:t>
+                      </a:r>
+                      <a:r>
+                        <a:rPr lang="ko-KR" altLang="en-US" sz="1100">
+                          <a:solidFill>
+                            <a:schemeClr val="dk1"/>
+                          </a:solidFill>
+                        </a:rPr>
+                        <a:t> 내 찜목록</a:t>
+                      </a:r>
+                      <a:endParaRPr lang="ko-KR" altLang="en-US" sz="1100">
                         <a:solidFill>
                           <a:schemeClr val="dk1"/>
                         </a:solidFill>
@@ -8896,6 +9214,14 @@
                       <a:pPr algn="ctr">
                         <a:defRPr/>
                       </a:pPr>
+                      <a:r>
+                        <a:rPr lang="en-US" altLang="ko-KR" sz="1100">
+                          <a:solidFill>
+                            <a:schemeClr val="dk1"/>
+                          </a:solidFill>
+                        </a:rPr>
+                        <a:t>2</a:t>
+                      </a:r>
                       <a:endParaRPr lang="en-US" altLang="ko-KR" sz="1100">
                         <a:solidFill>
                           <a:schemeClr val="dk1"/>
@@ -8954,6 +9280,14 @@
                       <a:pPr>
                         <a:defRPr/>
                       </a:pPr>
+                      <a:r>
+                        <a:rPr lang="ko-KR" altLang="en-US" sz="1100">
+                          <a:solidFill>
+                            <a:schemeClr val="dk1"/>
+                          </a:solidFill>
+                        </a:rPr>
+                        <a:t>공지사항 이동</a:t>
+                      </a:r>
                       <a:endParaRPr lang="ko-KR" altLang="en-US" sz="1100">
                         <a:solidFill>
                           <a:schemeClr val="dk1"/>
@@ -9014,6 +9348,14 @@
                       <a:pPr algn="ctr">
                         <a:defRPr/>
                       </a:pPr>
+                      <a:r>
+                        <a:rPr lang="en-US" altLang="ko-KR" sz="1100">
+                          <a:solidFill>
+                            <a:schemeClr val="dk1"/>
+                          </a:solidFill>
+                        </a:rPr>
+                        <a:t>3</a:t>
+                      </a:r>
                       <a:endParaRPr lang="en-US" altLang="ko-KR" sz="1100">
                         <a:solidFill>
                           <a:schemeClr val="dk1"/>
@@ -9072,6 +9414,14 @@
                       <a:pPr>
                         <a:defRPr/>
                       </a:pPr>
+                      <a:r>
+                        <a:rPr lang="ko-KR" altLang="en-US" sz="1100">
+                          <a:solidFill>
+                            <a:schemeClr val="dk1"/>
+                          </a:solidFill>
+                        </a:rPr>
+                        <a:t>장바구니 이동</a:t>
+                      </a:r>
                       <a:endParaRPr lang="ko-KR" altLang="en-US" sz="1100">
                         <a:solidFill>
                           <a:schemeClr val="dk1"/>
@@ -9132,6 +9482,14 @@
                       <a:pPr algn="ctr">
                         <a:defRPr/>
                       </a:pPr>
+                      <a:r>
+                        <a:rPr lang="en-US" altLang="ko-KR" sz="1100">
+                          <a:solidFill>
+                            <a:schemeClr val="dk1"/>
+                          </a:solidFill>
+                        </a:rPr>
+                        <a:t>4</a:t>
+                      </a:r>
                       <a:endParaRPr lang="en-US" altLang="ko-KR" sz="1100">
                         <a:solidFill>
                           <a:schemeClr val="dk1"/>
@@ -9190,6 +9548,14 @@
                       <a:pPr>
                         <a:defRPr/>
                       </a:pPr>
+                      <a:r>
+                        <a:rPr lang="ko-KR" altLang="en-US" sz="1100">
+                          <a:solidFill>
+                            <a:schemeClr val="dk1"/>
+                          </a:solidFill>
+                        </a:rPr>
+                        <a:t>내 리뷰 목록</a:t>
+                      </a:r>
                       <a:endParaRPr lang="ko-KR" altLang="en-US" sz="1100">
                         <a:solidFill>
                           <a:schemeClr val="dk1"/>
@@ -9250,6 +9616,14 @@
                       <a:pPr algn="ctr">
                         <a:defRPr/>
                       </a:pPr>
+                      <a:r>
+                        <a:rPr lang="en-US" altLang="ko-KR" sz="1100">
+                          <a:solidFill>
+                            <a:schemeClr val="dk1"/>
+                          </a:solidFill>
+                        </a:rPr>
+                        <a:t>5</a:t>
+                      </a:r>
                       <a:endParaRPr lang="en-US" altLang="ko-KR" sz="1100">
                         <a:solidFill>
                           <a:schemeClr val="dk1"/>
@@ -9308,6 +9682,14 @@
                       <a:pPr>
                         <a:defRPr/>
                       </a:pPr>
+                      <a:r>
+                        <a:rPr lang="ko-KR" altLang="en-US" sz="1100">
+                          <a:solidFill>
+                            <a:schemeClr val="dk1"/>
+                          </a:solidFill>
+                        </a:rPr>
+                        <a:t>각 메뉴로 이동</a:t>
+                      </a:r>
                       <a:endParaRPr lang="ko-KR" altLang="en-US" sz="1100">
                         <a:solidFill>
                           <a:schemeClr val="dk1"/>
@@ -9985,7 +10367,7 @@
                 <a:ea typeface="맑은 고딕"/>
                 <a:cs typeface="Calibri"/>
               </a:rPr>
-              <a:t>3</a:t>
+              <a:t>5</a:t>
             </a:r>
             <a:endParaRPr xmlns:mc="http://schemas.openxmlformats.org/markup-compatibility/2006" xmlns:hp="http://schemas.haansoft.com/office/presentation/8.0" kumimoji="0" lang="en-US" altLang="ko-KR" sz="900" b="1" i="0" u="none" strike="noStrike" kern="1200" cap="none" spc="0" normalizeH="0" baseline="0" mc:Ignorable="hp" hp:hslEmbossed="0">
               <a:solidFill>
@@ -10056,6 +10438,9 @@
           <a:prstGeom prst="rect">
             <a:avLst/>
           </a:prstGeom>
+          <a:solidFill>
+            <a:schemeClr val="lt1"/>
+          </a:solidFill>
         </p:spPr>
         <p:style>
           <a:lnRef idx="2">
@@ -10079,7 +10464,37 @@
             <a:pPr algn="ctr">
               <a:defRPr/>
             </a:pPr>
-            <a:endParaRPr lang="ko-KR" altLang="en-US"/>
+            <a:r>
+              <a:rPr lang="ko-KR" altLang="en-US" sz="900">
+                <a:solidFill>
+                  <a:schemeClr val="dk1"/>
+                </a:solidFill>
+              </a:rPr>
+              <a:t>로그인</a:t>
+            </a:r>
+            <a:endParaRPr lang="ko-KR" altLang="en-US" sz="900">
+              <a:solidFill>
+                <a:schemeClr val="dk1"/>
+              </a:solidFill>
+            </a:endParaRPr>
+          </a:p>
+          <a:p>
+            <a:pPr algn="ctr">
+              <a:defRPr/>
+            </a:pPr>
+            <a:r>
+              <a:rPr lang="ko-KR" altLang="en-US" sz="900">
+                <a:solidFill>
+                  <a:schemeClr val="dk1"/>
+                </a:solidFill>
+              </a:rPr>
+              <a:t>로그아웃</a:t>
+            </a:r>
+            <a:endParaRPr lang="ko-KR" altLang="en-US" sz="900">
+              <a:solidFill>
+                <a:schemeClr val="dk1"/>
+              </a:solidFill>
+            </a:endParaRPr>
           </a:p>
         </p:txBody>
       </p:sp>
@@ -10098,13 +10513,2002 @@
             <a:avLst/>
           </a:prstGeom>
           <a:solidFill>
-            <a:srgbClr val="6182d6">
+            <a:schemeClr val="lt1">
+              <a:alpha val="100000"/>
+            </a:schemeClr>
+          </a:solidFill>
+          <a:ln w="19050" cap="flat" cmpd="sng" algn="ctr">
+            <a:solidFill>
+              <a:srgbClr val="2e3e67">
+                <a:alpha val="100000"/>
+              </a:srgbClr>
+            </a:solidFill>
+            <a:prstDash val="solid"/>
+          </a:ln>
+        </p:spPr>
+        <p:txBody>
+          <a:bodyPr anchor="ctr"/>
+          <a:p>
+            <a:pPr marL="0" indent="0" algn="ctr" defTabSz="914400" rtl="0" eaLnBrk="1" latinLnBrk="1" hangingPunct="1">
+              <a:lnSpc>
+                <a:spcPct val="100000"/>
+              </a:lnSpc>
+              <a:spcBef>
+                <a:spcPct val="0"/>
+              </a:spcBef>
+              <a:spcAft>
+                <a:spcPts val="0"/>
+              </a:spcAft>
+              <a:buNone/>
+              <a:defRPr/>
+            </a:pPr>
+            <a:r>
+              <a:rPr xmlns:mc="http://schemas.openxmlformats.org/markup-compatibility/2006" xmlns:hp="http://schemas.haansoft.com/office/presentation/8.0" kumimoji="0" lang="ko-KR" altLang="en-US" sz="1000" b="0" i="0" u="none" strike="noStrike" kern="1200" cap="none" spc="0" normalizeH="0" baseline="0" mc:Ignorable="hp" hp:hslEmbossed="0">
+                <a:solidFill>
+                  <a:schemeClr val="dk1"/>
+                </a:solidFill>
+                <a:latin typeface="Calibri"/>
+                <a:ea typeface="맑은 고딕"/>
+                <a:cs typeface="맑은 고딕"/>
+              </a:rPr>
+              <a:t>배송지</a:t>
+            </a:r>
+            <a:endParaRPr xmlns:mc="http://schemas.openxmlformats.org/markup-compatibility/2006" xmlns:hp="http://schemas.haansoft.com/office/presentation/8.0" kumimoji="0" lang="ko-KR" altLang="en-US" sz="1000" b="0" i="0" u="none" strike="noStrike" kern="1200" cap="none" spc="0" normalizeH="0" baseline="0" mc:Ignorable="hp" hp:hslEmbossed="0">
+              <a:solidFill>
+                <a:schemeClr val="dk1"/>
+              </a:solidFill>
+              <a:latin typeface="Calibri"/>
+              <a:ea typeface="맑은 고딕"/>
+              <a:cs typeface="맑은 고딕"/>
+            </a:endParaRPr>
+          </a:p>
+        </p:txBody>
+      </p:sp>
+      <p:sp>
+        <p:nvSpPr>
+          <p:cNvPr id="303" name=""/>
+          <p:cNvSpPr/>
+          <p:nvPr/>
+        </p:nvSpPr>
+        <p:spPr>
+          <a:xfrm>
+            <a:off x="3330302" y="2022747"/>
+            <a:ext cx="720090" cy="661478"/>
+          </a:xfrm>
+          <a:prstGeom prst="rect">
+            <a:avLst/>
+          </a:prstGeom>
+          <a:solidFill>
+            <a:schemeClr val="lt1">
+              <a:alpha val="100000"/>
+            </a:schemeClr>
+          </a:solidFill>
+          <a:ln w="19050" cap="flat" cmpd="sng" algn="ctr">
+            <a:solidFill>
+              <a:srgbClr val="2e3e67">
+                <a:alpha val="100000"/>
+              </a:srgbClr>
+            </a:solidFill>
+            <a:prstDash val="solid"/>
+          </a:ln>
+        </p:spPr>
+        <p:txBody>
+          <a:bodyPr anchor="ctr"/>
+          <a:p>
+            <a:pPr marL="0" indent="0" algn="ctr" defTabSz="914400" rtl="0" eaLnBrk="1" latinLnBrk="1" hangingPunct="1">
+              <a:lnSpc>
+                <a:spcPct val="100000"/>
+              </a:lnSpc>
+              <a:spcBef>
+                <a:spcPct val="0"/>
+              </a:spcBef>
+              <a:spcAft>
+                <a:spcPts val="0"/>
+              </a:spcAft>
+              <a:buNone/>
+              <a:defRPr/>
+            </a:pPr>
+            <a:r>
+              <a:rPr xmlns:mc="http://schemas.openxmlformats.org/markup-compatibility/2006" xmlns:hp="http://schemas.haansoft.com/office/presentation/8.0" kumimoji="0" lang="ko-KR" altLang="en-US" sz="1000" b="0" i="0" u="none" strike="noStrike" kern="1200" cap="none" spc="0" normalizeH="0" baseline="0" mc:Ignorable="hp" hp:hslEmbossed="0">
+                <a:solidFill>
+                  <a:schemeClr val="dk1"/>
+                </a:solidFill>
+                <a:latin typeface="Calibri"/>
+                <a:ea typeface="맑은 고딕"/>
+                <a:cs typeface="맑은 고딕"/>
+              </a:rPr>
+              <a:t>구매내역</a:t>
+            </a:r>
+            <a:endParaRPr xmlns:mc="http://schemas.openxmlformats.org/markup-compatibility/2006" xmlns:hp="http://schemas.haansoft.com/office/presentation/8.0" kumimoji="0" lang="ko-KR" altLang="en-US" sz="1000" b="0" i="0" u="none" strike="noStrike" kern="1200" cap="none" spc="0" normalizeH="0" baseline="0" mc:Ignorable="hp" hp:hslEmbossed="0">
+              <a:solidFill>
+                <a:schemeClr val="dk1"/>
+              </a:solidFill>
+              <a:latin typeface="Calibri"/>
+              <a:ea typeface="맑은 고딕"/>
+              <a:cs typeface="맑은 고딕"/>
+            </a:endParaRPr>
+          </a:p>
+        </p:txBody>
+      </p:sp>
+      <p:sp>
+        <p:nvSpPr>
+          <p:cNvPr id="304" name=""/>
+          <p:cNvSpPr/>
+          <p:nvPr/>
+        </p:nvSpPr>
+        <p:spPr>
+          <a:xfrm>
+            <a:off x="4050392" y="2022748"/>
+            <a:ext cx="720090" cy="661478"/>
+          </a:xfrm>
+          <a:prstGeom prst="rect">
+            <a:avLst/>
+          </a:prstGeom>
+          <a:solidFill>
+            <a:schemeClr val="lt1">
+              <a:alpha val="100000"/>
+            </a:schemeClr>
+          </a:solidFill>
+          <a:ln w="19050" cap="flat" cmpd="sng" algn="ctr">
+            <a:solidFill>
+              <a:srgbClr val="2e3e67">
+                <a:alpha val="100000"/>
+              </a:srgbClr>
+            </a:solidFill>
+            <a:prstDash val="solid"/>
+          </a:ln>
+        </p:spPr>
+        <p:txBody>
+          <a:bodyPr anchor="ctr"/>
+          <a:p>
+            <a:pPr marL="0" indent="0" algn="ctr" defTabSz="914400" rtl="0" eaLnBrk="1" latinLnBrk="1" hangingPunct="1">
+              <a:lnSpc>
+                <a:spcPct val="100000"/>
+              </a:lnSpc>
+              <a:spcBef>
+                <a:spcPct val="0"/>
+              </a:spcBef>
+              <a:spcAft>
+                <a:spcPts val="0"/>
+              </a:spcAft>
+              <a:buNone/>
+              <a:defRPr/>
+            </a:pPr>
+            <a:r>
+              <a:rPr xmlns:mc="http://schemas.openxmlformats.org/markup-compatibility/2006" xmlns:hp="http://schemas.haansoft.com/office/presentation/8.0" kumimoji="0" lang="ko-KR" altLang="en-US" sz="1000" b="0" i="0" u="none" strike="noStrike" kern="1200" cap="none" spc="0" normalizeH="0" baseline="0" mc:Ignorable="hp" hp:hslEmbossed="0">
+                <a:solidFill>
+                  <a:schemeClr val="dk1"/>
+                </a:solidFill>
+                <a:latin typeface="Calibri"/>
+                <a:ea typeface="맑은 고딕"/>
+                <a:cs typeface="맑은 고딕"/>
+              </a:rPr>
+              <a:t>찜목록</a:t>
+            </a:r>
+            <a:endParaRPr xmlns:mc="http://schemas.openxmlformats.org/markup-compatibility/2006" xmlns:hp="http://schemas.haansoft.com/office/presentation/8.0" kumimoji="0" lang="ko-KR" altLang="en-US" sz="1000" b="0" i="0" u="none" strike="noStrike" kern="1200" cap="none" spc="0" normalizeH="0" baseline="0" mc:Ignorable="hp" hp:hslEmbossed="0">
+              <a:solidFill>
+                <a:schemeClr val="dk1"/>
+              </a:solidFill>
+              <a:latin typeface="Calibri"/>
+              <a:ea typeface="맑은 고딕"/>
+              <a:cs typeface="맑은 고딕"/>
+            </a:endParaRPr>
+          </a:p>
+        </p:txBody>
+      </p:sp>
+      <p:sp>
+        <p:nvSpPr>
+          <p:cNvPr id="305" name="타원 83"/>
+          <p:cNvSpPr/>
+          <p:nvPr/>
+        </p:nvSpPr>
+        <p:spPr>
+          <a:xfrm>
+            <a:off x="1821011" y="1951309"/>
+            <a:ext cx="142876" cy="142876"/>
+          </a:xfrm>
+          <a:prstGeom prst="ellipse">
+            <a:avLst/>
+          </a:prstGeom>
+          <a:solidFill>
+            <a:srgbClr val="fce700">
+              <a:alpha val="100000"/>
+            </a:srgbClr>
+          </a:solidFill>
+          <a:ln w="19050" cap="flat" cmpd="sng" algn="ctr">
+            <a:noFill/>
+            <a:prstDash val="solid"/>
+          </a:ln>
+        </p:spPr>
+        <p:txBody>
+          <a:bodyPr lIns="0" tIns="0" rIns="0" bIns="0" anchor="ctr"/>
+          <a:p>
+            <a:pPr marL="0" indent="0" algn="ctr" defTabSz="914400" rtl="0" eaLnBrk="1" latinLnBrk="1" hangingPunct="1">
+              <a:lnSpc>
+                <a:spcPct val="100000"/>
+              </a:lnSpc>
+              <a:spcBef>
+                <a:spcPct val="0"/>
+              </a:spcBef>
+              <a:spcAft>
+                <a:spcPts val="0"/>
+              </a:spcAft>
+              <a:buNone/>
+              <a:defRPr/>
+            </a:pPr>
+            <a:r>
+              <a:rPr xmlns:mc="http://schemas.openxmlformats.org/markup-compatibility/2006" xmlns:hp="http://schemas.haansoft.com/office/presentation/8.0" kumimoji="0" lang="en-US" altLang="ko-KR" sz="900" b="1" i="0" u="none" strike="noStrike" kern="1200" cap="none" spc="0" normalizeH="0" baseline="0" mc:Ignorable="hp" hp:hslEmbossed="0">
+                <a:solidFill>
+                  <a:srgbClr val="663300"/>
+                </a:solidFill>
+                <a:latin typeface="Calibri"/>
+                <a:ea typeface="맑은 고딕"/>
+                <a:cs typeface="Calibri"/>
+              </a:rPr>
+              <a:t>1</a:t>
+            </a:r>
+            <a:endParaRPr xmlns:mc="http://schemas.openxmlformats.org/markup-compatibility/2006" xmlns:hp="http://schemas.haansoft.com/office/presentation/8.0" kumimoji="0" lang="en-US" altLang="ko-KR" sz="900" b="1" i="0" u="none" strike="noStrike" kern="1200" cap="none" spc="0" normalizeH="0" baseline="0" mc:Ignorable="hp" hp:hslEmbossed="0">
+              <a:solidFill>
+                <a:srgbClr val="663300"/>
+              </a:solidFill>
+              <a:latin typeface="Calibri"/>
+              <a:ea typeface="맑은 고딕"/>
+              <a:cs typeface="Calibri"/>
+            </a:endParaRPr>
+          </a:p>
+        </p:txBody>
+      </p:sp>
+      <p:sp>
+        <p:nvSpPr>
+          <p:cNvPr id="306" name=""/>
+          <p:cNvSpPr/>
+          <p:nvPr/>
+        </p:nvSpPr>
+        <p:spPr>
+          <a:xfrm>
+            <a:off x="1882924" y="2693751"/>
+            <a:ext cx="2887558" cy="426444"/>
+          </a:xfrm>
+          <a:prstGeom prst="rect">
+            <a:avLst/>
+          </a:prstGeom>
+          <a:solidFill>
+            <a:schemeClr val="lt1"/>
+          </a:solidFill>
+        </p:spPr>
+        <p:style>
+          <a:lnRef idx="2">
+            <a:schemeClr val="accent1">
+              <a:shade val="20000"/>
+            </a:schemeClr>
+          </a:lnRef>
+          <a:fillRef idx="1">
+            <a:schemeClr val="accent1"/>
+          </a:fillRef>
+          <a:effectRef idx="0">
+            <a:schemeClr val="accent1"/>
+          </a:effectRef>
+          <a:fontRef idx="minor">
+            <a:schemeClr val="lt1"/>
+          </a:fontRef>
+        </p:style>
+        <p:txBody>
+          <a:bodyPr anchor="ctr"/>
+          <a:p>
+            <a:pPr algn="ctr">
+              <a:defRPr/>
+            </a:pPr>
+            <a:r>
+              <a:rPr lang="ko-KR" altLang="en-US" sz="1100">
+                <a:solidFill>
+                  <a:schemeClr val="dk1"/>
+                </a:solidFill>
+              </a:rPr>
+              <a:t>공지사항</a:t>
+            </a:r>
+            <a:endParaRPr lang="ko-KR" altLang="en-US" sz="1100">
+              <a:solidFill>
+                <a:schemeClr val="dk1"/>
+              </a:solidFill>
+            </a:endParaRPr>
+          </a:p>
+        </p:txBody>
+      </p:sp>
+      <p:sp>
+        <p:nvSpPr>
+          <p:cNvPr id="307" name=""/>
+          <p:cNvSpPr/>
+          <p:nvPr/>
+        </p:nvSpPr>
+        <p:spPr>
+          <a:xfrm>
+            <a:off x="1884069" y="3107330"/>
+            <a:ext cx="2886413" cy="426444"/>
+          </a:xfrm>
+          <a:prstGeom prst="rect">
+            <a:avLst/>
+          </a:prstGeom>
+          <a:solidFill>
+            <a:srgbClr val="ffffff">
               <a:alpha val="100000"/>
             </a:srgbClr>
           </a:solidFill>
           <a:ln w="19050" cap="flat" cmpd="sng" algn="ctr">
             <a:solidFill>
               <a:srgbClr val="2e3e67">
+                <a:alpha val="100000"/>
+              </a:srgbClr>
+            </a:solidFill>
+            <a:prstDash val="solid"/>
+          </a:ln>
+        </p:spPr>
+        <p:txBody>
+          <a:bodyPr anchor="ctr"/>
+          <a:p>
+            <a:pPr marL="0" indent="0" algn="ctr" defTabSz="914400" rtl="0" eaLnBrk="1" latinLnBrk="1" hangingPunct="1">
+              <a:lnSpc>
+                <a:spcPct val="100000"/>
+              </a:lnSpc>
+              <a:spcBef>
+                <a:spcPct val="0"/>
+              </a:spcBef>
+              <a:spcAft>
+                <a:spcPts val="0"/>
+              </a:spcAft>
+              <a:buNone/>
+              <a:defRPr/>
+            </a:pPr>
+            <a:r>
+              <a:rPr xmlns:mc="http://schemas.openxmlformats.org/markup-compatibility/2006" xmlns:hp="http://schemas.haansoft.com/office/presentation/8.0" kumimoji="0" lang="ko-KR" altLang="en-US" sz="1100" b="0" i="0" u="none" strike="noStrike" kern="1200" cap="none" spc="0" normalizeH="0" baseline="0" mc:Ignorable="hp" hp:hslEmbossed="0">
+                <a:solidFill>
+                  <a:srgbClr val="000000"/>
+                </a:solidFill>
+                <a:latin typeface="Calibri"/>
+                <a:ea typeface="맑은 고딕"/>
+                <a:cs typeface="맑은 고딕"/>
+              </a:rPr>
+              <a:t>장바구니</a:t>
+            </a:r>
+            <a:endParaRPr xmlns:mc="http://schemas.openxmlformats.org/markup-compatibility/2006" xmlns:hp="http://schemas.haansoft.com/office/presentation/8.0" kumimoji="0" lang="ko-KR" altLang="en-US" sz="1100" b="0" i="0" u="none" strike="noStrike" kern="1200" cap="none" spc="0" normalizeH="0" baseline="0" mc:Ignorable="hp" hp:hslEmbossed="0">
+              <a:solidFill>
+                <a:srgbClr val="000000"/>
+              </a:solidFill>
+              <a:latin typeface="Calibri"/>
+              <a:ea typeface="맑은 고딕"/>
+              <a:cs typeface="맑은 고딕"/>
+            </a:endParaRPr>
+          </a:p>
+        </p:txBody>
+      </p:sp>
+      <p:sp>
+        <p:nvSpPr>
+          <p:cNvPr id="308" name=""/>
+          <p:cNvSpPr/>
+          <p:nvPr/>
+        </p:nvSpPr>
+        <p:spPr>
+          <a:xfrm>
+            <a:off x="1881886" y="3533775"/>
+            <a:ext cx="2879071" cy="426444"/>
+          </a:xfrm>
+          <a:prstGeom prst="rect">
+            <a:avLst/>
+          </a:prstGeom>
+          <a:solidFill>
+            <a:srgbClr val="ffffff">
+              <a:alpha val="100000"/>
+            </a:srgbClr>
+          </a:solidFill>
+          <a:ln w="19050" cap="flat" cmpd="sng" algn="ctr">
+            <a:solidFill>
+              <a:srgbClr val="2e3e67">
+                <a:alpha val="100000"/>
+              </a:srgbClr>
+            </a:solidFill>
+            <a:prstDash val="solid"/>
+          </a:ln>
+        </p:spPr>
+        <p:txBody>
+          <a:bodyPr anchor="ctr"/>
+          <a:p>
+            <a:pPr marL="0" indent="0" algn="ctr" defTabSz="914400" rtl="0" eaLnBrk="1" latinLnBrk="1" hangingPunct="1">
+              <a:lnSpc>
+                <a:spcPct val="100000"/>
+              </a:lnSpc>
+              <a:spcBef>
+                <a:spcPct val="0"/>
+              </a:spcBef>
+              <a:spcAft>
+                <a:spcPts val="0"/>
+              </a:spcAft>
+              <a:buNone/>
+              <a:defRPr/>
+            </a:pPr>
+            <a:r>
+              <a:rPr xmlns:mc="http://schemas.openxmlformats.org/markup-compatibility/2006" xmlns:hp="http://schemas.haansoft.com/office/presentation/8.0" kumimoji="0" lang="ko-KR" altLang="en-US" sz="1100" b="0" i="0" u="none" strike="noStrike" kern="1200" cap="none" spc="0" normalizeH="0" baseline="0" mc:Ignorable="hp" hp:hslEmbossed="0">
+                <a:solidFill>
+                  <a:srgbClr val="000000"/>
+                </a:solidFill>
+                <a:latin typeface="Calibri"/>
+                <a:ea typeface="맑은 고딕"/>
+                <a:cs typeface="맑은 고딕"/>
+              </a:rPr>
+              <a:t>리뷰</a:t>
+            </a:r>
+            <a:endParaRPr xmlns:mc="http://schemas.openxmlformats.org/markup-compatibility/2006" xmlns:hp="http://schemas.haansoft.com/office/presentation/8.0" kumimoji="0" lang="ko-KR" altLang="en-US" sz="1100" b="0" i="0" u="none" strike="noStrike" kern="1200" cap="none" spc="0" normalizeH="0" baseline="0" mc:Ignorable="hp" hp:hslEmbossed="0">
+              <a:solidFill>
+                <a:srgbClr val="000000"/>
+              </a:solidFill>
+              <a:latin typeface="Calibri"/>
+              <a:ea typeface="맑은 고딕"/>
+              <a:cs typeface="맑은 고딕"/>
+            </a:endParaRPr>
+          </a:p>
+        </p:txBody>
+      </p:sp>
+      <p:sp>
+        <p:nvSpPr>
+          <p:cNvPr id="309" name="타원 83"/>
+          <p:cNvSpPr/>
+          <p:nvPr/>
+        </p:nvSpPr>
+        <p:spPr>
+          <a:xfrm>
+            <a:off x="1821011" y="2622313"/>
+            <a:ext cx="142876" cy="142876"/>
+          </a:xfrm>
+          <a:prstGeom prst="ellipse">
+            <a:avLst/>
+          </a:prstGeom>
+          <a:solidFill>
+            <a:srgbClr val="fce700">
+              <a:alpha val="100000"/>
+            </a:srgbClr>
+          </a:solidFill>
+          <a:ln w="19050" cap="flat" cmpd="sng" algn="ctr">
+            <a:noFill/>
+            <a:prstDash val="solid"/>
+          </a:ln>
+        </p:spPr>
+        <p:txBody>
+          <a:bodyPr lIns="0" tIns="0" rIns="0" bIns="0" anchor="ctr"/>
+          <a:p>
+            <a:pPr marL="0" indent="0" algn="ctr" defTabSz="914400" rtl="0" eaLnBrk="1" latinLnBrk="1" hangingPunct="1">
+              <a:lnSpc>
+                <a:spcPct val="100000"/>
+              </a:lnSpc>
+              <a:spcBef>
+                <a:spcPct val="0"/>
+              </a:spcBef>
+              <a:spcAft>
+                <a:spcPts val="0"/>
+              </a:spcAft>
+              <a:buNone/>
+              <a:defRPr/>
+            </a:pPr>
+            <a:r>
+              <a:rPr xmlns:mc="http://schemas.openxmlformats.org/markup-compatibility/2006" xmlns:hp="http://schemas.haansoft.com/office/presentation/8.0" kumimoji="0" lang="en-US" altLang="ko-KR" sz="900" b="1" i="0" u="none" strike="noStrike" kern="1200" cap="none" spc="0" normalizeH="0" baseline="0" mc:Ignorable="hp" hp:hslEmbossed="0">
+                <a:solidFill>
+                  <a:srgbClr val="663300"/>
+                </a:solidFill>
+                <a:latin typeface="Calibri"/>
+                <a:ea typeface="맑은 고딕"/>
+                <a:cs typeface="Calibri"/>
+              </a:rPr>
+              <a:t>2</a:t>
+            </a:r>
+            <a:endParaRPr xmlns:mc="http://schemas.openxmlformats.org/markup-compatibility/2006" xmlns:hp="http://schemas.haansoft.com/office/presentation/8.0" kumimoji="0" lang="en-US" altLang="ko-KR" sz="900" b="1" i="0" u="none" strike="noStrike" kern="1200" cap="none" spc="0" normalizeH="0" baseline="0" mc:Ignorable="hp" hp:hslEmbossed="0">
+              <a:solidFill>
+                <a:srgbClr val="663300"/>
+              </a:solidFill>
+              <a:latin typeface="Calibri"/>
+              <a:ea typeface="맑은 고딕"/>
+              <a:cs typeface="Calibri"/>
+            </a:endParaRPr>
+          </a:p>
+        </p:txBody>
+      </p:sp>
+      <p:sp>
+        <p:nvSpPr>
+          <p:cNvPr id="310" name="타원 83"/>
+          <p:cNvSpPr/>
+          <p:nvPr/>
+        </p:nvSpPr>
+        <p:spPr>
+          <a:xfrm>
+            <a:off x="1821011" y="3035892"/>
+            <a:ext cx="142876" cy="142876"/>
+          </a:xfrm>
+          <a:prstGeom prst="ellipse">
+            <a:avLst/>
+          </a:prstGeom>
+          <a:solidFill>
+            <a:srgbClr val="fce700">
+              <a:alpha val="100000"/>
+            </a:srgbClr>
+          </a:solidFill>
+          <a:ln w="19050" cap="flat" cmpd="sng" algn="ctr">
+            <a:noFill/>
+            <a:prstDash val="solid"/>
+          </a:ln>
+        </p:spPr>
+        <p:txBody>
+          <a:bodyPr lIns="0" tIns="0" rIns="0" bIns="0" anchor="ctr"/>
+          <a:p>
+            <a:pPr marL="0" indent="0" algn="ctr" defTabSz="914400" rtl="0" eaLnBrk="1" latinLnBrk="1" hangingPunct="1">
+              <a:lnSpc>
+                <a:spcPct val="100000"/>
+              </a:lnSpc>
+              <a:spcBef>
+                <a:spcPct val="0"/>
+              </a:spcBef>
+              <a:spcAft>
+                <a:spcPts val="0"/>
+              </a:spcAft>
+              <a:buNone/>
+              <a:defRPr/>
+            </a:pPr>
+            <a:r>
+              <a:rPr xmlns:mc="http://schemas.openxmlformats.org/markup-compatibility/2006" xmlns:hp="http://schemas.haansoft.com/office/presentation/8.0" kumimoji="0" lang="en-US" altLang="ko-KR" sz="900" b="1" i="0" u="none" strike="noStrike" kern="1200" cap="none" spc="0" normalizeH="0" baseline="0" mc:Ignorable="hp" hp:hslEmbossed="0">
+                <a:solidFill>
+                  <a:srgbClr val="663300"/>
+                </a:solidFill>
+                <a:latin typeface="Calibri"/>
+                <a:ea typeface="맑은 고딕"/>
+                <a:cs typeface="Calibri"/>
+              </a:rPr>
+              <a:t>3</a:t>
+            </a:r>
+            <a:endParaRPr xmlns:mc="http://schemas.openxmlformats.org/markup-compatibility/2006" xmlns:hp="http://schemas.haansoft.com/office/presentation/8.0" kumimoji="0" lang="en-US" altLang="ko-KR" sz="900" b="1" i="0" u="none" strike="noStrike" kern="1200" cap="none" spc="0" normalizeH="0" baseline="0" mc:Ignorable="hp" hp:hslEmbossed="0">
+              <a:solidFill>
+                <a:srgbClr val="663300"/>
+              </a:solidFill>
+              <a:latin typeface="Calibri"/>
+              <a:ea typeface="맑은 고딕"/>
+              <a:cs typeface="Calibri"/>
+            </a:endParaRPr>
+          </a:p>
+        </p:txBody>
+      </p:sp>
+      <p:sp>
+        <p:nvSpPr>
+          <p:cNvPr id="311" name="타원 83"/>
+          <p:cNvSpPr/>
+          <p:nvPr/>
+        </p:nvSpPr>
+        <p:spPr>
+          <a:xfrm>
+            <a:off x="1821011" y="3429000"/>
+            <a:ext cx="142876" cy="142876"/>
+          </a:xfrm>
+          <a:prstGeom prst="ellipse">
+            <a:avLst/>
+          </a:prstGeom>
+          <a:solidFill>
+            <a:srgbClr val="fce700">
+              <a:alpha val="100000"/>
+            </a:srgbClr>
+          </a:solidFill>
+          <a:ln w="19050" cap="flat" cmpd="sng" algn="ctr">
+            <a:noFill/>
+            <a:prstDash val="solid"/>
+          </a:ln>
+        </p:spPr>
+        <p:txBody>
+          <a:bodyPr lIns="0" tIns="0" rIns="0" bIns="0" anchor="ctr"/>
+          <a:p>
+            <a:pPr marL="0" indent="0" algn="ctr" defTabSz="914400" rtl="0" eaLnBrk="1" latinLnBrk="1" hangingPunct="1">
+              <a:lnSpc>
+                <a:spcPct val="100000"/>
+              </a:lnSpc>
+              <a:spcBef>
+                <a:spcPct val="0"/>
+              </a:spcBef>
+              <a:spcAft>
+                <a:spcPts val="0"/>
+              </a:spcAft>
+              <a:buNone/>
+              <a:defRPr/>
+            </a:pPr>
+            <a:r>
+              <a:rPr xmlns:mc="http://schemas.openxmlformats.org/markup-compatibility/2006" xmlns:hp="http://schemas.haansoft.com/office/presentation/8.0" kumimoji="0" lang="en-US" altLang="ko-KR" sz="900" b="1" i="0" u="none" strike="noStrike" kern="1200" cap="none" spc="0" normalizeH="0" baseline="0" mc:Ignorable="hp" hp:hslEmbossed="0">
+                <a:solidFill>
+                  <a:srgbClr val="663300"/>
+                </a:solidFill>
+                <a:latin typeface="Calibri"/>
+                <a:ea typeface="맑은 고딕"/>
+                <a:cs typeface="Calibri"/>
+              </a:rPr>
+              <a:t>4</a:t>
+            </a:r>
+            <a:endParaRPr xmlns:mc="http://schemas.openxmlformats.org/markup-compatibility/2006" xmlns:hp="http://schemas.haansoft.com/office/presentation/8.0" kumimoji="0" lang="en-US" altLang="ko-KR" sz="900" b="1" i="0" u="none" strike="noStrike" kern="1200" cap="none" spc="0" normalizeH="0" baseline="0" mc:Ignorable="hp" hp:hslEmbossed="0">
+              <a:solidFill>
+                <a:srgbClr val="663300"/>
+              </a:solidFill>
+              <a:latin typeface="Calibri"/>
+              <a:ea typeface="맑은 고딕"/>
+              <a:cs typeface="Calibri"/>
+            </a:endParaRPr>
+          </a:p>
+        </p:txBody>
+      </p:sp>
+    </p:spTree>
+  </p:cSld>
+  <p:clrMapOvr>
+    <a:masterClrMapping/>
+  </p:clrMapOvr>
+  <mc:AlternateContent xmlns:mc="http://schemas.openxmlformats.org/markup-compatibility/2006">
+    <mc:Choice xmlns:p14="http://schemas.microsoft.com/office/powerpoint/2010/main" Requires="p14">
+      <p:transition xmlns:mc="http://schemas.openxmlformats.org/markup-compatibility/2006" xmlns:p14="http://schemas.microsoft.com/office/powerpoint/2010/main" mc:Ignorable="p14" p14:dur="500"/>
+    </mc:Choice>
+    <mc:Fallback>
+      <p:transition/>
+    </mc:Fallback>
+  </mc:AlternateContent>
+</p:sld>
+</file>
+
+<file path=ppt/slides/slide11.xml><?xml version="1.0" encoding="utf-8"?>
+<p:sld xmlns:r="http://schemas.openxmlformats.org/officeDocument/2006/relationships" xmlns:c="http://schemas.openxmlformats.org/drawingml/2006/chart" xmlns:a="http://schemas.openxmlformats.org/drawingml/2006/main" xmlns:dgm="http://schemas.openxmlformats.org/drawingml/2006/diagram" xmlns:dsp="http://schemas.microsoft.com/office/drawing/2008/diagram" xmlns:p="http://schemas.openxmlformats.org/presentationml/2006/main">
+  <p:cSld>
+    <p:spTree>
+      <p:nvGrpSpPr>
+        <p:cNvPr id="1" name=""/>
+        <p:cNvGrpSpPr/>
+        <p:nvPr/>
+      </p:nvGrpSpPr>
+      <p:grpSpPr>
+        <a:xfrm>
+          <a:off x="0" y="0"/>
+          <a:ext cx="0" cy="0"/>
+          <a:chOff x="0" y="0"/>
+          <a:chExt cx="0" cy="0"/>
+        </a:xfrm>
+      </p:grpSpPr>
+      <p:sp>
+        <p:nvSpPr>
+          <p:cNvPr id="12" name="TextBox 11"/>
+          <p:cNvSpPr txBox="1"/>
+          <p:nvPr/>
+        </p:nvSpPr>
+        <p:spPr>
+          <a:xfrm>
+            <a:off x="1703511" y="408640"/>
+            <a:ext cx="4392488" cy="369332"/>
+          </a:xfrm>
+          <a:prstGeom prst="rect">
+            <a:avLst/>
+          </a:prstGeom>
+          <a:noFill/>
+        </p:spPr>
+        <p:txBody>
+          <a:bodyPr wrap="square">
+            <a:spAutoFit/>
+          </a:bodyPr>
+          <a:lstStyle/>
+          <a:p>
+            <a:pPr>
+              <a:lnSpc>
+                <a:spcPct val="90000"/>
+              </a:lnSpc>
+              <a:defRPr/>
+            </a:pPr>
+            <a:r>
+              <a:rPr lang="en-US" altLang="ko-KR" sz="2000" spc="300">
+                <a:solidFill>
+                  <a:srgbClr val="663300"/>
+                </a:solidFill>
+                <a:latin typeface="+mn-ea"/>
+              </a:rPr>
+              <a:t>11.</a:t>
+            </a:r>
+            <a:r>
+              <a:rPr lang="ko-KR" altLang="en-US" sz="2000" spc="300">
+                <a:solidFill>
+                  <a:srgbClr val="663300"/>
+                </a:solidFill>
+                <a:latin typeface="+mn-ea"/>
+              </a:rPr>
+              <a:t>구매내역</a:t>
+            </a:r>
+            <a:endParaRPr lang="ko-KR" altLang="en-US" sz="2000" spc="300">
+              <a:solidFill>
+                <a:srgbClr val="663300"/>
+              </a:solidFill>
+              <a:latin typeface="+mn-ea"/>
+            </a:endParaRPr>
+          </a:p>
+        </p:txBody>
+      </p:sp>
+      <p:sp>
+        <p:nvSpPr>
+          <p:cNvPr id="2" name="슬라이드 번호 개체 틀 1"/>
+          <p:cNvSpPr>
+            <a:spLocks noGrp="1"/>
+          </p:cNvSpPr>
+          <p:nvPr>
+            <p:ph type="sldNum" sz="quarter" idx="4"/>
+          </p:nvPr>
+        </p:nvSpPr>
+        <p:spPr/>
+        <p:txBody>
+          <a:bodyPr/>
+          <a:lstStyle/>
+          <a:p>
+            <a:pPr lvl="0">
+              <a:defRPr/>
+            </a:pPr>
+            <a:fld id="{2FECCACC-60ED-4580-AB4B-3C07270897C0}" type="slidenum">
+              <a:rPr lang="en-US" altLang="en-US">
+                <a:latin typeface="나눔고딕"/>
+                <a:ea typeface="나눔고딕"/>
+              </a:rPr>
+              <a:pPr lvl="0">
+                <a:defRPr/>
+              </a:pPr>
+              <a:t>11</a:t>
+            </a:fld>
+            <a:endParaRPr lang="en-US" altLang="en-US">
+              <a:latin typeface="나눔고딕"/>
+              <a:ea typeface="나눔고딕"/>
+            </a:endParaRPr>
+          </a:p>
+        </p:txBody>
+      </p:sp>
+      <p:sp>
+        <p:nvSpPr>
+          <p:cNvPr id="14" name="TextBox 13"/>
+          <p:cNvSpPr txBox="1"/>
+          <p:nvPr/>
+        </p:nvSpPr>
+        <p:spPr>
+          <a:xfrm>
+            <a:off x="6030058" y="404664"/>
+            <a:ext cx="4392488" cy="397032"/>
+          </a:xfrm>
+          <a:prstGeom prst="rect">
+            <a:avLst/>
+          </a:prstGeom>
+          <a:noFill/>
+        </p:spPr>
+        <p:txBody>
+          <a:bodyPr wrap="square">
+            <a:spAutoFit/>
+          </a:bodyPr>
+          <a:lstStyle/>
+          <a:p>
+            <a:pPr algn="r">
+              <a:lnSpc>
+                <a:spcPct val="90000"/>
+              </a:lnSpc>
+              <a:defRPr/>
+            </a:pPr>
+            <a:r>
+              <a:rPr lang="ko-KR" altLang="en-US" sz="1100">
+                <a:latin typeface="+mn-ea"/>
+              </a:rPr>
+              <a:t>로그인</a:t>
+            </a:r>
+            <a:endParaRPr lang="ko-KR" altLang="en-US" sz="1100">
+              <a:latin typeface="+mn-ea"/>
+            </a:endParaRPr>
+          </a:p>
+          <a:p>
+            <a:pPr algn="r">
+              <a:lnSpc>
+                <a:spcPct val="90000"/>
+              </a:lnSpc>
+              <a:defRPr/>
+            </a:pPr>
+            <a:r>
+              <a:rPr lang="en-US" altLang="ko-KR" sz="1100" b="1">
+                <a:latin typeface="+mn-ea"/>
+              </a:rPr>
+              <a:t>161116</a:t>
+            </a:r>
+            <a:endParaRPr lang="ko-KR" altLang="en-US" sz="1100" b="1">
+              <a:latin typeface="+mn-ea"/>
+            </a:endParaRPr>
+          </a:p>
+        </p:txBody>
+      </p:sp>
+      <p:graphicFrame>
+        <p:nvGraphicFramePr>
+          <p:cNvPr id="106" name=""/>
+          <p:cNvGraphicFramePr>
+            <a:graphicFrameLocks noGrp="1"/>
+          </p:cNvGraphicFramePr>
+          <p:nvPr/>
+        </p:nvGraphicFramePr>
+        <p:xfrm>
+          <a:off x="7984818" y="1123603"/>
+          <a:ext cx="3850930" cy="4024799"/>
+        </p:xfrm>
+        <a:graphic>
+          <a:graphicData uri="http://schemas.openxmlformats.org/drawingml/2006/table">
+            <a:tbl>
+              <a:tblPr firstRow="1" bandRow="1">
+                <a:tableStyleId>{01A66EDD-3DAB-4C5B-A090-DC80EC1FD486}</a:tableStyleId>
+              </a:tblPr>
+              <a:tblGrid>
+                <a:gridCol w="686725"/>
+                <a:gridCol w="3164205"/>
+              </a:tblGrid>
+              <a:tr h="334235">
+                <a:tc gridSpan="2">
+                  <a:txBody>
+                    <a:bodyPr vert="horz" wrap="square" lIns="91440" tIns="45720" rIns="91440" bIns="45720" anchor="ctr" anchorCtr="1">
+                      <a:spAutoFit/>
+                    </a:bodyPr>
+                    <a:p>
+                      <a:pPr marL="0" marR="0" lvl="0" indent="0" algn="ctr" defTabSz="914400" rtl="0" eaLnBrk="1" latinLnBrk="1" hangingPunct="1">
+                        <a:lnSpc>
+                          <a:spcPct val="100000"/>
+                        </a:lnSpc>
+                        <a:spcBef>
+                          <a:spcPts val="100"/>
+                        </a:spcBef>
+                        <a:spcAft>
+                          <a:spcPts val="0"/>
+                        </a:spcAft>
+                        <a:buClrTx/>
+                        <a:buFontTx/>
+                        <a:buNone/>
+                        <a:defRPr/>
+                      </a:pPr>
+                      <a:r>
+                        <a:rPr lang="en-US" altLang="ko-KR" b="1">
+                          <a:solidFill>
+                            <a:schemeClr val="dk1"/>
+                          </a:solidFill>
+                        </a:rPr>
+                        <a:t>Description</a:t>
+                      </a:r>
+                      <a:endParaRPr lang="en-US" altLang="ko-KR">
+                        <a:solidFill>
+                          <a:schemeClr val="dk1"/>
+                        </a:solidFill>
+                      </a:endParaRPr>
+                    </a:p>
+                  </a:txBody>
+                  <a:tcPr marL="91440" marR="91440" anchor="ctr" anchorCtr="1">
+                    <a:lnL w="12700" cap="flat" cmpd="sng" algn="ctr">
+                      <a:solidFill>
+                        <a:schemeClr val="tx1"/>
+                      </a:solidFill>
+                      <a:prstDash val="solid"/>
+                      <a:round/>
+                      <a:headEnd w="med" len="med"/>
+                      <a:tailEnd w="med" len="med"/>
+                    </a:lnL>
+                    <a:lnR w="12700" cap="flat" cmpd="sng" algn="ctr">
+                      <a:solidFill>
+                        <a:schemeClr val="tx1"/>
+                      </a:solidFill>
+                      <a:prstDash val="solid"/>
+                      <a:round/>
+                      <a:headEnd w="med" len="med"/>
+                      <a:tailEnd w="med" len="med"/>
+                    </a:lnR>
+                    <a:lnT w="12700" cap="flat" cmpd="sng" algn="ctr">
+                      <a:solidFill>
+                        <a:schemeClr val="tx1"/>
+                      </a:solidFill>
+                      <a:prstDash val="solid"/>
+                      <a:round/>
+                      <a:headEnd w="med" len="med"/>
+                      <a:tailEnd w="med" len="med"/>
+                    </a:lnT>
+                    <a:lnB w="12700" cap="flat" cmpd="sng" algn="ctr">
+                      <a:solidFill>
+                        <a:schemeClr val="tx1"/>
+                      </a:solidFill>
+                      <a:prstDash val="solid"/>
+                      <a:round/>
+                      <a:headEnd w="med" len="med"/>
+                      <a:tailEnd w="med" len="med"/>
+                    </a:lnB>
+                    <a:solidFill>
+                      <a:srgbClr val="e0e0e0"/>
+                    </a:solidFill>
+                  </a:tcPr>
+                </a:tc>
+                <a:tc hMerge="1">
+                  <a:txBody>
+                    <a:bodyPr vert="horz" wrap="square" lIns="91440" tIns="45720" rIns="91440" bIns="45720" anchor="t" anchorCtr="0">
+                      <a:spAutoFit/>
+                    </a:bodyPr>
+                    <a:p>
+                      <a:pPr>
+                        <a:defRPr/>
+                      </a:pPr>
+                      <a:endParaRPr lang="en-US" altLang="ko-KR"/>
+                    </a:p>
+                  </a:txBody>
+                  <a:tcPr marL="91440" marR="91440">
+                    <a:lnL w="12700" cap="flat" cmpd="sng" algn="ctr">
+                      <a:solidFill>
+                        <a:schemeClr val="tx1"/>
+                      </a:solidFill>
+                      <a:prstDash val="solid"/>
+                      <a:round/>
+                      <a:headEnd w="med" len="med"/>
+                      <a:tailEnd w="med" len="med"/>
+                    </a:lnL>
+                    <a:lnR w="12700" cap="flat" cmpd="sng" algn="ctr">
+                      <a:solidFill>
+                        <a:schemeClr val="tx1"/>
+                      </a:solidFill>
+                      <a:prstDash val="solid"/>
+                      <a:round/>
+                      <a:headEnd w="med" len="med"/>
+                      <a:tailEnd w="med" len="med"/>
+                    </a:lnR>
+                    <a:lnT w="12700" cap="flat" cmpd="sng" algn="ctr">
+                      <a:solidFill>
+                        <a:schemeClr val="tx1"/>
+                      </a:solidFill>
+                      <a:prstDash val="solid"/>
+                      <a:round/>
+                      <a:headEnd w="med" len="med"/>
+                      <a:tailEnd w="med" len="med"/>
+                    </a:lnT>
+                    <a:lnB w="12700" cap="flat" cmpd="sng" algn="ctr">
+                      <a:solidFill>
+                        <a:schemeClr val="tx1"/>
+                      </a:solidFill>
+                      <a:prstDash val="solid"/>
+                      <a:round/>
+                      <a:headEnd w="med" len="med"/>
+                      <a:tailEnd w="med" len="med"/>
+                    </a:lnB>
+                    <a:solidFill>
+                      <a:schemeClr val="lt1"/>
+                    </a:solidFill>
+                  </a:tcPr>
+                </a:tc>
+              </a:tr>
+              <a:tr h="565874">
+                <a:tc gridSpan="2">
+                  <a:txBody>
+                    <a:bodyPr vert="horz" wrap="square" lIns="91440" tIns="45720" rIns="91440" bIns="45720" anchor="ctr" anchorCtr="1">
+                      <a:spAutoFit/>
+                    </a:bodyPr>
+                    <a:p>
+                      <a:pPr algn="ctr">
+                        <a:defRPr/>
+                      </a:pPr>
+                      <a:r>
+                        <a:rPr lang="ko-KR" altLang="en-US" sz="1100">
+                          <a:solidFill>
+                            <a:schemeClr val="dk1"/>
+                          </a:solidFill>
+                        </a:rPr>
+                        <a:t>사용자가 담아 놓은 장바구니 관리 페이지</a:t>
+                      </a:r>
+                      <a:endParaRPr lang="en-US" altLang="ko-KR" sz="1100">
+                        <a:solidFill>
+                          <a:schemeClr val="dk1"/>
+                        </a:solidFill>
+                      </a:endParaRPr>
+                    </a:p>
+                  </a:txBody>
+                  <a:tcPr marL="91440" marR="91440" anchor="ctr" anchorCtr="1">
+                    <a:lnL w="12700" cap="flat" cmpd="sng" algn="ctr">
+                      <a:solidFill>
+                        <a:schemeClr val="tx1"/>
+                      </a:solidFill>
+                      <a:prstDash val="solid"/>
+                      <a:round/>
+                      <a:headEnd w="med" len="med"/>
+                      <a:tailEnd w="med" len="med"/>
+                    </a:lnL>
+                    <a:lnR w="12700" cap="flat" cmpd="sng" algn="ctr">
+                      <a:solidFill>
+                        <a:schemeClr val="tx1"/>
+                      </a:solidFill>
+                      <a:prstDash val="solid"/>
+                      <a:round/>
+                      <a:headEnd w="med" len="med"/>
+                      <a:tailEnd w="med" len="med"/>
+                    </a:lnR>
+                    <a:lnT w="12700" cap="flat" cmpd="sng" algn="ctr">
+                      <a:solidFill>
+                        <a:schemeClr val="tx1"/>
+                      </a:solidFill>
+                      <a:prstDash val="solid"/>
+                      <a:round/>
+                      <a:headEnd w="med" len="med"/>
+                      <a:tailEnd w="med" len="med"/>
+                    </a:lnT>
+                    <a:lnB w="12700" cap="flat" cmpd="sng" algn="ctr">
+                      <a:solidFill>
+                        <a:schemeClr val="tx1"/>
+                      </a:solidFill>
+                      <a:prstDash val="solid"/>
+                      <a:round/>
+                      <a:headEnd w="med" len="med"/>
+                      <a:tailEnd w="med" len="med"/>
+                    </a:lnB>
+                    <a:solidFill>
+                      <a:schemeClr val="lt1"/>
+                    </a:solidFill>
+                  </a:tcPr>
+                </a:tc>
+                <a:tc hMerge="1">
+                  <a:txBody>
+                    <a:bodyPr vert="horz" wrap="square" lIns="91440" tIns="45720" rIns="91440" bIns="45720" anchor="t" anchorCtr="0">
+                      <a:spAutoFit/>
+                    </a:bodyPr>
+                    <a:p>
+                      <a:pPr>
+                        <a:defRPr/>
+                      </a:pPr>
+                      <a:endParaRPr lang="en-US" altLang="ko-KR"/>
+                    </a:p>
+                  </a:txBody>
+                  <a:tcPr marL="91440" marR="91440">
+                    <a:lnL w="12700" cap="flat" cmpd="sng" algn="ctr">
+                      <a:solidFill>
+                        <a:schemeClr val="tx1"/>
+                      </a:solidFill>
+                      <a:prstDash val="solid"/>
+                      <a:round/>
+                      <a:headEnd w="med" len="med"/>
+                      <a:tailEnd w="med" len="med"/>
+                    </a:lnL>
+                    <a:lnR w="12700" cap="flat" cmpd="sng" algn="ctr">
+                      <a:solidFill>
+                        <a:schemeClr val="tx1"/>
+                      </a:solidFill>
+                      <a:prstDash val="solid"/>
+                      <a:round/>
+                      <a:headEnd w="med" len="med"/>
+                      <a:tailEnd w="med" len="med"/>
+                    </a:lnR>
+                    <a:lnT w="12700" cap="flat" cmpd="sng" algn="ctr">
+                      <a:solidFill>
+                        <a:schemeClr val="tx1"/>
+                      </a:solidFill>
+                      <a:prstDash val="solid"/>
+                      <a:round/>
+                      <a:headEnd w="med" len="med"/>
+                      <a:tailEnd w="med" len="med"/>
+                    </a:lnT>
+                    <a:lnB w="12700" cap="flat" cmpd="sng" algn="ctr">
+                      <a:solidFill>
+                        <a:schemeClr val="tx1"/>
+                      </a:solidFill>
+                      <a:prstDash val="solid"/>
+                      <a:round/>
+                      <a:headEnd w="med" len="med"/>
+                      <a:tailEnd w="med" len="med"/>
+                    </a:lnB>
+                    <a:solidFill>
+                      <a:schemeClr val="lt1"/>
+                    </a:solidFill>
+                  </a:tcPr>
+                </a:tc>
+              </a:tr>
+              <a:tr h="515210">
+                <a:tc gridSpan="2">
+                  <a:txBody>
+                    <a:bodyPr vert="horz" wrap="square" lIns="91440" tIns="45720" rIns="91440" bIns="45720" anchor="ctr" anchorCtr="1">
+                      <a:spAutoFit/>
+                    </a:bodyPr>
+                    <a:p>
+                      <a:pPr algn="ctr">
+                        <a:defRPr/>
+                      </a:pPr>
+                      <a:r>
+                        <a:rPr lang="en-US" altLang="ko-KR">
+                          <a:solidFill>
+                            <a:schemeClr val="dk1"/>
+                          </a:solidFill>
+                        </a:rPr>
+                        <a:t>function</a:t>
+                      </a:r>
+                      <a:endParaRPr lang="en-US" altLang="ko-KR">
+                        <a:solidFill>
+                          <a:schemeClr val="dk1"/>
+                        </a:solidFill>
+                      </a:endParaRPr>
+                    </a:p>
+                  </a:txBody>
+                  <a:tcPr marL="91440" marR="91440" anchor="ctr" anchorCtr="1">
+                    <a:lnL w="12700" cap="flat" cmpd="sng" algn="ctr">
+                      <a:solidFill>
+                        <a:schemeClr val="tx1"/>
+                      </a:solidFill>
+                      <a:prstDash val="solid"/>
+                      <a:round/>
+                      <a:headEnd w="med" len="med"/>
+                      <a:tailEnd w="med" len="med"/>
+                    </a:lnL>
+                    <a:lnR w="12700" cap="flat" cmpd="sng" algn="ctr">
+                      <a:solidFill>
+                        <a:schemeClr val="tx1"/>
+                      </a:solidFill>
+                      <a:prstDash val="solid"/>
+                      <a:round/>
+                      <a:headEnd w="med" len="med"/>
+                      <a:tailEnd w="med" len="med"/>
+                    </a:lnR>
+                    <a:lnT w="12700" cap="flat" cmpd="sng" algn="ctr">
+                      <a:solidFill>
+                        <a:schemeClr val="tx1"/>
+                      </a:solidFill>
+                      <a:prstDash val="solid"/>
+                      <a:round/>
+                      <a:headEnd w="med" len="med"/>
+                      <a:tailEnd w="med" len="med"/>
+                    </a:lnT>
+                    <a:lnB w="12700" cap="flat" cmpd="sng" algn="ctr">
+                      <a:solidFill>
+                        <a:schemeClr val="tx1"/>
+                      </a:solidFill>
+                      <a:prstDash val="solid"/>
+                      <a:round/>
+                      <a:headEnd w="med" len="med"/>
+                      <a:tailEnd w="med" len="med"/>
+                    </a:lnB>
+                    <a:solidFill>
+                      <a:srgbClr val="d1d1d1"/>
+                    </a:solidFill>
+                  </a:tcPr>
+                </a:tc>
+                <a:tc hMerge="1">
+                  <a:txBody>
+                    <a:bodyPr vert="horz" wrap="square" lIns="91440" tIns="45720" rIns="91440" bIns="45720" anchor="t" anchorCtr="0">
+                      <a:spAutoFit/>
+                    </a:bodyPr>
+                    <a:p>
+                      <a:pPr>
+                        <a:defRPr/>
+                      </a:pPr>
+                      <a:endParaRPr lang="ko-KR" altLang="en-US"/>
+                    </a:p>
+                  </a:txBody>
+                  <a:tcPr marL="91440" marR="91440">
+                    <a:lnL w="12700" cap="flat" cmpd="sng" algn="ctr">
+                      <a:solidFill>
+                        <a:schemeClr val="tx1"/>
+                      </a:solidFill>
+                      <a:prstDash val="solid"/>
+                      <a:round/>
+                      <a:headEnd w="med" len="med"/>
+                      <a:tailEnd w="med" len="med"/>
+                    </a:lnL>
+                    <a:lnR w="12700" cap="flat" cmpd="sng" algn="ctr">
+                      <a:solidFill>
+                        <a:schemeClr val="tx1"/>
+                      </a:solidFill>
+                      <a:prstDash val="solid"/>
+                      <a:round/>
+                      <a:headEnd w="med" len="med"/>
+                      <a:tailEnd w="med" len="med"/>
+                    </a:lnR>
+                    <a:lnT w="12700" cap="flat" cmpd="sng" algn="ctr">
+                      <a:solidFill>
+                        <a:schemeClr val="tx1"/>
+                      </a:solidFill>
+                      <a:prstDash val="solid"/>
+                      <a:round/>
+                      <a:headEnd w="med" len="med"/>
+                      <a:tailEnd w="med" len="med"/>
+                    </a:lnT>
+                    <a:lnB w="12700" cap="flat" cmpd="sng" algn="ctr">
+                      <a:solidFill>
+                        <a:schemeClr val="tx1"/>
+                      </a:solidFill>
+                      <a:prstDash val="solid"/>
+                      <a:round/>
+                      <a:headEnd w="med" len="med"/>
+                      <a:tailEnd w="med" len="med"/>
+                    </a:lnB>
+                    <a:solidFill>
+                      <a:schemeClr val="lt1"/>
+                    </a:solidFill>
+                  </a:tcPr>
+                </a:tc>
+              </a:tr>
+              <a:tr h="515210">
+                <a:tc>
+                  <a:txBody>
+                    <a:bodyPr vert="horz" wrap="square" lIns="91440" tIns="45720" rIns="91440" bIns="45720" anchor="ctr" anchorCtr="1">
+                      <a:spAutoFit/>
+                    </a:bodyPr>
+                    <a:p>
+                      <a:pPr algn="ctr">
+                        <a:defRPr/>
+                      </a:pPr>
+                      <a:r>
+                        <a:rPr lang="en-US" altLang="ko-KR" sz="1100">
+                          <a:solidFill>
+                            <a:schemeClr val="dk1"/>
+                          </a:solidFill>
+                        </a:rPr>
+                        <a:t>1</a:t>
+                      </a:r>
+                      <a:endParaRPr lang="en-US" altLang="ko-KR" sz="1100">
+                        <a:solidFill>
+                          <a:schemeClr val="dk1"/>
+                        </a:solidFill>
+                      </a:endParaRPr>
+                    </a:p>
+                  </a:txBody>
+                  <a:tcPr marL="91440" marR="91440" anchor="ctr" anchorCtr="1">
+                    <a:lnL w="12700" cap="flat" cmpd="sng" algn="ctr">
+                      <a:solidFill>
+                        <a:schemeClr val="tx1"/>
+                      </a:solidFill>
+                      <a:prstDash val="solid"/>
+                      <a:round/>
+                      <a:headEnd w="med" len="med"/>
+                      <a:tailEnd w="med" len="med"/>
+                    </a:lnL>
+                    <a:lnR w="12700" cap="flat" cmpd="sng" algn="ctr">
+                      <a:solidFill>
+                        <a:schemeClr val="tx1"/>
+                      </a:solidFill>
+                      <a:prstDash val="solid"/>
+                      <a:round/>
+                      <a:headEnd w="med" len="med"/>
+                      <a:tailEnd w="med" len="med"/>
+                    </a:lnR>
+                    <a:lnT w="12700" cap="flat" cmpd="sng" algn="ctr">
+                      <a:solidFill>
+                        <a:schemeClr val="tx1"/>
+                      </a:solidFill>
+                      <a:prstDash val="solid"/>
+                      <a:round/>
+                      <a:headEnd w="med" len="med"/>
+                      <a:tailEnd w="med" len="med"/>
+                    </a:lnT>
+                    <a:lnB w="12700" cap="flat" cmpd="sng" algn="ctr">
+                      <a:solidFill>
+                        <a:schemeClr val="tx1"/>
+                      </a:solidFill>
+                      <a:prstDash val="solid"/>
+                      <a:round/>
+                      <a:headEnd w="med" len="med"/>
+                      <a:tailEnd w="med" len="med"/>
+                    </a:lnB>
+                    <a:solidFill>
+                      <a:schemeClr val="lt1"/>
+                    </a:solidFill>
+                  </a:tcPr>
+                </a:tc>
+                <a:tc>
+                  <a:txBody>
+                    <a:bodyPr vert="horz" wrap="square" lIns="91440" tIns="45720" rIns="91440" bIns="45720" anchor="ctr" anchorCtr="1">
+                      <a:spAutoFit/>
+                    </a:bodyPr>
+                    <a:p>
+                      <a:pPr>
+                        <a:defRPr/>
+                      </a:pPr>
+                      <a:r>
+                        <a:rPr lang="ko-KR" altLang="en-US" sz="1100">
+                          <a:solidFill>
+                            <a:schemeClr val="dk1"/>
+                          </a:solidFill>
+                        </a:rPr>
+                        <a:t>주문 및 결제내역</a:t>
+                      </a:r>
+                      <a:endParaRPr lang="ko-KR" altLang="en-US" sz="1100">
+                        <a:solidFill>
+                          <a:schemeClr val="dk1"/>
+                        </a:solidFill>
+                      </a:endParaRPr>
+                    </a:p>
+                  </a:txBody>
+                  <a:tcPr marL="91440" marR="91440" anchor="ctr" anchorCtr="1">
+                    <a:lnL w="12700" cap="flat" cmpd="sng" algn="ctr">
+                      <a:solidFill>
+                        <a:schemeClr val="tx1"/>
+                      </a:solidFill>
+                      <a:prstDash val="solid"/>
+                      <a:round/>
+                      <a:headEnd w="med" len="med"/>
+                      <a:tailEnd w="med" len="med"/>
+                    </a:lnL>
+                    <a:lnR w="12700" cap="flat" cmpd="sng" algn="ctr">
+                      <a:solidFill>
+                        <a:schemeClr val="tx1"/>
+                      </a:solidFill>
+                      <a:prstDash val="solid"/>
+                      <a:round/>
+                      <a:headEnd w="med" len="med"/>
+                      <a:tailEnd w="med" len="med"/>
+                    </a:lnR>
+                    <a:lnT w="12700" cap="flat" cmpd="sng" algn="ctr">
+                      <a:solidFill>
+                        <a:schemeClr val="tx1"/>
+                      </a:solidFill>
+                      <a:prstDash val="solid"/>
+                      <a:round/>
+                      <a:headEnd w="med" len="med"/>
+                      <a:tailEnd w="med" len="med"/>
+                    </a:lnT>
+                    <a:lnB w="12700" cap="flat" cmpd="sng" algn="ctr">
+                      <a:solidFill>
+                        <a:schemeClr val="tx1"/>
+                      </a:solidFill>
+                      <a:prstDash val="solid"/>
+                      <a:round/>
+                      <a:headEnd w="med" len="med"/>
+                      <a:tailEnd w="med" len="med"/>
+                    </a:lnB>
+                    <a:solidFill>
+                      <a:schemeClr val="lt1"/>
+                    </a:solidFill>
+                  </a:tcPr>
+                </a:tc>
+              </a:tr>
+              <a:tr h="515210">
+                <a:tc>
+                  <a:txBody>
+                    <a:bodyPr vert="horz" wrap="square" lIns="91440" tIns="45720" rIns="91440" bIns="45720" anchor="ctr" anchorCtr="1">
+                      <a:spAutoFit/>
+                    </a:bodyPr>
+                    <a:p>
+                      <a:pPr algn="ctr">
+                        <a:defRPr/>
+                      </a:pPr>
+                      <a:r>
+                        <a:rPr lang="en-US" altLang="ko-KR" sz="1100">
+                          <a:solidFill>
+                            <a:schemeClr val="dk1"/>
+                          </a:solidFill>
+                        </a:rPr>
+                        <a:t>2</a:t>
+                      </a:r>
+                      <a:endParaRPr lang="en-US" altLang="ko-KR" sz="1100">
+                        <a:solidFill>
+                          <a:schemeClr val="dk1"/>
+                        </a:solidFill>
+                      </a:endParaRPr>
+                    </a:p>
+                  </a:txBody>
+                  <a:tcPr marL="91440" marR="91440" anchor="ctr" anchorCtr="1">
+                    <a:lnL w="12700" cap="flat" cmpd="sng" algn="ctr">
+                      <a:solidFill>
+                        <a:schemeClr val="tx1"/>
+                      </a:solidFill>
+                      <a:prstDash val="solid"/>
+                      <a:round/>
+                      <a:headEnd w="med" len="med"/>
+                      <a:tailEnd w="med" len="med"/>
+                    </a:lnL>
+                    <a:lnR w="12700" cap="flat" cmpd="sng" algn="ctr">
+                      <a:solidFill>
+                        <a:schemeClr val="tx1"/>
+                      </a:solidFill>
+                      <a:prstDash val="solid"/>
+                      <a:round/>
+                      <a:headEnd w="med" len="med"/>
+                      <a:tailEnd w="med" len="med"/>
+                    </a:lnR>
+                    <a:lnT w="12700" cap="flat" cmpd="sng" algn="ctr">
+                      <a:solidFill>
+                        <a:schemeClr val="tx1"/>
+                      </a:solidFill>
+                      <a:prstDash val="solid"/>
+                      <a:round/>
+                      <a:headEnd w="med" len="med"/>
+                      <a:tailEnd w="med" len="med"/>
+                    </a:lnT>
+                    <a:lnB w="12700" cap="flat" cmpd="sng" algn="ctr">
+                      <a:solidFill>
+                        <a:schemeClr val="tx1"/>
+                      </a:solidFill>
+                      <a:prstDash val="solid"/>
+                      <a:round/>
+                      <a:headEnd w="med" len="med"/>
+                      <a:tailEnd w="med" len="med"/>
+                    </a:lnB>
+                    <a:solidFill>
+                      <a:schemeClr val="lt1"/>
+                    </a:solidFill>
+                  </a:tcPr>
+                </a:tc>
+                <a:tc>
+                  <a:txBody>
+                    <a:bodyPr vert="horz" wrap="square" lIns="91440" tIns="45720" rIns="91440" bIns="45720" anchor="ctr" anchorCtr="1">
+                      <a:spAutoFit/>
+                    </a:bodyPr>
+                    <a:p>
+                      <a:pPr>
+                        <a:defRPr/>
+                      </a:pPr>
+                      <a:r>
+                        <a:rPr lang="ko-KR" altLang="en-US" sz="1100">
+                          <a:solidFill>
+                            <a:schemeClr val="dk1"/>
+                          </a:solidFill>
+                        </a:rPr>
+                        <a:t>해당 결제 최종 금액</a:t>
+                      </a:r>
+                      <a:endParaRPr lang="ko-KR" altLang="en-US" sz="1100">
+                        <a:solidFill>
+                          <a:schemeClr val="dk1"/>
+                        </a:solidFill>
+                      </a:endParaRPr>
+                    </a:p>
+                  </a:txBody>
+                  <a:tcPr marL="91440" marR="91440" anchor="ctr" anchorCtr="1">
+                    <a:lnL w="12700" cap="flat" cmpd="sng" algn="ctr">
+                      <a:solidFill>
+                        <a:schemeClr val="tx1"/>
+                      </a:solidFill>
+                      <a:prstDash val="solid"/>
+                      <a:round/>
+                      <a:headEnd w="med" len="med"/>
+                      <a:tailEnd w="med" len="med"/>
+                    </a:lnL>
+                    <a:lnR w="12700" cap="flat" cmpd="sng" algn="ctr">
+                      <a:solidFill>
+                        <a:schemeClr val="tx1"/>
+                      </a:solidFill>
+                      <a:prstDash val="solid"/>
+                      <a:round/>
+                      <a:headEnd w="med" len="med"/>
+                      <a:tailEnd w="med" len="med"/>
+                    </a:lnR>
+                    <a:lnT w="12700" cap="flat" cmpd="sng" algn="ctr">
+                      <a:solidFill>
+                        <a:schemeClr val="tx1"/>
+                      </a:solidFill>
+                      <a:prstDash val="solid"/>
+                      <a:round/>
+                      <a:headEnd w="med" len="med"/>
+                      <a:tailEnd w="med" len="med"/>
+                    </a:lnT>
+                    <a:lnB w="12700" cap="flat" cmpd="sng" algn="ctr">
+                      <a:solidFill>
+                        <a:schemeClr val="tx1"/>
+                      </a:solidFill>
+                      <a:prstDash val="solid"/>
+                      <a:round/>
+                      <a:headEnd w="med" len="med"/>
+                      <a:tailEnd w="med" len="med"/>
+                    </a:lnB>
+                    <a:solidFill>
+                      <a:schemeClr val="lt1"/>
+                    </a:solidFill>
+                  </a:tcPr>
+                </a:tc>
+              </a:tr>
+              <a:tr h="515210">
+                <a:tc>
+                  <a:txBody>
+                    <a:bodyPr vert="horz" wrap="square" lIns="91440" tIns="45720" rIns="91440" bIns="45720" anchor="ctr" anchorCtr="1">
+                      <a:spAutoFit/>
+                    </a:bodyPr>
+                    <a:p>
+                      <a:pPr algn="ctr">
+                        <a:defRPr/>
+                      </a:pPr>
+                      <a:r>
+                        <a:rPr lang="en-US" altLang="ko-KR" sz="1100">
+                          <a:solidFill>
+                            <a:schemeClr val="dk1"/>
+                          </a:solidFill>
+                        </a:rPr>
+                        <a:t>3</a:t>
+                      </a:r>
+                      <a:endParaRPr lang="en-US" altLang="ko-KR" sz="1100">
+                        <a:solidFill>
+                          <a:schemeClr val="dk1"/>
+                        </a:solidFill>
+                      </a:endParaRPr>
+                    </a:p>
+                  </a:txBody>
+                  <a:tcPr marL="91440" marR="91440" anchor="ctr" anchorCtr="1">
+                    <a:lnL w="12700" cap="flat" cmpd="sng" algn="ctr">
+                      <a:solidFill>
+                        <a:schemeClr val="tx1"/>
+                      </a:solidFill>
+                      <a:prstDash val="solid"/>
+                      <a:round/>
+                      <a:headEnd w="med" len="med"/>
+                      <a:tailEnd w="med" len="med"/>
+                    </a:lnL>
+                    <a:lnR w="12700" cap="flat" cmpd="sng" algn="ctr">
+                      <a:solidFill>
+                        <a:schemeClr val="tx1"/>
+                      </a:solidFill>
+                      <a:prstDash val="solid"/>
+                      <a:round/>
+                      <a:headEnd w="med" len="med"/>
+                      <a:tailEnd w="med" len="med"/>
+                    </a:lnR>
+                    <a:lnT w="12700" cap="flat" cmpd="sng" algn="ctr">
+                      <a:solidFill>
+                        <a:schemeClr val="tx1"/>
+                      </a:solidFill>
+                      <a:prstDash val="solid"/>
+                      <a:round/>
+                      <a:headEnd w="med" len="med"/>
+                      <a:tailEnd w="med" len="med"/>
+                    </a:lnT>
+                    <a:lnB w="12700" cap="flat" cmpd="sng" algn="ctr">
+                      <a:solidFill>
+                        <a:schemeClr val="tx1"/>
+                      </a:solidFill>
+                      <a:prstDash val="solid"/>
+                      <a:round/>
+                      <a:headEnd w="med" len="med"/>
+                      <a:tailEnd w="med" len="med"/>
+                    </a:lnB>
+                    <a:solidFill>
+                      <a:schemeClr val="lt1"/>
+                    </a:solidFill>
+                  </a:tcPr>
+                </a:tc>
+                <a:tc>
+                  <a:txBody>
+                    <a:bodyPr vert="horz" wrap="square" lIns="91440" tIns="45720" rIns="91440" bIns="45720" anchor="ctr" anchorCtr="1">
+                      <a:spAutoFit/>
+                    </a:bodyPr>
+                    <a:p>
+                      <a:pPr>
+                        <a:defRPr/>
+                      </a:pPr>
+                      <a:r>
+                        <a:rPr lang="ko-KR" altLang="en-US" sz="1100">
+                          <a:solidFill>
+                            <a:schemeClr val="dk1"/>
+                          </a:solidFill>
+                        </a:rPr>
+                        <a:t>주문 상세 내역</a:t>
+                      </a:r>
+                      <a:endParaRPr lang="ko-KR" altLang="en-US" sz="1100">
+                        <a:solidFill>
+                          <a:schemeClr val="dk1"/>
+                        </a:solidFill>
+                      </a:endParaRPr>
+                    </a:p>
+                  </a:txBody>
+                  <a:tcPr marL="91440" marR="91440" anchor="ctr" anchorCtr="1">
+                    <a:lnL w="12700" cap="flat" cmpd="sng" algn="ctr">
+                      <a:solidFill>
+                        <a:schemeClr val="tx1"/>
+                      </a:solidFill>
+                      <a:prstDash val="solid"/>
+                      <a:round/>
+                      <a:headEnd w="med" len="med"/>
+                      <a:tailEnd w="med" len="med"/>
+                    </a:lnL>
+                    <a:lnR w="12700" cap="flat" cmpd="sng" algn="ctr">
+                      <a:solidFill>
+                        <a:schemeClr val="tx1"/>
+                      </a:solidFill>
+                      <a:prstDash val="solid"/>
+                      <a:round/>
+                      <a:headEnd w="med" len="med"/>
+                      <a:tailEnd w="med" len="med"/>
+                    </a:lnR>
+                    <a:lnT w="12700" cap="flat" cmpd="sng" algn="ctr">
+                      <a:solidFill>
+                        <a:schemeClr val="tx1"/>
+                      </a:solidFill>
+                      <a:prstDash val="solid"/>
+                      <a:round/>
+                      <a:headEnd w="med" len="med"/>
+                      <a:tailEnd w="med" len="med"/>
+                    </a:lnT>
+                    <a:lnB w="12700" cap="flat" cmpd="sng" algn="ctr">
+                      <a:solidFill>
+                        <a:schemeClr val="tx1"/>
+                      </a:solidFill>
+                      <a:prstDash val="solid"/>
+                      <a:round/>
+                      <a:headEnd w="med" len="med"/>
+                      <a:tailEnd w="med" len="med"/>
+                    </a:lnB>
+                    <a:solidFill>
+                      <a:schemeClr val="lt1"/>
+                    </a:solidFill>
+                  </a:tcPr>
+                </a:tc>
+              </a:tr>
+              <a:tr h="515210">
+                <a:tc>
+                  <a:txBody>
+                    <a:bodyPr vert="horz" wrap="square" lIns="91440" tIns="45720" rIns="91440" bIns="45720" anchor="ctr" anchorCtr="1">
+                      <a:spAutoFit/>
+                    </a:bodyPr>
+                    <a:p>
+                      <a:pPr algn="ctr">
+                        <a:defRPr/>
+                      </a:pPr>
+                      <a:r>
+                        <a:rPr lang="en-US" altLang="ko-KR" sz="1100">
+                          <a:solidFill>
+                            <a:schemeClr val="dk1"/>
+                          </a:solidFill>
+                        </a:rPr>
+                        <a:t>4</a:t>
+                      </a:r>
+                      <a:endParaRPr lang="en-US" altLang="ko-KR" sz="1100">
+                        <a:solidFill>
+                          <a:schemeClr val="dk1"/>
+                        </a:solidFill>
+                      </a:endParaRPr>
+                    </a:p>
+                  </a:txBody>
+                  <a:tcPr marL="91440" marR="91440" anchor="ctr" anchorCtr="1">
+                    <a:lnL w="12700" cap="flat" cmpd="sng" algn="ctr">
+                      <a:solidFill>
+                        <a:schemeClr val="tx1"/>
+                      </a:solidFill>
+                      <a:prstDash val="solid"/>
+                      <a:round/>
+                      <a:headEnd w="med" len="med"/>
+                      <a:tailEnd w="med" len="med"/>
+                    </a:lnL>
+                    <a:lnR w="12700" cap="flat" cmpd="sng" algn="ctr">
+                      <a:solidFill>
+                        <a:schemeClr val="tx1"/>
+                      </a:solidFill>
+                      <a:prstDash val="solid"/>
+                      <a:round/>
+                      <a:headEnd w="med" len="med"/>
+                      <a:tailEnd w="med" len="med"/>
+                    </a:lnR>
+                    <a:lnT w="12700" cap="flat" cmpd="sng" algn="ctr">
+                      <a:solidFill>
+                        <a:schemeClr val="tx1"/>
+                      </a:solidFill>
+                      <a:prstDash val="solid"/>
+                      <a:round/>
+                      <a:headEnd w="med" len="med"/>
+                      <a:tailEnd w="med" len="med"/>
+                    </a:lnT>
+                    <a:lnB w="12700" cap="flat" cmpd="sng" algn="ctr">
+                      <a:solidFill>
+                        <a:schemeClr val="tx1"/>
+                      </a:solidFill>
+                      <a:prstDash val="solid"/>
+                      <a:round/>
+                      <a:headEnd w="med" len="med"/>
+                      <a:tailEnd w="med" len="med"/>
+                    </a:lnB>
+                    <a:solidFill>
+                      <a:schemeClr val="lt1"/>
+                    </a:solidFill>
+                  </a:tcPr>
+                </a:tc>
+                <a:tc>
+                  <a:txBody>
+                    <a:bodyPr vert="horz" wrap="square" lIns="91440" tIns="45720" rIns="91440" bIns="45720" anchor="ctr" anchorCtr="1">
+                      <a:spAutoFit/>
+                    </a:bodyPr>
+                    <a:p>
+                      <a:pPr>
+                        <a:defRPr/>
+                      </a:pPr>
+                      <a:r>
+                        <a:rPr lang="ko-KR" altLang="en-US" sz="1100">
+                          <a:solidFill>
+                            <a:schemeClr val="dk1"/>
+                          </a:solidFill>
+                        </a:rPr>
+                        <a:t>주문 내역 중 첫번째 상품 이미지</a:t>
+                      </a:r>
+                      <a:endParaRPr lang="ko-KR" altLang="en-US" sz="1100">
+                        <a:solidFill>
+                          <a:schemeClr val="dk1"/>
+                        </a:solidFill>
+                      </a:endParaRPr>
+                    </a:p>
+                  </a:txBody>
+                  <a:tcPr marL="91440" marR="91440" anchor="ctr" anchorCtr="1">
+                    <a:lnL w="12700" cap="flat" cmpd="sng" algn="ctr">
+                      <a:solidFill>
+                        <a:schemeClr val="tx1"/>
+                      </a:solidFill>
+                      <a:prstDash val="solid"/>
+                      <a:round/>
+                      <a:headEnd w="med" len="med"/>
+                      <a:tailEnd w="med" len="med"/>
+                    </a:lnL>
+                    <a:lnR w="12700" cap="flat" cmpd="sng" algn="ctr">
+                      <a:solidFill>
+                        <a:schemeClr val="tx1"/>
+                      </a:solidFill>
+                      <a:prstDash val="solid"/>
+                      <a:round/>
+                      <a:headEnd w="med" len="med"/>
+                      <a:tailEnd w="med" len="med"/>
+                    </a:lnR>
+                    <a:lnT w="12700" cap="flat" cmpd="sng" algn="ctr">
+                      <a:solidFill>
+                        <a:schemeClr val="tx1"/>
+                      </a:solidFill>
+                      <a:prstDash val="solid"/>
+                      <a:round/>
+                      <a:headEnd w="med" len="med"/>
+                      <a:tailEnd w="med" len="med"/>
+                    </a:lnT>
+                    <a:lnB w="12700" cap="flat" cmpd="sng" algn="ctr">
+                      <a:solidFill>
+                        <a:schemeClr val="tx1"/>
+                      </a:solidFill>
+                      <a:prstDash val="solid"/>
+                      <a:round/>
+                      <a:headEnd w="med" len="med"/>
+                      <a:tailEnd w="med" len="med"/>
+                    </a:lnB>
+                    <a:solidFill>
+                      <a:schemeClr val="lt1"/>
+                    </a:solidFill>
+                  </a:tcPr>
+                </a:tc>
+              </a:tr>
+              <a:tr h="515210">
+                <a:tc>
+                  <a:txBody>
+                    <a:bodyPr vert="horz" wrap="square" lIns="91440" tIns="45720" rIns="91440" bIns="45720" anchor="ctr" anchorCtr="1">
+                      <a:spAutoFit/>
+                    </a:bodyPr>
+                    <a:p>
+                      <a:pPr algn="ctr">
+                        <a:defRPr/>
+                      </a:pPr>
+                      <a:endParaRPr lang="en-US" altLang="ko-KR" sz="1100">
+                        <a:solidFill>
+                          <a:schemeClr val="dk1"/>
+                        </a:solidFill>
+                      </a:endParaRPr>
+                    </a:p>
+                  </a:txBody>
+                  <a:tcPr marL="91440" marR="91440" anchor="ctr" anchorCtr="1">
+                    <a:lnL w="12700" cap="flat" cmpd="sng" algn="ctr">
+                      <a:solidFill>
+                        <a:schemeClr val="tx1"/>
+                      </a:solidFill>
+                      <a:prstDash val="solid"/>
+                      <a:round/>
+                      <a:headEnd w="med" len="med"/>
+                      <a:tailEnd w="med" len="med"/>
+                    </a:lnL>
+                    <a:lnR w="12700" cap="flat" cmpd="sng" algn="ctr">
+                      <a:solidFill>
+                        <a:schemeClr val="tx1"/>
+                      </a:solidFill>
+                      <a:prstDash val="solid"/>
+                      <a:round/>
+                      <a:headEnd w="med" len="med"/>
+                      <a:tailEnd w="med" len="med"/>
+                    </a:lnR>
+                    <a:lnT w="12700" cap="flat" cmpd="sng" algn="ctr">
+                      <a:solidFill>
+                        <a:schemeClr val="tx1"/>
+                      </a:solidFill>
+                      <a:prstDash val="solid"/>
+                      <a:round/>
+                      <a:headEnd w="med" len="med"/>
+                      <a:tailEnd w="med" len="med"/>
+                    </a:lnT>
+                    <a:lnB w="12700" cap="flat" cmpd="sng" algn="ctr">
+                      <a:solidFill>
+                        <a:schemeClr val="tx1"/>
+                      </a:solidFill>
+                      <a:prstDash val="solid"/>
+                      <a:round/>
+                      <a:headEnd w="med" len="med"/>
+                      <a:tailEnd w="med" len="med"/>
+                    </a:lnB>
+                    <a:solidFill>
+                      <a:schemeClr val="lt1"/>
+                    </a:solidFill>
+                  </a:tcPr>
+                </a:tc>
+                <a:tc>
+                  <a:txBody>
+                    <a:bodyPr vert="horz" wrap="square" lIns="91440" tIns="45720" rIns="91440" bIns="45720" anchor="ctr" anchorCtr="1">
+                      <a:spAutoFit/>
+                    </a:bodyPr>
+                    <a:p>
+                      <a:pPr>
+                        <a:defRPr/>
+                      </a:pPr>
+                      <a:endParaRPr lang="ko-KR" altLang="en-US" sz="1100">
+                        <a:solidFill>
+                          <a:schemeClr val="dk1"/>
+                        </a:solidFill>
+                      </a:endParaRPr>
+                    </a:p>
+                  </a:txBody>
+                  <a:tcPr marL="91440" marR="91440" anchor="ctr" anchorCtr="1">
+                    <a:lnL w="12700" cap="flat" cmpd="sng" algn="ctr">
+                      <a:solidFill>
+                        <a:schemeClr val="tx1"/>
+                      </a:solidFill>
+                      <a:prstDash val="solid"/>
+                      <a:round/>
+                      <a:headEnd w="med" len="med"/>
+                      <a:tailEnd w="med" len="med"/>
+                    </a:lnL>
+                    <a:lnR w="12700" cap="flat" cmpd="sng" algn="ctr">
+                      <a:solidFill>
+                        <a:schemeClr val="tx1"/>
+                      </a:solidFill>
+                      <a:prstDash val="solid"/>
+                      <a:round/>
+                      <a:headEnd w="med" len="med"/>
+                      <a:tailEnd w="med" len="med"/>
+                    </a:lnR>
+                    <a:lnT w="12700" cap="flat" cmpd="sng" algn="ctr">
+                      <a:solidFill>
+                        <a:schemeClr val="tx1"/>
+                      </a:solidFill>
+                      <a:prstDash val="solid"/>
+                      <a:round/>
+                      <a:headEnd w="med" len="med"/>
+                      <a:tailEnd w="med" len="med"/>
+                    </a:lnT>
+                    <a:lnB w="12700" cap="flat" cmpd="sng" algn="ctr">
+                      <a:solidFill>
+                        <a:schemeClr val="tx1"/>
+                      </a:solidFill>
+                      <a:prstDash val="solid"/>
+                      <a:round/>
+                      <a:headEnd w="med" len="med"/>
+                      <a:tailEnd w="med" len="med"/>
+                    </a:lnB>
+                    <a:solidFill>
+                      <a:schemeClr val="lt1"/>
+                    </a:solidFill>
+                  </a:tcPr>
+                </a:tc>
+              </a:tr>
+            </a:tbl>
+          </a:graphicData>
+        </a:graphic>
+      </p:graphicFrame>
+      <p:sp>
+        <p:nvSpPr>
+          <p:cNvPr id="287" name="Shape 434"/>
+          <p:cNvSpPr/>
+          <p:nvPr/>
+        </p:nvSpPr>
+        <p:spPr>
+          <a:xfrm>
+            <a:off x="1881887" y="1123603"/>
+            <a:ext cx="2908790" cy="5152103"/>
+          </a:xfrm>
+          <a:prstGeom prst="rect">
+            <a:avLst/>
+          </a:prstGeom>
+          <a:ln>
+            <a:solidFill>
+              <a:srgbClr val="000000">
+                <a:alpha val="100000"/>
+              </a:srgbClr>
+            </a:solidFill>
+          </a:ln>
+        </p:spPr>
+        <p:txBody>
+          <a:bodyPr lIns="45324" tIns="45324" rIns="45324" bIns="45324"/>
+          <a:p>
+            <a:pPr marL="0" indent="0" algn="ctr" defTabSz="906145" rtl="0" eaLnBrk="1" latinLnBrk="0" hangingPunct="0">
+              <a:lnSpc>
+                <a:spcPct val="120000"/>
+              </a:lnSpc>
+              <a:spcBef>
+                <a:spcPct val="0"/>
+              </a:spcBef>
+              <a:spcAft>
+                <a:spcPts val="0"/>
+              </a:spcAft>
+              <a:buNone/>
+              <a:defRPr sz="700" b="1">
+                <a:latin typeface="Wingdings"/>
+                <a:ea typeface="Wingdings"/>
+                <a:cs typeface="Wingdings"/>
+                <a:sym typeface="Wingdings"/>
+              </a:defRPr>
+            </a:pPr>
+            <a:endParaRPr xmlns:mc="http://schemas.openxmlformats.org/markup-compatibility/2006" xmlns:hp="http://schemas.haansoft.com/office/presentation/8.0" kumimoji="0" sz="700" b="1" i="0" u="none" strike="noStrike" kern="0" cap="none" spc="0" normalizeH="0" baseline="0" mc:Ignorable="hp" hp:hslEmbossed="0">
+              <a:solidFill>
+                <a:srgbClr val="000000"/>
+              </a:solidFill>
+              <a:latin typeface="맑은 고딕"/>
+              <a:ea typeface="맑은 고딕"/>
+              <a:cs typeface="맑은 고딕"/>
+              <a:sym typeface="맑은 고딕"/>
+            </a:endParaRPr>
+          </a:p>
+        </p:txBody>
+      </p:sp>
+      <p:sp>
+        <p:nvSpPr>
+          <p:cNvPr id="288" name="타원 50"/>
+          <p:cNvSpPr/>
+          <p:nvPr/>
+        </p:nvSpPr>
+        <p:spPr>
+          <a:xfrm>
+            <a:off x="2715106" y="1268760"/>
+            <a:ext cx="1239708" cy="628317"/>
+          </a:xfrm>
+          <a:prstGeom prst="ellipse">
+            <a:avLst/>
+          </a:prstGeom>
+          <a:noFill/>
+          <a:ln w="3175" cap="flat" cmpd="sng" algn="ctr">
+            <a:solidFill>
+              <a:srgbClr val="bfbfbf">
+                <a:alpha val="100000"/>
+              </a:srgbClr>
+            </a:solidFill>
+            <a:prstDash val="solid"/>
+          </a:ln>
+        </p:spPr>
+        <p:txBody>
+          <a:bodyPr anchor="ctr"/>
+          <a:p>
+            <a:pPr marL="0" indent="0" algn="ctr" defTabSz="914400" rtl="0" eaLnBrk="1" latinLnBrk="1" hangingPunct="1">
+              <a:lnSpc>
+                <a:spcPct val="100000"/>
+              </a:lnSpc>
+              <a:spcBef>
+                <a:spcPct val="0"/>
+              </a:spcBef>
+              <a:spcAft>
+                <a:spcPts val="0"/>
+              </a:spcAft>
+              <a:buNone/>
+              <a:defRPr/>
+            </a:pPr>
+            <a:r>
+              <a:rPr xmlns:mc="http://schemas.openxmlformats.org/markup-compatibility/2006" xmlns:hp="http://schemas.haansoft.com/office/presentation/8.0" kumimoji="0" lang="ko-KR" altLang="en-US" sz="900" b="0" i="0" u="none" strike="noStrike" kern="1200" cap="none" spc="0" normalizeH="0" baseline="0" mc:Ignorable="hp" hp:hslEmbossed="0">
+                <a:solidFill>
+                  <a:srgbClr val="000000"/>
+                </a:solidFill>
+                <a:latin typeface="Calibri"/>
+                <a:ea typeface="맑은 고딕"/>
+                <a:cs typeface="맑은 고딕"/>
+              </a:rPr>
+              <a:t>로고</a:t>
+            </a:r>
+            <a:endParaRPr xmlns:mc="http://schemas.openxmlformats.org/markup-compatibility/2006" xmlns:hp="http://schemas.haansoft.com/office/presentation/8.0" kumimoji="0" lang="ko-KR" altLang="en-US" sz="900" b="0" i="0" u="none" strike="noStrike" kern="1200" cap="none" spc="0" normalizeH="0" baseline="0" mc:Ignorable="hp" hp:hslEmbossed="0">
+              <a:solidFill>
+                <a:srgbClr val="000000"/>
+              </a:solidFill>
+              <a:latin typeface="Calibri"/>
+              <a:ea typeface="맑은 고딕"/>
+              <a:cs typeface="맑은 고딕"/>
+            </a:endParaRPr>
+          </a:p>
+        </p:txBody>
+      </p:sp>
+      <p:sp>
+        <p:nvSpPr>
+          <p:cNvPr id="291" name=""/>
+          <p:cNvSpPr/>
+          <p:nvPr/>
+        </p:nvSpPr>
+        <p:spPr>
+          <a:xfrm>
+            <a:off x="1892449" y="5825449"/>
+            <a:ext cx="2898228" cy="450256"/>
+          </a:xfrm>
+          <a:prstGeom prst="rect">
+            <a:avLst/>
+          </a:prstGeom>
+          <a:solidFill>
+            <a:srgbClr val="ffffff">
+              <a:alpha val="100000"/>
+            </a:srgbClr>
+          </a:solidFill>
+          <a:ln w="19050" cap="flat" cmpd="sng" algn="ctr">
+            <a:solidFill>
+              <a:srgbClr val="9be5c8">
                 <a:alpha val="100000"/>
               </a:srgbClr>
             </a:solidFill>
@@ -10138,22 +12542,849 @@
           </a:p>
         </p:txBody>
       </p:sp>
-      <p:sp>
-        <p:nvSpPr>
-          <p:cNvPr id="303" name=""/>
+      <p:graphicFrame>
+        <p:nvGraphicFramePr>
+          <p:cNvPr id="292" name=""/>
+          <p:cNvGraphicFramePr>
+            <a:graphicFrameLocks noGrp="1"/>
+          </p:cNvGraphicFramePr>
+          <p:nvPr/>
+        </p:nvGraphicFramePr>
+        <p:xfrm>
+          <a:off x="1881886" y="5825450"/>
+          <a:ext cx="2907396" cy="450256"/>
+        </p:xfrm>
+        <a:graphic>
+          <a:graphicData uri="http://schemas.openxmlformats.org/drawingml/2006/table">
+            <a:tbl>
+              <a:tblPr firstRow="1" bandRow="1">
+                <a:tableStyleId>{01A66EDD-3DAB-4C5B-A090-DC80EC1FD486}</a:tableStyleId>
+              </a:tblPr>
+              <a:tblGrid>
+                <a:gridCol w="727197"/>
+                <a:gridCol w="725805"/>
+                <a:gridCol w="727197"/>
+                <a:gridCol w="727197"/>
+              </a:tblGrid>
+              <a:tr h="450256">
+                <a:tc>
+                  <a:txBody>
+                    <a:bodyPr vert="horz" wrap="square" lIns="91440" tIns="45720" rIns="91440" bIns="45720" anchor="t" anchorCtr="0">
+                      <a:spAutoFit/>
+                    </a:bodyPr>
+                    <a:p>
+                      <a:pPr marL="0" algn="ctr" defTabSz="914400" rtl="0" eaLnBrk="1" latinLnBrk="1" hangingPunct="1">
+                        <a:buNone/>
+                        <a:defRPr/>
+                      </a:pPr>
+                      <a:r>
+                        <a:rPr xmlns:mc="http://schemas.openxmlformats.org/markup-compatibility/2006" xmlns:hp="http://schemas.haansoft.com/office/presentation/8.0" kumimoji="0" lang="ko-KR" altLang="en-US" sz="1800" b="1" i="0" u="none" strike="noStrike" kern="1200" cap="none" normalizeH="0" baseline="0" mc:Ignorable="hp" hp:hslEmbossed="0">
+                          <a:ln w="9525">
+                            <a:solidFill>
+                              <a:srgbClr val="ffffff"/>
+                            </a:solidFill>
+                          </a:ln>
+                          <a:solidFill>
+                            <a:srgbClr val="000000"/>
+                          </a:solidFill>
+                          <a:latin typeface="Calibri"/>
+                          <a:ea typeface="맑은 고딕"/>
+                          <a:cs typeface="맑은 고딕"/>
+                        </a:rPr>
+                        <a:t>홈</a:t>
+                      </a:r>
+                      <a:endParaRPr xmlns:mc="http://schemas.openxmlformats.org/markup-compatibility/2006" xmlns:hp="http://schemas.haansoft.com/office/presentation/8.0" kumimoji="0" lang="en-US" altLang="ko-KR" sz="1800" b="1" i="0" u="none" strike="noStrike" kern="1200" cap="none" normalizeH="0" baseline="0" mc:Ignorable="hp" hp:hslEmbossed="0">
+                        <a:ln w="9525">
+                          <a:solidFill>
+                            <a:srgbClr val="ffffff"/>
+                          </a:solidFill>
+                        </a:ln>
+                        <a:solidFill>
+                          <a:srgbClr val="000000"/>
+                        </a:solidFill>
+                        <a:latin typeface="Calibri"/>
+                        <a:ea typeface="맑은 고딕"/>
+                        <a:cs typeface="Calibri"/>
+                      </a:endParaRPr>
+                    </a:p>
+                  </a:txBody>
+                  <a:tcPr marL="91440" marR="91440">
+                    <a:lnL w="25400" cap="flat" cmpd="sng" algn="ctr">
+                      <a:solidFill>
+                        <a:srgbClr val="69d8ad">
+                          <a:alpha val="100000"/>
+                        </a:srgbClr>
+                      </a:solidFill>
+                      <a:prstDash val="solid"/>
+                      <a:round/>
+                      <a:headEnd w="med" len="med"/>
+                      <a:tailEnd w="med" len="med"/>
+                    </a:lnL>
+                    <a:lnR w="25400" cap="flat" cmpd="sng" algn="ctr">
+                      <a:solidFill>
+                        <a:srgbClr val="69d8ad">
+                          <a:alpha val="100000"/>
+                        </a:srgbClr>
+                      </a:solidFill>
+                      <a:prstDash val="solid"/>
+                      <a:round/>
+                      <a:headEnd w="med" len="med"/>
+                      <a:tailEnd w="med" len="med"/>
+                    </a:lnR>
+                    <a:lnT w="25400" cap="flat" cmpd="sng" algn="ctr">
+                      <a:solidFill>
+                        <a:srgbClr val="69d8ad">
+                          <a:alpha val="100000"/>
+                        </a:srgbClr>
+                      </a:solidFill>
+                      <a:prstDash val="solid"/>
+                      <a:round/>
+                      <a:headEnd w="med" len="med"/>
+                      <a:tailEnd w="med" len="med"/>
+                    </a:lnT>
+                    <a:lnB w="25400" cap="flat" cmpd="sng" algn="ctr">
+                      <a:solidFill>
+                        <a:srgbClr val="69d8ad">
+                          <a:alpha val="100000"/>
+                        </a:srgbClr>
+                      </a:solidFill>
+                      <a:prstDash val="solid"/>
+                      <a:round/>
+                      <a:headEnd w="med" len="med"/>
+                      <a:tailEnd w="med" len="med"/>
+                    </a:lnB>
+                    <a:solidFill>
+                      <a:srgbClr val="ffffff">
+                        <a:alpha val="100000"/>
+                      </a:srgbClr>
+                    </a:solidFill>
+                  </a:tcPr>
+                </a:tc>
+                <a:tc>
+                  <a:txBody>
+                    <a:bodyPr vert="horz" wrap="square" lIns="91440" tIns="45720" rIns="91440" bIns="45720" anchor="t" anchorCtr="0">
+                      <a:spAutoFit/>
+                    </a:bodyPr>
+                    <a:p>
+                      <a:pPr marL="0" algn="ctr" defTabSz="914400" rtl="0" eaLnBrk="1" latinLnBrk="1" hangingPunct="1">
+                        <a:buNone/>
+                        <a:defRPr/>
+                      </a:pPr>
+                      <a:r>
+                        <a:rPr xmlns:mc="http://schemas.openxmlformats.org/markup-compatibility/2006" xmlns:hp="http://schemas.haansoft.com/office/presentation/8.0" kumimoji="0" lang="ko-KR" altLang="en-US" sz="1800" b="1" i="0" u="none" strike="noStrike" kern="1200" cap="none" normalizeH="0" baseline="0" mc:Ignorable="hp" hp:hslEmbossed="0">
+                          <a:ln w="9525">
+                            <a:solidFill>
+                              <a:srgbClr val="ffffff"/>
+                            </a:solidFill>
+                          </a:ln>
+                          <a:solidFill>
+                            <a:srgbClr val="000000"/>
+                          </a:solidFill>
+                          <a:latin typeface="Calibri"/>
+                          <a:ea typeface="맑은 고딕"/>
+                          <a:cs typeface="맑은 고딕"/>
+                        </a:rPr>
+                        <a:t>상품</a:t>
+                      </a:r>
+                      <a:endParaRPr xmlns:mc="http://schemas.openxmlformats.org/markup-compatibility/2006" xmlns:hp="http://schemas.haansoft.com/office/presentation/8.0" kumimoji="0" lang="ko-KR" altLang="en-US" sz="1800" b="1" i="0" u="none" strike="noStrike" kern="1200" cap="none" normalizeH="0" baseline="0" mc:Ignorable="hp" hp:hslEmbossed="0">
+                        <a:ln w="9525">
+                          <a:solidFill>
+                            <a:srgbClr val="ffffff"/>
+                          </a:solidFill>
+                        </a:ln>
+                        <a:solidFill>
+                          <a:srgbClr val="000000"/>
+                        </a:solidFill>
+                        <a:latin typeface="Calibri"/>
+                        <a:ea typeface="맑은 고딕"/>
+                        <a:cs typeface="맑은 고딕"/>
+                      </a:endParaRPr>
+                    </a:p>
+                  </a:txBody>
+                  <a:tcPr marL="91440" marR="91440">
+                    <a:lnL w="25400" cap="flat" cmpd="sng" algn="ctr">
+                      <a:solidFill>
+                        <a:srgbClr val="69d8ad">
+                          <a:alpha val="100000"/>
+                        </a:srgbClr>
+                      </a:solidFill>
+                      <a:prstDash val="solid"/>
+                      <a:round/>
+                      <a:headEnd w="med" len="med"/>
+                      <a:tailEnd w="med" len="med"/>
+                    </a:lnL>
+                    <a:lnR w="25400" cap="flat" cmpd="sng" algn="ctr">
+                      <a:solidFill>
+                        <a:srgbClr val="69d8ad">
+                          <a:alpha val="100000"/>
+                        </a:srgbClr>
+                      </a:solidFill>
+                      <a:prstDash val="solid"/>
+                      <a:round/>
+                      <a:headEnd w="med" len="med"/>
+                      <a:tailEnd w="med" len="med"/>
+                    </a:lnR>
+                    <a:lnT w="25400" cap="flat" cmpd="sng" algn="ctr">
+                      <a:solidFill>
+                        <a:srgbClr val="69d8ad">
+                          <a:alpha val="100000"/>
+                        </a:srgbClr>
+                      </a:solidFill>
+                      <a:prstDash val="solid"/>
+                      <a:round/>
+                      <a:headEnd w="med" len="med"/>
+                      <a:tailEnd w="med" len="med"/>
+                    </a:lnT>
+                    <a:lnB w="25400" cap="flat" cmpd="sng" algn="ctr">
+                      <a:solidFill>
+                        <a:srgbClr val="69d8ad">
+                          <a:alpha val="100000"/>
+                        </a:srgbClr>
+                      </a:solidFill>
+                      <a:prstDash val="solid"/>
+                      <a:round/>
+                      <a:headEnd w="med" len="med"/>
+                      <a:tailEnd w="med" len="med"/>
+                    </a:lnB>
+                    <a:solidFill>
+                      <a:srgbClr val="ffffff">
+                        <a:alpha val="100000"/>
+                      </a:srgbClr>
+                    </a:solidFill>
+                  </a:tcPr>
+                </a:tc>
+                <a:tc>
+                  <a:txBody>
+                    <a:bodyPr vert="horz" wrap="square" lIns="91440" tIns="45720" rIns="91440" bIns="45720" anchor="t" anchorCtr="0">
+                      <a:spAutoFit/>
+                    </a:bodyPr>
+                    <a:p>
+                      <a:pPr marL="0" algn="ctr" defTabSz="914400" rtl="0" eaLnBrk="1" latinLnBrk="1" hangingPunct="1">
+                        <a:buNone/>
+                        <a:defRPr/>
+                      </a:pPr>
+                      <a:r>
+                        <a:rPr xmlns:mc="http://schemas.openxmlformats.org/markup-compatibility/2006" xmlns:hp="http://schemas.haansoft.com/office/presentation/8.0" kumimoji="0" lang="ko-KR" altLang="en-US" sz="1800" b="1" i="0" u="none" strike="noStrike" kern="1200" cap="none" normalizeH="0" baseline="0" mc:Ignorable="hp" hp:hslEmbossed="0">
+                          <a:ln w="9525">
+                            <a:solidFill>
+                              <a:srgbClr val="ffffff"/>
+                            </a:solidFill>
+                          </a:ln>
+                          <a:solidFill>
+                            <a:srgbClr val="000000"/>
+                          </a:solidFill>
+                          <a:latin typeface="Calibri"/>
+                          <a:ea typeface="맑은 고딕"/>
+                          <a:cs typeface="맑은 고딕"/>
+                        </a:rPr>
+                        <a:t>검색</a:t>
+                      </a:r>
+                      <a:endParaRPr xmlns:mc="http://schemas.openxmlformats.org/markup-compatibility/2006" xmlns:hp="http://schemas.haansoft.com/office/presentation/8.0" kumimoji="0" lang="ko-KR" altLang="en-US" sz="1800" b="1" i="0" u="none" strike="noStrike" kern="1200" cap="none" normalizeH="0" baseline="0" mc:Ignorable="hp" hp:hslEmbossed="0">
+                        <a:ln w="9525">
+                          <a:solidFill>
+                            <a:srgbClr val="ffffff"/>
+                          </a:solidFill>
+                        </a:ln>
+                        <a:solidFill>
+                          <a:srgbClr val="000000"/>
+                        </a:solidFill>
+                        <a:latin typeface="Calibri"/>
+                        <a:ea typeface="맑은 고딕"/>
+                        <a:cs typeface="맑은 고딕"/>
+                      </a:endParaRPr>
+                    </a:p>
+                  </a:txBody>
+                  <a:tcPr marL="91440" marR="91440">
+                    <a:lnL w="25400" cap="flat" cmpd="sng" algn="ctr">
+                      <a:solidFill>
+                        <a:srgbClr val="69d8ad">
+                          <a:alpha val="100000"/>
+                        </a:srgbClr>
+                      </a:solidFill>
+                      <a:prstDash val="solid"/>
+                      <a:round/>
+                      <a:headEnd w="med" len="med"/>
+                      <a:tailEnd w="med" len="med"/>
+                    </a:lnL>
+                    <a:lnR w="25400" cap="flat" cmpd="sng" algn="ctr">
+                      <a:solidFill>
+                        <a:srgbClr val="69d8ad">
+                          <a:alpha val="100000"/>
+                        </a:srgbClr>
+                      </a:solidFill>
+                      <a:prstDash val="solid"/>
+                      <a:round/>
+                      <a:headEnd w="med" len="med"/>
+                      <a:tailEnd w="med" len="med"/>
+                    </a:lnR>
+                    <a:lnT w="25400" cap="flat" cmpd="sng" algn="ctr">
+                      <a:solidFill>
+                        <a:srgbClr val="69d8ad">
+                          <a:alpha val="100000"/>
+                        </a:srgbClr>
+                      </a:solidFill>
+                      <a:prstDash val="solid"/>
+                      <a:round/>
+                      <a:headEnd w="med" len="med"/>
+                      <a:tailEnd w="med" len="med"/>
+                    </a:lnT>
+                    <a:lnB w="25400" cap="flat" cmpd="sng" algn="ctr">
+                      <a:solidFill>
+                        <a:srgbClr val="69d8ad">
+                          <a:alpha val="100000"/>
+                        </a:srgbClr>
+                      </a:solidFill>
+                      <a:prstDash val="solid"/>
+                      <a:round/>
+                      <a:headEnd w="med" len="med"/>
+                      <a:tailEnd w="med" len="med"/>
+                    </a:lnB>
+                    <a:solidFill>
+                      <a:srgbClr val="ffffff">
+                        <a:alpha val="100000"/>
+                      </a:srgbClr>
+                    </a:solidFill>
+                  </a:tcPr>
+                </a:tc>
+                <a:tc>
+                  <a:txBody>
+                    <a:bodyPr vert="horz" wrap="square" lIns="91440" tIns="45720" rIns="91440" bIns="45720" anchor="t" anchorCtr="0">
+                      <a:spAutoFit/>
+                    </a:bodyPr>
+                    <a:p>
+                      <a:pPr marL="0" algn="ctr" defTabSz="914400" rtl="0" eaLnBrk="1" latinLnBrk="1" hangingPunct="1">
+                        <a:buNone/>
+                        <a:defRPr/>
+                      </a:pPr>
+                      <a:r>
+                        <a:rPr xmlns:mc="http://schemas.openxmlformats.org/markup-compatibility/2006" xmlns:hp="http://schemas.haansoft.com/office/presentation/8.0" kumimoji="0" lang="ko-KR" altLang="en-US" sz="1800" b="1" i="0" u="none" strike="noStrike" kern="1200" cap="none" normalizeH="0" baseline="0" mc:Ignorable="hp" hp:hslEmbossed="0">
+                          <a:ln w="9525">
+                            <a:solidFill>
+                              <a:srgbClr val="ffffff"/>
+                            </a:solidFill>
+                          </a:ln>
+                          <a:solidFill>
+                            <a:srgbClr val="000000"/>
+                          </a:solidFill>
+                          <a:latin typeface="Calibri"/>
+                          <a:ea typeface="맑은 고딕"/>
+                          <a:cs typeface="맑은 고딕"/>
+                        </a:rPr>
+                        <a:t>마이</a:t>
+                      </a:r>
+                      <a:endParaRPr xmlns:mc="http://schemas.openxmlformats.org/markup-compatibility/2006" xmlns:hp="http://schemas.haansoft.com/office/presentation/8.0" kumimoji="0" lang="ko-KR" altLang="en-US" sz="1800" b="1" i="0" u="none" strike="noStrike" kern="1200" cap="none" normalizeH="0" baseline="0" mc:Ignorable="hp" hp:hslEmbossed="0">
+                        <a:ln w="9525">
+                          <a:solidFill>
+                            <a:srgbClr val="ffffff"/>
+                          </a:solidFill>
+                        </a:ln>
+                        <a:solidFill>
+                          <a:srgbClr val="000000"/>
+                        </a:solidFill>
+                        <a:latin typeface="Calibri"/>
+                        <a:ea typeface="맑은 고딕"/>
+                        <a:cs typeface="맑은 고딕"/>
+                      </a:endParaRPr>
+                    </a:p>
+                  </a:txBody>
+                  <a:tcPr marL="91440" marR="91440">
+                    <a:lnL w="25400" cap="flat" cmpd="sng" algn="ctr">
+                      <a:solidFill>
+                        <a:srgbClr val="69d8ad">
+                          <a:alpha val="100000"/>
+                        </a:srgbClr>
+                      </a:solidFill>
+                      <a:prstDash val="solid"/>
+                      <a:round/>
+                      <a:headEnd w="med" len="med"/>
+                      <a:tailEnd w="med" len="med"/>
+                    </a:lnL>
+                    <a:lnR w="25400" cap="flat" cmpd="sng" algn="ctr">
+                      <a:solidFill>
+                        <a:srgbClr val="69d8ad">
+                          <a:alpha val="100000"/>
+                        </a:srgbClr>
+                      </a:solidFill>
+                      <a:prstDash val="solid"/>
+                      <a:round/>
+                      <a:headEnd w="med" len="med"/>
+                      <a:tailEnd w="med" len="med"/>
+                    </a:lnR>
+                    <a:lnT w="25400" cap="flat" cmpd="sng" algn="ctr">
+                      <a:solidFill>
+                        <a:srgbClr val="69d8ad">
+                          <a:alpha val="100000"/>
+                        </a:srgbClr>
+                      </a:solidFill>
+                      <a:prstDash val="solid"/>
+                      <a:round/>
+                      <a:headEnd w="med" len="med"/>
+                      <a:tailEnd w="med" len="med"/>
+                    </a:lnT>
+                    <a:lnB w="25400" cap="flat" cmpd="sng" algn="ctr">
+                      <a:solidFill>
+                        <a:srgbClr val="69d8ad">
+                          <a:alpha val="100000"/>
+                        </a:srgbClr>
+                      </a:solidFill>
+                      <a:prstDash val="solid"/>
+                      <a:round/>
+                      <a:headEnd w="med" len="med"/>
+                      <a:tailEnd w="med" len="med"/>
+                    </a:lnB>
+                    <a:solidFill>
+                      <a:srgbClr val="ffffff">
+                        <a:alpha val="100000"/>
+                      </a:srgbClr>
+                    </a:solidFill>
+                  </a:tcPr>
+                </a:tc>
+              </a:tr>
+            </a:tbl>
+          </a:graphicData>
+        </a:graphic>
+      </p:graphicFrame>
+      <p:sp>
+        <p:nvSpPr>
+          <p:cNvPr id="297" name="타원 83"/>
           <p:cNvSpPr/>
           <p:nvPr/>
         </p:nvSpPr>
         <p:spPr>
           <a:xfrm>
-            <a:off x="3330302" y="2022747"/>
-            <a:ext cx="720090" cy="661478"/>
+            <a:off x="1810448" y="5825449"/>
+            <a:ext cx="142876" cy="142876"/>
+          </a:xfrm>
+          <a:prstGeom prst="ellipse">
+            <a:avLst/>
+          </a:prstGeom>
+          <a:solidFill>
+            <a:srgbClr val="fce700">
+              <a:alpha val="100000"/>
+            </a:srgbClr>
+          </a:solidFill>
+          <a:ln w="19050" cap="flat" cmpd="sng" algn="ctr">
+            <a:noFill/>
+            <a:prstDash val="solid"/>
+          </a:ln>
+        </p:spPr>
+        <p:txBody>
+          <a:bodyPr lIns="0" tIns="0" rIns="0" bIns="0" anchor="ctr"/>
+          <a:p>
+            <a:pPr marL="0" indent="0" algn="ctr" defTabSz="914400" rtl="0" eaLnBrk="1" latinLnBrk="1" hangingPunct="1">
+              <a:lnSpc>
+                <a:spcPct val="100000"/>
+              </a:lnSpc>
+              <a:spcBef>
+                <a:spcPct val="0"/>
+              </a:spcBef>
+              <a:spcAft>
+                <a:spcPts val="0"/>
+              </a:spcAft>
+              <a:buNone/>
+              <a:defRPr/>
+            </a:pPr>
+            <a:r>
+              <a:rPr xmlns:mc="http://schemas.openxmlformats.org/markup-compatibility/2006" xmlns:hp="http://schemas.haansoft.com/office/presentation/8.0" kumimoji="0" lang="en-US" altLang="ko-KR" sz="900" b="1" i="0" u="none" strike="noStrike" kern="1200" cap="none" spc="0" normalizeH="0" baseline="0" mc:Ignorable="hp" hp:hslEmbossed="0">
+                <a:solidFill>
+                  <a:srgbClr val="663300"/>
+                </a:solidFill>
+                <a:latin typeface="Calibri"/>
+                <a:ea typeface="맑은 고딕"/>
+                <a:cs typeface="Calibri"/>
+              </a:rPr>
+              <a:t>5</a:t>
+            </a:r>
+            <a:endParaRPr xmlns:mc="http://schemas.openxmlformats.org/markup-compatibility/2006" xmlns:hp="http://schemas.haansoft.com/office/presentation/8.0" kumimoji="0" lang="en-US" altLang="ko-KR" sz="900" b="1" i="0" u="none" strike="noStrike" kern="1200" cap="none" spc="0" normalizeH="0" baseline="0" mc:Ignorable="hp" hp:hslEmbossed="0">
+              <a:solidFill>
+                <a:srgbClr val="663300"/>
+              </a:solidFill>
+              <a:latin typeface="Calibri"/>
+              <a:ea typeface="맑은 고딕"/>
+              <a:cs typeface="Calibri"/>
+            </a:endParaRPr>
+          </a:p>
+        </p:txBody>
+      </p:sp>
+      <p:sp>
+        <p:nvSpPr>
+          <p:cNvPr id="298" name=""/>
+          <p:cNvSpPr/>
+          <p:nvPr/>
+        </p:nvSpPr>
+        <p:spPr>
+          <a:xfrm>
+            <a:off x="1881886" y="2022748"/>
+            <a:ext cx="2896833" cy="3802701"/>
           </a:xfrm>
           <a:prstGeom prst="rect">
             <a:avLst/>
           </a:prstGeom>
           <a:solidFill>
-            <a:srgbClr val="6182d6">
+            <a:schemeClr val="lt1"/>
+          </a:solidFill>
+        </p:spPr>
+        <p:style>
+          <a:lnRef idx="2">
+            <a:schemeClr val="accent1">
+              <a:shade val="20000"/>
+            </a:schemeClr>
+          </a:lnRef>
+          <a:fillRef idx="1">
+            <a:schemeClr val="accent1"/>
+          </a:fillRef>
+          <a:effectRef idx="0">
+            <a:schemeClr val="accent1"/>
+          </a:effectRef>
+          <a:fontRef idx="minor">
+            <a:schemeClr val="lt1"/>
+          </a:fontRef>
+        </p:style>
+        <p:txBody>
+          <a:bodyPr anchor="ctr"/>
+          <a:p>
+            <a:pPr algn="ctr">
+              <a:defRPr/>
+            </a:pPr>
+            <a:endParaRPr lang="ko-KR" altLang="en-US"/>
+          </a:p>
+        </p:txBody>
+      </p:sp>
+      <p:sp>
+        <p:nvSpPr>
+          <p:cNvPr id="312" name=""/>
+          <p:cNvSpPr/>
+          <p:nvPr/>
+        </p:nvSpPr>
+        <p:spPr>
+          <a:xfrm>
+            <a:off x="1892449" y="2022748"/>
+            <a:ext cx="2886270" cy="387887"/>
+          </a:xfrm>
+          <a:prstGeom prst="rect">
+            <a:avLst/>
+          </a:prstGeom>
+          <a:solidFill>
+            <a:schemeClr val="lt1"/>
+          </a:solidFill>
+        </p:spPr>
+        <p:style>
+          <a:lnRef idx="2">
+            <a:schemeClr val="accent1">
+              <a:shade val="20000"/>
+            </a:schemeClr>
+          </a:lnRef>
+          <a:fillRef idx="1">
+            <a:schemeClr val="accent1"/>
+          </a:fillRef>
+          <a:effectRef idx="0">
+            <a:schemeClr val="accent1"/>
+          </a:effectRef>
+          <a:fontRef idx="minor">
+            <a:schemeClr val="lt1"/>
+          </a:fontRef>
+        </p:style>
+        <p:txBody>
+          <a:bodyPr anchor="ctr"/>
+          <a:p>
+            <a:pPr algn="ctr">
+              <a:defRPr/>
+            </a:pPr>
+            <a:r>
+              <a:rPr lang="ko-KR" altLang="en-US" sz="1300">
+                <a:solidFill>
+                  <a:schemeClr val="dk1"/>
+                </a:solidFill>
+              </a:rPr>
+              <a:t>주문내역</a:t>
+            </a:r>
+            <a:endParaRPr lang="ko-KR" altLang="en-US" sz="1300">
+              <a:solidFill>
+                <a:schemeClr val="dk1"/>
+              </a:solidFill>
+            </a:endParaRPr>
+          </a:p>
+        </p:txBody>
+      </p:sp>
+      <p:sp>
+        <p:nvSpPr>
+          <p:cNvPr id="313" name=""/>
+          <p:cNvSpPr/>
+          <p:nvPr/>
+        </p:nvSpPr>
+        <p:spPr>
+          <a:xfrm>
+            <a:off x="1881887" y="2775422"/>
+            <a:ext cx="2896832" cy="1148675"/>
+          </a:xfrm>
+          <a:prstGeom prst="rect">
+            <a:avLst/>
+          </a:prstGeom>
+          <a:solidFill>
+            <a:schemeClr val="lt1"/>
+          </a:solidFill>
+        </p:spPr>
+        <p:style>
+          <a:lnRef idx="2">
+            <a:schemeClr val="accent1">
+              <a:shade val="20000"/>
+            </a:schemeClr>
+          </a:lnRef>
+          <a:fillRef idx="1">
+            <a:schemeClr val="accent1"/>
+          </a:fillRef>
+          <a:effectRef idx="0">
+            <a:schemeClr val="accent1"/>
+          </a:effectRef>
+          <a:fontRef idx="minor">
+            <a:schemeClr val="lt1"/>
+          </a:fontRef>
+        </p:style>
+        <p:txBody>
+          <a:bodyPr anchor="ctr"/>
+          <a:p>
+            <a:pPr algn="ctr">
+              <a:defRPr/>
+            </a:pPr>
+            <a:endParaRPr lang="ko-KR" altLang="en-US"/>
+          </a:p>
+        </p:txBody>
+      </p:sp>
+      <p:sp>
+        <p:nvSpPr>
+          <p:cNvPr id="314" name=""/>
+          <p:cNvSpPr/>
+          <p:nvPr/>
+        </p:nvSpPr>
+        <p:spPr>
+          <a:xfrm>
+            <a:off x="1953324" y="2937550"/>
+            <a:ext cx="982920" cy="762104"/>
+          </a:xfrm>
+          <a:prstGeom prst="rect">
+            <a:avLst/>
+          </a:prstGeom>
+        </p:spPr>
+        <p:style>
+          <a:lnRef idx="2">
+            <a:schemeClr val="accent1">
+              <a:shade val="20000"/>
+            </a:schemeClr>
+          </a:lnRef>
+          <a:fillRef idx="1">
+            <a:schemeClr val="accent1"/>
+          </a:fillRef>
+          <a:effectRef idx="0">
+            <a:schemeClr val="accent1"/>
+          </a:effectRef>
+          <a:fontRef idx="minor">
+            <a:schemeClr val="lt1"/>
+          </a:fontRef>
+        </p:style>
+        <p:txBody>
+          <a:bodyPr anchor="ctr"/>
+          <a:p>
+            <a:pPr algn="ctr">
+              <a:defRPr/>
+            </a:pPr>
+            <a:endParaRPr lang="ko-KR" altLang="en-US"/>
+          </a:p>
+        </p:txBody>
+      </p:sp>
+      <p:sp>
+        <p:nvSpPr>
+          <p:cNvPr id="315" name=""/>
+          <p:cNvSpPr/>
+          <p:nvPr/>
+        </p:nvSpPr>
+        <p:spPr>
+          <a:xfrm>
+            <a:off x="3146604" y="3032826"/>
+            <a:ext cx="1440180" cy="190526"/>
+          </a:xfrm>
+          <a:prstGeom prst="rect">
+            <a:avLst/>
+          </a:prstGeom>
+          <a:solidFill>
+            <a:schemeClr val="lt1"/>
+          </a:solidFill>
+        </p:spPr>
+        <p:style>
+          <a:lnRef idx="2">
+            <a:schemeClr val="accent1">
+              <a:shade val="20000"/>
+            </a:schemeClr>
+          </a:lnRef>
+          <a:fillRef idx="1">
+            <a:schemeClr val="accent1"/>
+          </a:fillRef>
+          <a:effectRef idx="0">
+            <a:schemeClr val="accent1"/>
+          </a:effectRef>
+          <a:fontRef idx="minor">
+            <a:schemeClr val="lt1"/>
+          </a:fontRef>
+        </p:style>
+        <p:txBody>
+          <a:bodyPr anchor="ctr"/>
+          <a:p>
+            <a:pPr algn="ctr">
+              <a:defRPr/>
+            </a:pPr>
+            <a:r>
+              <a:rPr lang="ko-KR" altLang="en-US" sz="1200">
+                <a:solidFill>
+                  <a:schemeClr val="dk1"/>
+                </a:solidFill>
+              </a:rPr>
+              <a:t>날짜</a:t>
+            </a:r>
+            <a:endParaRPr lang="ko-KR" altLang="en-US" sz="1200">
+              <a:solidFill>
+                <a:schemeClr val="dk1"/>
+              </a:solidFill>
+            </a:endParaRPr>
+          </a:p>
+        </p:txBody>
+      </p:sp>
+      <p:sp>
+        <p:nvSpPr>
+          <p:cNvPr id="316" name=""/>
+          <p:cNvSpPr/>
+          <p:nvPr/>
+        </p:nvSpPr>
+        <p:spPr>
+          <a:xfrm>
+            <a:off x="3954814" y="3429000"/>
+            <a:ext cx="720090" cy="270654"/>
+          </a:xfrm>
+          <a:prstGeom prst="rect">
+            <a:avLst/>
+          </a:prstGeom>
+          <a:solidFill>
+            <a:schemeClr val="lt1"/>
+          </a:solidFill>
+        </p:spPr>
+        <p:style>
+          <a:lnRef idx="2">
+            <a:schemeClr val="accent1">
+              <a:shade val="20000"/>
+            </a:schemeClr>
+          </a:lnRef>
+          <a:fillRef idx="1">
+            <a:schemeClr val="accent1"/>
+          </a:fillRef>
+          <a:effectRef idx="0">
+            <a:schemeClr val="accent1"/>
+          </a:effectRef>
+          <a:fontRef idx="minor">
+            <a:schemeClr val="lt1"/>
+          </a:fontRef>
+        </p:style>
+        <p:txBody>
+          <a:bodyPr anchor="ctr"/>
+          <a:p>
+            <a:pPr algn="ctr">
+              <a:defRPr/>
+            </a:pPr>
+            <a:r>
+              <a:rPr lang="ko-KR" altLang="en-US" sz="1000">
+                <a:solidFill>
+                  <a:schemeClr val="dk1"/>
+                </a:solidFill>
+              </a:rPr>
+              <a:t>상세보기</a:t>
+            </a:r>
+            <a:endParaRPr lang="ko-KR" altLang="en-US" sz="1000">
+              <a:solidFill>
+                <a:schemeClr val="dk1"/>
+              </a:solidFill>
+            </a:endParaRPr>
+          </a:p>
+        </p:txBody>
+      </p:sp>
+      <p:sp>
+        <p:nvSpPr>
+          <p:cNvPr id="321" name=""/>
+          <p:cNvSpPr/>
+          <p:nvPr/>
+        </p:nvSpPr>
+        <p:spPr>
+          <a:xfrm>
+            <a:off x="3146604" y="3429000"/>
+            <a:ext cx="720090" cy="270654"/>
+          </a:xfrm>
+          <a:prstGeom prst="rect">
+            <a:avLst/>
+          </a:prstGeom>
+          <a:solidFill>
+            <a:srgbClr val="ffffff">
+              <a:alpha val="100000"/>
+            </a:srgbClr>
+          </a:solidFill>
+          <a:ln w="19050" cap="flat" cmpd="sng" algn="ctr">
+            <a:solidFill>
+              <a:srgbClr val="2e3e67">
+                <a:alpha val="100000"/>
+              </a:srgbClr>
+            </a:solidFill>
+            <a:prstDash val="solid"/>
+          </a:ln>
+        </p:spPr>
+        <p:txBody>
+          <a:bodyPr anchor="ctr"/>
+          <a:p>
+            <a:pPr marL="0" indent="0" algn="ctr" defTabSz="914400" rtl="0" eaLnBrk="1" latinLnBrk="1" hangingPunct="1">
+              <a:lnSpc>
+                <a:spcPct val="100000"/>
+              </a:lnSpc>
+              <a:spcBef>
+                <a:spcPct val="0"/>
+              </a:spcBef>
+              <a:spcAft>
+                <a:spcPts val="0"/>
+              </a:spcAft>
+              <a:buNone/>
+              <a:defRPr/>
+            </a:pPr>
+            <a:r>
+              <a:rPr xmlns:mc="http://schemas.openxmlformats.org/markup-compatibility/2006" xmlns:hp="http://schemas.haansoft.com/office/presentation/8.0" kumimoji="0" lang="ko-KR" altLang="en-US" sz="1000" b="0" i="0" u="none" strike="noStrike" kern="1200" cap="none" spc="0" normalizeH="0" baseline="0" mc:Ignorable="hp" hp:hslEmbossed="0">
+                <a:solidFill>
+                  <a:srgbClr val="000000"/>
+                </a:solidFill>
+                <a:latin typeface="Calibri"/>
+                <a:ea typeface="맑은 고딕"/>
+                <a:cs typeface="맑은 고딕"/>
+              </a:rPr>
+              <a:t>금액</a:t>
+            </a:r>
+            <a:endParaRPr xmlns:mc="http://schemas.openxmlformats.org/markup-compatibility/2006" xmlns:hp="http://schemas.haansoft.com/office/presentation/8.0" kumimoji="0" lang="ko-KR" altLang="en-US" sz="1000" b="0" i="0" u="none" strike="noStrike" kern="1200" cap="none" spc="0" normalizeH="0" baseline="0" mc:Ignorable="hp" hp:hslEmbossed="0">
+              <a:solidFill>
+                <a:srgbClr val="000000"/>
+              </a:solidFill>
+              <a:latin typeface="Calibri"/>
+              <a:ea typeface="맑은 고딕"/>
+              <a:cs typeface="맑은 고딕"/>
+            </a:endParaRPr>
+          </a:p>
+        </p:txBody>
+      </p:sp>
+      <p:sp>
+        <p:nvSpPr>
+          <p:cNvPr id="322" name=""/>
+          <p:cNvSpPr/>
+          <p:nvPr/>
+        </p:nvSpPr>
+        <p:spPr>
+          <a:xfrm>
+            <a:off x="1892449" y="4224172"/>
+            <a:ext cx="2896832" cy="1148675"/>
+          </a:xfrm>
+          <a:prstGeom prst="rect">
+            <a:avLst/>
+          </a:prstGeom>
+          <a:solidFill>
+            <a:srgbClr val="ffffff">
               <a:alpha val="100000"/>
             </a:srgbClr>
           </a:solidFill>
@@ -10195,14 +13426,14 @@
       </p:sp>
       <p:sp>
         <p:nvSpPr>
-          <p:cNvPr id="304" name=""/>
+          <p:cNvPr id="323" name=""/>
           <p:cNvSpPr/>
           <p:nvPr/>
         </p:nvSpPr>
         <p:spPr>
           <a:xfrm>
-            <a:off x="4050392" y="2022748"/>
-            <a:ext cx="720090" cy="661478"/>
+            <a:off x="1963886" y="4386299"/>
+            <a:ext cx="982920" cy="762104"/>
           </a:xfrm>
           <a:prstGeom prst="rect">
             <a:avLst/>
@@ -10240,6 +13471,4296 @@
             <a:endParaRPr xmlns:mc="http://schemas.openxmlformats.org/markup-compatibility/2006" xmlns:hp="http://schemas.haansoft.com/office/presentation/8.0" kumimoji="0" lang="ko-KR" altLang="en-US" sz="1800" b="0" i="0" u="none" strike="noStrike" kern="1200" cap="none" spc="0" normalizeH="0" baseline="0" mc:Ignorable="hp" hp:hslEmbossed="0">
               <a:solidFill>
                 <a:srgbClr val="ffffff"/>
+              </a:solidFill>
+              <a:latin typeface="Calibri"/>
+              <a:ea typeface="맑은 고딕"/>
+              <a:cs typeface="맑은 고딕"/>
+            </a:endParaRPr>
+          </a:p>
+        </p:txBody>
+      </p:sp>
+      <p:sp>
+        <p:nvSpPr>
+          <p:cNvPr id="324" name=""/>
+          <p:cNvSpPr/>
+          <p:nvPr/>
+        </p:nvSpPr>
+        <p:spPr>
+          <a:xfrm>
+            <a:off x="3157166" y="4481575"/>
+            <a:ext cx="1440180" cy="190526"/>
+          </a:xfrm>
+          <a:prstGeom prst="rect">
+            <a:avLst/>
+          </a:prstGeom>
+          <a:solidFill>
+            <a:srgbClr val="ffffff">
+              <a:alpha val="100000"/>
+            </a:srgbClr>
+          </a:solidFill>
+          <a:ln w="19050" cap="flat" cmpd="sng" algn="ctr">
+            <a:solidFill>
+              <a:srgbClr val="2e3e67">
+                <a:alpha val="100000"/>
+              </a:srgbClr>
+            </a:solidFill>
+            <a:prstDash val="solid"/>
+          </a:ln>
+        </p:spPr>
+        <p:txBody>
+          <a:bodyPr anchor="ctr"/>
+          <a:p>
+            <a:pPr marL="0" indent="0" algn="ctr" defTabSz="914400" rtl="0" eaLnBrk="1" latinLnBrk="1" hangingPunct="1">
+              <a:lnSpc>
+                <a:spcPct val="100000"/>
+              </a:lnSpc>
+              <a:spcBef>
+                <a:spcPct val="0"/>
+              </a:spcBef>
+              <a:spcAft>
+                <a:spcPts val="0"/>
+              </a:spcAft>
+              <a:buNone/>
+              <a:defRPr/>
+            </a:pPr>
+            <a:r>
+              <a:rPr xmlns:mc="http://schemas.openxmlformats.org/markup-compatibility/2006" xmlns:hp="http://schemas.haansoft.com/office/presentation/8.0" kumimoji="0" lang="ko-KR" altLang="en-US" sz="1200" b="0" i="0" u="none" strike="noStrike" kern="1200" cap="none" spc="0" normalizeH="0" baseline="0" mc:Ignorable="hp" hp:hslEmbossed="0">
+                <a:solidFill>
+                  <a:srgbClr val="000000"/>
+                </a:solidFill>
+                <a:latin typeface="Calibri"/>
+                <a:ea typeface="맑은 고딕"/>
+                <a:cs typeface="맑은 고딕"/>
+              </a:rPr>
+              <a:t>날짜</a:t>
+            </a:r>
+            <a:endParaRPr xmlns:mc="http://schemas.openxmlformats.org/markup-compatibility/2006" xmlns:hp="http://schemas.haansoft.com/office/presentation/8.0" kumimoji="0" lang="ko-KR" altLang="en-US" sz="1200" b="0" i="0" u="none" strike="noStrike" kern="1200" cap="none" spc="0" normalizeH="0" baseline="0" mc:Ignorable="hp" hp:hslEmbossed="0">
+              <a:solidFill>
+                <a:srgbClr val="000000"/>
+              </a:solidFill>
+              <a:latin typeface="Calibri"/>
+              <a:ea typeface="맑은 고딕"/>
+              <a:cs typeface="맑은 고딕"/>
+            </a:endParaRPr>
+          </a:p>
+        </p:txBody>
+      </p:sp>
+      <p:sp>
+        <p:nvSpPr>
+          <p:cNvPr id="325" name=""/>
+          <p:cNvSpPr/>
+          <p:nvPr/>
+        </p:nvSpPr>
+        <p:spPr>
+          <a:xfrm>
+            <a:off x="3965376" y="4877749"/>
+            <a:ext cx="720090" cy="270654"/>
+          </a:xfrm>
+          <a:prstGeom prst="rect">
+            <a:avLst/>
+          </a:prstGeom>
+          <a:solidFill>
+            <a:srgbClr val="ffffff">
+              <a:alpha val="100000"/>
+            </a:srgbClr>
+          </a:solidFill>
+          <a:ln w="19050" cap="flat" cmpd="sng" algn="ctr">
+            <a:solidFill>
+              <a:srgbClr val="2e3e67">
+                <a:alpha val="100000"/>
+              </a:srgbClr>
+            </a:solidFill>
+            <a:prstDash val="solid"/>
+          </a:ln>
+        </p:spPr>
+        <p:txBody>
+          <a:bodyPr anchor="ctr"/>
+          <a:p>
+            <a:pPr marL="0" indent="0" algn="ctr" defTabSz="914400" rtl="0" eaLnBrk="1" latinLnBrk="1" hangingPunct="1">
+              <a:lnSpc>
+                <a:spcPct val="100000"/>
+              </a:lnSpc>
+              <a:spcBef>
+                <a:spcPct val="0"/>
+              </a:spcBef>
+              <a:spcAft>
+                <a:spcPts val="0"/>
+              </a:spcAft>
+              <a:buNone/>
+              <a:defRPr/>
+            </a:pPr>
+            <a:r>
+              <a:rPr xmlns:mc="http://schemas.openxmlformats.org/markup-compatibility/2006" xmlns:hp="http://schemas.haansoft.com/office/presentation/8.0" kumimoji="0" lang="ko-KR" altLang="en-US" sz="1000" b="0" i="0" u="none" strike="noStrike" kern="1200" cap="none" spc="0" normalizeH="0" baseline="0" mc:Ignorable="hp" hp:hslEmbossed="0">
+                <a:solidFill>
+                  <a:srgbClr val="000000"/>
+                </a:solidFill>
+                <a:latin typeface="Calibri"/>
+                <a:ea typeface="맑은 고딕"/>
+                <a:cs typeface="맑은 고딕"/>
+              </a:rPr>
+              <a:t>상세보기</a:t>
+            </a:r>
+            <a:endParaRPr xmlns:mc="http://schemas.openxmlformats.org/markup-compatibility/2006" xmlns:hp="http://schemas.haansoft.com/office/presentation/8.0" kumimoji="0" lang="ko-KR" altLang="en-US" sz="1000" b="0" i="0" u="none" strike="noStrike" kern="1200" cap="none" spc="0" normalizeH="0" baseline="0" mc:Ignorable="hp" hp:hslEmbossed="0">
+              <a:solidFill>
+                <a:srgbClr val="000000"/>
+              </a:solidFill>
+              <a:latin typeface="Calibri"/>
+              <a:ea typeface="맑은 고딕"/>
+              <a:cs typeface="맑은 고딕"/>
+            </a:endParaRPr>
+          </a:p>
+        </p:txBody>
+      </p:sp>
+      <p:sp>
+        <p:nvSpPr>
+          <p:cNvPr id="326" name=""/>
+          <p:cNvSpPr/>
+          <p:nvPr/>
+        </p:nvSpPr>
+        <p:spPr>
+          <a:xfrm>
+            <a:off x="3157166" y="4877749"/>
+            <a:ext cx="720090" cy="270654"/>
+          </a:xfrm>
+          <a:prstGeom prst="rect">
+            <a:avLst/>
+          </a:prstGeom>
+          <a:solidFill>
+            <a:srgbClr val="ffffff">
+              <a:alpha val="100000"/>
+            </a:srgbClr>
+          </a:solidFill>
+          <a:ln w="19050" cap="flat" cmpd="sng" algn="ctr">
+            <a:solidFill>
+              <a:srgbClr val="2e3e67">
+                <a:alpha val="100000"/>
+              </a:srgbClr>
+            </a:solidFill>
+            <a:prstDash val="solid"/>
+          </a:ln>
+        </p:spPr>
+        <p:txBody>
+          <a:bodyPr anchor="ctr"/>
+          <a:p>
+            <a:pPr marL="0" indent="0" algn="ctr" defTabSz="914400" rtl="0" eaLnBrk="1" latinLnBrk="1" hangingPunct="1">
+              <a:lnSpc>
+                <a:spcPct val="100000"/>
+              </a:lnSpc>
+              <a:spcBef>
+                <a:spcPct val="0"/>
+              </a:spcBef>
+              <a:spcAft>
+                <a:spcPts val="0"/>
+              </a:spcAft>
+              <a:buNone/>
+              <a:defRPr/>
+            </a:pPr>
+            <a:r>
+              <a:rPr xmlns:mc="http://schemas.openxmlformats.org/markup-compatibility/2006" xmlns:hp="http://schemas.haansoft.com/office/presentation/8.0" kumimoji="0" lang="ko-KR" altLang="en-US" sz="1000" b="0" i="0" u="none" strike="noStrike" kern="1200" cap="none" spc="0" normalizeH="0" baseline="0" mc:Ignorable="hp" hp:hslEmbossed="0">
+                <a:solidFill>
+                  <a:srgbClr val="000000"/>
+                </a:solidFill>
+                <a:latin typeface="Calibri"/>
+                <a:ea typeface="맑은 고딕"/>
+                <a:cs typeface="맑은 고딕"/>
+              </a:rPr>
+              <a:t>금액</a:t>
+            </a:r>
+            <a:endParaRPr xmlns:mc="http://schemas.openxmlformats.org/markup-compatibility/2006" xmlns:hp="http://schemas.haansoft.com/office/presentation/8.0" kumimoji="0" lang="ko-KR" altLang="en-US" sz="1000" b="0" i="0" u="none" strike="noStrike" kern="1200" cap="none" spc="0" normalizeH="0" baseline="0" mc:Ignorable="hp" hp:hslEmbossed="0">
+              <a:solidFill>
+                <a:srgbClr val="000000"/>
+              </a:solidFill>
+              <a:latin typeface="Calibri"/>
+              <a:ea typeface="맑은 고딕"/>
+              <a:cs typeface="맑은 고딕"/>
+            </a:endParaRPr>
+          </a:p>
+        </p:txBody>
+      </p:sp>
+      <p:sp>
+        <p:nvSpPr>
+          <p:cNvPr id="327" name="타원 83"/>
+          <p:cNvSpPr/>
+          <p:nvPr/>
+        </p:nvSpPr>
+        <p:spPr>
+          <a:xfrm>
+            <a:off x="1810449" y="2703984"/>
+            <a:ext cx="142876" cy="142876"/>
+          </a:xfrm>
+          <a:prstGeom prst="ellipse">
+            <a:avLst/>
+          </a:prstGeom>
+          <a:solidFill>
+            <a:srgbClr val="fce700">
+              <a:alpha val="100000"/>
+            </a:srgbClr>
+          </a:solidFill>
+          <a:ln w="19050" cap="flat" cmpd="sng" algn="ctr">
+            <a:noFill/>
+            <a:prstDash val="solid"/>
+          </a:ln>
+        </p:spPr>
+        <p:txBody>
+          <a:bodyPr lIns="0" tIns="0" rIns="0" bIns="0" anchor="ctr"/>
+          <a:p>
+            <a:pPr marL="0" indent="0" algn="ctr" defTabSz="914400" rtl="0" eaLnBrk="1" latinLnBrk="1" hangingPunct="1">
+              <a:lnSpc>
+                <a:spcPct val="100000"/>
+              </a:lnSpc>
+              <a:spcBef>
+                <a:spcPct val="0"/>
+              </a:spcBef>
+              <a:spcAft>
+                <a:spcPts val="0"/>
+              </a:spcAft>
+              <a:buNone/>
+              <a:defRPr/>
+            </a:pPr>
+            <a:r>
+              <a:rPr xmlns:mc="http://schemas.openxmlformats.org/markup-compatibility/2006" xmlns:hp="http://schemas.haansoft.com/office/presentation/8.0" kumimoji="0" lang="en-US" altLang="ko-KR" sz="900" b="1" i="0" u="none" strike="noStrike" kern="1200" cap="none" spc="0" normalizeH="0" baseline="0" mc:Ignorable="hp" hp:hslEmbossed="0">
+                <a:solidFill>
+                  <a:srgbClr val="663300"/>
+                </a:solidFill>
+                <a:latin typeface="Calibri"/>
+                <a:ea typeface="맑은 고딕"/>
+                <a:cs typeface="Calibri"/>
+              </a:rPr>
+              <a:t>1</a:t>
+            </a:r>
+            <a:endParaRPr xmlns:mc="http://schemas.openxmlformats.org/markup-compatibility/2006" xmlns:hp="http://schemas.haansoft.com/office/presentation/8.0" kumimoji="0" lang="en-US" altLang="ko-KR" sz="900" b="1" i="0" u="none" strike="noStrike" kern="1200" cap="none" spc="0" normalizeH="0" baseline="0" mc:Ignorable="hp" hp:hslEmbossed="0">
+              <a:solidFill>
+                <a:srgbClr val="663300"/>
+              </a:solidFill>
+              <a:latin typeface="Calibri"/>
+              <a:ea typeface="맑은 고딕"/>
+              <a:cs typeface="Calibri"/>
+            </a:endParaRPr>
+          </a:p>
+        </p:txBody>
+      </p:sp>
+      <p:sp>
+        <p:nvSpPr>
+          <p:cNvPr id="328" name="타원 83"/>
+          <p:cNvSpPr/>
+          <p:nvPr/>
+        </p:nvSpPr>
+        <p:spPr>
+          <a:xfrm>
+            <a:off x="3877256" y="3357562"/>
+            <a:ext cx="142876" cy="142876"/>
+          </a:xfrm>
+          <a:prstGeom prst="ellipse">
+            <a:avLst/>
+          </a:prstGeom>
+          <a:solidFill>
+            <a:srgbClr val="fce700">
+              <a:alpha val="100000"/>
+            </a:srgbClr>
+          </a:solidFill>
+          <a:ln w="19050" cap="flat" cmpd="sng" algn="ctr">
+            <a:noFill/>
+            <a:prstDash val="solid"/>
+          </a:ln>
+        </p:spPr>
+        <p:txBody>
+          <a:bodyPr lIns="0" tIns="0" rIns="0" bIns="0" anchor="ctr"/>
+          <a:p>
+            <a:pPr marL="0" indent="0" algn="ctr" defTabSz="914400" rtl="0" eaLnBrk="1" latinLnBrk="1" hangingPunct="1">
+              <a:lnSpc>
+                <a:spcPct val="100000"/>
+              </a:lnSpc>
+              <a:spcBef>
+                <a:spcPct val="0"/>
+              </a:spcBef>
+              <a:spcAft>
+                <a:spcPts val="0"/>
+              </a:spcAft>
+              <a:buNone/>
+              <a:defRPr/>
+            </a:pPr>
+            <a:r>
+              <a:rPr xmlns:mc="http://schemas.openxmlformats.org/markup-compatibility/2006" xmlns:hp="http://schemas.haansoft.com/office/presentation/8.0" kumimoji="0" lang="en-US" altLang="ko-KR" sz="900" b="1" i="0" u="none" strike="noStrike" kern="1200" cap="none" spc="0" normalizeH="0" baseline="0" mc:Ignorable="hp" hp:hslEmbossed="0">
+                <a:solidFill>
+                  <a:srgbClr val="663300"/>
+                </a:solidFill>
+                <a:latin typeface="Calibri"/>
+                <a:ea typeface="맑은 고딕"/>
+                <a:cs typeface="Calibri"/>
+              </a:rPr>
+              <a:t>3</a:t>
+            </a:r>
+            <a:endParaRPr xmlns:mc="http://schemas.openxmlformats.org/markup-compatibility/2006" xmlns:hp="http://schemas.haansoft.com/office/presentation/8.0" kumimoji="0" lang="en-US" altLang="ko-KR" sz="900" b="1" i="0" u="none" strike="noStrike" kern="1200" cap="none" spc="0" normalizeH="0" baseline="0" mc:Ignorable="hp" hp:hslEmbossed="0">
+              <a:solidFill>
+                <a:srgbClr val="663300"/>
+              </a:solidFill>
+              <a:latin typeface="Calibri"/>
+              <a:ea typeface="맑은 고딕"/>
+              <a:cs typeface="Calibri"/>
+            </a:endParaRPr>
+          </a:p>
+        </p:txBody>
+      </p:sp>
+      <p:sp>
+        <p:nvSpPr>
+          <p:cNvPr id="329" name="타원 83"/>
+          <p:cNvSpPr/>
+          <p:nvPr/>
+        </p:nvSpPr>
+        <p:spPr>
+          <a:xfrm>
+            <a:off x="3085728" y="3357562"/>
+            <a:ext cx="142876" cy="142876"/>
+          </a:xfrm>
+          <a:prstGeom prst="ellipse">
+            <a:avLst/>
+          </a:prstGeom>
+          <a:solidFill>
+            <a:srgbClr val="fce700">
+              <a:alpha val="100000"/>
+            </a:srgbClr>
+          </a:solidFill>
+          <a:ln w="19050" cap="flat" cmpd="sng" algn="ctr">
+            <a:noFill/>
+            <a:prstDash val="solid"/>
+          </a:ln>
+        </p:spPr>
+        <p:txBody>
+          <a:bodyPr lIns="0" tIns="0" rIns="0" bIns="0" anchor="ctr"/>
+          <a:p>
+            <a:pPr marL="0" indent="0" algn="ctr" defTabSz="914400" rtl="0" eaLnBrk="1" latinLnBrk="1" hangingPunct="1">
+              <a:lnSpc>
+                <a:spcPct val="100000"/>
+              </a:lnSpc>
+              <a:spcBef>
+                <a:spcPct val="0"/>
+              </a:spcBef>
+              <a:spcAft>
+                <a:spcPts val="0"/>
+              </a:spcAft>
+              <a:buNone/>
+              <a:defRPr/>
+            </a:pPr>
+            <a:r>
+              <a:rPr xmlns:mc="http://schemas.openxmlformats.org/markup-compatibility/2006" xmlns:hp="http://schemas.haansoft.com/office/presentation/8.0" kumimoji="0" lang="en-US" altLang="ko-KR" sz="900" b="1" i="0" u="none" strike="noStrike" kern="1200" cap="none" spc="0" normalizeH="0" baseline="0" mc:Ignorable="hp" hp:hslEmbossed="0">
+                <a:solidFill>
+                  <a:srgbClr val="663300"/>
+                </a:solidFill>
+                <a:latin typeface="Calibri"/>
+                <a:ea typeface="맑은 고딕"/>
+                <a:cs typeface="Calibri"/>
+              </a:rPr>
+              <a:t>2</a:t>
+            </a:r>
+            <a:endParaRPr xmlns:mc="http://schemas.openxmlformats.org/markup-compatibility/2006" xmlns:hp="http://schemas.haansoft.com/office/presentation/8.0" kumimoji="0" lang="en-US" altLang="ko-KR" sz="900" b="1" i="0" u="none" strike="noStrike" kern="1200" cap="none" spc="0" normalizeH="0" baseline="0" mc:Ignorable="hp" hp:hslEmbossed="0">
+              <a:solidFill>
+                <a:srgbClr val="663300"/>
+              </a:solidFill>
+              <a:latin typeface="Calibri"/>
+              <a:ea typeface="맑은 고딕"/>
+              <a:cs typeface="Calibri"/>
+            </a:endParaRPr>
+          </a:p>
+        </p:txBody>
+      </p:sp>
+      <p:sp>
+        <p:nvSpPr>
+          <p:cNvPr id="330" name="타원 83"/>
+          <p:cNvSpPr/>
+          <p:nvPr/>
+        </p:nvSpPr>
+        <p:spPr>
+          <a:xfrm>
+            <a:off x="1963886" y="2889950"/>
+            <a:ext cx="142876" cy="142876"/>
+          </a:xfrm>
+          <a:prstGeom prst="ellipse">
+            <a:avLst/>
+          </a:prstGeom>
+          <a:solidFill>
+            <a:srgbClr val="fce700">
+              <a:alpha val="100000"/>
+            </a:srgbClr>
+          </a:solidFill>
+          <a:ln w="19050" cap="flat" cmpd="sng" algn="ctr">
+            <a:noFill/>
+            <a:prstDash val="solid"/>
+          </a:ln>
+        </p:spPr>
+        <p:txBody>
+          <a:bodyPr lIns="0" tIns="0" rIns="0" bIns="0" anchor="ctr"/>
+          <a:p>
+            <a:pPr marL="0" indent="0" algn="ctr" defTabSz="914400" rtl="0" eaLnBrk="1" latinLnBrk="1" hangingPunct="1">
+              <a:lnSpc>
+                <a:spcPct val="100000"/>
+              </a:lnSpc>
+              <a:spcBef>
+                <a:spcPct val="0"/>
+              </a:spcBef>
+              <a:spcAft>
+                <a:spcPts val="0"/>
+              </a:spcAft>
+              <a:buNone/>
+              <a:defRPr/>
+            </a:pPr>
+            <a:r>
+              <a:rPr xmlns:mc="http://schemas.openxmlformats.org/markup-compatibility/2006" xmlns:hp="http://schemas.haansoft.com/office/presentation/8.0" kumimoji="0" lang="en-US" altLang="ko-KR" sz="900" b="1" i="0" u="none" strike="noStrike" kern="1200" cap="none" spc="0" normalizeH="0" baseline="0" mc:Ignorable="hp" hp:hslEmbossed="0">
+                <a:solidFill>
+                  <a:srgbClr val="663300"/>
+                </a:solidFill>
+                <a:latin typeface="Calibri"/>
+                <a:ea typeface="맑은 고딕"/>
+                <a:cs typeface="Calibri"/>
+              </a:rPr>
+              <a:t>4</a:t>
+            </a:r>
+            <a:endParaRPr xmlns:mc="http://schemas.openxmlformats.org/markup-compatibility/2006" xmlns:hp="http://schemas.haansoft.com/office/presentation/8.0" kumimoji="0" lang="en-US" altLang="ko-KR" sz="900" b="1" i="0" u="none" strike="noStrike" kern="1200" cap="none" spc="0" normalizeH="0" baseline="0" mc:Ignorable="hp" hp:hslEmbossed="0">
+              <a:solidFill>
+                <a:srgbClr val="663300"/>
+              </a:solidFill>
+              <a:latin typeface="Calibri"/>
+              <a:ea typeface="맑은 고딕"/>
+              <a:cs typeface="Calibri"/>
+            </a:endParaRPr>
+          </a:p>
+        </p:txBody>
+      </p:sp>
+    </p:spTree>
+  </p:cSld>
+  <p:clrMapOvr>
+    <a:masterClrMapping/>
+  </p:clrMapOvr>
+  <mc:AlternateContent xmlns:mc="http://schemas.openxmlformats.org/markup-compatibility/2006">
+    <mc:Choice xmlns:p14="http://schemas.microsoft.com/office/powerpoint/2010/main" Requires="p14">
+      <p:transition xmlns:mc="http://schemas.openxmlformats.org/markup-compatibility/2006" xmlns:p14="http://schemas.microsoft.com/office/powerpoint/2010/main" mc:Ignorable="p14" p14:dur="500"/>
+    </mc:Choice>
+    <mc:Fallback>
+      <p:transition/>
+    </mc:Fallback>
+  </mc:AlternateContent>
+</p:sld>
+</file>
+
+<file path=ppt/slides/slide12.xml><?xml version="1.0" encoding="utf-8"?>
+<p:sld xmlns:r="http://schemas.openxmlformats.org/officeDocument/2006/relationships" xmlns:c="http://schemas.openxmlformats.org/drawingml/2006/chart" xmlns:a="http://schemas.openxmlformats.org/drawingml/2006/main" xmlns:dgm="http://schemas.openxmlformats.org/drawingml/2006/diagram" xmlns:dsp="http://schemas.microsoft.com/office/drawing/2008/diagram" xmlns:p="http://schemas.openxmlformats.org/presentationml/2006/main">
+  <p:cSld>
+    <p:spTree>
+      <p:nvGrpSpPr>
+        <p:cNvPr id="1" name=""/>
+        <p:cNvGrpSpPr/>
+        <p:nvPr/>
+      </p:nvGrpSpPr>
+      <p:grpSpPr>
+        <a:xfrm>
+          <a:off x="0" y="0"/>
+          <a:ext cx="0" cy="0"/>
+          <a:chOff x="0" y="0"/>
+          <a:chExt cx="0" cy="0"/>
+        </a:xfrm>
+      </p:grpSpPr>
+      <p:sp>
+        <p:nvSpPr>
+          <p:cNvPr id="12" name="TextBox 11"/>
+          <p:cNvSpPr txBox="1"/>
+          <p:nvPr/>
+        </p:nvSpPr>
+        <p:spPr>
+          <a:xfrm>
+            <a:off x="1703511" y="408640"/>
+            <a:ext cx="4392488" cy="369332"/>
+          </a:xfrm>
+          <a:prstGeom prst="rect">
+            <a:avLst/>
+          </a:prstGeom>
+          <a:noFill/>
+        </p:spPr>
+        <p:txBody>
+          <a:bodyPr wrap="square">
+            <a:spAutoFit/>
+          </a:bodyPr>
+          <a:lstStyle/>
+          <a:p>
+            <a:pPr>
+              <a:lnSpc>
+                <a:spcPct val="90000"/>
+              </a:lnSpc>
+              <a:defRPr/>
+            </a:pPr>
+            <a:r>
+              <a:rPr lang="en-US" altLang="ko-KR" sz="2000" spc="300">
+                <a:solidFill>
+                  <a:srgbClr val="663300"/>
+                </a:solidFill>
+                <a:latin typeface="+mn-ea"/>
+              </a:rPr>
+              <a:t>12.</a:t>
+            </a:r>
+            <a:r>
+              <a:rPr lang="ko-KR" altLang="en-US" sz="2000" spc="300">
+                <a:solidFill>
+                  <a:srgbClr val="663300"/>
+                </a:solidFill>
+                <a:latin typeface="+mn-ea"/>
+              </a:rPr>
+              <a:t>주문 상세내역</a:t>
+            </a:r>
+            <a:endParaRPr lang="ko-KR" altLang="en-US" sz="2000" spc="300">
+              <a:solidFill>
+                <a:srgbClr val="663300"/>
+              </a:solidFill>
+              <a:latin typeface="+mn-ea"/>
+            </a:endParaRPr>
+          </a:p>
+        </p:txBody>
+      </p:sp>
+      <p:sp>
+        <p:nvSpPr>
+          <p:cNvPr id="2" name="슬라이드 번호 개체 틀 1"/>
+          <p:cNvSpPr>
+            <a:spLocks noGrp="1"/>
+          </p:cNvSpPr>
+          <p:nvPr>
+            <p:ph type="sldNum" sz="quarter" idx="4"/>
+          </p:nvPr>
+        </p:nvSpPr>
+        <p:spPr/>
+        <p:txBody>
+          <a:bodyPr/>
+          <a:lstStyle/>
+          <a:p>
+            <a:pPr lvl="0">
+              <a:defRPr/>
+            </a:pPr>
+            <a:fld id="{2FECCACC-60ED-4580-AB4B-3C07270897C0}" type="slidenum">
+              <a:rPr lang="en-US" altLang="en-US">
+                <a:latin typeface="나눔고딕"/>
+                <a:ea typeface="나눔고딕"/>
+              </a:rPr>
+              <a:pPr lvl="0">
+                <a:defRPr/>
+              </a:pPr>
+              <a:t>12</a:t>
+            </a:fld>
+            <a:endParaRPr lang="en-US" altLang="en-US">
+              <a:latin typeface="나눔고딕"/>
+              <a:ea typeface="나눔고딕"/>
+            </a:endParaRPr>
+          </a:p>
+        </p:txBody>
+      </p:sp>
+      <p:sp>
+        <p:nvSpPr>
+          <p:cNvPr id="14" name="TextBox 13"/>
+          <p:cNvSpPr txBox="1"/>
+          <p:nvPr/>
+        </p:nvSpPr>
+        <p:spPr>
+          <a:xfrm>
+            <a:off x="6030058" y="404664"/>
+            <a:ext cx="4392488" cy="397032"/>
+          </a:xfrm>
+          <a:prstGeom prst="rect">
+            <a:avLst/>
+          </a:prstGeom>
+          <a:noFill/>
+        </p:spPr>
+        <p:txBody>
+          <a:bodyPr wrap="square">
+            <a:spAutoFit/>
+          </a:bodyPr>
+          <a:lstStyle/>
+          <a:p>
+            <a:pPr algn="r">
+              <a:lnSpc>
+                <a:spcPct val="90000"/>
+              </a:lnSpc>
+              <a:defRPr/>
+            </a:pPr>
+            <a:r>
+              <a:rPr lang="ko-KR" altLang="en-US" sz="1100">
+                <a:latin typeface="+mn-ea"/>
+              </a:rPr>
+              <a:t>로그인</a:t>
+            </a:r>
+            <a:endParaRPr lang="ko-KR" altLang="en-US" sz="1100">
+              <a:latin typeface="+mn-ea"/>
+            </a:endParaRPr>
+          </a:p>
+          <a:p>
+            <a:pPr algn="r">
+              <a:lnSpc>
+                <a:spcPct val="90000"/>
+              </a:lnSpc>
+              <a:defRPr/>
+            </a:pPr>
+            <a:r>
+              <a:rPr lang="en-US" altLang="ko-KR" sz="1100" b="1">
+                <a:latin typeface="+mn-ea"/>
+              </a:rPr>
+              <a:t>161116</a:t>
+            </a:r>
+            <a:endParaRPr lang="ko-KR" altLang="en-US" sz="1100" b="1">
+              <a:latin typeface="+mn-ea"/>
+            </a:endParaRPr>
+          </a:p>
+        </p:txBody>
+      </p:sp>
+      <p:graphicFrame>
+        <p:nvGraphicFramePr>
+          <p:cNvPr id="106" name=""/>
+          <p:cNvGraphicFramePr>
+            <a:graphicFrameLocks noGrp="1"/>
+          </p:cNvGraphicFramePr>
+          <p:nvPr/>
+        </p:nvGraphicFramePr>
+        <p:xfrm>
+          <a:off x="7984818" y="1123603"/>
+          <a:ext cx="3850930" cy="4024799"/>
+        </p:xfrm>
+        <a:graphic>
+          <a:graphicData uri="http://schemas.openxmlformats.org/drawingml/2006/table">
+            <a:tbl>
+              <a:tblPr firstRow="1" bandRow="1">
+                <a:tableStyleId>{01A66EDD-3DAB-4C5B-A090-DC80EC1FD486}</a:tableStyleId>
+              </a:tblPr>
+              <a:tblGrid>
+                <a:gridCol w="686725"/>
+                <a:gridCol w="3164205"/>
+              </a:tblGrid>
+              <a:tr h="334235">
+                <a:tc gridSpan="2">
+                  <a:txBody>
+                    <a:bodyPr vert="horz" wrap="square" lIns="91440" tIns="45720" rIns="91440" bIns="45720" anchor="ctr" anchorCtr="1">
+                      <a:spAutoFit/>
+                    </a:bodyPr>
+                    <a:p>
+                      <a:pPr marL="0" marR="0" lvl="0" indent="0" algn="ctr" defTabSz="914400" rtl="0" eaLnBrk="1" latinLnBrk="1" hangingPunct="1">
+                        <a:lnSpc>
+                          <a:spcPct val="100000"/>
+                        </a:lnSpc>
+                        <a:spcBef>
+                          <a:spcPts val="100"/>
+                        </a:spcBef>
+                        <a:spcAft>
+                          <a:spcPts val="0"/>
+                        </a:spcAft>
+                        <a:buClrTx/>
+                        <a:buFontTx/>
+                        <a:buNone/>
+                        <a:defRPr/>
+                      </a:pPr>
+                      <a:r>
+                        <a:rPr lang="en-US" altLang="ko-KR" b="1">
+                          <a:solidFill>
+                            <a:schemeClr val="dk1"/>
+                          </a:solidFill>
+                        </a:rPr>
+                        <a:t>Description</a:t>
+                      </a:r>
+                      <a:endParaRPr lang="en-US" altLang="ko-KR">
+                        <a:solidFill>
+                          <a:schemeClr val="dk1"/>
+                        </a:solidFill>
+                      </a:endParaRPr>
+                    </a:p>
+                  </a:txBody>
+                  <a:tcPr marL="91440" marR="91440" anchor="ctr" anchorCtr="1">
+                    <a:lnL w="12700" cap="flat" cmpd="sng" algn="ctr">
+                      <a:solidFill>
+                        <a:schemeClr val="tx1"/>
+                      </a:solidFill>
+                      <a:prstDash val="solid"/>
+                      <a:round/>
+                      <a:headEnd w="med" len="med"/>
+                      <a:tailEnd w="med" len="med"/>
+                    </a:lnL>
+                    <a:lnR w="12700" cap="flat" cmpd="sng" algn="ctr">
+                      <a:solidFill>
+                        <a:schemeClr val="tx1"/>
+                      </a:solidFill>
+                      <a:prstDash val="solid"/>
+                      <a:round/>
+                      <a:headEnd w="med" len="med"/>
+                      <a:tailEnd w="med" len="med"/>
+                    </a:lnR>
+                    <a:lnT w="12700" cap="flat" cmpd="sng" algn="ctr">
+                      <a:solidFill>
+                        <a:schemeClr val="tx1"/>
+                      </a:solidFill>
+                      <a:prstDash val="solid"/>
+                      <a:round/>
+                      <a:headEnd w="med" len="med"/>
+                      <a:tailEnd w="med" len="med"/>
+                    </a:lnT>
+                    <a:lnB w="12700" cap="flat" cmpd="sng" algn="ctr">
+                      <a:solidFill>
+                        <a:schemeClr val="tx1"/>
+                      </a:solidFill>
+                      <a:prstDash val="solid"/>
+                      <a:round/>
+                      <a:headEnd w="med" len="med"/>
+                      <a:tailEnd w="med" len="med"/>
+                    </a:lnB>
+                    <a:solidFill>
+                      <a:srgbClr val="e0e0e0"/>
+                    </a:solidFill>
+                  </a:tcPr>
+                </a:tc>
+                <a:tc hMerge="1">
+                  <a:txBody>
+                    <a:bodyPr vert="horz" wrap="square" lIns="91440" tIns="45720" rIns="91440" bIns="45720" anchor="t" anchorCtr="0">
+                      <a:spAutoFit/>
+                    </a:bodyPr>
+                    <a:p>
+                      <a:pPr>
+                        <a:defRPr/>
+                      </a:pPr>
+                      <a:endParaRPr lang="en-US" altLang="ko-KR"/>
+                    </a:p>
+                  </a:txBody>
+                  <a:tcPr marL="91440" marR="91440">
+                    <a:lnL w="12700" cap="flat" cmpd="sng" algn="ctr">
+                      <a:solidFill>
+                        <a:schemeClr val="tx1"/>
+                      </a:solidFill>
+                      <a:prstDash val="solid"/>
+                      <a:round/>
+                      <a:headEnd w="med" len="med"/>
+                      <a:tailEnd w="med" len="med"/>
+                    </a:lnL>
+                    <a:lnR w="12700" cap="flat" cmpd="sng" algn="ctr">
+                      <a:solidFill>
+                        <a:schemeClr val="tx1"/>
+                      </a:solidFill>
+                      <a:prstDash val="solid"/>
+                      <a:round/>
+                      <a:headEnd w="med" len="med"/>
+                      <a:tailEnd w="med" len="med"/>
+                    </a:lnR>
+                    <a:lnT w="12700" cap="flat" cmpd="sng" algn="ctr">
+                      <a:solidFill>
+                        <a:schemeClr val="tx1"/>
+                      </a:solidFill>
+                      <a:prstDash val="solid"/>
+                      <a:round/>
+                      <a:headEnd w="med" len="med"/>
+                      <a:tailEnd w="med" len="med"/>
+                    </a:lnT>
+                    <a:lnB w="12700" cap="flat" cmpd="sng" algn="ctr">
+                      <a:solidFill>
+                        <a:schemeClr val="tx1"/>
+                      </a:solidFill>
+                      <a:prstDash val="solid"/>
+                      <a:round/>
+                      <a:headEnd w="med" len="med"/>
+                      <a:tailEnd w="med" len="med"/>
+                    </a:lnB>
+                    <a:solidFill>
+                      <a:schemeClr val="lt1"/>
+                    </a:solidFill>
+                  </a:tcPr>
+                </a:tc>
+              </a:tr>
+              <a:tr h="565874">
+                <a:tc gridSpan="2">
+                  <a:txBody>
+                    <a:bodyPr vert="horz" wrap="square" lIns="91440" tIns="45720" rIns="91440" bIns="45720" anchor="ctr" anchorCtr="1">
+                      <a:spAutoFit/>
+                    </a:bodyPr>
+                    <a:p>
+                      <a:pPr algn="ctr">
+                        <a:defRPr/>
+                      </a:pPr>
+                      <a:r>
+                        <a:rPr lang="ko-KR" altLang="en-US" sz="1100">
+                          <a:solidFill>
+                            <a:schemeClr val="dk1"/>
+                          </a:solidFill>
+                        </a:rPr>
+                        <a:t>사용자가 담아 놓은 장바구니 관리 페이지</a:t>
+                      </a:r>
+                      <a:endParaRPr lang="en-US" altLang="ko-KR" sz="1100">
+                        <a:solidFill>
+                          <a:schemeClr val="dk1"/>
+                        </a:solidFill>
+                      </a:endParaRPr>
+                    </a:p>
+                  </a:txBody>
+                  <a:tcPr marL="91440" marR="91440" anchor="ctr" anchorCtr="1">
+                    <a:lnL w="12700" cap="flat" cmpd="sng" algn="ctr">
+                      <a:solidFill>
+                        <a:schemeClr val="tx1"/>
+                      </a:solidFill>
+                      <a:prstDash val="solid"/>
+                      <a:round/>
+                      <a:headEnd w="med" len="med"/>
+                      <a:tailEnd w="med" len="med"/>
+                    </a:lnL>
+                    <a:lnR w="12700" cap="flat" cmpd="sng" algn="ctr">
+                      <a:solidFill>
+                        <a:schemeClr val="tx1"/>
+                      </a:solidFill>
+                      <a:prstDash val="solid"/>
+                      <a:round/>
+                      <a:headEnd w="med" len="med"/>
+                      <a:tailEnd w="med" len="med"/>
+                    </a:lnR>
+                    <a:lnT w="12700" cap="flat" cmpd="sng" algn="ctr">
+                      <a:solidFill>
+                        <a:schemeClr val="tx1"/>
+                      </a:solidFill>
+                      <a:prstDash val="solid"/>
+                      <a:round/>
+                      <a:headEnd w="med" len="med"/>
+                      <a:tailEnd w="med" len="med"/>
+                    </a:lnT>
+                    <a:lnB w="12700" cap="flat" cmpd="sng" algn="ctr">
+                      <a:solidFill>
+                        <a:schemeClr val="tx1"/>
+                      </a:solidFill>
+                      <a:prstDash val="solid"/>
+                      <a:round/>
+                      <a:headEnd w="med" len="med"/>
+                      <a:tailEnd w="med" len="med"/>
+                    </a:lnB>
+                    <a:solidFill>
+                      <a:schemeClr val="lt1"/>
+                    </a:solidFill>
+                  </a:tcPr>
+                </a:tc>
+                <a:tc hMerge="1">
+                  <a:txBody>
+                    <a:bodyPr vert="horz" wrap="square" lIns="91440" tIns="45720" rIns="91440" bIns="45720" anchor="t" anchorCtr="0">
+                      <a:spAutoFit/>
+                    </a:bodyPr>
+                    <a:p>
+                      <a:pPr>
+                        <a:defRPr/>
+                      </a:pPr>
+                      <a:endParaRPr lang="en-US" altLang="ko-KR"/>
+                    </a:p>
+                  </a:txBody>
+                  <a:tcPr marL="91440" marR="91440">
+                    <a:lnL w="12700" cap="flat" cmpd="sng" algn="ctr">
+                      <a:solidFill>
+                        <a:schemeClr val="tx1"/>
+                      </a:solidFill>
+                      <a:prstDash val="solid"/>
+                      <a:round/>
+                      <a:headEnd w="med" len="med"/>
+                      <a:tailEnd w="med" len="med"/>
+                    </a:lnL>
+                    <a:lnR w="12700" cap="flat" cmpd="sng" algn="ctr">
+                      <a:solidFill>
+                        <a:schemeClr val="tx1"/>
+                      </a:solidFill>
+                      <a:prstDash val="solid"/>
+                      <a:round/>
+                      <a:headEnd w="med" len="med"/>
+                      <a:tailEnd w="med" len="med"/>
+                    </a:lnR>
+                    <a:lnT w="12700" cap="flat" cmpd="sng" algn="ctr">
+                      <a:solidFill>
+                        <a:schemeClr val="tx1"/>
+                      </a:solidFill>
+                      <a:prstDash val="solid"/>
+                      <a:round/>
+                      <a:headEnd w="med" len="med"/>
+                      <a:tailEnd w="med" len="med"/>
+                    </a:lnT>
+                    <a:lnB w="12700" cap="flat" cmpd="sng" algn="ctr">
+                      <a:solidFill>
+                        <a:schemeClr val="tx1"/>
+                      </a:solidFill>
+                      <a:prstDash val="solid"/>
+                      <a:round/>
+                      <a:headEnd w="med" len="med"/>
+                      <a:tailEnd w="med" len="med"/>
+                    </a:lnB>
+                    <a:solidFill>
+                      <a:schemeClr val="lt1"/>
+                    </a:solidFill>
+                  </a:tcPr>
+                </a:tc>
+              </a:tr>
+              <a:tr h="515210">
+                <a:tc gridSpan="2">
+                  <a:txBody>
+                    <a:bodyPr vert="horz" wrap="square" lIns="91440" tIns="45720" rIns="91440" bIns="45720" anchor="ctr" anchorCtr="1">
+                      <a:spAutoFit/>
+                    </a:bodyPr>
+                    <a:p>
+                      <a:pPr algn="ctr">
+                        <a:defRPr/>
+                      </a:pPr>
+                      <a:r>
+                        <a:rPr lang="en-US" altLang="ko-KR">
+                          <a:solidFill>
+                            <a:schemeClr val="dk1"/>
+                          </a:solidFill>
+                        </a:rPr>
+                        <a:t>function</a:t>
+                      </a:r>
+                      <a:endParaRPr lang="en-US" altLang="ko-KR">
+                        <a:solidFill>
+                          <a:schemeClr val="dk1"/>
+                        </a:solidFill>
+                      </a:endParaRPr>
+                    </a:p>
+                  </a:txBody>
+                  <a:tcPr marL="91440" marR="91440" anchor="ctr" anchorCtr="1">
+                    <a:lnL w="12700" cap="flat" cmpd="sng" algn="ctr">
+                      <a:solidFill>
+                        <a:schemeClr val="tx1"/>
+                      </a:solidFill>
+                      <a:prstDash val="solid"/>
+                      <a:round/>
+                      <a:headEnd w="med" len="med"/>
+                      <a:tailEnd w="med" len="med"/>
+                    </a:lnL>
+                    <a:lnR w="12700" cap="flat" cmpd="sng" algn="ctr">
+                      <a:solidFill>
+                        <a:schemeClr val="tx1"/>
+                      </a:solidFill>
+                      <a:prstDash val="solid"/>
+                      <a:round/>
+                      <a:headEnd w="med" len="med"/>
+                      <a:tailEnd w="med" len="med"/>
+                    </a:lnR>
+                    <a:lnT w="12700" cap="flat" cmpd="sng" algn="ctr">
+                      <a:solidFill>
+                        <a:schemeClr val="tx1"/>
+                      </a:solidFill>
+                      <a:prstDash val="solid"/>
+                      <a:round/>
+                      <a:headEnd w="med" len="med"/>
+                      <a:tailEnd w="med" len="med"/>
+                    </a:lnT>
+                    <a:lnB w="12700" cap="flat" cmpd="sng" algn="ctr">
+                      <a:solidFill>
+                        <a:schemeClr val="tx1"/>
+                      </a:solidFill>
+                      <a:prstDash val="solid"/>
+                      <a:round/>
+                      <a:headEnd w="med" len="med"/>
+                      <a:tailEnd w="med" len="med"/>
+                    </a:lnB>
+                    <a:solidFill>
+                      <a:srgbClr val="d1d1d1"/>
+                    </a:solidFill>
+                  </a:tcPr>
+                </a:tc>
+                <a:tc hMerge="1">
+                  <a:txBody>
+                    <a:bodyPr vert="horz" wrap="square" lIns="91440" tIns="45720" rIns="91440" bIns="45720" anchor="t" anchorCtr="0">
+                      <a:spAutoFit/>
+                    </a:bodyPr>
+                    <a:p>
+                      <a:pPr>
+                        <a:defRPr/>
+                      </a:pPr>
+                      <a:endParaRPr lang="ko-KR" altLang="en-US"/>
+                    </a:p>
+                  </a:txBody>
+                  <a:tcPr marL="91440" marR="91440">
+                    <a:lnL w="12700" cap="flat" cmpd="sng" algn="ctr">
+                      <a:solidFill>
+                        <a:schemeClr val="tx1"/>
+                      </a:solidFill>
+                      <a:prstDash val="solid"/>
+                      <a:round/>
+                      <a:headEnd w="med" len="med"/>
+                      <a:tailEnd w="med" len="med"/>
+                    </a:lnL>
+                    <a:lnR w="12700" cap="flat" cmpd="sng" algn="ctr">
+                      <a:solidFill>
+                        <a:schemeClr val="tx1"/>
+                      </a:solidFill>
+                      <a:prstDash val="solid"/>
+                      <a:round/>
+                      <a:headEnd w="med" len="med"/>
+                      <a:tailEnd w="med" len="med"/>
+                    </a:lnR>
+                    <a:lnT w="12700" cap="flat" cmpd="sng" algn="ctr">
+                      <a:solidFill>
+                        <a:schemeClr val="tx1"/>
+                      </a:solidFill>
+                      <a:prstDash val="solid"/>
+                      <a:round/>
+                      <a:headEnd w="med" len="med"/>
+                      <a:tailEnd w="med" len="med"/>
+                    </a:lnT>
+                    <a:lnB w="12700" cap="flat" cmpd="sng" algn="ctr">
+                      <a:solidFill>
+                        <a:schemeClr val="tx1"/>
+                      </a:solidFill>
+                      <a:prstDash val="solid"/>
+                      <a:round/>
+                      <a:headEnd w="med" len="med"/>
+                      <a:tailEnd w="med" len="med"/>
+                    </a:lnB>
+                    <a:solidFill>
+                      <a:schemeClr val="lt1"/>
+                    </a:solidFill>
+                  </a:tcPr>
+                </a:tc>
+              </a:tr>
+              <a:tr h="515210">
+                <a:tc>
+                  <a:txBody>
+                    <a:bodyPr vert="horz" wrap="square" lIns="91440" tIns="45720" rIns="91440" bIns="45720" anchor="ctr" anchorCtr="1">
+                      <a:spAutoFit/>
+                    </a:bodyPr>
+                    <a:p>
+                      <a:pPr algn="ctr">
+                        <a:defRPr/>
+                      </a:pPr>
+                      <a:r>
+                        <a:rPr lang="en-US" altLang="ko-KR" sz="1100">
+                          <a:solidFill>
+                            <a:schemeClr val="dk1"/>
+                          </a:solidFill>
+                        </a:rPr>
+                        <a:t>1</a:t>
+                      </a:r>
+                      <a:endParaRPr lang="en-US" altLang="ko-KR" sz="1100">
+                        <a:solidFill>
+                          <a:schemeClr val="dk1"/>
+                        </a:solidFill>
+                      </a:endParaRPr>
+                    </a:p>
+                  </a:txBody>
+                  <a:tcPr marL="91440" marR="91440" anchor="ctr" anchorCtr="1">
+                    <a:lnL w="12700" cap="flat" cmpd="sng" algn="ctr">
+                      <a:solidFill>
+                        <a:schemeClr val="tx1"/>
+                      </a:solidFill>
+                      <a:prstDash val="solid"/>
+                      <a:round/>
+                      <a:headEnd w="med" len="med"/>
+                      <a:tailEnd w="med" len="med"/>
+                    </a:lnL>
+                    <a:lnR w="12700" cap="flat" cmpd="sng" algn="ctr">
+                      <a:solidFill>
+                        <a:schemeClr val="tx1"/>
+                      </a:solidFill>
+                      <a:prstDash val="solid"/>
+                      <a:round/>
+                      <a:headEnd w="med" len="med"/>
+                      <a:tailEnd w="med" len="med"/>
+                    </a:lnR>
+                    <a:lnT w="12700" cap="flat" cmpd="sng" algn="ctr">
+                      <a:solidFill>
+                        <a:schemeClr val="tx1"/>
+                      </a:solidFill>
+                      <a:prstDash val="solid"/>
+                      <a:round/>
+                      <a:headEnd w="med" len="med"/>
+                      <a:tailEnd w="med" len="med"/>
+                    </a:lnT>
+                    <a:lnB w="12700" cap="flat" cmpd="sng" algn="ctr">
+                      <a:solidFill>
+                        <a:schemeClr val="tx1"/>
+                      </a:solidFill>
+                      <a:prstDash val="solid"/>
+                      <a:round/>
+                      <a:headEnd w="med" len="med"/>
+                      <a:tailEnd w="med" len="med"/>
+                    </a:lnB>
+                    <a:solidFill>
+                      <a:schemeClr val="lt1"/>
+                    </a:solidFill>
+                  </a:tcPr>
+                </a:tc>
+                <a:tc>
+                  <a:txBody>
+                    <a:bodyPr vert="horz" wrap="square" lIns="91440" tIns="45720" rIns="91440" bIns="45720" anchor="ctr" anchorCtr="1">
+                      <a:spAutoFit/>
+                    </a:bodyPr>
+                    <a:p>
+                      <a:pPr>
+                        <a:defRPr/>
+                      </a:pPr>
+                      <a:r>
+                        <a:rPr lang="ko-KR" altLang="en-US" sz="1100">
+                          <a:solidFill>
+                            <a:schemeClr val="dk1"/>
+                          </a:solidFill>
+                        </a:rPr>
+                        <a:t>주문 및 결제내역</a:t>
+                      </a:r>
+                      <a:endParaRPr lang="ko-KR" altLang="en-US" sz="1100">
+                        <a:solidFill>
+                          <a:schemeClr val="dk1"/>
+                        </a:solidFill>
+                      </a:endParaRPr>
+                    </a:p>
+                  </a:txBody>
+                  <a:tcPr marL="91440" marR="91440" anchor="ctr" anchorCtr="1">
+                    <a:lnL w="12700" cap="flat" cmpd="sng" algn="ctr">
+                      <a:solidFill>
+                        <a:schemeClr val="tx1"/>
+                      </a:solidFill>
+                      <a:prstDash val="solid"/>
+                      <a:round/>
+                      <a:headEnd w="med" len="med"/>
+                      <a:tailEnd w="med" len="med"/>
+                    </a:lnL>
+                    <a:lnR w="12700" cap="flat" cmpd="sng" algn="ctr">
+                      <a:solidFill>
+                        <a:schemeClr val="tx1"/>
+                      </a:solidFill>
+                      <a:prstDash val="solid"/>
+                      <a:round/>
+                      <a:headEnd w="med" len="med"/>
+                      <a:tailEnd w="med" len="med"/>
+                    </a:lnR>
+                    <a:lnT w="12700" cap="flat" cmpd="sng" algn="ctr">
+                      <a:solidFill>
+                        <a:schemeClr val="tx1"/>
+                      </a:solidFill>
+                      <a:prstDash val="solid"/>
+                      <a:round/>
+                      <a:headEnd w="med" len="med"/>
+                      <a:tailEnd w="med" len="med"/>
+                    </a:lnT>
+                    <a:lnB w="12700" cap="flat" cmpd="sng" algn="ctr">
+                      <a:solidFill>
+                        <a:schemeClr val="tx1"/>
+                      </a:solidFill>
+                      <a:prstDash val="solid"/>
+                      <a:round/>
+                      <a:headEnd w="med" len="med"/>
+                      <a:tailEnd w="med" len="med"/>
+                    </a:lnB>
+                    <a:solidFill>
+                      <a:schemeClr val="lt1"/>
+                    </a:solidFill>
+                  </a:tcPr>
+                </a:tc>
+              </a:tr>
+              <a:tr h="515210">
+                <a:tc>
+                  <a:txBody>
+                    <a:bodyPr vert="horz" wrap="square" lIns="91440" tIns="45720" rIns="91440" bIns="45720" anchor="ctr" anchorCtr="1">
+                      <a:spAutoFit/>
+                    </a:bodyPr>
+                    <a:p>
+                      <a:pPr algn="ctr">
+                        <a:defRPr/>
+                      </a:pPr>
+                      <a:r>
+                        <a:rPr lang="en-US" altLang="ko-KR" sz="1100">
+                          <a:solidFill>
+                            <a:schemeClr val="dk1"/>
+                          </a:solidFill>
+                        </a:rPr>
+                        <a:t>2</a:t>
+                      </a:r>
+                      <a:endParaRPr lang="en-US" altLang="ko-KR" sz="1100">
+                        <a:solidFill>
+                          <a:schemeClr val="dk1"/>
+                        </a:solidFill>
+                      </a:endParaRPr>
+                    </a:p>
+                  </a:txBody>
+                  <a:tcPr marL="91440" marR="91440" anchor="ctr" anchorCtr="1">
+                    <a:lnL w="12700" cap="flat" cmpd="sng" algn="ctr">
+                      <a:solidFill>
+                        <a:schemeClr val="tx1"/>
+                      </a:solidFill>
+                      <a:prstDash val="solid"/>
+                      <a:round/>
+                      <a:headEnd w="med" len="med"/>
+                      <a:tailEnd w="med" len="med"/>
+                    </a:lnL>
+                    <a:lnR w="12700" cap="flat" cmpd="sng" algn="ctr">
+                      <a:solidFill>
+                        <a:schemeClr val="tx1"/>
+                      </a:solidFill>
+                      <a:prstDash val="solid"/>
+                      <a:round/>
+                      <a:headEnd w="med" len="med"/>
+                      <a:tailEnd w="med" len="med"/>
+                    </a:lnR>
+                    <a:lnT w="12700" cap="flat" cmpd="sng" algn="ctr">
+                      <a:solidFill>
+                        <a:schemeClr val="tx1"/>
+                      </a:solidFill>
+                      <a:prstDash val="solid"/>
+                      <a:round/>
+                      <a:headEnd w="med" len="med"/>
+                      <a:tailEnd w="med" len="med"/>
+                    </a:lnT>
+                    <a:lnB w="12700" cap="flat" cmpd="sng" algn="ctr">
+                      <a:solidFill>
+                        <a:schemeClr val="tx1"/>
+                      </a:solidFill>
+                      <a:prstDash val="solid"/>
+                      <a:round/>
+                      <a:headEnd w="med" len="med"/>
+                      <a:tailEnd w="med" len="med"/>
+                    </a:lnB>
+                    <a:solidFill>
+                      <a:schemeClr val="lt1"/>
+                    </a:solidFill>
+                  </a:tcPr>
+                </a:tc>
+                <a:tc>
+                  <a:txBody>
+                    <a:bodyPr vert="horz" wrap="square" lIns="91440" tIns="45720" rIns="91440" bIns="45720" anchor="ctr" anchorCtr="1">
+                      <a:spAutoFit/>
+                    </a:bodyPr>
+                    <a:p>
+                      <a:pPr>
+                        <a:defRPr/>
+                      </a:pPr>
+                      <a:r>
+                        <a:rPr lang="ko-KR" altLang="en-US" sz="1100">
+                          <a:solidFill>
+                            <a:schemeClr val="dk1"/>
+                          </a:solidFill>
+                        </a:rPr>
+                        <a:t>해당 결제 최종 금액</a:t>
+                      </a:r>
+                      <a:endParaRPr lang="ko-KR" altLang="en-US" sz="1100">
+                        <a:solidFill>
+                          <a:schemeClr val="dk1"/>
+                        </a:solidFill>
+                      </a:endParaRPr>
+                    </a:p>
+                  </a:txBody>
+                  <a:tcPr marL="91440" marR="91440" anchor="ctr" anchorCtr="1">
+                    <a:lnL w="12700" cap="flat" cmpd="sng" algn="ctr">
+                      <a:solidFill>
+                        <a:schemeClr val="tx1"/>
+                      </a:solidFill>
+                      <a:prstDash val="solid"/>
+                      <a:round/>
+                      <a:headEnd w="med" len="med"/>
+                      <a:tailEnd w="med" len="med"/>
+                    </a:lnL>
+                    <a:lnR w="12700" cap="flat" cmpd="sng" algn="ctr">
+                      <a:solidFill>
+                        <a:schemeClr val="tx1"/>
+                      </a:solidFill>
+                      <a:prstDash val="solid"/>
+                      <a:round/>
+                      <a:headEnd w="med" len="med"/>
+                      <a:tailEnd w="med" len="med"/>
+                    </a:lnR>
+                    <a:lnT w="12700" cap="flat" cmpd="sng" algn="ctr">
+                      <a:solidFill>
+                        <a:schemeClr val="tx1"/>
+                      </a:solidFill>
+                      <a:prstDash val="solid"/>
+                      <a:round/>
+                      <a:headEnd w="med" len="med"/>
+                      <a:tailEnd w="med" len="med"/>
+                    </a:lnT>
+                    <a:lnB w="12700" cap="flat" cmpd="sng" algn="ctr">
+                      <a:solidFill>
+                        <a:schemeClr val="tx1"/>
+                      </a:solidFill>
+                      <a:prstDash val="solid"/>
+                      <a:round/>
+                      <a:headEnd w="med" len="med"/>
+                      <a:tailEnd w="med" len="med"/>
+                    </a:lnB>
+                    <a:solidFill>
+                      <a:schemeClr val="lt1"/>
+                    </a:solidFill>
+                  </a:tcPr>
+                </a:tc>
+              </a:tr>
+              <a:tr h="515210">
+                <a:tc>
+                  <a:txBody>
+                    <a:bodyPr vert="horz" wrap="square" lIns="91440" tIns="45720" rIns="91440" bIns="45720" anchor="ctr" anchorCtr="1">
+                      <a:spAutoFit/>
+                    </a:bodyPr>
+                    <a:p>
+                      <a:pPr algn="ctr">
+                        <a:defRPr/>
+                      </a:pPr>
+                      <a:r>
+                        <a:rPr lang="en-US" altLang="ko-KR" sz="1100">
+                          <a:solidFill>
+                            <a:schemeClr val="dk1"/>
+                          </a:solidFill>
+                        </a:rPr>
+                        <a:t>3</a:t>
+                      </a:r>
+                      <a:endParaRPr lang="en-US" altLang="ko-KR" sz="1100">
+                        <a:solidFill>
+                          <a:schemeClr val="dk1"/>
+                        </a:solidFill>
+                      </a:endParaRPr>
+                    </a:p>
+                  </a:txBody>
+                  <a:tcPr marL="91440" marR="91440" anchor="ctr" anchorCtr="1">
+                    <a:lnL w="12700" cap="flat" cmpd="sng" algn="ctr">
+                      <a:solidFill>
+                        <a:schemeClr val="tx1"/>
+                      </a:solidFill>
+                      <a:prstDash val="solid"/>
+                      <a:round/>
+                      <a:headEnd w="med" len="med"/>
+                      <a:tailEnd w="med" len="med"/>
+                    </a:lnL>
+                    <a:lnR w="12700" cap="flat" cmpd="sng" algn="ctr">
+                      <a:solidFill>
+                        <a:schemeClr val="tx1"/>
+                      </a:solidFill>
+                      <a:prstDash val="solid"/>
+                      <a:round/>
+                      <a:headEnd w="med" len="med"/>
+                      <a:tailEnd w="med" len="med"/>
+                    </a:lnR>
+                    <a:lnT w="12700" cap="flat" cmpd="sng" algn="ctr">
+                      <a:solidFill>
+                        <a:schemeClr val="tx1"/>
+                      </a:solidFill>
+                      <a:prstDash val="solid"/>
+                      <a:round/>
+                      <a:headEnd w="med" len="med"/>
+                      <a:tailEnd w="med" len="med"/>
+                    </a:lnT>
+                    <a:lnB w="12700" cap="flat" cmpd="sng" algn="ctr">
+                      <a:solidFill>
+                        <a:schemeClr val="tx1"/>
+                      </a:solidFill>
+                      <a:prstDash val="solid"/>
+                      <a:round/>
+                      <a:headEnd w="med" len="med"/>
+                      <a:tailEnd w="med" len="med"/>
+                    </a:lnB>
+                    <a:solidFill>
+                      <a:schemeClr val="lt1"/>
+                    </a:solidFill>
+                  </a:tcPr>
+                </a:tc>
+                <a:tc>
+                  <a:txBody>
+                    <a:bodyPr vert="horz" wrap="square" lIns="91440" tIns="45720" rIns="91440" bIns="45720" anchor="ctr" anchorCtr="1">
+                      <a:spAutoFit/>
+                    </a:bodyPr>
+                    <a:p>
+                      <a:pPr>
+                        <a:defRPr/>
+                      </a:pPr>
+                      <a:r>
+                        <a:rPr lang="ko-KR" altLang="en-US" sz="1100">
+                          <a:solidFill>
+                            <a:schemeClr val="dk1"/>
+                          </a:solidFill>
+                        </a:rPr>
+                        <a:t>주문 상세 내역</a:t>
+                      </a:r>
+                      <a:endParaRPr lang="ko-KR" altLang="en-US" sz="1100">
+                        <a:solidFill>
+                          <a:schemeClr val="dk1"/>
+                        </a:solidFill>
+                      </a:endParaRPr>
+                    </a:p>
+                  </a:txBody>
+                  <a:tcPr marL="91440" marR="91440" anchor="ctr" anchorCtr="1">
+                    <a:lnL w="12700" cap="flat" cmpd="sng" algn="ctr">
+                      <a:solidFill>
+                        <a:schemeClr val="tx1"/>
+                      </a:solidFill>
+                      <a:prstDash val="solid"/>
+                      <a:round/>
+                      <a:headEnd w="med" len="med"/>
+                      <a:tailEnd w="med" len="med"/>
+                    </a:lnL>
+                    <a:lnR w="12700" cap="flat" cmpd="sng" algn="ctr">
+                      <a:solidFill>
+                        <a:schemeClr val="tx1"/>
+                      </a:solidFill>
+                      <a:prstDash val="solid"/>
+                      <a:round/>
+                      <a:headEnd w="med" len="med"/>
+                      <a:tailEnd w="med" len="med"/>
+                    </a:lnR>
+                    <a:lnT w="12700" cap="flat" cmpd="sng" algn="ctr">
+                      <a:solidFill>
+                        <a:schemeClr val="tx1"/>
+                      </a:solidFill>
+                      <a:prstDash val="solid"/>
+                      <a:round/>
+                      <a:headEnd w="med" len="med"/>
+                      <a:tailEnd w="med" len="med"/>
+                    </a:lnT>
+                    <a:lnB w="12700" cap="flat" cmpd="sng" algn="ctr">
+                      <a:solidFill>
+                        <a:schemeClr val="tx1"/>
+                      </a:solidFill>
+                      <a:prstDash val="solid"/>
+                      <a:round/>
+                      <a:headEnd w="med" len="med"/>
+                      <a:tailEnd w="med" len="med"/>
+                    </a:lnB>
+                    <a:solidFill>
+                      <a:schemeClr val="lt1"/>
+                    </a:solidFill>
+                  </a:tcPr>
+                </a:tc>
+              </a:tr>
+              <a:tr h="515210">
+                <a:tc>
+                  <a:txBody>
+                    <a:bodyPr vert="horz" wrap="square" lIns="91440" tIns="45720" rIns="91440" bIns="45720" anchor="ctr" anchorCtr="1">
+                      <a:spAutoFit/>
+                    </a:bodyPr>
+                    <a:p>
+                      <a:pPr algn="ctr">
+                        <a:defRPr/>
+                      </a:pPr>
+                      <a:r>
+                        <a:rPr lang="en-US" altLang="ko-KR" sz="1100">
+                          <a:solidFill>
+                            <a:schemeClr val="dk1"/>
+                          </a:solidFill>
+                        </a:rPr>
+                        <a:t>4</a:t>
+                      </a:r>
+                      <a:endParaRPr lang="en-US" altLang="ko-KR" sz="1100">
+                        <a:solidFill>
+                          <a:schemeClr val="dk1"/>
+                        </a:solidFill>
+                      </a:endParaRPr>
+                    </a:p>
+                  </a:txBody>
+                  <a:tcPr marL="91440" marR="91440" anchor="ctr" anchorCtr="1">
+                    <a:lnL w="12700" cap="flat" cmpd="sng" algn="ctr">
+                      <a:solidFill>
+                        <a:schemeClr val="tx1"/>
+                      </a:solidFill>
+                      <a:prstDash val="solid"/>
+                      <a:round/>
+                      <a:headEnd w="med" len="med"/>
+                      <a:tailEnd w="med" len="med"/>
+                    </a:lnL>
+                    <a:lnR w="12700" cap="flat" cmpd="sng" algn="ctr">
+                      <a:solidFill>
+                        <a:schemeClr val="tx1"/>
+                      </a:solidFill>
+                      <a:prstDash val="solid"/>
+                      <a:round/>
+                      <a:headEnd w="med" len="med"/>
+                      <a:tailEnd w="med" len="med"/>
+                    </a:lnR>
+                    <a:lnT w="12700" cap="flat" cmpd="sng" algn="ctr">
+                      <a:solidFill>
+                        <a:schemeClr val="tx1"/>
+                      </a:solidFill>
+                      <a:prstDash val="solid"/>
+                      <a:round/>
+                      <a:headEnd w="med" len="med"/>
+                      <a:tailEnd w="med" len="med"/>
+                    </a:lnT>
+                    <a:lnB w="12700" cap="flat" cmpd="sng" algn="ctr">
+                      <a:solidFill>
+                        <a:schemeClr val="tx1"/>
+                      </a:solidFill>
+                      <a:prstDash val="solid"/>
+                      <a:round/>
+                      <a:headEnd w="med" len="med"/>
+                      <a:tailEnd w="med" len="med"/>
+                    </a:lnB>
+                    <a:solidFill>
+                      <a:schemeClr val="lt1"/>
+                    </a:solidFill>
+                  </a:tcPr>
+                </a:tc>
+                <a:tc>
+                  <a:txBody>
+                    <a:bodyPr vert="horz" wrap="square" lIns="91440" tIns="45720" rIns="91440" bIns="45720" anchor="ctr" anchorCtr="1">
+                      <a:spAutoFit/>
+                    </a:bodyPr>
+                    <a:p>
+                      <a:pPr>
+                        <a:defRPr/>
+                      </a:pPr>
+                      <a:r>
+                        <a:rPr lang="ko-KR" altLang="en-US" sz="1100">
+                          <a:solidFill>
+                            <a:schemeClr val="dk1"/>
+                          </a:solidFill>
+                        </a:rPr>
+                        <a:t>주문 내역 중 첫번째 상품 이미지</a:t>
+                      </a:r>
+                      <a:endParaRPr lang="ko-KR" altLang="en-US" sz="1100">
+                        <a:solidFill>
+                          <a:schemeClr val="dk1"/>
+                        </a:solidFill>
+                      </a:endParaRPr>
+                    </a:p>
+                  </a:txBody>
+                  <a:tcPr marL="91440" marR="91440" anchor="ctr" anchorCtr="1">
+                    <a:lnL w="12700" cap="flat" cmpd="sng" algn="ctr">
+                      <a:solidFill>
+                        <a:schemeClr val="tx1"/>
+                      </a:solidFill>
+                      <a:prstDash val="solid"/>
+                      <a:round/>
+                      <a:headEnd w="med" len="med"/>
+                      <a:tailEnd w="med" len="med"/>
+                    </a:lnL>
+                    <a:lnR w="12700" cap="flat" cmpd="sng" algn="ctr">
+                      <a:solidFill>
+                        <a:schemeClr val="tx1"/>
+                      </a:solidFill>
+                      <a:prstDash val="solid"/>
+                      <a:round/>
+                      <a:headEnd w="med" len="med"/>
+                      <a:tailEnd w="med" len="med"/>
+                    </a:lnR>
+                    <a:lnT w="12700" cap="flat" cmpd="sng" algn="ctr">
+                      <a:solidFill>
+                        <a:schemeClr val="tx1"/>
+                      </a:solidFill>
+                      <a:prstDash val="solid"/>
+                      <a:round/>
+                      <a:headEnd w="med" len="med"/>
+                      <a:tailEnd w="med" len="med"/>
+                    </a:lnT>
+                    <a:lnB w="12700" cap="flat" cmpd="sng" algn="ctr">
+                      <a:solidFill>
+                        <a:schemeClr val="tx1"/>
+                      </a:solidFill>
+                      <a:prstDash val="solid"/>
+                      <a:round/>
+                      <a:headEnd w="med" len="med"/>
+                      <a:tailEnd w="med" len="med"/>
+                    </a:lnB>
+                    <a:solidFill>
+                      <a:schemeClr val="lt1"/>
+                    </a:solidFill>
+                  </a:tcPr>
+                </a:tc>
+              </a:tr>
+              <a:tr h="515210">
+                <a:tc>
+                  <a:txBody>
+                    <a:bodyPr vert="horz" wrap="square" lIns="91440" tIns="45720" rIns="91440" bIns="45720" anchor="ctr" anchorCtr="1">
+                      <a:spAutoFit/>
+                    </a:bodyPr>
+                    <a:p>
+                      <a:pPr algn="ctr">
+                        <a:defRPr/>
+                      </a:pPr>
+                      <a:r>
+                        <a:rPr lang="en-US" altLang="ko-KR" sz="1100">
+                          <a:solidFill>
+                            <a:schemeClr val="dk1"/>
+                          </a:solidFill>
+                        </a:rPr>
+                        <a:t>5</a:t>
+                      </a:r>
+                      <a:endParaRPr lang="en-US" altLang="ko-KR" sz="1100">
+                        <a:solidFill>
+                          <a:schemeClr val="dk1"/>
+                        </a:solidFill>
+                      </a:endParaRPr>
+                    </a:p>
+                  </a:txBody>
+                  <a:tcPr marL="91440" marR="91440" anchor="ctr" anchorCtr="1">
+                    <a:lnL w="12700" cap="flat" cmpd="sng" algn="ctr">
+                      <a:solidFill>
+                        <a:schemeClr val="tx1"/>
+                      </a:solidFill>
+                      <a:prstDash val="solid"/>
+                      <a:round/>
+                      <a:headEnd w="med" len="med"/>
+                      <a:tailEnd w="med" len="med"/>
+                    </a:lnL>
+                    <a:lnR w="12700" cap="flat" cmpd="sng" algn="ctr">
+                      <a:solidFill>
+                        <a:schemeClr val="tx1"/>
+                      </a:solidFill>
+                      <a:prstDash val="solid"/>
+                      <a:round/>
+                      <a:headEnd w="med" len="med"/>
+                      <a:tailEnd w="med" len="med"/>
+                    </a:lnR>
+                    <a:lnT w="12700" cap="flat" cmpd="sng" algn="ctr">
+                      <a:solidFill>
+                        <a:schemeClr val="tx1"/>
+                      </a:solidFill>
+                      <a:prstDash val="solid"/>
+                      <a:round/>
+                      <a:headEnd w="med" len="med"/>
+                      <a:tailEnd w="med" len="med"/>
+                    </a:lnT>
+                    <a:lnB w="12700" cap="flat" cmpd="sng" algn="ctr">
+                      <a:solidFill>
+                        <a:schemeClr val="tx1"/>
+                      </a:solidFill>
+                      <a:prstDash val="solid"/>
+                      <a:round/>
+                      <a:headEnd w="med" len="med"/>
+                      <a:tailEnd w="med" len="med"/>
+                    </a:lnB>
+                    <a:solidFill>
+                      <a:schemeClr val="lt1"/>
+                    </a:solidFill>
+                  </a:tcPr>
+                </a:tc>
+                <a:tc>
+                  <a:txBody>
+                    <a:bodyPr vert="horz" wrap="square" lIns="91440" tIns="45720" rIns="91440" bIns="45720" anchor="ctr" anchorCtr="1">
+                      <a:spAutoFit/>
+                    </a:bodyPr>
+                    <a:p>
+                      <a:pPr>
+                        <a:defRPr/>
+                      </a:pPr>
+                      <a:r>
+                        <a:rPr lang="ko-KR" altLang="en-US" sz="1100">
+                          <a:solidFill>
+                            <a:schemeClr val="dk1"/>
+                          </a:solidFill>
+                        </a:rPr>
+                        <a:t>각 메뉴로 이동</a:t>
+                      </a:r>
+                      <a:endParaRPr lang="ko-KR" altLang="en-US" sz="1100">
+                        <a:solidFill>
+                          <a:schemeClr val="dk1"/>
+                        </a:solidFill>
+                      </a:endParaRPr>
+                    </a:p>
+                  </a:txBody>
+                  <a:tcPr marL="91440" marR="91440" anchor="ctr" anchorCtr="1">
+                    <a:lnL w="12700" cap="flat" cmpd="sng" algn="ctr">
+                      <a:solidFill>
+                        <a:schemeClr val="tx1"/>
+                      </a:solidFill>
+                      <a:prstDash val="solid"/>
+                      <a:round/>
+                      <a:headEnd w="med" len="med"/>
+                      <a:tailEnd w="med" len="med"/>
+                    </a:lnL>
+                    <a:lnR w="12700" cap="flat" cmpd="sng" algn="ctr">
+                      <a:solidFill>
+                        <a:schemeClr val="tx1"/>
+                      </a:solidFill>
+                      <a:prstDash val="solid"/>
+                      <a:round/>
+                      <a:headEnd w="med" len="med"/>
+                      <a:tailEnd w="med" len="med"/>
+                    </a:lnR>
+                    <a:lnT w="12700" cap="flat" cmpd="sng" algn="ctr">
+                      <a:solidFill>
+                        <a:schemeClr val="tx1"/>
+                      </a:solidFill>
+                      <a:prstDash val="solid"/>
+                      <a:round/>
+                      <a:headEnd w="med" len="med"/>
+                      <a:tailEnd w="med" len="med"/>
+                    </a:lnT>
+                    <a:lnB w="12700" cap="flat" cmpd="sng" algn="ctr">
+                      <a:solidFill>
+                        <a:schemeClr val="tx1"/>
+                      </a:solidFill>
+                      <a:prstDash val="solid"/>
+                      <a:round/>
+                      <a:headEnd w="med" len="med"/>
+                      <a:tailEnd w="med" len="med"/>
+                    </a:lnB>
+                    <a:solidFill>
+                      <a:schemeClr val="lt1"/>
+                    </a:solidFill>
+                  </a:tcPr>
+                </a:tc>
+              </a:tr>
+            </a:tbl>
+          </a:graphicData>
+        </a:graphic>
+      </p:graphicFrame>
+      <p:sp>
+        <p:nvSpPr>
+          <p:cNvPr id="287" name="Shape 434"/>
+          <p:cNvSpPr/>
+          <p:nvPr/>
+        </p:nvSpPr>
+        <p:spPr>
+          <a:xfrm>
+            <a:off x="382206" y="1123603"/>
+            <a:ext cx="2908790" cy="5152103"/>
+          </a:xfrm>
+          <a:prstGeom prst="rect">
+            <a:avLst/>
+          </a:prstGeom>
+          <a:ln>
+            <a:solidFill>
+              <a:srgbClr val="000000">
+                <a:alpha val="100000"/>
+              </a:srgbClr>
+            </a:solidFill>
+          </a:ln>
+        </p:spPr>
+        <p:txBody>
+          <a:bodyPr lIns="45324" tIns="45324" rIns="45324" bIns="45324"/>
+          <a:p>
+            <a:pPr marL="0" indent="0" algn="ctr" defTabSz="906145" rtl="0" eaLnBrk="1" latinLnBrk="0" hangingPunct="0">
+              <a:lnSpc>
+                <a:spcPct val="120000"/>
+              </a:lnSpc>
+              <a:spcBef>
+                <a:spcPct val="0"/>
+              </a:spcBef>
+              <a:spcAft>
+                <a:spcPts val="0"/>
+              </a:spcAft>
+              <a:buNone/>
+              <a:defRPr sz="700" b="1">
+                <a:latin typeface="Wingdings"/>
+                <a:ea typeface="Wingdings"/>
+                <a:cs typeface="Wingdings"/>
+                <a:sym typeface="Wingdings"/>
+              </a:defRPr>
+            </a:pPr>
+            <a:endParaRPr xmlns:mc="http://schemas.openxmlformats.org/markup-compatibility/2006" xmlns:hp="http://schemas.haansoft.com/office/presentation/8.0" kumimoji="0" sz="700" b="1" i="0" u="none" strike="noStrike" kern="0" cap="none" spc="0" normalizeH="0" baseline="0" mc:Ignorable="hp" hp:hslEmbossed="0">
+              <a:solidFill>
+                <a:srgbClr val="000000"/>
+              </a:solidFill>
+              <a:latin typeface="맑은 고딕"/>
+              <a:ea typeface="맑은 고딕"/>
+              <a:cs typeface="맑은 고딕"/>
+              <a:sym typeface="맑은 고딕"/>
+            </a:endParaRPr>
+          </a:p>
+        </p:txBody>
+      </p:sp>
+      <p:sp>
+        <p:nvSpPr>
+          <p:cNvPr id="288" name="타원 50"/>
+          <p:cNvSpPr/>
+          <p:nvPr/>
+        </p:nvSpPr>
+        <p:spPr>
+          <a:xfrm>
+            <a:off x="1215425" y="1268760"/>
+            <a:ext cx="1239708" cy="628317"/>
+          </a:xfrm>
+          <a:prstGeom prst="ellipse">
+            <a:avLst/>
+          </a:prstGeom>
+          <a:noFill/>
+          <a:ln w="3175" cap="flat" cmpd="sng" algn="ctr">
+            <a:solidFill>
+              <a:srgbClr val="bfbfbf">
+                <a:alpha val="100000"/>
+              </a:srgbClr>
+            </a:solidFill>
+            <a:prstDash val="solid"/>
+          </a:ln>
+        </p:spPr>
+        <p:txBody>
+          <a:bodyPr anchor="ctr"/>
+          <a:p>
+            <a:pPr marL="0" indent="0" algn="ctr" defTabSz="914400" rtl="0" eaLnBrk="1" latinLnBrk="1" hangingPunct="1">
+              <a:lnSpc>
+                <a:spcPct val="100000"/>
+              </a:lnSpc>
+              <a:spcBef>
+                <a:spcPct val="0"/>
+              </a:spcBef>
+              <a:spcAft>
+                <a:spcPts val="0"/>
+              </a:spcAft>
+              <a:buNone/>
+              <a:defRPr/>
+            </a:pPr>
+            <a:r>
+              <a:rPr xmlns:mc="http://schemas.openxmlformats.org/markup-compatibility/2006" xmlns:hp="http://schemas.haansoft.com/office/presentation/8.0" kumimoji="0" lang="ko-KR" altLang="en-US" sz="900" b="0" i="0" u="none" strike="noStrike" kern="1200" cap="none" spc="0" normalizeH="0" baseline="0" mc:Ignorable="hp" hp:hslEmbossed="0">
+                <a:solidFill>
+                  <a:srgbClr val="000000"/>
+                </a:solidFill>
+                <a:latin typeface="Calibri"/>
+                <a:ea typeface="맑은 고딕"/>
+                <a:cs typeface="맑은 고딕"/>
+              </a:rPr>
+              <a:t>로고</a:t>
+            </a:r>
+            <a:endParaRPr xmlns:mc="http://schemas.openxmlformats.org/markup-compatibility/2006" xmlns:hp="http://schemas.haansoft.com/office/presentation/8.0" kumimoji="0" lang="ko-KR" altLang="en-US" sz="900" b="0" i="0" u="none" strike="noStrike" kern="1200" cap="none" spc="0" normalizeH="0" baseline="0" mc:Ignorable="hp" hp:hslEmbossed="0">
+              <a:solidFill>
+                <a:srgbClr val="000000"/>
+              </a:solidFill>
+              <a:latin typeface="Calibri"/>
+              <a:ea typeface="맑은 고딕"/>
+              <a:cs typeface="맑은 고딕"/>
+            </a:endParaRPr>
+          </a:p>
+        </p:txBody>
+      </p:sp>
+      <p:sp>
+        <p:nvSpPr>
+          <p:cNvPr id="291" name=""/>
+          <p:cNvSpPr/>
+          <p:nvPr/>
+        </p:nvSpPr>
+        <p:spPr>
+          <a:xfrm>
+            <a:off x="392768" y="5825449"/>
+            <a:ext cx="2898228" cy="450256"/>
+          </a:xfrm>
+          <a:prstGeom prst="rect">
+            <a:avLst/>
+          </a:prstGeom>
+          <a:solidFill>
+            <a:srgbClr val="ffffff">
+              <a:alpha val="100000"/>
+            </a:srgbClr>
+          </a:solidFill>
+          <a:ln w="19050" cap="flat" cmpd="sng" algn="ctr">
+            <a:solidFill>
+              <a:srgbClr val="9be5c8">
+                <a:alpha val="100000"/>
+              </a:srgbClr>
+            </a:solidFill>
+            <a:prstDash val="solid"/>
+          </a:ln>
+        </p:spPr>
+        <p:txBody>
+          <a:bodyPr anchor="ctr"/>
+          <a:p>
+            <a:pPr marL="0" indent="0" algn="ctr" defTabSz="914400" rtl="0" eaLnBrk="1" latinLnBrk="1" hangingPunct="1">
+              <a:lnSpc>
+                <a:spcPct val="100000"/>
+              </a:lnSpc>
+              <a:spcBef>
+                <a:spcPct val="0"/>
+              </a:spcBef>
+              <a:spcAft>
+                <a:spcPts val="0"/>
+              </a:spcAft>
+              <a:buNone/>
+              <a:defRPr/>
+            </a:pPr>
+            <a:endParaRPr xmlns:mc="http://schemas.openxmlformats.org/markup-compatibility/2006" xmlns:hp="http://schemas.haansoft.com/office/presentation/8.0" kumimoji="0" lang="ko-KR" altLang="en-US" sz="1800" b="0" i="0" u="none" strike="noStrike" kern="1200" cap="none" spc="0" normalizeH="0" baseline="0" mc:Ignorable="hp" hp:hslEmbossed="0">
+              <a:solidFill>
+                <a:srgbClr val="ffffff"/>
+              </a:solidFill>
+              <a:latin typeface="Calibri"/>
+              <a:ea typeface="맑은 고딕"/>
+              <a:cs typeface="맑은 고딕"/>
+            </a:endParaRPr>
+          </a:p>
+        </p:txBody>
+      </p:sp>
+      <p:graphicFrame>
+        <p:nvGraphicFramePr>
+          <p:cNvPr id="292" name=""/>
+          <p:cNvGraphicFramePr>
+            <a:graphicFrameLocks noGrp="1"/>
+          </p:cNvGraphicFramePr>
+          <p:nvPr/>
+        </p:nvGraphicFramePr>
+        <p:xfrm>
+          <a:off x="382205" y="5825450"/>
+          <a:ext cx="2907396" cy="450256"/>
+        </p:xfrm>
+        <a:graphic>
+          <a:graphicData uri="http://schemas.openxmlformats.org/drawingml/2006/table">
+            <a:tbl>
+              <a:tblPr firstRow="1" bandRow="1">
+                <a:tableStyleId>{01A66EDD-3DAB-4C5B-A090-DC80EC1FD486}</a:tableStyleId>
+              </a:tblPr>
+              <a:tblGrid>
+                <a:gridCol w="727197"/>
+                <a:gridCol w="725805"/>
+                <a:gridCol w="727197"/>
+                <a:gridCol w="727197"/>
+              </a:tblGrid>
+              <a:tr h="450256">
+                <a:tc>
+                  <a:txBody>
+                    <a:bodyPr vert="horz" wrap="square" lIns="91440" tIns="45720" rIns="91440" bIns="45720" anchor="t" anchorCtr="0">
+                      <a:spAutoFit/>
+                    </a:bodyPr>
+                    <a:p>
+                      <a:pPr marL="0" algn="ctr" defTabSz="914400" rtl="0" eaLnBrk="1" latinLnBrk="1" hangingPunct="1">
+                        <a:buNone/>
+                        <a:defRPr/>
+                      </a:pPr>
+                      <a:r>
+                        <a:rPr xmlns:mc="http://schemas.openxmlformats.org/markup-compatibility/2006" xmlns:hp="http://schemas.haansoft.com/office/presentation/8.0" kumimoji="0" lang="ko-KR" altLang="en-US" sz="1800" b="1" i="0" u="none" strike="noStrike" kern="1200" cap="none" normalizeH="0" baseline="0" mc:Ignorable="hp" hp:hslEmbossed="0">
+                          <a:ln w="9525">
+                            <a:solidFill>
+                              <a:srgbClr val="ffffff"/>
+                            </a:solidFill>
+                          </a:ln>
+                          <a:solidFill>
+                            <a:srgbClr val="000000"/>
+                          </a:solidFill>
+                          <a:latin typeface="Calibri"/>
+                          <a:ea typeface="맑은 고딕"/>
+                          <a:cs typeface="맑은 고딕"/>
+                        </a:rPr>
+                        <a:t>홈</a:t>
+                      </a:r>
+                      <a:endParaRPr xmlns:mc="http://schemas.openxmlformats.org/markup-compatibility/2006" xmlns:hp="http://schemas.haansoft.com/office/presentation/8.0" kumimoji="0" lang="en-US" altLang="ko-KR" sz="1800" b="1" i="0" u="none" strike="noStrike" kern="1200" cap="none" normalizeH="0" baseline="0" mc:Ignorable="hp" hp:hslEmbossed="0">
+                        <a:ln w="9525">
+                          <a:solidFill>
+                            <a:srgbClr val="ffffff"/>
+                          </a:solidFill>
+                        </a:ln>
+                        <a:solidFill>
+                          <a:srgbClr val="000000"/>
+                        </a:solidFill>
+                        <a:latin typeface="Calibri"/>
+                        <a:ea typeface="맑은 고딕"/>
+                        <a:cs typeface="Calibri"/>
+                      </a:endParaRPr>
+                    </a:p>
+                  </a:txBody>
+                  <a:tcPr marL="91440" marR="91440">
+                    <a:lnL w="25400" cap="flat" cmpd="sng" algn="ctr">
+                      <a:solidFill>
+                        <a:srgbClr val="69d8ad">
+                          <a:alpha val="100000"/>
+                        </a:srgbClr>
+                      </a:solidFill>
+                      <a:prstDash val="solid"/>
+                      <a:round/>
+                      <a:headEnd w="med" len="med"/>
+                      <a:tailEnd w="med" len="med"/>
+                    </a:lnL>
+                    <a:lnR w="25400" cap="flat" cmpd="sng" algn="ctr">
+                      <a:solidFill>
+                        <a:srgbClr val="69d8ad">
+                          <a:alpha val="100000"/>
+                        </a:srgbClr>
+                      </a:solidFill>
+                      <a:prstDash val="solid"/>
+                      <a:round/>
+                      <a:headEnd w="med" len="med"/>
+                      <a:tailEnd w="med" len="med"/>
+                    </a:lnR>
+                    <a:lnT w="25400" cap="flat" cmpd="sng" algn="ctr">
+                      <a:solidFill>
+                        <a:srgbClr val="69d8ad">
+                          <a:alpha val="100000"/>
+                        </a:srgbClr>
+                      </a:solidFill>
+                      <a:prstDash val="solid"/>
+                      <a:round/>
+                      <a:headEnd w="med" len="med"/>
+                      <a:tailEnd w="med" len="med"/>
+                    </a:lnT>
+                    <a:lnB w="25400" cap="flat" cmpd="sng" algn="ctr">
+                      <a:solidFill>
+                        <a:srgbClr val="69d8ad">
+                          <a:alpha val="100000"/>
+                        </a:srgbClr>
+                      </a:solidFill>
+                      <a:prstDash val="solid"/>
+                      <a:round/>
+                      <a:headEnd w="med" len="med"/>
+                      <a:tailEnd w="med" len="med"/>
+                    </a:lnB>
+                    <a:solidFill>
+                      <a:srgbClr val="ffffff">
+                        <a:alpha val="100000"/>
+                      </a:srgbClr>
+                    </a:solidFill>
+                  </a:tcPr>
+                </a:tc>
+                <a:tc>
+                  <a:txBody>
+                    <a:bodyPr vert="horz" wrap="square" lIns="91440" tIns="45720" rIns="91440" bIns="45720" anchor="t" anchorCtr="0">
+                      <a:spAutoFit/>
+                    </a:bodyPr>
+                    <a:p>
+                      <a:pPr marL="0" algn="ctr" defTabSz="914400" rtl="0" eaLnBrk="1" latinLnBrk="1" hangingPunct="1">
+                        <a:buNone/>
+                        <a:defRPr/>
+                      </a:pPr>
+                      <a:r>
+                        <a:rPr xmlns:mc="http://schemas.openxmlformats.org/markup-compatibility/2006" xmlns:hp="http://schemas.haansoft.com/office/presentation/8.0" kumimoji="0" lang="ko-KR" altLang="en-US" sz="1800" b="1" i="0" u="none" strike="noStrike" kern="1200" cap="none" normalizeH="0" baseline="0" mc:Ignorable="hp" hp:hslEmbossed="0">
+                          <a:ln w="9525">
+                            <a:solidFill>
+                              <a:srgbClr val="ffffff"/>
+                            </a:solidFill>
+                          </a:ln>
+                          <a:solidFill>
+                            <a:srgbClr val="000000"/>
+                          </a:solidFill>
+                          <a:latin typeface="Calibri"/>
+                          <a:ea typeface="맑은 고딕"/>
+                          <a:cs typeface="맑은 고딕"/>
+                        </a:rPr>
+                        <a:t>상품</a:t>
+                      </a:r>
+                      <a:endParaRPr xmlns:mc="http://schemas.openxmlformats.org/markup-compatibility/2006" xmlns:hp="http://schemas.haansoft.com/office/presentation/8.0" kumimoji="0" lang="ko-KR" altLang="en-US" sz="1800" b="1" i="0" u="none" strike="noStrike" kern="1200" cap="none" normalizeH="0" baseline="0" mc:Ignorable="hp" hp:hslEmbossed="0">
+                        <a:ln w="9525">
+                          <a:solidFill>
+                            <a:srgbClr val="ffffff"/>
+                          </a:solidFill>
+                        </a:ln>
+                        <a:solidFill>
+                          <a:srgbClr val="000000"/>
+                        </a:solidFill>
+                        <a:latin typeface="Calibri"/>
+                        <a:ea typeface="맑은 고딕"/>
+                        <a:cs typeface="맑은 고딕"/>
+                      </a:endParaRPr>
+                    </a:p>
+                  </a:txBody>
+                  <a:tcPr marL="91440" marR="91440">
+                    <a:lnL w="25400" cap="flat" cmpd="sng" algn="ctr">
+                      <a:solidFill>
+                        <a:srgbClr val="69d8ad">
+                          <a:alpha val="100000"/>
+                        </a:srgbClr>
+                      </a:solidFill>
+                      <a:prstDash val="solid"/>
+                      <a:round/>
+                      <a:headEnd w="med" len="med"/>
+                      <a:tailEnd w="med" len="med"/>
+                    </a:lnL>
+                    <a:lnR w="25400" cap="flat" cmpd="sng" algn="ctr">
+                      <a:solidFill>
+                        <a:srgbClr val="69d8ad">
+                          <a:alpha val="100000"/>
+                        </a:srgbClr>
+                      </a:solidFill>
+                      <a:prstDash val="solid"/>
+                      <a:round/>
+                      <a:headEnd w="med" len="med"/>
+                      <a:tailEnd w="med" len="med"/>
+                    </a:lnR>
+                    <a:lnT w="25400" cap="flat" cmpd="sng" algn="ctr">
+                      <a:solidFill>
+                        <a:srgbClr val="69d8ad">
+                          <a:alpha val="100000"/>
+                        </a:srgbClr>
+                      </a:solidFill>
+                      <a:prstDash val="solid"/>
+                      <a:round/>
+                      <a:headEnd w="med" len="med"/>
+                      <a:tailEnd w="med" len="med"/>
+                    </a:lnT>
+                    <a:lnB w="25400" cap="flat" cmpd="sng" algn="ctr">
+                      <a:solidFill>
+                        <a:srgbClr val="69d8ad">
+                          <a:alpha val="100000"/>
+                        </a:srgbClr>
+                      </a:solidFill>
+                      <a:prstDash val="solid"/>
+                      <a:round/>
+                      <a:headEnd w="med" len="med"/>
+                      <a:tailEnd w="med" len="med"/>
+                    </a:lnB>
+                    <a:solidFill>
+                      <a:srgbClr val="ffffff">
+                        <a:alpha val="100000"/>
+                      </a:srgbClr>
+                    </a:solidFill>
+                  </a:tcPr>
+                </a:tc>
+                <a:tc>
+                  <a:txBody>
+                    <a:bodyPr vert="horz" wrap="square" lIns="91440" tIns="45720" rIns="91440" bIns="45720" anchor="t" anchorCtr="0">
+                      <a:spAutoFit/>
+                    </a:bodyPr>
+                    <a:p>
+                      <a:pPr marL="0" algn="ctr" defTabSz="914400" rtl="0" eaLnBrk="1" latinLnBrk="1" hangingPunct="1">
+                        <a:buNone/>
+                        <a:defRPr/>
+                      </a:pPr>
+                      <a:r>
+                        <a:rPr xmlns:mc="http://schemas.openxmlformats.org/markup-compatibility/2006" xmlns:hp="http://schemas.haansoft.com/office/presentation/8.0" kumimoji="0" lang="ko-KR" altLang="en-US" sz="1800" b="1" i="0" u="none" strike="noStrike" kern="1200" cap="none" normalizeH="0" baseline="0" mc:Ignorable="hp" hp:hslEmbossed="0">
+                          <a:ln w="9525">
+                            <a:solidFill>
+                              <a:srgbClr val="ffffff"/>
+                            </a:solidFill>
+                          </a:ln>
+                          <a:solidFill>
+                            <a:srgbClr val="000000"/>
+                          </a:solidFill>
+                          <a:latin typeface="Calibri"/>
+                          <a:ea typeface="맑은 고딕"/>
+                          <a:cs typeface="맑은 고딕"/>
+                        </a:rPr>
+                        <a:t>검색</a:t>
+                      </a:r>
+                      <a:endParaRPr xmlns:mc="http://schemas.openxmlformats.org/markup-compatibility/2006" xmlns:hp="http://schemas.haansoft.com/office/presentation/8.0" kumimoji="0" lang="ko-KR" altLang="en-US" sz="1800" b="1" i="0" u="none" strike="noStrike" kern="1200" cap="none" normalizeH="0" baseline="0" mc:Ignorable="hp" hp:hslEmbossed="0">
+                        <a:ln w="9525">
+                          <a:solidFill>
+                            <a:srgbClr val="ffffff"/>
+                          </a:solidFill>
+                        </a:ln>
+                        <a:solidFill>
+                          <a:srgbClr val="000000"/>
+                        </a:solidFill>
+                        <a:latin typeface="Calibri"/>
+                        <a:ea typeface="맑은 고딕"/>
+                        <a:cs typeface="맑은 고딕"/>
+                      </a:endParaRPr>
+                    </a:p>
+                  </a:txBody>
+                  <a:tcPr marL="91440" marR="91440">
+                    <a:lnL w="25400" cap="flat" cmpd="sng" algn="ctr">
+                      <a:solidFill>
+                        <a:srgbClr val="69d8ad">
+                          <a:alpha val="100000"/>
+                        </a:srgbClr>
+                      </a:solidFill>
+                      <a:prstDash val="solid"/>
+                      <a:round/>
+                      <a:headEnd w="med" len="med"/>
+                      <a:tailEnd w="med" len="med"/>
+                    </a:lnL>
+                    <a:lnR w="25400" cap="flat" cmpd="sng" algn="ctr">
+                      <a:solidFill>
+                        <a:srgbClr val="69d8ad">
+                          <a:alpha val="100000"/>
+                        </a:srgbClr>
+                      </a:solidFill>
+                      <a:prstDash val="solid"/>
+                      <a:round/>
+                      <a:headEnd w="med" len="med"/>
+                      <a:tailEnd w="med" len="med"/>
+                    </a:lnR>
+                    <a:lnT w="25400" cap="flat" cmpd="sng" algn="ctr">
+                      <a:solidFill>
+                        <a:srgbClr val="69d8ad">
+                          <a:alpha val="100000"/>
+                        </a:srgbClr>
+                      </a:solidFill>
+                      <a:prstDash val="solid"/>
+                      <a:round/>
+                      <a:headEnd w="med" len="med"/>
+                      <a:tailEnd w="med" len="med"/>
+                    </a:lnT>
+                    <a:lnB w="25400" cap="flat" cmpd="sng" algn="ctr">
+                      <a:solidFill>
+                        <a:srgbClr val="69d8ad">
+                          <a:alpha val="100000"/>
+                        </a:srgbClr>
+                      </a:solidFill>
+                      <a:prstDash val="solid"/>
+                      <a:round/>
+                      <a:headEnd w="med" len="med"/>
+                      <a:tailEnd w="med" len="med"/>
+                    </a:lnB>
+                    <a:solidFill>
+                      <a:srgbClr val="ffffff">
+                        <a:alpha val="100000"/>
+                      </a:srgbClr>
+                    </a:solidFill>
+                  </a:tcPr>
+                </a:tc>
+                <a:tc>
+                  <a:txBody>
+                    <a:bodyPr vert="horz" wrap="square" lIns="91440" tIns="45720" rIns="91440" bIns="45720" anchor="t" anchorCtr="0">
+                      <a:spAutoFit/>
+                    </a:bodyPr>
+                    <a:p>
+                      <a:pPr marL="0" algn="ctr" defTabSz="914400" rtl="0" eaLnBrk="1" latinLnBrk="1" hangingPunct="1">
+                        <a:buNone/>
+                        <a:defRPr/>
+                      </a:pPr>
+                      <a:r>
+                        <a:rPr xmlns:mc="http://schemas.openxmlformats.org/markup-compatibility/2006" xmlns:hp="http://schemas.haansoft.com/office/presentation/8.0" kumimoji="0" lang="ko-KR" altLang="en-US" sz="1800" b="1" i="0" u="none" strike="noStrike" kern="1200" cap="none" normalizeH="0" baseline="0" mc:Ignorable="hp" hp:hslEmbossed="0">
+                          <a:ln w="9525">
+                            <a:solidFill>
+                              <a:srgbClr val="ffffff"/>
+                            </a:solidFill>
+                          </a:ln>
+                          <a:solidFill>
+                            <a:srgbClr val="000000"/>
+                          </a:solidFill>
+                          <a:latin typeface="Calibri"/>
+                          <a:ea typeface="맑은 고딕"/>
+                          <a:cs typeface="맑은 고딕"/>
+                        </a:rPr>
+                        <a:t>마이</a:t>
+                      </a:r>
+                      <a:endParaRPr xmlns:mc="http://schemas.openxmlformats.org/markup-compatibility/2006" xmlns:hp="http://schemas.haansoft.com/office/presentation/8.0" kumimoji="0" lang="ko-KR" altLang="en-US" sz="1800" b="1" i="0" u="none" strike="noStrike" kern="1200" cap="none" normalizeH="0" baseline="0" mc:Ignorable="hp" hp:hslEmbossed="0">
+                        <a:ln w="9525">
+                          <a:solidFill>
+                            <a:srgbClr val="ffffff"/>
+                          </a:solidFill>
+                        </a:ln>
+                        <a:solidFill>
+                          <a:srgbClr val="000000"/>
+                        </a:solidFill>
+                        <a:latin typeface="Calibri"/>
+                        <a:ea typeface="맑은 고딕"/>
+                        <a:cs typeface="맑은 고딕"/>
+                      </a:endParaRPr>
+                    </a:p>
+                  </a:txBody>
+                  <a:tcPr marL="91440" marR="91440">
+                    <a:lnL w="25400" cap="flat" cmpd="sng" algn="ctr">
+                      <a:solidFill>
+                        <a:srgbClr val="69d8ad">
+                          <a:alpha val="100000"/>
+                        </a:srgbClr>
+                      </a:solidFill>
+                      <a:prstDash val="solid"/>
+                      <a:round/>
+                      <a:headEnd w="med" len="med"/>
+                      <a:tailEnd w="med" len="med"/>
+                    </a:lnL>
+                    <a:lnR w="25400" cap="flat" cmpd="sng" algn="ctr">
+                      <a:solidFill>
+                        <a:srgbClr val="69d8ad">
+                          <a:alpha val="100000"/>
+                        </a:srgbClr>
+                      </a:solidFill>
+                      <a:prstDash val="solid"/>
+                      <a:round/>
+                      <a:headEnd w="med" len="med"/>
+                      <a:tailEnd w="med" len="med"/>
+                    </a:lnR>
+                    <a:lnT w="25400" cap="flat" cmpd="sng" algn="ctr">
+                      <a:solidFill>
+                        <a:srgbClr val="69d8ad">
+                          <a:alpha val="100000"/>
+                        </a:srgbClr>
+                      </a:solidFill>
+                      <a:prstDash val="solid"/>
+                      <a:round/>
+                      <a:headEnd w="med" len="med"/>
+                      <a:tailEnd w="med" len="med"/>
+                    </a:lnT>
+                    <a:lnB w="25400" cap="flat" cmpd="sng" algn="ctr">
+                      <a:solidFill>
+                        <a:srgbClr val="69d8ad">
+                          <a:alpha val="100000"/>
+                        </a:srgbClr>
+                      </a:solidFill>
+                      <a:prstDash val="solid"/>
+                      <a:round/>
+                      <a:headEnd w="med" len="med"/>
+                      <a:tailEnd w="med" len="med"/>
+                    </a:lnB>
+                    <a:solidFill>
+                      <a:srgbClr val="ffffff">
+                        <a:alpha val="100000"/>
+                      </a:srgbClr>
+                    </a:solidFill>
+                  </a:tcPr>
+                </a:tc>
+              </a:tr>
+            </a:tbl>
+          </a:graphicData>
+        </a:graphic>
+      </p:graphicFrame>
+      <p:sp>
+        <p:nvSpPr>
+          <p:cNvPr id="298" name=""/>
+          <p:cNvSpPr/>
+          <p:nvPr/>
+        </p:nvSpPr>
+        <p:spPr>
+          <a:xfrm>
+            <a:off x="382205" y="2022748"/>
+            <a:ext cx="2896833" cy="3802701"/>
+          </a:xfrm>
+          <a:prstGeom prst="rect">
+            <a:avLst/>
+          </a:prstGeom>
+          <a:solidFill>
+            <a:schemeClr val="lt1"/>
+          </a:solidFill>
+        </p:spPr>
+        <p:style>
+          <a:lnRef idx="2">
+            <a:schemeClr val="accent1">
+              <a:shade val="20000"/>
+            </a:schemeClr>
+          </a:lnRef>
+          <a:fillRef idx="1">
+            <a:schemeClr val="accent1"/>
+          </a:fillRef>
+          <a:effectRef idx="0">
+            <a:schemeClr val="accent1"/>
+          </a:effectRef>
+          <a:fontRef idx="minor">
+            <a:schemeClr val="lt1"/>
+          </a:fontRef>
+        </p:style>
+        <p:txBody>
+          <a:bodyPr anchor="ctr"/>
+          <a:p>
+            <a:pPr algn="ctr">
+              <a:defRPr/>
+            </a:pPr>
+            <a:endParaRPr lang="ko-KR" altLang="en-US"/>
+          </a:p>
+        </p:txBody>
+      </p:sp>
+      <p:sp>
+        <p:nvSpPr>
+          <p:cNvPr id="331" name=""/>
+          <p:cNvSpPr/>
+          <p:nvPr/>
+        </p:nvSpPr>
+        <p:spPr>
+          <a:xfrm>
+            <a:off x="554494" y="2155877"/>
+            <a:ext cx="2536676" cy="795070"/>
+          </a:xfrm>
+          <a:prstGeom prst="rect">
+            <a:avLst/>
+          </a:prstGeom>
+          <a:solidFill>
+            <a:schemeClr val="lt1"/>
+          </a:solidFill>
+        </p:spPr>
+        <p:style>
+          <a:lnRef idx="2">
+            <a:schemeClr val="accent1">
+              <a:shade val="20000"/>
+            </a:schemeClr>
+          </a:lnRef>
+          <a:fillRef idx="1">
+            <a:schemeClr val="accent1"/>
+          </a:fillRef>
+          <a:effectRef idx="0">
+            <a:schemeClr val="accent1"/>
+          </a:effectRef>
+          <a:fontRef idx="minor">
+            <a:schemeClr val="lt1"/>
+          </a:fontRef>
+        </p:style>
+        <p:txBody>
+          <a:bodyPr anchor="ctr"/>
+          <a:p>
+            <a:pPr algn="ctr">
+              <a:defRPr/>
+            </a:pPr>
+            <a:endParaRPr lang="ko-KR" altLang="en-US">
+              <a:solidFill>
+                <a:schemeClr val="dk1"/>
+              </a:solidFill>
+            </a:endParaRPr>
+          </a:p>
+        </p:txBody>
+      </p:sp>
+      <p:sp>
+        <p:nvSpPr>
+          <p:cNvPr id="333" name=""/>
+          <p:cNvSpPr/>
+          <p:nvPr/>
+        </p:nvSpPr>
+        <p:spPr>
+          <a:xfrm>
+            <a:off x="669790" y="2278906"/>
+            <a:ext cx="719441" cy="567447"/>
+          </a:xfrm>
+          <a:prstGeom prst="rect">
+            <a:avLst/>
+          </a:prstGeom>
+          <a:solidFill>
+            <a:schemeClr val="lt1"/>
+          </a:solidFill>
+        </p:spPr>
+        <p:style>
+          <a:lnRef idx="2">
+            <a:schemeClr val="accent1">
+              <a:shade val="20000"/>
+            </a:schemeClr>
+          </a:lnRef>
+          <a:fillRef idx="1">
+            <a:schemeClr val="accent1"/>
+          </a:fillRef>
+          <a:effectRef idx="0">
+            <a:schemeClr val="accent1"/>
+          </a:effectRef>
+          <a:fontRef idx="minor">
+            <a:schemeClr val="lt1"/>
+          </a:fontRef>
+        </p:style>
+        <p:txBody>
+          <a:bodyPr anchor="ctr"/>
+          <a:p>
+            <a:pPr algn="ctr">
+              <a:defRPr/>
+            </a:pPr>
+            <a:r>
+              <a:rPr lang="ko-KR" altLang="en-US">
+                <a:solidFill>
+                  <a:schemeClr val="dk1"/>
+                </a:solidFill>
+              </a:rPr>
+              <a:t>사진</a:t>
+            </a:r>
+            <a:endParaRPr lang="ko-KR" altLang="en-US">
+              <a:solidFill>
+                <a:schemeClr val="dk1"/>
+              </a:solidFill>
+            </a:endParaRPr>
+          </a:p>
+        </p:txBody>
+      </p:sp>
+      <p:sp>
+        <p:nvSpPr>
+          <p:cNvPr id="334" name=""/>
+          <p:cNvSpPr/>
+          <p:nvPr/>
+        </p:nvSpPr>
+        <p:spPr>
+          <a:xfrm>
+            <a:off x="1551359" y="2278907"/>
+            <a:ext cx="1327420" cy="216027"/>
+          </a:xfrm>
+          <a:prstGeom prst="rect">
+            <a:avLst/>
+          </a:prstGeom>
+          <a:solidFill>
+            <a:schemeClr val="lt1"/>
+          </a:solidFill>
+        </p:spPr>
+        <p:style>
+          <a:lnRef idx="2">
+            <a:schemeClr val="accent1">
+              <a:shade val="20000"/>
+            </a:schemeClr>
+          </a:lnRef>
+          <a:fillRef idx="1">
+            <a:schemeClr val="accent1"/>
+          </a:fillRef>
+          <a:effectRef idx="0">
+            <a:schemeClr val="accent1"/>
+          </a:effectRef>
+          <a:fontRef idx="minor">
+            <a:schemeClr val="lt1"/>
+          </a:fontRef>
+        </p:style>
+        <p:txBody>
+          <a:bodyPr anchor="ctr"/>
+          <a:p>
+            <a:pPr algn="ctr">
+              <a:defRPr/>
+            </a:pPr>
+            <a:r>
+              <a:rPr lang="ko-KR" altLang="en-US" sz="1200">
+                <a:solidFill>
+                  <a:schemeClr val="dk1"/>
+                </a:solidFill>
+              </a:rPr>
+              <a:t>상품명</a:t>
+            </a:r>
+            <a:endParaRPr lang="ko-KR" altLang="en-US" sz="1200">
+              <a:solidFill>
+                <a:schemeClr val="dk1"/>
+              </a:solidFill>
+            </a:endParaRPr>
+          </a:p>
+        </p:txBody>
+      </p:sp>
+      <p:sp>
+        <p:nvSpPr>
+          <p:cNvPr id="336" name=""/>
+          <p:cNvSpPr/>
+          <p:nvPr/>
+        </p:nvSpPr>
+        <p:spPr>
+          <a:xfrm>
+            <a:off x="1551359" y="2652564"/>
+            <a:ext cx="1327420" cy="216027"/>
+          </a:xfrm>
+          <a:prstGeom prst="rect">
+            <a:avLst/>
+          </a:prstGeom>
+          <a:solidFill>
+            <a:srgbClr val="ffffff">
+              <a:alpha val="100000"/>
+            </a:srgbClr>
+          </a:solidFill>
+          <a:ln w="19050" cap="flat" cmpd="sng" algn="ctr">
+            <a:solidFill>
+              <a:srgbClr val="2e3e67">
+                <a:alpha val="100000"/>
+              </a:srgbClr>
+            </a:solidFill>
+            <a:prstDash val="solid"/>
+          </a:ln>
+        </p:spPr>
+        <p:txBody>
+          <a:bodyPr anchor="ctr"/>
+          <a:p>
+            <a:pPr marL="0" indent="0" algn="ctr" defTabSz="914400" rtl="0" eaLnBrk="1" latinLnBrk="1" hangingPunct="1">
+              <a:lnSpc>
+                <a:spcPct val="100000"/>
+              </a:lnSpc>
+              <a:spcBef>
+                <a:spcPct val="0"/>
+              </a:spcBef>
+              <a:spcAft>
+                <a:spcPts val="0"/>
+              </a:spcAft>
+              <a:buNone/>
+              <a:defRPr/>
+            </a:pPr>
+            <a:r>
+              <a:rPr xmlns:mc="http://schemas.openxmlformats.org/markup-compatibility/2006" xmlns:hp="http://schemas.haansoft.com/office/presentation/8.0" kumimoji="0" lang="ko-KR" altLang="en-US" sz="1200" b="0" i="0" u="none" strike="noStrike" kern="1200" cap="none" spc="0" normalizeH="0" baseline="0" mc:Ignorable="hp" hp:hslEmbossed="0">
+                <a:solidFill>
+                  <a:srgbClr val="000000"/>
+                </a:solidFill>
+                <a:latin typeface="Calibri"/>
+                <a:ea typeface="맑은 고딕"/>
+                <a:cs typeface="맑은 고딕"/>
+              </a:rPr>
+              <a:t>수량 </a:t>
+            </a:r>
+            <a:r>
+              <a:rPr xmlns:mc="http://schemas.openxmlformats.org/markup-compatibility/2006" xmlns:hp="http://schemas.haansoft.com/office/presentation/8.0" kumimoji="0" lang="en-US" altLang="ko-KR" sz="1200" b="0" i="0" u="none" strike="noStrike" kern="1200" cap="none" spc="0" normalizeH="0" baseline="0" mc:Ignorable="hp" hp:hslEmbossed="0">
+                <a:solidFill>
+                  <a:srgbClr val="000000"/>
+                </a:solidFill>
+                <a:latin typeface="Calibri"/>
+                <a:ea typeface="맑은 고딕"/>
+                <a:cs typeface="맑은 고딕"/>
+              </a:rPr>
+              <a:t>/</a:t>
+            </a:r>
+            <a:r>
+              <a:rPr xmlns:mc="http://schemas.openxmlformats.org/markup-compatibility/2006" xmlns:hp="http://schemas.haansoft.com/office/presentation/8.0" kumimoji="0" lang="ko-KR" altLang="en-US" sz="1200" b="0" i="0" u="none" strike="noStrike" kern="1200" cap="none" spc="0" normalizeH="0" baseline="0" mc:Ignorable="hp" hp:hslEmbossed="0">
+                <a:solidFill>
+                  <a:srgbClr val="000000"/>
+                </a:solidFill>
+                <a:latin typeface="Calibri"/>
+                <a:ea typeface="맑은 고딕"/>
+                <a:cs typeface="맑은 고딕"/>
+              </a:rPr>
+              <a:t> 금액</a:t>
+            </a:r>
+            <a:endParaRPr xmlns:mc="http://schemas.openxmlformats.org/markup-compatibility/2006" xmlns:hp="http://schemas.haansoft.com/office/presentation/8.0" kumimoji="0" lang="ko-KR" altLang="en-US" sz="1200" b="0" i="0" u="none" strike="noStrike" kern="1200" cap="none" spc="0" normalizeH="0" baseline="0" mc:Ignorable="hp" hp:hslEmbossed="0">
+              <a:solidFill>
+                <a:srgbClr val="000000"/>
+              </a:solidFill>
+              <a:latin typeface="Calibri"/>
+              <a:ea typeface="맑은 고딕"/>
+              <a:cs typeface="맑은 고딕"/>
+            </a:endParaRPr>
+          </a:p>
+        </p:txBody>
+      </p:sp>
+      <p:sp>
+        <p:nvSpPr>
+          <p:cNvPr id="337" name=""/>
+          <p:cNvSpPr/>
+          <p:nvPr/>
+        </p:nvSpPr>
+        <p:spPr>
+          <a:xfrm>
+            <a:off x="566941" y="3089943"/>
+            <a:ext cx="2536676" cy="795070"/>
+          </a:xfrm>
+          <a:prstGeom prst="rect">
+            <a:avLst/>
+          </a:prstGeom>
+          <a:solidFill>
+            <a:srgbClr val="ffffff">
+              <a:alpha val="100000"/>
+            </a:srgbClr>
+          </a:solidFill>
+          <a:ln w="19050" cap="flat" cmpd="sng" algn="ctr">
+            <a:solidFill>
+              <a:srgbClr val="2e3e67">
+                <a:alpha val="100000"/>
+              </a:srgbClr>
+            </a:solidFill>
+            <a:prstDash val="solid"/>
+          </a:ln>
+        </p:spPr>
+        <p:txBody>
+          <a:bodyPr anchor="ctr"/>
+          <a:p>
+            <a:pPr marL="0" indent="0" algn="ctr" defTabSz="914400" rtl="0" eaLnBrk="1" latinLnBrk="1" hangingPunct="1">
+              <a:lnSpc>
+                <a:spcPct val="100000"/>
+              </a:lnSpc>
+              <a:spcBef>
+                <a:spcPct val="0"/>
+              </a:spcBef>
+              <a:spcAft>
+                <a:spcPts val="0"/>
+              </a:spcAft>
+              <a:buNone/>
+              <a:defRPr/>
+            </a:pPr>
+            <a:endParaRPr xmlns:mc="http://schemas.openxmlformats.org/markup-compatibility/2006" xmlns:hp="http://schemas.haansoft.com/office/presentation/8.0" kumimoji="0" lang="ko-KR" altLang="en-US" sz="1800" b="0" i="0" u="none" strike="noStrike" kern="1200" cap="none" spc="0" normalizeH="0" baseline="0" mc:Ignorable="hp" hp:hslEmbossed="0">
+              <a:solidFill>
+                <a:srgbClr val="000000"/>
+              </a:solidFill>
+              <a:latin typeface="Calibri"/>
+              <a:ea typeface="맑은 고딕"/>
+              <a:cs typeface="맑은 고딕"/>
+            </a:endParaRPr>
+          </a:p>
+        </p:txBody>
+      </p:sp>
+      <p:sp>
+        <p:nvSpPr>
+          <p:cNvPr id="338" name=""/>
+          <p:cNvSpPr/>
+          <p:nvPr/>
+        </p:nvSpPr>
+        <p:spPr>
+          <a:xfrm>
+            <a:off x="682237" y="3212972"/>
+            <a:ext cx="719441" cy="567447"/>
+          </a:xfrm>
+          <a:prstGeom prst="rect">
+            <a:avLst/>
+          </a:prstGeom>
+          <a:solidFill>
+            <a:srgbClr val="ffffff">
+              <a:alpha val="100000"/>
+            </a:srgbClr>
+          </a:solidFill>
+          <a:ln w="19050" cap="flat" cmpd="sng" algn="ctr">
+            <a:solidFill>
+              <a:srgbClr val="2e3e67">
+                <a:alpha val="100000"/>
+              </a:srgbClr>
+            </a:solidFill>
+            <a:prstDash val="solid"/>
+          </a:ln>
+        </p:spPr>
+        <p:txBody>
+          <a:bodyPr anchor="ctr"/>
+          <a:p>
+            <a:pPr marL="0" indent="0" algn="ctr" defTabSz="914400" rtl="0" eaLnBrk="1" latinLnBrk="1" hangingPunct="1">
+              <a:lnSpc>
+                <a:spcPct val="100000"/>
+              </a:lnSpc>
+              <a:spcBef>
+                <a:spcPct val="0"/>
+              </a:spcBef>
+              <a:spcAft>
+                <a:spcPts val="0"/>
+              </a:spcAft>
+              <a:buNone/>
+              <a:defRPr/>
+            </a:pPr>
+            <a:r>
+              <a:rPr xmlns:mc="http://schemas.openxmlformats.org/markup-compatibility/2006" xmlns:hp="http://schemas.haansoft.com/office/presentation/8.0" kumimoji="0" lang="ko-KR" altLang="en-US" sz="1800" b="0" i="0" u="none" strike="noStrike" kern="1200" cap="none" spc="0" normalizeH="0" baseline="0" mc:Ignorable="hp" hp:hslEmbossed="0">
+                <a:solidFill>
+                  <a:srgbClr val="000000"/>
+                </a:solidFill>
+                <a:latin typeface="Calibri"/>
+                <a:ea typeface="맑은 고딕"/>
+                <a:cs typeface="맑은 고딕"/>
+              </a:rPr>
+              <a:t>사진</a:t>
+            </a:r>
+            <a:endParaRPr xmlns:mc="http://schemas.openxmlformats.org/markup-compatibility/2006" xmlns:hp="http://schemas.haansoft.com/office/presentation/8.0" kumimoji="0" lang="ko-KR" altLang="en-US" sz="1800" b="0" i="0" u="none" strike="noStrike" kern="1200" cap="none" spc="0" normalizeH="0" baseline="0" mc:Ignorable="hp" hp:hslEmbossed="0">
+              <a:solidFill>
+                <a:srgbClr val="000000"/>
+              </a:solidFill>
+              <a:latin typeface="Calibri"/>
+              <a:ea typeface="맑은 고딕"/>
+              <a:cs typeface="맑은 고딕"/>
+            </a:endParaRPr>
+          </a:p>
+        </p:txBody>
+      </p:sp>
+      <p:sp>
+        <p:nvSpPr>
+          <p:cNvPr id="339" name=""/>
+          <p:cNvSpPr/>
+          <p:nvPr/>
+        </p:nvSpPr>
+        <p:spPr>
+          <a:xfrm>
+            <a:off x="1563806" y="3212973"/>
+            <a:ext cx="1327420" cy="216027"/>
+          </a:xfrm>
+          <a:prstGeom prst="rect">
+            <a:avLst/>
+          </a:prstGeom>
+          <a:solidFill>
+            <a:srgbClr val="ffffff">
+              <a:alpha val="100000"/>
+            </a:srgbClr>
+          </a:solidFill>
+          <a:ln w="19050" cap="flat" cmpd="sng" algn="ctr">
+            <a:solidFill>
+              <a:srgbClr val="2e3e67">
+                <a:alpha val="100000"/>
+              </a:srgbClr>
+            </a:solidFill>
+            <a:prstDash val="solid"/>
+          </a:ln>
+        </p:spPr>
+        <p:txBody>
+          <a:bodyPr anchor="ctr"/>
+          <a:p>
+            <a:pPr marL="0" indent="0" algn="ctr" defTabSz="914400" rtl="0" eaLnBrk="1" latinLnBrk="1" hangingPunct="1">
+              <a:lnSpc>
+                <a:spcPct val="100000"/>
+              </a:lnSpc>
+              <a:spcBef>
+                <a:spcPct val="0"/>
+              </a:spcBef>
+              <a:spcAft>
+                <a:spcPts val="0"/>
+              </a:spcAft>
+              <a:buNone/>
+              <a:defRPr/>
+            </a:pPr>
+            <a:r>
+              <a:rPr xmlns:mc="http://schemas.openxmlformats.org/markup-compatibility/2006" xmlns:hp="http://schemas.haansoft.com/office/presentation/8.0" kumimoji="0" lang="ko-KR" altLang="en-US" sz="1200" b="0" i="0" u="none" strike="noStrike" kern="1200" cap="none" spc="0" normalizeH="0" baseline="0" mc:Ignorable="hp" hp:hslEmbossed="0">
+                <a:solidFill>
+                  <a:srgbClr val="000000"/>
+                </a:solidFill>
+                <a:latin typeface="Calibri"/>
+                <a:ea typeface="맑은 고딕"/>
+                <a:cs typeface="맑은 고딕"/>
+              </a:rPr>
+              <a:t>상품명</a:t>
+            </a:r>
+            <a:endParaRPr xmlns:mc="http://schemas.openxmlformats.org/markup-compatibility/2006" xmlns:hp="http://schemas.haansoft.com/office/presentation/8.0" kumimoji="0" lang="ko-KR" altLang="en-US" sz="1200" b="0" i="0" u="none" strike="noStrike" kern="1200" cap="none" spc="0" normalizeH="0" baseline="0" mc:Ignorable="hp" hp:hslEmbossed="0">
+              <a:solidFill>
+                <a:srgbClr val="000000"/>
+              </a:solidFill>
+              <a:latin typeface="Calibri"/>
+              <a:ea typeface="맑은 고딕"/>
+              <a:cs typeface="맑은 고딕"/>
+            </a:endParaRPr>
+          </a:p>
+        </p:txBody>
+      </p:sp>
+      <p:sp>
+        <p:nvSpPr>
+          <p:cNvPr id="340" name=""/>
+          <p:cNvSpPr/>
+          <p:nvPr/>
+        </p:nvSpPr>
+        <p:spPr>
+          <a:xfrm>
+            <a:off x="1563806" y="3586630"/>
+            <a:ext cx="1327420" cy="216027"/>
+          </a:xfrm>
+          <a:prstGeom prst="rect">
+            <a:avLst/>
+          </a:prstGeom>
+          <a:solidFill>
+            <a:srgbClr val="ffffff">
+              <a:alpha val="100000"/>
+            </a:srgbClr>
+          </a:solidFill>
+          <a:ln w="19050" cap="flat" cmpd="sng" algn="ctr">
+            <a:solidFill>
+              <a:srgbClr val="2e3e67">
+                <a:alpha val="100000"/>
+              </a:srgbClr>
+            </a:solidFill>
+            <a:prstDash val="solid"/>
+          </a:ln>
+        </p:spPr>
+        <p:txBody>
+          <a:bodyPr anchor="ctr"/>
+          <a:p>
+            <a:pPr marL="0" indent="0" algn="ctr" defTabSz="914400" rtl="0" eaLnBrk="1" latinLnBrk="1" hangingPunct="1">
+              <a:lnSpc>
+                <a:spcPct val="100000"/>
+              </a:lnSpc>
+              <a:spcBef>
+                <a:spcPct val="0"/>
+              </a:spcBef>
+              <a:spcAft>
+                <a:spcPts val="0"/>
+              </a:spcAft>
+              <a:buNone/>
+              <a:defRPr/>
+            </a:pPr>
+            <a:r>
+              <a:rPr xmlns:mc="http://schemas.openxmlformats.org/markup-compatibility/2006" xmlns:hp="http://schemas.haansoft.com/office/presentation/8.0" kumimoji="0" lang="ko-KR" altLang="en-US" sz="1200" b="0" i="0" u="none" strike="noStrike" kern="1200" cap="none" spc="0" normalizeH="0" baseline="0" mc:Ignorable="hp" hp:hslEmbossed="0">
+                <a:solidFill>
+                  <a:srgbClr val="000000"/>
+                </a:solidFill>
+                <a:latin typeface="Calibri"/>
+                <a:ea typeface="맑은 고딕"/>
+                <a:cs typeface="맑은 고딕"/>
+              </a:rPr>
+              <a:t>수량 </a:t>
+            </a:r>
+            <a:r>
+              <a:rPr xmlns:mc="http://schemas.openxmlformats.org/markup-compatibility/2006" xmlns:hp="http://schemas.haansoft.com/office/presentation/8.0" kumimoji="0" lang="en-US" altLang="ko-KR" sz="1200" b="0" i="0" u="none" strike="noStrike" kern="1200" cap="none" spc="0" normalizeH="0" baseline="0" mc:Ignorable="hp" hp:hslEmbossed="0">
+                <a:solidFill>
+                  <a:srgbClr val="000000"/>
+                </a:solidFill>
+                <a:latin typeface="Calibri"/>
+                <a:ea typeface="맑은 고딕"/>
+                <a:cs typeface="맑은 고딕"/>
+              </a:rPr>
+              <a:t>/</a:t>
+            </a:r>
+            <a:r>
+              <a:rPr xmlns:mc="http://schemas.openxmlformats.org/markup-compatibility/2006" xmlns:hp="http://schemas.haansoft.com/office/presentation/8.0" kumimoji="0" lang="ko-KR" altLang="en-US" sz="1200" b="0" i="0" u="none" strike="noStrike" kern="1200" cap="none" spc="0" normalizeH="0" baseline="0" mc:Ignorable="hp" hp:hslEmbossed="0">
+                <a:solidFill>
+                  <a:srgbClr val="000000"/>
+                </a:solidFill>
+                <a:latin typeface="Calibri"/>
+                <a:ea typeface="맑은 고딕"/>
+                <a:cs typeface="맑은 고딕"/>
+              </a:rPr>
+              <a:t> 금액</a:t>
+            </a:r>
+            <a:endParaRPr xmlns:mc="http://schemas.openxmlformats.org/markup-compatibility/2006" xmlns:hp="http://schemas.haansoft.com/office/presentation/8.0" kumimoji="0" lang="ko-KR" altLang="en-US" sz="1200" b="0" i="0" u="none" strike="noStrike" kern="1200" cap="none" spc="0" normalizeH="0" baseline="0" mc:Ignorable="hp" hp:hslEmbossed="0">
+              <a:solidFill>
+                <a:srgbClr val="000000"/>
+              </a:solidFill>
+              <a:latin typeface="Calibri"/>
+              <a:ea typeface="맑은 고딕"/>
+              <a:cs typeface="맑은 고딕"/>
+            </a:endParaRPr>
+          </a:p>
+        </p:txBody>
+      </p:sp>
+      <p:sp>
+        <p:nvSpPr>
+          <p:cNvPr id="341" name=""/>
+          <p:cNvSpPr/>
+          <p:nvPr/>
+        </p:nvSpPr>
+        <p:spPr>
+          <a:xfrm>
+            <a:off x="566941" y="4051149"/>
+            <a:ext cx="2536676" cy="795070"/>
+          </a:xfrm>
+          <a:prstGeom prst="rect">
+            <a:avLst/>
+          </a:prstGeom>
+          <a:solidFill>
+            <a:srgbClr val="ffffff">
+              <a:alpha val="100000"/>
+            </a:srgbClr>
+          </a:solidFill>
+          <a:ln w="19050" cap="flat" cmpd="sng" algn="ctr">
+            <a:solidFill>
+              <a:srgbClr val="2e3e67">
+                <a:alpha val="100000"/>
+              </a:srgbClr>
+            </a:solidFill>
+            <a:prstDash val="solid"/>
+          </a:ln>
+        </p:spPr>
+        <p:txBody>
+          <a:bodyPr anchor="ctr"/>
+          <a:p>
+            <a:pPr marL="0" indent="0" algn="ctr" defTabSz="914400" rtl="0" eaLnBrk="1" latinLnBrk="1" hangingPunct="1">
+              <a:lnSpc>
+                <a:spcPct val="100000"/>
+              </a:lnSpc>
+              <a:spcBef>
+                <a:spcPct val="0"/>
+              </a:spcBef>
+              <a:spcAft>
+                <a:spcPts val="0"/>
+              </a:spcAft>
+              <a:buNone/>
+              <a:defRPr/>
+            </a:pPr>
+            <a:endParaRPr xmlns:mc="http://schemas.openxmlformats.org/markup-compatibility/2006" xmlns:hp="http://schemas.haansoft.com/office/presentation/8.0" kumimoji="0" lang="ko-KR" altLang="en-US" sz="1800" b="0" i="0" u="none" strike="noStrike" kern="1200" cap="none" spc="0" normalizeH="0" baseline="0" mc:Ignorable="hp" hp:hslEmbossed="0">
+              <a:solidFill>
+                <a:srgbClr val="000000"/>
+              </a:solidFill>
+              <a:latin typeface="Calibri"/>
+              <a:ea typeface="맑은 고딕"/>
+              <a:cs typeface="맑은 고딕"/>
+            </a:endParaRPr>
+          </a:p>
+        </p:txBody>
+      </p:sp>
+      <p:sp>
+        <p:nvSpPr>
+          <p:cNvPr id="342" name=""/>
+          <p:cNvSpPr/>
+          <p:nvPr/>
+        </p:nvSpPr>
+        <p:spPr>
+          <a:xfrm>
+            <a:off x="682237" y="4174179"/>
+            <a:ext cx="719441" cy="567447"/>
+          </a:xfrm>
+          <a:prstGeom prst="rect">
+            <a:avLst/>
+          </a:prstGeom>
+          <a:solidFill>
+            <a:srgbClr val="ffffff">
+              <a:alpha val="100000"/>
+            </a:srgbClr>
+          </a:solidFill>
+          <a:ln w="19050" cap="flat" cmpd="sng" algn="ctr">
+            <a:solidFill>
+              <a:srgbClr val="2e3e67">
+                <a:alpha val="100000"/>
+              </a:srgbClr>
+            </a:solidFill>
+            <a:prstDash val="solid"/>
+          </a:ln>
+        </p:spPr>
+        <p:txBody>
+          <a:bodyPr anchor="ctr"/>
+          <a:p>
+            <a:pPr marL="0" indent="0" algn="ctr" defTabSz="914400" rtl="0" eaLnBrk="1" latinLnBrk="1" hangingPunct="1">
+              <a:lnSpc>
+                <a:spcPct val="100000"/>
+              </a:lnSpc>
+              <a:spcBef>
+                <a:spcPct val="0"/>
+              </a:spcBef>
+              <a:spcAft>
+                <a:spcPts val="0"/>
+              </a:spcAft>
+              <a:buNone/>
+              <a:defRPr/>
+            </a:pPr>
+            <a:r>
+              <a:rPr xmlns:mc="http://schemas.openxmlformats.org/markup-compatibility/2006" xmlns:hp="http://schemas.haansoft.com/office/presentation/8.0" kumimoji="0" lang="ko-KR" altLang="en-US" sz="1800" b="0" i="0" u="none" strike="noStrike" kern="1200" cap="none" spc="0" normalizeH="0" baseline="0" mc:Ignorable="hp" hp:hslEmbossed="0">
+                <a:solidFill>
+                  <a:srgbClr val="000000"/>
+                </a:solidFill>
+                <a:latin typeface="Calibri"/>
+                <a:ea typeface="맑은 고딕"/>
+                <a:cs typeface="맑은 고딕"/>
+              </a:rPr>
+              <a:t>사진</a:t>
+            </a:r>
+            <a:endParaRPr xmlns:mc="http://schemas.openxmlformats.org/markup-compatibility/2006" xmlns:hp="http://schemas.haansoft.com/office/presentation/8.0" kumimoji="0" lang="ko-KR" altLang="en-US" sz="1800" b="0" i="0" u="none" strike="noStrike" kern="1200" cap="none" spc="0" normalizeH="0" baseline="0" mc:Ignorable="hp" hp:hslEmbossed="0">
+              <a:solidFill>
+                <a:srgbClr val="000000"/>
+              </a:solidFill>
+              <a:latin typeface="Calibri"/>
+              <a:ea typeface="맑은 고딕"/>
+              <a:cs typeface="맑은 고딕"/>
+            </a:endParaRPr>
+          </a:p>
+        </p:txBody>
+      </p:sp>
+      <p:sp>
+        <p:nvSpPr>
+          <p:cNvPr id="343" name=""/>
+          <p:cNvSpPr/>
+          <p:nvPr/>
+        </p:nvSpPr>
+        <p:spPr>
+          <a:xfrm>
+            <a:off x="1563806" y="4174179"/>
+            <a:ext cx="1327420" cy="216027"/>
+          </a:xfrm>
+          <a:prstGeom prst="rect">
+            <a:avLst/>
+          </a:prstGeom>
+          <a:solidFill>
+            <a:srgbClr val="ffffff">
+              <a:alpha val="100000"/>
+            </a:srgbClr>
+          </a:solidFill>
+          <a:ln w="19050" cap="flat" cmpd="sng" algn="ctr">
+            <a:solidFill>
+              <a:srgbClr val="2e3e67">
+                <a:alpha val="100000"/>
+              </a:srgbClr>
+            </a:solidFill>
+            <a:prstDash val="solid"/>
+          </a:ln>
+        </p:spPr>
+        <p:txBody>
+          <a:bodyPr anchor="ctr"/>
+          <a:p>
+            <a:pPr marL="0" indent="0" algn="ctr" defTabSz="914400" rtl="0" eaLnBrk="1" latinLnBrk="1" hangingPunct="1">
+              <a:lnSpc>
+                <a:spcPct val="100000"/>
+              </a:lnSpc>
+              <a:spcBef>
+                <a:spcPct val="0"/>
+              </a:spcBef>
+              <a:spcAft>
+                <a:spcPts val="0"/>
+              </a:spcAft>
+              <a:buNone/>
+              <a:defRPr/>
+            </a:pPr>
+            <a:r>
+              <a:rPr xmlns:mc="http://schemas.openxmlformats.org/markup-compatibility/2006" xmlns:hp="http://schemas.haansoft.com/office/presentation/8.0" kumimoji="0" lang="ko-KR" altLang="en-US" sz="1200" b="0" i="0" u="none" strike="noStrike" kern="1200" cap="none" spc="0" normalizeH="0" baseline="0" mc:Ignorable="hp" hp:hslEmbossed="0">
+                <a:solidFill>
+                  <a:srgbClr val="000000"/>
+                </a:solidFill>
+                <a:latin typeface="Calibri"/>
+                <a:ea typeface="맑은 고딕"/>
+                <a:cs typeface="맑은 고딕"/>
+              </a:rPr>
+              <a:t>상품명</a:t>
+            </a:r>
+            <a:endParaRPr xmlns:mc="http://schemas.openxmlformats.org/markup-compatibility/2006" xmlns:hp="http://schemas.haansoft.com/office/presentation/8.0" kumimoji="0" lang="ko-KR" altLang="en-US" sz="1200" b="0" i="0" u="none" strike="noStrike" kern="1200" cap="none" spc="0" normalizeH="0" baseline="0" mc:Ignorable="hp" hp:hslEmbossed="0">
+              <a:solidFill>
+                <a:srgbClr val="000000"/>
+              </a:solidFill>
+              <a:latin typeface="Calibri"/>
+              <a:ea typeface="맑은 고딕"/>
+              <a:cs typeface="맑은 고딕"/>
+            </a:endParaRPr>
+          </a:p>
+        </p:txBody>
+      </p:sp>
+      <p:sp>
+        <p:nvSpPr>
+          <p:cNvPr id="344" name=""/>
+          <p:cNvSpPr/>
+          <p:nvPr/>
+        </p:nvSpPr>
+        <p:spPr>
+          <a:xfrm>
+            <a:off x="1563806" y="4547837"/>
+            <a:ext cx="1327420" cy="216027"/>
+          </a:xfrm>
+          <a:prstGeom prst="rect">
+            <a:avLst/>
+          </a:prstGeom>
+          <a:solidFill>
+            <a:srgbClr val="ffffff">
+              <a:alpha val="100000"/>
+            </a:srgbClr>
+          </a:solidFill>
+          <a:ln w="19050" cap="flat" cmpd="sng" algn="ctr">
+            <a:solidFill>
+              <a:srgbClr val="2e3e67">
+                <a:alpha val="100000"/>
+              </a:srgbClr>
+            </a:solidFill>
+            <a:prstDash val="solid"/>
+          </a:ln>
+        </p:spPr>
+        <p:txBody>
+          <a:bodyPr anchor="ctr"/>
+          <a:p>
+            <a:pPr marL="0" indent="0" algn="ctr" defTabSz="914400" rtl="0" eaLnBrk="1" latinLnBrk="1" hangingPunct="1">
+              <a:lnSpc>
+                <a:spcPct val="100000"/>
+              </a:lnSpc>
+              <a:spcBef>
+                <a:spcPct val="0"/>
+              </a:spcBef>
+              <a:spcAft>
+                <a:spcPts val="0"/>
+              </a:spcAft>
+              <a:buNone/>
+              <a:defRPr/>
+            </a:pPr>
+            <a:r>
+              <a:rPr xmlns:mc="http://schemas.openxmlformats.org/markup-compatibility/2006" xmlns:hp="http://schemas.haansoft.com/office/presentation/8.0" kumimoji="0" lang="ko-KR" altLang="en-US" sz="1200" b="0" i="0" u="none" strike="noStrike" kern="1200" cap="none" spc="0" normalizeH="0" baseline="0" mc:Ignorable="hp" hp:hslEmbossed="0">
+                <a:solidFill>
+                  <a:srgbClr val="000000"/>
+                </a:solidFill>
+                <a:latin typeface="Calibri"/>
+                <a:ea typeface="맑은 고딕"/>
+                <a:cs typeface="맑은 고딕"/>
+              </a:rPr>
+              <a:t>수량 </a:t>
+            </a:r>
+            <a:r>
+              <a:rPr xmlns:mc="http://schemas.openxmlformats.org/markup-compatibility/2006" xmlns:hp="http://schemas.haansoft.com/office/presentation/8.0" kumimoji="0" lang="en-US" altLang="ko-KR" sz="1200" b="0" i="0" u="none" strike="noStrike" kern="1200" cap="none" spc="0" normalizeH="0" baseline="0" mc:Ignorable="hp" hp:hslEmbossed="0">
+                <a:solidFill>
+                  <a:srgbClr val="000000"/>
+                </a:solidFill>
+                <a:latin typeface="Calibri"/>
+                <a:ea typeface="맑은 고딕"/>
+                <a:cs typeface="맑은 고딕"/>
+              </a:rPr>
+              <a:t>/</a:t>
+            </a:r>
+            <a:r>
+              <a:rPr xmlns:mc="http://schemas.openxmlformats.org/markup-compatibility/2006" xmlns:hp="http://schemas.haansoft.com/office/presentation/8.0" kumimoji="0" lang="ko-KR" altLang="en-US" sz="1200" b="0" i="0" u="none" strike="noStrike" kern="1200" cap="none" spc="0" normalizeH="0" baseline="0" mc:Ignorable="hp" hp:hslEmbossed="0">
+                <a:solidFill>
+                  <a:srgbClr val="000000"/>
+                </a:solidFill>
+                <a:latin typeface="Calibri"/>
+                <a:ea typeface="맑은 고딕"/>
+                <a:cs typeface="맑은 고딕"/>
+              </a:rPr>
+              <a:t> 금액</a:t>
+            </a:r>
+            <a:endParaRPr xmlns:mc="http://schemas.openxmlformats.org/markup-compatibility/2006" xmlns:hp="http://schemas.haansoft.com/office/presentation/8.0" kumimoji="0" lang="ko-KR" altLang="en-US" sz="1200" b="0" i="0" u="none" strike="noStrike" kern="1200" cap="none" spc="0" normalizeH="0" baseline="0" mc:Ignorable="hp" hp:hslEmbossed="0">
+              <a:solidFill>
+                <a:srgbClr val="000000"/>
+              </a:solidFill>
+              <a:latin typeface="Calibri"/>
+              <a:ea typeface="맑은 고딕"/>
+              <a:cs typeface="맑은 고딕"/>
+            </a:endParaRPr>
+          </a:p>
+        </p:txBody>
+      </p:sp>
+      <p:sp>
+        <p:nvSpPr>
+          <p:cNvPr id="364" name="Shape 434"/>
+          <p:cNvSpPr/>
+          <p:nvPr/>
+        </p:nvSpPr>
+        <p:spPr>
+          <a:xfrm>
+            <a:off x="3889193" y="1101365"/>
+            <a:ext cx="2908790" cy="5152103"/>
+          </a:xfrm>
+          <a:prstGeom prst="rect">
+            <a:avLst/>
+          </a:prstGeom>
+          <a:ln>
+            <a:solidFill>
+              <a:srgbClr val="000000">
+                <a:alpha val="100000"/>
+              </a:srgbClr>
+            </a:solidFill>
+          </a:ln>
+        </p:spPr>
+        <p:txBody>
+          <a:bodyPr lIns="45324" tIns="45324" rIns="45324" bIns="45324"/>
+          <a:p>
+            <a:pPr marL="0" indent="0" algn="ctr" defTabSz="906145" rtl="0" eaLnBrk="1" latinLnBrk="0" hangingPunct="0">
+              <a:lnSpc>
+                <a:spcPct val="120000"/>
+              </a:lnSpc>
+              <a:spcBef>
+                <a:spcPct val="0"/>
+              </a:spcBef>
+              <a:spcAft>
+                <a:spcPts val="0"/>
+              </a:spcAft>
+              <a:buNone/>
+              <a:defRPr sz="700" b="1">
+                <a:latin typeface="Wingdings"/>
+                <a:ea typeface="Wingdings"/>
+                <a:cs typeface="Wingdings"/>
+                <a:sym typeface="Wingdings"/>
+              </a:defRPr>
+            </a:pPr>
+            <a:endParaRPr xmlns:mc="http://schemas.openxmlformats.org/markup-compatibility/2006" xmlns:hp="http://schemas.haansoft.com/office/presentation/8.0" kumimoji="0" sz="700" b="1" i="0" u="none" strike="noStrike" kern="0" cap="none" spc="0" normalizeH="0" baseline="0" mc:Ignorable="hp" hp:hslEmbossed="0">
+              <a:solidFill>
+                <a:srgbClr val="000000"/>
+              </a:solidFill>
+              <a:latin typeface="맑은 고딕"/>
+              <a:ea typeface="맑은 고딕"/>
+              <a:cs typeface="맑은 고딕"/>
+              <a:sym typeface="맑은 고딕"/>
+            </a:endParaRPr>
+          </a:p>
+        </p:txBody>
+      </p:sp>
+      <p:sp>
+        <p:nvSpPr>
+          <p:cNvPr id="365" name="타원 50"/>
+          <p:cNvSpPr/>
+          <p:nvPr/>
+        </p:nvSpPr>
+        <p:spPr>
+          <a:xfrm>
+            <a:off x="4722412" y="1246522"/>
+            <a:ext cx="1239708" cy="628317"/>
+          </a:xfrm>
+          <a:prstGeom prst="ellipse">
+            <a:avLst/>
+          </a:prstGeom>
+          <a:noFill/>
+          <a:ln w="3175" cap="flat" cmpd="sng" algn="ctr">
+            <a:solidFill>
+              <a:srgbClr val="bfbfbf">
+                <a:alpha val="100000"/>
+              </a:srgbClr>
+            </a:solidFill>
+            <a:prstDash val="solid"/>
+          </a:ln>
+        </p:spPr>
+        <p:txBody>
+          <a:bodyPr anchor="ctr"/>
+          <a:p>
+            <a:pPr marL="0" indent="0" algn="ctr" defTabSz="914400" rtl="0" eaLnBrk="1" latinLnBrk="1" hangingPunct="1">
+              <a:lnSpc>
+                <a:spcPct val="100000"/>
+              </a:lnSpc>
+              <a:spcBef>
+                <a:spcPct val="0"/>
+              </a:spcBef>
+              <a:spcAft>
+                <a:spcPts val="0"/>
+              </a:spcAft>
+              <a:buNone/>
+              <a:defRPr/>
+            </a:pPr>
+            <a:r>
+              <a:rPr xmlns:mc="http://schemas.openxmlformats.org/markup-compatibility/2006" xmlns:hp="http://schemas.haansoft.com/office/presentation/8.0" kumimoji="0" lang="ko-KR" altLang="en-US" sz="900" b="0" i="0" u="none" strike="noStrike" kern="1200" cap="none" spc="0" normalizeH="0" baseline="0" mc:Ignorable="hp" hp:hslEmbossed="0">
+                <a:solidFill>
+                  <a:srgbClr val="000000"/>
+                </a:solidFill>
+                <a:latin typeface="Calibri"/>
+                <a:ea typeface="맑은 고딕"/>
+                <a:cs typeface="맑은 고딕"/>
+              </a:rPr>
+              <a:t>로고</a:t>
+            </a:r>
+            <a:endParaRPr xmlns:mc="http://schemas.openxmlformats.org/markup-compatibility/2006" xmlns:hp="http://schemas.haansoft.com/office/presentation/8.0" kumimoji="0" lang="ko-KR" altLang="en-US" sz="900" b="0" i="0" u="none" strike="noStrike" kern="1200" cap="none" spc="0" normalizeH="0" baseline="0" mc:Ignorable="hp" hp:hslEmbossed="0">
+              <a:solidFill>
+                <a:srgbClr val="000000"/>
+              </a:solidFill>
+              <a:latin typeface="Calibri"/>
+              <a:ea typeface="맑은 고딕"/>
+              <a:cs typeface="맑은 고딕"/>
+            </a:endParaRPr>
+          </a:p>
+        </p:txBody>
+      </p:sp>
+      <p:sp>
+        <p:nvSpPr>
+          <p:cNvPr id="366" name=""/>
+          <p:cNvSpPr/>
+          <p:nvPr/>
+        </p:nvSpPr>
+        <p:spPr>
+          <a:xfrm>
+            <a:off x="3899755" y="5803211"/>
+            <a:ext cx="2898228" cy="450256"/>
+          </a:xfrm>
+          <a:prstGeom prst="rect">
+            <a:avLst/>
+          </a:prstGeom>
+          <a:solidFill>
+            <a:srgbClr val="ffffff">
+              <a:alpha val="100000"/>
+            </a:srgbClr>
+          </a:solidFill>
+          <a:ln w="19050" cap="flat" cmpd="sng" algn="ctr">
+            <a:solidFill>
+              <a:srgbClr val="9be5c8">
+                <a:alpha val="100000"/>
+              </a:srgbClr>
+            </a:solidFill>
+            <a:prstDash val="solid"/>
+          </a:ln>
+        </p:spPr>
+        <p:txBody>
+          <a:bodyPr anchor="ctr"/>
+          <a:p>
+            <a:pPr marL="0" indent="0" algn="ctr" defTabSz="914400" rtl="0" eaLnBrk="1" latinLnBrk="1" hangingPunct="1">
+              <a:lnSpc>
+                <a:spcPct val="100000"/>
+              </a:lnSpc>
+              <a:spcBef>
+                <a:spcPct val="0"/>
+              </a:spcBef>
+              <a:spcAft>
+                <a:spcPts val="0"/>
+              </a:spcAft>
+              <a:buNone/>
+              <a:defRPr/>
+            </a:pPr>
+            <a:endParaRPr xmlns:mc="http://schemas.openxmlformats.org/markup-compatibility/2006" xmlns:hp="http://schemas.haansoft.com/office/presentation/8.0" kumimoji="0" lang="ko-KR" altLang="en-US" sz="1800" b="0" i="0" u="none" strike="noStrike" kern="1200" cap="none" spc="0" normalizeH="0" baseline="0" mc:Ignorable="hp" hp:hslEmbossed="0">
+              <a:solidFill>
+                <a:srgbClr val="ffffff"/>
+              </a:solidFill>
+              <a:latin typeface="Calibri"/>
+              <a:ea typeface="맑은 고딕"/>
+              <a:cs typeface="맑은 고딕"/>
+            </a:endParaRPr>
+          </a:p>
+        </p:txBody>
+      </p:sp>
+      <p:graphicFrame>
+        <p:nvGraphicFramePr>
+          <p:cNvPr id="367" name=""/>
+          <p:cNvGraphicFramePr>
+            <a:graphicFrameLocks noGrp="1"/>
+          </p:cNvGraphicFramePr>
+          <p:nvPr/>
+        </p:nvGraphicFramePr>
+        <p:xfrm>
+          <a:off x="3889192" y="5803212"/>
+          <a:ext cx="2907396" cy="450256"/>
+        </p:xfrm>
+        <a:graphic>
+          <a:graphicData uri="http://schemas.openxmlformats.org/drawingml/2006/table">
+            <a:tbl>
+              <a:tblPr firstRow="1" bandRow="1">
+                <a:tableStyleId>{01A66EDD-3DAB-4C5B-A090-DC80EC1FD486}</a:tableStyleId>
+              </a:tblPr>
+              <a:tblGrid>
+                <a:gridCol w="727197"/>
+                <a:gridCol w="725805"/>
+                <a:gridCol w="727197"/>
+                <a:gridCol w="727197"/>
+              </a:tblGrid>
+              <a:tr h="450256">
+                <a:tc>
+                  <a:txBody>
+                    <a:bodyPr vert="horz" wrap="square" lIns="91440" tIns="45720" rIns="91440" bIns="45720" anchor="t" anchorCtr="0">
+                      <a:spAutoFit/>
+                    </a:bodyPr>
+                    <a:p>
+                      <a:pPr marL="0" algn="ctr" defTabSz="914400" rtl="0" eaLnBrk="1" latinLnBrk="1" hangingPunct="1">
+                        <a:buNone/>
+                        <a:defRPr/>
+                      </a:pPr>
+                      <a:r>
+                        <a:rPr xmlns:mc="http://schemas.openxmlformats.org/markup-compatibility/2006" xmlns:hp="http://schemas.haansoft.com/office/presentation/8.0" kumimoji="0" lang="ko-KR" altLang="en-US" sz="1800" b="1" i="0" u="none" strike="noStrike" kern="1200" cap="none" normalizeH="0" baseline="0" mc:Ignorable="hp" hp:hslEmbossed="0">
+                          <a:ln w="9525">
+                            <a:solidFill>
+                              <a:srgbClr val="ffffff"/>
+                            </a:solidFill>
+                          </a:ln>
+                          <a:solidFill>
+                            <a:srgbClr val="000000"/>
+                          </a:solidFill>
+                          <a:latin typeface="Calibri"/>
+                          <a:ea typeface="맑은 고딕"/>
+                          <a:cs typeface="맑은 고딕"/>
+                        </a:rPr>
+                        <a:t>홈</a:t>
+                      </a:r>
+                      <a:endParaRPr xmlns:mc="http://schemas.openxmlformats.org/markup-compatibility/2006" xmlns:hp="http://schemas.haansoft.com/office/presentation/8.0" kumimoji="0" lang="en-US" altLang="ko-KR" sz="1800" b="1" i="0" u="none" strike="noStrike" kern="1200" cap="none" normalizeH="0" baseline="0" mc:Ignorable="hp" hp:hslEmbossed="0">
+                        <a:ln w="9525">
+                          <a:solidFill>
+                            <a:srgbClr val="ffffff"/>
+                          </a:solidFill>
+                        </a:ln>
+                        <a:solidFill>
+                          <a:srgbClr val="000000"/>
+                        </a:solidFill>
+                        <a:latin typeface="Calibri"/>
+                        <a:ea typeface="맑은 고딕"/>
+                        <a:cs typeface="Calibri"/>
+                      </a:endParaRPr>
+                    </a:p>
+                  </a:txBody>
+                  <a:tcPr marL="91440" marR="91440">
+                    <a:lnL w="25400" cap="flat" cmpd="sng" algn="ctr">
+                      <a:solidFill>
+                        <a:srgbClr val="69d8ad">
+                          <a:alpha val="100000"/>
+                        </a:srgbClr>
+                      </a:solidFill>
+                      <a:prstDash val="solid"/>
+                      <a:round/>
+                      <a:headEnd w="med" len="med"/>
+                      <a:tailEnd w="med" len="med"/>
+                    </a:lnL>
+                    <a:lnR w="25400" cap="flat" cmpd="sng" algn="ctr">
+                      <a:solidFill>
+                        <a:srgbClr val="69d8ad">
+                          <a:alpha val="100000"/>
+                        </a:srgbClr>
+                      </a:solidFill>
+                      <a:prstDash val="solid"/>
+                      <a:round/>
+                      <a:headEnd w="med" len="med"/>
+                      <a:tailEnd w="med" len="med"/>
+                    </a:lnR>
+                    <a:lnT w="25400" cap="flat" cmpd="sng" algn="ctr">
+                      <a:solidFill>
+                        <a:srgbClr val="69d8ad">
+                          <a:alpha val="100000"/>
+                        </a:srgbClr>
+                      </a:solidFill>
+                      <a:prstDash val="solid"/>
+                      <a:round/>
+                      <a:headEnd w="med" len="med"/>
+                      <a:tailEnd w="med" len="med"/>
+                    </a:lnT>
+                    <a:lnB w="25400" cap="flat" cmpd="sng" algn="ctr">
+                      <a:solidFill>
+                        <a:srgbClr val="69d8ad">
+                          <a:alpha val="100000"/>
+                        </a:srgbClr>
+                      </a:solidFill>
+                      <a:prstDash val="solid"/>
+                      <a:round/>
+                      <a:headEnd w="med" len="med"/>
+                      <a:tailEnd w="med" len="med"/>
+                    </a:lnB>
+                    <a:solidFill>
+                      <a:srgbClr val="ffffff">
+                        <a:alpha val="100000"/>
+                      </a:srgbClr>
+                    </a:solidFill>
+                  </a:tcPr>
+                </a:tc>
+                <a:tc>
+                  <a:txBody>
+                    <a:bodyPr vert="horz" wrap="square" lIns="91440" tIns="45720" rIns="91440" bIns="45720" anchor="t" anchorCtr="0">
+                      <a:spAutoFit/>
+                    </a:bodyPr>
+                    <a:p>
+                      <a:pPr marL="0" algn="ctr" defTabSz="914400" rtl="0" eaLnBrk="1" latinLnBrk="1" hangingPunct="1">
+                        <a:buNone/>
+                        <a:defRPr/>
+                      </a:pPr>
+                      <a:r>
+                        <a:rPr xmlns:mc="http://schemas.openxmlformats.org/markup-compatibility/2006" xmlns:hp="http://schemas.haansoft.com/office/presentation/8.0" kumimoji="0" lang="ko-KR" altLang="en-US" sz="1800" b="1" i="0" u="none" strike="noStrike" kern="1200" cap="none" normalizeH="0" baseline="0" mc:Ignorable="hp" hp:hslEmbossed="0">
+                          <a:ln w="9525">
+                            <a:solidFill>
+                              <a:srgbClr val="ffffff"/>
+                            </a:solidFill>
+                          </a:ln>
+                          <a:solidFill>
+                            <a:srgbClr val="000000"/>
+                          </a:solidFill>
+                          <a:latin typeface="Calibri"/>
+                          <a:ea typeface="맑은 고딕"/>
+                          <a:cs typeface="맑은 고딕"/>
+                        </a:rPr>
+                        <a:t>상품</a:t>
+                      </a:r>
+                      <a:endParaRPr xmlns:mc="http://schemas.openxmlformats.org/markup-compatibility/2006" xmlns:hp="http://schemas.haansoft.com/office/presentation/8.0" kumimoji="0" lang="ko-KR" altLang="en-US" sz="1800" b="1" i="0" u="none" strike="noStrike" kern="1200" cap="none" normalizeH="0" baseline="0" mc:Ignorable="hp" hp:hslEmbossed="0">
+                        <a:ln w="9525">
+                          <a:solidFill>
+                            <a:srgbClr val="ffffff"/>
+                          </a:solidFill>
+                        </a:ln>
+                        <a:solidFill>
+                          <a:srgbClr val="000000"/>
+                        </a:solidFill>
+                        <a:latin typeface="Calibri"/>
+                        <a:ea typeface="맑은 고딕"/>
+                        <a:cs typeface="맑은 고딕"/>
+                      </a:endParaRPr>
+                    </a:p>
+                  </a:txBody>
+                  <a:tcPr marL="91440" marR="91440">
+                    <a:lnL w="25400" cap="flat" cmpd="sng" algn="ctr">
+                      <a:solidFill>
+                        <a:srgbClr val="69d8ad">
+                          <a:alpha val="100000"/>
+                        </a:srgbClr>
+                      </a:solidFill>
+                      <a:prstDash val="solid"/>
+                      <a:round/>
+                      <a:headEnd w="med" len="med"/>
+                      <a:tailEnd w="med" len="med"/>
+                    </a:lnL>
+                    <a:lnR w="25400" cap="flat" cmpd="sng" algn="ctr">
+                      <a:solidFill>
+                        <a:srgbClr val="69d8ad">
+                          <a:alpha val="100000"/>
+                        </a:srgbClr>
+                      </a:solidFill>
+                      <a:prstDash val="solid"/>
+                      <a:round/>
+                      <a:headEnd w="med" len="med"/>
+                      <a:tailEnd w="med" len="med"/>
+                    </a:lnR>
+                    <a:lnT w="25400" cap="flat" cmpd="sng" algn="ctr">
+                      <a:solidFill>
+                        <a:srgbClr val="69d8ad">
+                          <a:alpha val="100000"/>
+                        </a:srgbClr>
+                      </a:solidFill>
+                      <a:prstDash val="solid"/>
+                      <a:round/>
+                      <a:headEnd w="med" len="med"/>
+                      <a:tailEnd w="med" len="med"/>
+                    </a:lnT>
+                    <a:lnB w="25400" cap="flat" cmpd="sng" algn="ctr">
+                      <a:solidFill>
+                        <a:srgbClr val="69d8ad">
+                          <a:alpha val="100000"/>
+                        </a:srgbClr>
+                      </a:solidFill>
+                      <a:prstDash val="solid"/>
+                      <a:round/>
+                      <a:headEnd w="med" len="med"/>
+                      <a:tailEnd w="med" len="med"/>
+                    </a:lnB>
+                    <a:solidFill>
+                      <a:srgbClr val="ffffff">
+                        <a:alpha val="100000"/>
+                      </a:srgbClr>
+                    </a:solidFill>
+                  </a:tcPr>
+                </a:tc>
+                <a:tc>
+                  <a:txBody>
+                    <a:bodyPr vert="horz" wrap="square" lIns="91440" tIns="45720" rIns="91440" bIns="45720" anchor="t" anchorCtr="0">
+                      <a:spAutoFit/>
+                    </a:bodyPr>
+                    <a:p>
+                      <a:pPr marL="0" algn="ctr" defTabSz="914400" rtl="0" eaLnBrk="1" latinLnBrk="1" hangingPunct="1">
+                        <a:buNone/>
+                        <a:defRPr/>
+                      </a:pPr>
+                      <a:r>
+                        <a:rPr xmlns:mc="http://schemas.openxmlformats.org/markup-compatibility/2006" xmlns:hp="http://schemas.haansoft.com/office/presentation/8.0" kumimoji="0" lang="ko-KR" altLang="en-US" sz="1800" b="1" i="0" u="none" strike="noStrike" kern="1200" cap="none" normalizeH="0" baseline="0" mc:Ignorable="hp" hp:hslEmbossed="0">
+                          <a:ln w="9525">
+                            <a:solidFill>
+                              <a:srgbClr val="ffffff"/>
+                            </a:solidFill>
+                          </a:ln>
+                          <a:solidFill>
+                            <a:srgbClr val="000000"/>
+                          </a:solidFill>
+                          <a:latin typeface="Calibri"/>
+                          <a:ea typeface="맑은 고딕"/>
+                          <a:cs typeface="맑은 고딕"/>
+                        </a:rPr>
+                        <a:t>검색</a:t>
+                      </a:r>
+                      <a:endParaRPr xmlns:mc="http://schemas.openxmlformats.org/markup-compatibility/2006" xmlns:hp="http://schemas.haansoft.com/office/presentation/8.0" kumimoji="0" lang="ko-KR" altLang="en-US" sz="1800" b="1" i="0" u="none" strike="noStrike" kern="1200" cap="none" normalizeH="0" baseline="0" mc:Ignorable="hp" hp:hslEmbossed="0">
+                        <a:ln w="9525">
+                          <a:solidFill>
+                            <a:srgbClr val="ffffff"/>
+                          </a:solidFill>
+                        </a:ln>
+                        <a:solidFill>
+                          <a:srgbClr val="000000"/>
+                        </a:solidFill>
+                        <a:latin typeface="Calibri"/>
+                        <a:ea typeface="맑은 고딕"/>
+                        <a:cs typeface="맑은 고딕"/>
+                      </a:endParaRPr>
+                    </a:p>
+                  </a:txBody>
+                  <a:tcPr marL="91440" marR="91440">
+                    <a:lnL w="25400" cap="flat" cmpd="sng" algn="ctr">
+                      <a:solidFill>
+                        <a:srgbClr val="69d8ad">
+                          <a:alpha val="100000"/>
+                        </a:srgbClr>
+                      </a:solidFill>
+                      <a:prstDash val="solid"/>
+                      <a:round/>
+                      <a:headEnd w="med" len="med"/>
+                      <a:tailEnd w="med" len="med"/>
+                    </a:lnL>
+                    <a:lnR w="25400" cap="flat" cmpd="sng" algn="ctr">
+                      <a:solidFill>
+                        <a:srgbClr val="69d8ad">
+                          <a:alpha val="100000"/>
+                        </a:srgbClr>
+                      </a:solidFill>
+                      <a:prstDash val="solid"/>
+                      <a:round/>
+                      <a:headEnd w="med" len="med"/>
+                      <a:tailEnd w="med" len="med"/>
+                    </a:lnR>
+                    <a:lnT w="25400" cap="flat" cmpd="sng" algn="ctr">
+                      <a:solidFill>
+                        <a:srgbClr val="69d8ad">
+                          <a:alpha val="100000"/>
+                        </a:srgbClr>
+                      </a:solidFill>
+                      <a:prstDash val="solid"/>
+                      <a:round/>
+                      <a:headEnd w="med" len="med"/>
+                      <a:tailEnd w="med" len="med"/>
+                    </a:lnT>
+                    <a:lnB w="25400" cap="flat" cmpd="sng" algn="ctr">
+                      <a:solidFill>
+                        <a:srgbClr val="69d8ad">
+                          <a:alpha val="100000"/>
+                        </a:srgbClr>
+                      </a:solidFill>
+                      <a:prstDash val="solid"/>
+                      <a:round/>
+                      <a:headEnd w="med" len="med"/>
+                      <a:tailEnd w="med" len="med"/>
+                    </a:lnB>
+                    <a:solidFill>
+                      <a:srgbClr val="ffffff">
+                        <a:alpha val="100000"/>
+                      </a:srgbClr>
+                    </a:solidFill>
+                  </a:tcPr>
+                </a:tc>
+                <a:tc>
+                  <a:txBody>
+                    <a:bodyPr vert="horz" wrap="square" lIns="91440" tIns="45720" rIns="91440" bIns="45720" anchor="t" anchorCtr="0">
+                      <a:spAutoFit/>
+                    </a:bodyPr>
+                    <a:p>
+                      <a:pPr marL="0" algn="ctr" defTabSz="914400" rtl="0" eaLnBrk="1" latinLnBrk="1" hangingPunct="1">
+                        <a:buNone/>
+                        <a:defRPr/>
+                      </a:pPr>
+                      <a:r>
+                        <a:rPr xmlns:mc="http://schemas.openxmlformats.org/markup-compatibility/2006" xmlns:hp="http://schemas.haansoft.com/office/presentation/8.0" kumimoji="0" lang="ko-KR" altLang="en-US" sz="1800" b="1" i="0" u="none" strike="noStrike" kern="1200" cap="none" normalizeH="0" baseline="0" mc:Ignorable="hp" hp:hslEmbossed="0">
+                          <a:ln w="9525">
+                            <a:solidFill>
+                              <a:srgbClr val="ffffff"/>
+                            </a:solidFill>
+                          </a:ln>
+                          <a:solidFill>
+                            <a:srgbClr val="000000"/>
+                          </a:solidFill>
+                          <a:latin typeface="Calibri"/>
+                          <a:ea typeface="맑은 고딕"/>
+                          <a:cs typeface="맑은 고딕"/>
+                        </a:rPr>
+                        <a:t>마이</a:t>
+                      </a:r>
+                      <a:endParaRPr xmlns:mc="http://schemas.openxmlformats.org/markup-compatibility/2006" xmlns:hp="http://schemas.haansoft.com/office/presentation/8.0" kumimoji="0" lang="ko-KR" altLang="en-US" sz="1800" b="1" i="0" u="none" strike="noStrike" kern="1200" cap="none" normalizeH="0" baseline="0" mc:Ignorable="hp" hp:hslEmbossed="0">
+                        <a:ln w="9525">
+                          <a:solidFill>
+                            <a:srgbClr val="ffffff"/>
+                          </a:solidFill>
+                        </a:ln>
+                        <a:solidFill>
+                          <a:srgbClr val="000000"/>
+                        </a:solidFill>
+                        <a:latin typeface="Calibri"/>
+                        <a:ea typeface="맑은 고딕"/>
+                        <a:cs typeface="맑은 고딕"/>
+                      </a:endParaRPr>
+                    </a:p>
+                  </a:txBody>
+                  <a:tcPr marL="91440" marR="91440">
+                    <a:lnL w="25400" cap="flat" cmpd="sng" algn="ctr">
+                      <a:solidFill>
+                        <a:srgbClr val="69d8ad">
+                          <a:alpha val="100000"/>
+                        </a:srgbClr>
+                      </a:solidFill>
+                      <a:prstDash val="solid"/>
+                      <a:round/>
+                      <a:headEnd w="med" len="med"/>
+                      <a:tailEnd w="med" len="med"/>
+                    </a:lnL>
+                    <a:lnR w="25400" cap="flat" cmpd="sng" algn="ctr">
+                      <a:solidFill>
+                        <a:srgbClr val="69d8ad">
+                          <a:alpha val="100000"/>
+                        </a:srgbClr>
+                      </a:solidFill>
+                      <a:prstDash val="solid"/>
+                      <a:round/>
+                      <a:headEnd w="med" len="med"/>
+                      <a:tailEnd w="med" len="med"/>
+                    </a:lnR>
+                    <a:lnT w="25400" cap="flat" cmpd="sng" algn="ctr">
+                      <a:solidFill>
+                        <a:srgbClr val="69d8ad">
+                          <a:alpha val="100000"/>
+                        </a:srgbClr>
+                      </a:solidFill>
+                      <a:prstDash val="solid"/>
+                      <a:round/>
+                      <a:headEnd w="med" len="med"/>
+                      <a:tailEnd w="med" len="med"/>
+                    </a:lnT>
+                    <a:lnB w="25400" cap="flat" cmpd="sng" algn="ctr">
+                      <a:solidFill>
+                        <a:srgbClr val="69d8ad">
+                          <a:alpha val="100000"/>
+                        </a:srgbClr>
+                      </a:solidFill>
+                      <a:prstDash val="solid"/>
+                      <a:round/>
+                      <a:headEnd w="med" len="med"/>
+                      <a:tailEnd w="med" len="med"/>
+                    </a:lnB>
+                    <a:solidFill>
+                      <a:srgbClr val="ffffff">
+                        <a:alpha val="100000"/>
+                      </a:srgbClr>
+                    </a:solidFill>
+                  </a:tcPr>
+                </a:tc>
+              </a:tr>
+            </a:tbl>
+          </a:graphicData>
+        </a:graphic>
+      </p:graphicFrame>
+      <p:sp>
+        <p:nvSpPr>
+          <p:cNvPr id="368" name="타원 83"/>
+          <p:cNvSpPr/>
+          <p:nvPr/>
+        </p:nvSpPr>
+        <p:spPr>
+          <a:xfrm>
+            <a:off x="3817754" y="5803211"/>
+            <a:ext cx="142876" cy="142876"/>
+          </a:xfrm>
+          <a:prstGeom prst="ellipse">
+            <a:avLst/>
+          </a:prstGeom>
+          <a:solidFill>
+            <a:srgbClr val="fce700">
+              <a:alpha val="100000"/>
+            </a:srgbClr>
+          </a:solidFill>
+          <a:ln w="19050" cap="flat" cmpd="sng" algn="ctr">
+            <a:noFill/>
+            <a:prstDash val="solid"/>
+          </a:ln>
+        </p:spPr>
+        <p:txBody>
+          <a:bodyPr lIns="0" tIns="0" rIns="0" bIns="0" anchor="ctr"/>
+          <a:p>
+            <a:pPr marL="0" indent="0" algn="ctr" defTabSz="914400" rtl="0" eaLnBrk="1" latinLnBrk="1" hangingPunct="1">
+              <a:lnSpc>
+                <a:spcPct val="100000"/>
+              </a:lnSpc>
+              <a:spcBef>
+                <a:spcPct val="0"/>
+              </a:spcBef>
+              <a:spcAft>
+                <a:spcPts val="0"/>
+              </a:spcAft>
+              <a:buNone/>
+              <a:defRPr/>
+            </a:pPr>
+            <a:r>
+              <a:rPr xmlns:mc="http://schemas.openxmlformats.org/markup-compatibility/2006" xmlns:hp="http://schemas.haansoft.com/office/presentation/8.0" kumimoji="0" lang="en-US" altLang="ko-KR" sz="900" b="1" i="0" u="none" strike="noStrike" kern="1200" cap="none" spc="0" normalizeH="0" baseline="0" mc:Ignorable="hp" hp:hslEmbossed="0">
+                <a:solidFill>
+                  <a:srgbClr val="663300"/>
+                </a:solidFill>
+                <a:latin typeface="Calibri"/>
+                <a:ea typeface="맑은 고딕"/>
+                <a:cs typeface="Calibri"/>
+              </a:rPr>
+              <a:t>5</a:t>
+            </a:r>
+            <a:endParaRPr xmlns:mc="http://schemas.openxmlformats.org/markup-compatibility/2006" xmlns:hp="http://schemas.haansoft.com/office/presentation/8.0" kumimoji="0" lang="en-US" altLang="ko-KR" sz="900" b="1" i="0" u="none" strike="noStrike" kern="1200" cap="none" spc="0" normalizeH="0" baseline="0" mc:Ignorable="hp" hp:hslEmbossed="0">
+              <a:solidFill>
+                <a:srgbClr val="663300"/>
+              </a:solidFill>
+              <a:latin typeface="Calibri"/>
+              <a:ea typeface="맑은 고딕"/>
+              <a:cs typeface="Calibri"/>
+            </a:endParaRPr>
+          </a:p>
+        </p:txBody>
+      </p:sp>
+      <p:sp>
+        <p:nvSpPr>
+          <p:cNvPr id="369" name=""/>
+          <p:cNvSpPr/>
+          <p:nvPr/>
+        </p:nvSpPr>
+        <p:spPr>
+          <a:xfrm>
+            <a:off x="3889192" y="2000510"/>
+            <a:ext cx="2896833" cy="3802701"/>
+          </a:xfrm>
+          <a:prstGeom prst="rect">
+            <a:avLst/>
+          </a:prstGeom>
+          <a:solidFill>
+            <a:srgbClr val="ffffff">
+              <a:alpha val="100000"/>
+            </a:srgbClr>
+          </a:solidFill>
+          <a:ln w="19050" cap="flat" cmpd="sng" algn="ctr">
+            <a:solidFill>
+              <a:srgbClr val="2e3e67">
+                <a:alpha val="100000"/>
+              </a:srgbClr>
+            </a:solidFill>
+            <a:prstDash val="solid"/>
+          </a:ln>
+        </p:spPr>
+        <p:txBody>
+          <a:bodyPr anchor="ctr"/>
+          <a:p>
+            <a:pPr marL="0" indent="0" algn="ctr" defTabSz="914400" rtl="0" eaLnBrk="1" latinLnBrk="1" hangingPunct="1">
+              <a:lnSpc>
+                <a:spcPct val="100000"/>
+              </a:lnSpc>
+              <a:spcBef>
+                <a:spcPct val="0"/>
+              </a:spcBef>
+              <a:spcAft>
+                <a:spcPts val="0"/>
+              </a:spcAft>
+              <a:buNone/>
+              <a:defRPr/>
+            </a:pPr>
+            <a:endParaRPr xmlns:mc="http://schemas.openxmlformats.org/markup-compatibility/2006" xmlns:hp="http://schemas.haansoft.com/office/presentation/8.0" kumimoji="0" lang="ko-KR" altLang="en-US" sz="1800" b="0" i="0" u="none" strike="noStrike" kern="1200" cap="none" spc="0" normalizeH="0" baseline="0" mc:Ignorable="hp" hp:hslEmbossed="0">
+              <a:solidFill>
+                <a:srgbClr val="ffffff"/>
+              </a:solidFill>
+              <a:latin typeface="Calibri"/>
+              <a:ea typeface="맑은 고딕"/>
+              <a:cs typeface="맑은 고딕"/>
+            </a:endParaRPr>
+          </a:p>
+        </p:txBody>
+      </p:sp>
+      <p:sp>
+        <p:nvSpPr>
+          <p:cNvPr id="382" name=""/>
+          <p:cNvSpPr/>
+          <p:nvPr/>
+        </p:nvSpPr>
+        <p:spPr>
+          <a:xfrm>
+            <a:off x="4074470" y="2155877"/>
+            <a:ext cx="2512979" cy="1165109"/>
+          </a:xfrm>
+          <a:prstGeom prst="rect">
+            <a:avLst/>
+          </a:prstGeom>
+          <a:solidFill>
+            <a:schemeClr val="lt1"/>
+          </a:solidFill>
+        </p:spPr>
+        <p:style>
+          <a:lnRef idx="2">
+            <a:schemeClr val="accent1">
+              <a:shade val="20000"/>
+            </a:schemeClr>
+          </a:lnRef>
+          <a:fillRef idx="1">
+            <a:schemeClr val="accent1"/>
+          </a:fillRef>
+          <a:effectRef idx="0">
+            <a:schemeClr val="accent1"/>
+          </a:effectRef>
+          <a:fontRef idx="minor">
+            <a:schemeClr val="lt1"/>
+          </a:fontRef>
+        </p:style>
+        <p:txBody>
+          <a:bodyPr anchor="ctr"/>
+          <a:p>
+            <a:pPr algn="ctr">
+              <a:defRPr/>
+            </a:pPr>
+            <a:endParaRPr lang="ko-KR" altLang="en-US"/>
+          </a:p>
+        </p:txBody>
+      </p:sp>
+      <p:sp>
+        <p:nvSpPr>
+          <p:cNvPr id="383" name=""/>
+          <p:cNvSpPr/>
+          <p:nvPr/>
+        </p:nvSpPr>
+        <p:spPr>
+          <a:xfrm>
+            <a:off x="4226465" y="2278907"/>
+            <a:ext cx="2158324" cy="373657"/>
+          </a:xfrm>
+          <a:prstGeom prst="rect">
+            <a:avLst/>
+          </a:prstGeom>
+          <a:solidFill>
+            <a:schemeClr val="lt1"/>
+          </a:solidFill>
+        </p:spPr>
+        <p:style>
+          <a:lnRef idx="2">
+            <a:schemeClr val="accent1">
+              <a:shade val="20000"/>
+            </a:schemeClr>
+          </a:lnRef>
+          <a:fillRef idx="1">
+            <a:schemeClr val="accent1"/>
+          </a:fillRef>
+          <a:effectRef idx="0">
+            <a:schemeClr val="accent1"/>
+          </a:effectRef>
+          <a:fontRef idx="minor">
+            <a:schemeClr val="lt1"/>
+          </a:fontRef>
+        </p:style>
+        <p:txBody>
+          <a:bodyPr anchor="ctr"/>
+          <a:p>
+            <a:pPr algn="ctr">
+              <a:defRPr/>
+            </a:pPr>
+            <a:r>
+              <a:rPr lang="ko-KR" altLang="en-US">
+                <a:solidFill>
+                  <a:schemeClr val="dk1"/>
+                </a:solidFill>
+              </a:rPr>
+              <a:t>주소 </a:t>
+            </a:r>
+            <a:r>
+              <a:rPr lang="en-US" altLang="ko-KR">
+                <a:solidFill>
+                  <a:schemeClr val="dk1"/>
+                </a:solidFill>
+              </a:rPr>
+              <a:t>1</a:t>
+            </a:r>
+            <a:endParaRPr lang="en-US" altLang="ko-KR">
+              <a:solidFill>
+                <a:schemeClr val="dk1"/>
+              </a:solidFill>
+            </a:endParaRPr>
+          </a:p>
+        </p:txBody>
+      </p:sp>
+      <p:sp>
+        <p:nvSpPr>
+          <p:cNvPr id="384" name=""/>
+          <p:cNvSpPr/>
+          <p:nvPr/>
+        </p:nvSpPr>
+        <p:spPr>
+          <a:xfrm>
+            <a:off x="4226465" y="2839315"/>
+            <a:ext cx="2158324" cy="373657"/>
+          </a:xfrm>
+          <a:prstGeom prst="rect">
+            <a:avLst/>
+          </a:prstGeom>
+          <a:solidFill>
+            <a:srgbClr val="ffffff">
+              <a:alpha val="100000"/>
+            </a:srgbClr>
+          </a:solidFill>
+          <a:ln w="19050" cap="flat" cmpd="sng" algn="ctr">
+            <a:solidFill>
+              <a:srgbClr val="2e3e67">
+                <a:alpha val="100000"/>
+              </a:srgbClr>
+            </a:solidFill>
+            <a:prstDash val="solid"/>
+          </a:ln>
+        </p:spPr>
+        <p:txBody>
+          <a:bodyPr anchor="ctr"/>
+          <a:p>
+            <a:pPr marL="0" indent="0" algn="ctr" defTabSz="914400" rtl="0" eaLnBrk="1" latinLnBrk="1" hangingPunct="1">
+              <a:lnSpc>
+                <a:spcPct val="100000"/>
+              </a:lnSpc>
+              <a:spcBef>
+                <a:spcPct val="0"/>
+              </a:spcBef>
+              <a:spcAft>
+                <a:spcPts val="0"/>
+              </a:spcAft>
+              <a:buNone/>
+              <a:defRPr/>
+            </a:pPr>
+            <a:r>
+              <a:rPr xmlns:mc="http://schemas.openxmlformats.org/markup-compatibility/2006" xmlns:hp="http://schemas.haansoft.com/office/presentation/8.0" kumimoji="0" lang="ko-KR" altLang="en-US" sz="1800" b="0" i="0" u="none" strike="noStrike" kern="1200" cap="none" spc="0" normalizeH="0" baseline="0" mc:Ignorable="hp" hp:hslEmbossed="0">
+                <a:solidFill>
+                  <a:srgbClr val="000000"/>
+                </a:solidFill>
+                <a:latin typeface="Calibri"/>
+                <a:ea typeface="맑은 고딕"/>
+                <a:cs typeface="맑은 고딕"/>
+              </a:rPr>
+              <a:t>주소 </a:t>
+            </a:r>
+            <a:r>
+              <a:rPr xmlns:mc="http://schemas.openxmlformats.org/markup-compatibility/2006" xmlns:hp="http://schemas.haansoft.com/office/presentation/8.0" kumimoji="0" lang="en-US" altLang="ko-KR" sz="1800" b="0" i="0" u="none" strike="noStrike" kern="1200" cap="none" spc="0" normalizeH="0" baseline="0" mc:Ignorable="hp" hp:hslEmbossed="0">
+                <a:solidFill>
+                  <a:srgbClr val="000000"/>
+                </a:solidFill>
+                <a:latin typeface="Calibri"/>
+                <a:ea typeface="맑은 고딕"/>
+                <a:cs typeface="맑은 고딕"/>
+              </a:rPr>
+              <a:t>2</a:t>
+            </a:r>
+            <a:endParaRPr xmlns:mc="http://schemas.openxmlformats.org/markup-compatibility/2006" xmlns:hp="http://schemas.haansoft.com/office/presentation/8.0" kumimoji="0" lang="en-US" altLang="ko-KR" sz="1800" b="0" i="0" u="none" strike="noStrike" kern="1200" cap="none" spc="0" normalizeH="0" baseline="0" mc:Ignorable="hp" hp:hslEmbossed="0">
+              <a:solidFill>
+                <a:srgbClr val="000000"/>
+              </a:solidFill>
+              <a:latin typeface="Calibri"/>
+              <a:ea typeface="맑은 고딕"/>
+              <a:cs typeface="맑은 고딕"/>
+            </a:endParaRPr>
+          </a:p>
+        </p:txBody>
+      </p:sp>
+      <p:sp>
+        <p:nvSpPr>
+          <p:cNvPr id="386" name=""/>
+          <p:cNvSpPr/>
+          <p:nvPr/>
+        </p:nvSpPr>
+        <p:spPr>
+          <a:xfrm>
+            <a:off x="4074470" y="3429000"/>
+            <a:ext cx="2512979" cy="1719403"/>
+          </a:xfrm>
+          <a:prstGeom prst="rect">
+            <a:avLst/>
+          </a:prstGeom>
+          <a:solidFill>
+            <a:schemeClr val="lt1"/>
+          </a:solidFill>
+        </p:spPr>
+        <p:style>
+          <a:lnRef idx="2">
+            <a:schemeClr val="accent1">
+              <a:shade val="20000"/>
+            </a:schemeClr>
+          </a:lnRef>
+          <a:fillRef idx="1">
+            <a:schemeClr val="accent1"/>
+          </a:fillRef>
+          <a:effectRef idx="0">
+            <a:schemeClr val="accent1"/>
+          </a:effectRef>
+          <a:fontRef idx="minor">
+            <a:schemeClr val="lt1"/>
+          </a:fontRef>
+        </p:style>
+        <p:txBody>
+          <a:bodyPr anchor="ctr"/>
+          <a:p>
+            <a:pPr algn="ctr">
+              <a:defRPr/>
+            </a:pPr>
+            <a:endParaRPr lang="ko-KR" altLang="en-US"/>
+          </a:p>
+        </p:txBody>
+      </p:sp>
+      <p:sp>
+        <p:nvSpPr>
+          <p:cNvPr id="387" name=""/>
+          <p:cNvSpPr/>
+          <p:nvPr/>
+        </p:nvSpPr>
+        <p:spPr>
+          <a:xfrm>
+            <a:off x="4226465" y="3586630"/>
+            <a:ext cx="2158324" cy="337468"/>
+          </a:xfrm>
+          <a:prstGeom prst="rect">
+            <a:avLst/>
+          </a:prstGeom>
+          <a:solidFill>
+            <a:schemeClr val="lt1"/>
+          </a:solidFill>
+        </p:spPr>
+        <p:style>
+          <a:lnRef idx="2">
+            <a:schemeClr val="accent1">
+              <a:shade val="20000"/>
+            </a:schemeClr>
+          </a:lnRef>
+          <a:fillRef idx="1">
+            <a:schemeClr val="accent1"/>
+          </a:fillRef>
+          <a:effectRef idx="0">
+            <a:schemeClr val="accent1"/>
+          </a:effectRef>
+          <a:fontRef idx="minor">
+            <a:schemeClr val="lt1"/>
+          </a:fontRef>
+        </p:style>
+        <p:txBody>
+          <a:bodyPr anchor="ctr"/>
+          <a:p>
+            <a:pPr algn="ctr">
+              <a:defRPr/>
+            </a:pPr>
+            <a:r>
+              <a:rPr lang="ko-KR" altLang="en-US" sz="1300">
+                <a:solidFill>
+                  <a:schemeClr val="dk1"/>
+                </a:solidFill>
+              </a:rPr>
+              <a:t>사용 쿠폰</a:t>
+            </a:r>
+            <a:endParaRPr lang="ko-KR" altLang="en-US" sz="1300">
+              <a:solidFill>
+                <a:schemeClr val="dk1"/>
+              </a:solidFill>
+            </a:endParaRPr>
+          </a:p>
+        </p:txBody>
+      </p:sp>
+      <p:sp>
+        <p:nvSpPr>
+          <p:cNvPr id="388" name=""/>
+          <p:cNvSpPr/>
+          <p:nvPr/>
+        </p:nvSpPr>
+        <p:spPr>
+          <a:xfrm>
+            <a:off x="4226466" y="4174179"/>
+            <a:ext cx="2158324" cy="337468"/>
+          </a:xfrm>
+          <a:prstGeom prst="rect">
+            <a:avLst/>
+          </a:prstGeom>
+          <a:solidFill>
+            <a:srgbClr val="ffffff">
+              <a:alpha val="100000"/>
+            </a:srgbClr>
+          </a:solidFill>
+          <a:ln w="19050" cap="flat" cmpd="sng" algn="ctr">
+            <a:solidFill>
+              <a:srgbClr val="2e3e67">
+                <a:alpha val="100000"/>
+              </a:srgbClr>
+            </a:solidFill>
+            <a:prstDash val="solid"/>
+          </a:ln>
+        </p:spPr>
+        <p:txBody>
+          <a:bodyPr anchor="ctr"/>
+          <a:p>
+            <a:pPr marL="0" indent="0" algn="ctr" defTabSz="914400" rtl="0" eaLnBrk="1" latinLnBrk="1" hangingPunct="1">
+              <a:lnSpc>
+                <a:spcPct val="100000"/>
+              </a:lnSpc>
+              <a:spcBef>
+                <a:spcPct val="0"/>
+              </a:spcBef>
+              <a:spcAft>
+                <a:spcPts val="0"/>
+              </a:spcAft>
+              <a:buNone/>
+              <a:defRPr/>
+            </a:pPr>
+            <a:r>
+              <a:rPr xmlns:mc="http://schemas.openxmlformats.org/markup-compatibility/2006" xmlns:hp="http://schemas.haansoft.com/office/presentation/8.0" kumimoji="0" lang="ko-KR" altLang="en-US" sz="1300" b="0" i="0" u="none" strike="noStrike" kern="1200" cap="none" spc="0" normalizeH="0" baseline="0" mc:Ignorable="hp" hp:hslEmbossed="0">
+                <a:solidFill>
+                  <a:srgbClr val="000000"/>
+                </a:solidFill>
+                <a:latin typeface="Calibri"/>
+                <a:ea typeface="맑은 고딕"/>
+                <a:cs typeface="맑은 고딕"/>
+              </a:rPr>
+              <a:t>배송비</a:t>
+            </a:r>
+            <a:endParaRPr xmlns:mc="http://schemas.openxmlformats.org/markup-compatibility/2006" xmlns:hp="http://schemas.haansoft.com/office/presentation/8.0" kumimoji="0" lang="ko-KR" altLang="en-US" sz="1300" b="0" i="0" u="none" strike="noStrike" kern="1200" cap="none" spc="0" normalizeH="0" baseline="0" mc:Ignorable="hp" hp:hslEmbossed="0">
+              <a:solidFill>
+                <a:srgbClr val="000000"/>
+              </a:solidFill>
+              <a:latin typeface="Calibri"/>
+              <a:ea typeface="맑은 고딕"/>
+              <a:cs typeface="맑은 고딕"/>
+            </a:endParaRPr>
+          </a:p>
+        </p:txBody>
+      </p:sp>
+      <p:sp>
+        <p:nvSpPr>
+          <p:cNvPr id="389" name=""/>
+          <p:cNvSpPr/>
+          <p:nvPr/>
+        </p:nvSpPr>
+        <p:spPr>
+          <a:xfrm>
+            <a:off x="4226465" y="4694001"/>
+            <a:ext cx="2158324" cy="337468"/>
+          </a:xfrm>
+          <a:prstGeom prst="rect">
+            <a:avLst/>
+          </a:prstGeom>
+          <a:solidFill>
+            <a:srgbClr val="ffffff">
+              <a:alpha val="100000"/>
+            </a:srgbClr>
+          </a:solidFill>
+          <a:ln w="19050" cap="flat" cmpd="sng" algn="ctr">
+            <a:solidFill>
+              <a:srgbClr val="2e3e67">
+                <a:alpha val="100000"/>
+              </a:srgbClr>
+            </a:solidFill>
+            <a:prstDash val="solid"/>
+          </a:ln>
+        </p:spPr>
+        <p:txBody>
+          <a:bodyPr anchor="ctr"/>
+          <a:p>
+            <a:pPr marL="0" indent="0" algn="ctr" defTabSz="914400" rtl="0" eaLnBrk="1" latinLnBrk="1" hangingPunct="1">
+              <a:lnSpc>
+                <a:spcPct val="100000"/>
+              </a:lnSpc>
+              <a:spcBef>
+                <a:spcPct val="0"/>
+              </a:spcBef>
+              <a:spcAft>
+                <a:spcPts val="0"/>
+              </a:spcAft>
+              <a:buNone/>
+              <a:defRPr/>
+            </a:pPr>
+            <a:r>
+              <a:rPr xmlns:mc="http://schemas.openxmlformats.org/markup-compatibility/2006" xmlns:hp="http://schemas.haansoft.com/office/presentation/8.0" kumimoji="0" lang="ko-KR" altLang="en-US" sz="1300" b="0" i="0" u="none" strike="noStrike" kern="1200" cap="none" spc="0" normalizeH="0" baseline="0" mc:Ignorable="hp" hp:hslEmbossed="0">
+                <a:solidFill>
+                  <a:srgbClr val="000000"/>
+                </a:solidFill>
+                <a:latin typeface="Calibri"/>
+                <a:ea typeface="맑은 고딕"/>
+                <a:cs typeface="맑은 고딕"/>
+              </a:rPr>
+              <a:t>총 할인 금액</a:t>
+            </a:r>
+            <a:endParaRPr xmlns:mc="http://schemas.openxmlformats.org/markup-compatibility/2006" xmlns:hp="http://schemas.haansoft.com/office/presentation/8.0" kumimoji="0" lang="ko-KR" altLang="en-US" sz="1300" b="0" i="0" u="none" strike="noStrike" kern="1200" cap="none" spc="0" normalizeH="0" baseline="0" mc:Ignorable="hp" hp:hslEmbossed="0">
+              <a:solidFill>
+                <a:srgbClr val="000000"/>
+              </a:solidFill>
+              <a:latin typeface="Calibri"/>
+              <a:ea typeface="맑은 고딕"/>
+              <a:cs typeface="맑은 고딕"/>
+            </a:endParaRPr>
+          </a:p>
+        </p:txBody>
+      </p:sp>
+      <p:sp>
+        <p:nvSpPr>
+          <p:cNvPr id="390" name=""/>
+          <p:cNvSpPr/>
+          <p:nvPr/>
+        </p:nvSpPr>
+        <p:spPr>
+          <a:xfrm>
+            <a:off x="4074470" y="5340040"/>
+            <a:ext cx="2512979" cy="337468"/>
+          </a:xfrm>
+          <a:prstGeom prst="rect">
+            <a:avLst/>
+          </a:prstGeom>
+          <a:solidFill>
+            <a:srgbClr val="ffffff">
+              <a:alpha val="100000"/>
+            </a:srgbClr>
+          </a:solidFill>
+          <a:ln w="19050" cap="flat" cmpd="sng" algn="ctr">
+            <a:solidFill>
+              <a:srgbClr val="2e3e67">
+                <a:alpha val="100000"/>
+              </a:srgbClr>
+            </a:solidFill>
+            <a:prstDash val="solid"/>
+          </a:ln>
+        </p:spPr>
+        <p:txBody>
+          <a:bodyPr anchor="ctr"/>
+          <a:p>
+            <a:pPr marL="0" indent="0" algn="ctr" defTabSz="914400" rtl="0" eaLnBrk="1" latinLnBrk="1" hangingPunct="1">
+              <a:lnSpc>
+                <a:spcPct val="100000"/>
+              </a:lnSpc>
+              <a:spcBef>
+                <a:spcPct val="0"/>
+              </a:spcBef>
+              <a:spcAft>
+                <a:spcPts val="0"/>
+              </a:spcAft>
+              <a:buNone/>
+              <a:defRPr/>
+            </a:pPr>
+            <a:r>
+              <a:rPr xmlns:mc="http://schemas.openxmlformats.org/markup-compatibility/2006" xmlns:hp="http://schemas.haansoft.com/office/presentation/8.0" kumimoji="0" lang="ko-KR" altLang="en-US" sz="1300" b="0" i="0" u="none" strike="noStrike" kern="1200" cap="none" spc="0" normalizeH="0" baseline="0" mc:Ignorable="hp" hp:hslEmbossed="0">
+                <a:solidFill>
+                  <a:srgbClr val="000000"/>
+                </a:solidFill>
+                <a:latin typeface="Calibri"/>
+                <a:ea typeface="맑은 고딕"/>
+                <a:cs typeface="맑은 고딕"/>
+              </a:rPr>
+              <a:t>총 금액</a:t>
+            </a:r>
+            <a:endParaRPr xmlns:mc="http://schemas.openxmlformats.org/markup-compatibility/2006" xmlns:hp="http://schemas.haansoft.com/office/presentation/8.0" kumimoji="0" lang="ko-KR" altLang="en-US" sz="1300" b="0" i="0" u="none" strike="noStrike" kern="1200" cap="none" spc="0" normalizeH="0" baseline="0" mc:Ignorable="hp" hp:hslEmbossed="0">
+              <a:solidFill>
+                <a:srgbClr val="000000"/>
               </a:solidFill>
               <a:latin typeface="Calibri"/>
               <a:ea typeface="맑은 고딕"/>

--- a/프레젠테이션 1.pptx
+++ b/프레젠테이션 1.pptx
@@ -2,7 +2,7 @@
 <file path=ppt/presentation.xml><?xml version="1.0" encoding="utf-8"?>
 <p:presentation xmlns:r="http://schemas.openxmlformats.org/officeDocument/2006/relationships" xmlns:c="http://schemas.openxmlformats.org/drawingml/2006/chart" xmlns:a="http://schemas.openxmlformats.org/drawingml/2006/main" xmlns:dgm="http://schemas.openxmlformats.org/drawingml/2006/diagram" xmlns:dsp="http://schemas.microsoft.com/office/drawing/2008/diagram" xmlns:p="http://schemas.openxmlformats.org/presentationml/2006/main">
   <p:sldMasterIdLst>
-    <p:sldMasterId id="2147483794" r:id="rId1"/>
+    <p:sldMasterId id="2147483793" r:id="rId1"/>
   </p:sldMasterIdLst>
   <p:notesMasterIdLst>
     <p:notesMasterId r:id="rId2"/>
@@ -20,6 +20,8 @@
     <p:sldId id="266" r:id="rId12"/>
     <p:sldId id="267" r:id="rId13"/>
     <p:sldId id="268" r:id="rId14"/>
+    <p:sldId id="269" r:id="rId15"/>
+    <p:sldId id="270" r:id="rId16"/>
   </p:sldIdLst>
   <p:sldSz cx="12192000" cy="6858000"/>
   <p:notesSz cx="6858000" cy="9144000"/>
@@ -216,7 +218,7 @@
               <a:pPr lvl="0">
                 <a:defRPr/>
               </a:pPr>
-              <a:t>2021-05-26</a:t>
+              <a:t>2021-05-27</a:t>
             </a:fld>
             <a:endParaRPr lang="ko-KR" altLang="en-US"/>
           </a:p>
@@ -895,6 +897,204 @@
                 <a:defRPr/>
               </a:pPr>
               <a:t>12</a:t>
+            </a:fld>
+            <a:endParaRPr lang="en-US" altLang="ko-KR"/>
+          </a:p>
+        </p:txBody>
+      </p:sp>
+    </p:spTree>
+  </p:cSld>
+  <p:clrMapOvr>
+    <a:masterClrMapping/>
+  </p:clrMapOvr>
+</p:notes>
+</file>
+
+<file path=ppt/notesSlides/notesSlide13.xml><?xml version="1.0" encoding="utf-8"?>
+<p:notes xmlns:r="http://schemas.openxmlformats.org/officeDocument/2006/relationships" xmlns:c="http://schemas.openxmlformats.org/drawingml/2006/chart" xmlns:a="http://schemas.openxmlformats.org/drawingml/2006/main" xmlns:dgm="http://schemas.openxmlformats.org/drawingml/2006/diagram" xmlns:dsp="http://schemas.microsoft.com/office/drawing/2008/diagram" xmlns:p="http://schemas.openxmlformats.org/presentationml/2006/main">
+  <p:cSld>
+    <p:spTree>
+      <p:nvGrpSpPr>
+        <p:cNvPr id="1" name=""/>
+        <p:cNvGrpSpPr/>
+        <p:nvPr/>
+      </p:nvGrpSpPr>
+      <p:grpSpPr>
+        <a:xfrm>
+          <a:off x="0" y="0"/>
+          <a:ext cx="0" cy="0"/>
+          <a:chOff x="0" y="0"/>
+          <a:chExt cx="0" cy="0"/>
+        </a:xfrm>
+      </p:grpSpPr>
+      <p:sp>
+        <p:nvSpPr>
+          <p:cNvPr id="2" name="Slide Image Placeholder 1"/>
+          <p:cNvSpPr>
+            <a:spLocks noGrp="1" noRot="1" noChangeAspect="1" noTextEdit="1"/>
+          </p:cNvSpPr>
+          <p:nvPr>
+            <p:ph type="sldImg" idx="0"/>
+          </p:nvPr>
+        </p:nvSpPr>
+        <p:spPr>
+          <a:xfrm>
+            <a:off x="2143125" y="684521"/>
+            <a:ext cx="2571750" cy="3429000"/>
+          </a:xfrm>
+        </p:spPr>
+      </p:sp>
+      <p:sp>
+        <p:nvSpPr>
+          <p:cNvPr id="3" name="Notes Placeholder 2"/>
+          <p:cNvSpPr>
+            <a:spLocks noGrp="1"/>
+          </p:cNvSpPr>
+          <p:nvPr>
+            <p:ph type="body" idx="1"/>
+          </p:nvPr>
+        </p:nvSpPr>
+        <p:spPr/>
+        <p:txBody>
+          <a:bodyPr>
+            <a:normAutofit/>
+          </a:bodyPr>
+          <a:lstStyle/>
+          <a:p>
+            <a:pPr lvl="0">
+              <a:defRPr/>
+            </a:pPr>
+            <a:r>
+              <a:rPr lang="ko-KR" altLang="en-US"/>
+              <a:t/>
+            </a:r>
+            <a:endParaRPr lang="ko-KR" altLang="en-US"/>
+          </a:p>
+        </p:txBody>
+      </p:sp>
+      <p:sp>
+        <p:nvSpPr>
+          <p:cNvPr id="4" name="Slide Number Placeholder 3"/>
+          <p:cNvSpPr>
+            <a:spLocks noGrp="1"/>
+          </p:cNvSpPr>
+          <p:nvPr>
+            <p:ph type="sldNum" sz="quarter" idx="10"/>
+          </p:nvPr>
+        </p:nvSpPr>
+        <p:spPr/>
+        <p:txBody>
+          <a:bodyPr/>
+          <a:lstStyle/>
+          <a:p>
+            <a:pPr lvl="0">
+              <a:defRPr/>
+            </a:pPr>
+            <a:fld id="{9B26CD33-4337-4529-948A-94F6960B2374}" type="slidenum">
+              <a:rPr lang="en-US" altLang="ko-KR"/>
+              <a:pPr lvl="0">
+                <a:defRPr/>
+              </a:pPr>
+              <a:t>13</a:t>
+            </a:fld>
+            <a:endParaRPr lang="en-US" altLang="ko-KR"/>
+          </a:p>
+        </p:txBody>
+      </p:sp>
+    </p:spTree>
+  </p:cSld>
+  <p:clrMapOvr>
+    <a:masterClrMapping/>
+  </p:clrMapOvr>
+</p:notes>
+</file>
+
+<file path=ppt/notesSlides/notesSlide14.xml><?xml version="1.0" encoding="utf-8"?>
+<p:notes xmlns:r="http://schemas.openxmlformats.org/officeDocument/2006/relationships" xmlns:c="http://schemas.openxmlformats.org/drawingml/2006/chart" xmlns:a="http://schemas.openxmlformats.org/drawingml/2006/main" xmlns:dgm="http://schemas.openxmlformats.org/drawingml/2006/diagram" xmlns:dsp="http://schemas.microsoft.com/office/drawing/2008/diagram" xmlns:p="http://schemas.openxmlformats.org/presentationml/2006/main">
+  <p:cSld>
+    <p:spTree>
+      <p:nvGrpSpPr>
+        <p:cNvPr id="1" name=""/>
+        <p:cNvGrpSpPr/>
+        <p:nvPr/>
+      </p:nvGrpSpPr>
+      <p:grpSpPr>
+        <a:xfrm>
+          <a:off x="0" y="0"/>
+          <a:ext cx="0" cy="0"/>
+          <a:chOff x="0" y="0"/>
+          <a:chExt cx="0" cy="0"/>
+        </a:xfrm>
+      </p:grpSpPr>
+      <p:sp>
+        <p:nvSpPr>
+          <p:cNvPr id="2" name="Slide Image Placeholder 1"/>
+          <p:cNvSpPr>
+            <a:spLocks noGrp="1" noRot="1" noChangeAspect="1" noTextEdit="1"/>
+          </p:cNvSpPr>
+          <p:nvPr>
+            <p:ph type="sldImg" idx="0"/>
+          </p:nvPr>
+        </p:nvSpPr>
+        <p:spPr>
+          <a:xfrm>
+            <a:off x="2143125" y="684521"/>
+            <a:ext cx="2571750" cy="3429000"/>
+          </a:xfrm>
+        </p:spPr>
+      </p:sp>
+      <p:sp>
+        <p:nvSpPr>
+          <p:cNvPr id="3" name="Notes Placeholder 2"/>
+          <p:cNvSpPr>
+            <a:spLocks noGrp="1"/>
+          </p:cNvSpPr>
+          <p:nvPr>
+            <p:ph type="body" idx="1"/>
+          </p:nvPr>
+        </p:nvSpPr>
+        <p:spPr/>
+        <p:txBody>
+          <a:bodyPr>
+            <a:normAutofit/>
+          </a:bodyPr>
+          <a:lstStyle/>
+          <a:p>
+            <a:pPr lvl="0">
+              <a:defRPr/>
+            </a:pPr>
+            <a:r>
+              <a:rPr lang="ko-KR" altLang="en-US"/>
+              <a:t/>
+            </a:r>
+            <a:endParaRPr lang="ko-KR" altLang="en-US"/>
+          </a:p>
+        </p:txBody>
+      </p:sp>
+      <p:sp>
+        <p:nvSpPr>
+          <p:cNvPr id="4" name="Slide Number Placeholder 3"/>
+          <p:cNvSpPr>
+            <a:spLocks noGrp="1"/>
+          </p:cNvSpPr>
+          <p:nvPr>
+            <p:ph type="sldNum" sz="quarter" idx="10"/>
+          </p:nvPr>
+        </p:nvSpPr>
+        <p:spPr/>
+        <p:txBody>
+          <a:bodyPr/>
+          <a:lstStyle/>
+          <a:p>
+            <a:pPr lvl="0">
+              <a:defRPr/>
+            </a:pPr>
+            <a:fld id="{9B26CD33-4337-4529-948A-94F6960B2374}" type="slidenum">
+              <a:rPr lang="en-US" altLang="ko-KR"/>
+              <a:pPr lvl="0">
+                <a:defRPr/>
+              </a:pPr>
+              <a:t>14</a:t>
             </a:fld>
             <a:endParaRPr lang="en-US" altLang="ko-KR"/>
           </a:p>
@@ -8740,9 +8940,9 @@
                             <a:schemeClr val="dk1"/>
                           </a:solidFill>
                         </a:rPr>
-                        <a:t>사용자가 담아 놓은 장바구니 관리 페이지</a:t>
+                        <a:t>마이페이지</a:t>
                       </a:r>
-                      <a:endParaRPr lang="en-US" altLang="ko-KR" sz="1100">
+                      <a:endParaRPr lang="ko-KR" altLang="en-US" sz="1100">
                         <a:solidFill>
                           <a:schemeClr val="dk1"/>
                         </a:solidFill>
@@ -11322,7 +11522,7 @@
         </p:nvGraphicFramePr>
         <p:xfrm>
           <a:off x="7984818" y="1123603"/>
-          <a:ext cx="3850930" cy="4024799"/>
+          <a:ext cx="3850930" cy="3509589"/>
         </p:xfrm>
         <a:graphic>
           <a:graphicData uri="http://schemas.openxmlformats.org/drawingml/2006/table">
@@ -11484,9 +11684,9 @@
                             <a:schemeClr val="dk1"/>
                           </a:solidFill>
                         </a:rPr>
-                        <a:t>사용자가 담아 놓은 장바구니 관리 페이지</a:t>
+                        <a:t>사용자의 주문내역</a:t>
                       </a:r>
-                      <a:endParaRPr lang="en-US" altLang="ko-KR" sz="1100">
+                      <a:endParaRPr lang="ko-KR" altLang="en-US" sz="1100">
                         <a:solidFill>
                           <a:schemeClr val="dk1"/>
                         </a:solidFill>
@@ -12198,124 +12398,6 @@
                         </a:rPr>
                         <a:t>주문 내역 중 첫번째 상품 이미지</a:t>
                       </a:r>
-                      <a:endParaRPr lang="ko-KR" altLang="en-US" sz="1100">
-                        <a:solidFill>
-                          <a:schemeClr val="dk1"/>
-                        </a:solidFill>
-                      </a:endParaRPr>
-                    </a:p>
-                  </a:txBody>
-                  <a:tcPr marL="91440" marR="91440" anchor="ctr" anchorCtr="1">
-                    <a:lnL w="12700" cap="flat" cmpd="sng" algn="ctr">
-                      <a:solidFill>
-                        <a:schemeClr val="tx1"/>
-                      </a:solidFill>
-                      <a:prstDash val="solid"/>
-                      <a:round/>
-                      <a:headEnd w="med" len="med"/>
-                      <a:tailEnd w="med" len="med"/>
-                    </a:lnL>
-                    <a:lnR w="12700" cap="flat" cmpd="sng" algn="ctr">
-                      <a:solidFill>
-                        <a:schemeClr val="tx1"/>
-                      </a:solidFill>
-                      <a:prstDash val="solid"/>
-                      <a:round/>
-                      <a:headEnd w="med" len="med"/>
-                      <a:tailEnd w="med" len="med"/>
-                    </a:lnR>
-                    <a:lnT w="12700" cap="flat" cmpd="sng" algn="ctr">
-                      <a:solidFill>
-                        <a:schemeClr val="tx1"/>
-                      </a:solidFill>
-                      <a:prstDash val="solid"/>
-                      <a:round/>
-                      <a:headEnd w="med" len="med"/>
-                      <a:tailEnd w="med" len="med"/>
-                    </a:lnT>
-                    <a:lnB w="12700" cap="flat" cmpd="sng" algn="ctr">
-                      <a:solidFill>
-                        <a:schemeClr val="tx1"/>
-                      </a:solidFill>
-                      <a:prstDash val="solid"/>
-                      <a:round/>
-                      <a:headEnd w="med" len="med"/>
-                      <a:tailEnd w="med" len="med"/>
-                    </a:lnB>
-                    <a:solidFill>
-                      <a:schemeClr val="lt1"/>
-                    </a:solidFill>
-                  </a:tcPr>
-                </a:tc>
-              </a:tr>
-              <a:tr h="515210">
-                <a:tc>
-                  <a:txBody>
-                    <a:bodyPr vert="horz" wrap="square" lIns="91440" tIns="45720" rIns="91440" bIns="45720" anchor="ctr" anchorCtr="1">
-                      <a:spAutoFit/>
-                    </a:bodyPr>
-                    <a:p>
-                      <a:pPr algn="ctr">
-                        <a:defRPr/>
-                      </a:pPr>
-                      <a:endParaRPr lang="en-US" altLang="ko-KR" sz="1100">
-                        <a:solidFill>
-                          <a:schemeClr val="dk1"/>
-                        </a:solidFill>
-                      </a:endParaRPr>
-                    </a:p>
-                  </a:txBody>
-                  <a:tcPr marL="91440" marR="91440" anchor="ctr" anchorCtr="1">
-                    <a:lnL w="12700" cap="flat" cmpd="sng" algn="ctr">
-                      <a:solidFill>
-                        <a:schemeClr val="tx1"/>
-                      </a:solidFill>
-                      <a:prstDash val="solid"/>
-                      <a:round/>
-                      <a:headEnd w="med" len="med"/>
-                      <a:tailEnd w="med" len="med"/>
-                    </a:lnL>
-                    <a:lnR w="12700" cap="flat" cmpd="sng" algn="ctr">
-                      <a:solidFill>
-                        <a:schemeClr val="tx1"/>
-                      </a:solidFill>
-                      <a:prstDash val="solid"/>
-                      <a:round/>
-                      <a:headEnd w="med" len="med"/>
-                      <a:tailEnd w="med" len="med"/>
-                    </a:lnR>
-                    <a:lnT w="12700" cap="flat" cmpd="sng" algn="ctr">
-                      <a:solidFill>
-                        <a:schemeClr val="tx1"/>
-                      </a:solidFill>
-                      <a:prstDash val="solid"/>
-                      <a:round/>
-                      <a:headEnd w="med" len="med"/>
-                      <a:tailEnd w="med" len="med"/>
-                    </a:lnT>
-                    <a:lnB w="12700" cap="flat" cmpd="sng" algn="ctr">
-                      <a:solidFill>
-                        <a:schemeClr val="tx1"/>
-                      </a:solidFill>
-                      <a:prstDash val="solid"/>
-                      <a:round/>
-                      <a:headEnd w="med" len="med"/>
-                      <a:tailEnd w="med" len="med"/>
-                    </a:lnB>
-                    <a:solidFill>
-                      <a:schemeClr val="lt1"/>
-                    </a:solidFill>
-                  </a:tcPr>
-                </a:tc>
-                <a:tc>
-                  <a:txBody>
-                    <a:bodyPr vert="horz" wrap="square" lIns="91440" tIns="45720" rIns="91440" bIns="45720" anchor="ctr" anchorCtr="1">
-                      <a:spAutoFit/>
-                    </a:bodyPr>
-                    <a:p>
-                      <a:pPr>
-                        <a:defRPr/>
-                      </a:pPr>
                       <a:endParaRPr lang="ko-KR" altLang="en-US" sz="1100">
                         <a:solidFill>
                           <a:schemeClr val="dk1"/>
@@ -14115,7 +14197,7 @@
         </p:nvGraphicFramePr>
         <p:xfrm>
           <a:off x="7984818" y="1123603"/>
-          <a:ext cx="3850930" cy="4024799"/>
+          <a:ext cx="3850930" cy="933539"/>
         </p:xfrm>
         <a:graphic>
           <a:graphicData uri="http://schemas.openxmlformats.org/drawingml/2006/table">
@@ -14277,9 +14359,9 @@
                             <a:schemeClr val="dk1"/>
                           </a:solidFill>
                         </a:rPr>
-                        <a:t>사용자가 담아 놓은 장바구니 관리 페이지</a:t>
+                        <a:t>주문 상세내역</a:t>
                       </a:r>
-                      <a:endParaRPr lang="en-US" altLang="ko-KR" sz="1100">
+                      <a:endParaRPr lang="ko-KR" altLang="en-US" sz="1100">
                         <a:solidFill>
                           <a:schemeClr val="dk1"/>
                         </a:solidFill>
@@ -14341,798 +14423,6 @@
                     </a:p>
                   </a:txBody>
                   <a:tcPr marL="91440" marR="91440">
-                    <a:lnL w="12700" cap="flat" cmpd="sng" algn="ctr">
-                      <a:solidFill>
-                        <a:schemeClr val="tx1"/>
-                      </a:solidFill>
-                      <a:prstDash val="solid"/>
-                      <a:round/>
-                      <a:headEnd w="med" len="med"/>
-                      <a:tailEnd w="med" len="med"/>
-                    </a:lnL>
-                    <a:lnR w="12700" cap="flat" cmpd="sng" algn="ctr">
-                      <a:solidFill>
-                        <a:schemeClr val="tx1"/>
-                      </a:solidFill>
-                      <a:prstDash val="solid"/>
-                      <a:round/>
-                      <a:headEnd w="med" len="med"/>
-                      <a:tailEnd w="med" len="med"/>
-                    </a:lnR>
-                    <a:lnT w="12700" cap="flat" cmpd="sng" algn="ctr">
-                      <a:solidFill>
-                        <a:schemeClr val="tx1"/>
-                      </a:solidFill>
-                      <a:prstDash val="solid"/>
-                      <a:round/>
-                      <a:headEnd w="med" len="med"/>
-                      <a:tailEnd w="med" len="med"/>
-                    </a:lnT>
-                    <a:lnB w="12700" cap="flat" cmpd="sng" algn="ctr">
-                      <a:solidFill>
-                        <a:schemeClr val="tx1"/>
-                      </a:solidFill>
-                      <a:prstDash val="solid"/>
-                      <a:round/>
-                      <a:headEnd w="med" len="med"/>
-                      <a:tailEnd w="med" len="med"/>
-                    </a:lnB>
-                    <a:solidFill>
-                      <a:schemeClr val="lt1"/>
-                    </a:solidFill>
-                  </a:tcPr>
-                </a:tc>
-              </a:tr>
-              <a:tr h="515210">
-                <a:tc gridSpan="2">
-                  <a:txBody>
-                    <a:bodyPr vert="horz" wrap="square" lIns="91440" tIns="45720" rIns="91440" bIns="45720" anchor="ctr" anchorCtr="1">
-                      <a:spAutoFit/>
-                    </a:bodyPr>
-                    <a:p>
-                      <a:pPr algn="ctr">
-                        <a:defRPr/>
-                      </a:pPr>
-                      <a:r>
-                        <a:rPr lang="en-US" altLang="ko-KR">
-                          <a:solidFill>
-                            <a:schemeClr val="dk1"/>
-                          </a:solidFill>
-                        </a:rPr>
-                        <a:t>function</a:t>
-                      </a:r>
-                      <a:endParaRPr lang="en-US" altLang="ko-KR">
-                        <a:solidFill>
-                          <a:schemeClr val="dk1"/>
-                        </a:solidFill>
-                      </a:endParaRPr>
-                    </a:p>
-                  </a:txBody>
-                  <a:tcPr marL="91440" marR="91440" anchor="ctr" anchorCtr="1">
-                    <a:lnL w="12700" cap="flat" cmpd="sng" algn="ctr">
-                      <a:solidFill>
-                        <a:schemeClr val="tx1"/>
-                      </a:solidFill>
-                      <a:prstDash val="solid"/>
-                      <a:round/>
-                      <a:headEnd w="med" len="med"/>
-                      <a:tailEnd w="med" len="med"/>
-                    </a:lnL>
-                    <a:lnR w="12700" cap="flat" cmpd="sng" algn="ctr">
-                      <a:solidFill>
-                        <a:schemeClr val="tx1"/>
-                      </a:solidFill>
-                      <a:prstDash val="solid"/>
-                      <a:round/>
-                      <a:headEnd w="med" len="med"/>
-                      <a:tailEnd w="med" len="med"/>
-                    </a:lnR>
-                    <a:lnT w="12700" cap="flat" cmpd="sng" algn="ctr">
-                      <a:solidFill>
-                        <a:schemeClr val="tx1"/>
-                      </a:solidFill>
-                      <a:prstDash val="solid"/>
-                      <a:round/>
-                      <a:headEnd w="med" len="med"/>
-                      <a:tailEnd w="med" len="med"/>
-                    </a:lnT>
-                    <a:lnB w="12700" cap="flat" cmpd="sng" algn="ctr">
-                      <a:solidFill>
-                        <a:schemeClr val="tx1"/>
-                      </a:solidFill>
-                      <a:prstDash val="solid"/>
-                      <a:round/>
-                      <a:headEnd w="med" len="med"/>
-                      <a:tailEnd w="med" len="med"/>
-                    </a:lnB>
-                    <a:solidFill>
-                      <a:srgbClr val="d1d1d1"/>
-                    </a:solidFill>
-                  </a:tcPr>
-                </a:tc>
-                <a:tc hMerge="1">
-                  <a:txBody>
-                    <a:bodyPr vert="horz" wrap="square" lIns="91440" tIns="45720" rIns="91440" bIns="45720" anchor="t" anchorCtr="0">
-                      <a:spAutoFit/>
-                    </a:bodyPr>
-                    <a:p>
-                      <a:pPr>
-                        <a:defRPr/>
-                      </a:pPr>
-                      <a:endParaRPr lang="ko-KR" altLang="en-US"/>
-                    </a:p>
-                  </a:txBody>
-                  <a:tcPr marL="91440" marR="91440">
-                    <a:lnL w="12700" cap="flat" cmpd="sng" algn="ctr">
-                      <a:solidFill>
-                        <a:schemeClr val="tx1"/>
-                      </a:solidFill>
-                      <a:prstDash val="solid"/>
-                      <a:round/>
-                      <a:headEnd w="med" len="med"/>
-                      <a:tailEnd w="med" len="med"/>
-                    </a:lnL>
-                    <a:lnR w="12700" cap="flat" cmpd="sng" algn="ctr">
-                      <a:solidFill>
-                        <a:schemeClr val="tx1"/>
-                      </a:solidFill>
-                      <a:prstDash val="solid"/>
-                      <a:round/>
-                      <a:headEnd w="med" len="med"/>
-                      <a:tailEnd w="med" len="med"/>
-                    </a:lnR>
-                    <a:lnT w="12700" cap="flat" cmpd="sng" algn="ctr">
-                      <a:solidFill>
-                        <a:schemeClr val="tx1"/>
-                      </a:solidFill>
-                      <a:prstDash val="solid"/>
-                      <a:round/>
-                      <a:headEnd w="med" len="med"/>
-                      <a:tailEnd w="med" len="med"/>
-                    </a:lnT>
-                    <a:lnB w="12700" cap="flat" cmpd="sng" algn="ctr">
-                      <a:solidFill>
-                        <a:schemeClr val="tx1"/>
-                      </a:solidFill>
-                      <a:prstDash val="solid"/>
-                      <a:round/>
-                      <a:headEnd w="med" len="med"/>
-                      <a:tailEnd w="med" len="med"/>
-                    </a:lnB>
-                    <a:solidFill>
-                      <a:schemeClr val="lt1"/>
-                    </a:solidFill>
-                  </a:tcPr>
-                </a:tc>
-              </a:tr>
-              <a:tr h="515210">
-                <a:tc>
-                  <a:txBody>
-                    <a:bodyPr vert="horz" wrap="square" lIns="91440" tIns="45720" rIns="91440" bIns="45720" anchor="ctr" anchorCtr="1">
-                      <a:spAutoFit/>
-                    </a:bodyPr>
-                    <a:p>
-                      <a:pPr algn="ctr">
-                        <a:defRPr/>
-                      </a:pPr>
-                      <a:r>
-                        <a:rPr lang="en-US" altLang="ko-KR" sz="1100">
-                          <a:solidFill>
-                            <a:schemeClr val="dk1"/>
-                          </a:solidFill>
-                        </a:rPr>
-                        <a:t>1</a:t>
-                      </a:r>
-                      <a:endParaRPr lang="en-US" altLang="ko-KR" sz="1100">
-                        <a:solidFill>
-                          <a:schemeClr val="dk1"/>
-                        </a:solidFill>
-                      </a:endParaRPr>
-                    </a:p>
-                  </a:txBody>
-                  <a:tcPr marL="91440" marR="91440" anchor="ctr" anchorCtr="1">
-                    <a:lnL w="12700" cap="flat" cmpd="sng" algn="ctr">
-                      <a:solidFill>
-                        <a:schemeClr val="tx1"/>
-                      </a:solidFill>
-                      <a:prstDash val="solid"/>
-                      <a:round/>
-                      <a:headEnd w="med" len="med"/>
-                      <a:tailEnd w="med" len="med"/>
-                    </a:lnL>
-                    <a:lnR w="12700" cap="flat" cmpd="sng" algn="ctr">
-                      <a:solidFill>
-                        <a:schemeClr val="tx1"/>
-                      </a:solidFill>
-                      <a:prstDash val="solid"/>
-                      <a:round/>
-                      <a:headEnd w="med" len="med"/>
-                      <a:tailEnd w="med" len="med"/>
-                    </a:lnR>
-                    <a:lnT w="12700" cap="flat" cmpd="sng" algn="ctr">
-                      <a:solidFill>
-                        <a:schemeClr val="tx1"/>
-                      </a:solidFill>
-                      <a:prstDash val="solid"/>
-                      <a:round/>
-                      <a:headEnd w="med" len="med"/>
-                      <a:tailEnd w="med" len="med"/>
-                    </a:lnT>
-                    <a:lnB w="12700" cap="flat" cmpd="sng" algn="ctr">
-                      <a:solidFill>
-                        <a:schemeClr val="tx1"/>
-                      </a:solidFill>
-                      <a:prstDash val="solid"/>
-                      <a:round/>
-                      <a:headEnd w="med" len="med"/>
-                      <a:tailEnd w="med" len="med"/>
-                    </a:lnB>
-                    <a:solidFill>
-                      <a:schemeClr val="lt1"/>
-                    </a:solidFill>
-                  </a:tcPr>
-                </a:tc>
-                <a:tc>
-                  <a:txBody>
-                    <a:bodyPr vert="horz" wrap="square" lIns="91440" tIns="45720" rIns="91440" bIns="45720" anchor="ctr" anchorCtr="1">
-                      <a:spAutoFit/>
-                    </a:bodyPr>
-                    <a:p>
-                      <a:pPr>
-                        <a:defRPr/>
-                      </a:pPr>
-                      <a:r>
-                        <a:rPr lang="ko-KR" altLang="en-US" sz="1100">
-                          <a:solidFill>
-                            <a:schemeClr val="dk1"/>
-                          </a:solidFill>
-                        </a:rPr>
-                        <a:t>주문 및 결제내역</a:t>
-                      </a:r>
-                      <a:endParaRPr lang="ko-KR" altLang="en-US" sz="1100">
-                        <a:solidFill>
-                          <a:schemeClr val="dk1"/>
-                        </a:solidFill>
-                      </a:endParaRPr>
-                    </a:p>
-                  </a:txBody>
-                  <a:tcPr marL="91440" marR="91440" anchor="ctr" anchorCtr="1">
-                    <a:lnL w="12700" cap="flat" cmpd="sng" algn="ctr">
-                      <a:solidFill>
-                        <a:schemeClr val="tx1"/>
-                      </a:solidFill>
-                      <a:prstDash val="solid"/>
-                      <a:round/>
-                      <a:headEnd w="med" len="med"/>
-                      <a:tailEnd w="med" len="med"/>
-                    </a:lnL>
-                    <a:lnR w="12700" cap="flat" cmpd="sng" algn="ctr">
-                      <a:solidFill>
-                        <a:schemeClr val="tx1"/>
-                      </a:solidFill>
-                      <a:prstDash val="solid"/>
-                      <a:round/>
-                      <a:headEnd w="med" len="med"/>
-                      <a:tailEnd w="med" len="med"/>
-                    </a:lnR>
-                    <a:lnT w="12700" cap="flat" cmpd="sng" algn="ctr">
-                      <a:solidFill>
-                        <a:schemeClr val="tx1"/>
-                      </a:solidFill>
-                      <a:prstDash val="solid"/>
-                      <a:round/>
-                      <a:headEnd w="med" len="med"/>
-                      <a:tailEnd w="med" len="med"/>
-                    </a:lnT>
-                    <a:lnB w="12700" cap="flat" cmpd="sng" algn="ctr">
-                      <a:solidFill>
-                        <a:schemeClr val="tx1"/>
-                      </a:solidFill>
-                      <a:prstDash val="solid"/>
-                      <a:round/>
-                      <a:headEnd w="med" len="med"/>
-                      <a:tailEnd w="med" len="med"/>
-                    </a:lnB>
-                    <a:solidFill>
-                      <a:schemeClr val="lt1"/>
-                    </a:solidFill>
-                  </a:tcPr>
-                </a:tc>
-              </a:tr>
-              <a:tr h="515210">
-                <a:tc>
-                  <a:txBody>
-                    <a:bodyPr vert="horz" wrap="square" lIns="91440" tIns="45720" rIns="91440" bIns="45720" anchor="ctr" anchorCtr="1">
-                      <a:spAutoFit/>
-                    </a:bodyPr>
-                    <a:p>
-                      <a:pPr algn="ctr">
-                        <a:defRPr/>
-                      </a:pPr>
-                      <a:r>
-                        <a:rPr lang="en-US" altLang="ko-KR" sz="1100">
-                          <a:solidFill>
-                            <a:schemeClr val="dk1"/>
-                          </a:solidFill>
-                        </a:rPr>
-                        <a:t>2</a:t>
-                      </a:r>
-                      <a:endParaRPr lang="en-US" altLang="ko-KR" sz="1100">
-                        <a:solidFill>
-                          <a:schemeClr val="dk1"/>
-                        </a:solidFill>
-                      </a:endParaRPr>
-                    </a:p>
-                  </a:txBody>
-                  <a:tcPr marL="91440" marR="91440" anchor="ctr" anchorCtr="1">
-                    <a:lnL w="12700" cap="flat" cmpd="sng" algn="ctr">
-                      <a:solidFill>
-                        <a:schemeClr val="tx1"/>
-                      </a:solidFill>
-                      <a:prstDash val="solid"/>
-                      <a:round/>
-                      <a:headEnd w="med" len="med"/>
-                      <a:tailEnd w="med" len="med"/>
-                    </a:lnL>
-                    <a:lnR w="12700" cap="flat" cmpd="sng" algn="ctr">
-                      <a:solidFill>
-                        <a:schemeClr val="tx1"/>
-                      </a:solidFill>
-                      <a:prstDash val="solid"/>
-                      <a:round/>
-                      <a:headEnd w="med" len="med"/>
-                      <a:tailEnd w="med" len="med"/>
-                    </a:lnR>
-                    <a:lnT w="12700" cap="flat" cmpd="sng" algn="ctr">
-                      <a:solidFill>
-                        <a:schemeClr val="tx1"/>
-                      </a:solidFill>
-                      <a:prstDash val="solid"/>
-                      <a:round/>
-                      <a:headEnd w="med" len="med"/>
-                      <a:tailEnd w="med" len="med"/>
-                    </a:lnT>
-                    <a:lnB w="12700" cap="flat" cmpd="sng" algn="ctr">
-                      <a:solidFill>
-                        <a:schemeClr val="tx1"/>
-                      </a:solidFill>
-                      <a:prstDash val="solid"/>
-                      <a:round/>
-                      <a:headEnd w="med" len="med"/>
-                      <a:tailEnd w="med" len="med"/>
-                    </a:lnB>
-                    <a:solidFill>
-                      <a:schemeClr val="lt1"/>
-                    </a:solidFill>
-                  </a:tcPr>
-                </a:tc>
-                <a:tc>
-                  <a:txBody>
-                    <a:bodyPr vert="horz" wrap="square" lIns="91440" tIns="45720" rIns="91440" bIns="45720" anchor="ctr" anchorCtr="1">
-                      <a:spAutoFit/>
-                    </a:bodyPr>
-                    <a:p>
-                      <a:pPr>
-                        <a:defRPr/>
-                      </a:pPr>
-                      <a:r>
-                        <a:rPr lang="ko-KR" altLang="en-US" sz="1100">
-                          <a:solidFill>
-                            <a:schemeClr val="dk1"/>
-                          </a:solidFill>
-                        </a:rPr>
-                        <a:t>해당 결제 최종 금액</a:t>
-                      </a:r>
-                      <a:endParaRPr lang="ko-KR" altLang="en-US" sz="1100">
-                        <a:solidFill>
-                          <a:schemeClr val="dk1"/>
-                        </a:solidFill>
-                      </a:endParaRPr>
-                    </a:p>
-                  </a:txBody>
-                  <a:tcPr marL="91440" marR="91440" anchor="ctr" anchorCtr="1">
-                    <a:lnL w="12700" cap="flat" cmpd="sng" algn="ctr">
-                      <a:solidFill>
-                        <a:schemeClr val="tx1"/>
-                      </a:solidFill>
-                      <a:prstDash val="solid"/>
-                      <a:round/>
-                      <a:headEnd w="med" len="med"/>
-                      <a:tailEnd w="med" len="med"/>
-                    </a:lnL>
-                    <a:lnR w="12700" cap="flat" cmpd="sng" algn="ctr">
-                      <a:solidFill>
-                        <a:schemeClr val="tx1"/>
-                      </a:solidFill>
-                      <a:prstDash val="solid"/>
-                      <a:round/>
-                      <a:headEnd w="med" len="med"/>
-                      <a:tailEnd w="med" len="med"/>
-                    </a:lnR>
-                    <a:lnT w="12700" cap="flat" cmpd="sng" algn="ctr">
-                      <a:solidFill>
-                        <a:schemeClr val="tx1"/>
-                      </a:solidFill>
-                      <a:prstDash val="solid"/>
-                      <a:round/>
-                      <a:headEnd w="med" len="med"/>
-                      <a:tailEnd w="med" len="med"/>
-                    </a:lnT>
-                    <a:lnB w="12700" cap="flat" cmpd="sng" algn="ctr">
-                      <a:solidFill>
-                        <a:schemeClr val="tx1"/>
-                      </a:solidFill>
-                      <a:prstDash val="solid"/>
-                      <a:round/>
-                      <a:headEnd w="med" len="med"/>
-                      <a:tailEnd w="med" len="med"/>
-                    </a:lnB>
-                    <a:solidFill>
-                      <a:schemeClr val="lt1"/>
-                    </a:solidFill>
-                  </a:tcPr>
-                </a:tc>
-              </a:tr>
-              <a:tr h="515210">
-                <a:tc>
-                  <a:txBody>
-                    <a:bodyPr vert="horz" wrap="square" lIns="91440" tIns="45720" rIns="91440" bIns="45720" anchor="ctr" anchorCtr="1">
-                      <a:spAutoFit/>
-                    </a:bodyPr>
-                    <a:p>
-                      <a:pPr algn="ctr">
-                        <a:defRPr/>
-                      </a:pPr>
-                      <a:r>
-                        <a:rPr lang="en-US" altLang="ko-KR" sz="1100">
-                          <a:solidFill>
-                            <a:schemeClr val="dk1"/>
-                          </a:solidFill>
-                        </a:rPr>
-                        <a:t>3</a:t>
-                      </a:r>
-                      <a:endParaRPr lang="en-US" altLang="ko-KR" sz="1100">
-                        <a:solidFill>
-                          <a:schemeClr val="dk1"/>
-                        </a:solidFill>
-                      </a:endParaRPr>
-                    </a:p>
-                  </a:txBody>
-                  <a:tcPr marL="91440" marR="91440" anchor="ctr" anchorCtr="1">
-                    <a:lnL w="12700" cap="flat" cmpd="sng" algn="ctr">
-                      <a:solidFill>
-                        <a:schemeClr val="tx1"/>
-                      </a:solidFill>
-                      <a:prstDash val="solid"/>
-                      <a:round/>
-                      <a:headEnd w="med" len="med"/>
-                      <a:tailEnd w="med" len="med"/>
-                    </a:lnL>
-                    <a:lnR w="12700" cap="flat" cmpd="sng" algn="ctr">
-                      <a:solidFill>
-                        <a:schemeClr val="tx1"/>
-                      </a:solidFill>
-                      <a:prstDash val="solid"/>
-                      <a:round/>
-                      <a:headEnd w="med" len="med"/>
-                      <a:tailEnd w="med" len="med"/>
-                    </a:lnR>
-                    <a:lnT w="12700" cap="flat" cmpd="sng" algn="ctr">
-                      <a:solidFill>
-                        <a:schemeClr val="tx1"/>
-                      </a:solidFill>
-                      <a:prstDash val="solid"/>
-                      <a:round/>
-                      <a:headEnd w="med" len="med"/>
-                      <a:tailEnd w="med" len="med"/>
-                    </a:lnT>
-                    <a:lnB w="12700" cap="flat" cmpd="sng" algn="ctr">
-                      <a:solidFill>
-                        <a:schemeClr val="tx1"/>
-                      </a:solidFill>
-                      <a:prstDash val="solid"/>
-                      <a:round/>
-                      <a:headEnd w="med" len="med"/>
-                      <a:tailEnd w="med" len="med"/>
-                    </a:lnB>
-                    <a:solidFill>
-                      <a:schemeClr val="lt1"/>
-                    </a:solidFill>
-                  </a:tcPr>
-                </a:tc>
-                <a:tc>
-                  <a:txBody>
-                    <a:bodyPr vert="horz" wrap="square" lIns="91440" tIns="45720" rIns="91440" bIns="45720" anchor="ctr" anchorCtr="1">
-                      <a:spAutoFit/>
-                    </a:bodyPr>
-                    <a:p>
-                      <a:pPr>
-                        <a:defRPr/>
-                      </a:pPr>
-                      <a:r>
-                        <a:rPr lang="ko-KR" altLang="en-US" sz="1100">
-                          <a:solidFill>
-                            <a:schemeClr val="dk1"/>
-                          </a:solidFill>
-                        </a:rPr>
-                        <a:t>주문 상세 내역</a:t>
-                      </a:r>
-                      <a:endParaRPr lang="ko-KR" altLang="en-US" sz="1100">
-                        <a:solidFill>
-                          <a:schemeClr val="dk1"/>
-                        </a:solidFill>
-                      </a:endParaRPr>
-                    </a:p>
-                  </a:txBody>
-                  <a:tcPr marL="91440" marR="91440" anchor="ctr" anchorCtr="1">
-                    <a:lnL w="12700" cap="flat" cmpd="sng" algn="ctr">
-                      <a:solidFill>
-                        <a:schemeClr val="tx1"/>
-                      </a:solidFill>
-                      <a:prstDash val="solid"/>
-                      <a:round/>
-                      <a:headEnd w="med" len="med"/>
-                      <a:tailEnd w="med" len="med"/>
-                    </a:lnL>
-                    <a:lnR w="12700" cap="flat" cmpd="sng" algn="ctr">
-                      <a:solidFill>
-                        <a:schemeClr val="tx1"/>
-                      </a:solidFill>
-                      <a:prstDash val="solid"/>
-                      <a:round/>
-                      <a:headEnd w="med" len="med"/>
-                      <a:tailEnd w="med" len="med"/>
-                    </a:lnR>
-                    <a:lnT w="12700" cap="flat" cmpd="sng" algn="ctr">
-                      <a:solidFill>
-                        <a:schemeClr val="tx1"/>
-                      </a:solidFill>
-                      <a:prstDash val="solid"/>
-                      <a:round/>
-                      <a:headEnd w="med" len="med"/>
-                      <a:tailEnd w="med" len="med"/>
-                    </a:lnT>
-                    <a:lnB w="12700" cap="flat" cmpd="sng" algn="ctr">
-                      <a:solidFill>
-                        <a:schemeClr val="tx1"/>
-                      </a:solidFill>
-                      <a:prstDash val="solid"/>
-                      <a:round/>
-                      <a:headEnd w="med" len="med"/>
-                      <a:tailEnd w="med" len="med"/>
-                    </a:lnB>
-                    <a:solidFill>
-                      <a:schemeClr val="lt1"/>
-                    </a:solidFill>
-                  </a:tcPr>
-                </a:tc>
-              </a:tr>
-              <a:tr h="515210">
-                <a:tc>
-                  <a:txBody>
-                    <a:bodyPr vert="horz" wrap="square" lIns="91440" tIns="45720" rIns="91440" bIns="45720" anchor="ctr" anchorCtr="1">
-                      <a:spAutoFit/>
-                    </a:bodyPr>
-                    <a:p>
-                      <a:pPr algn="ctr">
-                        <a:defRPr/>
-                      </a:pPr>
-                      <a:r>
-                        <a:rPr lang="en-US" altLang="ko-KR" sz="1100">
-                          <a:solidFill>
-                            <a:schemeClr val="dk1"/>
-                          </a:solidFill>
-                        </a:rPr>
-                        <a:t>4</a:t>
-                      </a:r>
-                      <a:endParaRPr lang="en-US" altLang="ko-KR" sz="1100">
-                        <a:solidFill>
-                          <a:schemeClr val="dk1"/>
-                        </a:solidFill>
-                      </a:endParaRPr>
-                    </a:p>
-                  </a:txBody>
-                  <a:tcPr marL="91440" marR="91440" anchor="ctr" anchorCtr="1">
-                    <a:lnL w="12700" cap="flat" cmpd="sng" algn="ctr">
-                      <a:solidFill>
-                        <a:schemeClr val="tx1"/>
-                      </a:solidFill>
-                      <a:prstDash val="solid"/>
-                      <a:round/>
-                      <a:headEnd w="med" len="med"/>
-                      <a:tailEnd w="med" len="med"/>
-                    </a:lnL>
-                    <a:lnR w="12700" cap="flat" cmpd="sng" algn="ctr">
-                      <a:solidFill>
-                        <a:schemeClr val="tx1"/>
-                      </a:solidFill>
-                      <a:prstDash val="solid"/>
-                      <a:round/>
-                      <a:headEnd w="med" len="med"/>
-                      <a:tailEnd w="med" len="med"/>
-                    </a:lnR>
-                    <a:lnT w="12700" cap="flat" cmpd="sng" algn="ctr">
-                      <a:solidFill>
-                        <a:schemeClr val="tx1"/>
-                      </a:solidFill>
-                      <a:prstDash val="solid"/>
-                      <a:round/>
-                      <a:headEnd w="med" len="med"/>
-                      <a:tailEnd w="med" len="med"/>
-                    </a:lnT>
-                    <a:lnB w="12700" cap="flat" cmpd="sng" algn="ctr">
-                      <a:solidFill>
-                        <a:schemeClr val="tx1"/>
-                      </a:solidFill>
-                      <a:prstDash val="solid"/>
-                      <a:round/>
-                      <a:headEnd w="med" len="med"/>
-                      <a:tailEnd w="med" len="med"/>
-                    </a:lnB>
-                    <a:solidFill>
-                      <a:schemeClr val="lt1"/>
-                    </a:solidFill>
-                  </a:tcPr>
-                </a:tc>
-                <a:tc>
-                  <a:txBody>
-                    <a:bodyPr vert="horz" wrap="square" lIns="91440" tIns="45720" rIns="91440" bIns="45720" anchor="ctr" anchorCtr="1">
-                      <a:spAutoFit/>
-                    </a:bodyPr>
-                    <a:p>
-                      <a:pPr>
-                        <a:defRPr/>
-                      </a:pPr>
-                      <a:r>
-                        <a:rPr lang="ko-KR" altLang="en-US" sz="1100">
-                          <a:solidFill>
-                            <a:schemeClr val="dk1"/>
-                          </a:solidFill>
-                        </a:rPr>
-                        <a:t>주문 내역 중 첫번째 상품 이미지</a:t>
-                      </a:r>
-                      <a:endParaRPr lang="ko-KR" altLang="en-US" sz="1100">
-                        <a:solidFill>
-                          <a:schemeClr val="dk1"/>
-                        </a:solidFill>
-                      </a:endParaRPr>
-                    </a:p>
-                  </a:txBody>
-                  <a:tcPr marL="91440" marR="91440" anchor="ctr" anchorCtr="1">
-                    <a:lnL w="12700" cap="flat" cmpd="sng" algn="ctr">
-                      <a:solidFill>
-                        <a:schemeClr val="tx1"/>
-                      </a:solidFill>
-                      <a:prstDash val="solid"/>
-                      <a:round/>
-                      <a:headEnd w="med" len="med"/>
-                      <a:tailEnd w="med" len="med"/>
-                    </a:lnL>
-                    <a:lnR w="12700" cap="flat" cmpd="sng" algn="ctr">
-                      <a:solidFill>
-                        <a:schemeClr val="tx1"/>
-                      </a:solidFill>
-                      <a:prstDash val="solid"/>
-                      <a:round/>
-                      <a:headEnd w="med" len="med"/>
-                      <a:tailEnd w="med" len="med"/>
-                    </a:lnR>
-                    <a:lnT w="12700" cap="flat" cmpd="sng" algn="ctr">
-                      <a:solidFill>
-                        <a:schemeClr val="tx1"/>
-                      </a:solidFill>
-                      <a:prstDash val="solid"/>
-                      <a:round/>
-                      <a:headEnd w="med" len="med"/>
-                      <a:tailEnd w="med" len="med"/>
-                    </a:lnT>
-                    <a:lnB w="12700" cap="flat" cmpd="sng" algn="ctr">
-                      <a:solidFill>
-                        <a:schemeClr val="tx1"/>
-                      </a:solidFill>
-                      <a:prstDash val="solid"/>
-                      <a:round/>
-                      <a:headEnd w="med" len="med"/>
-                      <a:tailEnd w="med" len="med"/>
-                    </a:lnB>
-                    <a:solidFill>
-                      <a:schemeClr val="lt1"/>
-                    </a:solidFill>
-                  </a:tcPr>
-                </a:tc>
-              </a:tr>
-              <a:tr h="515210">
-                <a:tc>
-                  <a:txBody>
-                    <a:bodyPr vert="horz" wrap="square" lIns="91440" tIns="45720" rIns="91440" bIns="45720" anchor="ctr" anchorCtr="1">
-                      <a:spAutoFit/>
-                    </a:bodyPr>
-                    <a:p>
-                      <a:pPr algn="ctr">
-                        <a:defRPr/>
-                      </a:pPr>
-                      <a:r>
-                        <a:rPr lang="en-US" altLang="ko-KR" sz="1100">
-                          <a:solidFill>
-                            <a:schemeClr val="dk1"/>
-                          </a:solidFill>
-                        </a:rPr>
-                        <a:t>5</a:t>
-                      </a:r>
-                      <a:endParaRPr lang="en-US" altLang="ko-KR" sz="1100">
-                        <a:solidFill>
-                          <a:schemeClr val="dk1"/>
-                        </a:solidFill>
-                      </a:endParaRPr>
-                    </a:p>
-                  </a:txBody>
-                  <a:tcPr marL="91440" marR="91440" anchor="ctr" anchorCtr="1">
-                    <a:lnL w="12700" cap="flat" cmpd="sng" algn="ctr">
-                      <a:solidFill>
-                        <a:schemeClr val="tx1"/>
-                      </a:solidFill>
-                      <a:prstDash val="solid"/>
-                      <a:round/>
-                      <a:headEnd w="med" len="med"/>
-                      <a:tailEnd w="med" len="med"/>
-                    </a:lnL>
-                    <a:lnR w="12700" cap="flat" cmpd="sng" algn="ctr">
-                      <a:solidFill>
-                        <a:schemeClr val="tx1"/>
-                      </a:solidFill>
-                      <a:prstDash val="solid"/>
-                      <a:round/>
-                      <a:headEnd w="med" len="med"/>
-                      <a:tailEnd w="med" len="med"/>
-                    </a:lnR>
-                    <a:lnT w="12700" cap="flat" cmpd="sng" algn="ctr">
-                      <a:solidFill>
-                        <a:schemeClr val="tx1"/>
-                      </a:solidFill>
-                      <a:prstDash val="solid"/>
-                      <a:round/>
-                      <a:headEnd w="med" len="med"/>
-                      <a:tailEnd w="med" len="med"/>
-                    </a:lnT>
-                    <a:lnB w="12700" cap="flat" cmpd="sng" algn="ctr">
-                      <a:solidFill>
-                        <a:schemeClr val="tx1"/>
-                      </a:solidFill>
-                      <a:prstDash val="solid"/>
-                      <a:round/>
-                      <a:headEnd w="med" len="med"/>
-                      <a:tailEnd w="med" len="med"/>
-                    </a:lnB>
-                    <a:solidFill>
-                      <a:schemeClr val="lt1"/>
-                    </a:solidFill>
-                  </a:tcPr>
-                </a:tc>
-                <a:tc>
-                  <a:txBody>
-                    <a:bodyPr vert="horz" wrap="square" lIns="91440" tIns="45720" rIns="91440" bIns="45720" anchor="ctr" anchorCtr="1">
-                      <a:spAutoFit/>
-                    </a:bodyPr>
-                    <a:p>
-                      <a:pPr>
-                        <a:defRPr/>
-                      </a:pPr>
-                      <a:r>
-                        <a:rPr lang="ko-KR" altLang="en-US" sz="1100">
-                          <a:solidFill>
-                            <a:schemeClr val="dk1"/>
-                          </a:solidFill>
-                        </a:rPr>
-                        <a:t>각 메뉴로 이동</a:t>
-                      </a:r>
-                      <a:endParaRPr lang="ko-KR" altLang="en-US" sz="1100">
-                        <a:solidFill>
-                          <a:schemeClr val="dk1"/>
-                        </a:solidFill>
-                      </a:endParaRPr>
-                    </a:p>
-                  </a:txBody>
-                  <a:tcPr marL="91440" marR="91440" anchor="ctr" anchorCtr="1">
                     <a:lnL w="12700" cap="flat" cmpd="sng" algn="ctr">
                       <a:solidFill>
                         <a:schemeClr val="tx1"/>
@@ -15805,7 +15095,7 @@
         </p:nvSpPr>
         <p:spPr>
           <a:xfrm>
-            <a:off x="554494" y="2155877"/>
+            <a:off x="549836" y="2675699"/>
             <a:ext cx="2536676" cy="795070"/>
           </a:xfrm>
           <a:prstGeom prst="rect">
@@ -15853,7 +15143,7 @@
         </p:nvSpPr>
         <p:spPr>
           <a:xfrm>
-            <a:off x="669790" y="2278906"/>
+            <a:off x="665132" y="2798728"/>
             <a:ext cx="719441" cy="567447"/>
           </a:xfrm>
           <a:prstGeom prst="rect">
@@ -15909,7 +15199,7 @@
         </p:nvSpPr>
         <p:spPr>
           <a:xfrm>
-            <a:off x="1551359" y="2278907"/>
+            <a:off x="1546701" y="2798729"/>
             <a:ext cx="1327420" cy="216027"/>
           </a:xfrm>
           <a:prstGeom prst="rect">
@@ -15965,7 +15255,7 @@
         </p:nvSpPr>
         <p:spPr>
           <a:xfrm>
-            <a:off x="1551359" y="2652564"/>
+            <a:off x="1546701" y="3172386"/>
             <a:ext cx="1327420" cy="216027"/>
           </a:xfrm>
           <a:prstGeom prst="rect">
@@ -16053,7 +15343,7 @@
         </p:nvSpPr>
         <p:spPr>
           <a:xfrm>
-            <a:off x="566941" y="3089943"/>
+            <a:off x="562283" y="3609765"/>
             <a:ext cx="2536676" cy="795070"/>
           </a:xfrm>
           <a:prstGeom prst="rect">
@@ -16108,7 +15398,7 @@
         </p:nvSpPr>
         <p:spPr>
           <a:xfrm>
-            <a:off x="682237" y="3212972"/>
+            <a:off x="677579" y="3732794"/>
             <a:ext cx="719441" cy="567447"/>
           </a:xfrm>
           <a:prstGeom prst="rect">
@@ -16174,7 +15464,7 @@
         </p:nvSpPr>
         <p:spPr>
           <a:xfrm>
-            <a:off x="1563806" y="3212973"/>
+            <a:off x="1559148" y="3732795"/>
             <a:ext cx="1327420" cy="216027"/>
           </a:xfrm>
           <a:prstGeom prst="rect">
@@ -16240,7 +15530,7 @@
         </p:nvSpPr>
         <p:spPr>
           <a:xfrm>
-            <a:off x="1563806" y="3586630"/>
+            <a:off x="1559148" y="4106452"/>
             <a:ext cx="1327420" cy="216027"/>
           </a:xfrm>
           <a:prstGeom prst="rect">
@@ -16328,7 +15618,7 @@
         </p:nvSpPr>
         <p:spPr>
           <a:xfrm>
-            <a:off x="566941" y="4051149"/>
+            <a:off x="562283" y="4570971"/>
             <a:ext cx="2536676" cy="795070"/>
           </a:xfrm>
           <a:prstGeom prst="rect">
@@ -16383,7 +15673,7 @@
         </p:nvSpPr>
         <p:spPr>
           <a:xfrm>
-            <a:off x="682237" y="4174179"/>
+            <a:off x="677579" y="4694001"/>
             <a:ext cx="719441" cy="567447"/>
           </a:xfrm>
           <a:prstGeom prst="rect">
@@ -16449,7 +15739,7 @@
         </p:nvSpPr>
         <p:spPr>
           <a:xfrm>
-            <a:off x="1563806" y="4174179"/>
+            <a:off x="1559148" y="4694001"/>
             <a:ext cx="1327420" cy="216027"/>
           </a:xfrm>
           <a:prstGeom prst="rect">
@@ -16515,7 +15805,7 @@
         </p:nvSpPr>
         <p:spPr>
           <a:xfrm>
-            <a:off x="1563806" y="4547837"/>
+            <a:off x="1559148" y="5067659"/>
             <a:ext cx="1327420" cy="216027"/>
           </a:xfrm>
           <a:prstGeom prst="rect">
@@ -17171,68 +16461,6 @@
       </p:graphicFrame>
       <p:sp>
         <p:nvSpPr>
-          <p:cNvPr id="368" name="타원 83"/>
-          <p:cNvSpPr/>
-          <p:nvPr/>
-        </p:nvSpPr>
-        <p:spPr>
-          <a:xfrm>
-            <a:off x="3817754" y="5803211"/>
-            <a:ext cx="142876" cy="142876"/>
-          </a:xfrm>
-          <a:prstGeom prst="ellipse">
-            <a:avLst/>
-          </a:prstGeom>
-          <a:solidFill>
-            <a:srgbClr val="fce700">
-              <a:alpha val="100000"/>
-            </a:srgbClr>
-          </a:solidFill>
-          <a:ln w="19050" cap="flat" cmpd="sng" algn="ctr">
-            <a:noFill/>
-            <a:prstDash val="solid"/>
-          </a:ln>
-        </p:spPr>
-        <p:txBody>
-          <a:bodyPr lIns="0" tIns="0" rIns="0" bIns="0" anchor="ctr"/>
-          <a:p>
-            <a:pPr marL="0" indent="0" algn="ctr" defTabSz="914400" rtl="0" eaLnBrk="1" latinLnBrk="1" hangingPunct="1">
-              <a:lnSpc>
-                <a:spcPct val="100000"/>
-              </a:lnSpc>
-              <a:spcBef>
-                <a:spcPct val="0"/>
-              </a:spcBef>
-              <a:spcAft>
-                <a:spcPts val="0"/>
-              </a:spcAft>
-              <a:buNone/>
-              <a:defRPr/>
-            </a:pPr>
-            <a:r>
-              <a:rPr xmlns:mc="http://schemas.openxmlformats.org/markup-compatibility/2006" xmlns:hp="http://schemas.haansoft.com/office/presentation/8.0" kumimoji="0" lang="en-US" altLang="ko-KR" sz="900" b="1" i="0" u="none" strike="noStrike" kern="1200" cap="none" spc="0" normalizeH="0" baseline="0" mc:Ignorable="hp" hp:hslEmbossed="0">
-                <a:solidFill>
-                  <a:srgbClr val="663300"/>
-                </a:solidFill>
-                <a:latin typeface="Calibri"/>
-                <a:ea typeface="맑은 고딕"/>
-                <a:cs typeface="Calibri"/>
-              </a:rPr>
-              <a:t>5</a:t>
-            </a:r>
-            <a:endParaRPr xmlns:mc="http://schemas.openxmlformats.org/markup-compatibility/2006" xmlns:hp="http://schemas.haansoft.com/office/presentation/8.0" kumimoji="0" lang="en-US" altLang="ko-KR" sz="900" b="1" i="0" u="none" strike="noStrike" kern="1200" cap="none" spc="0" normalizeH="0" baseline="0" mc:Ignorable="hp" hp:hslEmbossed="0">
-              <a:solidFill>
-                <a:srgbClr val="663300"/>
-              </a:solidFill>
-              <a:latin typeface="Calibri"/>
-              <a:ea typeface="맑은 고딕"/>
-              <a:cs typeface="Calibri"/>
-            </a:endParaRPr>
-          </a:p>
-        </p:txBody>
-      </p:sp>
-      <p:sp>
-        <p:nvSpPr>
           <p:cNvPr id="369" name=""/>
           <p:cNvSpPr/>
           <p:nvPr/>
@@ -17759,6 +16987,6933 @@
               <a:t>총 금액</a:t>
             </a:r>
             <a:endParaRPr xmlns:mc="http://schemas.openxmlformats.org/markup-compatibility/2006" xmlns:hp="http://schemas.haansoft.com/office/presentation/8.0" kumimoji="0" lang="ko-KR" altLang="en-US" sz="1300" b="0" i="0" u="none" strike="noStrike" kern="1200" cap="none" spc="0" normalizeH="0" baseline="0" mc:Ignorable="hp" hp:hslEmbossed="0">
+              <a:solidFill>
+                <a:srgbClr val="000000"/>
+              </a:solidFill>
+              <a:latin typeface="Calibri"/>
+              <a:ea typeface="맑은 고딕"/>
+              <a:cs typeface="맑은 고딕"/>
+            </a:endParaRPr>
+          </a:p>
+        </p:txBody>
+      </p:sp>
+      <p:sp>
+        <p:nvSpPr>
+          <p:cNvPr id="391" name=""/>
+          <p:cNvSpPr/>
+          <p:nvPr/>
+        </p:nvSpPr>
+        <p:spPr>
+          <a:xfrm>
+            <a:off x="677579" y="2155877"/>
+            <a:ext cx="2160270" cy="309858"/>
+          </a:xfrm>
+          <a:prstGeom prst="rect">
+            <a:avLst/>
+          </a:prstGeom>
+          <a:solidFill>
+            <a:schemeClr val="lt1"/>
+          </a:solidFill>
+        </p:spPr>
+        <p:style>
+          <a:lnRef idx="2">
+            <a:schemeClr val="accent1">
+              <a:shade val="20000"/>
+            </a:schemeClr>
+          </a:lnRef>
+          <a:fillRef idx="1">
+            <a:schemeClr val="accent1"/>
+          </a:fillRef>
+          <a:effectRef idx="0">
+            <a:schemeClr val="accent1"/>
+          </a:effectRef>
+          <a:fontRef idx="minor">
+            <a:schemeClr val="lt1"/>
+          </a:fontRef>
+        </p:style>
+        <p:txBody>
+          <a:bodyPr anchor="ctr"/>
+          <a:p>
+            <a:pPr algn="ctr">
+              <a:defRPr/>
+            </a:pPr>
+            <a:r>
+              <a:rPr lang="ko-KR" altLang="en-US" sz="1300">
+                <a:solidFill>
+                  <a:schemeClr val="dk1"/>
+                </a:solidFill>
+              </a:rPr>
+              <a:t>날짜</a:t>
+            </a:r>
+            <a:endParaRPr lang="ko-KR" altLang="en-US" sz="1300">
+              <a:solidFill>
+                <a:schemeClr val="dk1"/>
+              </a:solidFill>
+            </a:endParaRPr>
+          </a:p>
+        </p:txBody>
+      </p:sp>
+    </p:spTree>
+  </p:cSld>
+  <p:clrMapOvr>
+    <a:masterClrMapping/>
+  </p:clrMapOvr>
+  <mc:AlternateContent xmlns:mc="http://schemas.openxmlformats.org/markup-compatibility/2006">
+    <mc:Choice xmlns:p14="http://schemas.microsoft.com/office/powerpoint/2010/main" Requires="p14">
+      <p:transition xmlns:mc="http://schemas.openxmlformats.org/markup-compatibility/2006" xmlns:p14="http://schemas.microsoft.com/office/powerpoint/2010/main" mc:Ignorable="p14" p14:dur="500"/>
+    </mc:Choice>
+    <mc:Fallback>
+      <p:transition/>
+    </mc:Fallback>
+  </mc:AlternateContent>
+</p:sld>
+</file>
+
+<file path=ppt/slides/slide13.xml><?xml version="1.0" encoding="utf-8"?>
+<p:sld xmlns:r="http://schemas.openxmlformats.org/officeDocument/2006/relationships" xmlns:c="http://schemas.openxmlformats.org/drawingml/2006/chart" xmlns:a="http://schemas.openxmlformats.org/drawingml/2006/main" xmlns:dgm="http://schemas.openxmlformats.org/drawingml/2006/diagram" xmlns:dsp="http://schemas.microsoft.com/office/drawing/2008/diagram" xmlns:p="http://schemas.openxmlformats.org/presentationml/2006/main">
+  <p:cSld>
+    <p:spTree>
+      <p:nvGrpSpPr>
+        <p:cNvPr id="1" name=""/>
+        <p:cNvGrpSpPr/>
+        <p:nvPr/>
+      </p:nvGrpSpPr>
+      <p:grpSpPr>
+        <a:xfrm>
+          <a:off x="0" y="0"/>
+          <a:ext cx="0" cy="0"/>
+          <a:chOff x="0" y="0"/>
+          <a:chExt cx="0" cy="0"/>
+        </a:xfrm>
+      </p:grpSpPr>
+      <p:sp>
+        <p:nvSpPr>
+          <p:cNvPr id="12" name="TextBox 11"/>
+          <p:cNvSpPr txBox="1"/>
+          <p:nvPr/>
+        </p:nvSpPr>
+        <p:spPr>
+          <a:xfrm>
+            <a:off x="1703511" y="408640"/>
+            <a:ext cx="4392488" cy="369332"/>
+          </a:xfrm>
+          <a:prstGeom prst="rect">
+            <a:avLst/>
+          </a:prstGeom>
+          <a:noFill/>
+        </p:spPr>
+        <p:txBody>
+          <a:bodyPr wrap="square">
+            <a:spAutoFit/>
+          </a:bodyPr>
+          <a:lstStyle/>
+          <a:p>
+            <a:pPr>
+              <a:lnSpc>
+                <a:spcPct val="90000"/>
+              </a:lnSpc>
+              <a:defRPr/>
+            </a:pPr>
+            <a:r>
+              <a:rPr lang="en-US" altLang="ko-KR" sz="2000" spc="300">
+                <a:solidFill>
+                  <a:srgbClr val="663300"/>
+                </a:solidFill>
+                <a:latin typeface="+mn-ea"/>
+              </a:rPr>
+              <a:t>13.</a:t>
+            </a:r>
+            <a:r>
+              <a:rPr lang="ko-KR" altLang="en-US" sz="2000" spc="300">
+                <a:solidFill>
+                  <a:srgbClr val="663300"/>
+                </a:solidFill>
+                <a:latin typeface="+mn-ea"/>
+              </a:rPr>
+              <a:t>배송지</a:t>
+            </a:r>
+            <a:endParaRPr lang="ko-KR" altLang="en-US" sz="2000" spc="300">
+              <a:solidFill>
+                <a:srgbClr val="663300"/>
+              </a:solidFill>
+              <a:latin typeface="+mn-ea"/>
+            </a:endParaRPr>
+          </a:p>
+        </p:txBody>
+      </p:sp>
+      <p:sp>
+        <p:nvSpPr>
+          <p:cNvPr id="2" name="슬라이드 번호 개체 틀 1"/>
+          <p:cNvSpPr>
+            <a:spLocks noGrp="1"/>
+          </p:cNvSpPr>
+          <p:nvPr>
+            <p:ph type="sldNum" sz="quarter" idx="4"/>
+          </p:nvPr>
+        </p:nvSpPr>
+        <p:spPr/>
+        <p:txBody>
+          <a:bodyPr/>
+          <a:lstStyle/>
+          <a:p>
+            <a:pPr lvl="0">
+              <a:defRPr/>
+            </a:pPr>
+            <a:fld id="{2FECCACC-60ED-4580-AB4B-3C07270897C0}" type="slidenum">
+              <a:rPr lang="en-US" altLang="en-US">
+                <a:latin typeface="나눔고딕"/>
+                <a:ea typeface="나눔고딕"/>
+              </a:rPr>
+              <a:pPr lvl="0">
+                <a:defRPr/>
+              </a:pPr>
+              <a:t>13</a:t>
+            </a:fld>
+            <a:endParaRPr lang="en-US" altLang="en-US">
+              <a:latin typeface="나눔고딕"/>
+              <a:ea typeface="나눔고딕"/>
+            </a:endParaRPr>
+          </a:p>
+        </p:txBody>
+      </p:sp>
+      <p:sp>
+        <p:nvSpPr>
+          <p:cNvPr id="14" name="TextBox 13"/>
+          <p:cNvSpPr txBox="1"/>
+          <p:nvPr/>
+        </p:nvSpPr>
+        <p:spPr>
+          <a:xfrm>
+            <a:off x="6030058" y="404664"/>
+            <a:ext cx="4392488" cy="397032"/>
+          </a:xfrm>
+          <a:prstGeom prst="rect">
+            <a:avLst/>
+          </a:prstGeom>
+          <a:noFill/>
+        </p:spPr>
+        <p:txBody>
+          <a:bodyPr wrap="square">
+            <a:spAutoFit/>
+          </a:bodyPr>
+          <a:lstStyle/>
+          <a:p>
+            <a:pPr algn="r">
+              <a:lnSpc>
+                <a:spcPct val="90000"/>
+              </a:lnSpc>
+              <a:defRPr/>
+            </a:pPr>
+            <a:r>
+              <a:rPr lang="ko-KR" altLang="en-US" sz="1100">
+                <a:latin typeface="+mn-ea"/>
+              </a:rPr>
+              <a:t>로그인</a:t>
+            </a:r>
+            <a:endParaRPr lang="ko-KR" altLang="en-US" sz="1100">
+              <a:latin typeface="+mn-ea"/>
+            </a:endParaRPr>
+          </a:p>
+          <a:p>
+            <a:pPr algn="r">
+              <a:lnSpc>
+                <a:spcPct val="90000"/>
+              </a:lnSpc>
+              <a:defRPr/>
+            </a:pPr>
+            <a:r>
+              <a:rPr lang="en-US" altLang="ko-KR" sz="1100" b="1">
+                <a:latin typeface="+mn-ea"/>
+              </a:rPr>
+              <a:t>161116</a:t>
+            </a:r>
+            <a:endParaRPr lang="ko-KR" altLang="en-US" sz="1100" b="1">
+              <a:latin typeface="+mn-ea"/>
+            </a:endParaRPr>
+          </a:p>
+        </p:txBody>
+      </p:sp>
+      <p:graphicFrame>
+        <p:nvGraphicFramePr>
+          <p:cNvPr id="106" name=""/>
+          <p:cNvGraphicFramePr>
+            <a:graphicFrameLocks noGrp="1"/>
+          </p:cNvGraphicFramePr>
+          <p:nvPr/>
+        </p:nvGraphicFramePr>
+        <p:xfrm>
+          <a:off x="7984818" y="1123603"/>
+          <a:ext cx="3850930" cy="3458925"/>
+        </p:xfrm>
+        <a:graphic>
+          <a:graphicData uri="http://schemas.openxmlformats.org/drawingml/2006/table">
+            <a:tbl>
+              <a:tblPr firstRow="1" bandRow="1">
+                <a:tableStyleId>{01A66EDD-3DAB-4C5B-A090-DC80EC1FD486}</a:tableStyleId>
+              </a:tblPr>
+              <a:tblGrid>
+                <a:gridCol w="686725"/>
+                <a:gridCol w="3164205"/>
+              </a:tblGrid>
+              <a:tr h="334235">
+                <a:tc gridSpan="2">
+                  <a:txBody>
+                    <a:bodyPr vert="horz" wrap="square" lIns="91440" tIns="45720" rIns="91440" bIns="45720" anchor="ctr" anchorCtr="1">
+                      <a:spAutoFit/>
+                    </a:bodyPr>
+                    <a:p>
+                      <a:pPr marL="0" marR="0" lvl="0" indent="0" algn="ctr" defTabSz="914400" rtl="0" eaLnBrk="1" latinLnBrk="1" hangingPunct="1">
+                        <a:lnSpc>
+                          <a:spcPct val="100000"/>
+                        </a:lnSpc>
+                        <a:spcBef>
+                          <a:spcPts val="100"/>
+                        </a:spcBef>
+                        <a:spcAft>
+                          <a:spcPts val="0"/>
+                        </a:spcAft>
+                        <a:buClrTx/>
+                        <a:buFontTx/>
+                        <a:buNone/>
+                        <a:defRPr/>
+                      </a:pPr>
+                      <a:r>
+                        <a:rPr lang="en-US" altLang="ko-KR" b="1">
+                          <a:solidFill>
+                            <a:schemeClr val="dk1"/>
+                          </a:solidFill>
+                        </a:rPr>
+                        <a:t>Description</a:t>
+                      </a:r>
+                      <a:endParaRPr lang="en-US" altLang="ko-KR">
+                        <a:solidFill>
+                          <a:schemeClr val="dk1"/>
+                        </a:solidFill>
+                      </a:endParaRPr>
+                    </a:p>
+                  </a:txBody>
+                  <a:tcPr marL="91440" marR="91440" anchor="ctr" anchorCtr="1">
+                    <a:lnL w="12700" cap="flat" cmpd="sng" algn="ctr">
+                      <a:solidFill>
+                        <a:schemeClr val="tx1"/>
+                      </a:solidFill>
+                      <a:prstDash val="solid"/>
+                      <a:round/>
+                      <a:headEnd w="med" len="med"/>
+                      <a:tailEnd w="med" len="med"/>
+                    </a:lnL>
+                    <a:lnR w="12700" cap="flat" cmpd="sng" algn="ctr">
+                      <a:solidFill>
+                        <a:schemeClr val="tx1"/>
+                      </a:solidFill>
+                      <a:prstDash val="solid"/>
+                      <a:round/>
+                      <a:headEnd w="med" len="med"/>
+                      <a:tailEnd w="med" len="med"/>
+                    </a:lnR>
+                    <a:lnT w="12700" cap="flat" cmpd="sng" algn="ctr">
+                      <a:solidFill>
+                        <a:schemeClr val="tx1"/>
+                      </a:solidFill>
+                      <a:prstDash val="solid"/>
+                      <a:round/>
+                      <a:headEnd w="med" len="med"/>
+                      <a:tailEnd w="med" len="med"/>
+                    </a:lnT>
+                    <a:lnB w="12700" cap="flat" cmpd="sng" algn="ctr">
+                      <a:solidFill>
+                        <a:schemeClr val="tx1"/>
+                      </a:solidFill>
+                      <a:prstDash val="solid"/>
+                      <a:round/>
+                      <a:headEnd w="med" len="med"/>
+                      <a:tailEnd w="med" len="med"/>
+                    </a:lnB>
+                    <a:solidFill>
+                      <a:srgbClr val="e0e0e0"/>
+                    </a:solidFill>
+                  </a:tcPr>
+                </a:tc>
+                <a:tc hMerge="1">
+                  <a:txBody>
+                    <a:bodyPr vert="horz" wrap="square" lIns="91440" tIns="45720" rIns="91440" bIns="45720" anchor="t" anchorCtr="0">
+                      <a:spAutoFit/>
+                    </a:bodyPr>
+                    <a:p>
+                      <a:pPr>
+                        <a:defRPr/>
+                      </a:pPr>
+                      <a:endParaRPr lang="en-US" altLang="ko-KR"/>
+                    </a:p>
+                  </a:txBody>
+                  <a:tcPr marL="91440" marR="91440">
+                    <a:lnL w="12700" cap="flat" cmpd="sng" algn="ctr">
+                      <a:solidFill>
+                        <a:schemeClr val="tx1"/>
+                      </a:solidFill>
+                      <a:prstDash val="solid"/>
+                      <a:round/>
+                      <a:headEnd w="med" len="med"/>
+                      <a:tailEnd w="med" len="med"/>
+                    </a:lnL>
+                    <a:lnR w="12700" cap="flat" cmpd="sng" algn="ctr">
+                      <a:solidFill>
+                        <a:schemeClr val="tx1"/>
+                      </a:solidFill>
+                      <a:prstDash val="solid"/>
+                      <a:round/>
+                      <a:headEnd w="med" len="med"/>
+                      <a:tailEnd w="med" len="med"/>
+                    </a:lnR>
+                    <a:lnT w="12700" cap="flat" cmpd="sng" algn="ctr">
+                      <a:solidFill>
+                        <a:schemeClr val="tx1"/>
+                      </a:solidFill>
+                      <a:prstDash val="solid"/>
+                      <a:round/>
+                      <a:headEnd w="med" len="med"/>
+                      <a:tailEnd w="med" len="med"/>
+                    </a:lnT>
+                    <a:lnB w="12700" cap="flat" cmpd="sng" algn="ctr">
+                      <a:solidFill>
+                        <a:schemeClr val="tx1"/>
+                      </a:solidFill>
+                      <a:prstDash val="solid"/>
+                      <a:round/>
+                      <a:headEnd w="med" len="med"/>
+                      <a:tailEnd w="med" len="med"/>
+                    </a:lnB>
+                    <a:solidFill>
+                      <a:schemeClr val="lt1"/>
+                    </a:solidFill>
+                  </a:tcPr>
+                </a:tc>
+              </a:tr>
+              <a:tr h="515210">
+                <a:tc gridSpan="2">
+                  <a:txBody>
+                    <a:bodyPr vert="horz" wrap="square" lIns="91440" tIns="45720" rIns="91440" bIns="45720" anchor="ctr" anchorCtr="1">
+                      <a:spAutoFit/>
+                    </a:bodyPr>
+                    <a:p>
+                      <a:pPr algn="ctr">
+                        <a:defRPr/>
+                      </a:pPr>
+                      <a:r>
+                        <a:rPr lang="ko-KR" altLang="en-US" sz="1100">
+                          <a:solidFill>
+                            <a:schemeClr val="dk1"/>
+                          </a:solidFill>
+                        </a:rPr>
+                        <a:t>사용자가 저장한 배송지목록 </a:t>
+                      </a:r>
+                      <a:r>
+                        <a:rPr lang="en-US" altLang="ko-KR" sz="1100">
+                          <a:solidFill>
+                            <a:schemeClr val="dk1"/>
+                          </a:solidFill>
+                        </a:rPr>
+                        <a:t>/</a:t>
+                      </a:r>
+                      <a:r>
+                        <a:rPr lang="ko-KR" altLang="en-US" sz="1100">
+                          <a:solidFill>
+                            <a:schemeClr val="dk1"/>
+                          </a:solidFill>
+                        </a:rPr>
+                        <a:t> 배송지 입력</a:t>
+                      </a:r>
+                      <a:endParaRPr lang="ko-KR" altLang="en-US" sz="1100">
+                        <a:solidFill>
+                          <a:schemeClr val="dk1"/>
+                        </a:solidFill>
+                      </a:endParaRPr>
+                    </a:p>
+                  </a:txBody>
+                  <a:tcPr marL="91440" marR="91440" anchor="ctr" anchorCtr="1">
+                    <a:lnL w="12700" cap="flat" cmpd="sng" algn="ctr">
+                      <a:solidFill>
+                        <a:schemeClr val="tx1"/>
+                      </a:solidFill>
+                      <a:prstDash val="solid"/>
+                      <a:round/>
+                      <a:headEnd w="med" len="med"/>
+                      <a:tailEnd w="med" len="med"/>
+                    </a:lnL>
+                    <a:lnR w="12700" cap="flat" cmpd="sng" algn="ctr">
+                      <a:solidFill>
+                        <a:schemeClr val="tx1"/>
+                      </a:solidFill>
+                      <a:prstDash val="solid"/>
+                      <a:round/>
+                      <a:headEnd w="med" len="med"/>
+                      <a:tailEnd w="med" len="med"/>
+                    </a:lnR>
+                    <a:lnT w="12700" cap="flat" cmpd="sng" algn="ctr">
+                      <a:solidFill>
+                        <a:schemeClr val="tx1"/>
+                      </a:solidFill>
+                      <a:prstDash val="solid"/>
+                      <a:round/>
+                      <a:headEnd w="med" len="med"/>
+                      <a:tailEnd w="med" len="med"/>
+                    </a:lnT>
+                    <a:lnB w="12700" cap="flat" cmpd="sng" algn="ctr">
+                      <a:solidFill>
+                        <a:schemeClr val="tx1"/>
+                      </a:solidFill>
+                      <a:prstDash val="solid"/>
+                      <a:round/>
+                      <a:headEnd w="med" len="med"/>
+                      <a:tailEnd w="med" len="med"/>
+                    </a:lnB>
+                    <a:solidFill>
+                      <a:schemeClr val="lt1"/>
+                    </a:solidFill>
+                  </a:tcPr>
+                </a:tc>
+                <a:tc hMerge="1">
+                  <a:txBody>
+                    <a:bodyPr vert="horz" wrap="square" lIns="91440" tIns="45720" rIns="91440" bIns="45720" anchor="t" anchorCtr="0">
+                      <a:spAutoFit/>
+                    </a:bodyPr>
+                    <a:p>
+                      <a:pPr>
+                        <a:defRPr/>
+                      </a:pPr>
+                      <a:endParaRPr lang="en-US" altLang="ko-KR"/>
+                    </a:p>
+                  </a:txBody>
+                  <a:tcPr marL="91440" marR="91440">
+                    <a:lnL w="12700" cap="flat" cmpd="sng" algn="ctr">
+                      <a:solidFill>
+                        <a:schemeClr val="tx1"/>
+                      </a:solidFill>
+                      <a:prstDash val="solid"/>
+                      <a:round/>
+                      <a:headEnd w="med" len="med"/>
+                      <a:tailEnd w="med" len="med"/>
+                    </a:lnL>
+                    <a:lnR w="12700" cap="flat" cmpd="sng" algn="ctr">
+                      <a:solidFill>
+                        <a:schemeClr val="tx1"/>
+                      </a:solidFill>
+                      <a:prstDash val="solid"/>
+                      <a:round/>
+                      <a:headEnd w="med" len="med"/>
+                      <a:tailEnd w="med" len="med"/>
+                    </a:lnR>
+                    <a:lnT w="12700" cap="flat" cmpd="sng" algn="ctr">
+                      <a:solidFill>
+                        <a:schemeClr val="tx1"/>
+                      </a:solidFill>
+                      <a:prstDash val="solid"/>
+                      <a:round/>
+                      <a:headEnd w="med" len="med"/>
+                      <a:tailEnd w="med" len="med"/>
+                    </a:lnT>
+                    <a:lnB w="12700" cap="flat" cmpd="sng" algn="ctr">
+                      <a:solidFill>
+                        <a:schemeClr val="tx1"/>
+                      </a:solidFill>
+                      <a:prstDash val="solid"/>
+                      <a:round/>
+                      <a:headEnd w="med" len="med"/>
+                      <a:tailEnd w="med" len="med"/>
+                    </a:lnB>
+                    <a:solidFill>
+                      <a:schemeClr val="lt1"/>
+                    </a:solidFill>
+                  </a:tcPr>
+                </a:tc>
+              </a:tr>
+              <a:tr h="515210">
+                <a:tc gridSpan="2">
+                  <a:txBody>
+                    <a:bodyPr vert="horz" wrap="square" lIns="91440" tIns="45720" rIns="91440" bIns="45720" anchor="ctr" anchorCtr="1">
+                      <a:spAutoFit/>
+                    </a:bodyPr>
+                    <a:p>
+                      <a:pPr algn="ctr">
+                        <a:defRPr/>
+                      </a:pPr>
+                      <a:r>
+                        <a:rPr lang="en-US" altLang="ko-KR">
+                          <a:solidFill>
+                            <a:schemeClr val="dk1"/>
+                          </a:solidFill>
+                        </a:rPr>
+                        <a:t>function</a:t>
+                      </a:r>
+                      <a:endParaRPr lang="en-US" altLang="ko-KR">
+                        <a:solidFill>
+                          <a:schemeClr val="dk1"/>
+                        </a:solidFill>
+                      </a:endParaRPr>
+                    </a:p>
+                  </a:txBody>
+                  <a:tcPr marL="91440" marR="91440" anchor="ctr" anchorCtr="1">
+                    <a:lnL w="12700" cap="flat" cmpd="sng" algn="ctr">
+                      <a:solidFill>
+                        <a:schemeClr val="tx1"/>
+                      </a:solidFill>
+                      <a:prstDash val="solid"/>
+                      <a:round/>
+                      <a:headEnd w="med" len="med"/>
+                      <a:tailEnd w="med" len="med"/>
+                    </a:lnL>
+                    <a:lnR w="12700" cap="flat" cmpd="sng" algn="ctr">
+                      <a:solidFill>
+                        <a:schemeClr val="tx1"/>
+                      </a:solidFill>
+                      <a:prstDash val="solid"/>
+                      <a:round/>
+                      <a:headEnd w="med" len="med"/>
+                      <a:tailEnd w="med" len="med"/>
+                    </a:lnR>
+                    <a:lnT w="12700" cap="flat" cmpd="sng" algn="ctr">
+                      <a:solidFill>
+                        <a:schemeClr val="tx1"/>
+                      </a:solidFill>
+                      <a:prstDash val="solid"/>
+                      <a:round/>
+                      <a:headEnd w="med" len="med"/>
+                      <a:tailEnd w="med" len="med"/>
+                    </a:lnT>
+                    <a:lnB w="12700" cap="flat" cmpd="sng" algn="ctr">
+                      <a:solidFill>
+                        <a:schemeClr val="tx1"/>
+                      </a:solidFill>
+                      <a:prstDash val="solid"/>
+                      <a:round/>
+                      <a:headEnd w="med" len="med"/>
+                      <a:tailEnd w="med" len="med"/>
+                    </a:lnB>
+                    <a:solidFill>
+                      <a:srgbClr val="d1d1d1"/>
+                    </a:solidFill>
+                  </a:tcPr>
+                </a:tc>
+                <a:tc hMerge="1">
+                  <a:txBody>
+                    <a:bodyPr vert="horz" wrap="square" lIns="91440" tIns="45720" rIns="91440" bIns="45720" anchor="t" anchorCtr="0">
+                      <a:spAutoFit/>
+                    </a:bodyPr>
+                    <a:p>
+                      <a:pPr>
+                        <a:defRPr/>
+                      </a:pPr>
+                      <a:endParaRPr lang="ko-KR" altLang="en-US"/>
+                    </a:p>
+                  </a:txBody>
+                  <a:tcPr marL="91440" marR="91440">
+                    <a:lnL w="12700" cap="flat" cmpd="sng" algn="ctr">
+                      <a:solidFill>
+                        <a:schemeClr val="tx1"/>
+                      </a:solidFill>
+                      <a:prstDash val="solid"/>
+                      <a:round/>
+                      <a:headEnd w="med" len="med"/>
+                      <a:tailEnd w="med" len="med"/>
+                    </a:lnL>
+                    <a:lnR w="12700" cap="flat" cmpd="sng" algn="ctr">
+                      <a:solidFill>
+                        <a:schemeClr val="tx1"/>
+                      </a:solidFill>
+                      <a:prstDash val="solid"/>
+                      <a:round/>
+                      <a:headEnd w="med" len="med"/>
+                      <a:tailEnd w="med" len="med"/>
+                    </a:lnR>
+                    <a:lnT w="12700" cap="flat" cmpd="sng" algn="ctr">
+                      <a:solidFill>
+                        <a:schemeClr val="tx1"/>
+                      </a:solidFill>
+                      <a:prstDash val="solid"/>
+                      <a:round/>
+                      <a:headEnd w="med" len="med"/>
+                      <a:tailEnd w="med" len="med"/>
+                    </a:lnT>
+                    <a:lnB w="12700" cap="flat" cmpd="sng" algn="ctr">
+                      <a:solidFill>
+                        <a:schemeClr val="tx1"/>
+                      </a:solidFill>
+                      <a:prstDash val="solid"/>
+                      <a:round/>
+                      <a:headEnd w="med" len="med"/>
+                      <a:tailEnd w="med" len="med"/>
+                    </a:lnB>
+                    <a:solidFill>
+                      <a:schemeClr val="lt1"/>
+                    </a:solidFill>
+                  </a:tcPr>
+                </a:tc>
+              </a:tr>
+              <a:tr h="515210">
+                <a:tc>
+                  <a:txBody>
+                    <a:bodyPr vert="horz" wrap="square" lIns="91440" tIns="45720" rIns="91440" bIns="45720" anchor="ctr" anchorCtr="1">
+                      <a:spAutoFit/>
+                    </a:bodyPr>
+                    <a:p>
+                      <a:pPr algn="ctr">
+                        <a:defRPr/>
+                      </a:pPr>
+                      <a:r>
+                        <a:rPr lang="en-US" altLang="ko-KR" sz="1100">
+                          <a:solidFill>
+                            <a:schemeClr val="dk1"/>
+                          </a:solidFill>
+                        </a:rPr>
+                        <a:t>1</a:t>
+                      </a:r>
+                      <a:endParaRPr lang="en-US" altLang="ko-KR" sz="1100">
+                        <a:solidFill>
+                          <a:schemeClr val="dk1"/>
+                        </a:solidFill>
+                      </a:endParaRPr>
+                    </a:p>
+                  </a:txBody>
+                  <a:tcPr marL="91440" marR="91440" anchor="ctr" anchorCtr="1">
+                    <a:lnL w="12700" cap="flat" cmpd="sng" algn="ctr">
+                      <a:solidFill>
+                        <a:schemeClr val="tx1"/>
+                      </a:solidFill>
+                      <a:prstDash val="solid"/>
+                      <a:round/>
+                      <a:headEnd w="med" len="med"/>
+                      <a:tailEnd w="med" len="med"/>
+                    </a:lnL>
+                    <a:lnR w="12700" cap="flat" cmpd="sng" algn="ctr">
+                      <a:solidFill>
+                        <a:schemeClr val="tx1"/>
+                      </a:solidFill>
+                      <a:prstDash val="solid"/>
+                      <a:round/>
+                      <a:headEnd w="med" len="med"/>
+                      <a:tailEnd w="med" len="med"/>
+                    </a:lnR>
+                    <a:lnT w="12700" cap="flat" cmpd="sng" algn="ctr">
+                      <a:solidFill>
+                        <a:schemeClr val="tx1"/>
+                      </a:solidFill>
+                      <a:prstDash val="solid"/>
+                      <a:round/>
+                      <a:headEnd w="med" len="med"/>
+                      <a:tailEnd w="med" len="med"/>
+                    </a:lnT>
+                    <a:lnB w="12700" cap="flat" cmpd="sng" algn="ctr">
+                      <a:solidFill>
+                        <a:schemeClr val="tx1"/>
+                      </a:solidFill>
+                      <a:prstDash val="solid"/>
+                      <a:round/>
+                      <a:headEnd w="med" len="med"/>
+                      <a:tailEnd w="med" len="med"/>
+                    </a:lnB>
+                    <a:solidFill>
+                      <a:schemeClr val="lt1"/>
+                    </a:solidFill>
+                  </a:tcPr>
+                </a:tc>
+                <a:tc>
+                  <a:txBody>
+                    <a:bodyPr vert="horz" wrap="square" lIns="91440" tIns="45720" rIns="91440" bIns="45720" anchor="ctr" anchorCtr="1">
+                      <a:spAutoFit/>
+                    </a:bodyPr>
+                    <a:p>
+                      <a:pPr>
+                        <a:defRPr/>
+                      </a:pPr>
+                      <a:r>
+                        <a:rPr lang="ko-KR" altLang="en-US" sz="1100">
+                          <a:solidFill>
+                            <a:schemeClr val="dk1"/>
+                          </a:solidFill>
+                        </a:rPr>
+                        <a:t>내 주소 삭제</a:t>
+                      </a:r>
+                      <a:endParaRPr lang="ko-KR" altLang="en-US" sz="1100">
+                        <a:solidFill>
+                          <a:schemeClr val="dk1"/>
+                        </a:solidFill>
+                      </a:endParaRPr>
+                    </a:p>
+                  </a:txBody>
+                  <a:tcPr marL="91440" marR="91440" anchor="ctr" anchorCtr="1">
+                    <a:lnL w="12700" cap="flat" cmpd="sng" algn="ctr">
+                      <a:solidFill>
+                        <a:schemeClr val="tx1"/>
+                      </a:solidFill>
+                      <a:prstDash val="solid"/>
+                      <a:round/>
+                      <a:headEnd w="med" len="med"/>
+                      <a:tailEnd w="med" len="med"/>
+                    </a:lnL>
+                    <a:lnR w="12700" cap="flat" cmpd="sng" algn="ctr">
+                      <a:solidFill>
+                        <a:schemeClr val="tx1"/>
+                      </a:solidFill>
+                      <a:prstDash val="solid"/>
+                      <a:round/>
+                      <a:headEnd w="med" len="med"/>
+                      <a:tailEnd w="med" len="med"/>
+                    </a:lnR>
+                    <a:lnT w="12700" cap="flat" cmpd="sng" algn="ctr">
+                      <a:solidFill>
+                        <a:schemeClr val="tx1"/>
+                      </a:solidFill>
+                      <a:prstDash val="solid"/>
+                      <a:round/>
+                      <a:headEnd w="med" len="med"/>
+                      <a:tailEnd w="med" len="med"/>
+                    </a:lnT>
+                    <a:lnB w="12700" cap="flat" cmpd="sng" algn="ctr">
+                      <a:solidFill>
+                        <a:schemeClr val="tx1"/>
+                      </a:solidFill>
+                      <a:prstDash val="solid"/>
+                      <a:round/>
+                      <a:headEnd w="med" len="med"/>
+                      <a:tailEnd w="med" len="med"/>
+                    </a:lnB>
+                    <a:solidFill>
+                      <a:schemeClr val="lt1"/>
+                    </a:solidFill>
+                  </a:tcPr>
+                </a:tc>
+              </a:tr>
+              <a:tr h="515210">
+                <a:tc>
+                  <a:txBody>
+                    <a:bodyPr vert="horz" wrap="square" lIns="91440" tIns="45720" rIns="91440" bIns="45720" anchor="ctr" anchorCtr="1">
+                      <a:spAutoFit/>
+                    </a:bodyPr>
+                    <a:p>
+                      <a:pPr algn="ctr">
+                        <a:defRPr/>
+                      </a:pPr>
+                      <a:r>
+                        <a:rPr lang="en-US" altLang="ko-KR" sz="1100">
+                          <a:solidFill>
+                            <a:schemeClr val="dk1"/>
+                          </a:solidFill>
+                        </a:rPr>
+                        <a:t>2</a:t>
+                      </a:r>
+                      <a:endParaRPr lang="en-US" altLang="ko-KR" sz="1100">
+                        <a:solidFill>
+                          <a:schemeClr val="dk1"/>
+                        </a:solidFill>
+                      </a:endParaRPr>
+                    </a:p>
+                  </a:txBody>
+                  <a:tcPr marL="91440" marR="91440" anchor="ctr" anchorCtr="1">
+                    <a:lnL w="12700" cap="flat" cmpd="sng" algn="ctr">
+                      <a:solidFill>
+                        <a:schemeClr val="tx1"/>
+                      </a:solidFill>
+                      <a:prstDash val="solid"/>
+                      <a:round/>
+                      <a:headEnd w="med" len="med"/>
+                      <a:tailEnd w="med" len="med"/>
+                    </a:lnL>
+                    <a:lnR w="12700" cap="flat" cmpd="sng" algn="ctr">
+                      <a:solidFill>
+                        <a:schemeClr val="tx1"/>
+                      </a:solidFill>
+                      <a:prstDash val="solid"/>
+                      <a:round/>
+                      <a:headEnd w="med" len="med"/>
+                      <a:tailEnd w="med" len="med"/>
+                    </a:lnR>
+                    <a:lnT w="12700" cap="flat" cmpd="sng" algn="ctr">
+                      <a:solidFill>
+                        <a:schemeClr val="tx1"/>
+                      </a:solidFill>
+                      <a:prstDash val="solid"/>
+                      <a:round/>
+                      <a:headEnd w="med" len="med"/>
+                      <a:tailEnd w="med" len="med"/>
+                    </a:lnT>
+                    <a:lnB w="12700" cap="flat" cmpd="sng" algn="ctr">
+                      <a:solidFill>
+                        <a:schemeClr val="tx1"/>
+                      </a:solidFill>
+                      <a:prstDash val="solid"/>
+                      <a:round/>
+                      <a:headEnd w="med" len="med"/>
+                      <a:tailEnd w="med" len="med"/>
+                    </a:lnB>
+                    <a:solidFill>
+                      <a:schemeClr val="lt1"/>
+                    </a:solidFill>
+                  </a:tcPr>
+                </a:tc>
+                <a:tc>
+                  <a:txBody>
+                    <a:bodyPr vert="horz" wrap="square" lIns="91440" tIns="45720" rIns="91440" bIns="45720" anchor="ctr" anchorCtr="1">
+                      <a:spAutoFit/>
+                    </a:bodyPr>
+                    <a:p>
+                      <a:pPr>
+                        <a:defRPr/>
+                      </a:pPr>
+                      <a:r>
+                        <a:rPr lang="ko-KR" altLang="en-US" sz="1100">
+                          <a:solidFill>
+                            <a:schemeClr val="dk1"/>
+                          </a:solidFill>
+                        </a:rPr>
+                        <a:t>주소 추가 페이지 이동</a:t>
+                      </a:r>
+                      <a:endParaRPr lang="ko-KR" altLang="en-US" sz="1100">
+                        <a:solidFill>
+                          <a:schemeClr val="dk1"/>
+                        </a:solidFill>
+                      </a:endParaRPr>
+                    </a:p>
+                  </a:txBody>
+                  <a:tcPr marL="91440" marR="91440" anchor="ctr" anchorCtr="1">
+                    <a:lnL w="12700" cap="flat" cmpd="sng" algn="ctr">
+                      <a:solidFill>
+                        <a:schemeClr val="tx1"/>
+                      </a:solidFill>
+                      <a:prstDash val="solid"/>
+                      <a:round/>
+                      <a:headEnd w="med" len="med"/>
+                      <a:tailEnd w="med" len="med"/>
+                    </a:lnL>
+                    <a:lnR w="12700" cap="flat" cmpd="sng" algn="ctr">
+                      <a:solidFill>
+                        <a:schemeClr val="tx1"/>
+                      </a:solidFill>
+                      <a:prstDash val="solid"/>
+                      <a:round/>
+                      <a:headEnd w="med" len="med"/>
+                      <a:tailEnd w="med" len="med"/>
+                    </a:lnR>
+                    <a:lnT w="12700" cap="flat" cmpd="sng" algn="ctr">
+                      <a:solidFill>
+                        <a:schemeClr val="tx1"/>
+                      </a:solidFill>
+                      <a:prstDash val="solid"/>
+                      <a:round/>
+                      <a:headEnd w="med" len="med"/>
+                      <a:tailEnd w="med" len="med"/>
+                    </a:lnT>
+                    <a:lnB w="12700" cap="flat" cmpd="sng" algn="ctr">
+                      <a:solidFill>
+                        <a:schemeClr val="tx1"/>
+                      </a:solidFill>
+                      <a:prstDash val="solid"/>
+                      <a:round/>
+                      <a:headEnd w="med" len="med"/>
+                      <a:tailEnd w="med" len="med"/>
+                    </a:lnB>
+                    <a:solidFill>
+                      <a:schemeClr val="lt1"/>
+                    </a:solidFill>
+                  </a:tcPr>
+                </a:tc>
+              </a:tr>
+              <a:tr h="515210">
+                <a:tc>
+                  <a:txBody>
+                    <a:bodyPr vert="horz" wrap="square" lIns="91440" tIns="45720" rIns="91440" bIns="45720" anchor="ctr" anchorCtr="1">
+                      <a:spAutoFit/>
+                    </a:bodyPr>
+                    <a:p>
+                      <a:pPr algn="ctr">
+                        <a:defRPr/>
+                      </a:pPr>
+                      <a:r>
+                        <a:rPr lang="en-US" altLang="ko-KR" sz="1100">
+                          <a:solidFill>
+                            <a:schemeClr val="dk1"/>
+                          </a:solidFill>
+                        </a:rPr>
+                        <a:t>3</a:t>
+                      </a:r>
+                      <a:endParaRPr lang="en-US" altLang="ko-KR" sz="1100">
+                        <a:solidFill>
+                          <a:schemeClr val="dk1"/>
+                        </a:solidFill>
+                      </a:endParaRPr>
+                    </a:p>
+                  </a:txBody>
+                  <a:tcPr marL="91440" marR="91440" anchor="ctr" anchorCtr="1">
+                    <a:lnL w="12700" cap="flat" cmpd="sng" algn="ctr">
+                      <a:solidFill>
+                        <a:schemeClr val="tx1"/>
+                      </a:solidFill>
+                      <a:prstDash val="solid"/>
+                      <a:round/>
+                      <a:headEnd w="med" len="med"/>
+                      <a:tailEnd w="med" len="med"/>
+                    </a:lnL>
+                    <a:lnR w="12700" cap="flat" cmpd="sng" algn="ctr">
+                      <a:solidFill>
+                        <a:schemeClr val="tx1"/>
+                      </a:solidFill>
+                      <a:prstDash val="solid"/>
+                      <a:round/>
+                      <a:headEnd w="med" len="med"/>
+                      <a:tailEnd w="med" len="med"/>
+                    </a:lnR>
+                    <a:lnT w="12700" cap="flat" cmpd="sng" algn="ctr">
+                      <a:solidFill>
+                        <a:schemeClr val="tx1"/>
+                      </a:solidFill>
+                      <a:prstDash val="solid"/>
+                      <a:round/>
+                      <a:headEnd w="med" len="med"/>
+                      <a:tailEnd w="med" len="med"/>
+                    </a:lnT>
+                    <a:lnB w="12700" cap="flat" cmpd="sng" algn="ctr">
+                      <a:solidFill>
+                        <a:schemeClr val="tx1"/>
+                      </a:solidFill>
+                      <a:prstDash val="solid"/>
+                      <a:round/>
+                      <a:headEnd w="med" len="med"/>
+                      <a:tailEnd w="med" len="med"/>
+                    </a:lnB>
+                    <a:solidFill>
+                      <a:schemeClr val="lt1"/>
+                    </a:solidFill>
+                  </a:tcPr>
+                </a:tc>
+                <a:tc>
+                  <a:txBody>
+                    <a:bodyPr vert="horz" wrap="square" lIns="91440" tIns="45720" rIns="91440" bIns="45720" anchor="ctr" anchorCtr="1">
+                      <a:spAutoFit/>
+                    </a:bodyPr>
+                    <a:p>
+                      <a:pPr>
+                        <a:defRPr/>
+                      </a:pPr>
+                      <a:r>
+                        <a:rPr lang="ko-KR" altLang="en-US" sz="1100">
+                          <a:solidFill>
+                            <a:schemeClr val="dk1"/>
+                          </a:solidFill>
+                        </a:rPr>
+                        <a:t>주소검색  </a:t>
+                      </a:r>
+                      <a:r>
+                        <a:rPr lang="en-US" altLang="ko-KR" sz="1100">
+                          <a:solidFill>
+                            <a:schemeClr val="dk1"/>
+                          </a:solidFill>
+                        </a:rPr>
+                        <a:t>api</a:t>
+                      </a:r>
+                      <a:r>
+                        <a:rPr lang="ko-KR" altLang="en-US" sz="1100">
+                          <a:solidFill>
+                            <a:schemeClr val="dk1"/>
+                          </a:solidFill>
+                        </a:rPr>
+                        <a:t> 오픈</a:t>
+                      </a:r>
+                      <a:endParaRPr lang="ko-KR" altLang="en-US" sz="1100">
+                        <a:solidFill>
+                          <a:schemeClr val="dk1"/>
+                        </a:solidFill>
+                      </a:endParaRPr>
+                    </a:p>
+                  </a:txBody>
+                  <a:tcPr marL="91440" marR="91440" anchor="ctr" anchorCtr="1">
+                    <a:lnL w="12700" cap="flat" cmpd="sng" algn="ctr">
+                      <a:solidFill>
+                        <a:schemeClr val="tx1"/>
+                      </a:solidFill>
+                      <a:prstDash val="solid"/>
+                      <a:round/>
+                      <a:headEnd w="med" len="med"/>
+                      <a:tailEnd w="med" len="med"/>
+                    </a:lnL>
+                    <a:lnR w="12700" cap="flat" cmpd="sng" algn="ctr">
+                      <a:solidFill>
+                        <a:schemeClr val="tx1"/>
+                      </a:solidFill>
+                      <a:prstDash val="solid"/>
+                      <a:round/>
+                      <a:headEnd w="med" len="med"/>
+                      <a:tailEnd w="med" len="med"/>
+                    </a:lnR>
+                    <a:lnT w="12700" cap="flat" cmpd="sng" algn="ctr">
+                      <a:solidFill>
+                        <a:schemeClr val="tx1"/>
+                      </a:solidFill>
+                      <a:prstDash val="solid"/>
+                      <a:round/>
+                      <a:headEnd w="med" len="med"/>
+                      <a:tailEnd w="med" len="med"/>
+                    </a:lnT>
+                    <a:lnB w="12700" cap="flat" cmpd="sng" algn="ctr">
+                      <a:solidFill>
+                        <a:schemeClr val="tx1"/>
+                      </a:solidFill>
+                      <a:prstDash val="solid"/>
+                      <a:round/>
+                      <a:headEnd w="med" len="med"/>
+                      <a:tailEnd w="med" len="med"/>
+                    </a:lnB>
+                    <a:solidFill>
+                      <a:schemeClr val="lt1"/>
+                    </a:solidFill>
+                  </a:tcPr>
+                </a:tc>
+              </a:tr>
+              <a:tr h="515210">
+                <a:tc>
+                  <a:txBody>
+                    <a:bodyPr vert="horz" wrap="square" lIns="91440" tIns="45720" rIns="91440" bIns="45720" anchor="ctr" anchorCtr="1">
+                      <a:spAutoFit/>
+                    </a:bodyPr>
+                    <a:p>
+                      <a:pPr algn="ctr">
+                        <a:defRPr/>
+                      </a:pPr>
+                      <a:r>
+                        <a:rPr lang="en-US" altLang="ko-KR" sz="1100">
+                          <a:solidFill>
+                            <a:schemeClr val="dk1"/>
+                          </a:solidFill>
+                        </a:rPr>
+                        <a:t>4</a:t>
+                      </a:r>
+                      <a:endParaRPr lang="en-US" altLang="ko-KR" sz="1100">
+                        <a:solidFill>
+                          <a:schemeClr val="dk1"/>
+                        </a:solidFill>
+                      </a:endParaRPr>
+                    </a:p>
+                  </a:txBody>
+                  <a:tcPr marL="91440" marR="91440" anchor="ctr" anchorCtr="1">
+                    <a:lnL w="12700" cap="flat" cmpd="sng" algn="ctr">
+                      <a:solidFill>
+                        <a:schemeClr val="tx1"/>
+                      </a:solidFill>
+                      <a:prstDash val="solid"/>
+                      <a:round/>
+                      <a:headEnd w="med" len="med"/>
+                      <a:tailEnd w="med" len="med"/>
+                    </a:lnL>
+                    <a:lnR w="12700" cap="flat" cmpd="sng" algn="ctr">
+                      <a:solidFill>
+                        <a:schemeClr val="tx1"/>
+                      </a:solidFill>
+                      <a:prstDash val="solid"/>
+                      <a:round/>
+                      <a:headEnd w="med" len="med"/>
+                      <a:tailEnd w="med" len="med"/>
+                    </a:lnR>
+                    <a:lnT w="12700" cap="flat" cmpd="sng" algn="ctr">
+                      <a:solidFill>
+                        <a:schemeClr val="tx1"/>
+                      </a:solidFill>
+                      <a:prstDash val="solid"/>
+                      <a:round/>
+                      <a:headEnd w="med" len="med"/>
+                      <a:tailEnd w="med" len="med"/>
+                    </a:lnT>
+                    <a:lnB w="12700" cap="flat" cmpd="sng" algn="ctr">
+                      <a:solidFill>
+                        <a:schemeClr val="tx1"/>
+                      </a:solidFill>
+                      <a:prstDash val="solid"/>
+                      <a:round/>
+                      <a:headEnd w="med" len="med"/>
+                      <a:tailEnd w="med" len="med"/>
+                    </a:lnB>
+                    <a:solidFill>
+                      <a:schemeClr val="lt1"/>
+                    </a:solidFill>
+                  </a:tcPr>
+                </a:tc>
+                <a:tc>
+                  <a:txBody>
+                    <a:bodyPr vert="horz" wrap="square" lIns="91440" tIns="45720" rIns="91440" bIns="45720" anchor="ctr" anchorCtr="1">
+                      <a:spAutoFit/>
+                    </a:bodyPr>
+                    <a:p>
+                      <a:pPr>
+                        <a:defRPr/>
+                      </a:pPr>
+                      <a:r>
+                        <a:rPr lang="ko-KR" altLang="en-US" sz="1100">
+                          <a:solidFill>
+                            <a:schemeClr val="dk1"/>
+                          </a:solidFill>
+                        </a:rPr>
+                        <a:t>입력된 값 추가</a:t>
+                      </a:r>
+                      <a:endParaRPr lang="ko-KR" altLang="en-US" sz="1100">
+                        <a:solidFill>
+                          <a:schemeClr val="dk1"/>
+                        </a:solidFill>
+                      </a:endParaRPr>
+                    </a:p>
+                  </a:txBody>
+                  <a:tcPr marL="91440" marR="91440" anchor="ctr" anchorCtr="1">
+                    <a:lnL w="12700" cap="flat" cmpd="sng" algn="ctr">
+                      <a:solidFill>
+                        <a:schemeClr val="tx1"/>
+                      </a:solidFill>
+                      <a:prstDash val="solid"/>
+                      <a:round/>
+                      <a:headEnd w="med" len="med"/>
+                      <a:tailEnd w="med" len="med"/>
+                    </a:lnL>
+                    <a:lnR w="12700" cap="flat" cmpd="sng" algn="ctr">
+                      <a:solidFill>
+                        <a:schemeClr val="tx1"/>
+                      </a:solidFill>
+                      <a:prstDash val="solid"/>
+                      <a:round/>
+                      <a:headEnd w="med" len="med"/>
+                      <a:tailEnd w="med" len="med"/>
+                    </a:lnR>
+                    <a:lnT w="12700" cap="flat" cmpd="sng" algn="ctr">
+                      <a:solidFill>
+                        <a:schemeClr val="tx1"/>
+                      </a:solidFill>
+                      <a:prstDash val="solid"/>
+                      <a:round/>
+                      <a:headEnd w="med" len="med"/>
+                      <a:tailEnd w="med" len="med"/>
+                    </a:lnT>
+                    <a:lnB w="12700" cap="flat" cmpd="sng" algn="ctr">
+                      <a:solidFill>
+                        <a:schemeClr val="tx1"/>
+                      </a:solidFill>
+                      <a:prstDash val="solid"/>
+                      <a:round/>
+                      <a:headEnd w="med" len="med"/>
+                      <a:tailEnd w="med" len="med"/>
+                    </a:lnB>
+                    <a:solidFill>
+                      <a:schemeClr val="lt1"/>
+                    </a:solidFill>
+                  </a:tcPr>
+                </a:tc>
+              </a:tr>
+            </a:tbl>
+          </a:graphicData>
+        </a:graphic>
+      </p:graphicFrame>
+      <p:sp>
+        <p:nvSpPr>
+          <p:cNvPr id="287" name="Shape 434"/>
+          <p:cNvSpPr/>
+          <p:nvPr/>
+        </p:nvSpPr>
+        <p:spPr>
+          <a:xfrm>
+            <a:off x="513934" y="1123602"/>
+            <a:ext cx="2908790" cy="5152103"/>
+          </a:xfrm>
+          <a:prstGeom prst="rect">
+            <a:avLst/>
+          </a:prstGeom>
+          <a:ln>
+            <a:solidFill>
+              <a:srgbClr val="000000">
+                <a:alpha val="100000"/>
+              </a:srgbClr>
+            </a:solidFill>
+          </a:ln>
+        </p:spPr>
+        <p:txBody>
+          <a:bodyPr lIns="45324" tIns="45324" rIns="45324" bIns="45324"/>
+          <a:p>
+            <a:pPr marL="0" indent="0" algn="ctr" defTabSz="906145" rtl="0" eaLnBrk="1" latinLnBrk="0" hangingPunct="0">
+              <a:lnSpc>
+                <a:spcPct val="120000"/>
+              </a:lnSpc>
+              <a:spcBef>
+                <a:spcPct val="0"/>
+              </a:spcBef>
+              <a:spcAft>
+                <a:spcPts val="0"/>
+              </a:spcAft>
+              <a:buNone/>
+              <a:defRPr sz="700" b="1">
+                <a:latin typeface="Wingdings"/>
+                <a:ea typeface="Wingdings"/>
+                <a:cs typeface="Wingdings"/>
+                <a:sym typeface="Wingdings"/>
+              </a:defRPr>
+            </a:pPr>
+            <a:endParaRPr xmlns:mc="http://schemas.openxmlformats.org/markup-compatibility/2006" xmlns:hp="http://schemas.haansoft.com/office/presentation/8.0" kumimoji="0" sz="700" b="1" i="0" u="none" strike="noStrike" kern="0" cap="none" spc="0" normalizeH="0" baseline="0" mc:Ignorable="hp" hp:hslEmbossed="0">
+              <a:solidFill>
+                <a:srgbClr val="000000"/>
+              </a:solidFill>
+              <a:latin typeface="맑은 고딕"/>
+              <a:ea typeface="맑은 고딕"/>
+              <a:cs typeface="맑은 고딕"/>
+              <a:sym typeface="맑은 고딕"/>
+            </a:endParaRPr>
+          </a:p>
+        </p:txBody>
+      </p:sp>
+      <p:sp>
+        <p:nvSpPr>
+          <p:cNvPr id="288" name="타원 50"/>
+          <p:cNvSpPr/>
+          <p:nvPr/>
+        </p:nvSpPr>
+        <p:spPr>
+          <a:xfrm>
+            <a:off x="1347153" y="1268759"/>
+            <a:ext cx="1239708" cy="628317"/>
+          </a:xfrm>
+          <a:prstGeom prst="ellipse">
+            <a:avLst/>
+          </a:prstGeom>
+          <a:noFill/>
+          <a:ln w="3175" cap="flat" cmpd="sng" algn="ctr">
+            <a:solidFill>
+              <a:srgbClr val="bfbfbf">
+                <a:alpha val="100000"/>
+              </a:srgbClr>
+            </a:solidFill>
+            <a:prstDash val="solid"/>
+          </a:ln>
+        </p:spPr>
+        <p:txBody>
+          <a:bodyPr anchor="ctr"/>
+          <a:p>
+            <a:pPr marL="0" indent="0" algn="ctr" defTabSz="914400" rtl="0" eaLnBrk="1" latinLnBrk="1" hangingPunct="1">
+              <a:lnSpc>
+                <a:spcPct val="100000"/>
+              </a:lnSpc>
+              <a:spcBef>
+                <a:spcPct val="0"/>
+              </a:spcBef>
+              <a:spcAft>
+                <a:spcPts val="0"/>
+              </a:spcAft>
+              <a:buNone/>
+              <a:defRPr/>
+            </a:pPr>
+            <a:r>
+              <a:rPr xmlns:mc="http://schemas.openxmlformats.org/markup-compatibility/2006" xmlns:hp="http://schemas.haansoft.com/office/presentation/8.0" kumimoji="0" lang="ko-KR" altLang="en-US" sz="900" b="0" i="0" u="none" strike="noStrike" kern="1200" cap="none" spc="0" normalizeH="0" baseline="0" mc:Ignorable="hp" hp:hslEmbossed="0">
+                <a:solidFill>
+                  <a:srgbClr val="000000"/>
+                </a:solidFill>
+                <a:latin typeface="Calibri"/>
+                <a:ea typeface="맑은 고딕"/>
+                <a:cs typeface="맑은 고딕"/>
+              </a:rPr>
+              <a:t>로고</a:t>
+            </a:r>
+            <a:endParaRPr xmlns:mc="http://schemas.openxmlformats.org/markup-compatibility/2006" xmlns:hp="http://schemas.haansoft.com/office/presentation/8.0" kumimoji="0" lang="ko-KR" altLang="en-US" sz="900" b="0" i="0" u="none" strike="noStrike" kern="1200" cap="none" spc="0" normalizeH="0" baseline="0" mc:Ignorable="hp" hp:hslEmbossed="0">
+              <a:solidFill>
+                <a:srgbClr val="000000"/>
+              </a:solidFill>
+              <a:latin typeface="Calibri"/>
+              <a:ea typeface="맑은 고딕"/>
+              <a:cs typeface="맑은 고딕"/>
+            </a:endParaRPr>
+          </a:p>
+        </p:txBody>
+      </p:sp>
+      <p:sp>
+        <p:nvSpPr>
+          <p:cNvPr id="291" name=""/>
+          <p:cNvSpPr/>
+          <p:nvPr/>
+        </p:nvSpPr>
+        <p:spPr>
+          <a:xfrm>
+            <a:off x="524496" y="5825449"/>
+            <a:ext cx="2898228" cy="450256"/>
+          </a:xfrm>
+          <a:prstGeom prst="rect">
+            <a:avLst/>
+          </a:prstGeom>
+          <a:solidFill>
+            <a:srgbClr val="ffffff">
+              <a:alpha val="100000"/>
+            </a:srgbClr>
+          </a:solidFill>
+          <a:ln w="19050" cap="flat" cmpd="sng" algn="ctr">
+            <a:solidFill>
+              <a:srgbClr val="9be5c8">
+                <a:alpha val="100000"/>
+              </a:srgbClr>
+            </a:solidFill>
+            <a:prstDash val="solid"/>
+          </a:ln>
+        </p:spPr>
+        <p:txBody>
+          <a:bodyPr anchor="ctr"/>
+          <a:p>
+            <a:pPr marL="0" indent="0" algn="ctr" defTabSz="914400" rtl="0" eaLnBrk="1" latinLnBrk="1" hangingPunct="1">
+              <a:lnSpc>
+                <a:spcPct val="100000"/>
+              </a:lnSpc>
+              <a:spcBef>
+                <a:spcPct val="0"/>
+              </a:spcBef>
+              <a:spcAft>
+                <a:spcPts val="0"/>
+              </a:spcAft>
+              <a:buNone/>
+              <a:defRPr/>
+            </a:pPr>
+            <a:endParaRPr xmlns:mc="http://schemas.openxmlformats.org/markup-compatibility/2006" xmlns:hp="http://schemas.haansoft.com/office/presentation/8.0" kumimoji="0" lang="ko-KR" altLang="en-US" sz="1800" b="0" i="0" u="none" strike="noStrike" kern="1200" cap="none" spc="0" normalizeH="0" baseline="0" mc:Ignorable="hp" hp:hslEmbossed="0">
+              <a:solidFill>
+                <a:srgbClr val="ffffff"/>
+              </a:solidFill>
+              <a:latin typeface="Calibri"/>
+              <a:ea typeface="맑은 고딕"/>
+              <a:cs typeface="맑은 고딕"/>
+            </a:endParaRPr>
+          </a:p>
+        </p:txBody>
+      </p:sp>
+      <p:graphicFrame>
+        <p:nvGraphicFramePr>
+          <p:cNvPr id="292" name=""/>
+          <p:cNvGraphicFramePr>
+            <a:graphicFrameLocks noGrp="1"/>
+          </p:cNvGraphicFramePr>
+          <p:nvPr/>
+        </p:nvGraphicFramePr>
+        <p:xfrm>
+          <a:off x="513933" y="5825450"/>
+          <a:ext cx="2907396" cy="450256"/>
+        </p:xfrm>
+        <a:graphic>
+          <a:graphicData uri="http://schemas.openxmlformats.org/drawingml/2006/table">
+            <a:tbl>
+              <a:tblPr firstRow="1" bandRow="1">
+                <a:tableStyleId>{01A66EDD-3DAB-4C5B-A090-DC80EC1FD486}</a:tableStyleId>
+              </a:tblPr>
+              <a:tblGrid>
+                <a:gridCol w="727197"/>
+                <a:gridCol w="725805"/>
+                <a:gridCol w="727197"/>
+                <a:gridCol w="727197"/>
+              </a:tblGrid>
+              <a:tr h="450256">
+                <a:tc>
+                  <a:txBody>
+                    <a:bodyPr vert="horz" wrap="square" lIns="91440" tIns="45720" rIns="91440" bIns="45720" anchor="t" anchorCtr="0">
+                      <a:spAutoFit/>
+                    </a:bodyPr>
+                    <a:p>
+                      <a:pPr marL="0" algn="ctr" defTabSz="914400" rtl="0" eaLnBrk="1" latinLnBrk="1" hangingPunct="1">
+                        <a:buNone/>
+                        <a:defRPr/>
+                      </a:pPr>
+                      <a:r>
+                        <a:rPr xmlns:mc="http://schemas.openxmlformats.org/markup-compatibility/2006" xmlns:hp="http://schemas.haansoft.com/office/presentation/8.0" kumimoji="0" lang="ko-KR" altLang="en-US" sz="1800" b="1" i="0" u="none" strike="noStrike" kern="1200" cap="none" normalizeH="0" baseline="0" mc:Ignorable="hp" hp:hslEmbossed="0">
+                          <a:ln w="9525">
+                            <a:solidFill>
+                              <a:srgbClr val="ffffff"/>
+                            </a:solidFill>
+                          </a:ln>
+                          <a:solidFill>
+                            <a:srgbClr val="000000"/>
+                          </a:solidFill>
+                          <a:latin typeface="Calibri"/>
+                          <a:ea typeface="맑은 고딕"/>
+                          <a:cs typeface="맑은 고딕"/>
+                        </a:rPr>
+                        <a:t>홈</a:t>
+                      </a:r>
+                      <a:endParaRPr xmlns:mc="http://schemas.openxmlformats.org/markup-compatibility/2006" xmlns:hp="http://schemas.haansoft.com/office/presentation/8.0" kumimoji="0" lang="en-US" altLang="ko-KR" sz="1800" b="1" i="0" u="none" strike="noStrike" kern="1200" cap="none" normalizeH="0" baseline="0" mc:Ignorable="hp" hp:hslEmbossed="0">
+                        <a:ln w="9525">
+                          <a:solidFill>
+                            <a:srgbClr val="ffffff"/>
+                          </a:solidFill>
+                        </a:ln>
+                        <a:solidFill>
+                          <a:srgbClr val="000000"/>
+                        </a:solidFill>
+                        <a:latin typeface="Calibri"/>
+                        <a:ea typeface="맑은 고딕"/>
+                        <a:cs typeface="Calibri"/>
+                      </a:endParaRPr>
+                    </a:p>
+                  </a:txBody>
+                  <a:tcPr marL="91440" marR="91440">
+                    <a:lnL w="25400" cap="flat" cmpd="sng" algn="ctr">
+                      <a:solidFill>
+                        <a:srgbClr val="69d8ad">
+                          <a:alpha val="100000"/>
+                        </a:srgbClr>
+                      </a:solidFill>
+                      <a:prstDash val="solid"/>
+                      <a:round/>
+                      <a:headEnd w="med" len="med"/>
+                      <a:tailEnd w="med" len="med"/>
+                    </a:lnL>
+                    <a:lnR w="25400" cap="flat" cmpd="sng" algn="ctr">
+                      <a:solidFill>
+                        <a:srgbClr val="69d8ad">
+                          <a:alpha val="100000"/>
+                        </a:srgbClr>
+                      </a:solidFill>
+                      <a:prstDash val="solid"/>
+                      <a:round/>
+                      <a:headEnd w="med" len="med"/>
+                      <a:tailEnd w="med" len="med"/>
+                    </a:lnR>
+                    <a:lnT w="25400" cap="flat" cmpd="sng" algn="ctr">
+                      <a:solidFill>
+                        <a:srgbClr val="69d8ad">
+                          <a:alpha val="100000"/>
+                        </a:srgbClr>
+                      </a:solidFill>
+                      <a:prstDash val="solid"/>
+                      <a:round/>
+                      <a:headEnd w="med" len="med"/>
+                      <a:tailEnd w="med" len="med"/>
+                    </a:lnT>
+                    <a:lnB w="25400" cap="flat" cmpd="sng" algn="ctr">
+                      <a:solidFill>
+                        <a:srgbClr val="69d8ad">
+                          <a:alpha val="100000"/>
+                        </a:srgbClr>
+                      </a:solidFill>
+                      <a:prstDash val="solid"/>
+                      <a:round/>
+                      <a:headEnd w="med" len="med"/>
+                      <a:tailEnd w="med" len="med"/>
+                    </a:lnB>
+                    <a:solidFill>
+                      <a:srgbClr val="ffffff">
+                        <a:alpha val="100000"/>
+                      </a:srgbClr>
+                    </a:solidFill>
+                  </a:tcPr>
+                </a:tc>
+                <a:tc>
+                  <a:txBody>
+                    <a:bodyPr vert="horz" wrap="square" lIns="91440" tIns="45720" rIns="91440" bIns="45720" anchor="t" anchorCtr="0">
+                      <a:spAutoFit/>
+                    </a:bodyPr>
+                    <a:p>
+                      <a:pPr marL="0" algn="ctr" defTabSz="914400" rtl="0" eaLnBrk="1" latinLnBrk="1" hangingPunct="1">
+                        <a:buNone/>
+                        <a:defRPr/>
+                      </a:pPr>
+                      <a:r>
+                        <a:rPr xmlns:mc="http://schemas.openxmlformats.org/markup-compatibility/2006" xmlns:hp="http://schemas.haansoft.com/office/presentation/8.0" kumimoji="0" lang="ko-KR" altLang="en-US" sz="1800" b="1" i="0" u="none" strike="noStrike" kern="1200" cap="none" normalizeH="0" baseline="0" mc:Ignorable="hp" hp:hslEmbossed="0">
+                          <a:ln w="9525">
+                            <a:solidFill>
+                              <a:srgbClr val="ffffff"/>
+                            </a:solidFill>
+                          </a:ln>
+                          <a:solidFill>
+                            <a:srgbClr val="000000"/>
+                          </a:solidFill>
+                          <a:latin typeface="Calibri"/>
+                          <a:ea typeface="맑은 고딕"/>
+                          <a:cs typeface="맑은 고딕"/>
+                        </a:rPr>
+                        <a:t>상품</a:t>
+                      </a:r>
+                      <a:endParaRPr xmlns:mc="http://schemas.openxmlformats.org/markup-compatibility/2006" xmlns:hp="http://schemas.haansoft.com/office/presentation/8.0" kumimoji="0" lang="ko-KR" altLang="en-US" sz="1800" b="1" i="0" u="none" strike="noStrike" kern="1200" cap="none" normalizeH="0" baseline="0" mc:Ignorable="hp" hp:hslEmbossed="0">
+                        <a:ln w="9525">
+                          <a:solidFill>
+                            <a:srgbClr val="ffffff"/>
+                          </a:solidFill>
+                        </a:ln>
+                        <a:solidFill>
+                          <a:srgbClr val="000000"/>
+                        </a:solidFill>
+                        <a:latin typeface="Calibri"/>
+                        <a:ea typeface="맑은 고딕"/>
+                        <a:cs typeface="맑은 고딕"/>
+                      </a:endParaRPr>
+                    </a:p>
+                  </a:txBody>
+                  <a:tcPr marL="91440" marR="91440">
+                    <a:lnL w="25400" cap="flat" cmpd="sng" algn="ctr">
+                      <a:solidFill>
+                        <a:srgbClr val="69d8ad">
+                          <a:alpha val="100000"/>
+                        </a:srgbClr>
+                      </a:solidFill>
+                      <a:prstDash val="solid"/>
+                      <a:round/>
+                      <a:headEnd w="med" len="med"/>
+                      <a:tailEnd w="med" len="med"/>
+                    </a:lnL>
+                    <a:lnR w="25400" cap="flat" cmpd="sng" algn="ctr">
+                      <a:solidFill>
+                        <a:srgbClr val="69d8ad">
+                          <a:alpha val="100000"/>
+                        </a:srgbClr>
+                      </a:solidFill>
+                      <a:prstDash val="solid"/>
+                      <a:round/>
+                      <a:headEnd w="med" len="med"/>
+                      <a:tailEnd w="med" len="med"/>
+                    </a:lnR>
+                    <a:lnT w="25400" cap="flat" cmpd="sng" algn="ctr">
+                      <a:solidFill>
+                        <a:srgbClr val="69d8ad">
+                          <a:alpha val="100000"/>
+                        </a:srgbClr>
+                      </a:solidFill>
+                      <a:prstDash val="solid"/>
+                      <a:round/>
+                      <a:headEnd w="med" len="med"/>
+                      <a:tailEnd w="med" len="med"/>
+                    </a:lnT>
+                    <a:lnB w="25400" cap="flat" cmpd="sng" algn="ctr">
+                      <a:solidFill>
+                        <a:srgbClr val="69d8ad">
+                          <a:alpha val="100000"/>
+                        </a:srgbClr>
+                      </a:solidFill>
+                      <a:prstDash val="solid"/>
+                      <a:round/>
+                      <a:headEnd w="med" len="med"/>
+                      <a:tailEnd w="med" len="med"/>
+                    </a:lnB>
+                    <a:solidFill>
+                      <a:srgbClr val="ffffff">
+                        <a:alpha val="100000"/>
+                      </a:srgbClr>
+                    </a:solidFill>
+                  </a:tcPr>
+                </a:tc>
+                <a:tc>
+                  <a:txBody>
+                    <a:bodyPr vert="horz" wrap="square" lIns="91440" tIns="45720" rIns="91440" bIns="45720" anchor="t" anchorCtr="0">
+                      <a:spAutoFit/>
+                    </a:bodyPr>
+                    <a:p>
+                      <a:pPr marL="0" algn="ctr" defTabSz="914400" rtl="0" eaLnBrk="1" latinLnBrk="1" hangingPunct="1">
+                        <a:buNone/>
+                        <a:defRPr/>
+                      </a:pPr>
+                      <a:r>
+                        <a:rPr xmlns:mc="http://schemas.openxmlformats.org/markup-compatibility/2006" xmlns:hp="http://schemas.haansoft.com/office/presentation/8.0" kumimoji="0" lang="ko-KR" altLang="en-US" sz="1800" b="1" i="0" u="none" strike="noStrike" kern="1200" cap="none" normalizeH="0" baseline="0" mc:Ignorable="hp" hp:hslEmbossed="0">
+                          <a:ln w="9525">
+                            <a:solidFill>
+                              <a:srgbClr val="ffffff"/>
+                            </a:solidFill>
+                          </a:ln>
+                          <a:solidFill>
+                            <a:srgbClr val="000000"/>
+                          </a:solidFill>
+                          <a:latin typeface="Calibri"/>
+                          <a:ea typeface="맑은 고딕"/>
+                          <a:cs typeface="맑은 고딕"/>
+                        </a:rPr>
+                        <a:t>검색</a:t>
+                      </a:r>
+                      <a:endParaRPr xmlns:mc="http://schemas.openxmlformats.org/markup-compatibility/2006" xmlns:hp="http://schemas.haansoft.com/office/presentation/8.0" kumimoji="0" lang="ko-KR" altLang="en-US" sz="1800" b="1" i="0" u="none" strike="noStrike" kern="1200" cap="none" normalizeH="0" baseline="0" mc:Ignorable="hp" hp:hslEmbossed="0">
+                        <a:ln w="9525">
+                          <a:solidFill>
+                            <a:srgbClr val="ffffff"/>
+                          </a:solidFill>
+                        </a:ln>
+                        <a:solidFill>
+                          <a:srgbClr val="000000"/>
+                        </a:solidFill>
+                        <a:latin typeface="Calibri"/>
+                        <a:ea typeface="맑은 고딕"/>
+                        <a:cs typeface="맑은 고딕"/>
+                      </a:endParaRPr>
+                    </a:p>
+                  </a:txBody>
+                  <a:tcPr marL="91440" marR="91440">
+                    <a:lnL w="25400" cap="flat" cmpd="sng" algn="ctr">
+                      <a:solidFill>
+                        <a:srgbClr val="69d8ad">
+                          <a:alpha val="100000"/>
+                        </a:srgbClr>
+                      </a:solidFill>
+                      <a:prstDash val="solid"/>
+                      <a:round/>
+                      <a:headEnd w="med" len="med"/>
+                      <a:tailEnd w="med" len="med"/>
+                    </a:lnL>
+                    <a:lnR w="25400" cap="flat" cmpd="sng" algn="ctr">
+                      <a:solidFill>
+                        <a:srgbClr val="69d8ad">
+                          <a:alpha val="100000"/>
+                        </a:srgbClr>
+                      </a:solidFill>
+                      <a:prstDash val="solid"/>
+                      <a:round/>
+                      <a:headEnd w="med" len="med"/>
+                      <a:tailEnd w="med" len="med"/>
+                    </a:lnR>
+                    <a:lnT w="25400" cap="flat" cmpd="sng" algn="ctr">
+                      <a:solidFill>
+                        <a:srgbClr val="69d8ad">
+                          <a:alpha val="100000"/>
+                        </a:srgbClr>
+                      </a:solidFill>
+                      <a:prstDash val="solid"/>
+                      <a:round/>
+                      <a:headEnd w="med" len="med"/>
+                      <a:tailEnd w="med" len="med"/>
+                    </a:lnT>
+                    <a:lnB w="25400" cap="flat" cmpd="sng" algn="ctr">
+                      <a:solidFill>
+                        <a:srgbClr val="69d8ad">
+                          <a:alpha val="100000"/>
+                        </a:srgbClr>
+                      </a:solidFill>
+                      <a:prstDash val="solid"/>
+                      <a:round/>
+                      <a:headEnd w="med" len="med"/>
+                      <a:tailEnd w="med" len="med"/>
+                    </a:lnB>
+                    <a:solidFill>
+                      <a:srgbClr val="ffffff">
+                        <a:alpha val="100000"/>
+                      </a:srgbClr>
+                    </a:solidFill>
+                  </a:tcPr>
+                </a:tc>
+                <a:tc>
+                  <a:txBody>
+                    <a:bodyPr vert="horz" wrap="square" lIns="91440" tIns="45720" rIns="91440" bIns="45720" anchor="t" anchorCtr="0">
+                      <a:spAutoFit/>
+                    </a:bodyPr>
+                    <a:p>
+                      <a:pPr marL="0" algn="ctr" defTabSz="914400" rtl="0" eaLnBrk="1" latinLnBrk="1" hangingPunct="1">
+                        <a:buNone/>
+                        <a:defRPr/>
+                      </a:pPr>
+                      <a:r>
+                        <a:rPr xmlns:mc="http://schemas.openxmlformats.org/markup-compatibility/2006" xmlns:hp="http://schemas.haansoft.com/office/presentation/8.0" kumimoji="0" lang="ko-KR" altLang="en-US" sz="1800" b="1" i="0" u="none" strike="noStrike" kern="1200" cap="none" normalizeH="0" baseline="0" mc:Ignorable="hp" hp:hslEmbossed="0">
+                          <a:ln w="9525">
+                            <a:solidFill>
+                              <a:srgbClr val="ffffff"/>
+                            </a:solidFill>
+                          </a:ln>
+                          <a:solidFill>
+                            <a:srgbClr val="000000"/>
+                          </a:solidFill>
+                          <a:latin typeface="Calibri"/>
+                          <a:ea typeface="맑은 고딕"/>
+                          <a:cs typeface="맑은 고딕"/>
+                        </a:rPr>
+                        <a:t>마이</a:t>
+                      </a:r>
+                      <a:endParaRPr xmlns:mc="http://schemas.openxmlformats.org/markup-compatibility/2006" xmlns:hp="http://schemas.haansoft.com/office/presentation/8.0" kumimoji="0" lang="ko-KR" altLang="en-US" sz="1800" b="1" i="0" u="none" strike="noStrike" kern="1200" cap="none" normalizeH="0" baseline="0" mc:Ignorable="hp" hp:hslEmbossed="0">
+                        <a:ln w="9525">
+                          <a:solidFill>
+                            <a:srgbClr val="ffffff"/>
+                          </a:solidFill>
+                        </a:ln>
+                        <a:solidFill>
+                          <a:srgbClr val="000000"/>
+                        </a:solidFill>
+                        <a:latin typeface="Calibri"/>
+                        <a:ea typeface="맑은 고딕"/>
+                        <a:cs typeface="맑은 고딕"/>
+                      </a:endParaRPr>
+                    </a:p>
+                  </a:txBody>
+                  <a:tcPr marL="91440" marR="91440">
+                    <a:lnL w="25400" cap="flat" cmpd="sng" algn="ctr">
+                      <a:solidFill>
+                        <a:srgbClr val="69d8ad">
+                          <a:alpha val="100000"/>
+                        </a:srgbClr>
+                      </a:solidFill>
+                      <a:prstDash val="solid"/>
+                      <a:round/>
+                      <a:headEnd w="med" len="med"/>
+                      <a:tailEnd w="med" len="med"/>
+                    </a:lnL>
+                    <a:lnR w="25400" cap="flat" cmpd="sng" algn="ctr">
+                      <a:solidFill>
+                        <a:srgbClr val="69d8ad">
+                          <a:alpha val="100000"/>
+                        </a:srgbClr>
+                      </a:solidFill>
+                      <a:prstDash val="solid"/>
+                      <a:round/>
+                      <a:headEnd w="med" len="med"/>
+                      <a:tailEnd w="med" len="med"/>
+                    </a:lnR>
+                    <a:lnT w="25400" cap="flat" cmpd="sng" algn="ctr">
+                      <a:solidFill>
+                        <a:srgbClr val="69d8ad">
+                          <a:alpha val="100000"/>
+                        </a:srgbClr>
+                      </a:solidFill>
+                      <a:prstDash val="solid"/>
+                      <a:round/>
+                      <a:headEnd w="med" len="med"/>
+                      <a:tailEnd w="med" len="med"/>
+                    </a:lnT>
+                    <a:lnB w="25400" cap="flat" cmpd="sng" algn="ctr">
+                      <a:solidFill>
+                        <a:srgbClr val="69d8ad">
+                          <a:alpha val="100000"/>
+                        </a:srgbClr>
+                      </a:solidFill>
+                      <a:prstDash val="solid"/>
+                      <a:round/>
+                      <a:headEnd w="med" len="med"/>
+                      <a:tailEnd w="med" len="med"/>
+                    </a:lnB>
+                    <a:solidFill>
+                      <a:srgbClr val="ffffff">
+                        <a:alpha val="100000"/>
+                      </a:srgbClr>
+                    </a:solidFill>
+                  </a:tcPr>
+                </a:tc>
+              </a:tr>
+            </a:tbl>
+          </a:graphicData>
+        </a:graphic>
+      </p:graphicFrame>
+      <p:sp>
+        <p:nvSpPr>
+          <p:cNvPr id="298" name=""/>
+          <p:cNvSpPr/>
+          <p:nvPr/>
+        </p:nvSpPr>
+        <p:spPr>
+          <a:xfrm>
+            <a:off x="513933" y="2022747"/>
+            <a:ext cx="2896833" cy="3802701"/>
+          </a:xfrm>
+          <a:prstGeom prst="rect">
+            <a:avLst/>
+          </a:prstGeom>
+          <a:solidFill>
+            <a:schemeClr val="lt1"/>
+          </a:solidFill>
+        </p:spPr>
+        <p:style>
+          <a:lnRef idx="2">
+            <a:schemeClr val="accent1">
+              <a:shade val="20000"/>
+            </a:schemeClr>
+          </a:lnRef>
+          <a:fillRef idx="1">
+            <a:schemeClr val="accent1"/>
+          </a:fillRef>
+          <a:effectRef idx="0">
+            <a:schemeClr val="accent1"/>
+          </a:effectRef>
+          <a:fontRef idx="minor">
+            <a:schemeClr val="lt1"/>
+          </a:fontRef>
+        </p:style>
+        <p:txBody>
+          <a:bodyPr anchor="ctr"/>
+          <a:p>
+            <a:pPr algn="ctr">
+              <a:defRPr/>
+            </a:pPr>
+            <a:endParaRPr lang="ko-KR" altLang="en-US"/>
+          </a:p>
+        </p:txBody>
+      </p:sp>
+      <p:sp>
+        <p:nvSpPr>
+          <p:cNvPr id="306" name=""/>
+          <p:cNvSpPr/>
+          <p:nvPr/>
+        </p:nvSpPr>
+        <p:spPr>
+          <a:xfrm>
+            <a:off x="619746" y="2693751"/>
+            <a:ext cx="2700337" cy="396049"/>
+          </a:xfrm>
+          <a:prstGeom prst="rect">
+            <a:avLst/>
+          </a:prstGeom>
+          <a:solidFill>
+            <a:schemeClr val="lt1"/>
+          </a:solidFill>
+        </p:spPr>
+        <p:style>
+          <a:lnRef idx="2">
+            <a:schemeClr val="accent1">
+              <a:shade val="20000"/>
+            </a:schemeClr>
+          </a:lnRef>
+          <a:fillRef idx="1">
+            <a:schemeClr val="accent1"/>
+          </a:fillRef>
+          <a:effectRef idx="0">
+            <a:schemeClr val="accent1"/>
+          </a:effectRef>
+          <a:fontRef idx="minor">
+            <a:schemeClr val="lt1"/>
+          </a:fontRef>
+        </p:style>
+        <p:txBody>
+          <a:bodyPr anchor="ctr"/>
+          <a:p>
+            <a:pPr algn="ctr">
+              <a:defRPr/>
+            </a:pPr>
+            <a:r>
+              <a:rPr lang="ko-KR" altLang="en-US" sz="1100">
+                <a:solidFill>
+                  <a:schemeClr val="dk1"/>
+                </a:solidFill>
+              </a:rPr>
+              <a:t>주소 </a:t>
+            </a:r>
+            <a:r>
+              <a:rPr lang="en-US" altLang="ko-KR" sz="1100">
+                <a:solidFill>
+                  <a:schemeClr val="dk1"/>
+                </a:solidFill>
+              </a:rPr>
+              <a:t>1</a:t>
+            </a:r>
+            <a:endParaRPr lang="en-US" altLang="ko-KR" sz="1100">
+              <a:solidFill>
+                <a:schemeClr val="dk1"/>
+              </a:solidFill>
+            </a:endParaRPr>
+          </a:p>
+        </p:txBody>
+      </p:sp>
+      <p:sp>
+        <p:nvSpPr>
+          <p:cNvPr id="307" name=""/>
+          <p:cNvSpPr/>
+          <p:nvPr/>
+        </p:nvSpPr>
+        <p:spPr>
+          <a:xfrm>
+            <a:off x="604940" y="3320553"/>
+            <a:ext cx="2700337" cy="396049"/>
+          </a:xfrm>
+          <a:prstGeom prst="rect">
+            <a:avLst/>
+          </a:prstGeom>
+          <a:solidFill>
+            <a:srgbClr val="ffffff">
+              <a:alpha val="100000"/>
+            </a:srgbClr>
+          </a:solidFill>
+          <a:ln w="19050" cap="flat" cmpd="sng" algn="ctr">
+            <a:solidFill>
+              <a:srgbClr val="2e3e67">
+                <a:alpha val="100000"/>
+              </a:srgbClr>
+            </a:solidFill>
+            <a:prstDash val="solid"/>
+          </a:ln>
+        </p:spPr>
+        <p:txBody>
+          <a:bodyPr anchor="ctr"/>
+          <a:p>
+            <a:pPr marL="0" indent="0" algn="ctr" defTabSz="914400" rtl="0" eaLnBrk="1" latinLnBrk="1" hangingPunct="1">
+              <a:lnSpc>
+                <a:spcPct val="100000"/>
+              </a:lnSpc>
+              <a:spcBef>
+                <a:spcPct val="0"/>
+              </a:spcBef>
+              <a:spcAft>
+                <a:spcPts val="0"/>
+              </a:spcAft>
+              <a:buNone/>
+              <a:defRPr/>
+            </a:pPr>
+            <a:r>
+              <a:rPr xmlns:mc="http://schemas.openxmlformats.org/markup-compatibility/2006" xmlns:hp="http://schemas.haansoft.com/office/presentation/8.0" kumimoji="0" lang="ko-KR" altLang="en-US" sz="1100" b="0" i="0" u="none" strike="noStrike" kern="1200" cap="none" spc="0" normalizeH="0" baseline="0" mc:Ignorable="hp" hp:hslEmbossed="0">
+                <a:solidFill>
+                  <a:srgbClr val="000000"/>
+                </a:solidFill>
+                <a:latin typeface="Calibri"/>
+                <a:ea typeface="맑은 고딕"/>
+                <a:cs typeface="맑은 고딕"/>
+              </a:rPr>
+              <a:t>주소 </a:t>
+            </a:r>
+            <a:r>
+              <a:rPr xmlns:mc="http://schemas.openxmlformats.org/markup-compatibility/2006" xmlns:hp="http://schemas.haansoft.com/office/presentation/8.0" kumimoji="0" lang="en-US" altLang="ko-KR" sz="1100" b="0" i="0" u="none" strike="noStrike" kern="1200" cap="none" spc="0" normalizeH="0" baseline="0" mc:Ignorable="hp" hp:hslEmbossed="0">
+                <a:solidFill>
+                  <a:srgbClr val="000000"/>
+                </a:solidFill>
+                <a:latin typeface="Calibri"/>
+                <a:ea typeface="맑은 고딕"/>
+                <a:cs typeface="맑은 고딕"/>
+              </a:rPr>
+              <a:t>2</a:t>
+            </a:r>
+            <a:endParaRPr xmlns:mc="http://schemas.openxmlformats.org/markup-compatibility/2006" xmlns:hp="http://schemas.haansoft.com/office/presentation/8.0" kumimoji="0" lang="en-US" altLang="ko-KR" sz="1100" b="0" i="0" u="none" strike="noStrike" kern="1200" cap="none" spc="0" normalizeH="0" baseline="0" mc:Ignorable="hp" hp:hslEmbossed="0">
+              <a:solidFill>
+                <a:srgbClr val="000000"/>
+              </a:solidFill>
+              <a:latin typeface="Calibri"/>
+              <a:ea typeface="맑은 고딕"/>
+              <a:cs typeface="맑은 고딕"/>
+            </a:endParaRPr>
+          </a:p>
+        </p:txBody>
+      </p:sp>
+      <p:sp>
+        <p:nvSpPr>
+          <p:cNvPr id="308" name=""/>
+          <p:cNvSpPr/>
+          <p:nvPr/>
+        </p:nvSpPr>
+        <p:spPr>
+          <a:xfrm>
+            <a:off x="623990" y="3893820"/>
+            <a:ext cx="2700337" cy="396049"/>
+          </a:xfrm>
+          <a:prstGeom prst="rect">
+            <a:avLst/>
+          </a:prstGeom>
+          <a:solidFill>
+            <a:srgbClr val="ffffff">
+              <a:alpha val="100000"/>
+            </a:srgbClr>
+          </a:solidFill>
+          <a:ln w="19050" cap="flat" cmpd="sng" algn="ctr">
+            <a:solidFill>
+              <a:srgbClr val="2e3e67">
+                <a:alpha val="100000"/>
+              </a:srgbClr>
+            </a:solidFill>
+            <a:prstDash val="solid"/>
+          </a:ln>
+        </p:spPr>
+        <p:txBody>
+          <a:bodyPr anchor="ctr"/>
+          <a:p>
+            <a:pPr marL="0" indent="0" algn="ctr" defTabSz="914400" rtl="0" eaLnBrk="1" latinLnBrk="1" hangingPunct="1">
+              <a:lnSpc>
+                <a:spcPct val="100000"/>
+              </a:lnSpc>
+              <a:spcBef>
+                <a:spcPct val="0"/>
+              </a:spcBef>
+              <a:spcAft>
+                <a:spcPts val="0"/>
+              </a:spcAft>
+              <a:buNone/>
+              <a:defRPr/>
+            </a:pPr>
+            <a:r>
+              <a:rPr xmlns:mc="http://schemas.openxmlformats.org/markup-compatibility/2006" xmlns:hp="http://schemas.haansoft.com/office/presentation/8.0" kumimoji="0" lang="ko-KR" altLang="en-US" sz="1100" b="0" i="0" u="none" strike="noStrike" kern="1200" cap="none" spc="0" normalizeH="0" baseline="0" mc:Ignorable="hp" hp:hslEmbossed="0">
+                <a:solidFill>
+                  <a:srgbClr val="000000"/>
+                </a:solidFill>
+                <a:latin typeface="Calibri"/>
+                <a:ea typeface="맑은 고딕"/>
+                <a:cs typeface="맑은 고딕"/>
+              </a:rPr>
+              <a:t>주소 </a:t>
+            </a:r>
+            <a:r>
+              <a:rPr xmlns:mc="http://schemas.openxmlformats.org/markup-compatibility/2006" xmlns:hp="http://schemas.haansoft.com/office/presentation/8.0" kumimoji="0" lang="en-US" altLang="ko-KR" sz="1100" b="0" i="0" u="none" strike="noStrike" kern="1200" cap="none" spc="0" normalizeH="0" baseline="0" mc:Ignorable="hp" hp:hslEmbossed="0">
+                <a:solidFill>
+                  <a:srgbClr val="000000"/>
+                </a:solidFill>
+                <a:latin typeface="Calibri"/>
+                <a:ea typeface="맑은 고딕"/>
+                <a:cs typeface="맑은 고딕"/>
+              </a:rPr>
+              <a:t>3</a:t>
+            </a:r>
+            <a:endParaRPr xmlns:mc="http://schemas.openxmlformats.org/markup-compatibility/2006" xmlns:hp="http://schemas.haansoft.com/office/presentation/8.0" kumimoji="0" lang="en-US" altLang="ko-KR" sz="1100" b="0" i="0" u="none" strike="noStrike" kern="1200" cap="none" spc="0" normalizeH="0" baseline="0" mc:Ignorable="hp" hp:hslEmbossed="0">
+              <a:solidFill>
+                <a:srgbClr val="000000"/>
+              </a:solidFill>
+              <a:latin typeface="Calibri"/>
+              <a:ea typeface="맑은 고딕"/>
+              <a:cs typeface="맑은 고딕"/>
+            </a:endParaRPr>
+          </a:p>
+        </p:txBody>
+      </p:sp>
+      <p:sp>
+        <p:nvSpPr>
+          <p:cNvPr id="312" name=""/>
+          <p:cNvSpPr/>
+          <p:nvPr/>
+        </p:nvSpPr>
+        <p:spPr>
+          <a:xfrm>
+            <a:off x="799086" y="2207367"/>
+            <a:ext cx="2304288" cy="288036"/>
+          </a:xfrm>
+          <a:prstGeom prst="rect">
+            <a:avLst/>
+          </a:prstGeom>
+          <a:solidFill>
+            <a:schemeClr val="lt1"/>
+          </a:solidFill>
+        </p:spPr>
+        <p:style>
+          <a:lnRef idx="2">
+            <a:schemeClr val="accent1">
+              <a:shade val="20000"/>
+            </a:schemeClr>
+          </a:lnRef>
+          <a:fillRef idx="1">
+            <a:schemeClr val="accent1"/>
+          </a:fillRef>
+          <a:effectRef idx="0">
+            <a:schemeClr val="accent1"/>
+          </a:effectRef>
+          <a:fontRef idx="minor">
+            <a:schemeClr val="lt1"/>
+          </a:fontRef>
+        </p:style>
+        <p:txBody>
+          <a:bodyPr anchor="ctr"/>
+          <a:p>
+            <a:pPr algn="ctr">
+              <a:defRPr/>
+            </a:pPr>
+            <a:r>
+              <a:rPr lang="ko-KR" altLang="en-US" sz="1100">
+                <a:solidFill>
+                  <a:schemeClr val="dk1"/>
+                </a:solidFill>
+              </a:rPr>
+              <a:t>내 주소</a:t>
+            </a:r>
+            <a:endParaRPr lang="ko-KR" altLang="en-US" sz="1100">
+              <a:solidFill>
+                <a:schemeClr val="dk1"/>
+              </a:solidFill>
+            </a:endParaRPr>
+          </a:p>
+        </p:txBody>
+      </p:sp>
+      <p:sp>
+        <p:nvSpPr>
+          <p:cNvPr id="314" name=""/>
+          <p:cNvSpPr/>
+          <p:nvPr/>
+        </p:nvSpPr>
+        <p:spPr>
+          <a:xfrm>
+            <a:off x="798185" y="5340718"/>
+            <a:ext cx="2350850" cy="293856"/>
+          </a:xfrm>
+          <a:prstGeom prst="rect">
+            <a:avLst/>
+          </a:prstGeom>
+          <a:solidFill>
+            <a:srgbClr val="ffffff">
+              <a:alpha val="100000"/>
+            </a:srgbClr>
+          </a:solidFill>
+          <a:ln w="19050" cap="flat" cmpd="sng" algn="ctr">
+            <a:solidFill>
+              <a:srgbClr val="2e3e67">
+                <a:alpha val="100000"/>
+              </a:srgbClr>
+            </a:solidFill>
+            <a:prstDash val="solid"/>
+          </a:ln>
+        </p:spPr>
+        <p:txBody>
+          <a:bodyPr anchor="ctr"/>
+          <a:p>
+            <a:pPr marL="0" indent="0" algn="ctr" defTabSz="914400" rtl="0" eaLnBrk="1" latinLnBrk="1" hangingPunct="1">
+              <a:lnSpc>
+                <a:spcPct val="100000"/>
+              </a:lnSpc>
+              <a:spcBef>
+                <a:spcPct val="0"/>
+              </a:spcBef>
+              <a:spcAft>
+                <a:spcPts val="0"/>
+              </a:spcAft>
+              <a:buNone/>
+              <a:defRPr/>
+            </a:pPr>
+            <a:r>
+              <a:rPr xmlns:mc="http://schemas.openxmlformats.org/markup-compatibility/2006" xmlns:hp="http://schemas.haansoft.com/office/presentation/8.0" kumimoji="0" lang="ko-KR" altLang="en-US" sz="1100" b="0" i="0" u="none" strike="noStrike" kern="1200" cap="none" spc="0" normalizeH="0" baseline="0" mc:Ignorable="hp" hp:hslEmbossed="0">
+                <a:solidFill>
+                  <a:srgbClr val="000000"/>
+                </a:solidFill>
+                <a:latin typeface="Calibri"/>
+                <a:ea typeface="맑은 고딕"/>
+                <a:cs typeface="맑은 고딕"/>
+              </a:rPr>
+              <a:t>주소 추가</a:t>
+            </a:r>
+            <a:endParaRPr xmlns:mc="http://schemas.openxmlformats.org/markup-compatibility/2006" xmlns:hp="http://schemas.haansoft.com/office/presentation/8.0" kumimoji="0" lang="ko-KR" altLang="en-US" sz="1100" b="0" i="0" u="none" strike="noStrike" kern="1200" cap="none" spc="0" normalizeH="0" baseline="0" mc:Ignorable="hp" hp:hslEmbossed="0">
+              <a:solidFill>
+                <a:srgbClr val="000000"/>
+              </a:solidFill>
+              <a:latin typeface="Calibri"/>
+              <a:ea typeface="맑은 고딕"/>
+              <a:cs typeface="맑은 고딕"/>
+            </a:endParaRPr>
+          </a:p>
+        </p:txBody>
+      </p:sp>
+      <p:cxnSp>
+        <p:nvCxnSpPr>
+          <p:cNvPr id="315" name=""/>
+          <p:cNvCxnSpPr/>
+          <p:nvPr/>
+        </p:nvCxnSpPr>
+        <p:spPr>
+          <a:xfrm rot="5400000" flipH="1" flipV="1">
+            <a:off x="2476472" y="4064361"/>
+            <a:ext cx="2058644" cy="787921"/>
+          </a:xfrm>
+          <a:prstGeom prst="straightConnector1">
+            <a:avLst/>
+          </a:prstGeom>
+          <a:ln>
+            <a:tailEnd type="arrow"/>
+          </a:ln>
+        </p:spPr>
+        <p:style>
+          <a:lnRef idx="1">
+            <a:schemeClr val="accent1"/>
+          </a:lnRef>
+          <a:fillRef idx="0">
+            <a:schemeClr val="accent1"/>
+          </a:fillRef>
+          <a:effectRef idx="0">
+            <a:schemeClr val="accent1"/>
+          </a:effectRef>
+          <a:fontRef idx="minor">
+            <a:schemeClr val="tx1"/>
+          </a:fontRef>
+        </p:style>
+      </p:cxnSp>
+      <p:sp>
+        <p:nvSpPr>
+          <p:cNvPr id="316" name="Shape 434"/>
+          <p:cNvSpPr/>
+          <p:nvPr/>
+        </p:nvSpPr>
+        <p:spPr>
+          <a:xfrm>
+            <a:off x="4023073" y="1123604"/>
+            <a:ext cx="2908790" cy="5152103"/>
+          </a:xfrm>
+          <a:prstGeom prst="rect">
+            <a:avLst/>
+          </a:prstGeom>
+          <a:ln>
+            <a:solidFill>
+              <a:srgbClr val="000000">
+                <a:alpha val="100000"/>
+              </a:srgbClr>
+            </a:solidFill>
+          </a:ln>
+        </p:spPr>
+        <p:txBody>
+          <a:bodyPr lIns="45324" tIns="45324" rIns="45324" bIns="45324"/>
+          <a:p>
+            <a:pPr marL="0" indent="0" algn="ctr" defTabSz="906145" rtl="0" eaLnBrk="1" latinLnBrk="0" hangingPunct="0">
+              <a:lnSpc>
+                <a:spcPct val="120000"/>
+              </a:lnSpc>
+              <a:spcBef>
+                <a:spcPct val="0"/>
+              </a:spcBef>
+              <a:spcAft>
+                <a:spcPts val="0"/>
+              </a:spcAft>
+              <a:buNone/>
+              <a:defRPr sz="700" b="1">
+                <a:latin typeface="Wingdings"/>
+                <a:ea typeface="Wingdings"/>
+                <a:cs typeface="Wingdings"/>
+                <a:sym typeface="Wingdings"/>
+              </a:defRPr>
+            </a:pPr>
+            <a:endParaRPr xmlns:mc="http://schemas.openxmlformats.org/markup-compatibility/2006" xmlns:hp="http://schemas.haansoft.com/office/presentation/8.0" kumimoji="0" sz="700" b="1" i="0" u="none" strike="noStrike" kern="0" cap="none" spc="0" normalizeH="0" baseline="0" mc:Ignorable="hp" hp:hslEmbossed="0">
+              <a:solidFill>
+                <a:srgbClr val="000000"/>
+              </a:solidFill>
+              <a:latin typeface="맑은 고딕"/>
+              <a:ea typeface="맑은 고딕"/>
+              <a:cs typeface="맑은 고딕"/>
+              <a:sym typeface="맑은 고딕"/>
+            </a:endParaRPr>
+          </a:p>
+        </p:txBody>
+      </p:sp>
+      <p:sp>
+        <p:nvSpPr>
+          <p:cNvPr id="317" name="타원 50"/>
+          <p:cNvSpPr/>
+          <p:nvPr/>
+        </p:nvSpPr>
+        <p:spPr>
+          <a:xfrm>
+            <a:off x="4856292" y="1268761"/>
+            <a:ext cx="1239708" cy="628317"/>
+          </a:xfrm>
+          <a:prstGeom prst="ellipse">
+            <a:avLst/>
+          </a:prstGeom>
+          <a:noFill/>
+          <a:ln w="3175" cap="flat" cmpd="sng" algn="ctr">
+            <a:solidFill>
+              <a:srgbClr val="bfbfbf">
+                <a:alpha val="100000"/>
+              </a:srgbClr>
+            </a:solidFill>
+            <a:prstDash val="solid"/>
+          </a:ln>
+        </p:spPr>
+        <p:txBody>
+          <a:bodyPr anchor="ctr"/>
+          <a:p>
+            <a:pPr marL="0" indent="0" algn="ctr" defTabSz="914400" rtl="0" eaLnBrk="1" latinLnBrk="1" hangingPunct="1">
+              <a:lnSpc>
+                <a:spcPct val="100000"/>
+              </a:lnSpc>
+              <a:spcBef>
+                <a:spcPct val="0"/>
+              </a:spcBef>
+              <a:spcAft>
+                <a:spcPts val="0"/>
+              </a:spcAft>
+              <a:buNone/>
+              <a:defRPr/>
+            </a:pPr>
+            <a:r>
+              <a:rPr xmlns:mc="http://schemas.openxmlformats.org/markup-compatibility/2006" xmlns:hp="http://schemas.haansoft.com/office/presentation/8.0" kumimoji="0" lang="ko-KR" altLang="en-US" sz="900" b="0" i="0" u="none" strike="noStrike" kern="1200" cap="none" spc="0" normalizeH="0" baseline="0" mc:Ignorable="hp" hp:hslEmbossed="0">
+                <a:solidFill>
+                  <a:srgbClr val="000000"/>
+                </a:solidFill>
+                <a:latin typeface="Calibri"/>
+                <a:ea typeface="맑은 고딕"/>
+                <a:cs typeface="맑은 고딕"/>
+              </a:rPr>
+              <a:t>로고</a:t>
+            </a:r>
+            <a:endParaRPr xmlns:mc="http://schemas.openxmlformats.org/markup-compatibility/2006" xmlns:hp="http://schemas.haansoft.com/office/presentation/8.0" kumimoji="0" lang="ko-KR" altLang="en-US" sz="900" b="0" i="0" u="none" strike="noStrike" kern="1200" cap="none" spc="0" normalizeH="0" baseline="0" mc:Ignorable="hp" hp:hslEmbossed="0">
+              <a:solidFill>
+                <a:srgbClr val="000000"/>
+              </a:solidFill>
+              <a:latin typeface="Calibri"/>
+              <a:ea typeface="맑은 고딕"/>
+              <a:cs typeface="맑은 고딕"/>
+            </a:endParaRPr>
+          </a:p>
+        </p:txBody>
+      </p:sp>
+      <p:sp>
+        <p:nvSpPr>
+          <p:cNvPr id="318" name=""/>
+          <p:cNvSpPr/>
+          <p:nvPr/>
+        </p:nvSpPr>
+        <p:spPr>
+          <a:xfrm>
+            <a:off x="4033635" y="5825450"/>
+            <a:ext cx="2898228" cy="450256"/>
+          </a:xfrm>
+          <a:prstGeom prst="rect">
+            <a:avLst/>
+          </a:prstGeom>
+          <a:solidFill>
+            <a:srgbClr val="ffffff">
+              <a:alpha val="100000"/>
+            </a:srgbClr>
+          </a:solidFill>
+          <a:ln w="19050" cap="flat" cmpd="sng" algn="ctr">
+            <a:solidFill>
+              <a:srgbClr val="9be5c8">
+                <a:alpha val="100000"/>
+              </a:srgbClr>
+            </a:solidFill>
+            <a:prstDash val="solid"/>
+          </a:ln>
+        </p:spPr>
+        <p:txBody>
+          <a:bodyPr anchor="ctr"/>
+          <a:p>
+            <a:pPr marL="0" indent="0" algn="ctr" defTabSz="914400" rtl="0" eaLnBrk="1" latinLnBrk="1" hangingPunct="1">
+              <a:lnSpc>
+                <a:spcPct val="100000"/>
+              </a:lnSpc>
+              <a:spcBef>
+                <a:spcPct val="0"/>
+              </a:spcBef>
+              <a:spcAft>
+                <a:spcPts val="0"/>
+              </a:spcAft>
+              <a:buNone/>
+              <a:defRPr/>
+            </a:pPr>
+            <a:endParaRPr xmlns:mc="http://schemas.openxmlformats.org/markup-compatibility/2006" xmlns:hp="http://schemas.haansoft.com/office/presentation/8.0" kumimoji="0" lang="ko-KR" altLang="en-US" sz="1800" b="0" i="0" u="none" strike="noStrike" kern="1200" cap="none" spc="0" normalizeH="0" baseline="0" mc:Ignorable="hp" hp:hslEmbossed="0">
+              <a:solidFill>
+                <a:srgbClr val="ffffff"/>
+              </a:solidFill>
+              <a:latin typeface="Calibri"/>
+              <a:ea typeface="맑은 고딕"/>
+              <a:cs typeface="맑은 고딕"/>
+            </a:endParaRPr>
+          </a:p>
+        </p:txBody>
+      </p:sp>
+      <p:graphicFrame>
+        <p:nvGraphicFramePr>
+          <p:cNvPr id="319" name=""/>
+          <p:cNvGraphicFramePr>
+            <a:graphicFrameLocks noGrp="1"/>
+          </p:cNvGraphicFramePr>
+          <p:nvPr/>
+        </p:nvGraphicFramePr>
+        <p:xfrm>
+          <a:off x="4023072" y="5825451"/>
+          <a:ext cx="2907396" cy="450256"/>
+        </p:xfrm>
+        <a:graphic>
+          <a:graphicData uri="http://schemas.openxmlformats.org/drawingml/2006/table">
+            <a:tbl>
+              <a:tblPr firstRow="1" bandRow="1">
+                <a:tableStyleId>{01A66EDD-3DAB-4C5B-A090-DC80EC1FD486}</a:tableStyleId>
+              </a:tblPr>
+              <a:tblGrid>
+                <a:gridCol w="727197"/>
+                <a:gridCol w="725805"/>
+                <a:gridCol w="727197"/>
+                <a:gridCol w="727197"/>
+              </a:tblGrid>
+              <a:tr h="450256">
+                <a:tc>
+                  <a:txBody>
+                    <a:bodyPr vert="horz" wrap="square" lIns="91440" tIns="45720" rIns="91440" bIns="45720" anchor="t" anchorCtr="0">
+                      <a:spAutoFit/>
+                    </a:bodyPr>
+                    <a:p>
+                      <a:pPr marL="0" algn="ctr" defTabSz="914400" rtl="0" eaLnBrk="1" latinLnBrk="1" hangingPunct="1">
+                        <a:buNone/>
+                        <a:defRPr/>
+                      </a:pPr>
+                      <a:r>
+                        <a:rPr xmlns:mc="http://schemas.openxmlformats.org/markup-compatibility/2006" xmlns:hp="http://schemas.haansoft.com/office/presentation/8.0" kumimoji="0" lang="ko-KR" altLang="en-US" sz="1800" b="1" i="0" u="none" strike="noStrike" kern="1200" cap="none" normalizeH="0" baseline="0" mc:Ignorable="hp" hp:hslEmbossed="0">
+                          <a:ln w="9525">
+                            <a:solidFill>
+                              <a:srgbClr val="ffffff"/>
+                            </a:solidFill>
+                          </a:ln>
+                          <a:solidFill>
+                            <a:srgbClr val="000000"/>
+                          </a:solidFill>
+                          <a:latin typeface="Calibri"/>
+                          <a:ea typeface="맑은 고딕"/>
+                          <a:cs typeface="맑은 고딕"/>
+                        </a:rPr>
+                        <a:t>홈</a:t>
+                      </a:r>
+                      <a:endParaRPr xmlns:mc="http://schemas.openxmlformats.org/markup-compatibility/2006" xmlns:hp="http://schemas.haansoft.com/office/presentation/8.0" kumimoji="0" lang="en-US" altLang="ko-KR" sz="1800" b="1" i="0" u="none" strike="noStrike" kern="1200" cap="none" normalizeH="0" baseline="0" mc:Ignorable="hp" hp:hslEmbossed="0">
+                        <a:ln w="9525">
+                          <a:solidFill>
+                            <a:srgbClr val="ffffff"/>
+                          </a:solidFill>
+                        </a:ln>
+                        <a:solidFill>
+                          <a:srgbClr val="000000"/>
+                        </a:solidFill>
+                        <a:latin typeface="Calibri"/>
+                        <a:ea typeface="맑은 고딕"/>
+                        <a:cs typeface="Calibri"/>
+                      </a:endParaRPr>
+                    </a:p>
+                  </a:txBody>
+                  <a:tcPr marL="91440" marR="91440">
+                    <a:lnL w="25400" cap="flat" cmpd="sng" algn="ctr">
+                      <a:solidFill>
+                        <a:srgbClr val="69d8ad">
+                          <a:alpha val="100000"/>
+                        </a:srgbClr>
+                      </a:solidFill>
+                      <a:prstDash val="solid"/>
+                      <a:round/>
+                      <a:headEnd w="med" len="med"/>
+                      <a:tailEnd w="med" len="med"/>
+                    </a:lnL>
+                    <a:lnR w="25400" cap="flat" cmpd="sng" algn="ctr">
+                      <a:solidFill>
+                        <a:srgbClr val="69d8ad">
+                          <a:alpha val="100000"/>
+                        </a:srgbClr>
+                      </a:solidFill>
+                      <a:prstDash val="solid"/>
+                      <a:round/>
+                      <a:headEnd w="med" len="med"/>
+                      <a:tailEnd w="med" len="med"/>
+                    </a:lnR>
+                    <a:lnT w="25400" cap="flat" cmpd="sng" algn="ctr">
+                      <a:solidFill>
+                        <a:srgbClr val="69d8ad">
+                          <a:alpha val="100000"/>
+                        </a:srgbClr>
+                      </a:solidFill>
+                      <a:prstDash val="solid"/>
+                      <a:round/>
+                      <a:headEnd w="med" len="med"/>
+                      <a:tailEnd w="med" len="med"/>
+                    </a:lnT>
+                    <a:lnB w="25400" cap="flat" cmpd="sng" algn="ctr">
+                      <a:solidFill>
+                        <a:srgbClr val="69d8ad">
+                          <a:alpha val="100000"/>
+                        </a:srgbClr>
+                      </a:solidFill>
+                      <a:prstDash val="solid"/>
+                      <a:round/>
+                      <a:headEnd w="med" len="med"/>
+                      <a:tailEnd w="med" len="med"/>
+                    </a:lnB>
+                    <a:solidFill>
+                      <a:srgbClr val="ffffff">
+                        <a:alpha val="100000"/>
+                      </a:srgbClr>
+                    </a:solidFill>
+                  </a:tcPr>
+                </a:tc>
+                <a:tc>
+                  <a:txBody>
+                    <a:bodyPr vert="horz" wrap="square" lIns="91440" tIns="45720" rIns="91440" bIns="45720" anchor="t" anchorCtr="0">
+                      <a:spAutoFit/>
+                    </a:bodyPr>
+                    <a:p>
+                      <a:pPr marL="0" algn="ctr" defTabSz="914400" rtl="0" eaLnBrk="1" latinLnBrk="1" hangingPunct="1">
+                        <a:buNone/>
+                        <a:defRPr/>
+                      </a:pPr>
+                      <a:r>
+                        <a:rPr xmlns:mc="http://schemas.openxmlformats.org/markup-compatibility/2006" xmlns:hp="http://schemas.haansoft.com/office/presentation/8.0" kumimoji="0" lang="ko-KR" altLang="en-US" sz="1800" b="1" i="0" u="none" strike="noStrike" kern="1200" cap="none" normalizeH="0" baseline="0" mc:Ignorable="hp" hp:hslEmbossed="0">
+                          <a:ln w="9525">
+                            <a:solidFill>
+                              <a:srgbClr val="ffffff"/>
+                            </a:solidFill>
+                          </a:ln>
+                          <a:solidFill>
+                            <a:srgbClr val="000000"/>
+                          </a:solidFill>
+                          <a:latin typeface="Calibri"/>
+                          <a:ea typeface="맑은 고딕"/>
+                          <a:cs typeface="맑은 고딕"/>
+                        </a:rPr>
+                        <a:t>상품</a:t>
+                      </a:r>
+                      <a:endParaRPr xmlns:mc="http://schemas.openxmlformats.org/markup-compatibility/2006" xmlns:hp="http://schemas.haansoft.com/office/presentation/8.0" kumimoji="0" lang="ko-KR" altLang="en-US" sz="1800" b="1" i="0" u="none" strike="noStrike" kern="1200" cap="none" normalizeH="0" baseline="0" mc:Ignorable="hp" hp:hslEmbossed="0">
+                        <a:ln w="9525">
+                          <a:solidFill>
+                            <a:srgbClr val="ffffff"/>
+                          </a:solidFill>
+                        </a:ln>
+                        <a:solidFill>
+                          <a:srgbClr val="000000"/>
+                        </a:solidFill>
+                        <a:latin typeface="Calibri"/>
+                        <a:ea typeface="맑은 고딕"/>
+                        <a:cs typeface="맑은 고딕"/>
+                      </a:endParaRPr>
+                    </a:p>
+                  </a:txBody>
+                  <a:tcPr marL="91440" marR="91440">
+                    <a:lnL w="25400" cap="flat" cmpd="sng" algn="ctr">
+                      <a:solidFill>
+                        <a:srgbClr val="69d8ad">
+                          <a:alpha val="100000"/>
+                        </a:srgbClr>
+                      </a:solidFill>
+                      <a:prstDash val="solid"/>
+                      <a:round/>
+                      <a:headEnd w="med" len="med"/>
+                      <a:tailEnd w="med" len="med"/>
+                    </a:lnL>
+                    <a:lnR w="25400" cap="flat" cmpd="sng" algn="ctr">
+                      <a:solidFill>
+                        <a:srgbClr val="69d8ad">
+                          <a:alpha val="100000"/>
+                        </a:srgbClr>
+                      </a:solidFill>
+                      <a:prstDash val="solid"/>
+                      <a:round/>
+                      <a:headEnd w="med" len="med"/>
+                      <a:tailEnd w="med" len="med"/>
+                    </a:lnR>
+                    <a:lnT w="25400" cap="flat" cmpd="sng" algn="ctr">
+                      <a:solidFill>
+                        <a:srgbClr val="69d8ad">
+                          <a:alpha val="100000"/>
+                        </a:srgbClr>
+                      </a:solidFill>
+                      <a:prstDash val="solid"/>
+                      <a:round/>
+                      <a:headEnd w="med" len="med"/>
+                      <a:tailEnd w="med" len="med"/>
+                    </a:lnT>
+                    <a:lnB w="25400" cap="flat" cmpd="sng" algn="ctr">
+                      <a:solidFill>
+                        <a:srgbClr val="69d8ad">
+                          <a:alpha val="100000"/>
+                        </a:srgbClr>
+                      </a:solidFill>
+                      <a:prstDash val="solid"/>
+                      <a:round/>
+                      <a:headEnd w="med" len="med"/>
+                      <a:tailEnd w="med" len="med"/>
+                    </a:lnB>
+                    <a:solidFill>
+                      <a:srgbClr val="ffffff">
+                        <a:alpha val="100000"/>
+                      </a:srgbClr>
+                    </a:solidFill>
+                  </a:tcPr>
+                </a:tc>
+                <a:tc>
+                  <a:txBody>
+                    <a:bodyPr vert="horz" wrap="square" lIns="91440" tIns="45720" rIns="91440" bIns="45720" anchor="t" anchorCtr="0">
+                      <a:spAutoFit/>
+                    </a:bodyPr>
+                    <a:p>
+                      <a:pPr marL="0" algn="ctr" defTabSz="914400" rtl="0" eaLnBrk="1" latinLnBrk="1" hangingPunct="1">
+                        <a:buNone/>
+                        <a:defRPr/>
+                      </a:pPr>
+                      <a:r>
+                        <a:rPr xmlns:mc="http://schemas.openxmlformats.org/markup-compatibility/2006" xmlns:hp="http://schemas.haansoft.com/office/presentation/8.0" kumimoji="0" lang="ko-KR" altLang="en-US" sz="1800" b="1" i="0" u="none" strike="noStrike" kern="1200" cap="none" normalizeH="0" baseline="0" mc:Ignorable="hp" hp:hslEmbossed="0">
+                          <a:ln w="9525">
+                            <a:solidFill>
+                              <a:srgbClr val="ffffff"/>
+                            </a:solidFill>
+                          </a:ln>
+                          <a:solidFill>
+                            <a:srgbClr val="000000"/>
+                          </a:solidFill>
+                          <a:latin typeface="Calibri"/>
+                          <a:ea typeface="맑은 고딕"/>
+                          <a:cs typeface="맑은 고딕"/>
+                        </a:rPr>
+                        <a:t>검색</a:t>
+                      </a:r>
+                      <a:endParaRPr xmlns:mc="http://schemas.openxmlformats.org/markup-compatibility/2006" xmlns:hp="http://schemas.haansoft.com/office/presentation/8.0" kumimoji="0" lang="ko-KR" altLang="en-US" sz="1800" b="1" i="0" u="none" strike="noStrike" kern="1200" cap="none" normalizeH="0" baseline="0" mc:Ignorable="hp" hp:hslEmbossed="0">
+                        <a:ln w="9525">
+                          <a:solidFill>
+                            <a:srgbClr val="ffffff"/>
+                          </a:solidFill>
+                        </a:ln>
+                        <a:solidFill>
+                          <a:srgbClr val="000000"/>
+                        </a:solidFill>
+                        <a:latin typeface="Calibri"/>
+                        <a:ea typeface="맑은 고딕"/>
+                        <a:cs typeface="맑은 고딕"/>
+                      </a:endParaRPr>
+                    </a:p>
+                  </a:txBody>
+                  <a:tcPr marL="91440" marR="91440">
+                    <a:lnL w="25400" cap="flat" cmpd="sng" algn="ctr">
+                      <a:solidFill>
+                        <a:srgbClr val="69d8ad">
+                          <a:alpha val="100000"/>
+                        </a:srgbClr>
+                      </a:solidFill>
+                      <a:prstDash val="solid"/>
+                      <a:round/>
+                      <a:headEnd w="med" len="med"/>
+                      <a:tailEnd w="med" len="med"/>
+                    </a:lnL>
+                    <a:lnR w="25400" cap="flat" cmpd="sng" algn="ctr">
+                      <a:solidFill>
+                        <a:srgbClr val="69d8ad">
+                          <a:alpha val="100000"/>
+                        </a:srgbClr>
+                      </a:solidFill>
+                      <a:prstDash val="solid"/>
+                      <a:round/>
+                      <a:headEnd w="med" len="med"/>
+                      <a:tailEnd w="med" len="med"/>
+                    </a:lnR>
+                    <a:lnT w="25400" cap="flat" cmpd="sng" algn="ctr">
+                      <a:solidFill>
+                        <a:srgbClr val="69d8ad">
+                          <a:alpha val="100000"/>
+                        </a:srgbClr>
+                      </a:solidFill>
+                      <a:prstDash val="solid"/>
+                      <a:round/>
+                      <a:headEnd w="med" len="med"/>
+                      <a:tailEnd w="med" len="med"/>
+                    </a:lnT>
+                    <a:lnB w="25400" cap="flat" cmpd="sng" algn="ctr">
+                      <a:solidFill>
+                        <a:srgbClr val="69d8ad">
+                          <a:alpha val="100000"/>
+                        </a:srgbClr>
+                      </a:solidFill>
+                      <a:prstDash val="solid"/>
+                      <a:round/>
+                      <a:headEnd w="med" len="med"/>
+                      <a:tailEnd w="med" len="med"/>
+                    </a:lnB>
+                    <a:solidFill>
+                      <a:srgbClr val="ffffff">
+                        <a:alpha val="100000"/>
+                      </a:srgbClr>
+                    </a:solidFill>
+                  </a:tcPr>
+                </a:tc>
+                <a:tc>
+                  <a:txBody>
+                    <a:bodyPr vert="horz" wrap="square" lIns="91440" tIns="45720" rIns="91440" bIns="45720" anchor="t" anchorCtr="0">
+                      <a:spAutoFit/>
+                    </a:bodyPr>
+                    <a:p>
+                      <a:pPr marL="0" algn="ctr" defTabSz="914400" rtl="0" eaLnBrk="1" latinLnBrk="1" hangingPunct="1">
+                        <a:buNone/>
+                        <a:defRPr/>
+                      </a:pPr>
+                      <a:r>
+                        <a:rPr xmlns:mc="http://schemas.openxmlformats.org/markup-compatibility/2006" xmlns:hp="http://schemas.haansoft.com/office/presentation/8.0" kumimoji="0" lang="ko-KR" altLang="en-US" sz="1800" b="1" i="0" u="none" strike="noStrike" kern="1200" cap="none" normalizeH="0" baseline="0" mc:Ignorable="hp" hp:hslEmbossed="0">
+                          <a:ln w="9525">
+                            <a:solidFill>
+                              <a:srgbClr val="ffffff"/>
+                            </a:solidFill>
+                          </a:ln>
+                          <a:solidFill>
+                            <a:srgbClr val="000000"/>
+                          </a:solidFill>
+                          <a:latin typeface="Calibri"/>
+                          <a:ea typeface="맑은 고딕"/>
+                          <a:cs typeface="맑은 고딕"/>
+                        </a:rPr>
+                        <a:t>마이</a:t>
+                      </a:r>
+                      <a:endParaRPr xmlns:mc="http://schemas.openxmlformats.org/markup-compatibility/2006" xmlns:hp="http://schemas.haansoft.com/office/presentation/8.0" kumimoji="0" lang="ko-KR" altLang="en-US" sz="1800" b="1" i="0" u="none" strike="noStrike" kern="1200" cap="none" normalizeH="0" baseline="0" mc:Ignorable="hp" hp:hslEmbossed="0">
+                        <a:ln w="9525">
+                          <a:solidFill>
+                            <a:srgbClr val="ffffff"/>
+                          </a:solidFill>
+                        </a:ln>
+                        <a:solidFill>
+                          <a:srgbClr val="000000"/>
+                        </a:solidFill>
+                        <a:latin typeface="Calibri"/>
+                        <a:ea typeface="맑은 고딕"/>
+                        <a:cs typeface="맑은 고딕"/>
+                      </a:endParaRPr>
+                    </a:p>
+                  </a:txBody>
+                  <a:tcPr marL="91440" marR="91440">
+                    <a:lnL w="25400" cap="flat" cmpd="sng" algn="ctr">
+                      <a:solidFill>
+                        <a:srgbClr val="69d8ad">
+                          <a:alpha val="100000"/>
+                        </a:srgbClr>
+                      </a:solidFill>
+                      <a:prstDash val="solid"/>
+                      <a:round/>
+                      <a:headEnd w="med" len="med"/>
+                      <a:tailEnd w="med" len="med"/>
+                    </a:lnL>
+                    <a:lnR w="25400" cap="flat" cmpd="sng" algn="ctr">
+                      <a:solidFill>
+                        <a:srgbClr val="69d8ad">
+                          <a:alpha val="100000"/>
+                        </a:srgbClr>
+                      </a:solidFill>
+                      <a:prstDash val="solid"/>
+                      <a:round/>
+                      <a:headEnd w="med" len="med"/>
+                      <a:tailEnd w="med" len="med"/>
+                    </a:lnR>
+                    <a:lnT w="25400" cap="flat" cmpd="sng" algn="ctr">
+                      <a:solidFill>
+                        <a:srgbClr val="69d8ad">
+                          <a:alpha val="100000"/>
+                        </a:srgbClr>
+                      </a:solidFill>
+                      <a:prstDash val="solid"/>
+                      <a:round/>
+                      <a:headEnd w="med" len="med"/>
+                      <a:tailEnd w="med" len="med"/>
+                    </a:lnT>
+                    <a:lnB w="25400" cap="flat" cmpd="sng" algn="ctr">
+                      <a:solidFill>
+                        <a:srgbClr val="69d8ad">
+                          <a:alpha val="100000"/>
+                        </a:srgbClr>
+                      </a:solidFill>
+                      <a:prstDash val="solid"/>
+                      <a:round/>
+                      <a:headEnd w="med" len="med"/>
+                      <a:tailEnd w="med" len="med"/>
+                    </a:lnB>
+                    <a:solidFill>
+                      <a:srgbClr val="ffffff">
+                        <a:alpha val="100000"/>
+                      </a:srgbClr>
+                    </a:solidFill>
+                  </a:tcPr>
+                </a:tc>
+              </a:tr>
+            </a:tbl>
+          </a:graphicData>
+        </a:graphic>
+      </p:graphicFrame>
+      <p:sp>
+        <p:nvSpPr>
+          <p:cNvPr id="320" name=""/>
+          <p:cNvSpPr/>
+          <p:nvPr/>
+        </p:nvSpPr>
+        <p:spPr>
+          <a:xfrm>
+            <a:off x="4023072" y="2022749"/>
+            <a:ext cx="2896833" cy="3802701"/>
+          </a:xfrm>
+          <a:prstGeom prst="rect">
+            <a:avLst/>
+          </a:prstGeom>
+          <a:solidFill>
+            <a:srgbClr val="ffffff">
+              <a:alpha val="100000"/>
+            </a:srgbClr>
+          </a:solidFill>
+          <a:ln w="19050" cap="flat" cmpd="sng" algn="ctr">
+            <a:solidFill>
+              <a:srgbClr val="2e3e67">
+                <a:alpha val="100000"/>
+              </a:srgbClr>
+            </a:solidFill>
+            <a:prstDash val="solid"/>
+          </a:ln>
+        </p:spPr>
+        <p:txBody>
+          <a:bodyPr anchor="ctr"/>
+          <a:p>
+            <a:pPr marL="0" indent="0" algn="ctr" defTabSz="914400" rtl="0" eaLnBrk="1" latinLnBrk="1" hangingPunct="1">
+              <a:lnSpc>
+                <a:spcPct val="100000"/>
+              </a:lnSpc>
+              <a:spcBef>
+                <a:spcPct val="0"/>
+              </a:spcBef>
+              <a:spcAft>
+                <a:spcPts val="0"/>
+              </a:spcAft>
+              <a:buNone/>
+              <a:defRPr/>
+            </a:pPr>
+            <a:endParaRPr xmlns:mc="http://schemas.openxmlformats.org/markup-compatibility/2006" xmlns:hp="http://schemas.haansoft.com/office/presentation/8.0" kumimoji="0" lang="ko-KR" altLang="en-US" sz="1800" b="0" i="0" u="none" strike="noStrike" kern="1200" cap="none" spc="0" normalizeH="0" baseline="0" mc:Ignorable="hp" hp:hslEmbossed="0">
+              <a:solidFill>
+                <a:srgbClr val="ffffff"/>
+              </a:solidFill>
+              <a:latin typeface="Calibri"/>
+              <a:ea typeface="맑은 고딕"/>
+              <a:cs typeface="맑은 고딕"/>
+            </a:endParaRPr>
+          </a:p>
+        </p:txBody>
+      </p:sp>
+      <p:sp>
+        <p:nvSpPr>
+          <p:cNvPr id="321" name=""/>
+          <p:cNvSpPr/>
+          <p:nvPr/>
+        </p:nvSpPr>
+        <p:spPr>
+          <a:xfrm>
+            <a:off x="4157324" y="3305255"/>
+            <a:ext cx="2628328" cy="360045"/>
+          </a:xfrm>
+          <a:prstGeom prst="rect">
+            <a:avLst/>
+          </a:prstGeom>
+          <a:solidFill>
+            <a:srgbClr val="ffffff">
+              <a:alpha val="100000"/>
+            </a:srgbClr>
+          </a:solidFill>
+          <a:ln w="19050" cap="flat" cmpd="sng" algn="ctr">
+            <a:solidFill>
+              <a:srgbClr val="2e3e67">
+                <a:alpha val="100000"/>
+              </a:srgbClr>
+            </a:solidFill>
+            <a:prstDash val="solid"/>
+          </a:ln>
+        </p:spPr>
+        <p:txBody>
+          <a:bodyPr anchor="ctr"/>
+          <a:p>
+            <a:pPr marL="0" indent="0" algn="ctr" defTabSz="914400" rtl="0" eaLnBrk="1" latinLnBrk="1" hangingPunct="1">
+              <a:lnSpc>
+                <a:spcPct val="100000"/>
+              </a:lnSpc>
+              <a:spcBef>
+                <a:spcPct val="0"/>
+              </a:spcBef>
+              <a:spcAft>
+                <a:spcPts val="0"/>
+              </a:spcAft>
+              <a:buNone/>
+              <a:defRPr/>
+            </a:pPr>
+            <a:r>
+              <a:rPr xmlns:mc="http://schemas.openxmlformats.org/markup-compatibility/2006" xmlns:hp="http://schemas.haansoft.com/office/presentation/8.0" kumimoji="0" lang="ko-KR" altLang="en-US" sz="1100" b="0" i="0" u="none" strike="noStrike" kern="1200" cap="none" spc="0" normalizeH="0" baseline="0" mc:Ignorable="hp" hp:hslEmbossed="0">
+                <a:solidFill>
+                  <a:srgbClr val="000000"/>
+                </a:solidFill>
+                <a:latin typeface="Calibri"/>
+                <a:ea typeface="맑은 고딕"/>
+                <a:cs typeface="Calibri"/>
+              </a:rPr>
+              <a:t>우편번호 입력창</a:t>
+            </a:r>
+            <a:endParaRPr xmlns:mc="http://schemas.openxmlformats.org/markup-compatibility/2006" xmlns:hp="http://schemas.haansoft.com/office/presentation/8.0" kumimoji="0" lang="ko-KR" altLang="en-US" sz="1100" b="0" i="0" u="none" strike="noStrike" kern="1200" cap="none" spc="0" normalizeH="0" baseline="0" mc:Ignorable="hp" hp:hslEmbossed="0">
+              <a:solidFill>
+                <a:srgbClr val="000000"/>
+              </a:solidFill>
+              <a:latin typeface="Calibri"/>
+              <a:ea typeface="맑은 고딕"/>
+              <a:cs typeface="Calibri"/>
+            </a:endParaRPr>
+          </a:p>
+        </p:txBody>
+      </p:sp>
+      <p:sp>
+        <p:nvSpPr>
+          <p:cNvPr id="322" name=""/>
+          <p:cNvSpPr/>
+          <p:nvPr/>
+        </p:nvSpPr>
+        <p:spPr>
+          <a:xfrm>
+            <a:off x="4140911" y="3822382"/>
+            <a:ext cx="2628328" cy="360045"/>
+          </a:xfrm>
+          <a:prstGeom prst="rect">
+            <a:avLst/>
+          </a:prstGeom>
+          <a:solidFill>
+            <a:srgbClr val="ffffff">
+              <a:alpha val="100000"/>
+            </a:srgbClr>
+          </a:solidFill>
+          <a:ln w="19050" cap="flat" cmpd="sng" algn="ctr">
+            <a:solidFill>
+              <a:srgbClr val="2e3e67">
+                <a:alpha val="100000"/>
+              </a:srgbClr>
+            </a:solidFill>
+            <a:prstDash val="solid"/>
+          </a:ln>
+        </p:spPr>
+        <p:txBody>
+          <a:bodyPr anchor="ctr"/>
+          <a:p>
+            <a:pPr marL="0" indent="0" algn="ctr" defTabSz="914400" rtl="0" eaLnBrk="1" latinLnBrk="1" hangingPunct="1">
+              <a:lnSpc>
+                <a:spcPct val="100000"/>
+              </a:lnSpc>
+              <a:spcBef>
+                <a:spcPct val="0"/>
+              </a:spcBef>
+              <a:spcAft>
+                <a:spcPts val="0"/>
+              </a:spcAft>
+              <a:buNone/>
+              <a:defRPr/>
+            </a:pPr>
+            <a:r>
+              <a:rPr xmlns:mc="http://schemas.openxmlformats.org/markup-compatibility/2006" xmlns:hp="http://schemas.haansoft.com/office/presentation/8.0" kumimoji="0" lang="ko-KR" altLang="en-US" sz="1100" b="0" i="0" u="none" strike="noStrike" kern="1200" cap="none" spc="0" normalizeH="0" baseline="0" mc:Ignorable="hp" hp:hslEmbossed="0">
+                <a:solidFill>
+                  <a:srgbClr val="000000"/>
+                </a:solidFill>
+                <a:latin typeface="Calibri"/>
+                <a:ea typeface="맑은 고딕"/>
+                <a:cs typeface="맑은 고딕"/>
+              </a:rPr>
+              <a:t>주소 입력창</a:t>
+            </a:r>
+            <a:endParaRPr xmlns:mc="http://schemas.openxmlformats.org/markup-compatibility/2006" xmlns:hp="http://schemas.haansoft.com/office/presentation/8.0" kumimoji="0" lang="ko-KR" altLang="en-US" sz="1100" b="0" i="0" u="none" strike="noStrike" kern="1200" cap="none" spc="0" normalizeH="0" baseline="0" mc:Ignorable="hp" hp:hslEmbossed="0">
+              <a:solidFill>
+                <a:srgbClr val="000000"/>
+              </a:solidFill>
+              <a:latin typeface="Calibri"/>
+              <a:ea typeface="맑은 고딕"/>
+              <a:cs typeface="맑은 고딕"/>
+            </a:endParaRPr>
+          </a:p>
+        </p:txBody>
+      </p:sp>
+      <p:sp>
+        <p:nvSpPr>
+          <p:cNvPr id="323" name=""/>
+          <p:cNvSpPr/>
+          <p:nvPr/>
+        </p:nvSpPr>
+        <p:spPr>
+          <a:xfrm>
+            <a:off x="4150436" y="4358501"/>
+            <a:ext cx="2628328" cy="360045"/>
+          </a:xfrm>
+          <a:prstGeom prst="rect">
+            <a:avLst/>
+          </a:prstGeom>
+          <a:solidFill>
+            <a:srgbClr val="ffffff">
+              <a:alpha val="100000"/>
+            </a:srgbClr>
+          </a:solidFill>
+          <a:ln w="19050" cap="flat" cmpd="sng" algn="ctr">
+            <a:solidFill>
+              <a:srgbClr val="2e3e67">
+                <a:alpha val="100000"/>
+              </a:srgbClr>
+            </a:solidFill>
+            <a:prstDash val="solid"/>
+          </a:ln>
+        </p:spPr>
+        <p:txBody>
+          <a:bodyPr anchor="ctr"/>
+          <a:p>
+            <a:pPr marL="0" indent="0" algn="ctr" defTabSz="914400" rtl="0" eaLnBrk="1" latinLnBrk="1" hangingPunct="1">
+              <a:lnSpc>
+                <a:spcPct val="100000"/>
+              </a:lnSpc>
+              <a:spcBef>
+                <a:spcPct val="0"/>
+              </a:spcBef>
+              <a:spcAft>
+                <a:spcPts val="0"/>
+              </a:spcAft>
+              <a:buNone/>
+              <a:defRPr/>
+            </a:pPr>
+            <a:r>
+              <a:rPr xmlns:mc="http://schemas.openxmlformats.org/markup-compatibility/2006" xmlns:hp="http://schemas.haansoft.com/office/presentation/8.0" kumimoji="0" lang="ko-KR" altLang="en-US" sz="1100" b="0" i="0" u="none" strike="noStrike" kern="1200" cap="none" spc="0" normalizeH="0" baseline="0" mc:Ignorable="hp" hp:hslEmbossed="0">
+                <a:solidFill>
+                  <a:srgbClr val="000000"/>
+                </a:solidFill>
+                <a:latin typeface="Calibri"/>
+                <a:ea typeface="맑은 고딕"/>
+                <a:cs typeface="맑은 고딕"/>
+              </a:rPr>
+              <a:t>상세주소 입력창</a:t>
+            </a:r>
+            <a:endParaRPr xmlns:mc="http://schemas.openxmlformats.org/markup-compatibility/2006" xmlns:hp="http://schemas.haansoft.com/office/presentation/8.0" kumimoji="0" lang="ko-KR" altLang="en-US" sz="1100" b="0" i="0" u="none" strike="noStrike" kern="1200" cap="none" spc="0" normalizeH="0" baseline="0" mc:Ignorable="hp" hp:hslEmbossed="0">
+              <a:solidFill>
+                <a:srgbClr val="000000"/>
+              </a:solidFill>
+              <a:latin typeface="Calibri"/>
+              <a:ea typeface="맑은 고딕"/>
+              <a:cs typeface="맑은 고딕"/>
+            </a:endParaRPr>
+          </a:p>
+        </p:txBody>
+      </p:sp>
+      <p:sp>
+        <p:nvSpPr>
+          <p:cNvPr id="324" name=""/>
+          <p:cNvSpPr/>
+          <p:nvPr/>
+        </p:nvSpPr>
+        <p:spPr>
+          <a:xfrm>
+            <a:off x="4298700" y="2197843"/>
+            <a:ext cx="2304288" cy="293856"/>
+          </a:xfrm>
+          <a:prstGeom prst="rect">
+            <a:avLst/>
+          </a:prstGeom>
+          <a:solidFill>
+            <a:srgbClr val="ffffff">
+              <a:alpha val="100000"/>
+            </a:srgbClr>
+          </a:solidFill>
+          <a:ln w="19050" cap="flat" cmpd="sng" algn="ctr">
+            <a:solidFill>
+              <a:srgbClr val="2e3e67">
+                <a:alpha val="100000"/>
+              </a:srgbClr>
+            </a:solidFill>
+            <a:prstDash val="solid"/>
+          </a:ln>
+        </p:spPr>
+        <p:txBody>
+          <a:bodyPr anchor="ctr"/>
+          <a:p>
+            <a:pPr marL="0" indent="0" algn="ctr" defTabSz="914400" rtl="0" eaLnBrk="1" latinLnBrk="1" hangingPunct="1">
+              <a:lnSpc>
+                <a:spcPct val="100000"/>
+              </a:lnSpc>
+              <a:spcBef>
+                <a:spcPct val="0"/>
+              </a:spcBef>
+              <a:spcAft>
+                <a:spcPts val="0"/>
+              </a:spcAft>
+              <a:buNone/>
+              <a:defRPr/>
+            </a:pPr>
+            <a:r>
+              <a:rPr xmlns:mc="http://schemas.openxmlformats.org/markup-compatibility/2006" xmlns:hp="http://schemas.haansoft.com/office/presentation/8.0" kumimoji="0" lang="ko-KR" altLang="en-US" sz="1100" b="0" i="0" u="none" strike="noStrike" kern="1200" cap="none" spc="0" normalizeH="0" baseline="0" mc:Ignorable="hp" hp:hslEmbossed="0">
+                <a:solidFill>
+                  <a:srgbClr val="000000"/>
+                </a:solidFill>
+                <a:latin typeface="Calibri"/>
+                <a:ea typeface="맑은 고딕"/>
+                <a:cs typeface="맑은 고딕"/>
+              </a:rPr>
+              <a:t>주소 검색</a:t>
+            </a:r>
+            <a:endParaRPr xmlns:mc="http://schemas.openxmlformats.org/markup-compatibility/2006" xmlns:hp="http://schemas.haansoft.com/office/presentation/8.0" kumimoji="0" lang="ko-KR" altLang="en-US" sz="1100" b="0" i="0" u="none" strike="noStrike" kern="1200" cap="none" spc="0" normalizeH="0" baseline="0" mc:Ignorable="hp" hp:hslEmbossed="0">
+              <a:solidFill>
+                <a:srgbClr val="000000"/>
+              </a:solidFill>
+              <a:latin typeface="Calibri"/>
+              <a:ea typeface="맑은 고딕"/>
+              <a:cs typeface="맑은 고딕"/>
+            </a:endParaRPr>
+          </a:p>
+        </p:txBody>
+      </p:sp>
+      <p:sp>
+        <p:nvSpPr>
+          <p:cNvPr id="325" name=""/>
+          <p:cNvSpPr/>
+          <p:nvPr/>
+        </p:nvSpPr>
+        <p:spPr>
+          <a:xfrm>
+            <a:off x="4307323" y="5340719"/>
+            <a:ext cx="2350850" cy="293856"/>
+          </a:xfrm>
+          <a:prstGeom prst="rect">
+            <a:avLst/>
+          </a:prstGeom>
+          <a:solidFill>
+            <a:srgbClr val="ffffff">
+              <a:alpha val="100000"/>
+            </a:srgbClr>
+          </a:solidFill>
+          <a:ln w="19050" cap="flat" cmpd="sng" algn="ctr">
+            <a:solidFill>
+              <a:srgbClr val="2e3e67">
+                <a:alpha val="100000"/>
+              </a:srgbClr>
+            </a:solidFill>
+            <a:prstDash val="solid"/>
+          </a:ln>
+        </p:spPr>
+        <p:txBody>
+          <a:bodyPr anchor="ctr"/>
+          <a:p>
+            <a:pPr marL="0" indent="0" algn="ctr" defTabSz="914400" rtl="0" eaLnBrk="1" latinLnBrk="1" hangingPunct="1">
+              <a:lnSpc>
+                <a:spcPct val="100000"/>
+              </a:lnSpc>
+              <a:spcBef>
+                <a:spcPct val="0"/>
+              </a:spcBef>
+              <a:spcAft>
+                <a:spcPts val="0"/>
+              </a:spcAft>
+              <a:buNone/>
+              <a:defRPr/>
+            </a:pPr>
+            <a:r>
+              <a:rPr xmlns:mc="http://schemas.openxmlformats.org/markup-compatibility/2006" xmlns:hp="http://schemas.haansoft.com/office/presentation/8.0" kumimoji="0" lang="ko-KR" altLang="en-US" sz="1100" b="0" i="0" u="none" strike="noStrike" kern="1200" cap="none" spc="0" normalizeH="0" baseline="0" mc:Ignorable="hp" hp:hslEmbossed="0">
+                <a:solidFill>
+                  <a:srgbClr val="000000"/>
+                </a:solidFill>
+                <a:latin typeface="Calibri"/>
+                <a:ea typeface="맑은 고딕"/>
+                <a:cs typeface="맑은 고딕"/>
+              </a:rPr>
+              <a:t>추가</a:t>
+            </a:r>
+            <a:endParaRPr xmlns:mc="http://schemas.openxmlformats.org/markup-compatibility/2006" xmlns:hp="http://schemas.haansoft.com/office/presentation/8.0" kumimoji="0" lang="ko-KR" altLang="en-US" sz="1100" b="0" i="0" u="none" strike="noStrike" kern="1200" cap="none" spc="0" normalizeH="0" baseline="0" mc:Ignorable="hp" hp:hslEmbossed="0">
+              <a:solidFill>
+                <a:srgbClr val="000000"/>
+              </a:solidFill>
+              <a:latin typeface="Calibri"/>
+              <a:ea typeface="맑은 고딕"/>
+              <a:cs typeface="맑은 고딕"/>
+            </a:endParaRPr>
+          </a:p>
+        </p:txBody>
+      </p:sp>
+      <p:sp>
+        <p:nvSpPr>
+          <p:cNvPr id="326" name=""/>
+          <p:cNvSpPr/>
+          <p:nvPr/>
+        </p:nvSpPr>
+        <p:spPr>
+          <a:xfrm>
+            <a:off x="3204456" y="2588431"/>
+            <a:ext cx="206310" cy="210639"/>
+          </a:xfrm>
+          <a:prstGeom prst="rect">
+            <a:avLst/>
+          </a:prstGeom>
+          <a:solidFill>
+            <a:srgbClr val="6182d6">
+              <a:alpha val="100000"/>
+            </a:srgbClr>
+          </a:solidFill>
+          <a:ln w="19050" cap="flat" cmpd="sng" algn="ctr">
+            <a:solidFill>
+              <a:srgbClr val="2e3e67">
+                <a:alpha val="100000"/>
+              </a:srgbClr>
+            </a:solidFill>
+            <a:prstDash val="solid"/>
+          </a:ln>
+        </p:spPr>
+        <p:txBody>
+          <a:bodyPr anchor="ctr"/>
+          <a:p>
+            <a:pPr marL="0" indent="0" algn="ctr" defTabSz="914400" rtl="0" eaLnBrk="1" latinLnBrk="1" hangingPunct="1">
+              <a:lnSpc>
+                <a:spcPct val="100000"/>
+              </a:lnSpc>
+              <a:spcBef>
+                <a:spcPct val="0"/>
+              </a:spcBef>
+              <a:spcAft>
+                <a:spcPts val="0"/>
+              </a:spcAft>
+              <a:buNone/>
+              <a:defRPr/>
+            </a:pPr>
+            <a:r>
+              <a:rPr xmlns:mc="http://schemas.openxmlformats.org/markup-compatibility/2006" xmlns:hp="http://schemas.haansoft.com/office/presentation/8.0" kumimoji="0" lang="en-US" altLang="ko-KR" sz="1800" b="0" i="0" u="none" strike="noStrike" kern="1200" cap="none" spc="0" normalizeH="0" baseline="0" mc:Ignorable="hp" hp:hslEmbossed="0">
+                <a:solidFill>
+                  <a:srgbClr val="ffffff"/>
+                </a:solidFill>
+                <a:latin typeface="Calibri"/>
+                <a:ea typeface="맑은 고딕"/>
+                <a:cs typeface="Calibri"/>
+              </a:rPr>
+              <a:t>x</a:t>
+            </a:r>
+            <a:endParaRPr xmlns:mc="http://schemas.openxmlformats.org/markup-compatibility/2006" xmlns:hp="http://schemas.haansoft.com/office/presentation/8.0" kumimoji="0" lang="en-US" altLang="ko-KR" sz="1800" b="0" i="0" u="none" strike="noStrike" kern="1200" cap="none" spc="0" normalizeH="0" baseline="0" mc:Ignorable="hp" hp:hslEmbossed="0">
+              <a:solidFill>
+                <a:srgbClr val="ffffff"/>
+              </a:solidFill>
+              <a:latin typeface="Calibri"/>
+              <a:ea typeface="맑은 고딕"/>
+              <a:cs typeface="Calibri"/>
+            </a:endParaRPr>
+          </a:p>
+        </p:txBody>
+      </p:sp>
+      <p:sp>
+        <p:nvSpPr>
+          <p:cNvPr id="328" name=""/>
+          <p:cNvSpPr/>
+          <p:nvPr/>
+        </p:nvSpPr>
+        <p:spPr>
+          <a:xfrm>
+            <a:off x="3204456" y="3210877"/>
+            <a:ext cx="206310" cy="210639"/>
+          </a:xfrm>
+          <a:prstGeom prst="rect">
+            <a:avLst/>
+          </a:prstGeom>
+          <a:solidFill>
+            <a:srgbClr val="6182d6">
+              <a:alpha val="100000"/>
+            </a:srgbClr>
+          </a:solidFill>
+          <a:ln w="19050" cap="flat" cmpd="sng" algn="ctr">
+            <a:solidFill>
+              <a:srgbClr val="2e3e67">
+                <a:alpha val="100000"/>
+              </a:srgbClr>
+            </a:solidFill>
+            <a:prstDash val="solid"/>
+          </a:ln>
+        </p:spPr>
+        <p:txBody>
+          <a:bodyPr anchor="ctr"/>
+          <a:p>
+            <a:pPr marL="0" indent="0" algn="ctr" defTabSz="914400" rtl="0" eaLnBrk="1" latinLnBrk="1" hangingPunct="1">
+              <a:lnSpc>
+                <a:spcPct val="100000"/>
+              </a:lnSpc>
+              <a:spcBef>
+                <a:spcPct val="0"/>
+              </a:spcBef>
+              <a:spcAft>
+                <a:spcPts val="0"/>
+              </a:spcAft>
+              <a:buNone/>
+              <a:defRPr/>
+            </a:pPr>
+            <a:r>
+              <a:rPr xmlns:mc="http://schemas.openxmlformats.org/markup-compatibility/2006" xmlns:hp="http://schemas.haansoft.com/office/presentation/8.0" kumimoji="0" lang="en-US" altLang="ko-KR" sz="1800" b="0" i="0" u="none" strike="noStrike" kern="1200" cap="none" spc="0" normalizeH="0" baseline="0" mc:Ignorable="hp" hp:hslEmbossed="0">
+                <a:solidFill>
+                  <a:srgbClr val="ffffff"/>
+                </a:solidFill>
+                <a:latin typeface="Calibri"/>
+                <a:ea typeface="맑은 고딕"/>
+                <a:cs typeface="Calibri"/>
+              </a:rPr>
+              <a:t>x</a:t>
+            </a:r>
+            <a:endParaRPr xmlns:mc="http://schemas.openxmlformats.org/markup-compatibility/2006" xmlns:hp="http://schemas.haansoft.com/office/presentation/8.0" kumimoji="0" lang="en-US" altLang="ko-KR" sz="1800" b="0" i="0" u="none" strike="noStrike" kern="1200" cap="none" spc="0" normalizeH="0" baseline="0" mc:Ignorable="hp" hp:hslEmbossed="0">
+              <a:solidFill>
+                <a:srgbClr val="ffffff"/>
+              </a:solidFill>
+              <a:latin typeface="Calibri"/>
+              <a:ea typeface="맑은 고딕"/>
+              <a:cs typeface="Calibri"/>
+            </a:endParaRPr>
+          </a:p>
+        </p:txBody>
+      </p:sp>
+      <p:sp>
+        <p:nvSpPr>
+          <p:cNvPr id="330" name=""/>
+          <p:cNvSpPr/>
+          <p:nvPr/>
+        </p:nvSpPr>
+        <p:spPr>
+          <a:xfrm>
+            <a:off x="3193862" y="3822382"/>
+            <a:ext cx="206310" cy="210639"/>
+          </a:xfrm>
+          <a:prstGeom prst="rect">
+            <a:avLst/>
+          </a:prstGeom>
+          <a:solidFill>
+            <a:srgbClr val="6182d6">
+              <a:alpha val="100000"/>
+            </a:srgbClr>
+          </a:solidFill>
+          <a:ln w="19050" cap="flat" cmpd="sng" algn="ctr">
+            <a:solidFill>
+              <a:srgbClr val="2e3e67">
+                <a:alpha val="100000"/>
+              </a:srgbClr>
+            </a:solidFill>
+            <a:prstDash val="solid"/>
+          </a:ln>
+        </p:spPr>
+        <p:txBody>
+          <a:bodyPr anchor="ctr"/>
+          <a:p>
+            <a:pPr marL="0" indent="0" algn="ctr" defTabSz="914400" rtl="0" eaLnBrk="1" latinLnBrk="1" hangingPunct="1">
+              <a:lnSpc>
+                <a:spcPct val="100000"/>
+              </a:lnSpc>
+              <a:spcBef>
+                <a:spcPct val="0"/>
+              </a:spcBef>
+              <a:spcAft>
+                <a:spcPts val="0"/>
+              </a:spcAft>
+              <a:buNone/>
+              <a:defRPr/>
+            </a:pPr>
+            <a:r>
+              <a:rPr xmlns:mc="http://schemas.openxmlformats.org/markup-compatibility/2006" xmlns:hp="http://schemas.haansoft.com/office/presentation/8.0" kumimoji="0" lang="en-US" altLang="ko-KR" sz="1800" b="0" i="0" u="none" strike="noStrike" kern="1200" cap="none" spc="0" normalizeH="0" baseline="0" mc:Ignorable="hp" hp:hslEmbossed="0">
+                <a:solidFill>
+                  <a:srgbClr val="ffffff"/>
+                </a:solidFill>
+                <a:latin typeface="Calibri"/>
+                <a:ea typeface="맑은 고딕"/>
+                <a:cs typeface="Calibri"/>
+              </a:rPr>
+              <a:t>x</a:t>
+            </a:r>
+            <a:endParaRPr xmlns:mc="http://schemas.openxmlformats.org/markup-compatibility/2006" xmlns:hp="http://schemas.haansoft.com/office/presentation/8.0" kumimoji="0" lang="en-US" altLang="ko-KR" sz="1800" b="0" i="0" u="none" strike="noStrike" kern="1200" cap="none" spc="0" normalizeH="0" baseline="0" mc:Ignorable="hp" hp:hslEmbossed="0">
+              <a:solidFill>
+                <a:srgbClr val="ffffff"/>
+              </a:solidFill>
+              <a:latin typeface="Calibri"/>
+              <a:ea typeface="맑은 고딕"/>
+              <a:cs typeface="Calibri"/>
+            </a:endParaRPr>
+          </a:p>
+        </p:txBody>
+      </p:sp>
+      <p:sp>
+        <p:nvSpPr>
+          <p:cNvPr id="332" name="타원 83"/>
+          <p:cNvSpPr/>
+          <p:nvPr/>
+        </p:nvSpPr>
+        <p:spPr>
+          <a:xfrm>
+            <a:off x="3339328" y="2516993"/>
+            <a:ext cx="142876" cy="142876"/>
+          </a:xfrm>
+          <a:prstGeom prst="ellipse">
+            <a:avLst/>
+          </a:prstGeom>
+          <a:solidFill>
+            <a:srgbClr val="fce700">
+              <a:alpha val="100000"/>
+            </a:srgbClr>
+          </a:solidFill>
+          <a:ln w="19050" cap="flat" cmpd="sng" algn="ctr">
+            <a:noFill/>
+            <a:prstDash val="solid"/>
+          </a:ln>
+        </p:spPr>
+        <p:txBody>
+          <a:bodyPr lIns="0" tIns="0" rIns="0" bIns="0" anchor="ctr"/>
+          <a:p>
+            <a:pPr marL="0" indent="0" algn="ctr" defTabSz="914400" rtl="0" eaLnBrk="1" latinLnBrk="1" hangingPunct="1">
+              <a:lnSpc>
+                <a:spcPct val="100000"/>
+              </a:lnSpc>
+              <a:spcBef>
+                <a:spcPct val="0"/>
+              </a:spcBef>
+              <a:spcAft>
+                <a:spcPts val="0"/>
+              </a:spcAft>
+              <a:buNone/>
+              <a:defRPr/>
+            </a:pPr>
+            <a:r>
+              <a:rPr xmlns:mc="http://schemas.openxmlformats.org/markup-compatibility/2006" xmlns:hp="http://schemas.haansoft.com/office/presentation/8.0" kumimoji="0" lang="en-US" altLang="ko-KR" sz="900" b="1" i="0" u="none" strike="noStrike" kern="1200" cap="none" spc="0" normalizeH="0" baseline="0" mc:Ignorable="hp" hp:hslEmbossed="0">
+                <a:solidFill>
+                  <a:srgbClr val="663300"/>
+                </a:solidFill>
+                <a:latin typeface="Calibri"/>
+                <a:ea typeface="맑은 고딕"/>
+                <a:cs typeface="Calibri"/>
+              </a:rPr>
+              <a:t>1</a:t>
+            </a:r>
+            <a:endParaRPr xmlns:mc="http://schemas.openxmlformats.org/markup-compatibility/2006" xmlns:hp="http://schemas.haansoft.com/office/presentation/8.0" kumimoji="0" lang="en-US" altLang="ko-KR" sz="900" b="1" i="0" u="none" strike="noStrike" kern="1200" cap="none" spc="0" normalizeH="0" baseline="0" mc:Ignorable="hp" hp:hslEmbossed="0">
+              <a:solidFill>
+                <a:srgbClr val="663300"/>
+              </a:solidFill>
+              <a:latin typeface="Calibri"/>
+              <a:ea typeface="맑은 고딕"/>
+              <a:cs typeface="Calibri"/>
+            </a:endParaRPr>
+          </a:p>
+        </p:txBody>
+      </p:sp>
+      <p:sp>
+        <p:nvSpPr>
+          <p:cNvPr id="333" name="타원 83"/>
+          <p:cNvSpPr/>
+          <p:nvPr/>
+        </p:nvSpPr>
+        <p:spPr>
+          <a:xfrm>
+            <a:off x="3050986" y="5269280"/>
+            <a:ext cx="142876" cy="142876"/>
+          </a:xfrm>
+          <a:prstGeom prst="ellipse">
+            <a:avLst/>
+          </a:prstGeom>
+          <a:solidFill>
+            <a:srgbClr val="fce700">
+              <a:alpha val="100000"/>
+            </a:srgbClr>
+          </a:solidFill>
+          <a:ln w="19050" cap="flat" cmpd="sng" algn="ctr">
+            <a:noFill/>
+            <a:prstDash val="solid"/>
+          </a:ln>
+        </p:spPr>
+        <p:txBody>
+          <a:bodyPr lIns="0" tIns="0" rIns="0" bIns="0" anchor="ctr"/>
+          <a:p>
+            <a:pPr marL="0" indent="0" algn="ctr" defTabSz="914400" rtl="0" eaLnBrk="1" latinLnBrk="1" hangingPunct="1">
+              <a:lnSpc>
+                <a:spcPct val="100000"/>
+              </a:lnSpc>
+              <a:spcBef>
+                <a:spcPct val="0"/>
+              </a:spcBef>
+              <a:spcAft>
+                <a:spcPts val="0"/>
+              </a:spcAft>
+              <a:buNone/>
+              <a:defRPr/>
+            </a:pPr>
+            <a:r>
+              <a:rPr xmlns:mc="http://schemas.openxmlformats.org/markup-compatibility/2006" xmlns:hp="http://schemas.haansoft.com/office/presentation/8.0" kumimoji="0" lang="en-US" altLang="ko-KR" sz="900" b="1" i="0" u="none" strike="noStrike" kern="1200" cap="none" spc="0" normalizeH="0" baseline="0" mc:Ignorable="hp" hp:hslEmbossed="0">
+                <a:solidFill>
+                  <a:srgbClr val="663300"/>
+                </a:solidFill>
+                <a:latin typeface="Calibri"/>
+                <a:ea typeface="맑은 고딕"/>
+                <a:cs typeface="Calibri"/>
+              </a:rPr>
+              <a:t>2</a:t>
+            </a:r>
+            <a:endParaRPr xmlns:mc="http://schemas.openxmlformats.org/markup-compatibility/2006" xmlns:hp="http://schemas.haansoft.com/office/presentation/8.0" kumimoji="0" lang="en-US" altLang="ko-KR" sz="900" b="1" i="0" u="none" strike="noStrike" kern="1200" cap="none" spc="0" normalizeH="0" baseline="0" mc:Ignorable="hp" hp:hslEmbossed="0">
+              <a:solidFill>
+                <a:srgbClr val="663300"/>
+              </a:solidFill>
+              <a:latin typeface="Calibri"/>
+              <a:ea typeface="맑은 고딕"/>
+              <a:cs typeface="Calibri"/>
+            </a:endParaRPr>
+          </a:p>
+        </p:txBody>
+      </p:sp>
+      <p:sp>
+        <p:nvSpPr>
+          <p:cNvPr id="334" name="타원 83"/>
+          <p:cNvSpPr/>
+          <p:nvPr/>
+        </p:nvSpPr>
+        <p:spPr>
+          <a:xfrm>
+            <a:off x="6531550" y="5269281"/>
+            <a:ext cx="142876" cy="142876"/>
+          </a:xfrm>
+          <a:prstGeom prst="ellipse">
+            <a:avLst/>
+          </a:prstGeom>
+          <a:solidFill>
+            <a:srgbClr val="fce700">
+              <a:alpha val="100000"/>
+            </a:srgbClr>
+          </a:solidFill>
+          <a:ln w="19050" cap="flat" cmpd="sng" algn="ctr">
+            <a:noFill/>
+            <a:prstDash val="solid"/>
+          </a:ln>
+        </p:spPr>
+        <p:txBody>
+          <a:bodyPr lIns="0" tIns="0" rIns="0" bIns="0" anchor="ctr"/>
+          <a:p>
+            <a:pPr marL="0" indent="0" algn="ctr" defTabSz="914400" rtl="0" eaLnBrk="1" latinLnBrk="1" hangingPunct="1">
+              <a:lnSpc>
+                <a:spcPct val="100000"/>
+              </a:lnSpc>
+              <a:spcBef>
+                <a:spcPct val="0"/>
+              </a:spcBef>
+              <a:spcAft>
+                <a:spcPts val="0"/>
+              </a:spcAft>
+              <a:buNone/>
+              <a:defRPr/>
+            </a:pPr>
+            <a:r>
+              <a:rPr xmlns:mc="http://schemas.openxmlformats.org/markup-compatibility/2006" xmlns:hp="http://schemas.haansoft.com/office/presentation/8.0" kumimoji="0" lang="en-US" altLang="ko-KR" sz="900" b="1" i="0" u="none" strike="noStrike" kern="1200" cap="none" spc="0" normalizeH="0" baseline="0" mc:Ignorable="hp" hp:hslEmbossed="0">
+                <a:solidFill>
+                  <a:srgbClr val="663300"/>
+                </a:solidFill>
+                <a:latin typeface="Calibri"/>
+                <a:ea typeface="맑은 고딕"/>
+                <a:cs typeface="Calibri"/>
+              </a:rPr>
+              <a:t>4</a:t>
+            </a:r>
+            <a:endParaRPr xmlns:mc="http://schemas.openxmlformats.org/markup-compatibility/2006" xmlns:hp="http://schemas.haansoft.com/office/presentation/8.0" kumimoji="0" lang="en-US" altLang="ko-KR" sz="900" b="1" i="0" u="none" strike="noStrike" kern="1200" cap="none" spc="0" normalizeH="0" baseline="0" mc:Ignorable="hp" hp:hslEmbossed="0">
+              <a:solidFill>
+                <a:srgbClr val="663300"/>
+              </a:solidFill>
+              <a:latin typeface="Calibri"/>
+              <a:ea typeface="맑은 고딕"/>
+              <a:cs typeface="Calibri"/>
+            </a:endParaRPr>
+          </a:p>
+        </p:txBody>
+      </p:sp>
+      <p:sp>
+        <p:nvSpPr>
+          <p:cNvPr id="336" name=""/>
+          <p:cNvSpPr/>
+          <p:nvPr/>
+        </p:nvSpPr>
+        <p:spPr>
+          <a:xfrm>
+            <a:off x="4157324" y="2729755"/>
+            <a:ext cx="2628328" cy="360045"/>
+          </a:xfrm>
+          <a:prstGeom prst="rect">
+            <a:avLst/>
+          </a:prstGeom>
+          <a:solidFill>
+            <a:srgbClr val="ffffff">
+              <a:alpha val="100000"/>
+            </a:srgbClr>
+          </a:solidFill>
+          <a:ln w="19050" cap="flat" cmpd="sng" algn="ctr">
+            <a:solidFill>
+              <a:srgbClr val="2e3e67">
+                <a:alpha val="100000"/>
+              </a:srgbClr>
+            </a:solidFill>
+            <a:prstDash val="solid"/>
+          </a:ln>
+        </p:spPr>
+        <p:txBody>
+          <a:bodyPr anchor="ctr"/>
+          <a:p>
+            <a:pPr marL="0" indent="0" algn="ctr" defTabSz="914400" rtl="0" eaLnBrk="1" latinLnBrk="1" hangingPunct="1">
+              <a:lnSpc>
+                <a:spcPct val="100000"/>
+              </a:lnSpc>
+              <a:spcBef>
+                <a:spcPct val="0"/>
+              </a:spcBef>
+              <a:spcAft>
+                <a:spcPts val="0"/>
+              </a:spcAft>
+              <a:buNone/>
+              <a:defRPr/>
+            </a:pPr>
+            <a:r>
+              <a:rPr xmlns:mc="http://schemas.openxmlformats.org/markup-compatibility/2006" xmlns:hp="http://schemas.haansoft.com/office/presentation/8.0" kumimoji="0" lang="ko-KR" altLang="en-US" sz="1100" b="0" i="0" u="none" strike="noStrike" kern="1200" cap="none" spc="0" normalizeH="0" baseline="0" mc:Ignorable="hp" hp:hslEmbossed="0">
+                <a:solidFill>
+                  <a:srgbClr val="000000"/>
+                </a:solidFill>
+                <a:latin typeface="Calibri"/>
+                <a:ea typeface="맑은 고딕"/>
+                <a:cs typeface="Calibri"/>
+              </a:rPr>
+              <a:t>배송지 별명 입력창</a:t>
+            </a:r>
+            <a:endParaRPr xmlns:mc="http://schemas.openxmlformats.org/markup-compatibility/2006" xmlns:hp="http://schemas.haansoft.com/office/presentation/8.0" kumimoji="0" lang="ko-KR" altLang="en-US" sz="1100" b="0" i="0" u="none" strike="noStrike" kern="1200" cap="none" spc="0" normalizeH="0" baseline="0" mc:Ignorable="hp" hp:hslEmbossed="0">
+              <a:solidFill>
+                <a:srgbClr val="000000"/>
+              </a:solidFill>
+              <a:latin typeface="Calibri"/>
+              <a:ea typeface="맑은 고딕"/>
+              <a:cs typeface="Calibri"/>
+            </a:endParaRPr>
+          </a:p>
+        </p:txBody>
+      </p:sp>
+      <p:sp>
+        <p:nvSpPr>
+          <p:cNvPr id="337" name="타원 83"/>
+          <p:cNvSpPr/>
+          <p:nvPr/>
+        </p:nvSpPr>
+        <p:spPr>
+          <a:xfrm>
+            <a:off x="6531550" y="2135929"/>
+            <a:ext cx="142876" cy="142876"/>
+          </a:xfrm>
+          <a:prstGeom prst="ellipse">
+            <a:avLst/>
+          </a:prstGeom>
+          <a:solidFill>
+            <a:srgbClr val="fce700">
+              <a:alpha val="100000"/>
+            </a:srgbClr>
+          </a:solidFill>
+          <a:ln w="19050" cap="flat" cmpd="sng" algn="ctr">
+            <a:noFill/>
+            <a:prstDash val="solid"/>
+          </a:ln>
+        </p:spPr>
+        <p:txBody>
+          <a:bodyPr lIns="0" tIns="0" rIns="0" bIns="0" anchor="ctr"/>
+          <a:p>
+            <a:pPr marL="0" indent="0" algn="ctr" defTabSz="914400" rtl="0" eaLnBrk="1" latinLnBrk="1" hangingPunct="1">
+              <a:lnSpc>
+                <a:spcPct val="100000"/>
+              </a:lnSpc>
+              <a:spcBef>
+                <a:spcPct val="0"/>
+              </a:spcBef>
+              <a:spcAft>
+                <a:spcPts val="0"/>
+              </a:spcAft>
+              <a:buNone/>
+              <a:defRPr/>
+            </a:pPr>
+            <a:r>
+              <a:rPr xmlns:mc="http://schemas.openxmlformats.org/markup-compatibility/2006" xmlns:hp="http://schemas.haansoft.com/office/presentation/8.0" kumimoji="0" lang="en-US" altLang="ko-KR" sz="900" b="1" i="0" u="none" strike="noStrike" kern="1200" cap="none" spc="0" normalizeH="0" baseline="0" mc:Ignorable="hp" hp:hslEmbossed="0">
+                <a:solidFill>
+                  <a:srgbClr val="663300"/>
+                </a:solidFill>
+                <a:latin typeface="Calibri"/>
+                <a:ea typeface="맑은 고딕"/>
+                <a:cs typeface="Calibri"/>
+              </a:rPr>
+              <a:t>3</a:t>
+            </a:r>
+            <a:endParaRPr xmlns:mc="http://schemas.openxmlformats.org/markup-compatibility/2006" xmlns:hp="http://schemas.haansoft.com/office/presentation/8.0" kumimoji="0" lang="en-US" altLang="ko-KR" sz="900" b="1" i="0" u="none" strike="noStrike" kern="1200" cap="none" spc="0" normalizeH="0" baseline="0" mc:Ignorable="hp" hp:hslEmbossed="0">
+              <a:solidFill>
+                <a:srgbClr val="663300"/>
+              </a:solidFill>
+              <a:latin typeface="Calibri"/>
+              <a:ea typeface="맑은 고딕"/>
+              <a:cs typeface="Calibri"/>
+            </a:endParaRPr>
+          </a:p>
+        </p:txBody>
+      </p:sp>
+    </p:spTree>
+  </p:cSld>
+  <p:clrMapOvr>
+    <a:masterClrMapping/>
+  </p:clrMapOvr>
+  <mc:AlternateContent xmlns:mc="http://schemas.openxmlformats.org/markup-compatibility/2006">
+    <mc:Choice xmlns:p14="http://schemas.microsoft.com/office/powerpoint/2010/main" Requires="p14">
+      <p:transition xmlns:mc="http://schemas.openxmlformats.org/markup-compatibility/2006" xmlns:p14="http://schemas.microsoft.com/office/powerpoint/2010/main" mc:Ignorable="p14" p14:dur="500"/>
+    </mc:Choice>
+    <mc:Fallback>
+      <p:transition/>
+    </mc:Fallback>
+  </mc:AlternateContent>
+</p:sld>
+</file>
+
+<file path=ppt/slides/slide14.xml><?xml version="1.0" encoding="utf-8"?>
+<p:sld xmlns:r="http://schemas.openxmlformats.org/officeDocument/2006/relationships" xmlns:c="http://schemas.openxmlformats.org/drawingml/2006/chart" xmlns:a="http://schemas.openxmlformats.org/drawingml/2006/main" xmlns:dgm="http://schemas.openxmlformats.org/drawingml/2006/diagram" xmlns:dsp="http://schemas.microsoft.com/office/drawing/2008/diagram" xmlns:p="http://schemas.openxmlformats.org/presentationml/2006/main">
+  <p:cSld>
+    <p:spTree>
+      <p:nvGrpSpPr>
+        <p:cNvPr id="1" name=""/>
+        <p:cNvGrpSpPr/>
+        <p:nvPr/>
+      </p:nvGrpSpPr>
+      <p:grpSpPr>
+        <a:xfrm>
+          <a:off x="0" y="0"/>
+          <a:ext cx="0" cy="0"/>
+          <a:chOff x="0" y="0"/>
+          <a:chExt cx="0" cy="0"/>
+        </a:xfrm>
+      </p:grpSpPr>
+      <p:sp>
+        <p:nvSpPr>
+          <p:cNvPr id="12" name="TextBox 11"/>
+          <p:cNvSpPr txBox="1"/>
+          <p:nvPr/>
+        </p:nvSpPr>
+        <p:spPr>
+          <a:xfrm>
+            <a:off x="1703511" y="408640"/>
+            <a:ext cx="4392488" cy="369332"/>
+          </a:xfrm>
+          <a:prstGeom prst="rect">
+            <a:avLst/>
+          </a:prstGeom>
+          <a:noFill/>
+        </p:spPr>
+        <p:txBody>
+          <a:bodyPr wrap="square">
+            <a:spAutoFit/>
+          </a:bodyPr>
+          <a:lstStyle/>
+          <a:p>
+            <a:pPr>
+              <a:lnSpc>
+                <a:spcPct val="90000"/>
+              </a:lnSpc>
+              <a:defRPr/>
+            </a:pPr>
+            <a:r>
+              <a:rPr lang="en-US" altLang="ko-KR" sz="2000" spc="300">
+                <a:solidFill>
+                  <a:srgbClr val="663300"/>
+                </a:solidFill>
+                <a:latin typeface="+mn-ea"/>
+              </a:rPr>
+              <a:t>14.</a:t>
+            </a:r>
+            <a:r>
+              <a:rPr lang="ko-KR" altLang="en-US" sz="2000" spc="300">
+                <a:solidFill>
+                  <a:srgbClr val="663300"/>
+                </a:solidFill>
+                <a:latin typeface="+mn-ea"/>
+              </a:rPr>
+              <a:t>마이 리뷰</a:t>
+            </a:r>
+            <a:endParaRPr lang="ko-KR" altLang="en-US" sz="2000" spc="300">
+              <a:solidFill>
+                <a:srgbClr val="663300"/>
+              </a:solidFill>
+              <a:latin typeface="+mn-ea"/>
+            </a:endParaRPr>
+          </a:p>
+        </p:txBody>
+      </p:sp>
+      <p:sp>
+        <p:nvSpPr>
+          <p:cNvPr id="2" name="슬라이드 번호 개체 틀 1"/>
+          <p:cNvSpPr>
+            <a:spLocks noGrp="1"/>
+          </p:cNvSpPr>
+          <p:nvPr>
+            <p:ph type="sldNum" sz="quarter" idx="4"/>
+          </p:nvPr>
+        </p:nvSpPr>
+        <p:spPr/>
+        <p:txBody>
+          <a:bodyPr/>
+          <a:lstStyle/>
+          <a:p>
+            <a:pPr lvl="0">
+              <a:defRPr/>
+            </a:pPr>
+            <a:fld id="{2FECCACC-60ED-4580-AB4B-3C07270897C0}" type="slidenum">
+              <a:rPr lang="en-US" altLang="en-US">
+                <a:latin typeface="나눔고딕"/>
+                <a:ea typeface="나눔고딕"/>
+              </a:rPr>
+              <a:pPr lvl="0">
+                <a:defRPr/>
+              </a:pPr>
+              <a:t>14</a:t>
+            </a:fld>
+            <a:endParaRPr lang="en-US" altLang="en-US">
+              <a:latin typeface="나눔고딕"/>
+              <a:ea typeface="나눔고딕"/>
+            </a:endParaRPr>
+          </a:p>
+        </p:txBody>
+      </p:sp>
+      <p:sp>
+        <p:nvSpPr>
+          <p:cNvPr id="14" name="TextBox 13"/>
+          <p:cNvSpPr txBox="1"/>
+          <p:nvPr/>
+        </p:nvSpPr>
+        <p:spPr>
+          <a:xfrm>
+            <a:off x="6030058" y="404664"/>
+            <a:ext cx="4392488" cy="397032"/>
+          </a:xfrm>
+          <a:prstGeom prst="rect">
+            <a:avLst/>
+          </a:prstGeom>
+          <a:noFill/>
+        </p:spPr>
+        <p:txBody>
+          <a:bodyPr wrap="square">
+            <a:spAutoFit/>
+          </a:bodyPr>
+          <a:lstStyle/>
+          <a:p>
+            <a:pPr algn="r">
+              <a:lnSpc>
+                <a:spcPct val="90000"/>
+              </a:lnSpc>
+              <a:defRPr/>
+            </a:pPr>
+            <a:r>
+              <a:rPr lang="ko-KR" altLang="en-US" sz="1100">
+                <a:latin typeface="+mn-ea"/>
+              </a:rPr>
+              <a:t>로그인</a:t>
+            </a:r>
+            <a:endParaRPr lang="ko-KR" altLang="en-US" sz="1100">
+              <a:latin typeface="+mn-ea"/>
+            </a:endParaRPr>
+          </a:p>
+          <a:p>
+            <a:pPr algn="r">
+              <a:lnSpc>
+                <a:spcPct val="90000"/>
+              </a:lnSpc>
+              <a:defRPr/>
+            </a:pPr>
+            <a:r>
+              <a:rPr lang="en-US" altLang="ko-KR" sz="1100" b="1">
+                <a:latin typeface="+mn-ea"/>
+              </a:rPr>
+              <a:t>161116</a:t>
+            </a:r>
+            <a:endParaRPr lang="ko-KR" altLang="en-US" sz="1100" b="1">
+              <a:latin typeface="+mn-ea"/>
+            </a:endParaRPr>
+          </a:p>
+        </p:txBody>
+      </p:sp>
+      <p:graphicFrame>
+        <p:nvGraphicFramePr>
+          <p:cNvPr id="106" name=""/>
+          <p:cNvGraphicFramePr>
+            <a:graphicFrameLocks noGrp="1"/>
+          </p:cNvGraphicFramePr>
+          <p:nvPr/>
+        </p:nvGraphicFramePr>
+        <p:xfrm>
+          <a:off x="7984818" y="1123603"/>
+          <a:ext cx="3850930" cy="3458925"/>
+        </p:xfrm>
+        <a:graphic>
+          <a:graphicData uri="http://schemas.openxmlformats.org/drawingml/2006/table">
+            <a:tbl>
+              <a:tblPr firstRow="1" bandRow="1">
+                <a:tableStyleId>{01A66EDD-3DAB-4C5B-A090-DC80EC1FD486}</a:tableStyleId>
+              </a:tblPr>
+              <a:tblGrid>
+                <a:gridCol w="686725"/>
+                <a:gridCol w="3164205"/>
+              </a:tblGrid>
+              <a:tr h="334235">
+                <a:tc gridSpan="2">
+                  <a:txBody>
+                    <a:bodyPr vert="horz" wrap="square" lIns="91440" tIns="45720" rIns="91440" bIns="45720" anchor="ctr" anchorCtr="1">
+                      <a:spAutoFit/>
+                    </a:bodyPr>
+                    <a:p>
+                      <a:pPr marL="0" marR="0" lvl="0" indent="0" algn="ctr" defTabSz="914400" rtl="0" eaLnBrk="1" latinLnBrk="1" hangingPunct="1">
+                        <a:lnSpc>
+                          <a:spcPct val="100000"/>
+                        </a:lnSpc>
+                        <a:spcBef>
+                          <a:spcPts val="100"/>
+                        </a:spcBef>
+                        <a:spcAft>
+                          <a:spcPts val="0"/>
+                        </a:spcAft>
+                        <a:buClrTx/>
+                        <a:buFontTx/>
+                        <a:buNone/>
+                        <a:defRPr/>
+                      </a:pPr>
+                      <a:r>
+                        <a:rPr lang="en-US" altLang="ko-KR" b="1">
+                          <a:solidFill>
+                            <a:schemeClr val="dk1"/>
+                          </a:solidFill>
+                        </a:rPr>
+                        <a:t>Description</a:t>
+                      </a:r>
+                      <a:endParaRPr lang="en-US" altLang="ko-KR">
+                        <a:solidFill>
+                          <a:schemeClr val="dk1"/>
+                        </a:solidFill>
+                      </a:endParaRPr>
+                    </a:p>
+                  </a:txBody>
+                  <a:tcPr marL="91440" marR="91440" anchor="ctr" anchorCtr="1">
+                    <a:lnL w="12700" cap="flat" cmpd="sng" algn="ctr">
+                      <a:solidFill>
+                        <a:schemeClr val="tx1"/>
+                      </a:solidFill>
+                      <a:prstDash val="solid"/>
+                      <a:round/>
+                      <a:headEnd w="med" len="med"/>
+                      <a:tailEnd w="med" len="med"/>
+                    </a:lnL>
+                    <a:lnR w="12700" cap="flat" cmpd="sng" algn="ctr">
+                      <a:solidFill>
+                        <a:schemeClr val="tx1"/>
+                      </a:solidFill>
+                      <a:prstDash val="solid"/>
+                      <a:round/>
+                      <a:headEnd w="med" len="med"/>
+                      <a:tailEnd w="med" len="med"/>
+                    </a:lnR>
+                    <a:lnT w="12700" cap="flat" cmpd="sng" algn="ctr">
+                      <a:solidFill>
+                        <a:schemeClr val="tx1"/>
+                      </a:solidFill>
+                      <a:prstDash val="solid"/>
+                      <a:round/>
+                      <a:headEnd w="med" len="med"/>
+                      <a:tailEnd w="med" len="med"/>
+                    </a:lnT>
+                    <a:lnB w="12700" cap="flat" cmpd="sng" algn="ctr">
+                      <a:solidFill>
+                        <a:schemeClr val="tx1"/>
+                      </a:solidFill>
+                      <a:prstDash val="solid"/>
+                      <a:round/>
+                      <a:headEnd w="med" len="med"/>
+                      <a:tailEnd w="med" len="med"/>
+                    </a:lnB>
+                    <a:solidFill>
+                      <a:srgbClr val="e0e0e0"/>
+                    </a:solidFill>
+                  </a:tcPr>
+                </a:tc>
+                <a:tc hMerge="1">
+                  <a:txBody>
+                    <a:bodyPr vert="horz" wrap="square" lIns="91440" tIns="45720" rIns="91440" bIns="45720" anchor="t" anchorCtr="0">
+                      <a:spAutoFit/>
+                    </a:bodyPr>
+                    <a:p>
+                      <a:pPr>
+                        <a:defRPr/>
+                      </a:pPr>
+                      <a:endParaRPr lang="en-US" altLang="ko-KR"/>
+                    </a:p>
+                  </a:txBody>
+                  <a:tcPr marL="91440" marR="91440">
+                    <a:lnL w="12700" cap="flat" cmpd="sng" algn="ctr">
+                      <a:solidFill>
+                        <a:schemeClr val="tx1"/>
+                      </a:solidFill>
+                      <a:prstDash val="solid"/>
+                      <a:round/>
+                      <a:headEnd w="med" len="med"/>
+                      <a:tailEnd w="med" len="med"/>
+                    </a:lnL>
+                    <a:lnR w="12700" cap="flat" cmpd="sng" algn="ctr">
+                      <a:solidFill>
+                        <a:schemeClr val="tx1"/>
+                      </a:solidFill>
+                      <a:prstDash val="solid"/>
+                      <a:round/>
+                      <a:headEnd w="med" len="med"/>
+                      <a:tailEnd w="med" len="med"/>
+                    </a:lnR>
+                    <a:lnT w="12700" cap="flat" cmpd="sng" algn="ctr">
+                      <a:solidFill>
+                        <a:schemeClr val="tx1"/>
+                      </a:solidFill>
+                      <a:prstDash val="solid"/>
+                      <a:round/>
+                      <a:headEnd w="med" len="med"/>
+                      <a:tailEnd w="med" len="med"/>
+                    </a:lnT>
+                    <a:lnB w="12700" cap="flat" cmpd="sng" algn="ctr">
+                      <a:solidFill>
+                        <a:schemeClr val="tx1"/>
+                      </a:solidFill>
+                      <a:prstDash val="solid"/>
+                      <a:round/>
+                      <a:headEnd w="med" len="med"/>
+                      <a:tailEnd w="med" len="med"/>
+                    </a:lnB>
+                    <a:solidFill>
+                      <a:schemeClr val="lt1"/>
+                    </a:solidFill>
+                  </a:tcPr>
+                </a:tc>
+              </a:tr>
+              <a:tr h="515210">
+                <a:tc gridSpan="2">
+                  <a:txBody>
+                    <a:bodyPr vert="horz" wrap="square" lIns="91440" tIns="45720" rIns="91440" bIns="45720" anchor="ctr" anchorCtr="1">
+                      <a:spAutoFit/>
+                    </a:bodyPr>
+                    <a:p>
+                      <a:pPr algn="ctr">
+                        <a:defRPr/>
+                      </a:pPr>
+                      <a:r>
+                        <a:rPr lang="ko-KR" altLang="en-US" sz="1100">
+                          <a:solidFill>
+                            <a:schemeClr val="dk1"/>
+                          </a:solidFill>
+                        </a:rPr>
+                        <a:t>사용자가 담아 놓은 장바구니 관리 페이지</a:t>
+                      </a:r>
+                      <a:endParaRPr lang="en-US" altLang="ko-KR" sz="1100">
+                        <a:solidFill>
+                          <a:schemeClr val="dk1"/>
+                        </a:solidFill>
+                      </a:endParaRPr>
+                    </a:p>
+                  </a:txBody>
+                  <a:tcPr marL="91440" marR="91440" anchor="ctr" anchorCtr="1">
+                    <a:lnL w="12700" cap="flat" cmpd="sng" algn="ctr">
+                      <a:solidFill>
+                        <a:schemeClr val="tx1"/>
+                      </a:solidFill>
+                      <a:prstDash val="solid"/>
+                      <a:round/>
+                      <a:headEnd w="med" len="med"/>
+                      <a:tailEnd w="med" len="med"/>
+                    </a:lnL>
+                    <a:lnR w="12700" cap="flat" cmpd="sng" algn="ctr">
+                      <a:solidFill>
+                        <a:schemeClr val="tx1"/>
+                      </a:solidFill>
+                      <a:prstDash val="solid"/>
+                      <a:round/>
+                      <a:headEnd w="med" len="med"/>
+                      <a:tailEnd w="med" len="med"/>
+                    </a:lnR>
+                    <a:lnT w="12700" cap="flat" cmpd="sng" algn="ctr">
+                      <a:solidFill>
+                        <a:schemeClr val="tx1"/>
+                      </a:solidFill>
+                      <a:prstDash val="solid"/>
+                      <a:round/>
+                      <a:headEnd w="med" len="med"/>
+                      <a:tailEnd w="med" len="med"/>
+                    </a:lnT>
+                    <a:lnB w="12700" cap="flat" cmpd="sng" algn="ctr">
+                      <a:solidFill>
+                        <a:schemeClr val="tx1"/>
+                      </a:solidFill>
+                      <a:prstDash val="solid"/>
+                      <a:round/>
+                      <a:headEnd w="med" len="med"/>
+                      <a:tailEnd w="med" len="med"/>
+                    </a:lnB>
+                    <a:solidFill>
+                      <a:schemeClr val="lt1"/>
+                    </a:solidFill>
+                  </a:tcPr>
+                </a:tc>
+                <a:tc hMerge="1">
+                  <a:txBody>
+                    <a:bodyPr vert="horz" wrap="square" lIns="91440" tIns="45720" rIns="91440" bIns="45720" anchor="t" anchorCtr="0">
+                      <a:spAutoFit/>
+                    </a:bodyPr>
+                    <a:p>
+                      <a:pPr>
+                        <a:defRPr/>
+                      </a:pPr>
+                      <a:endParaRPr lang="en-US" altLang="ko-KR"/>
+                    </a:p>
+                  </a:txBody>
+                  <a:tcPr marL="91440" marR="91440">
+                    <a:lnL w="12700" cap="flat" cmpd="sng" algn="ctr">
+                      <a:solidFill>
+                        <a:schemeClr val="tx1"/>
+                      </a:solidFill>
+                      <a:prstDash val="solid"/>
+                      <a:round/>
+                      <a:headEnd w="med" len="med"/>
+                      <a:tailEnd w="med" len="med"/>
+                    </a:lnL>
+                    <a:lnR w="12700" cap="flat" cmpd="sng" algn="ctr">
+                      <a:solidFill>
+                        <a:schemeClr val="tx1"/>
+                      </a:solidFill>
+                      <a:prstDash val="solid"/>
+                      <a:round/>
+                      <a:headEnd w="med" len="med"/>
+                      <a:tailEnd w="med" len="med"/>
+                    </a:lnR>
+                    <a:lnT w="12700" cap="flat" cmpd="sng" algn="ctr">
+                      <a:solidFill>
+                        <a:schemeClr val="tx1"/>
+                      </a:solidFill>
+                      <a:prstDash val="solid"/>
+                      <a:round/>
+                      <a:headEnd w="med" len="med"/>
+                      <a:tailEnd w="med" len="med"/>
+                    </a:lnT>
+                    <a:lnB w="12700" cap="flat" cmpd="sng" algn="ctr">
+                      <a:solidFill>
+                        <a:schemeClr val="tx1"/>
+                      </a:solidFill>
+                      <a:prstDash val="solid"/>
+                      <a:round/>
+                      <a:headEnd w="med" len="med"/>
+                      <a:tailEnd w="med" len="med"/>
+                    </a:lnB>
+                    <a:solidFill>
+                      <a:schemeClr val="lt1"/>
+                    </a:solidFill>
+                  </a:tcPr>
+                </a:tc>
+              </a:tr>
+              <a:tr h="515210">
+                <a:tc gridSpan="2">
+                  <a:txBody>
+                    <a:bodyPr vert="horz" wrap="square" lIns="91440" tIns="45720" rIns="91440" bIns="45720" anchor="ctr" anchorCtr="1">
+                      <a:spAutoFit/>
+                    </a:bodyPr>
+                    <a:p>
+                      <a:pPr algn="ctr">
+                        <a:defRPr/>
+                      </a:pPr>
+                      <a:r>
+                        <a:rPr lang="en-US" altLang="ko-KR">
+                          <a:solidFill>
+                            <a:schemeClr val="dk1"/>
+                          </a:solidFill>
+                        </a:rPr>
+                        <a:t>function</a:t>
+                      </a:r>
+                      <a:endParaRPr lang="en-US" altLang="ko-KR">
+                        <a:solidFill>
+                          <a:schemeClr val="dk1"/>
+                        </a:solidFill>
+                      </a:endParaRPr>
+                    </a:p>
+                  </a:txBody>
+                  <a:tcPr marL="91440" marR="91440" anchor="ctr" anchorCtr="1">
+                    <a:lnL w="12700" cap="flat" cmpd="sng" algn="ctr">
+                      <a:solidFill>
+                        <a:schemeClr val="tx1"/>
+                      </a:solidFill>
+                      <a:prstDash val="solid"/>
+                      <a:round/>
+                      <a:headEnd w="med" len="med"/>
+                      <a:tailEnd w="med" len="med"/>
+                    </a:lnL>
+                    <a:lnR w="12700" cap="flat" cmpd="sng" algn="ctr">
+                      <a:solidFill>
+                        <a:schemeClr val="tx1"/>
+                      </a:solidFill>
+                      <a:prstDash val="solid"/>
+                      <a:round/>
+                      <a:headEnd w="med" len="med"/>
+                      <a:tailEnd w="med" len="med"/>
+                    </a:lnR>
+                    <a:lnT w="12700" cap="flat" cmpd="sng" algn="ctr">
+                      <a:solidFill>
+                        <a:schemeClr val="tx1"/>
+                      </a:solidFill>
+                      <a:prstDash val="solid"/>
+                      <a:round/>
+                      <a:headEnd w="med" len="med"/>
+                      <a:tailEnd w="med" len="med"/>
+                    </a:lnT>
+                    <a:lnB w="12700" cap="flat" cmpd="sng" algn="ctr">
+                      <a:solidFill>
+                        <a:schemeClr val="tx1"/>
+                      </a:solidFill>
+                      <a:prstDash val="solid"/>
+                      <a:round/>
+                      <a:headEnd w="med" len="med"/>
+                      <a:tailEnd w="med" len="med"/>
+                    </a:lnB>
+                    <a:solidFill>
+                      <a:srgbClr val="d1d1d1"/>
+                    </a:solidFill>
+                  </a:tcPr>
+                </a:tc>
+                <a:tc hMerge="1">
+                  <a:txBody>
+                    <a:bodyPr vert="horz" wrap="square" lIns="91440" tIns="45720" rIns="91440" bIns="45720" anchor="t" anchorCtr="0">
+                      <a:spAutoFit/>
+                    </a:bodyPr>
+                    <a:p>
+                      <a:pPr>
+                        <a:defRPr/>
+                      </a:pPr>
+                      <a:endParaRPr lang="ko-KR" altLang="en-US"/>
+                    </a:p>
+                  </a:txBody>
+                  <a:tcPr marL="91440" marR="91440">
+                    <a:lnL w="12700" cap="flat" cmpd="sng" algn="ctr">
+                      <a:solidFill>
+                        <a:schemeClr val="tx1"/>
+                      </a:solidFill>
+                      <a:prstDash val="solid"/>
+                      <a:round/>
+                      <a:headEnd w="med" len="med"/>
+                      <a:tailEnd w="med" len="med"/>
+                    </a:lnL>
+                    <a:lnR w="12700" cap="flat" cmpd="sng" algn="ctr">
+                      <a:solidFill>
+                        <a:schemeClr val="tx1"/>
+                      </a:solidFill>
+                      <a:prstDash val="solid"/>
+                      <a:round/>
+                      <a:headEnd w="med" len="med"/>
+                      <a:tailEnd w="med" len="med"/>
+                    </a:lnR>
+                    <a:lnT w="12700" cap="flat" cmpd="sng" algn="ctr">
+                      <a:solidFill>
+                        <a:schemeClr val="tx1"/>
+                      </a:solidFill>
+                      <a:prstDash val="solid"/>
+                      <a:round/>
+                      <a:headEnd w="med" len="med"/>
+                      <a:tailEnd w="med" len="med"/>
+                    </a:lnT>
+                    <a:lnB w="12700" cap="flat" cmpd="sng" algn="ctr">
+                      <a:solidFill>
+                        <a:schemeClr val="tx1"/>
+                      </a:solidFill>
+                      <a:prstDash val="solid"/>
+                      <a:round/>
+                      <a:headEnd w="med" len="med"/>
+                      <a:tailEnd w="med" len="med"/>
+                    </a:lnB>
+                    <a:solidFill>
+                      <a:schemeClr val="lt1"/>
+                    </a:solidFill>
+                  </a:tcPr>
+                </a:tc>
+              </a:tr>
+              <a:tr h="515210">
+                <a:tc>
+                  <a:txBody>
+                    <a:bodyPr vert="horz" wrap="square" lIns="91440" tIns="45720" rIns="91440" bIns="45720" anchor="ctr" anchorCtr="1">
+                      <a:spAutoFit/>
+                    </a:bodyPr>
+                    <a:p>
+                      <a:pPr algn="ctr">
+                        <a:defRPr/>
+                      </a:pPr>
+                      <a:r>
+                        <a:rPr lang="en-US" altLang="ko-KR" sz="1100">
+                          <a:solidFill>
+                            <a:schemeClr val="dk1"/>
+                          </a:solidFill>
+                        </a:rPr>
+                        <a:t>1</a:t>
+                      </a:r>
+                      <a:endParaRPr lang="en-US" altLang="ko-KR" sz="1100">
+                        <a:solidFill>
+                          <a:schemeClr val="dk1"/>
+                        </a:solidFill>
+                      </a:endParaRPr>
+                    </a:p>
+                  </a:txBody>
+                  <a:tcPr marL="91440" marR="91440" anchor="ctr" anchorCtr="1">
+                    <a:lnL w="12700" cap="flat" cmpd="sng" algn="ctr">
+                      <a:solidFill>
+                        <a:schemeClr val="tx1"/>
+                      </a:solidFill>
+                      <a:prstDash val="solid"/>
+                      <a:round/>
+                      <a:headEnd w="med" len="med"/>
+                      <a:tailEnd w="med" len="med"/>
+                    </a:lnL>
+                    <a:lnR w="12700" cap="flat" cmpd="sng" algn="ctr">
+                      <a:solidFill>
+                        <a:schemeClr val="tx1"/>
+                      </a:solidFill>
+                      <a:prstDash val="solid"/>
+                      <a:round/>
+                      <a:headEnd w="med" len="med"/>
+                      <a:tailEnd w="med" len="med"/>
+                    </a:lnR>
+                    <a:lnT w="12700" cap="flat" cmpd="sng" algn="ctr">
+                      <a:solidFill>
+                        <a:schemeClr val="tx1"/>
+                      </a:solidFill>
+                      <a:prstDash val="solid"/>
+                      <a:round/>
+                      <a:headEnd w="med" len="med"/>
+                      <a:tailEnd w="med" len="med"/>
+                    </a:lnT>
+                    <a:lnB w="12700" cap="flat" cmpd="sng" algn="ctr">
+                      <a:solidFill>
+                        <a:schemeClr val="tx1"/>
+                      </a:solidFill>
+                      <a:prstDash val="solid"/>
+                      <a:round/>
+                      <a:headEnd w="med" len="med"/>
+                      <a:tailEnd w="med" len="med"/>
+                    </a:lnB>
+                    <a:solidFill>
+                      <a:schemeClr val="lt1"/>
+                    </a:solidFill>
+                  </a:tcPr>
+                </a:tc>
+                <a:tc>
+                  <a:txBody>
+                    <a:bodyPr vert="horz" wrap="square" lIns="91440" tIns="45720" rIns="91440" bIns="45720" anchor="ctr" anchorCtr="1">
+                      <a:spAutoFit/>
+                    </a:bodyPr>
+                    <a:p>
+                      <a:pPr>
+                        <a:defRPr/>
+                      </a:pPr>
+                      <a:r>
+                        <a:rPr lang="ko-KR" altLang="en-US" sz="1100">
+                          <a:solidFill>
+                            <a:schemeClr val="dk1"/>
+                          </a:solidFill>
+                        </a:rPr>
+                        <a:t>내 리뷰 삭제</a:t>
+                      </a:r>
+                      <a:endParaRPr lang="ko-KR" altLang="en-US" sz="1100">
+                        <a:solidFill>
+                          <a:schemeClr val="dk1"/>
+                        </a:solidFill>
+                      </a:endParaRPr>
+                    </a:p>
+                  </a:txBody>
+                  <a:tcPr marL="91440" marR="91440" anchor="ctr" anchorCtr="1">
+                    <a:lnL w="12700" cap="flat" cmpd="sng" algn="ctr">
+                      <a:solidFill>
+                        <a:schemeClr val="tx1"/>
+                      </a:solidFill>
+                      <a:prstDash val="solid"/>
+                      <a:round/>
+                      <a:headEnd w="med" len="med"/>
+                      <a:tailEnd w="med" len="med"/>
+                    </a:lnL>
+                    <a:lnR w="12700" cap="flat" cmpd="sng" algn="ctr">
+                      <a:solidFill>
+                        <a:schemeClr val="tx1"/>
+                      </a:solidFill>
+                      <a:prstDash val="solid"/>
+                      <a:round/>
+                      <a:headEnd w="med" len="med"/>
+                      <a:tailEnd w="med" len="med"/>
+                    </a:lnR>
+                    <a:lnT w="12700" cap="flat" cmpd="sng" algn="ctr">
+                      <a:solidFill>
+                        <a:schemeClr val="tx1"/>
+                      </a:solidFill>
+                      <a:prstDash val="solid"/>
+                      <a:round/>
+                      <a:headEnd w="med" len="med"/>
+                      <a:tailEnd w="med" len="med"/>
+                    </a:lnT>
+                    <a:lnB w="12700" cap="flat" cmpd="sng" algn="ctr">
+                      <a:solidFill>
+                        <a:schemeClr val="tx1"/>
+                      </a:solidFill>
+                      <a:prstDash val="solid"/>
+                      <a:round/>
+                      <a:headEnd w="med" len="med"/>
+                      <a:tailEnd w="med" len="med"/>
+                    </a:lnB>
+                    <a:solidFill>
+                      <a:schemeClr val="lt1"/>
+                    </a:solidFill>
+                  </a:tcPr>
+                </a:tc>
+              </a:tr>
+              <a:tr h="515210">
+                <a:tc>
+                  <a:txBody>
+                    <a:bodyPr vert="horz" wrap="square" lIns="91440" tIns="45720" rIns="91440" bIns="45720" anchor="ctr" anchorCtr="1">
+                      <a:spAutoFit/>
+                    </a:bodyPr>
+                    <a:p>
+                      <a:pPr algn="ctr">
+                        <a:defRPr/>
+                      </a:pPr>
+                      <a:r>
+                        <a:rPr lang="en-US" altLang="ko-KR" sz="1100">
+                          <a:solidFill>
+                            <a:schemeClr val="dk1"/>
+                          </a:solidFill>
+                        </a:rPr>
+                        <a:t>2</a:t>
+                      </a:r>
+                      <a:endParaRPr lang="en-US" altLang="ko-KR" sz="1100">
+                        <a:solidFill>
+                          <a:schemeClr val="dk1"/>
+                        </a:solidFill>
+                      </a:endParaRPr>
+                    </a:p>
+                  </a:txBody>
+                  <a:tcPr marL="91440" marR="91440" anchor="ctr" anchorCtr="1">
+                    <a:lnL w="12700" cap="flat" cmpd="sng" algn="ctr">
+                      <a:solidFill>
+                        <a:schemeClr val="tx1"/>
+                      </a:solidFill>
+                      <a:prstDash val="solid"/>
+                      <a:round/>
+                      <a:headEnd w="med" len="med"/>
+                      <a:tailEnd w="med" len="med"/>
+                    </a:lnL>
+                    <a:lnR w="12700" cap="flat" cmpd="sng" algn="ctr">
+                      <a:solidFill>
+                        <a:schemeClr val="tx1"/>
+                      </a:solidFill>
+                      <a:prstDash val="solid"/>
+                      <a:round/>
+                      <a:headEnd w="med" len="med"/>
+                      <a:tailEnd w="med" len="med"/>
+                    </a:lnR>
+                    <a:lnT w="12700" cap="flat" cmpd="sng" algn="ctr">
+                      <a:solidFill>
+                        <a:schemeClr val="tx1"/>
+                      </a:solidFill>
+                      <a:prstDash val="solid"/>
+                      <a:round/>
+                      <a:headEnd w="med" len="med"/>
+                      <a:tailEnd w="med" len="med"/>
+                    </a:lnT>
+                    <a:lnB w="12700" cap="flat" cmpd="sng" algn="ctr">
+                      <a:solidFill>
+                        <a:schemeClr val="tx1"/>
+                      </a:solidFill>
+                      <a:prstDash val="solid"/>
+                      <a:round/>
+                      <a:headEnd w="med" len="med"/>
+                      <a:tailEnd w="med" len="med"/>
+                    </a:lnB>
+                    <a:solidFill>
+                      <a:schemeClr val="lt1"/>
+                    </a:solidFill>
+                  </a:tcPr>
+                </a:tc>
+                <a:tc>
+                  <a:txBody>
+                    <a:bodyPr vert="horz" wrap="square" lIns="91440" tIns="45720" rIns="91440" bIns="45720" anchor="ctr" anchorCtr="1">
+                      <a:spAutoFit/>
+                    </a:bodyPr>
+                    <a:p>
+                      <a:pPr>
+                        <a:defRPr/>
+                      </a:pPr>
+                      <a:r>
+                        <a:rPr lang="ko-KR" altLang="en-US" sz="1100">
+                          <a:solidFill>
+                            <a:schemeClr val="dk1"/>
+                          </a:solidFill>
+                        </a:rPr>
+                        <a:t>주소 추가 페이지 이동</a:t>
+                      </a:r>
+                      <a:endParaRPr lang="ko-KR" altLang="en-US" sz="1100">
+                        <a:solidFill>
+                          <a:schemeClr val="dk1"/>
+                        </a:solidFill>
+                      </a:endParaRPr>
+                    </a:p>
+                  </a:txBody>
+                  <a:tcPr marL="91440" marR="91440" anchor="ctr" anchorCtr="1">
+                    <a:lnL w="12700" cap="flat" cmpd="sng" algn="ctr">
+                      <a:solidFill>
+                        <a:schemeClr val="tx1"/>
+                      </a:solidFill>
+                      <a:prstDash val="solid"/>
+                      <a:round/>
+                      <a:headEnd w="med" len="med"/>
+                      <a:tailEnd w="med" len="med"/>
+                    </a:lnL>
+                    <a:lnR w="12700" cap="flat" cmpd="sng" algn="ctr">
+                      <a:solidFill>
+                        <a:schemeClr val="tx1"/>
+                      </a:solidFill>
+                      <a:prstDash val="solid"/>
+                      <a:round/>
+                      <a:headEnd w="med" len="med"/>
+                      <a:tailEnd w="med" len="med"/>
+                    </a:lnR>
+                    <a:lnT w="12700" cap="flat" cmpd="sng" algn="ctr">
+                      <a:solidFill>
+                        <a:schemeClr val="tx1"/>
+                      </a:solidFill>
+                      <a:prstDash val="solid"/>
+                      <a:round/>
+                      <a:headEnd w="med" len="med"/>
+                      <a:tailEnd w="med" len="med"/>
+                    </a:lnT>
+                    <a:lnB w="12700" cap="flat" cmpd="sng" algn="ctr">
+                      <a:solidFill>
+                        <a:schemeClr val="tx1"/>
+                      </a:solidFill>
+                      <a:prstDash val="solid"/>
+                      <a:round/>
+                      <a:headEnd w="med" len="med"/>
+                      <a:tailEnd w="med" len="med"/>
+                    </a:lnB>
+                    <a:solidFill>
+                      <a:schemeClr val="lt1"/>
+                    </a:solidFill>
+                  </a:tcPr>
+                </a:tc>
+              </a:tr>
+              <a:tr h="515210">
+                <a:tc>
+                  <a:txBody>
+                    <a:bodyPr vert="horz" wrap="square" lIns="91440" tIns="45720" rIns="91440" bIns="45720" anchor="ctr" anchorCtr="1">
+                      <a:spAutoFit/>
+                    </a:bodyPr>
+                    <a:p>
+                      <a:pPr algn="ctr">
+                        <a:defRPr/>
+                      </a:pPr>
+                      <a:r>
+                        <a:rPr lang="en-US" altLang="ko-KR" sz="1100">
+                          <a:solidFill>
+                            <a:schemeClr val="dk1"/>
+                          </a:solidFill>
+                        </a:rPr>
+                        <a:t>3</a:t>
+                      </a:r>
+                      <a:endParaRPr lang="en-US" altLang="ko-KR" sz="1100">
+                        <a:solidFill>
+                          <a:schemeClr val="dk1"/>
+                        </a:solidFill>
+                      </a:endParaRPr>
+                    </a:p>
+                  </a:txBody>
+                  <a:tcPr marL="91440" marR="91440" anchor="ctr" anchorCtr="1">
+                    <a:lnL w="12700" cap="flat" cmpd="sng" algn="ctr">
+                      <a:solidFill>
+                        <a:schemeClr val="tx1"/>
+                      </a:solidFill>
+                      <a:prstDash val="solid"/>
+                      <a:round/>
+                      <a:headEnd w="med" len="med"/>
+                      <a:tailEnd w="med" len="med"/>
+                    </a:lnL>
+                    <a:lnR w="12700" cap="flat" cmpd="sng" algn="ctr">
+                      <a:solidFill>
+                        <a:schemeClr val="tx1"/>
+                      </a:solidFill>
+                      <a:prstDash val="solid"/>
+                      <a:round/>
+                      <a:headEnd w="med" len="med"/>
+                      <a:tailEnd w="med" len="med"/>
+                    </a:lnR>
+                    <a:lnT w="12700" cap="flat" cmpd="sng" algn="ctr">
+                      <a:solidFill>
+                        <a:schemeClr val="tx1"/>
+                      </a:solidFill>
+                      <a:prstDash val="solid"/>
+                      <a:round/>
+                      <a:headEnd w="med" len="med"/>
+                      <a:tailEnd w="med" len="med"/>
+                    </a:lnT>
+                    <a:lnB w="12700" cap="flat" cmpd="sng" algn="ctr">
+                      <a:solidFill>
+                        <a:schemeClr val="tx1"/>
+                      </a:solidFill>
+                      <a:prstDash val="solid"/>
+                      <a:round/>
+                      <a:headEnd w="med" len="med"/>
+                      <a:tailEnd w="med" len="med"/>
+                    </a:lnB>
+                    <a:solidFill>
+                      <a:schemeClr val="lt1"/>
+                    </a:solidFill>
+                  </a:tcPr>
+                </a:tc>
+                <a:tc>
+                  <a:txBody>
+                    <a:bodyPr vert="horz" wrap="square" lIns="91440" tIns="45720" rIns="91440" bIns="45720" anchor="ctr" anchorCtr="1">
+                      <a:spAutoFit/>
+                    </a:bodyPr>
+                    <a:p>
+                      <a:pPr>
+                        <a:defRPr/>
+                      </a:pPr>
+                      <a:r>
+                        <a:rPr lang="ko-KR" altLang="en-US" sz="1100">
+                          <a:solidFill>
+                            <a:schemeClr val="dk1"/>
+                          </a:solidFill>
+                        </a:rPr>
+                        <a:t>주소검색  </a:t>
+                      </a:r>
+                      <a:r>
+                        <a:rPr lang="en-US" altLang="ko-KR" sz="1100">
+                          <a:solidFill>
+                            <a:schemeClr val="dk1"/>
+                          </a:solidFill>
+                        </a:rPr>
+                        <a:t>api</a:t>
+                      </a:r>
+                      <a:r>
+                        <a:rPr lang="ko-KR" altLang="en-US" sz="1100">
+                          <a:solidFill>
+                            <a:schemeClr val="dk1"/>
+                          </a:solidFill>
+                        </a:rPr>
+                        <a:t> 오픈</a:t>
+                      </a:r>
+                      <a:endParaRPr lang="ko-KR" altLang="en-US" sz="1100">
+                        <a:solidFill>
+                          <a:schemeClr val="dk1"/>
+                        </a:solidFill>
+                      </a:endParaRPr>
+                    </a:p>
+                  </a:txBody>
+                  <a:tcPr marL="91440" marR="91440" anchor="ctr" anchorCtr="1">
+                    <a:lnL w="12700" cap="flat" cmpd="sng" algn="ctr">
+                      <a:solidFill>
+                        <a:schemeClr val="tx1"/>
+                      </a:solidFill>
+                      <a:prstDash val="solid"/>
+                      <a:round/>
+                      <a:headEnd w="med" len="med"/>
+                      <a:tailEnd w="med" len="med"/>
+                    </a:lnL>
+                    <a:lnR w="12700" cap="flat" cmpd="sng" algn="ctr">
+                      <a:solidFill>
+                        <a:schemeClr val="tx1"/>
+                      </a:solidFill>
+                      <a:prstDash val="solid"/>
+                      <a:round/>
+                      <a:headEnd w="med" len="med"/>
+                      <a:tailEnd w="med" len="med"/>
+                    </a:lnR>
+                    <a:lnT w="12700" cap="flat" cmpd="sng" algn="ctr">
+                      <a:solidFill>
+                        <a:schemeClr val="tx1"/>
+                      </a:solidFill>
+                      <a:prstDash val="solid"/>
+                      <a:round/>
+                      <a:headEnd w="med" len="med"/>
+                      <a:tailEnd w="med" len="med"/>
+                    </a:lnT>
+                    <a:lnB w="12700" cap="flat" cmpd="sng" algn="ctr">
+                      <a:solidFill>
+                        <a:schemeClr val="tx1"/>
+                      </a:solidFill>
+                      <a:prstDash val="solid"/>
+                      <a:round/>
+                      <a:headEnd w="med" len="med"/>
+                      <a:tailEnd w="med" len="med"/>
+                    </a:lnB>
+                    <a:solidFill>
+                      <a:schemeClr val="lt1"/>
+                    </a:solidFill>
+                  </a:tcPr>
+                </a:tc>
+              </a:tr>
+              <a:tr h="515210">
+                <a:tc>
+                  <a:txBody>
+                    <a:bodyPr vert="horz" wrap="square" lIns="91440" tIns="45720" rIns="91440" bIns="45720" anchor="ctr" anchorCtr="1">
+                      <a:spAutoFit/>
+                    </a:bodyPr>
+                    <a:p>
+                      <a:pPr algn="ctr">
+                        <a:defRPr/>
+                      </a:pPr>
+                      <a:r>
+                        <a:rPr lang="en-US" altLang="ko-KR" sz="1100">
+                          <a:solidFill>
+                            <a:schemeClr val="dk1"/>
+                          </a:solidFill>
+                        </a:rPr>
+                        <a:t>4</a:t>
+                      </a:r>
+                      <a:endParaRPr lang="en-US" altLang="ko-KR" sz="1100">
+                        <a:solidFill>
+                          <a:schemeClr val="dk1"/>
+                        </a:solidFill>
+                      </a:endParaRPr>
+                    </a:p>
+                  </a:txBody>
+                  <a:tcPr marL="91440" marR="91440" anchor="ctr" anchorCtr="1">
+                    <a:lnL w="12700" cap="flat" cmpd="sng" algn="ctr">
+                      <a:solidFill>
+                        <a:schemeClr val="tx1"/>
+                      </a:solidFill>
+                      <a:prstDash val="solid"/>
+                      <a:round/>
+                      <a:headEnd w="med" len="med"/>
+                      <a:tailEnd w="med" len="med"/>
+                    </a:lnL>
+                    <a:lnR w="12700" cap="flat" cmpd="sng" algn="ctr">
+                      <a:solidFill>
+                        <a:schemeClr val="tx1"/>
+                      </a:solidFill>
+                      <a:prstDash val="solid"/>
+                      <a:round/>
+                      <a:headEnd w="med" len="med"/>
+                      <a:tailEnd w="med" len="med"/>
+                    </a:lnR>
+                    <a:lnT w="12700" cap="flat" cmpd="sng" algn="ctr">
+                      <a:solidFill>
+                        <a:schemeClr val="tx1"/>
+                      </a:solidFill>
+                      <a:prstDash val="solid"/>
+                      <a:round/>
+                      <a:headEnd w="med" len="med"/>
+                      <a:tailEnd w="med" len="med"/>
+                    </a:lnT>
+                    <a:lnB w="12700" cap="flat" cmpd="sng" algn="ctr">
+                      <a:solidFill>
+                        <a:schemeClr val="tx1"/>
+                      </a:solidFill>
+                      <a:prstDash val="solid"/>
+                      <a:round/>
+                      <a:headEnd w="med" len="med"/>
+                      <a:tailEnd w="med" len="med"/>
+                    </a:lnB>
+                    <a:solidFill>
+                      <a:schemeClr val="lt1"/>
+                    </a:solidFill>
+                  </a:tcPr>
+                </a:tc>
+                <a:tc>
+                  <a:txBody>
+                    <a:bodyPr vert="horz" wrap="square" lIns="91440" tIns="45720" rIns="91440" bIns="45720" anchor="ctr" anchorCtr="1">
+                      <a:spAutoFit/>
+                    </a:bodyPr>
+                    <a:p>
+                      <a:pPr>
+                        <a:defRPr/>
+                      </a:pPr>
+                      <a:r>
+                        <a:rPr lang="ko-KR" altLang="en-US" sz="1100">
+                          <a:solidFill>
+                            <a:schemeClr val="dk1"/>
+                          </a:solidFill>
+                        </a:rPr>
+                        <a:t>입력된 값 추가</a:t>
+                      </a:r>
+                      <a:endParaRPr lang="ko-KR" altLang="en-US" sz="1100">
+                        <a:solidFill>
+                          <a:schemeClr val="dk1"/>
+                        </a:solidFill>
+                      </a:endParaRPr>
+                    </a:p>
+                  </a:txBody>
+                  <a:tcPr marL="91440" marR="91440" anchor="ctr" anchorCtr="1">
+                    <a:lnL w="12700" cap="flat" cmpd="sng" algn="ctr">
+                      <a:solidFill>
+                        <a:schemeClr val="tx1"/>
+                      </a:solidFill>
+                      <a:prstDash val="solid"/>
+                      <a:round/>
+                      <a:headEnd w="med" len="med"/>
+                      <a:tailEnd w="med" len="med"/>
+                    </a:lnL>
+                    <a:lnR w="12700" cap="flat" cmpd="sng" algn="ctr">
+                      <a:solidFill>
+                        <a:schemeClr val="tx1"/>
+                      </a:solidFill>
+                      <a:prstDash val="solid"/>
+                      <a:round/>
+                      <a:headEnd w="med" len="med"/>
+                      <a:tailEnd w="med" len="med"/>
+                    </a:lnR>
+                    <a:lnT w="12700" cap="flat" cmpd="sng" algn="ctr">
+                      <a:solidFill>
+                        <a:schemeClr val="tx1"/>
+                      </a:solidFill>
+                      <a:prstDash val="solid"/>
+                      <a:round/>
+                      <a:headEnd w="med" len="med"/>
+                      <a:tailEnd w="med" len="med"/>
+                    </a:lnT>
+                    <a:lnB w="12700" cap="flat" cmpd="sng" algn="ctr">
+                      <a:solidFill>
+                        <a:schemeClr val="tx1"/>
+                      </a:solidFill>
+                      <a:prstDash val="solid"/>
+                      <a:round/>
+                      <a:headEnd w="med" len="med"/>
+                      <a:tailEnd w="med" len="med"/>
+                    </a:lnB>
+                    <a:solidFill>
+                      <a:schemeClr val="lt1"/>
+                    </a:solidFill>
+                  </a:tcPr>
+                </a:tc>
+              </a:tr>
+            </a:tbl>
+          </a:graphicData>
+        </a:graphic>
+      </p:graphicFrame>
+      <p:sp>
+        <p:nvSpPr>
+          <p:cNvPr id="287" name="Shape 434"/>
+          <p:cNvSpPr/>
+          <p:nvPr/>
+        </p:nvSpPr>
+        <p:spPr>
+          <a:xfrm>
+            <a:off x="513934" y="1123602"/>
+            <a:ext cx="2908790" cy="5152103"/>
+          </a:xfrm>
+          <a:prstGeom prst="rect">
+            <a:avLst/>
+          </a:prstGeom>
+          <a:ln>
+            <a:solidFill>
+              <a:srgbClr val="000000">
+                <a:alpha val="100000"/>
+              </a:srgbClr>
+            </a:solidFill>
+          </a:ln>
+        </p:spPr>
+        <p:txBody>
+          <a:bodyPr lIns="45324" tIns="45324" rIns="45324" bIns="45324"/>
+          <a:p>
+            <a:pPr marL="0" indent="0" algn="ctr" defTabSz="906145" rtl="0" eaLnBrk="1" latinLnBrk="0" hangingPunct="0">
+              <a:lnSpc>
+                <a:spcPct val="120000"/>
+              </a:lnSpc>
+              <a:spcBef>
+                <a:spcPct val="0"/>
+              </a:spcBef>
+              <a:spcAft>
+                <a:spcPts val="0"/>
+              </a:spcAft>
+              <a:buNone/>
+              <a:defRPr sz="700" b="1">
+                <a:latin typeface="Wingdings"/>
+                <a:ea typeface="Wingdings"/>
+                <a:cs typeface="Wingdings"/>
+                <a:sym typeface="Wingdings"/>
+              </a:defRPr>
+            </a:pPr>
+            <a:endParaRPr xmlns:mc="http://schemas.openxmlformats.org/markup-compatibility/2006" xmlns:hp="http://schemas.haansoft.com/office/presentation/8.0" kumimoji="0" sz="700" b="1" i="0" u="none" strike="noStrike" kern="0" cap="none" spc="0" normalizeH="0" baseline="0" mc:Ignorable="hp" hp:hslEmbossed="0">
+              <a:solidFill>
+                <a:srgbClr val="000000"/>
+              </a:solidFill>
+              <a:latin typeface="맑은 고딕"/>
+              <a:ea typeface="맑은 고딕"/>
+              <a:cs typeface="맑은 고딕"/>
+              <a:sym typeface="맑은 고딕"/>
+            </a:endParaRPr>
+          </a:p>
+        </p:txBody>
+      </p:sp>
+      <p:sp>
+        <p:nvSpPr>
+          <p:cNvPr id="288" name="타원 50"/>
+          <p:cNvSpPr/>
+          <p:nvPr/>
+        </p:nvSpPr>
+        <p:spPr>
+          <a:xfrm>
+            <a:off x="1347153" y="1268759"/>
+            <a:ext cx="1239708" cy="628317"/>
+          </a:xfrm>
+          <a:prstGeom prst="ellipse">
+            <a:avLst/>
+          </a:prstGeom>
+          <a:noFill/>
+          <a:ln w="3175" cap="flat" cmpd="sng" algn="ctr">
+            <a:solidFill>
+              <a:srgbClr val="bfbfbf">
+                <a:alpha val="100000"/>
+              </a:srgbClr>
+            </a:solidFill>
+            <a:prstDash val="solid"/>
+          </a:ln>
+        </p:spPr>
+        <p:txBody>
+          <a:bodyPr anchor="ctr"/>
+          <a:p>
+            <a:pPr marL="0" indent="0" algn="ctr" defTabSz="914400" rtl="0" eaLnBrk="1" latinLnBrk="1" hangingPunct="1">
+              <a:lnSpc>
+                <a:spcPct val="100000"/>
+              </a:lnSpc>
+              <a:spcBef>
+                <a:spcPct val="0"/>
+              </a:spcBef>
+              <a:spcAft>
+                <a:spcPts val="0"/>
+              </a:spcAft>
+              <a:buNone/>
+              <a:defRPr/>
+            </a:pPr>
+            <a:r>
+              <a:rPr xmlns:mc="http://schemas.openxmlformats.org/markup-compatibility/2006" xmlns:hp="http://schemas.haansoft.com/office/presentation/8.0" kumimoji="0" lang="ko-KR" altLang="en-US" sz="900" b="0" i="0" u="none" strike="noStrike" kern="1200" cap="none" spc="0" normalizeH="0" baseline="0" mc:Ignorable="hp" hp:hslEmbossed="0">
+                <a:solidFill>
+                  <a:srgbClr val="000000"/>
+                </a:solidFill>
+                <a:latin typeface="Calibri"/>
+                <a:ea typeface="맑은 고딕"/>
+                <a:cs typeface="맑은 고딕"/>
+              </a:rPr>
+              <a:t>로고</a:t>
+            </a:r>
+            <a:endParaRPr xmlns:mc="http://schemas.openxmlformats.org/markup-compatibility/2006" xmlns:hp="http://schemas.haansoft.com/office/presentation/8.0" kumimoji="0" lang="ko-KR" altLang="en-US" sz="900" b="0" i="0" u="none" strike="noStrike" kern="1200" cap="none" spc="0" normalizeH="0" baseline="0" mc:Ignorable="hp" hp:hslEmbossed="0">
+              <a:solidFill>
+                <a:srgbClr val="000000"/>
+              </a:solidFill>
+              <a:latin typeface="Calibri"/>
+              <a:ea typeface="맑은 고딕"/>
+              <a:cs typeface="맑은 고딕"/>
+            </a:endParaRPr>
+          </a:p>
+        </p:txBody>
+      </p:sp>
+      <p:sp>
+        <p:nvSpPr>
+          <p:cNvPr id="291" name=""/>
+          <p:cNvSpPr/>
+          <p:nvPr/>
+        </p:nvSpPr>
+        <p:spPr>
+          <a:xfrm>
+            <a:off x="524496" y="5825449"/>
+            <a:ext cx="2898228" cy="450256"/>
+          </a:xfrm>
+          <a:prstGeom prst="rect">
+            <a:avLst/>
+          </a:prstGeom>
+          <a:solidFill>
+            <a:srgbClr val="ffffff">
+              <a:alpha val="100000"/>
+            </a:srgbClr>
+          </a:solidFill>
+          <a:ln w="19050" cap="flat" cmpd="sng" algn="ctr">
+            <a:solidFill>
+              <a:srgbClr val="9be5c8">
+                <a:alpha val="100000"/>
+              </a:srgbClr>
+            </a:solidFill>
+            <a:prstDash val="solid"/>
+          </a:ln>
+        </p:spPr>
+        <p:txBody>
+          <a:bodyPr anchor="ctr"/>
+          <a:p>
+            <a:pPr marL="0" indent="0" algn="ctr" defTabSz="914400" rtl="0" eaLnBrk="1" latinLnBrk="1" hangingPunct="1">
+              <a:lnSpc>
+                <a:spcPct val="100000"/>
+              </a:lnSpc>
+              <a:spcBef>
+                <a:spcPct val="0"/>
+              </a:spcBef>
+              <a:spcAft>
+                <a:spcPts val="0"/>
+              </a:spcAft>
+              <a:buNone/>
+              <a:defRPr/>
+            </a:pPr>
+            <a:endParaRPr xmlns:mc="http://schemas.openxmlformats.org/markup-compatibility/2006" xmlns:hp="http://schemas.haansoft.com/office/presentation/8.0" kumimoji="0" lang="ko-KR" altLang="en-US" sz="1800" b="0" i="0" u="none" strike="noStrike" kern="1200" cap="none" spc="0" normalizeH="0" baseline="0" mc:Ignorable="hp" hp:hslEmbossed="0">
+              <a:solidFill>
+                <a:srgbClr val="ffffff"/>
+              </a:solidFill>
+              <a:latin typeface="Calibri"/>
+              <a:ea typeface="맑은 고딕"/>
+              <a:cs typeface="맑은 고딕"/>
+            </a:endParaRPr>
+          </a:p>
+        </p:txBody>
+      </p:sp>
+      <p:graphicFrame>
+        <p:nvGraphicFramePr>
+          <p:cNvPr id="292" name=""/>
+          <p:cNvGraphicFramePr>
+            <a:graphicFrameLocks noGrp="1"/>
+          </p:cNvGraphicFramePr>
+          <p:nvPr/>
+        </p:nvGraphicFramePr>
+        <p:xfrm>
+          <a:off x="513933" y="5825450"/>
+          <a:ext cx="2907396" cy="450256"/>
+        </p:xfrm>
+        <a:graphic>
+          <a:graphicData uri="http://schemas.openxmlformats.org/drawingml/2006/table">
+            <a:tbl>
+              <a:tblPr firstRow="1" bandRow="1">
+                <a:tableStyleId>{01A66EDD-3DAB-4C5B-A090-DC80EC1FD486}</a:tableStyleId>
+              </a:tblPr>
+              <a:tblGrid>
+                <a:gridCol w="727197"/>
+                <a:gridCol w="725805"/>
+                <a:gridCol w="727197"/>
+                <a:gridCol w="727197"/>
+              </a:tblGrid>
+              <a:tr h="450256">
+                <a:tc>
+                  <a:txBody>
+                    <a:bodyPr vert="horz" wrap="square" lIns="91440" tIns="45720" rIns="91440" bIns="45720" anchor="t" anchorCtr="0">
+                      <a:spAutoFit/>
+                    </a:bodyPr>
+                    <a:p>
+                      <a:pPr marL="0" algn="ctr" defTabSz="914400" rtl="0" eaLnBrk="1" latinLnBrk="1" hangingPunct="1">
+                        <a:buNone/>
+                        <a:defRPr/>
+                      </a:pPr>
+                      <a:r>
+                        <a:rPr xmlns:mc="http://schemas.openxmlformats.org/markup-compatibility/2006" xmlns:hp="http://schemas.haansoft.com/office/presentation/8.0" kumimoji="0" lang="ko-KR" altLang="en-US" sz="1800" b="1" i="0" u="none" strike="noStrike" kern="1200" cap="none" normalizeH="0" baseline="0" mc:Ignorable="hp" hp:hslEmbossed="0">
+                          <a:ln w="9525">
+                            <a:solidFill>
+                              <a:srgbClr val="ffffff"/>
+                            </a:solidFill>
+                          </a:ln>
+                          <a:solidFill>
+                            <a:srgbClr val="000000"/>
+                          </a:solidFill>
+                          <a:latin typeface="Calibri"/>
+                          <a:ea typeface="맑은 고딕"/>
+                          <a:cs typeface="맑은 고딕"/>
+                        </a:rPr>
+                        <a:t>홈</a:t>
+                      </a:r>
+                      <a:endParaRPr xmlns:mc="http://schemas.openxmlformats.org/markup-compatibility/2006" xmlns:hp="http://schemas.haansoft.com/office/presentation/8.0" kumimoji="0" lang="en-US" altLang="ko-KR" sz="1800" b="1" i="0" u="none" strike="noStrike" kern="1200" cap="none" normalizeH="0" baseline="0" mc:Ignorable="hp" hp:hslEmbossed="0">
+                        <a:ln w="9525">
+                          <a:solidFill>
+                            <a:srgbClr val="ffffff"/>
+                          </a:solidFill>
+                        </a:ln>
+                        <a:solidFill>
+                          <a:srgbClr val="000000"/>
+                        </a:solidFill>
+                        <a:latin typeface="Calibri"/>
+                        <a:ea typeface="맑은 고딕"/>
+                        <a:cs typeface="Calibri"/>
+                      </a:endParaRPr>
+                    </a:p>
+                  </a:txBody>
+                  <a:tcPr marL="91440" marR="91440">
+                    <a:lnL w="25400" cap="flat" cmpd="sng" algn="ctr">
+                      <a:solidFill>
+                        <a:srgbClr val="69d8ad">
+                          <a:alpha val="100000"/>
+                        </a:srgbClr>
+                      </a:solidFill>
+                      <a:prstDash val="solid"/>
+                      <a:round/>
+                      <a:headEnd w="med" len="med"/>
+                      <a:tailEnd w="med" len="med"/>
+                    </a:lnL>
+                    <a:lnR w="25400" cap="flat" cmpd="sng" algn="ctr">
+                      <a:solidFill>
+                        <a:srgbClr val="69d8ad">
+                          <a:alpha val="100000"/>
+                        </a:srgbClr>
+                      </a:solidFill>
+                      <a:prstDash val="solid"/>
+                      <a:round/>
+                      <a:headEnd w="med" len="med"/>
+                      <a:tailEnd w="med" len="med"/>
+                    </a:lnR>
+                    <a:lnT w="25400" cap="flat" cmpd="sng" algn="ctr">
+                      <a:solidFill>
+                        <a:srgbClr val="69d8ad">
+                          <a:alpha val="100000"/>
+                        </a:srgbClr>
+                      </a:solidFill>
+                      <a:prstDash val="solid"/>
+                      <a:round/>
+                      <a:headEnd w="med" len="med"/>
+                      <a:tailEnd w="med" len="med"/>
+                    </a:lnT>
+                    <a:lnB w="25400" cap="flat" cmpd="sng" algn="ctr">
+                      <a:solidFill>
+                        <a:srgbClr val="69d8ad">
+                          <a:alpha val="100000"/>
+                        </a:srgbClr>
+                      </a:solidFill>
+                      <a:prstDash val="solid"/>
+                      <a:round/>
+                      <a:headEnd w="med" len="med"/>
+                      <a:tailEnd w="med" len="med"/>
+                    </a:lnB>
+                    <a:solidFill>
+                      <a:srgbClr val="ffffff">
+                        <a:alpha val="100000"/>
+                      </a:srgbClr>
+                    </a:solidFill>
+                  </a:tcPr>
+                </a:tc>
+                <a:tc>
+                  <a:txBody>
+                    <a:bodyPr vert="horz" wrap="square" lIns="91440" tIns="45720" rIns="91440" bIns="45720" anchor="t" anchorCtr="0">
+                      <a:spAutoFit/>
+                    </a:bodyPr>
+                    <a:p>
+                      <a:pPr marL="0" algn="ctr" defTabSz="914400" rtl="0" eaLnBrk="1" latinLnBrk="1" hangingPunct="1">
+                        <a:buNone/>
+                        <a:defRPr/>
+                      </a:pPr>
+                      <a:r>
+                        <a:rPr xmlns:mc="http://schemas.openxmlformats.org/markup-compatibility/2006" xmlns:hp="http://schemas.haansoft.com/office/presentation/8.0" kumimoji="0" lang="ko-KR" altLang="en-US" sz="1800" b="1" i="0" u="none" strike="noStrike" kern="1200" cap="none" normalizeH="0" baseline="0" mc:Ignorable="hp" hp:hslEmbossed="0">
+                          <a:ln w="9525">
+                            <a:solidFill>
+                              <a:srgbClr val="ffffff"/>
+                            </a:solidFill>
+                          </a:ln>
+                          <a:solidFill>
+                            <a:srgbClr val="000000"/>
+                          </a:solidFill>
+                          <a:latin typeface="Calibri"/>
+                          <a:ea typeface="맑은 고딕"/>
+                          <a:cs typeface="맑은 고딕"/>
+                        </a:rPr>
+                        <a:t>상품</a:t>
+                      </a:r>
+                      <a:endParaRPr xmlns:mc="http://schemas.openxmlformats.org/markup-compatibility/2006" xmlns:hp="http://schemas.haansoft.com/office/presentation/8.0" kumimoji="0" lang="ko-KR" altLang="en-US" sz="1800" b="1" i="0" u="none" strike="noStrike" kern="1200" cap="none" normalizeH="0" baseline="0" mc:Ignorable="hp" hp:hslEmbossed="0">
+                        <a:ln w="9525">
+                          <a:solidFill>
+                            <a:srgbClr val="ffffff"/>
+                          </a:solidFill>
+                        </a:ln>
+                        <a:solidFill>
+                          <a:srgbClr val="000000"/>
+                        </a:solidFill>
+                        <a:latin typeface="Calibri"/>
+                        <a:ea typeface="맑은 고딕"/>
+                        <a:cs typeface="맑은 고딕"/>
+                      </a:endParaRPr>
+                    </a:p>
+                  </a:txBody>
+                  <a:tcPr marL="91440" marR="91440">
+                    <a:lnL w="25400" cap="flat" cmpd="sng" algn="ctr">
+                      <a:solidFill>
+                        <a:srgbClr val="69d8ad">
+                          <a:alpha val="100000"/>
+                        </a:srgbClr>
+                      </a:solidFill>
+                      <a:prstDash val="solid"/>
+                      <a:round/>
+                      <a:headEnd w="med" len="med"/>
+                      <a:tailEnd w="med" len="med"/>
+                    </a:lnL>
+                    <a:lnR w="25400" cap="flat" cmpd="sng" algn="ctr">
+                      <a:solidFill>
+                        <a:srgbClr val="69d8ad">
+                          <a:alpha val="100000"/>
+                        </a:srgbClr>
+                      </a:solidFill>
+                      <a:prstDash val="solid"/>
+                      <a:round/>
+                      <a:headEnd w="med" len="med"/>
+                      <a:tailEnd w="med" len="med"/>
+                    </a:lnR>
+                    <a:lnT w="25400" cap="flat" cmpd="sng" algn="ctr">
+                      <a:solidFill>
+                        <a:srgbClr val="69d8ad">
+                          <a:alpha val="100000"/>
+                        </a:srgbClr>
+                      </a:solidFill>
+                      <a:prstDash val="solid"/>
+                      <a:round/>
+                      <a:headEnd w="med" len="med"/>
+                      <a:tailEnd w="med" len="med"/>
+                    </a:lnT>
+                    <a:lnB w="25400" cap="flat" cmpd="sng" algn="ctr">
+                      <a:solidFill>
+                        <a:srgbClr val="69d8ad">
+                          <a:alpha val="100000"/>
+                        </a:srgbClr>
+                      </a:solidFill>
+                      <a:prstDash val="solid"/>
+                      <a:round/>
+                      <a:headEnd w="med" len="med"/>
+                      <a:tailEnd w="med" len="med"/>
+                    </a:lnB>
+                    <a:solidFill>
+                      <a:srgbClr val="ffffff">
+                        <a:alpha val="100000"/>
+                      </a:srgbClr>
+                    </a:solidFill>
+                  </a:tcPr>
+                </a:tc>
+                <a:tc>
+                  <a:txBody>
+                    <a:bodyPr vert="horz" wrap="square" lIns="91440" tIns="45720" rIns="91440" bIns="45720" anchor="t" anchorCtr="0">
+                      <a:spAutoFit/>
+                    </a:bodyPr>
+                    <a:p>
+                      <a:pPr marL="0" algn="ctr" defTabSz="914400" rtl="0" eaLnBrk="1" latinLnBrk="1" hangingPunct="1">
+                        <a:buNone/>
+                        <a:defRPr/>
+                      </a:pPr>
+                      <a:r>
+                        <a:rPr xmlns:mc="http://schemas.openxmlformats.org/markup-compatibility/2006" xmlns:hp="http://schemas.haansoft.com/office/presentation/8.0" kumimoji="0" lang="ko-KR" altLang="en-US" sz="1800" b="1" i="0" u="none" strike="noStrike" kern="1200" cap="none" normalizeH="0" baseline="0" mc:Ignorable="hp" hp:hslEmbossed="0">
+                          <a:ln w="9525">
+                            <a:solidFill>
+                              <a:srgbClr val="ffffff"/>
+                            </a:solidFill>
+                          </a:ln>
+                          <a:solidFill>
+                            <a:srgbClr val="000000"/>
+                          </a:solidFill>
+                          <a:latin typeface="Calibri"/>
+                          <a:ea typeface="맑은 고딕"/>
+                          <a:cs typeface="맑은 고딕"/>
+                        </a:rPr>
+                        <a:t>검색</a:t>
+                      </a:r>
+                      <a:endParaRPr xmlns:mc="http://schemas.openxmlformats.org/markup-compatibility/2006" xmlns:hp="http://schemas.haansoft.com/office/presentation/8.0" kumimoji="0" lang="ko-KR" altLang="en-US" sz="1800" b="1" i="0" u="none" strike="noStrike" kern="1200" cap="none" normalizeH="0" baseline="0" mc:Ignorable="hp" hp:hslEmbossed="0">
+                        <a:ln w="9525">
+                          <a:solidFill>
+                            <a:srgbClr val="ffffff"/>
+                          </a:solidFill>
+                        </a:ln>
+                        <a:solidFill>
+                          <a:srgbClr val="000000"/>
+                        </a:solidFill>
+                        <a:latin typeface="Calibri"/>
+                        <a:ea typeface="맑은 고딕"/>
+                        <a:cs typeface="맑은 고딕"/>
+                      </a:endParaRPr>
+                    </a:p>
+                  </a:txBody>
+                  <a:tcPr marL="91440" marR="91440">
+                    <a:lnL w="25400" cap="flat" cmpd="sng" algn="ctr">
+                      <a:solidFill>
+                        <a:srgbClr val="69d8ad">
+                          <a:alpha val="100000"/>
+                        </a:srgbClr>
+                      </a:solidFill>
+                      <a:prstDash val="solid"/>
+                      <a:round/>
+                      <a:headEnd w="med" len="med"/>
+                      <a:tailEnd w="med" len="med"/>
+                    </a:lnL>
+                    <a:lnR w="25400" cap="flat" cmpd="sng" algn="ctr">
+                      <a:solidFill>
+                        <a:srgbClr val="69d8ad">
+                          <a:alpha val="100000"/>
+                        </a:srgbClr>
+                      </a:solidFill>
+                      <a:prstDash val="solid"/>
+                      <a:round/>
+                      <a:headEnd w="med" len="med"/>
+                      <a:tailEnd w="med" len="med"/>
+                    </a:lnR>
+                    <a:lnT w="25400" cap="flat" cmpd="sng" algn="ctr">
+                      <a:solidFill>
+                        <a:srgbClr val="69d8ad">
+                          <a:alpha val="100000"/>
+                        </a:srgbClr>
+                      </a:solidFill>
+                      <a:prstDash val="solid"/>
+                      <a:round/>
+                      <a:headEnd w="med" len="med"/>
+                      <a:tailEnd w="med" len="med"/>
+                    </a:lnT>
+                    <a:lnB w="25400" cap="flat" cmpd="sng" algn="ctr">
+                      <a:solidFill>
+                        <a:srgbClr val="69d8ad">
+                          <a:alpha val="100000"/>
+                        </a:srgbClr>
+                      </a:solidFill>
+                      <a:prstDash val="solid"/>
+                      <a:round/>
+                      <a:headEnd w="med" len="med"/>
+                      <a:tailEnd w="med" len="med"/>
+                    </a:lnB>
+                    <a:solidFill>
+                      <a:srgbClr val="ffffff">
+                        <a:alpha val="100000"/>
+                      </a:srgbClr>
+                    </a:solidFill>
+                  </a:tcPr>
+                </a:tc>
+                <a:tc>
+                  <a:txBody>
+                    <a:bodyPr vert="horz" wrap="square" lIns="91440" tIns="45720" rIns="91440" bIns="45720" anchor="t" anchorCtr="0">
+                      <a:spAutoFit/>
+                    </a:bodyPr>
+                    <a:p>
+                      <a:pPr marL="0" algn="ctr" defTabSz="914400" rtl="0" eaLnBrk="1" latinLnBrk="1" hangingPunct="1">
+                        <a:buNone/>
+                        <a:defRPr/>
+                      </a:pPr>
+                      <a:r>
+                        <a:rPr xmlns:mc="http://schemas.openxmlformats.org/markup-compatibility/2006" xmlns:hp="http://schemas.haansoft.com/office/presentation/8.0" kumimoji="0" lang="ko-KR" altLang="en-US" sz="1800" b="1" i="0" u="none" strike="noStrike" kern="1200" cap="none" normalizeH="0" baseline="0" mc:Ignorable="hp" hp:hslEmbossed="0">
+                          <a:ln w="9525">
+                            <a:solidFill>
+                              <a:srgbClr val="ffffff"/>
+                            </a:solidFill>
+                          </a:ln>
+                          <a:solidFill>
+                            <a:srgbClr val="000000"/>
+                          </a:solidFill>
+                          <a:latin typeface="Calibri"/>
+                          <a:ea typeface="맑은 고딕"/>
+                          <a:cs typeface="맑은 고딕"/>
+                        </a:rPr>
+                        <a:t>마이</a:t>
+                      </a:r>
+                      <a:endParaRPr xmlns:mc="http://schemas.openxmlformats.org/markup-compatibility/2006" xmlns:hp="http://schemas.haansoft.com/office/presentation/8.0" kumimoji="0" lang="ko-KR" altLang="en-US" sz="1800" b="1" i="0" u="none" strike="noStrike" kern="1200" cap="none" normalizeH="0" baseline="0" mc:Ignorable="hp" hp:hslEmbossed="0">
+                        <a:ln w="9525">
+                          <a:solidFill>
+                            <a:srgbClr val="ffffff"/>
+                          </a:solidFill>
+                        </a:ln>
+                        <a:solidFill>
+                          <a:srgbClr val="000000"/>
+                        </a:solidFill>
+                        <a:latin typeface="Calibri"/>
+                        <a:ea typeface="맑은 고딕"/>
+                        <a:cs typeface="맑은 고딕"/>
+                      </a:endParaRPr>
+                    </a:p>
+                  </a:txBody>
+                  <a:tcPr marL="91440" marR="91440">
+                    <a:lnL w="25400" cap="flat" cmpd="sng" algn="ctr">
+                      <a:solidFill>
+                        <a:srgbClr val="69d8ad">
+                          <a:alpha val="100000"/>
+                        </a:srgbClr>
+                      </a:solidFill>
+                      <a:prstDash val="solid"/>
+                      <a:round/>
+                      <a:headEnd w="med" len="med"/>
+                      <a:tailEnd w="med" len="med"/>
+                    </a:lnL>
+                    <a:lnR w="25400" cap="flat" cmpd="sng" algn="ctr">
+                      <a:solidFill>
+                        <a:srgbClr val="69d8ad">
+                          <a:alpha val="100000"/>
+                        </a:srgbClr>
+                      </a:solidFill>
+                      <a:prstDash val="solid"/>
+                      <a:round/>
+                      <a:headEnd w="med" len="med"/>
+                      <a:tailEnd w="med" len="med"/>
+                    </a:lnR>
+                    <a:lnT w="25400" cap="flat" cmpd="sng" algn="ctr">
+                      <a:solidFill>
+                        <a:srgbClr val="69d8ad">
+                          <a:alpha val="100000"/>
+                        </a:srgbClr>
+                      </a:solidFill>
+                      <a:prstDash val="solid"/>
+                      <a:round/>
+                      <a:headEnd w="med" len="med"/>
+                      <a:tailEnd w="med" len="med"/>
+                    </a:lnT>
+                    <a:lnB w="25400" cap="flat" cmpd="sng" algn="ctr">
+                      <a:solidFill>
+                        <a:srgbClr val="69d8ad">
+                          <a:alpha val="100000"/>
+                        </a:srgbClr>
+                      </a:solidFill>
+                      <a:prstDash val="solid"/>
+                      <a:round/>
+                      <a:headEnd w="med" len="med"/>
+                      <a:tailEnd w="med" len="med"/>
+                    </a:lnB>
+                    <a:solidFill>
+                      <a:srgbClr val="ffffff">
+                        <a:alpha val="100000"/>
+                      </a:srgbClr>
+                    </a:solidFill>
+                  </a:tcPr>
+                </a:tc>
+              </a:tr>
+            </a:tbl>
+          </a:graphicData>
+        </a:graphic>
+      </p:graphicFrame>
+      <p:sp>
+        <p:nvSpPr>
+          <p:cNvPr id="298" name=""/>
+          <p:cNvSpPr/>
+          <p:nvPr/>
+        </p:nvSpPr>
+        <p:spPr>
+          <a:xfrm>
+            <a:off x="513933" y="2022747"/>
+            <a:ext cx="2896833" cy="3802701"/>
+          </a:xfrm>
+          <a:prstGeom prst="rect">
+            <a:avLst/>
+          </a:prstGeom>
+          <a:solidFill>
+            <a:schemeClr val="lt1"/>
+          </a:solidFill>
+        </p:spPr>
+        <p:style>
+          <a:lnRef idx="2">
+            <a:schemeClr val="accent1">
+              <a:shade val="20000"/>
+            </a:schemeClr>
+          </a:lnRef>
+          <a:fillRef idx="1">
+            <a:schemeClr val="accent1"/>
+          </a:fillRef>
+          <a:effectRef idx="0">
+            <a:schemeClr val="accent1"/>
+          </a:effectRef>
+          <a:fontRef idx="minor">
+            <a:schemeClr val="lt1"/>
+          </a:fontRef>
+        </p:style>
+        <p:txBody>
+          <a:bodyPr anchor="ctr"/>
+          <a:p>
+            <a:pPr algn="ctr">
+              <a:defRPr/>
+            </a:pPr>
+            <a:endParaRPr lang="ko-KR" altLang="en-US"/>
+          </a:p>
+        </p:txBody>
+      </p:sp>
+      <p:sp>
+        <p:nvSpPr>
+          <p:cNvPr id="306" name=""/>
+          <p:cNvSpPr/>
+          <p:nvPr/>
+        </p:nvSpPr>
+        <p:spPr>
+          <a:xfrm>
+            <a:off x="619746" y="2693751"/>
+            <a:ext cx="2700337" cy="396049"/>
+          </a:xfrm>
+          <a:prstGeom prst="rect">
+            <a:avLst/>
+          </a:prstGeom>
+          <a:solidFill>
+            <a:schemeClr val="lt1"/>
+          </a:solidFill>
+        </p:spPr>
+        <p:style>
+          <a:lnRef idx="2">
+            <a:schemeClr val="accent1">
+              <a:shade val="20000"/>
+            </a:schemeClr>
+          </a:lnRef>
+          <a:fillRef idx="1">
+            <a:schemeClr val="accent1"/>
+          </a:fillRef>
+          <a:effectRef idx="0">
+            <a:schemeClr val="accent1"/>
+          </a:effectRef>
+          <a:fontRef idx="minor">
+            <a:schemeClr val="lt1"/>
+          </a:fontRef>
+        </p:style>
+        <p:txBody>
+          <a:bodyPr anchor="ctr"/>
+          <a:p>
+            <a:pPr algn="ctr">
+              <a:defRPr/>
+            </a:pPr>
+            <a:r>
+              <a:rPr lang="ko-KR" altLang="en-US" sz="1100">
+                <a:solidFill>
+                  <a:schemeClr val="dk1"/>
+                </a:solidFill>
+              </a:rPr>
+              <a:t>리뷰 </a:t>
+            </a:r>
+            <a:r>
+              <a:rPr lang="en-US" altLang="ko-KR" sz="1100">
+                <a:solidFill>
+                  <a:schemeClr val="dk1"/>
+                </a:solidFill>
+              </a:rPr>
+              <a:t>1</a:t>
+            </a:r>
+            <a:endParaRPr lang="en-US" altLang="ko-KR" sz="1100">
+              <a:solidFill>
+                <a:schemeClr val="dk1"/>
+              </a:solidFill>
+            </a:endParaRPr>
+          </a:p>
+        </p:txBody>
+      </p:sp>
+      <p:sp>
+        <p:nvSpPr>
+          <p:cNvPr id="307" name=""/>
+          <p:cNvSpPr/>
+          <p:nvPr/>
+        </p:nvSpPr>
+        <p:spPr>
+          <a:xfrm>
+            <a:off x="604940" y="3320553"/>
+            <a:ext cx="2700337" cy="396049"/>
+          </a:xfrm>
+          <a:prstGeom prst="rect">
+            <a:avLst/>
+          </a:prstGeom>
+          <a:solidFill>
+            <a:srgbClr val="ffffff">
+              <a:alpha val="100000"/>
+            </a:srgbClr>
+          </a:solidFill>
+          <a:ln w="19050" cap="flat" cmpd="sng" algn="ctr">
+            <a:solidFill>
+              <a:srgbClr val="2e3e67">
+                <a:alpha val="100000"/>
+              </a:srgbClr>
+            </a:solidFill>
+            <a:prstDash val="solid"/>
+          </a:ln>
+        </p:spPr>
+        <p:txBody>
+          <a:bodyPr anchor="ctr"/>
+          <a:p>
+            <a:pPr marL="0" indent="0" algn="ctr" defTabSz="914400" rtl="0" eaLnBrk="1" latinLnBrk="1" hangingPunct="1">
+              <a:lnSpc>
+                <a:spcPct val="100000"/>
+              </a:lnSpc>
+              <a:spcBef>
+                <a:spcPct val="0"/>
+              </a:spcBef>
+              <a:spcAft>
+                <a:spcPts val="0"/>
+              </a:spcAft>
+              <a:buNone/>
+              <a:defRPr/>
+            </a:pPr>
+            <a:r>
+              <a:rPr xmlns:mc="http://schemas.openxmlformats.org/markup-compatibility/2006" xmlns:hp="http://schemas.haansoft.com/office/presentation/8.0" kumimoji="0" lang="ko-KR" altLang="en-US" sz="1100" b="0" i="0" u="none" strike="noStrike" kern="1200" cap="none" spc="0" normalizeH="0" baseline="0" mc:Ignorable="hp" hp:hslEmbossed="0">
+                <a:solidFill>
+                  <a:srgbClr val="000000"/>
+                </a:solidFill>
+                <a:latin typeface="Calibri"/>
+                <a:ea typeface="맑은 고딕"/>
+                <a:cs typeface="맑은 고딕"/>
+              </a:rPr>
+              <a:t>리뷰 </a:t>
+            </a:r>
+            <a:r>
+              <a:rPr xmlns:mc="http://schemas.openxmlformats.org/markup-compatibility/2006" xmlns:hp="http://schemas.haansoft.com/office/presentation/8.0" kumimoji="0" lang="en-US" altLang="ko-KR" sz="1100" b="0" i="0" u="none" strike="noStrike" kern="1200" cap="none" spc="0" normalizeH="0" baseline="0" mc:Ignorable="hp" hp:hslEmbossed="0">
+                <a:solidFill>
+                  <a:srgbClr val="000000"/>
+                </a:solidFill>
+                <a:latin typeface="Calibri"/>
+                <a:ea typeface="맑은 고딕"/>
+                <a:cs typeface="맑은 고딕"/>
+              </a:rPr>
+              <a:t>2</a:t>
+            </a:r>
+            <a:endParaRPr xmlns:mc="http://schemas.openxmlformats.org/markup-compatibility/2006" xmlns:hp="http://schemas.haansoft.com/office/presentation/8.0" kumimoji="0" lang="en-US" altLang="ko-KR" sz="1100" b="0" i="0" u="none" strike="noStrike" kern="1200" cap="none" spc="0" normalizeH="0" baseline="0" mc:Ignorable="hp" hp:hslEmbossed="0">
+              <a:solidFill>
+                <a:srgbClr val="000000"/>
+              </a:solidFill>
+              <a:latin typeface="Calibri"/>
+              <a:ea typeface="맑은 고딕"/>
+              <a:cs typeface="맑은 고딕"/>
+            </a:endParaRPr>
+          </a:p>
+        </p:txBody>
+      </p:sp>
+      <p:sp>
+        <p:nvSpPr>
+          <p:cNvPr id="308" name=""/>
+          <p:cNvSpPr/>
+          <p:nvPr/>
+        </p:nvSpPr>
+        <p:spPr>
+          <a:xfrm>
+            <a:off x="623990" y="3893820"/>
+            <a:ext cx="2700337" cy="396049"/>
+          </a:xfrm>
+          <a:prstGeom prst="rect">
+            <a:avLst/>
+          </a:prstGeom>
+          <a:solidFill>
+            <a:srgbClr val="ffffff">
+              <a:alpha val="100000"/>
+            </a:srgbClr>
+          </a:solidFill>
+          <a:ln w="19050" cap="flat" cmpd="sng" algn="ctr">
+            <a:solidFill>
+              <a:srgbClr val="2e3e67">
+                <a:alpha val="100000"/>
+              </a:srgbClr>
+            </a:solidFill>
+            <a:prstDash val="solid"/>
+          </a:ln>
+        </p:spPr>
+        <p:txBody>
+          <a:bodyPr anchor="ctr"/>
+          <a:p>
+            <a:pPr marL="0" indent="0" algn="ctr" defTabSz="914400" rtl="0" eaLnBrk="1" latinLnBrk="1" hangingPunct="1">
+              <a:lnSpc>
+                <a:spcPct val="100000"/>
+              </a:lnSpc>
+              <a:spcBef>
+                <a:spcPct val="0"/>
+              </a:spcBef>
+              <a:spcAft>
+                <a:spcPts val="0"/>
+              </a:spcAft>
+              <a:buNone/>
+              <a:defRPr/>
+            </a:pPr>
+            <a:r>
+              <a:rPr xmlns:mc="http://schemas.openxmlformats.org/markup-compatibility/2006" xmlns:hp="http://schemas.haansoft.com/office/presentation/8.0" kumimoji="0" lang="ko-KR" altLang="en-US" sz="1100" b="0" i="0" u="none" strike="noStrike" kern="1200" cap="none" spc="0" normalizeH="0" baseline="0" mc:Ignorable="hp" hp:hslEmbossed="0">
+                <a:solidFill>
+                  <a:srgbClr val="000000"/>
+                </a:solidFill>
+                <a:latin typeface="Calibri"/>
+                <a:ea typeface="맑은 고딕"/>
+                <a:cs typeface="맑은 고딕"/>
+              </a:rPr>
+              <a:t>리뷰 </a:t>
+            </a:r>
+            <a:r>
+              <a:rPr xmlns:mc="http://schemas.openxmlformats.org/markup-compatibility/2006" xmlns:hp="http://schemas.haansoft.com/office/presentation/8.0" kumimoji="0" lang="en-US" altLang="ko-KR" sz="1100" b="0" i="0" u="none" strike="noStrike" kern="1200" cap="none" spc="0" normalizeH="0" baseline="0" mc:Ignorable="hp" hp:hslEmbossed="0">
+                <a:solidFill>
+                  <a:srgbClr val="000000"/>
+                </a:solidFill>
+                <a:latin typeface="Calibri"/>
+                <a:ea typeface="맑은 고딕"/>
+                <a:cs typeface="맑은 고딕"/>
+              </a:rPr>
+              <a:t>3</a:t>
+            </a:r>
+            <a:endParaRPr xmlns:mc="http://schemas.openxmlformats.org/markup-compatibility/2006" xmlns:hp="http://schemas.haansoft.com/office/presentation/8.0" kumimoji="0" lang="en-US" altLang="ko-KR" sz="1100" b="0" i="0" u="none" strike="noStrike" kern="1200" cap="none" spc="0" normalizeH="0" baseline="0" mc:Ignorable="hp" hp:hslEmbossed="0">
+              <a:solidFill>
+                <a:srgbClr val="000000"/>
+              </a:solidFill>
+              <a:latin typeface="Calibri"/>
+              <a:ea typeface="맑은 고딕"/>
+              <a:cs typeface="맑은 고딕"/>
+            </a:endParaRPr>
+          </a:p>
+        </p:txBody>
+      </p:sp>
+      <p:sp>
+        <p:nvSpPr>
+          <p:cNvPr id="312" name=""/>
+          <p:cNvSpPr/>
+          <p:nvPr/>
+        </p:nvSpPr>
+        <p:spPr>
+          <a:xfrm>
+            <a:off x="799086" y="2207367"/>
+            <a:ext cx="2304288" cy="288036"/>
+          </a:xfrm>
+          <a:prstGeom prst="rect">
+            <a:avLst/>
+          </a:prstGeom>
+          <a:solidFill>
+            <a:schemeClr val="lt1"/>
+          </a:solidFill>
+        </p:spPr>
+        <p:style>
+          <a:lnRef idx="2">
+            <a:schemeClr val="accent1">
+              <a:shade val="20000"/>
+            </a:schemeClr>
+          </a:lnRef>
+          <a:fillRef idx="1">
+            <a:schemeClr val="accent1"/>
+          </a:fillRef>
+          <a:effectRef idx="0">
+            <a:schemeClr val="accent1"/>
+          </a:effectRef>
+          <a:fontRef idx="minor">
+            <a:schemeClr val="lt1"/>
+          </a:fontRef>
+        </p:style>
+        <p:txBody>
+          <a:bodyPr anchor="ctr"/>
+          <a:p>
+            <a:pPr algn="ctr">
+              <a:defRPr/>
+            </a:pPr>
+            <a:r>
+              <a:rPr lang="ko-KR" altLang="en-US" sz="1100">
+                <a:solidFill>
+                  <a:schemeClr val="dk1"/>
+                </a:solidFill>
+              </a:rPr>
+              <a:t>리뷰</a:t>
+            </a:r>
+            <a:endParaRPr lang="ko-KR" altLang="en-US" sz="1100">
+              <a:solidFill>
+                <a:schemeClr val="dk1"/>
+              </a:solidFill>
+            </a:endParaRPr>
+          </a:p>
+        </p:txBody>
+      </p:sp>
+      <p:sp>
+        <p:nvSpPr>
+          <p:cNvPr id="316" name="Shape 434"/>
+          <p:cNvSpPr/>
+          <p:nvPr/>
+        </p:nvSpPr>
+        <p:spPr>
+          <a:xfrm>
+            <a:off x="4023073" y="1123604"/>
+            <a:ext cx="2908790" cy="5152103"/>
+          </a:xfrm>
+          <a:prstGeom prst="rect">
+            <a:avLst/>
+          </a:prstGeom>
+          <a:ln>
+            <a:solidFill>
+              <a:srgbClr val="000000">
+                <a:alpha val="100000"/>
+              </a:srgbClr>
+            </a:solidFill>
+          </a:ln>
+        </p:spPr>
+        <p:txBody>
+          <a:bodyPr lIns="45324" tIns="45324" rIns="45324" bIns="45324"/>
+          <a:p>
+            <a:pPr marL="0" indent="0" algn="ctr" defTabSz="906145" rtl="0" eaLnBrk="1" latinLnBrk="0" hangingPunct="0">
+              <a:lnSpc>
+                <a:spcPct val="120000"/>
+              </a:lnSpc>
+              <a:spcBef>
+                <a:spcPct val="0"/>
+              </a:spcBef>
+              <a:spcAft>
+                <a:spcPts val="0"/>
+              </a:spcAft>
+              <a:buNone/>
+              <a:defRPr sz="700" b="1">
+                <a:latin typeface="Wingdings"/>
+                <a:ea typeface="Wingdings"/>
+                <a:cs typeface="Wingdings"/>
+                <a:sym typeface="Wingdings"/>
+              </a:defRPr>
+            </a:pPr>
+            <a:endParaRPr xmlns:mc="http://schemas.openxmlformats.org/markup-compatibility/2006" xmlns:hp="http://schemas.haansoft.com/office/presentation/8.0" kumimoji="0" sz="700" b="1" i="0" u="none" strike="noStrike" kern="0" cap="none" spc="0" normalizeH="0" baseline="0" mc:Ignorable="hp" hp:hslEmbossed="0">
+              <a:solidFill>
+                <a:srgbClr val="000000"/>
+              </a:solidFill>
+              <a:latin typeface="맑은 고딕"/>
+              <a:ea typeface="맑은 고딕"/>
+              <a:cs typeface="맑은 고딕"/>
+              <a:sym typeface="맑은 고딕"/>
+            </a:endParaRPr>
+          </a:p>
+        </p:txBody>
+      </p:sp>
+      <p:sp>
+        <p:nvSpPr>
+          <p:cNvPr id="317" name="타원 50"/>
+          <p:cNvSpPr/>
+          <p:nvPr/>
+        </p:nvSpPr>
+        <p:spPr>
+          <a:xfrm>
+            <a:off x="4856292" y="1268761"/>
+            <a:ext cx="1239708" cy="628317"/>
+          </a:xfrm>
+          <a:prstGeom prst="ellipse">
+            <a:avLst/>
+          </a:prstGeom>
+          <a:noFill/>
+          <a:ln w="3175" cap="flat" cmpd="sng" algn="ctr">
+            <a:solidFill>
+              <a:srgbClr val="bfbfbf">
+                <a:alpha val="100000"/>
+              </a:srgbClr>
+            </a:solidFill>
+            <a:prstDash val="solid"/>
+          </a:ln>
+        </p:spPr>
+        <p:txBody>
+          <a:bodyPr anchor="ctr"/>
+          <a:p>
+            <a:pPr marL="0" indent="0" algn="ctr" defTabSz="914400" rtl="0" eaLnBrk="1" latinLnBrk="1" hangingPunct="1">
+              <a:lnSpc>
+                <a:spcPct val="100000"/>
+              </a:lnSpc>
+              <a:spcBef>
+                <a:spcPct val="0"/>
+              </a:spcBef>
+              <a:spcAft>
+                <a:spcPts val="0"/>
+              </a:spcAft>
+              <a:buNone/>
+              <a:defRPr/>
+            </a:pPr>
+            <a:r>
+              <a:rPr xmlns:mc="http://schemas.openxmlformats.org/markup-compatibility/2006" xmlns:hp="http://schemas.haansoft.com/office/presentation/8.0" kumimoji="0" lang="ko-KR" altLang="en-US" sz="900" b="0" i="0" u="none" strike="noStrike" kern="1200" cap="none" spc="0" normalizeH="0" baseline="0" mc:Ignorable="hp" hp:hslEmbossed="0">
+                <a:solidFill>
+                  <a:srgbClr val="000000"/>
+                </a:solidFill>
+                <a:latin typeface="Calibri"/>
+                <a:ea typeface="맑은 고딕"/>
+                <a:cs typeface="맑은 고딕"/>
+              </a:rPr>
+              <a:t>로고</a:t>
+            </a:r>
+            <a:endParaRPr xmlns:mc="http://schemas.openxmlformats.org/markup-compatibility/2006" xmlns:hp="http://schemas.haansoft.com/office/presentation/8.0" kumimoji="0" lang="ko-KR" altLang="en-US" sz="900" b="0" i="0" u="none" strike="noStrike" kern="1200" cap="none" spc="0" normalizeH="0" baseline="0" mc:Ignorable="hp" hp:hslEmbossed="0">
+              <a:solidFill>
+                <a:srgbClr val="000000"/>
+              </a:solidFill>
+              <a:latin typeface="Calibri"/>
+              <a:ea typeface="맑은 고딕"/>
+              <a:cs typeface="맑은 고딕"/>
+            </a:endParaRPr>
+          </a:p>
+        </p:txBody>
+      </p:sp>
+      <p:sp>
+        <p:nvSpPr>
+          <p:cNvPr id="318" name=""/>
+          <p:cNvSpPr/>
+          <p:nvPr/>
+        </p:nvSpPr>
+        <p:spPr>
+          <a:xfrm>
+            <a:off x="4033635" y="5825450"/>
+            <a:ext cx="2898228" cy="450256"/>
+          </a:xfrm>
+          <a:prstGeom prst="rect">
+            <a:avLst/>
+          </a:prstGeom>
+          <a:solidFill>
+            <a:srgbClr val="ffffff">
+              <a:alpha val="100000"/>
+            </a:srgbClr>
+          </a:solidFill>
+          <a:ln w="19050" cap="flat" cmpd="sng" algn="ctr">
+            <a:solidFill>
+              <a:srgbClr val="9be5c8">
+                <a:alpha val="100000"/>
+              </a:srgbClr>
+            </a:solidFill>
+            <a:prstDash val="solid"/>
+          </a:ln>
+        </p:spPr>
+        <p:txBody>
+          <a:bodyPr anchor="ctr"/>
+          <a:p>
+            <a:pPr marL="0" indent="0" algn="ctr" defTabSz="914400" rtl="0" eaLnBrk="1" latinLnBrk="1" hangingPunct="1">
+              <a:lnSpc>
+                <a:spcPct val="100000"/>
+              </a:lnSpc>
+              <a:spcBef>
+                <a:spcPct val="0"/>
+              </a:spcBef>
+              <a:spcAft>
+                <a:spcPts val="0"/>
+              </a:spcAft>
+              <a:buNone/>
+              <a:defRPr/>
+            </a:pPr>
+            <a:endParaRPr xmlns:mc="http://schemas.openxmlformats.org/markup-compatibility/2006" xmlns:hp="http://schemas.haansoft.com/office/presentation/8.0" kumimoji="0" lang="ko-KR" altLang="en-US" sz="1800" b="0" i="0" u="none" strike="noStrike" kern="1200" cap="none" spc="0" normalizeH="0" baseline="0" mc:Ignorable="hp" hp:hslEmbossed="0">
+              <a:solidFill>
+                <a:srgbClr val="ffffff"/>
+              </a:solidFill>
+              <a:latin typeface="Calibri"/>
+              <a:ea typeface="맑은 고딕"/>
+              <a:cs typeface="맑은 고딕"/>
+            </a:endParaRPr>
+          </a:p>
+        </p:txBody>
+      </p:sp>
+      <p:graphicFrame>
+        <p:nvGraphicFramePr>
+          <p:cNvPr id="319" name=""/>
+          <p:cNvGraphicFramePr>
+            <a:graphicFrameLocks noGrp="1"/>
+          </p:cNvGraphicFramePr>
+          <p:nvPr/>
+        </p:nvGraphicFramePr>
+        <p:xfrm>
+          <a:off x="4023072" y="5825451"/>
+          <a:ext cx="2907396" cy="450256"/>
+        </p:xfrm>
+        <a:graphic>
+          <a:graphicData uri="http://schemas.openxmlformats.org/drawingml/2006/table">
+            <a:tbl>
+              <a:tblPr firstRow="1" bandRow="1">
+                <a:tableStyleId>{01A66EDD-3DAB-4C5B-A090-DC80EC1FD486}</a:tableStyleId>
+              </a:tblPr>
+              <a:tblGrid>
+                <a:gridCol w="727197"/>
+                <a:gridCol w="725805"/>
+                <a:gridCol w="727197"/>
+                <a:gridCol w="727197"/>
+              </a:tblGrid>
+              <a:tr h="450256">
+                <a:tc>
+                  <a:txBody>
+                    <a:bodyPr vert="horz" wrap="square" lIns="91440" tIns="45720" rIns="91440" bIns="45720" anchor="t" anchorCtr="0">
+                      <a:spAutoFit/>
+                    </a:bodyPr>
+                    <a:p>
+                      <a:pPr marL="0" algn="ctr" defTabSz="914400" rtl="0" eaLnBrk="1" latinLnBrk="1" hangingPunct="1">
+                        <a:buNone/>
+                        <a:defRPr/>
+                      </a:pPr>
+                      <a:r>
+                        <a:rPr xmlns:mc="http://schemas.openxmlformats.org/markup-compatibility/2006" xmlns:hp="http://schemas.haansoft.com/office/presentation/8.0" kumimoji="0" lang="ko-KR" altLang="en-US" sz="1800" b="1" i="0" u="none" strike="noStrike" kern="1200" cap="none" normalizeH="0" baseline="0" mc:Ignorable="hp" hp:hslEmbossed="0">
+                          <a:ln w="9525">
+                            <a:solidFill>
+                              <a:srgbClr val="ffffff"/>
+                            </a:solidFill>
+                          </a:ln>
+                          <a:solidFill>
+                            <a:srgbClr val="000000"/>
+                          </a:solidFill>
+                          <a:latin typeface="Calibri"/>
+                          <a:ea typeface="맑은 고딕"/>
+                          <a:cs typeface="맑은 고딕"/>
+                        </a:rPr>
+                        <a:t>홈</a:t>
+                      </a:r>
+                      <a:endParaRPr xmlns:mc="http://schemas.openxmlformats.org/markup-compatibility/2006" xmlns:hp="http://schemas.haansoft.com/office/presentation/8.0" kumimoji="0" lang="en-US" altLang="ko-KR" sz="1800" b="1" i="0" u="none" strike="noStrike" kern="1200" cap="none" normalizeH="0" baseline="0" mc:Ignorable="hp" hp:hslEmbossed="0">
+                        <a:ln w="9525">
+                          <a:solidFill>
+                            <a:srgbClr val="ffffff"/>
+                          </a:solidFill>
+                        </a:ln>
+                        <a:solidFill>
+                          <a:srgbClr val="000000"/>
+                        </a:solidFill>
+                        <a:latin typeface="Calibri"/>
+                        <a:ea typeface="맑은 고딕"/>
+                        <a:cs typeface="Calibri"/>
+                      </a:endParaRPr>
+                    </a:p>
+                  </a:txBody>
+                  <a:tcPr marL="91440" marR="91440">
+                    <a:lnL w="25400" cap="flat" cmpd="sng" algn="ctr">
+                      <a:solidFill>
+                        <a:srgbClr val="69d8ad">
+                          <a:alpha val="100000"/>
+                        </a:srgbClr>
+                      </a:solidFill>
+                      <a:prstDash val="solid"/>
+                      <a:round/>
+                      <a:headEnd w="med" len="med"/>
+                      <a:tailEnd w="med" len="med"/>
+                    </a:lnL>
+                    <a:lnR w="25400" cap="flat" cmpd="sng" algn="ctr">
+                      <a:solidFill>
+                        <a:srgbClr val="69d8ad">
+                          <a:alpha val="100000"/>
+                        </a:srgbClr>
+                      </a:solidFill>
+                      <a:prstDash val="solid"/>
+                      <a:round/>
+                      <a:headEnd w="med" len="med"/>
+                      <a:tailEnd w="med" len="med"/>
+                    </a:lnR>
+                    <a:lnT w="25400" cap="flat" cmpd="sng" algn="ctr">
+                      <a:solidFill>
+                        <a:srgbClr val="69d8ad">
+                          <a:alpha val="100000"/>
+                        </a:srgbClr>
+                      </a:solidFill>
+                      <a:prstDash val="solid"/>
+                      <a:round/>
+                      <a:headEnd w="med" len="med"/>
+                      <a:tailEnd w="med" len="med"/>
+                    </a:lnT>
+                    <a:lnB w="25400" cap="flat" cmpd="sng" algn="ctr">
+                      <a:solidFill>
+                        <a:srgbClr val="69d8ad">
+                          <a:alpha val="100000"/>
+                        </a:srgbClr>
+                      </a:solidFill>
+                      <a:prstDash val="solid"/>
+                      <a:round/>
+                      <a:headEnd w="med" len="med"/>
+                      <a:tailEnd w="med" len="med"/>
+                    </a:lnB>
+                    <a:solidFill>
+                      <a:srgbClr val="ffffff">
+                        <a:alpha val="100000"/>
+                      </a:srgbClr>
+                    </a:solidFill>
+                  </a:tcPr>
+                </a:tc>
+                <a:tc>
+                  <a:txBody>
+                    <a:bodyPr vert="horz" wrap="square" lIns="91440" tIns="45720" rIns="91440" bIns="45720" anchor="t" anchorCtr="0">
+                      <a:spAutoFit/>
+                    </a:bodyPr>
+                    <a:p>
+                      <a:pPr marL="0" algn="ctr" defTabSz="914400" rtl="0" eaLnBrk="1" latinLnBrk="1" hangingPunct="1">
+                        <a:buNone/>
+                        <a:defRPr/>
+                      </a:pPr>
+                      <a:r>
+                        <a:rPr xmlns:mc="http://schemas.openxmlformats.org/markup-compatibility/2006" xmlns:hp="http://schemas.haansoft.com/office/presentation/8.0" kumimoji="0" lang="ko-KR" altLang="en-US" sz="1800" b="1" i="0" u="none" strike="noStrike" kern="1200" cap="none" normalizeH="0" baseline="0" mc:Ignorable="hp" hp:hslEmbossed="0">
+                          <a:ln w="9525">
+                            <a:solidFill>
+                              <a:srgbClr val="ffffff"/>
+                            </a:solidFill>
+                          </a:ln>
+                          <a:solidFill>
+                            <a:srgbClr val="000000"/>
+                          </a:solidFill>
+                          <a:latin typeface="Calibri"/>
+                          <a:ea typeface="맑은 고딕"/>
+                          <a:cs typeface="맑은 고딕"/>
+                        </a:rPr>
+                        <a:t>상품</a:t>
+                      </a:r>
+                      <a:endParaRPr xmlns:mc="http://schemas.openxmlformats.org/markup-compatibility/2006" xmlns:hp="http://schemas.haansoft.com/office/presentation/8.0" kumimoji="0" lang="ko-KR" altLang="en-US" sz="1800" b="1" i="0" u="none" strike="noStrike" kern="1200" cap="none" normalizeH="0" baseline="0" mc:Ignorable="hp" hp:hslEmbossed="0">
+                        <a:ln w="9525">
+                          <a:solidFill>
+                            <a:srgbClr val="ffffff"/>
+                          </a:solidFill>
+                        </a:ln>
+                        <a:solidFill>
+                          <a:srgbClr val="000000"/>
+                        </a:solidFill>
+                        <a:latin typeface="Calibri"/>
+                        <a:ea typeface="맑은 고딕"/>
+                        <a:cs typeface="맑은 고딕"/>
+                      </a:endParaRPr>
+                    </a:p>
+                  </a:txBody>
+                  <a:tcPr marL="91440" marR="91440">
+                    <a:lnL w="25400" cap="flat" cmpd="sng" algn="ctr">
+                      <a:solidFill>
+                        <a:srgbClr val="69d8ad">
+                          <a:alpha val="100000"/>
+                        </a:srgbClr>
+                      </a:solidFill>
+                      <a:prstDash val="solid"/>
+                      <a:round/>
+                      <a:headEnd w="med" len="med"/>
+                      <a:tailEnd w="med" len="med"/>
+                    </a:lnL>
+                    <a:lnR w="25400" cap="flat" cmpd="sng" algn="ctr">
+                      <a:solidFill>
+                        <a:srgbClr val="69d8ad">
+                          <a:alpha val="100000"/>
+                        </a:srgbClr>
+                      </a:solidFill>
+                      <a:prstDash val="solid"/>
+                      <a:round/>
+                      <a:headEnd w="med" len="med"/>
+                      <a:tailEnd w="med" len="med"/>
+                    </a:lnR>
+                    <a:lnT w="25400" cap="flat" cmpd="sng" algn="ctr">
+                      <a:solidFill>
+                        <a:srgbClr val="69d8ad">
+                          <a:alpha val="100000"/>
+                        </a:srgbClr>
+                      </a:solidFill>
+                      <a:prstDash val="solid"/>
+                      <a:round/>
+                      <a:headEnd w="med" len="med"/>
+                      <a:tailEnd w="med" len="med"/>
+                    </a:lnT>
+                    <a:lnB w="25400" cap="flat" cmpd="sng" algn="ctr">
+                      <a:solidFill>
+                        <a:srgbClr val="69d8ad">
+                          <a:alpha val="100000"/>
+                        </a:srgbClr>
+                      </a:solidFill>
+                      <a:prstDash val="solid"/>
+                      <a:round/>
+                      <a:headEnd w="med" len="med"/>
+                      <a:tailEnd w="med" len="med"/>
+                    </a:lnB>
+                    <a:solidFill>
+                      <a:srgbClr val="ffffff">
+                        <a:alpha val="100000"/>
+                      </a:srgbClr>
+                    </a:solidFill>
+                  </a:tcPr>
+                </a:tc>
+                <a:tc>
+                  <a:txBody>
+                    <a:bodyPr vert="horz" wrap="square" lIns="91440" tIns="45720" rIns="91440" bIns="45720" anchor="t" anchorCtr="0">
+                      <a:spAutoFit/>
+                    </a:bodyPr>
+                    <a:p>
+                      <a:pPr marL="0" algn="ctr" defTabSz="914400" rtl="0" eaLnBrk="1" latinLnBrk="1" hangingPunct="1">
+                        <a:buNone/>
+                        <a:defRPr/>
+                      </a:pPr>
+                      <a:r>
+                        <a:rPr xmlns:mc="http://schemas.openxmlformats.org/markup-compatibility/2006" xmlns:hp="http://schemas.haansoft.com/office/presentation/8.0" kumimoji="0" lang="ko-KR" altLang="en-US" sz="1800" b="1" i="0" u="none" strike="noStrike" kern="1200" cap="none" normalizeH="0" baseline="0" mc:Ignorable="hp" hp:hslEmbossed="0">
+                          <a:ln w="9525">
+                            <a:solidFill>
+                              <a:srgbClr val="ffffff"/>
+                            </a:solidFill>
+                          </a:ln>
+                          <a:solidFill>
+                            <a:srgbClr val="000000"/>
+                          </a:solidFill>
+                          <a:latin typeface="Calibri"/>
+                          <a:ea typeface="맑은 고딕"/>
+                          <a:cs typeface="맑은 고딕"/>
+                        </a:rPr>
+                        <a:t>검색</a:t>
+                      </a:r>
+                      <a:endParaRPr xmlns:mc="http://schemas.openxmlformats.org/markup-compatibility/2006" xmlns:hp="http://schemas.haansoft.com/office/presentation/8.0" kumimoji="0" lang="ko-KR" altLang="en-US" sz="1800" b="1" i="0" u="none" strike="noStrike" kern="1200" cap="none" normalizeH="0" baseline="0" mc:Ignorable="hp" hp:hslEmbossed="0">
+                        <a:ln w="9525">
+                          <a:solidFill>
+                            <a:srgbClr val="ffffff"/>
+                          </a:solidFill>
+                        </a:ln>
+                        <a:solidFill>
+                          <a:srgbClr val="000000"/>
+                        </a:solidFill>
+                        <a:latin typeface="Calibri"/>
+                        <a:ea typeface="맑은 고딕"/>
+                        <a:cs typeface="맑은 고딕"/>
+                      </a:endParaRPr>
+                    </a:p>
+                  </a:txBody>
+                  <a:tcPr marL="91440" marR="91440">
+                    <a:lnL w="25400" cap="flat" cmpd="sng" algn="ctr">
+                      <a:solidFill>
+                        <a:srgbClr val="69d8ad">
+                          <a:alpha val="100000"/>
+                        </a:srgbClr>
+                      </a:solidFill>
+                      <a:prstDash val="solid"/>
+                      <a:round/>
+                      <a:headEnd w="med" len="med"/>
+                      <a:tailEnd w="med" len="med"/>
+                    </a:lnL>
+                    <a:lnR w="25400" cap="flat" cmpd="sng" algn="ctr">
+                      <a:solidFill>
+                        <a:srgbClr val="69d8ad">
+                          <a:alpha val="100000"/>
+                        </a:srgbClr>
+                      </a:solidFill>
+                      <a:prstDash val="solid"/>
+                      <a:round/>
+                      <a:headEnd w="med" len="med"/>
+                      <a:tailEnd w="med" len="med"/>
+                    </a:lnR>
+                    <a:lnT w="25400" cap="flat" cmpd="sng" algn="ctr">
+                      <a:solidFill>
+                        <a:srgbClr val="69d8ad">
+                          <a:alpha val="100000"/>
+                        </a:srgbClr>
+                      </a:solidFill>
+                      <a:prstDash val="solid"/>
+                      <a:round/>
+                      <a:headEnd w="med" len="med"/>
+                      <a:tailEnd w="med" len="med"/>
+                    </a:lnT>
+                    <a:lnB w="25400" cap="flat" cmpd="sng" algn="ctr">
+                      <a:solidFill>
+                        <a:srgbClr val="69d8ad">
+                          <a:alpha val="100000"/>
+                        </a:srgbClr>
+                      </a:solidFill>
+                      <a:prstDash val="solid"/>
+                      <a:round/>
+                      <a:headEnd w="med" len="med"/>
+                      <a:tailEnd w="med" len="med"/>
+                    </a:lnB>
+                    <a:solidFill>
+                      <a:srgbClr val="ffffff">
+                        <a:alpha val="100000"/>
+                      </a:srgbClr>
+                    </a:solidFill>
+                  </a:tcPr>
+                </a:tc>
+                <a:tc>
+                  <a:txBody>
+                    <a:bodyPr vert="horz" wrap="square" lIns="91440" tIns="45720" rIns="91440" bIns="45720" anchor="t" anchorCtr="0">
+                      <a:spAutoFit/>
+                    </a:bodyPr>
+                    <a:p>
+                      <a:pPr marL="0" algn="ctr" defTabSz="914400" rtl="0" eaLnBrk="1" latinLnBrk="1" hangingPunct="1">
+                        <a:buNone/>
+                        <a:defRPr/>
+                      </a:pPr>
+                      <a:r>
+                        <a:rPr xmlns:mc="http://schemas.openxmlformats.org/markup-compatibility/2006" xmlns:hp="http://schemas.haansoft.com/office/presentation/8.0" kumimoji="0" lang="ko-KR" altLang="en-US" sz="1800" b="1" i="0" u="none" strike="noStrike" kern="1200" cap="none" normalizeH="0" baseline="0" mc:Ignorable="hp" hp:hslEmbossed="0">
+                          <a:ln w="9525">
+                            <a:solidFill>
+                              <a:srgbClr val="ffffff"/>
+                            </a:solidFill>
+                          </a:ln>
+                          <a:solidFill>
+                            <a:srgbClr val="000000"/>
+                          </a:solidFill>
+                          <a:latin typeface="Calibri"/>
+                          <a:ea typeface="맑은 고딕"/>
+                          <a:cs typeface="맑은 고딕"/>
+                        </a:rPr>
+                        <a:t>마이</a:t>
+                      </a:r>
+                      <a:endParaRPr xmlns:mc="http://schemas.openxmlformats.org/markup-compatibility/2006" xmlns:hp="http://schemas.haansoft.com/office/presentation/8.0" kumimoji="0" lang="ko-KR" altLang="en-US" sz="1800" b="1" i="0" u="none" strike="noStrike" kern="1200" cap="none" normalizeH="0" baseline="0" mc:Ignorable="hp" hp:hslEmbossed="0">
+                        <a:ln w="9525">
+                          <a:solidFill>
+                            <a:srgbClr val="ffffff"/>
+                          </a:solidFill>
+                        </a:ln>
+                        <a:solidFill>
+                          <a:srgbClr val="000000"/>
+                        </a:solidFill>
+                        <a:latin typeface="Calibri"/>
+                        <a:ea typeface="맑은 고딕"/>
+                        <a:cs typeface="맑은 고딕"/>
+                      </a:endParaRPr>
+                    </a:p>
+                  </a:txBody>
+                  <a:tcPr marL="91440" marR="91440">
+                    <a:lnL w="25400" cap="flat" cmpd="sng" algn="ctr">
+                      <a:solidFill>
+                        <a:srgbClr val="69d8ad">
+                          <a:alpha val="100000"/>
+                        </a:srgbClr>
+                      </a:solidFill>
+                      <a:prstDash val="solid"/>
+                      <a:round/>
+                      <a:headEnd w="med" len="med"/>
+                      <a:tailEnd w="med" len="med"/>
+                    </a:lnL>
+                    <a:lnR w="25400" cap="flat" cmpd="sng" algn="ctr">
+                      <a:solidFill>
+                        <a:srgbClr val="69d8ad">
+                          <a:alpha val="100000"/>
+                        </a:srgbClr>
+                      </a:solidFill>
+                      <a:prstDash val="solid"/>
+                      <a:round/>
+                      <a:headEnd w="med" len="med"/>
+                      <a:tailEnd w="med" len="med"/>
+                    </a:lnR>
+                    <a:lnT w="25400" cap="flat" cmpd="sng" algn="ctr">
+                      <a:solidFill>
+                        <a:srgbClr val="69d8ad">
+                          <a:alpha val="100000"/>
+                        </a:srgbClr>
+                      </a:solidFill>
+                      <a:prstDash val="solid"/>
+                      <a:round/>
+                      <a:headEnd w="med" len="med"/>
+                      <a:tailEnd w="med" len="med"/>
+                    </a:lnT>
+                    <a:lnB w="25400" cap="flat" cmpd="sng" algn="ctr">
+                      <a:solidFill>
+                        <a:srgbClr val="69d8ad">
+                          <a:alpha val="100000"/>
+                        </a:srgbClr>
+                      </a:solidFill>
+                      <a:prstDash val="solid"/>
+                      <a:round/>
+                      <a:headEnd w="med" len="med"/>
+                      <a:tailEnd w="med" len="med"/>
+                    </a:lnB>
+                    <a:solidFill>
+                      <a:srgbClr val="ffffff">
+                        <a:alpha val="100000"/>
+                      </a:srgbClr>
+                    </a:solidFill>
+                  </a:tcPr>
+                </a:tc>
+              </a:tr>
+            </a:tbl>
+          </a:graphicData>
+        </a:graphic>
+      </p:graphicFrame>
+      <p:sp>
+        <p:nvSpPr>
+          <p:cNvPr id="320" name=""/>
+          <p:cNvSpPr/>
+          <p:nvPr/>
+        </p:nvSpPr>
+        <p:spPr>
+          <a:xfrm>
+            <a:off x="4023072" y="2022749"/>
+            <a:ext cx="2896833" cy="3802701"/>
+          </a:xfrm>
+          <a:prstGeom prst="rect">
+            <a:avLst/>
+          </a:prstGeom>
+          <a:solidFill>
+            <a:srgbClr val="ffffff">
+              <a:alpha val="100000"/>
+            </a:srgbClr>
+          </a:solidFill>
+          <a:ln w="19050" cap="flat" cmpd="sng" algn="ctr">
+            <a:solidFill>
+              <a:srgbClr val="2e3e67">
+                <a:alpha val="100000"/>
+              </a:srgbClr>
+            </a:solidFill>
+            <a:prstDash val="solid"/>
+          </a:ln>
+        </p:spPr>
+        <p:txBody>
+          <a:bodyPr anchor="ctr"/>
+          <a:p>
+            <a:pPr marL="0" indent="0" algn="ctr" defTabSz="914400" rtl="0" eaLnBrk="1" latinLnBrk="1" hangingPunct="1">
+              <a:lnSpc>
+                <a:spcPct val="100000"/>
+              </a:lnSpc>
+              <a:spcBef>
+                <a:spcPct val="0"/>
+              </a:spcBef>
+              <a:spcAft>
+                <a:spcPts val="0"/>
+              </a:spcAft>
+              <a:buNone/>
+              <a:defRPr/>
+            </a:pPr>
+            <a:endParaRPr xmlns:mc="http://schemas.openxmlformats.org/markup-compatibility/2006" xmlns:hp="http://schemas.haansoft.com/office/presentation/8.0" kumimoji="0" lang="ko-KR" altLang="en-US" sz="1800" b="0" i="0" u="none" strike="noStrike" kern="1200" cap="none" spc="0" normalizeH="0" baseline="0" mc:Ignorable="hp" hp:hslEmbossed="0">
+              <a:solidFill>
+                <a:srgbClr val="ffffff"/>
+              </a:solidFill>
+              <a:latin typeface="Calibri"/>
+              <a:ea typeface="맑은 고딕"/>
+              <a:cs typeface="맑은 고딕"/>
+            </a:endParaRPr>
+          </a:p>
+        </p:txBody>
+      </p:sp>
+      <p:sp>
+        <p:nvSpPr>
+          <p:cNvPr id="326" name=""/>
+          <p:cNvSpPr/>
+          <p:nvPr/>
+        </p:nvSpPr>
+        <p:spPr>
+          <a:xfrm>
+            <a:off x="3204456" y="2588431"/>
+            <a:ext cx="206310" cy="210639"/>
+          </a:xfrm>
+          <a:prstGeom prst="rect">
+            <a:avLst/>
+          </a:prstGeom>
+          <a:solidFill>
+            <a:srgbClr val="6182d6">
+              <a:alpha val="100000"/>
+            </a:srgbClr>
+          </a:solidFill>
+          <a:ln w="19050" cap="flat" cmpd="sng" algn="ctr">
+            <a:solidFill>
+              <a:srgbClr val="2e3e67">
+                <a:alpha val="100000"/>
+              </a:srgbClr>
+            </a:solidFill>
+            <a:prstDash val="solid"/>
+          </a:ln>
+        </p:spPr>
+        <p:txBody>
+          <a:bodyPr anchor="ctr"/>
+          <a:p>
+            <a:pPr marL="0" indent="0" algn="ctr" defTabSz="914400" rtl="0" eaLnBrk="1" latinLnBrk="1" hangingPunct="1">
+              <a:lnSpc>
+                <a:spcPct val="100000"/>
+              </a:lnSpc>
+              <a:spcBef>
+                <a:spcPct val="0"/>
+              </a:spcBef>
+              <a:spcAft>
+                <a:spcPts val="0"/>
+              </a:spcAft>
+              <a:buNone/>
+              <a:defRPr/>
+            </a:pPr>
+            <a:r>
+              <a:rPr xmlns:mc="http://schemas.openxmlformats.org/markup-compatibility/2006" xmlns:hp="http://schemas.haansoft.com/office/presentation/8.0" kumimoji="0" lang="en-US" altLang="ko-KR" sz="1800" b="0" i="0" u="none" strike="noStrike" kern="1200" cap="none" spc="0" normalizeH="0" baseline="0" mc:Ignorable="hp" hp:hslEmbossed="0">
+                <a:solidFill>
+                  <a:srgbClr val="ffffff"/>
+                </a:solidFill>
+                <a:latin typeface="Calibri"/>
+                <a:ea typeface="맑은 고딕"/>
+                <a:cs typeface="Calibri"/>
+              </a:rPr>
+              <a:t>x</a:t>
+            </a:r>
+            <a:endParaRPr xmlns:mc="http://schemas.openxmlformats.org/markup-compatibility/2006" xmlns:hp="http://schemas.haansoft.com/office/presentation/8.0" kumimoji="0" lang="en-US" altLang="ko-KR" sz="1800" b="0" i="0" u="none" strike="noStrike" kern="1200" cap="none" spc="0" normalizeH="0" baseline="0" mc:Ignorable="hp" hp:hslEmbossed="0">
+              <a:solidFill>
+                <a:srgbClr val="ffffff"/>
+              </a:solidFill>
+              <a:latin typeface="Calibri"/>
+              <a:ea typeface="맑은 고딕"/>
+              <a:cs typeface="Calibri"/>
+            </a:endParaRPr>
+          </a:p>
+        </p:txBody>
+      </p:sp>
+      <p:sp>
+        <p:nvSpPr>
+          <p:cNvPr id="328" name=""/>
+          <p:cNvSpPr/>
+          <p:nvPr/>
+        </p:nvSpPr>
+        <p:spPr>
+          <a:xfrm>
+            <a:off x="3204456" y="3210877"/>
+            <a:ext cx="206310" cy="210639"/>
+          </a:xfrm>
+          <a:prstGeom prst="rect">
+            <a:avLst/>
+          </a:prstGeom>
+          <a:solidFill>
+            <a:srgbClr val="6182d6">
+              <a:alpha val="100000"/>
+            </a:srgbClr>
+          </a:solidFill>
+          <a:ln w="19050" cap="flat" cmpd="sng" algn="ctr">
+            <a:solidFill>
+              <a:srgbClr val="2e3e67">
+                <a:alpha val="100000"/>
+              </a:srgbClr>
+            </a:solidFill>
+            <a:prstDash val="solid"/>
+          </a:ln>
+        </p:spPr>
+        <p:txBody>
+          <a:bodyPr anchor="ctr"/>
+          <a:p>
+            <a:pPr marL="0" indent="0" algn="ctr" defTabSz="914400" rtl="0" eaLnBrk="1" latinLnBrk="1" hangingPunct="1">
+              <a:lnSpc>
+                <a:spcPct val="100000"/>
+              </a:lnSpc>
+              <a:spcBef>
+                <a:spcPct val="0"/>
+              </a:spcBef>
+              <a:spcAft>
+                <a:spcPts val="0"/>
+              </a:spcAft>
+              <a:buNone/>
+              <a:defRPr/>
+            </a:pPr>
+            <a:r>
+              <a:rPr xmlns:mc="http://schemas.openxmlformats.org/markup-compatibility/2006" xmlns:hp="http://schemas.haansoft.com/office/presentation/8.0" kumimoji="0" lang="en-US" altLang="ko-KR" sz="1800" b="0" i="0" u="none" strike="noStrike" kern="1200" cap="none" spc="0" normalizeH="0" baseline="0" mc:Ignorable="hp" hp:hslEmbossed="0">
+                <a:solidFill>
+                  <a:srgbClr val="ffffff"/>
+                </a:solidFill>
+                <a:latin typeface="Calibri"/>
+                <a:ea typeface="맑은 고딕"/>
+                <a:cs typeface="Calibri"/>
+              </a:rPr>
+              <a:t>x</a:t>
+            </a:r>
+            <a:endParaRPr xmlns:mc="http://schemas.openxmlformats.org/markup-compatibility/2006" xmlns:hp="http://schemas.haansoft.com/office/presentation/8.0" kumimoji="0" lang="en-US" altLang="ko-KR" sz="1800" b="0" i="0" u="none" strike="noStrike" kern="1200" cap="none" spc="0" normalizeH="0" baseline="0" mc:Ignorable="hp" hp:hslEmbossed="0">
+              <a:solidFill>
+                <a:srgbClr val="ffffff"/>
+              </a:solidFill>
+              <a:latin typeface="Calibri"/>
+              <a:ea typeface="맑은 고딕"/>
+              <a:cs typeface="Calibri"/>
+            </a:endParaRPr>
+          </a:p>
+        </p:txBody>
+      </p:sp>
+      <p:sp>
+        <p:nvSpPr>
+          <p:cNvPr id="330" name=""/>
+          <p:cNvSpPr/>
+          <p:nvPr/>
+        </p:nvSpPr>
+        <p:spPr>
+          <a:xfrm>
+            <a:off x="3193862" y="3822382"/>
+            <a:ext cx="206310" cy="210639"/>
+          </a:xfrm>
+          <a:prstGeom prst="rect">
+            <a:avLst/>
+          </a:prstGeom>
+          <a:solidFill>
+            <a:srgbClr val="6182d6">
+              <a:alpha val="100000"/>
+            </a:srgbClr>
+          </a:solidFill>
+          <a:ln w="19050" cap="flat" cmpd="sng" algn="ctr">
+            <a:solidFill>
+              <a:srgbClr val="2e3e67">
+                <a:alpha val="100000"/>
+              </a:srgbClr>
+            </a:solidFill>
+            <a:prstDash val="solid"/>
+          </a:ln>
+        </p:spPr>
+        <p:txBody>
+          <a:bodyPr anchor="ctr"/>
+          <a:p>
+            <a:pPr marL="0" indent="0" algn="ctr" defTabSz="914400" rtl="0" eaLnBrk="1" latinLnBrk="1" hangingPunct="1">
+              <a:lnSpc>
+                <a:spcPct val="100000"/>
+              </a:lnSpc>
+              <a:spcBef>
+                <a:spcPct val="0"/>
+              </a:spcBef>
+              <a:spcAft>
+                <a:spcPts val="0"/>
+              </a:spcAft>
+              <a:buNone/>
+              <a:defRPr/>
+            </a:pPr>
+            <a:r>
+              <a:rPr xmlns:mc="http://schemas.openxmlformats.org/markup-compatibility/2006" xmlns:hp="http://schemas.haansoft.com/office/presentation/8.0" kumimoji="0" lang="en-US" altLang="ko-KR" sz="1800" b="0" i="0" u="none" strike="noStrike" kern="1200" cap="none" spc="0" normalizeH="0" baseline="0" mc:Ignorable="hp" hp:hslEmbossed="0">
+                <a:solidFill>
+                  <a:srgbClr val="ffffff"/>
+                </a:solidFill>
+                <a:latin typeface="Calibri"/>
+                <a:ea typeface="맑은 고딕"/>
+                <a:cs typeface="Calibri"/>
+              </a:rPr>
+              <a:t>x</a:t>
+            </a:r>
+            <a:endParaRPr xmlns:mc="http://schemas.openxmlformats.org/markup-compatibility/2006" xmlns:hp="http://schemas.haansoft.com/office/presentation/8.0" kumimoji="0" lang="en-US" altLang="ko-KR" sz="1800" b="0" i="0" u="none" strike="noStrike" kern="1200" cap="none" spc="0" normalizeH="0" baseline="0" mc:Ignorable="hp" hp:hslEmbossed="0">
+              <a:solidFill>
+                <a:srgbClr val="ffffff"/>
+              </a:solidFill>
+              <a:latin typeface="Calibri"/>
+              <a:ea typeface="맑은 고딕"/>
+              <a:cs typeface="Calibri"/>
+            </a:endParaRPr>
+          </a:p>
+        </p:txBody>
+      </p:sp>
+      <p:sp>
+        <p:nvSpPr>
+          <p:cNvPr id="332" name="타원 83"/>
+          <p:cNvSpPr/>
+          <p:nvPr/>
+        </p:nvSpPr>
+        <p:spPr>
+          <a:xfrm>
+            <a:off x="3339328" y="2516993"/>
+            <a:ext cx="142876" cy="142876"/>
+          </a:xfrm>
+          <a:prstGeom prst="ellipse">
+            <a:avLst/>
+          </a:prstGeom>
+          <a:solidFill>
+            <a:srgbClr val="fce700">
+              <a:alpha val="100000"/>
+            </a:srgbClr>
+          </a:solidFill>
+          <a:ln w="19050" cap="flat" cmpd="sng" algn="ctr">
+            <a:noFill/>
+            <a:prstDash val="solid"/>
+          </a:ln>
+        </p:spPr>
+        <p:txBody>
+          <a:bodyPr lIns="0" tIns="0" rIns="0" bIns="0" anchor="ctr"/>
+          <a:p>
+            <a:pPr marL="0" indent="0" algn="ctr" defTabSz="914400" rtl="0" eaLnBrk="1" latinLnBrk="1" hangingPunct="1">
+              <a:lnSpc>
+                <a:spcPct val="100000"/>
+              </a:lnSpc>
+              <a:spcBef>
+                <a:spcPct val="0"/>
+              </a:spcBef>
+              <a:spcAft>
+                <a:spcPts val="0"/>
+              </a:spcAft>
+              <a:buNone/>
+              <a:defRPr/>
+            </a:pPr>
+            <a:r>
+              <a:rPr xmlns:mc="http://schemas.openxmlformats.org/markup-compatibility/2006" xmlns:hp="http://schemas.haansoft.com/office/presentation/8.0" kumimoji="0" lang="en-US" altLang="ko-KR" sz="900" b="1" i="0" u="none" strike="noStrike" kern="1200" cap="none" spc="0" normalizeH="0" baseline="0" mc:Ignorable="hp" hp:hslEmbossed="0">
+                <a:solidFill>
+                  <a:srgbClr val="663300"/>
+                </a:solidFill>
+                <a:latin typeface="Calibri"/>
+                <a:ea typeface="맑은 고딕"/>
+                <a:cs typeface="Calibri"/>
+              </a:rPr>
+              <a:t>1</a:t>
+            </a:r>
+            <a:endParaRPr xmlns:mc="http://schemas.openxmlformats.org/markup-compatibility/2006" xmlns:hp="http://schemas.haansoft.com/office/presentation/8.0" kumimoji="0" lang="en-US" altLang="ko-KR" sz="900" b="1" i="0" u="none" strike="noStrike" kern="1200" cap="none" spc="0" normalizeH="0" baseline="0" mc:Ignorable="hp" hp:hslEmbossed="0">
+              <a:solidFill>
+                <a:srgbClr val="663300"/>
+              </a:solidFill>
+              <a:latin typeface="Calibri"/>
+              <a:ea typeface="맑은 고딕"/>
+              <a:cs typeface="Calibri"/>
+            </a:endParaRPr>
+          </a:p>
+        </p:txBody>
+      </p:sp>
+      <p:sp>
+        <p:nvSpPr>
+          <p:cNvPr id="340" name=""/>
+          <p:cNvSpPr/>
+          <p:nvPr/>
+        </p:nvSpPr>
+        <p:spPr>
+          <a:xfrm>
+            <a:off x="4235886" y="2207367"/>
+            <a:ext cx="2471205" cy="3405288"/>
+          </a:xfrm>
+          <a:prstGeom prst="rect">
+            <a:avLst/>
+          </a:prstGeom>
+          <a:solidFill>
+            <a:schemeClr val="lt1"/>
+          </a:solidFill>
+        </p:spPr>
+        <p:style>
+          <a:lnRef idx="2">
+            <a:schemeClr val="accent1">
+              <a:shade val="20000"/>
+            </a:schemeClr>
+          </a:lnRef>
+          <a:fillRef idx="1">
+            <a:schemeClr val="accent1"/>
+          </a:fillRef>
+          <a:effectRef idx="0">
+            <a:schemeClr val="accent1"/>
+          </a:effectRef>
+          <a:fontRef idx="minor">
+            <a:schemeClr val="lt1"/>
+          </a:fontRef>
+        </p:style>
+        <p:txBody>
+          <a:bodyPr anchor="ctr"/>
+          <a:p>
+            <a:pPr algn="ctr">
+              <a:defRPr/>
+            </a:pPr>
+            <a:endParaRPr lang="ko-KR" altLang="en-US">
+              <a:solidFill>
+                <a:schemeClr val="dk1"/>
+              </a:solidFill>
+            </a:endParaRPr>
+          </a:p>
+        </p:txBody>
+      </p:sp>
+      <p:sp>
+        <p:nvSpPr>
+          <p:cNvPr id="341" name=""/>
+          <p:cNvSpPr/>
+          <p:nvPr/>
+        </p:nvSpPr>
+        <p:spPr>
+          <a:xfrm>
+            <a:off x="4378762" y="2946594"/>
+            <a:ext cx="2158022" cy="964811"/>
+          </a:xfrm>
+          <a:prstGeom prst="rect">
+            <a:avLst/>
+          </a:prstGeom>
+        </p:spPr>
+        <p:style>
+          <a:lnRef idx="2">
+            <a:schemeClr val="accent1">
+              <a:shade val="20000"/>
+            </a:schemeClr>
+          </a:lnRef>
+          <a:fillRef idx="1">
+            <a:schemeClr val="accent1"/>
+          </a:fillRef>
+          <a:effectRef idx="0">
+            <a:schemeClr val="accent1"/>
+          </a:effectRef>
+          <a:fontRef idx="minor">
+            <a:schemeClr val="lt1"/>
+          </a:fontRef>
+        </p:style>
+        <p:txBody>
+          <a:bodyPr anchor="ctr"/>
+          <a:p>
+            <a:pPr algn="ctr">
+              <a:defRPr/>
+            </a:pPr>
+            <a:r>
+              <a:rPr lang="ko-KR" altLang="en-US" sz="1400"/>
+              <a:t>이미지</a:t>
+            </a:r>
+            <a:endParaRPr lang="ko-KR" altLang="en-US" sz="1400"/>
+          </a:p>
+        </p:txBody>
+      </p:sp>
+      <p:sp>
+        <p:nvSpPr>
+          <p:cNvPr id="342" name=""/>
+          <p:cNvSpPr/>
+          <p:nvPr/>
+        </p:nvSpPr>
+        <p:spPr>
+          <a:xfrm>
+            <a:off x="4378762" y="4091844"/>
+            <a:ext cx="2158022" cy="660828"/>
+          </a:xfrm>
+          <a:prstGeom prst="rect">
+            <a:avLst/>
+          </a:prstGeom>
+          <a:solidFill>
+            <a:schemeClr val="lt1"/>
+          </a:solidFill>
+        </p:spPr>
+        <p:style>
+          <a:lnRef idx="2">
+            <a:schemeClr val="accent1">
+              <a:shade val="20000"/>
+            </a:schemeClr>
+          </a:lnRef>
+          <a:fillRef idx="1">
+            <a:schemeClr val="accent1"/>
+          </a:fillRef>
+          <a:effectRef idx="0">
+            <a:schemeClr val="accent1"/>
+          </a:effectRef>
+          <a:fontRef idx="minor">
+            <a:schemeClr val="lt1"/>
+          </a:fontRef>
+        </p:style>
+        <p:txBody>
+          <a:bodyPr anchor="ctr"/>
+          <a:p>
+            <a:pPr algn="ctr">
+              <a:defRPr/>
+            </a:pPr>
+            <a:r>
+              <a:rPr lang="ko-KR" altLang="en-US" sz="1400">
+                <a:solidFill>
+                  <a:schemeClr val="dk1"/>
+                </a:solidFill>
+              </a:rPr>
+              <a:t>점수</a:t>
+            </a:r>
+            <a:endParaRPr lang="ko-KR" altLang="en-US" sz="1400">
+              <a:solidFill>
+                <a:schemeClr val="dk1"/>
+              </a:solidFill>
+            </a:endParaRPr>
+          </a:p>
+          <a:p>
+            <a:pPr algn="ctr">
+              <a:defRPr/>
+            </a:pPr>
+            <a:r>
+              <a:rPr lang="ko-KR" altLang="en-US" sz="1400">
+                <a:solidFill>
+                  <a:schemeClr val="dk1"/>
+                </a:solidFill>
+              </a:rPr>
+              <a:t>리뷰내용</a:t>
+            </a:r>
+            <a:endParaRPr lang="ko-KR" altLang="en-US" sz="1400">
+              <a:solidFill>
+                <a:schemeClr val="dk1"/>
+              </a:solidFill>
+            </a:endParaRPr>
+          </a:p>
+        </p:txBody>
+      </p:sp>
+      <p:sp>
+        <p:nvSpPr>
+          <p:cNvPr id="343" name=""/>
+          <p:cNvSpPr/>
+          <p:nvPr/>
+        </p:nvSpPr>
+        <p:spPr>
+          <a:xfrm>
+            <a:off x="4378762" y="2264517"/>
+            <a:ext cx="2158022" cy="588547"/>
+          </a:xfrm>
+          <a:prstGeom prst="rect">
+            <a:avLst/>
+          </a:prstGeom>
+          <a:solidFill>
+            <a:schemeClr val="lt1"/>
+          </a:solidFill>
+        </p:spPr>
+        <p:style>
+          <a:lnRef idx="2">
+            <a:schemeClr val="accent1">
+              <a:shade val="20000"/>
+            </a:schemeClr>
+          </a:lnRef>
+          <a:fillRef idx="1">
+            <a:schemeClr val="accent1"/>
+          </a:fillRef>
+          <a:effectRef idx="0">
+            <a:schemeClr val="accent1"/>
+          </a:effectRef>
+          <a:fontRef idx="minor">
+            <a:schemeClr val="lt1"/>
+          </a:fontRef>
+        </p:style>
+        <p:txBody>
+          <a:bodyPr anchor="ctr"/>
+          <a:p>
+            <a:pPr algn="ctr">
+              <a:defRPr/>
+            </a:pPr>
+            <a:r>
+              <a:rPr lang="ko-KR" altLang="en-US" sz="1300">
+                <a:solidFill>
+                  <a:schemeClr val="dk1"/>
+                </a:solidFill>
+              </a:rPr>
+              <a:t>상품명</a:t>
+            </a:r>
+            <a:endParaRPr lang="ko-KR" altLang="en-US" sz="1300">
+              <a:solidFill>
+                <a:schemeClr val="dk1"/>
+              </a:solidFill>
+            </a:endParaRPr>
+          </a:p>
+          <a:p>
+            <a:pPr algn="ctr">
+              <a:defRPr/>
+            </a:pPr>
+            <a:r>
+              <a:rPr lang="ko-KR" altLang="en-US" sz="1300">
+                <a:solidFill>
+                  <a:schemeClr val="dk1"/>
+                </a:solidFill>
+              </a:rPr>
+              <a:t>	날짜</a:t>
+            </a:r>
+            <a:endParaRPr lang="ko-KR" altLang="en-US" sz="1300">
+              <a:solidFill>
+                <a:schemeClr val="dk1"/>
+              </a:solidFill>
+            </a:endParaRPr>
+          </a:p>
+        </p:txBody>
+      </p:sp>
+      <p:cxnSp>
+        <p:nvCxnSpPr>
+          <p:cNvPr id="344" name=""/>
+          <p:cNvCxnSpPr/>
+          <p:nvPr/>
+        </p:nvCxnSpPr>
+        <p:spPr>
+          <a:xfrm flipV="1">
+            <a:off x="2990242" y="2351385"/>
+            <a:ext cx="1043393" cy="595208"/>
+          </a:xfrm>
+          <a:prstGeom prst="straightConnector1">
+            <a:avLst/>
+          </a:prstGeom>
+          <a:ln>
+            <a:tailEnd type="arrow"/>
+          </a:ln>
+        </p:spPr>
+        <p:style>
+          <a:lnRef idx="1">
+            <a:schemeClr val="accent1"/>
+          </a:lnRef>
+          <a:fillRef idx="0">
+            <a:schemeClr val="accent1"/>
+          </a:fillRef>
+          <a:effectRef idx="0">
+            <a:schemeClr val="accent1"/>
+          </a:effectRef>
+          <a:fontRef idx="minor">
+            <a:schemeClr val="tx1"/>
+          </a:fontRef>
+        </p:style>
+      </p:cxnSp>
+      <p:sp>
+        <p:nvSpPr>
+          <p:cNvPr id="345" name=""/>
+          <p:cNvSpPr/>
+          <p:nvPr/>
+        </p:nvSpPr>
+        <p:spPr>
+          <a:xfrm>
+            <a:off x="4378762" y="4752673"/>
+            <a:ext cx="2158022" cy="660828"/>
+          </a:xfrm>
+          <a:prstGeom prst="rect">
+            <a:avLst/>
+          </a:prstGeom>
+          <a:solidFill>
+            <a:srgbClr val="ffffff">
+              <a:alpha val="100000"/>
+            </a:srgbClr>
+          </a:solidFill>
+          <a:ln w="19050" cap="flat" cmpd="sng" algn="ctr">
+            <a:solidFill>
+              <a:srgbClr val="2e3e67">
+                <a:alpha val="100000"/>
+              </a:srgbClr>
+            </a:solidFill>
+            <a:prstDash val="solid"/>
+          </a:ln>
+        </p:spPr>
+        <p:txBody>
+          <a:bodyPr anchor="ctr"/>
+          <a:p>
+            <a:pPr marL="0" indent="0" algn="ctr" defTabSz="914400" rtl="0" eaLnBrk="1" latinLnBrk="1" hangingPunct="1">
+              <a:lnSpc>
+                <a:spcPct val="100000"/>
+              </a:lnSpc>
+              <a:spcBef>
+                <a:spcPct val="0"/>
+              </a:spcBef>
+              <a:spcAft>
+                <a:spcPts val="0"/>
+              </a:spcAft>
+              <a:buNone/>
+              <a:defRPr/>
+            </a:pPr>
+            <a:r>
+              <a:rPr xmlns:mc="http://schemas.openxmlformats.org/markup-compatibility/2006" xmlns:hp="http://schemas.haansoft.com/office/presentation/8.0" kumimoji="0" lang="ko-KR" altLang="en-US" sz="1400" b="0" i="0" u="none" strike="noStrike" kern="1200" cap="none" spc="0" normalizeH="0" baseline="0" mc:Ignorable="hp" hp:hslEmbossed="0">
+                <a:solidFill>
+                  <a:srgbClr val="000000"/>
+                </a:solidFill>
+                <a:latin typeface="Calibri"/>
+                <a:ea typeface="맑은 고딕"/>
+                <a:cs typeface="맑은 고딕"/>
+              </a:rPr>
+              <a:t>리뷰답변</a:t>
+            </a:r>
+            <a:endParaRPr xmlns:mc="http://schemas.openxmlformats.org/markup-compatibility/2006" xmlns:hp="http://schemas.haansoft.com/office/presentation/8.0" kumimoji="0" lang="ko-KR" altLang="en-US" sz="1400" b="0" i="0" u="none" strike="noStrike" kern="1200" cap="none" spc="0" normalizeH="0" baseline="0" mc:Ignorable="hp" hp:hslEmbossed="0">
               <a:solidFill>
                 <a:srgbClr val="000000"/>
               </a:solidFill>

--- a/프레젠테이션 1.pptx
+++ b/프레젠테이션 1.pptx
@@ -2,7 +2,7 @@
 <file path=ppt/presentation.xml><?xml version="1.0" encoding="utf-8"?>
 <p:presentation xmlns:r="http://schemas.openxmlformats.org/officeDocument/2006/relationships" xmlns:c="http://schemas.openxmlformats.org/drawingml/2006/chart" xmlns:a="http://schemas.openxmlformats.org/drawingml/2006/main" xmlns:dgm="http://schemas.openxmlformats.org/drawingml/2006/diagram" xmlns:dsp="http://schemas.microsoft.com/office/drawing/2008/diagram" xmlns:p="http://schemas.openxmlformats.org/presentationml/2006/main">
   <p:sldMasterIdLst>
-    <p:sldMasterId id="2147483793" r:id="rId1"/>
+    <p:sldMasterId id="2147483777" r:id="rId1"/>
   </p:sldMasterIdLst>
   <p:notesMasterIdLst>
     <p:notesMasterId r:id="rId2"/>
@@ -22,6 +22,7 @@
     <p:sldId id="268" r:id="rId14"/>
     <p:sldId id="269" r:id="rId15"/>
     <p:sldId id="270" r:id="rId16"/>
+    <p:sldId id="271" r:id="rId17"/>
   </p:sldIdLst>
   <p:sldSz cx="12192000" cy="6858000"/>
   <p:notesSz cx="6858000" cy="9144000"/>
@@ -218,7 +219,7 @@
               <a:pPr lvl="0">
                 <a:defRPr/>
               </a:pPr>
-              <a:t>2021-05-27</a:t>
+              <a:t>2021-05-28</a:t>
             </a:fld>
             <a:endParaRPr lang="ko-KR" altLang="en-US"/>
           </a:p>
@@ -1095,6 +1096,105 @@
                 <a:defRPr/>
               </a:pPr>
               <a:t>14</a:t>
+            </a:fld>
+            <a:endParaRPr lang="en-US" altLang="ko-KR"/>
+          </a:p>
+        </p:txBody>
+      </p:sp>
+    </p:spTree>
+  </p:cSld>
+  <p:clrMapOvr>
+    <a:masterClrMapping/>
+  </p:clrMapOvr>
+</p:notes>
+</file>
+
+<file path=ppt/notesSlides/notesSlide15.xml><?xml version="1.0" encoding="utf-8"?>
+<p:notes xmlns:r="http://schemas.openxmlformats.org/officeDocument/2006/relationships" xmlns:c="http://schemas.openxmlformats.org/drawingml/2006/chart" xmlns:a="http://schemas.openxmlformats.org/drawingml/2006/main" xmlns:dgm="http://schemas.openxmlformats.org/drawingml/2006/diagram" xmlns:dsp="http://schemas.microsoft.com/office/drawing/2008/diagram" xmlns:p="http://schemas.openxmlformats.org/presentationml/2006/main">
+  <p:cSld>
+    <p:spTree>
+      <p:nvGrpSpPr>
+        <p:cNvPr id="1" name=""/>
+        <p:cNvGrpSpPr/>
+        <p:nvPr/>
+      </p:nvGrpSpPr>
+      <p:grpSpPr>
+        <a:xfrm>
+          <a:off x="0" y="0"/>
+          <a:ext cx="0" cy="0"/>
+          <a:chOff x="0" y="0"/>
+          <a:chExt cx="0" cy="0"/>
+        </a:xfrm>
+      </p:grpSpPr>
+      <p:sp>
+        <p:nvSpPr>
+          <p:cNvPr id="2" name="Slide Image Placeholder 1"/>
+          <p:cNvSpPr>
+            <a:spLocks noGrp="1" noRot="1" noChangeAspect="1" noTextEdit="1"/>
+          </p:cNvSpPr>
+          <p:nvPr>
+            <p:ph type="sldImg" idx="0"/>
+          </p:nvPr>
+        </p:nvSpPr>
+        <p:spPr>
+          <a:xfrm>
+            <a:off x="2143125" y="684521"/>
+            <a:ext cx="2571750" cy="3429000"/>
+          </a:xfrm>
+        </p:spPr>
+      </p:sp>
+      <p:sp>
+        <p:nvSpPr>
+          <p:cNvPr id="3" name="Notes Placeholder 2"/>
+          <p:cNvSpPr>
+            <a:spLocks noGrp="1"/>
+          </p:cNvSpPr>
+          <p:nvPr>
+            <p:ph type="body" idx="1"/>
+          </p:nvPr>
+        </p:nvSpPr>
+        <p:spPr/>
+        <p:txBody>
+          <a:bodyPr>
+            <a:normAutofit/>
+          </a:bodyPr>
+          <a:lstStyle/>
+          <a:p>
+            <a:pPr lvl="0">
+              <a:defRPr/>
+            </a:pPr>
+            <a:r>
+              <a:rPr lang="ko-KR" altLang="en-US"/>
+              <a:t/>
+            </a:r>
+            <a:endParaRPr lang="ko-KR" altLang="en-US"/>
+          </a:p>
+        </p:txBody>
+      </p:sp>
+      <p:sp>
+        <p:nvSpPr>
+          <p:cNvPr id="4" name="Slide Number Placeholder 3"/>
+          <p:cNvSpPr>
+            <a:spLocks noGrp="1"/>
+          </p:cNvSpPr>
+          <p:nvPr>
+            <p:ph type="sldNum" sz="quarter" idx="10"/>
+          </p:nvPr>
+        </p:nvSpPr>
+        <p:spPr/>
+        <p:txBody>
+          <a:bodyPr/>
+          <a:lstStyle/>
+          <a:p>
+            <a:pPr lvl="0">
+              <a:defRPr/>
+            </a:pPr>
+            <a:fld id="{9B26CD33-4337-4529-948A-94F6960B2374}" type="slidenum">
+              <a:rPr lang="en-US" altLang="ko-KR"/>
+              <a:pPr lvl="0">
+                <a:defRPr/>
+              </a:pPr>
+              <a:t>15</a:t>
             </a:fld>
             <a:endParaRPr lang="en-US" altLang="ko-KR"/>
           </a:p>
@@ -20857,7 +20957,7 @@
         </p:nvGraphicFramePr>
         <p:xfrm>
           <a:off x="7984818" y="1123603"/>
-          <a:ext cx="3850930" cy="3458925"/>
+          <a:ext cx="3850930" cy="2428505"/>
         </p:xfrm>
         <a:graphic>
           <a:graphicData uri="http://schemas.openxmlformats.org/drawingml/2006/table">
@@ -21463,291 +21563,7 @@
                             <a:schemeClr val="dk1"/>
                           </a:solidFill>
                         </a:rPr>
-                        <a:t>주소 추가 페이지 이동</a:t>
-                      </a:r>
-                      <a:endParaRPr lang="ko-KR" altLang="en-US" sz="1100">
-                        <a:solidFill>
-                          <a:schemeClr val="dk1"/>
-                        </a:solidFill>
-                      </a:endParaRPr>
-                    </a:p>
-                  </a:txBody>
-                  <a:tcPr marL="91440" marR="91440" anchor="ctr" anchorCtr="1">
-                    <a:lnL w="12700" cap="flat" cmpd="sng" algn="ctr">
-                      <a:solidFill>
-                        <a:schemeClr val="tx1"/>
-                      </a:solidFill>
-                      <a:prstDash val="solid"/>
-                      <a:round/>
-                      <a:headEnd w="med" len="med"/>
-                      <a:tailEnd w="med" len="med"/>
-                    </a:lnL>
-                    <a:lnR w="12700" cap="flat" cmpd="sng" algn="ctr">
-                      <a:solidFill>
-                        <a:schemeClr val="tx1"/>
-                      </a:solidFill>
-                      <a:prstDash val="solid"/>
-                      <a:round/>
-                      <a:headEnd w="med" len="med"/>
-                      <a:tailEnd w="med" len="med"/>
-                    </a:lnR>
-                    <a:lnT w="12700" cap="flat" cmpd="sng" algn="ctr">
-                      <a:solidFill>
-                        <a:schemeClr val="tx1"/>
-                      </a:solidFill>
-                      <a:prstDash val="solid"/>
-                      <a:round/>
-                      <a:headEnd w="med" len="med"/>
-                      <a:tailEnd w="med" len="med"/>
-                    </a:lnT>
-                    <a:lnB w="12700" cap="flat" cmpd="sng" algn="ctr">
-                      <a:solidFill>
-                        <a:schemeClr val="tx1"/>
-                      </a:solidFill>
-                      <a:prstDash val="solid"/>
-                      <a:round/>
-                      <a:headEnd w="med" len="med"/>
-                      <a:tailEnd w="med" len="med"/>
-                    </a:lnB>
-                    <a:solidFill>
-                      <a:schemeClr val="lt1"/>
-                    </a:solidFill>
-                  </a:tcPr>
-                </a:tc>
-              </a:tr>
-              <a:tr h="515210">
-                <a:tc>
-                  <a:txBody>
-                    <a:bodyPr vert="horz" wrap="square" lIns="91440" tIns="45720" rIns="91440" bIns="45720" anchor="ctr" anchorCtr="1">
-                      <a:spAutoFit/>
-                    </a:bodyPr>
-                    <a:p>
-                      <a:pPr algn="ctr">
-                        <a:defRPr/>
-                      </a:pPr>
-                      <a:r>
-                        <a:rPr lang="en-US" altLang="ko-KR" sz="1100">
-                          <a:solidFill>
-                            <a:schemeClr val="dk1"/>
-                          </a:solidFill>
-                        </a:rPr>
-                        <a:t>3</a:t>
-                      </a:r>
-                      <a:endParaRPr lang="en-US" altLang="ko-KR" sz="1100">
-                        <a:solidFill>
-                          <a:schemeClr val="dk1"/>
-                        </a:solidFill>
-                      </a:endParaRPr>
-                    </a:p>
-                  </a:txBody>
-                  <a:tcPr marL="91440" marR="91440" anchor="ctr" anchorCtr="1">
-                    <a:lnL w="12700" cap="flat" cmpd="sng" algn="ctr">
-                      <a:solidFill>
-                        <a:schemeClr val="tx1"/>
-                      </a:solidFill>
-                      <a:prstDash val="solid"/>
-                      <a:round/>
-                      <a:headEnd w="med" len="med"/>
-                      <a:tailEnd w="med" len="med"/>
-                    </a:lnL>
-                    <a:lnR w="12700" cap="flat" cmpd="sng" algn="ctr">
-                      <a:solidFill>
-                        <a:schemeClr val="tx1"/>
-                      </a:solidFill>
-                      <a:prstDash val="solid"/>
-                      <a:round/>
-                      <a:headEnd w="med" len="med"/>
-                      <a:tailEnd w="med" len="med"/>
-                    </a:lnR>
-                    <a:lnT w="12700" cap="flat" cmpd="sng" algn="ctr">
-                      <a:solidFill>
-                        <a:schemeClr val="tx1"/>
-                      </a:solidFill>
-                      <a:prstDash val="solid"/>
-                      <a:round/>
-                      <a:headEnd w="med" len="med"/>
-                      <a:tailEnd w="med" len="med"/>
-                    </a:lnT>
-                    <a:lnB w="12700" cap="flat" cmpd="sng" algn="ctr">
-                      <a:solidFill>
-                        <a:schemeClr val="tx1"/>
-                      </a:solidFill>
-                      <a:prstDash val="solid"/>
-                      <a:round/>
-                      <a:headEnd w="med" len="med"/>
-                      <a:tailEnd w="med" len="med"/>
-                    </a:lnB>
-                    <a:solidFill>
-                      <a:schemeClr val="lt1"/>
-                    </a:solidFill>
-                  </a:tcPr>
-                </a:tc>
-                <a:tc>
-                  <a:txBody>
-                    <a:bodyPr vert="horz" wrap="square" lIns="91440" tIns="45720" rIns="91440" bIns="45720" anchor="ctr" anchorCtr="1">
-                      <a:spAutoFit/>
-                    </a:bodyPr>
-                    <a:p>
-                      <a:pPr>
-                        <a:defRPr/>
-                      </a:pPr>
-                      <a:r>
-                        <a:rPr lang="ko-KR" altLang="en-US" sz="1100">
-                          <a:solidFill>
-                            <a:schemeClr val="dk1"/>
-                          </a:solidFill>
-                        </a:rPr>
-                        <a:t>주소검색  </a:t>
-                      </a:r>
-                      <a:r>
-                        <a:rPr lang="en-US" altLang="ko-KR" sz="1100">
-                          <a:solidFill>
-                            <a:schemeClr val="dk1"/>
-                          </a:solidFill>
-                        </a:rPr>
-                        <a:t>api</a:t>
-                      </a:r>
-                      <a:r>
-                        <a:rPr lang="ko-KR" altLang="en-US" sz="1100">
-                          <a:solidFill>
-                            <a:schemeClr val="dk1"/>
-                          </a:solidFill>
-                        </a:rPr>
-                        <a:t> 오픈</a:t>
-                      </a:r>
-                      <a:endParaRPr lang="ko-KR" altLang="en-US" sz="1100">
-                        <a:solidFill>
-                          <a:schemeClr val="dk1"/>
-                        </a:solidFill>
-                      </a:endParaRPr>
-                    </a:p>
-                  </a:txBody>
-                  <a:tcPr marL="91440" marR="91440" anchor="ctr" anchorCtr="1">
-                    <a:lnL w="12700" cap="flat" cmpd="sng" algn="ctr">
-                      <a:solidFill>
-                        <a:schemeClr val="tx1"/>
-                      </a:solidFill>
-                      <a:prstDash val="solid"/>
-                      <a:round/>
-                      <a:headEnd w="med" len="med"/>
-                      <a:tailEnd w="med" len="med"/>
-                    </a:lnL>
-                    <a:lnR w="12700" cap="flat" cmpd="sng" algn="ctr">
-                      <a:solidFill>
-                        <a:schemeClr val="tx1"/>
-                      </a:solidFill>
-                      <a:prstDash val="solid"/>
-                      <a:round/>
-                      <a:headEnd w="med" len="med"/>
-                      <a:tailEnd w="med" len="med"/>
-                    </a:lnR>
-                    <a:lnT w="12700" cap="flat" cmpd="sng" algn="ctr">
-                      <a:solidFill>
-                        <a:schemeClr val="tx1"/>
-                      </a:solidFill>
-                      <a:prstDash val="solid"/>
-                      <a:round/>
-                      <a:headEnd w="med" len="med"/>
-                      <a:tailEnd w="med" len="med"/>
-                    </a:lnT>
-                    <a:lnB w="12700" cap="flat" cmpd="sng" algn="ctr">
-                      <a:solidFill>
-                        <a:schemeClr val="tx1"/>
-                      </a:solidFill>
-                      <a:prstDash val="solid"/>
-                      <a:round/>
-                      <a:headEnd w="med" len="med"/>
-                      <a:tailEnd w="med" len="med"/>
-                    </a:lnB>
-                    <a:solidFill>
-                      <a:schemeClr val="lt1"/>
-                    </a:solidFill>
-                  </a:tcPr>
-                </a:tc>
-              </a:tr>
-              <a:tr h="515210">
-                <a:tc>
-                  <a:txBody>
-                    <a:bodyPr vert="horz" wrap="square" lIns="91440" tIns="45720" rIns="91440" bIns="45720" anchor="ctr" anchorCtr="1">
-                      <a:spAutoFit/>
-                    </a:bodyPr>
-                    <a:p>
-                      <a:pPr algn="ctr">
-                        <a:defRPr/>
-                      </a:pPr>
-                      <a:r>
-                        <a:rPr lang="en-US" altLang="ko-KR" sz="1100">
-                          <a:solidFill>
-                            <a:schemeClr val="dk1"/>
-                          </a:solidFill>
-                        </a:rPr>
-                        <a:t>4</a:t>
-                      </a:r>
-                      <a:endParaRPr lang="en-US" altLang="ko-KR" sz="1100">
-                        <a:solidFill>
-                          <a:schemeClr val="dk1"/>
-                        </a:solidFill>
-                      </a:endParaRPr>
-                    </a:p>
-                  </a:txBody>
-                  <a:tcPr marL="91440" marR="91440" anchor="ctr" anchorCtr="1">
-                    <a:lnL w="12700" cap="flat" cmpd="sng" algn="ctr">
-                      <a:solidFill>
-                        <a:schemeClr val="tx1"/>
-                      </a:solidFill>
-                      <a:prstDash val="solid"/>
-                      <a:round/>
-                      <a:headEnd w="med" len="med"/>
-                      <a:tailEnd w="med" len="med"/>
-                    </a:lnL>
-                    <a:lnR w="12700" cap="flat" cmpd="sng" algn="ctr">
-                      <a:solidFill>
-                        <a:schemeClr val="tx1"/>
-                      </a:solidFill>
-                      <a:prstDash val="solid"/>
-                      <a:round/>
-                      <a:headEnd w="med" len="med"/>
-                      <a:tailEnd w="med" len="med"/>
-                    </a:lnR>
-                    <a:lnT w="12700" cap="flat" cmpd="sng" algn="ctr">
-                      <a:solidFill>
-                        <a:schemeClr val="tx1"/>
-                      </a:solidFill>
-                      <a:prstDash val="solid"/>
-                      <a:round/>
-                      <a:headEnd w="med" len="med"/>
-                      <a:tailEnd w="med" len="med"/>
-                    </a:lnT>
-                    <a:lnB w="12700" cap="flat" cmpd="sng" algn="ctr">
-                      <a:solidFill>
-                        <a:schemeClr val="tx1"/>
-                      </a:solidFill>
-                      <a:prstDash val="solid"/>
-                      <a:round/>
-                      <a:headEnd w="med" len="med"/>
-                      <a:tailEnd w="med" len="med"/>
-                    </a:lnB>
-                    <a:solidFill>
-                      <a:schemeClr val="lt1"/>
-                    </a:solidFill>
-                  </a:tcPr>
-                </a:tc>
-                <a:tc>
-                  <a:txBody>
-                    <a:bodyPr vert="horz" wrap="square" lIns="91440" tIns="45720" rIns="91440" bIns="45720" anchor="ctr" anchorCtr="1">
-                      <a:spAutoFit/>
-                    </a:bodyPr>
-                    <a:p>
-                      <a:pPr>
-                        <a:defRPr/>
-                      </a:pPr>
-                      <a:r>
-                        <a:rPr lang="ko-KR" altLang="en-US" sz="1100">
-                          <a:solidFill>
-                            <a:schemeClr val="dk1"/>
-                          </a:solidFill>
-                        </a:rPr>
-                        <a:t>입력된 값 추가</a:t>
+                        <a:t>리뷰 상세보기</a:t>
                       </a:r>
                       <a:endParaRPr lang="ko-KR" altLang="en-US" sz="1100">
                         <a:solidFill>
@@ -23920,6 +23736,2595 @@
               <a:latin typeface="Calibri"/>
               <a:ea typeface="맑은 고딕"/>
               <a:cs typeface="맑은 고딕"/>
+            </a:endParaRPr>
+          </a:p>
+        </p:txBody>
+      </p:sp>
+      <p:sp>
+        <p:nvSpPr>
+          <p:cNvPr id="347" name="타원 83"/>
+          <p:cNvSpPr/>
+          <p:nvPr/>
+        </p:nvSpPr>
+        <p:spPr>
+          <a:xfrm>
+            <a:off x="3951634" y="1951311"/>
+            <a:ext cx="142876" cy="142876"/>
+          </a:xfrm>
+          <a:prstGeom prst="ellipse">
+            <a:avLst/>
+          </a:prstGeom>
+          <a:solidFill>
+            <a:srgbClr val="fce700">
+              <a:alpha val="100000"/>
+            </a:srgbClr>
+          </a:solidFill>
+          <a:ln w="19050" cap="flat" cmpd="sng" algn="ctr">
+            <a:noFill/>
+            <a:prstDash val="solid"/>
+          </a:ln>
+        </p:spPr>
+        <p:txBody>
+          <a:bodyPr lIns="0" tIns="0" rIns="0" bIns="0" anchor="ctr"/>
+          <a:p>
+            <a:pPr marL="0" indent="0" algn="ctr" defTabSz="914400" rtl="0" eaLnBrk="1" latinLnBrk="1" hangingPunct="1">
+              <a:lnSpc>
+                <a:spcPct val="100000"/>
+              </a:lnSpc>
+              <a:spcBef>
+                <a:spcPct val="0"/>
+              </a:spcBef>
+              <a:spcAft>
+                <a:spcPts val="0"/>
+              </a:spcAft>
+              <a:buNone/>
+              <a:defRPr/>
+            </a:pPr>
+            <a:r>
+              <a:rPr xmlns:mc="http://schemas.openxmlformats.org/markup-compatibility/2006" xmlns:hp="http://schemas.haansoft.com/office/presentation/8.0" kumimoji="0" lang="en-US" altLang="ko-KR" sz="900" b="1" i="0" u="none" strike="noStrike" kern="1200" cap="none" spc="0" normalizeH="0" baseline="0" mc:Ignorable="hp" hp:hslEmbossed="0">
+                <a:solidFill>
+                  <a:srgbClr val="663300"/>
+                </a:solidFill>
+                <a:latin typeface="Calibri"/>
+                <a:ea typeface="맑은 고딕"/>
+                <a:cs typeface="Calibri"/>
+              </a:rPr>
+              <a:t>2</a:t>
+            </a:r>
+            <a:endParaRPr xmlns:mc="http://schemas.openxmlformats.org/markup-compatibility/2006" xmlns:hp="http://schemas.haansoft.com/office/presentation/8.0" kumimoji="0" lang="en-US" altLang="ko-KR" sz="900" b="1" i="0" u="none" strike="noStrike" kern="1200" cap="none" spc="0" normalizeH="0" baseline="0" mc:Ignorable="hp" hp:hslEmbossed="0">
+              <a:solidFill>
+                <a:srgbClr val="663300"/>
+              </a:solidFill>
+              <a:latin typeface="Calibri"/>
+              <a:ea typeface="맑은 고딕"/>
+              <a:cs typeface="Calibri"/>
+            </a:endParaRPr>
+          </a:p>
+        </p:txBody>
+      </p:sp>
+    </p:spTree>
+  </p:cSld>
+  <p:clrMapOvr>
+    <a:masterClrMapping/>
+  </p:clrMapOvr>
+  <mc:AlternateContent xmlns:mc="http://schemas.openxmlformats.org/markup-compatibility/2006">
+    <mc:Choice xmlns:p14="http://schemas.microsoft.com/office/powerpoint/2010/main" Requires="p14">
+      <p:transition xmlns:mc="http://schemas.openxmlformats.org/markup-compatibility/2006" xmlns:p14="http://schemas.microsoft.com/office/powerpoint/2010/main" mc:Ignorable="p14" p14:dur="500"/>
+    </mc:Choice>
+    <mc:Fallback>
+      <p:transition/>
+    </mc:Fallback>
+  </mc:AlternateContent>
+</p:sld>
+</file>
+
+<file path=ppt/slides/slide15.xml><?xml version="1.0" encoding="utf-8"?>
+<p:sld xmlns:r="http://schemas.openxmlformats.org/officeDocument/2006/relationships" xmlns:c="http://schemas.openxmlformats.org/drawingml/2006/chart" xmlns:a="http://schemas.openxmlformats.org/drawingml/2006/main" xmlns:dgm="http://schemas.openxmlformats.org/drawingml/2006/diagram" xmlns:dsp="http://schemas.microsoft.com/office/drawing/2008/diagram" xmlns:p="http://schemas.openxmlformats.org/presentationml/2006/main">
+  <p:cSld>
+    <p:spTree>
+      <p:nvGrpSpPr>
+        <p:cNvPr id="1" name=""/>
+        <p:cNvGrpSpPr/>
+        <p:nvPr/>
+      </p:nvGrpSpPr>
+      <p:grpSpPr>
+        <a:xfrm>
+          <a:off x="0" y="0"/>
+          <a:ext cx="0" cy="0"/>
+          <a:chOff x="0" y="0"/>
+          <a:chExt cx="0" cy="0"/>
+        </a:xfrm>
+      </p:grpSpPr>
+      <p:sp>
+        <p:nvSpPr>
+          <p:cNvPr id="12" name="TextBox 11"/>
+          <p:cNvSpPr txBox="1"/>
+          <p:nvPr/>
+        </p:nvSpPr>
+        <p:spPr>
+          <a:xfrm>
+            <a:off x="1703511" y="408640"/>
+            <a:ext cx="4392488" cy="369332"/>
+          </a:xfrm>
+          <a:prstGeom prst="rect">
+            <a:avLst/>
+          </a:prstGeom>
+          <a:noFill/>
+        </p:spPr>
+        <p:txBody>
+          <a:bodyPr wrap="square">
+            <a:spAutoFit/>
+          </a:bodyPr>
+          <a:lstStyle/>
+          <a:p>
+            <a:pPr>
+              <a:lnSpc>
+                <a:spcPct val="90000"/>
+              </a:lnSpc>
+              <a:defRPr/>
+            </a:pPr>
+            <a:r>
+              <a:rPr lang="en-US" altLang="ko-KR" sz="2000" spc="300">
+                <a:solidFill>
+                  <a:srgbClr val="663300"/>
+                </a:solidFill>
+                <a:latin typeface="+mn-ea"/>
+              </a:rPr>
+              <a:t>15.</a:t>
+            </a:r>
+            <a:r>
+              <a:rPr lang="ko-KR" altLang="en-US" sz="2000" spc="300">
+                <a:solidFill>
+                  <a:srgbClr val="663300"/>
+                </a:solidFill>
+                <a:latin typeface="+mn-ea"/>
+              </a:rPr>
+              <a:t>공지사항</a:t>
+            </a:r>
+            <a:endParaRPr lang="ko-KR" altLang="en-US" sz="2000" spc="300">
+              <a:solidFill>
+                <a:srgbClr val="663300"/>
+              </a:solidFill>
+              <a:latin typeface="+mn-ea"/>
+            </a:endParaRPr>
+          </a:p>
+        </p:txBody>
+      </p:sp>
+      <p:sp>
+        <p:nvSpPr>
+          <p:cNvPr id="2" name="슬라이드 번호 개체 틀 1"/>
+          <p:cNvSpPr>
+            <a:spLocks noGrp="1"/>
+          </p:cNvSpPr>
+          <p:nvPr>
+            <p:ph type="sldNum" sz="quarter" idx="4"/>
+          </p:nvPr>
+        </p:nvSpPr>
+        <p:spPr/>
+        <p:txBody>
+          <a:bodyPr/>
+          <a:lstStyle/>
+          <a:p>
+            <a:pPr lvl="0">
+              <a:defRPr/>
+            </a:pPr>
+            <a:fld id="{2FECCACC-60ED-4580-AB4B-3C07270897C0}" type="slidenum">
+              <a:rPr lang="en-US" altLang="en-US">
+                <a:latin typeface="나눔고딕"/>
+                <a:ea typeface="나눔고딕"/>
+              </a:rPr>
+              <a:pPr lvl="0">
+                <a:defRPr/>
+              </a:pPr>
+              <a:t>15</a:t>
+            </a:fld>
+            <a:endParaRPr lang="en-US" altLang="en-US">
+              <a:latin typeface="나눔고딕"/>
+              <a:ea typeface="나눔고딕"/>
+            </a:endParaRPr>
+          </a:p>
+        </p:txBody>
+      </p:sp>
+      <p:sp>
+        <p:nvSpPr>
+          <p:cNvPr id="14" name="TextBox 13"/>
+          <p:cNvSpPr txBox="1"/>
+          <p:nvPr/>
+        </p:nvSpPr>
+        <p:spPr>
+          <a:xfrm>
+            <a:off x="6030058" y="404664"/>
+            <a:ext cx="4392488" cy="397032"/>
+          </a:xfrm>
+          <a:prstGeom prst="rect">
+            <a:avLst/>
+          </a:prstGeom>
+          <a:noFill/>
+        </p:spPr>
+        <p:txBody>
+          <a:bodyPr wrap="square">
+            <a:spAutoFit/>
+          </a:bodyPr>
+          <a:lstStyle/>
+          <a:p>
+            <a:pPr algn="r">
+              <a:lnSpc>
+                <a:spcPct val="90000"/>
+              </a:lnSpc>
+              <a:defRPr/>
+            </a:pPr>
+            <a:r>
+              <a:rPr lang="ko-KR" altLang="en-US" sz="1100">
+                <a:latin typeface="+mn-ea"/>
+              </a:rPr>
+              <a:t>로그인</a:t>
+            </a:r>
+            <a:endParaRPr lang="ko-KR" altLang="en-US" sz="1100">
+              <a:latin typeface="+mn-ea"/>
+            </a:endParaRPr>
+          </a:p>
+          <a:p>
+            <a:pPr algn="r">
+              <a:lnSpc>
+                <a:spcPct val="90000"/>
+              </a:lnSpc>
+              <a:defRPr/>
+            </a:pPr>
+            <a:r>
+              <a:rPr lang="en-US" altLang="ko-KR" sz="1100" b="1">
+                <a:latin typeface="+mn-ea"/>
+              </a:rPr>
+              <a:t>161116</a:t>
+            </a:r>
+            <a:endParaRPr lang="ko-KR" altLang="en-US" sz="1100" b="1">
+              <a:latin typeface="+mn-ea"/>
+            </a:endParaRPr>
+          </a:p>
+        </p:txBody>
+      </p:sp>
+      <p:graphicFrame>
+        <p:nvGraphicFramePr>
+          <p:cNvPr id="106" name=""/>
+          <p:cNvGraphicFramePr>
+            <a:graphicFrameLocks noGrp="1"/>
+          </p:cNvGraphicFramePr>
+          <p:nvPr/>
+        </p:nvGraphicFramePr>
+        <p:xfrm>
+          <a:off x="7984818" y="1123603"/>
+          <a:ext cx="3850930" cy="1913295"/>
+        </p:xfrm>
+        <a:graphic>
+          <a:graphicData uri="http://schemas.openxmlformats.org/drawingml/2006/table">
+            <a:tbl>
+              <a:tblPr firstRow="1" bandRow="1">
+                <a:tableStyleId>{01A66EDD-3DAB-4C5B-A090-DC80EC1FD486}</a:tableStyleId>
+              </a:tblPr>
+              <a:tblGrid>
+                <a:gridCol w="686725"/>
+                <a:gridCol w="3164205"/>
+              </a:tblGrid>
+              <a:tr h="334235">
+                <a:tc gridSpan="2">
+                  <a:txBody>
+                    <a:bodyPr vert="horz" wrap="square" lIns="91440" tIns="45720" rIns="91440" bIns="45720" anchor="ctr" anchorCtr="1">
+                      <a:spAutoFit/>
+                    </a:bodyPr>
+                    <a:p>
+                      <a:pPr marL="0" marR="0" lvl="0" indent="0" algn="ctr" defTabSz="914400" rtl="0" eaLnBrk="1" latinLnBrk="1" hangingPunct="1">
+                        <a:lnSpc>
+                          <a:spcPct val="100000"/>
+                        </a:lnSpc>
+                        <a:spcBef>
+                          <a:spcPts val="100"/>
+                        </a:spcBef>
+                        <a:spcAft>
+                          <a:spcPts val="0"/>
+                        </a:spcAft>
+                        <a:buClrTx/>
+                        <a:buFontTx/>
+                        <a:buNone/>
+                        <a:defRPr/>
+                      </a:pPr>
+                      <a:r>
+                        <a:rPr lang="en-US" altLang="ko-KR" b="1">
+                          <a:solidFill>
+                            <a:schemeClr val="dk1"/>
+                          </a:solidFill>
+                        </a:rPr>
+                        <a:t>Description</a:t>
+                      </a:r>
+                      <a:endParaRPr lang="en-US" altLang="ko-KR">
+                        <a:solidFill>
+                          <a:schemeClr val="dk1"/>
+                        </a:solidFill>
+                      </a:endParaRPr>
+                    </a:p>
+                  </a:txBody>
+                  <a:tcPr marL="91440" marR="91440" anchor="ctr" anchorCtr="1">
+                    <a:lnL w="12700" cap="flat" cmpd="sng" algn="ctr">
+                      <a:solidFill>
+                        <a:schemeClr val="tx1"/>
+                      </a:solidFill>
+                      <a:prstDash val="solid"/>
+                      <a:round/>
+                      <a:headEnd w="med" len="med"/>
+                      <a:tailEnd w="med" len="med"/>
+                    </a:lnL>
+                    <a:lnR w="12700" cap="flat" cmpd="sng" algn="ctr">
+                      <a:solidFill>
+                        <a:schemeClr val="tx1"/>
+                      </a:solidFill>
+                      <a:prstDash val="solid"/>
+                      <a:round/>
+                      <a:headEnd w="med" len="med"/>
+                      <a:tailEnd w="med" len="med"/>
+                    </a:lnR>
+                    <a:lnT w="12700" cap="flat" cmpd="sng" algn="ctr">
+                      <a:solidFill>
+                        <a:schemeClr val="tx1"/>
+                      </a:solidFill>
+                      <a:prstDash val="solid"/>
+                      <a:round/>
+                      <a:headEnd w="med" len="med"/>
+                      <a:tailEnd w="med" len="med"/>
+                    </a:lnT>
+                    <a:lnB w="12700" cap="flat" cmpd="sng" algn="ctr">
+                      <a:solidFill>
+                        <a:schemeClr val="tx1"/>
+                      </a:solidFill>
+                      <a:prstDash val="solid"/>
+                      <a:round/>
+                      <a:headEnd w="med" len="med"/>
+                      <a:tailEnd w="med" len="med"/>
+                    </a:lnB>
+                    <a:solidFill>
+                      <a:srgbClr val="e0e0e0"/>
+                    </a:solidFill>
+                  </a:tcPr>
+                </a:tc>
+                <a:tc hMerge="1">
+                  <a:txBody>
+                    <a:bodyPr vert="horz" wrap="square" lIns="91440" tIns="45720" rIns="91440" bIns="45720" anchor="t" anchorCtr="0">
+                      <a:spAutoFit/>
+                    </a:bodyPr>
+                    <a:p>
+                      <a:pPr>
+                        <a:defRPr/>
+                      </a:pPr>
+                      <a:endParaRPr lang="en-US" altLang="ko-KR"/>
+                    </a:p>
+                  </a:txBody>
+                  <a:tcPr marL="91440" marR="91440">
+                    <a:lnL w="12700" cap="flat" cmpd="sng" algn="ctr">
+                      <a:solidFill>
+                        <a:schemeClr val="tx1"/>
+                      </a:solidFill>
+                      <a:prstDash val="solid"/>
+                      <a:round/>
+                      <a:headEnd w="med" len="med"/>
+                      <a:tailEnd w="med" len="med"/>
+                    </a:lnL>
+                    <a:lnR w="12700" cap="flat" cmpd="sng" algn="ctr">
+                      <a:solidFill>
+                        <a:schemeClr val="tx1"/>
+                      </a:solidFill>
+                      <a:prstDash val="solid"/>
+                      <a:round/>
+                      <a:headEnd w="med" len="med"/>
+                      <a:tailEnd w="med" len="med"/>
+                    </a:lnR>
+                    <a:lnT w="12700" cap="flat" cmpd="sng" algn="ctr">
+                      <a:solidFill>
+                        <a:schemeClr val="tx1"/>
+                      </a:solidFill>
+                      <a:prstDash val="solid"/>
+                      <a:round/>
+                      <a:headEnd w="med" len="med"/>
+                      <a:tailEnd w="med" len="med"/>
+                    </a:lnT>
+                    <a:lnB w="12700" cap="flat" cmpd="sng" algn="ctr">
+                      <a:solidFill>
+                        <a:schemeClr val="tx1"/>
+                      </a:solidFill>
+                      <a:prstDash val="solid"/>
+                      <a:round/>
+                      <a:headEnd w="med" len="med"/>
+                      <a:tailEnd w="med" len="med"/>
+                    </a:lnB>
+                    <a:solidFill>
+                      <a:schemeClr val="lt1"/>
+                    </a:solidFill>
+                  </a:tcPr>
+                </a:tc>
+              </a:tr>
+              <a:tr h="515210">
+                <a:tc gridSpan="2">
+                  <a:txBody>
+                    <a:bodyPr vert="horz" wrap="square" lIns="91440" tIns="45720" rIns="91440" bIns="45720" anchor="ctr" anchorCtr="1">
+                      <a:spAutoFit/>
+                    </a:bodyPr>
+                    <a:p>
+                      <a:pPr algn="ctr">
+                        <a:defRPr/>
+                      </a:pPr>
+                      <a:r>
+                        <a:rPr lang="ko-KR" altLang="en-US" sz="1100">
+                          <a:solidFill>
+                            <a:schemeClr val="dk1"/>
+                          </a:solidFill>
+                        </a:rPr>
+                        <a:t>사용자가 담아 놓은 장바구니 관리 페이지</a:t>
+                      </a:r>
+                      <a:endParaRPr lang="en-US" altLang="ko-KR" sz="1100">
+                        <a:solidFill>
+                          <a:schemeClr val="dk1"/>
+                        </a:solidFill>
+                      </a:endParaRPr>
+                    </a:p>
+                  </a:txBody>
+                  <a:tcPr marL="91440" marR="91440" anchor="ctr" anchorCtr="1">
+                    <a:lnL w="12700" cap="flat" cmpd="sng" algn="ctr">
+                      <a:solidFill>
+                        <a:schemeClr val="tx1"/>
+                      </a:solidFill>
+                      <a:prstDash val="solid"/>
+                      <a:round/>
+                      <a:headEnd w="med" len="med"/>
+                      <a:tailEnd w="med" len="med"/>
+                    </a:lnL>
+                    <a:lnR w="12700" cap="flat" cmpd="sng" algn="ctr">
+                      <a:solidFill>
+                        <a:schemeClr val="tx1"/>
+                      </a:solidFill>
+                      <a:prstDash val="solid"/>
+                      <a:round/>
+                      <a:headEnd w="med" len="med"/>
+                      <a:tailEnd w="med" len="med"/>
+                    </a:lnR>
+                    <a:lnT w="12700" cap="flat" cmpd="sng" algn="ctr">
+                      <a:solidFill>
+                        <a:schemeClr val="tx1"/>
+                      </a:solidFill>
+                      <a:prstDash val="solid"/>
+                      <a:round/>
+                      <a:headEnd w="med" len="med"/>
+                      <a:tailEnd w="med" len="med"/>
+                    </a:lnT>
+                    <a:lnB w="12700" cap="flat" cmpd="sng" algn="ctr">
+                      <a:solidFill>
+                        <a:schemeClr val="tx1"/>
+                      </a:solidFill>
+                      <a:prstDash val="solid"/>
+                      <a:round/>
+                      <a:headEnd w="med" len="med"/>
+                      <a:tailEnd w="med" len="med"/>
+                    </a:lnB>
+                    <a:solidFill>
+                      <a:schemeClr val="lt1"/>
+                    </a:solidFill>
+                  </a:tcPr>
+                </a:tc>
+                <a:tc hMerge="1">
+                  <a:txBody>
+                    <a:bodyPr vert="horz" wrap="square" lIns="91440" tIns="45720" rIns="91440" bIns="45720" anchor="t" anchorCtr="0">
+                      <a:spAutoFit/>
+                    </a:bodyPr>
+                    <a:p>
+                      <a:pPr>
+                        <a:defRPr/>
+                      </a:pPr>
+                      <a:endParaRPr lang="en-US" altLang="ko-KR"/>
+                    </a:p>
+                  </a:txBody>
+                  <a:tcPr marL="91440" marR="91440">
+                    <a:lnL w="12700" cap="flat" cmpd="sng" algn="ctr">
+                      <a:solidFill>
+                        <a:schemeClr val="tx1"/>
+                      </a:solidFill>
+                      <a:prstDash val="solid"/>
+                      <a:round/>
+                      <a:headEnd w="med" len="med"/>
+                      <a:tailEnd w="med" len="med"/>
+                    </a:lnL>
+                    <a:lnR w="12700" cap="flat" cmpd="sng" algn="ctr">
+                      <a:solidFill>
+                        <a:schemeClr val="tx1"/>
+                      </a:solidFill>
+                      <a:prstDash val="solid"/>
+                      <a:round/>
+                      <a:headEnd w="med" len="med"/>
+                      <a:tailEnd w="med" len="med"/>
+                    </a:lnR>
+                    <a:lnT w="12700" cap="flat" cmpd="sng" algn="ctr">
+                      <a:solidFill>
+                        <a:schemeClr val="tx1"/>
+                      </a:solidFill>
+                      <a:prstDash val="solid"/>
+                      <a:round/>
+                      <a:headEnd w="med" len="med"/>
+                      <a:tailEnd w="med" len="med"/>
+                    </a:lnT>
+                    <a:lnB w="12700" cap="flat" cmpd="sng" algn="ctr">
+                      <a:solidFill>
+                        <a:schemeClr val="tx1"/>
+                      </a:solidFill>
+                      <a:prstDash val="solid"/>
+                      <a:round/>
+                      <a:headEnd w="med" len="med"/>
+                      <a:tailEnd w="med" len="med"/>
+                    </a:lnB>
+                    <a:solidFill>
+                      <a:schemeClr val="lt1"/>
+                    </a:solidFill>
+                  </a:tcPr>
+                </a:tc>
+              </a:tr>
+              <a:tr h="515210">
+                <a:tc gridSpan="2">
+                  <a:txBody>
+                    <a:bodyPr vert="horz" wrap="square" lIns="91440" tIns="45720" rIns="91440" bIns="45720" anchor="ctr" anchorCtr="1">
+                      <a:spAutoFit/>
+                    </a:bodyPr>
+                    <a:p>
+                      <a:pPr algn="ctr">
+                        <a:defRPr/>
+                      </a:pPr>
+                      <a:r>
+                        <a:rPr lang="en-US" altLang="ko-KR">
+                          <a:solidFill>
+                            <a:schemeClr val="dk1"/>
+                          </a:solidFill>
+                        </a:rPr>
+                        <a:t>function</a:t>
+                      </a:r>
+                      <a:endParaRPr lang="en-US" altLang="ko-KR">
+                        <a:solidFill>
+                          <a:schemeClr val="dk1"/>
+                        </a:solidFill>
+                      </a:endParaRPr>
+                    </a:p>
+                  </a:txBody>
+                  <a:tcPr marL="91440" marR="91440" anchor="ctr" anchorCtr="1">
+                    <a:lnL w="12700" cap="flat" cmpd="sng" algn="ctr">
+                      <a:solidFill>
+                        <a:schemeClr val="tx1"/>
+                      </a:solidFill>
+                      <a:prstDash val="solid"/>
+                      <a:round/>
+                      <a:headEnd w="med" len="med"/>
+                      <a:tailEnd w="med" len="med"/>
+                    </a:lnL>
+                    <a:lnR w="12700" cap="flat" cmpd="sng" algn="ctr">
+                      <a:solidFill>
+                        <a:schemeClr val="tx1"/>
+                      </a:solidFill>
+                      <a:prstDash val="solid"/>
+                      <a:round/>
+                      <a:headEnd w="med" len="med"/>
+                      <a:tailEnd w="med" len="med"/>
+                    </a:lnR>
+                    <a:lnT w="12700" cap="flat" cmpd="sng" algn="ctr">
+                      <a:solidFill>
+                        <a:schemeClr val="tx1"/>
+                      </a:solidFill>
+                      <a:prstDash val="solid"/>
+                      <a:round/>
+                      <a:headEnd w="med" len="med"/>
+                      <a:tailEnd w="med" len="med"/>
+                    </a:lnT>
+                    <a:lnB w="12700" cap="flat" cmpd="sng" algn="ctr">
+                      <a:solidFill>
+                        <a:schemeClr val="tx1"/>
+                      </a:solidFill>
+                      <a:prstDash val="solid"/>
+                      <a:round/>
+                      <a:headEnd w="med" len="med"/>
+                      <a:tailEnd w="med" len="med"/>
+                    </a:lnB>
+                    <a:solidFill>
+                      <a:srgbClr val="d1d1d1"/>
+                    </a:solidFill>
+                  </a:tcPr>
+                </a:tc>
+                <a:tc hMerge="1">
+                  <a:txBody>
+                    <a:bodyPr vert="horz" wrap="square" lIns="91440" tIns="45720" rIns="91440" bIns="45720" anchor="t" anchorCtr="0">
+                      <a:spAutoFit/>
+                    </a:bodyPr>
+                    <a:p>
+                      <a:pPr>
+                        <a:defRPr/>
+                      </a:pPr>
+                      <a:endParaRPr lang="ko-KR" altLang="en-US"/>
+                    </a:p>
+                  </a:txBody>
+                  <a:tcPr marL="91440" marR="91440">
+                    <a:lnL w="12700" cap="flat" cmpd="sng" algn="ctr">
+                      <a:solidFill>
+                        <a:schemeClr val="tx1"/>
+                      </a:solidFill>
+                      <a:prstDash val="solid"/>
+                      <a:round/>
+                      <a:headEnd w="med" len="med"/>
+                      <a:tailEnd w="med" len="med"/>
+                    </a:lnL>
+                    <a:lnR w="12700" cap="flat" cmpd="sng" algn="ctr">
+                      <a:solidFill>
+                        <a:schemeClr val="tx1"/>
+                      </a:solidFill>
+                      <a:prstDash val="solid"/>
+                      <a:round/>
+                      <a:headEnd w="med" len="med"/>
+                      <a:tailEnd w="med" len="med"/>
+                    </a:lnR>
+                    <a:lnT w="12700" cap="flat" cmpd="sng" algn="ctr">
+                      <a:solidFill>
+                        <a:schemeClr val="tx1"/>
+                      </a:solidFill>
+                      <a:prstDash val="solid"/>
+                      <a:round/>
+                      <a:headEnd w="med" len="med"/>
+                      <a:tailEnd w="med" len="med"/>
+                    </a:lnT>
+                    <a:lnB w="12700" cap="flat" cmpd="sng" algn="ctr">
+                      <a:solidFill>
+                        <a:schemeClr val="tx1"/>
+                      </a:solidFill>
+                      <a:prstDash val="solid"/>
+                      <a:round/>
+                      <a:headEnd w="med" len="med"/>
+                      <a:tailEnd w="med" len="med"/>
+                    </a:lnB>
+                    <a:solidFill>
+                      <a:schemeClr val="lt1"/>
+                    </a:solidFill>
+                  </a:tcPr>
+                </a:tc>
+              </a:tr>
+              <a:tr h="515210">
+                <a:tc>
+                  <a:txBody>
+                    <a:bodyPr vert="horz" wrap="square" lIns="91440" tIns="45720" rIns="91440" bIns="45720" anchor="ctr" anchorCtr="1">
+                      <a:spAutoFit/>
+                    </a:bodyPr>
+                    <a:p>
+                      <a:pPr algn="ctr">
+                        <a:defRPr/>
+                      </a:pPr>
+                      <a:r>
+                        <a:rPr lang="en-US" altLang="ko-KR" sz="1100">
+                          <a:solidFill>
+                            <a:schemeClr val="dk1"/>
+                          </a:solidFill>
+                        </a:rPr>
+                        <a:t>1</a:t>
+                      </a:r>
+                      <a:endParaRPr lang="en-US" altLang="ko-KR" sz="1100">
+                        <a:solidFill>
+                          <a:schemeClr val="dk1"/>
+                        </a:solidFill>
+                      </a:endParaRPr>
+                    </a:p>
+                  </a:txBody>
+                  <a:tcPr marL="91440" marR="91440" anchor="ctr" anchorCtr="1">
+                    <a:lnL w="12700" cap="flat" cmpd="sng" algn="ctr">
+                      <a:solidFill>
+                        <a:schemeClr val="tx1"/>
+                      </a:solidFill>
+                      <a:prstDash val="solid"/>
+                      <a:round/>
+                      <a:headEnd w="med" len="med"/>
+                      <a:tailEnd w="med" len="med"/>
+                    </a:lnL>
+                    <a:lnR w="12700" cap="flat" cmpd="sng" algn="ctr">
+                      <a:solidFill>
+                        <a:schemeClr val="tx1"/>
+                      </a:solidFill>
+                      <a:prstDash val="solid"/>
+                      <a:round/>
+                      <a:headEnd w="med" len="med"/>
+                      <a:tailEnd w="med" len="med"/>
+                    </a:lnR>
+                    <a:lnT w="12700" cap="flat" cmpd="sng" algn="ctr">
+                      <a:solidFill>
+                        <a:schemeClr val="tx1"/>
+                      </a:solidFill>
+                      <a:prstDash val="solid"/>
+                      <a:round/>
+                      <a:headEnd w="med" len="med"/>
+                      <a:tailEnd w="med" len="med"/>
+                    </a:lnT>
+                    <a:lnB w="12700" cap="flat" cmpd="sng" algn="ctr">
+                      <a:solidFill>
+                        <a:schemeClr val="tx1"/>
+                      </a:solidFill>
+                      <a:prstDash val="solid"/>
+                      <a:round/>
+                      <a:headEnd w="med" len="med"/>
+                      <a:tailEnd w="med" len="med"/>
+                    </a:lnB>
+                    <a:solidFill>
+                      <a:schemeClr val="lt1"/>
+                    </a:solidFill>
+                  </a:tcPr>
+                </a:tc>
+                <a:tc>
+                  <a:txBody>
+                    <a:bodyPr vert="horz" wrap="square" lIns="91440" tIns="45720" rIns="91440" bIns="45720" anchor="ctr" anchorCtr="1">
+                      <a:spAutoFit/>
+                    </a:bodyPr>
+                    <a:p>
+                      <a:pPr>
+                        <a:defRPr/>
+                      </a:pPr>
+                      <a:r>
+                        <a:rPr lang="ko-KR" altLang="en-US" sz="1100">
+                          <a:solidFill>
+                            <a:schemeClr val="dk1"/>
+                          </a:solidFill>
+                        </a:rPr>
+                        <a:t>공지사항 상세보기</a:t>
+                      </a:r>
+                      <a:endParaRPr lang="ko-KR" altLang="en-US" sz="1100">
+                        <a:solidFill>
+                          <a:schemeClr val="dk1"/>
+                        </a:solidFill>
+                      </a:endParaRPr>
+                    </a:p>
+                  </a:txBody>
+                  <a:tcPr marL="91440" marR="91440" anchor="ctr" anchorCtr="1">
+                    <a:lnL w="12700" cap="flat" cmpd="sng" algn="ctr">
+                      <a:solidFill>
+                        <a:schemeClr val="tx1"/>
+                      </a:solidFill>
+                      <a:prstDash val="solid"/>
+                      <a:round/>
+                      <a:headEnd w="med" len="med"/>
+                      <a:tailEnd w="med" len="med"/>
+                    </a:lnL>
+                    <a:lnR w="12700" cap="flat" cmpd="sng" algn="ctr">
+                      <a:solidFill>
+                        <a:schemeClr val="tx1"/>
+                      </a:solidFill>
+                      <a:prstDash val="solid"/>
+                      <a:round/>
+                      <a:headEnd w="med" len="med"/>
+                      <a:tailEnd w="med" len="med"/>
+                    </a:lnR>
+                    <a:lnT w="12700" cap="flat" cmpd="sng" algn="ctr">
+                      <a:solidFill>
+                        <a:schemeClr val="tx1"/>
+                      </a:solidFill>
+                      <a:prstDash val="solid"/>
+                      <a:round/>
+                      <a:headEnd w="med" len="med"/>
+                      <a:tailEnd w="med" len="med"/>
+                    </a:lnT>
+                    <a:lnB w="12700" cap="flat" cmpd="sng" algn="ctr">
+                      <a:solidFill>
+                        <a:schemeClr val="tx1"/>
+                      </a:solidFill>
+                      <a:prstDash val="solid"/>
+                      <a:round/>
+                      <a:headEnd w="med" len="med"/>
+                      <a:tailEnd w="med" len="med"/>
+                    </a:lnB>
+                    <a:solidFill>
+                      <a:schemeClr val="lt1"/>
+                    </a:solidFill>
+                  </a:tcPr>
+                </a:tc>
+              </a:tr>
+            </a:tbl>
+          </a:graphicData>
+        </a:graphic>
+      </p:graphicFrame>
+      <p:sp>
+        <p:nvSpPr>
+          <p:cNvPr id="287" name="Shape 434"/>
+          <p:cNvSpPr/>
+          <p:nvPr/>
+        </p:nvSpPr>
+        <p:spPr>
+          <a:xfrm>
+            <a:off x="513934" y="1123602"/>
+            <a:ext cx="2908790" cy="5152103"/>
+          </a:xfrm>
+          <a:prstGeom prst="rect">
+            <a:avLst/>
+          </a:prstGeom>
+          <a:ln>
+            <a:solidFill>
+              <a:srgbClr val="000000">
+                <a:alpha val="100000"/>
+              </a:srgbClr>
+            </a:solidFill>
+          </a:ln>
+        </p:spPr>
+        <p:txBody>
+          <a:bodyPr lIns="45324" tIns="45324" rIns="45324" bIns="45324"/>
+          <a:p>
+            <a:pPr marL="0" indent="0" algn="ctr" defTabSz="906145" rtl="0" eaLnBrk="1" latinLnBrk="0" hangingPunct="0">
+              <a:lnSpc>
+                <a:spcPct val="120000"/>
+              </a:lnSpc>
+              <a:spcBef>
+                <a:spcPct val="0"/>
+              </a:spcBef>
+              <a:spcAft>
+                <a:spcPts val="0"/>
+              </a:spcAft>
+              <a:buNone/>
+              <a:defRPr sz="700" b="1">
+                <a:latin typeface="Wingdings"/>
+                <a:ea typeface="Wingdings"/>
+                <a:cs typeface="Wingdings"/>
+                <a:sym typeface="Wingdings"/>
+              </a:defRPr>
+            </a:pPr>
+            <a:endParaRPr xmlns:mc="http://schemas.openxmlformats.org/markup-compatibility/2006" xmlns:hp="http://schemas.haansoft.com/office/presentation/8.0" kumimoji="0" sz="700" b="1" i="0" u="none" strike="noStrike" kern="0" cap="none" spc="0" normalizeH="0" baseline="0" mc:Ignorable="hp" hp:hslEmbossed="0">
+              <a:solidFill>
+                <a:srgbClr val="000000"/>
+              </a:solidFill>
+              <a:latin typeface="맑은 고딕"/>
+              <a:ea typeface="맑은 고딕"/>
+              <a:cs typeface="맑은 고딕"/>
+              <a:sym typeface="맑은 고딕"/>
+            </a:endParaRPr>
+          </a:p>
+        </p:txBody>
+      </p:sp>
+      <p:sp>
+        <p:nvSpPr>
+          <p:cNvPr id="288" name="타원 50"/>
+          <p:cNvSpPr/>
+          <p:nvPr/>
+        </p:nvSpPr>
+        <p:spPr>
+          <a:xfrm>
+            <a:off x="1347153" y="1268759"/>
+            <a:ext cx="1239708" cy="628317"/>
+          </a:xfrm>
+          <a:prstGeom prst="ellipse">
+            <a:avLst/>
+          </a:prstGeom>
+          <a:noFill/>
+          <a:ln w="3175" cap="flat" cmpd="sng" algn="ctr">
+            <a:solidFill>
+              <a:srgbClr val="bfbfbf">
+                <a:alpha val="100000"/>
+              </a:srgbClr>
+            </a:solidFill>
+            <a:prstDash val="solid"/>
+          </a:ln>
+        </p:spPr>
+        <p:txBody>
+          <a:bodyPr anchor="ctr"/>
+          <a:p>
+            <a:pPr marL="0" indent="0" algn="ctr" defTabSz="914400" rtl="0" eaLnBrk="1" latinLnBrk="1" hangingPunct="1">
+              <a:lnSpc>
+                <a:spcPct val="100000"/>
+              </a:lnSpc>
+              <a:spcBef>
+                <a:spcPct val="0"/>
+              </a:spcBef>
+              <a:spcAft>
+                <a:spcPts val="0"/>
+              </a:spcAft>
+              <a:buNone/>
+              <a:defRPr/>
+            </a:pPr>
+            <a:r>
+              <a:rPr xmlns:mc="http://schemas.openxmlformats.org/markup-compatibility/2006" xmlns:hp="http://schemas.haansoft.com/office/presentation/8.0" kumimoji="0" lang="ko-KR" altLang="en-US" sz="900" b="0" i="0" u="none" strike="noStrike" kern="1200" cap="none" spc="0" normalizeH="0" baseline="0" mc:Ignorable="hp" hp:hslEmbossed="0">
+                <a:solidFill>
+                  <a:srgbClr val="000000"/>
+                </a:solidFill>
+                <a:latin typeface="Calibri"/>
+                <a:ea typeface="맑은 고딕"/>
+                <a:cs typeface="맑은 고딕"/>
+              </a:rPr>
+              <a:t>로고</a:t>
+            </a:r>
+            <a:endParaRPr xmlns:mc="http://schemas.openxmlformats.org/markup-compatibility/2006" xmlns:hp="http://schemas.haansoft.com/office/presentation/8.0" kumimoji="0" lang="ko-KR" altLang="en-US" sz="900" b="0" i="0" u="none" strike="noStrike" kern="1200" cap="none" spc="0" normalizeH="0" baseline="0" mc:Ignorable="hp" hp:hslEmbossed="0">
+              <a:solidFill>
+                <a:srgbClr val="000000"/>
+              </a:solidFill>
+              <a:latin typeface="Calibri"/>
+              <a:ea typeface="맑은 고딕"/>
+              <a:cs typeface="맑은 고딕"/>
+            </a:endParaRPr>
+          </a:p>
+        </p:txBody>
+      </p:sp>
+      <p:sp>
+        <p:nvSpPr>
+          <p:cNvPr id="291" name=""/>
+          <p:cNvSpPr/>
+          <p:nvPr/>
+        </p:nvSpPr>
+        <p:spPr>
+          <a:xfrm>
+            <a:off x="524496" y="5825449"/>
+            <a:ext cx="2898228" cy="450256"/>
+          </a:xfrm>
+          <a:prstGeom prst="rect">
+            <a:avLst/>
+          </a:prstGeom>
+          <a:solidFill>
+            <a:srgbClr val="ffffff">
+              <a:alpha val="100000"/>
+            </a:srgbClr>
+          </a:solidFill>
+          <a:ln w="19050" cap="flat" cmpd="sng" algn="ctr">
+            <a:solidFill>
+              <a:srgbClr val="9be5c8">
+                <a:alpha val="100000"/>
+              </a:srgbClr>
+            </a:solidFill>
+            <a:prstDash val="solid"/>
+          </a:ln>
+        </p:spPr>
+        <p:txBody>
+          <a:bodyPr anchor="ctr"/>
+          <a:p>
+            <a:pPr marL="0" indent="0" algn="ctr" defTabSz="914400" rtl="0" eaLnBrk="1" latinLnBrk="1" hangingPunct="1">
+              <a:lnSpc>
+                <a:spcPct val="100000"/>
+              </a:lnSpc>
+              <a:spcBef>
+                <a:spcPct val="0"/>
+              </a:spcBef>
+              <a:spcAft>
+                <a:spcPts val="0"/>
+              </a:spcAft>
+              <a:buNone/>
+              <a:defRPr/>
+            </a:pPr>
+            <a:endParaRPr xmlns:mc="http://schemas.openxmlformats.org/markup-compatibility/2006" xmlns:hp="http://schemas.haansoft.com/office/presentation/8.0" kumimoji="0" lang="ko-KR" altLang="en-US" sz="1800" b="0" i="0" u="none" strike="noStrike" kern="1200" cap="none" spc="0" normalizeH="0" baseline="0" mc:Ignorable="hp" hp:hslEmbossed="0">
+              <a:solidFill>
+                <a:srgbClr val="ffffff"/>
+              </a:solidFill>
+              <a:latin typeface="Calibri"/>
+              <a:ea typeface="맑은 고딕"/>
+              <a:cs typeface="맑은 고딕"/>
+            </a:endParaRPr>
+          </a:p>
+        </p:txBody>
+      </p:sp>
+      <p:graphicFrame>
+        <p:nvGraphicFramePr>
+          <p:cNvPr id="292" name=""/>
+          <p:cNvGraphicFramePr>
+            <a:graphicFrameLocks noGrp="1"/>
+          </p:cNvGraphicFramePr>
+          <p:nvPr/>
+        </p:nvGraphicFramePr>
+        <p:xfrm>
+          <a:off x="513933" y="5825450"/>
+          <a:ext cx="2907396" cy="450256"/>
+        </p:xfrm>
+        <a:graphic>
+          <a:graphicData uri="http://schemas.openxmlformats.org/drawingml/2006/table">
+            <a:tbl>
+              <a:tblPr firstRow="1" bandRow="1">
+                <a:tableStyleId>{01A66EDD-3DAB-4C5B-A090-DC80EC1FD486}</a:tableStyleId>
+              </a:tblPr>
+              <a:tblGrid>
+                <a:gridCol w="727197"/>
+                <a:gridCol w="725805"/>
+                <a:gridCol w="727197"/>
+                <a:gridCol w="727197"/>
+              </a:tblGrid>
+              <a:tr h="450256">
+                <a:tc>
+                  <a:txBody>
+                    <a:bodyPr vert="horz" wrap="square" lIns="91440" tIns="45720" rIns="91440" bIns="45720" anchor="t" anchorCtr="0">
+                      <a:spAutoFit/>
+                    </a:bodyPr>
+                    <a:p>
+                      <a:pPr marL="0" algn="ctr" defTabSz="914400" rtl="0" eaLnBrk="1" latinLnBrk="1" hangingPunct="1">
+                        <a:buNone/>
+                        <a:defRPr/>
+                      </a:pPr>
+                      <a:r>
+                        <a:rPr xmlns:mc="http://schemas.openxmlformats.org/markup-compatibility/2006" xmlns:hp="http://schemas.haansoft.com/office/presentation/8.0" kumimoji="0" lang="ko-KR" altLang="en-US" sz="1800" b="1" i="0" u="none" strike="noStrike" kern="1200" cap="none" normalizeH="0" baseline="0" mc:Ignorable="hp" hp:hslEmbossed="0">
+                          <a:ln w="9525">
+                            <a:solidFill>
+                              <a:srgbClr val="ffffff"/>
+                            </a:solidFill>
+                          </a:ln>
+                          <a:solidFill>
+                            <a:srgbClr val="000000"/>
+                          </a:solidFill>
+                          <a:latin typeface="Calibri"/>
+                          <a:ea typeface="맑은 고딕"/>
+                          <a:cs typeface="맑은 고딕"/>
+                        </a:rPr>
+                        <a:t>홈</a:t>
+                      </a:r>
+                      <a:endParaRPr xmlns:mc="http://schemas.openxmlformats.org/markup-compatibility/2006" xmlns:hp="http://schemas.haansoft.com/office/presentation/8.0" kumimoji="0" lang="en-US" altLang="ko-KR" sz="1800" b="1" i="0" u="none" strike="noStrike" kern="1200" cap="none" normalizeH="0" baseline="0" mc:Ignorable="hp" hp:hslEmbossed="0">
+                        <a:ln w="9525">
+                          <a:solidFill>
+                            <a:srgbClr val="ffffff"/>
+                          </a:solidFill>
+                        </a:ln>
+                        <a:solidFill>
+                          <a:srgbClr val="000000"/>
+                        </a:solidFill>
+                        <a:latin typeface="Calibri"/>
+                        <a:ea typeface="맑은 고딕"/>
+                        <a:cs typeface="Calibri"/>
+                      </a:endParaRPr>
+                    </a:p>
+                  </a:txBody>
+                  <a:tcPr marL="91440" marR="91440">
+                    <a:lnL w="25400" cap="flat" cmpd="sng" algn="ctr">
+                      <a:solidFill>
+                        <a:srgbClr val="69d8ad">
+                          <a:alpha val="100000"/>
+                        </a:srgbClr>
+                      </a:solidFill>
+                      <a:prstDash val="solid"/>
+                      <a:round/>
+                      <a:headEnd w="med" len="med"/>
+                      <a:tailEnd w="med" len="med"/>
+                    </a:lnL>
+                    <a:lnR w="25400" cap="flat" cmpd="sng" algn="ctr">
+                      <a:solidFill>
+                        <a:srgbClr val="69d8ad">
+                          <a:alpha val="100000"/>
+                        </a:srgbClr>
+                      </a:solidFill>
+                      <a:prstDash val="solid"/>
+                      <a:round/>
+                      <a:headEnd w="med" len="med"/>
+                      <a:tailEnd w="med" len="med"/>
+                    </a:lnR>
+                    <a:lnT w="25400" cap="flat" cmpd="sng" algn="ctr">
+                      <a:solidFill>
+                        <a:srgbClr val="69d8ad">
+                          <a:alpha val="100000"/>
+                        </a:srgbClr>
+                      </a:solidFill>
+                      <a:prstDash val="solid"/>
+                      <a:round/>
+                      <a:headEnd w="med" len="med"/>
+                      <a:tailEnd w="med" len="med"/>
+                    </a:lnT>
+                    <a:lnB w="25400" cap="flat" cmpd="sng" algn="ctr">
+                      <a:solidFill>
+                        <a:srgbClr val="69d8ad">
+                          <a:alpha val="100000"/>
+                        </a:srgbClr>
+                      </a:solidFill>
+                      <a:prstDash val="solid"/>
+                      <a:round/>
+                      <a:headEnd w="med" len="med"/>
+                      <a:tailEnd w="med" len="med"/>
+                    </a:lnB>
+                    <a:solidFill>
+                      <a:srgbClr val="ffffff">
+                        <a:alpha val="100000"/>
+                      </a:srgbClr>
+                    </a:solidFill>
+                  </a:tcPr>
+                </a:tc>
+                <a:tc>
+                  <a:txBody>
+                    <a:bodyPr vert="horz" wrap="square" lIns="91440" tIns="45720" rIns="91440" bIns="45720" anchor="t" anchorCtr="0">
+                      <a:spAutoFit/>
+                    </a:bodyPr>
+                    <a:p>
+                      <a:pPr marL="0" algn="ctr" defTabSz="914400" rtl="0" eaLnBrk="1" latinLnBrk="1" hangingPunct="1">
+                        <a:buNone/>
+                        <a:defRPr/>
+                      </a:pPr>
+                      <a:r>
+                        <a:rPr xmlns:mc="http://schemas.openxmlformats.org/markup-compatibility/2006" xmlns:hp="http://schemas.haansoft.com/office/presentation/8.0" kumimoji="0" lang="ko-KR" altLang="en-US" sz="1800" b="1" i="0" u="none" strike="noStrike" kern="1200" cap="none" normalizeH="0" baseline="0" mc:Ignorable="hp" hp:hslEmbossed="0">
+                          <a:ln w="9525">
+                            <a:solidFill>
+                              <a:srgbClr val="ffffff"/>
+                            </a:solidFill>
+                          </a:ln>
+                          <a:solidFill>
+                            <a:srgbClr val="000000"/>
+                          </a:solidFill>
+                          <a:latin typeface="Calibri"/>
+                          <a:ea typeface="맑은 고딕"/>
+                          <a:cs typeface="맑은 고딕"/>
+                        </a:rPr>
+                        <a:t>상품</a:t>
+                      </a:r>
+                      <a:endParaRPr xmlns:mc="http://schemas.openxmlformats.org/markup-compatibility/2006" xmlns:hp="http://schemas.haansoft.com/office/presentation/8.0" kumimoji="0" lang="ko-KR" altLang="en-US" sz="1800" b="1" i="0" u="none" strike="noStrike" kern="1200" cap="none" normalizeH="0" baseline="0" mc:Ignorable="hp" hp:hslEmbossed="0">
+                        <a:ln w="9525">
+                          <a:solidFill>
+                            <a:srgbClr val="ffffff"/>
+                          </a:solidFill>
+                        </a:ln>
+                        <a:solidFill>
+                          <a:srgbClr val="000000"/>
+                        </a:solidFill>
+                        <a:latin typeface="Calibri"/>
+                        <a:ea typeface="맑은 고딕"/>
+                        <a:cs typeface="맑은 고딕"/>
+                      </a:endParaRPr>
+                    </a:p>
+                  </a:txBody>
+                  <a:tcPr marL="91440" marR="91440">
+                    <a:lnL w="25400" cap="flat" cmpd="sng" algn="ctr">
+                      <a:solidFill>
+                        <a:srgbClr val="69d8ad">
+                          <a:alpha val="100000"/>
+                        </a:srgbClr>
+                      </a:solidFill>
+                      <a:prstDash val="solid"/>
+                      <a:round/>
+                      <a:headEnd w="med" len="med"/>
+                      <a:tailEnd w="med" len="med"/>
+                    </a:lnL>
+                    <a:lnR w="25400" cap="flat" cmpd="sng" algn="ctr">
+                      <a:solidFill>
+                        <a:srgbClr val="69d8ad">
+                          <a:alpha val="100000"/>
+                        </a:srgbClr>
+                      </a:solidFill>
+                      <a:prstDash val="solid"/>
+                      <a:round/>
+                      <a:headEnd w="med" len="med"/>
+                      <a:tailEnd w="med" len="med"/>
+                    </a:lnR>
+                    <a:lnT w="25400" cap="flat" cmpd="sng" algn="ctr">
+                      <a:solidFill>
+                        <a:srgbClr val="69d8ad">
+                          <a:alpha val="100000"/>
+                        </a:srgbClr>
+                      </a:solidFill>
+                      <a:prstDash val="solid"/>
+                      <a:round/>
+                      <a:headEnd w="med" len="med"/>
+                      <a:tailEnd w="med" len="med"/>
+                    </a:lnT>
+                    <a:lnB w="25400" cap="flat" cmpd="sng" algn="ctr">
+                      <a:solidFill>
+                        <a:srgbClr val="69d8ad">
+                          <a:alpha val="100000"/>
+                        </a:srgbClr>
+                      </a:solidFill>
+                      <a:prstDash val="solid"/>
+                      <a:round/>
+                      <a:headEnd w="med" len="med"/>
+                      <a:tailEnd w="med" len="med"/>
+                    </a:lnB>
+                    <a:solidFill>
+                      <a:srgbClr val="ffffff">
+                        <a:alpha val="100000"/>
+                      </a:srgbClr>
+                    </a:solidFill>
+                  </a:tcPr>
+                </a:tc>
+                <a:tc>
+                  <a:txBody>
+                    <a:bodyPr vert="horz" wrap="square" lIns="91440" tIns="45720" rIns="91440" bIns="45720" anchor="t" anchorCtr="0">
+                      <a:spAutoFit/>
+                    </a:bodyPr>
+                    <a:p>
+                      <a:pPr marL="0" algn="ctr" defTabSz="914400" rtl="0" eaLnBrk="1" latinLnBrk="1" hangingPunct="1">
+                        <a:buNone/>
+                        <a:defRPr/>
+                      </a:pPr>
+                      <a:r>
+                        <a:rPr xmlns:mc="http://schemas.openxmlformats.org/markup-compatibility/2006" xmlns:hp="http://schemas.haansoft.com/office/presentation/8.0" kumimoji="0" lang="ko-KR" altLang="en-US" sz="1800" b="1" i="0" u="none" strike="noStrike" kern="1200" cap="none" normalizeH="0" baseline="0" mc:Ignorable="hp" hp:hslEmbossed="0">
+                          <a:ln w="9525">
+                            <a:solidFill>
+                              <a:srgbClr val="ffffff"/>
+                            </a:solidFill>
+                          </a:ln>
+                          <a:solidFill>
+                            <a:srgbClr val="000000"/>
+                          </a:solidFill>
+                          <a:latin typeface="Calibri"/>
+                          <a:ea typeface="맑은 고딕"/>
+                          <a:cs typeface="맑은 고딕"/>
+                        </a:rPr>
+                        <a:t>검색</a:t>
+                      </a:r>
+                      <a:endParaRPr xmlns:mc="http://schemas.openxmlformats.org/markup-compatibility/2006" xmlns:hp="http://schemas.haansoft.com/office/presentation/8.0" kumimoji="0" lang="ko-KR" altLang="en-US" sz="1800" b="1" i="0" u="none" strike="noStrike" kern="1200" cap="none" normalizeH="0" baseline="0" mc:Ignorable="hp" hp:hslEmbossed="0">
+                        <a:ln w="9525">
+                          <a:solidFill>
+                            <a:srgbClr val="ffffff"/>
+                          </a:solidFill>
+                        </a:ln>
+                        <a:solidFill>
+                          <a:srgbClr val="000000"/>
+                        </a:solidFill>
+                        <a:latin typeface="Calibri"/>
+                        <a:ea typeface="맑은 고딕"/>
+                        <a:cs typeface="맑은 고딕"/>
+                      </a:endParaRPr>
+                    </a:p>
+                  </a:txBody>
+                  <a:tcPr marL="91440" marR="91440">
+                    <a:lnL w="25400" cap="flat" cmpd="sng" algn="ctr">
+                      <a:solidFill>
+                        <a:srgbClr val="69d8ad">
+                          <a:alpha val="100000"/>
+                        </a:srgbClr>
+                      </a:solidFill>
+                      <a:prstDash val="solid"/>
+                      <a:round/>
+                      <a:headEnd w="med" len="med"/>
+                      <a:tailEnd w="med" len="med"/>
+                    </a:lnL>
+                    <a:lnR w="25400" cap="flat" cmpd="sng" algn="ctr">
+                      <a:solidFill>
+                        <a:srgbClr val="69d8ad">
+                          <a:alpha val="100000"/>
+                        </a:srgbClr>
+                      </a:solidFill>
+                      <a:prstDash val="solid"/>
+                      <a:round/>
+                      <a:headEnd w="med" len="med"/>
+                      <a:tailEnd w="med" len="med"/>
+                    </a:lnR>
+                    <a:lnT w="25400" cap="flat" cmpd="sng" algn="ctr">
+                      <a:solidFill>
+                        <a:srgbClr val="69d8ad">
+                          <a:alpha val="100000"/>
+                        </a:srgbClr>
+                      </a:solidFill>
+                      <a:prstDash val="solid"/>
+                      <a:round/>
+                      <a:headEnd w="med" len="med"/>
+                      <a:tailEnd w="med" len="med"/>
+                    </a:lnT>
+                    <a:lnB w="25400" cap="flat" cmpd="sng" algn="ctr">
+                      <a:solidFill>
+                        <a:srgbClr val="69d8ad">
+                          <a:alpha val="100000"/>
+                        </a:srgbClr>
+                      </a:solidFill>
+                      <a:prstDash val="solid"/>
+                      <a:round/>
+                      <a:headEnd w="med" len="med"/>
+                      <a:tailEnd w="med" len="med"/>
+                    </a:lnB>
+                    <a:solidFill>
+                      <a:srgbClr val="ffffff">
+                        <a:alpha val="100000"/>
+                      </a:srgbClr>
+                    </a:solidFill>
+                  </a:tcPr>
+                </a:tc>
+                <a:tc>
+                  <a:txBody>
+                    <a:bodyPr vert="horz" wrap="square" lIns="91440" tIns="45720" rIns="91440" bIns="45720" anchor="t" anchorCtr="0">
+                      <a:spAutoFit/>
+                    </a:bodyPr>
+                    <a:p>
+                      <a:pPr marL="0" algn="ctr" defTabSz="914400" rtl="0" eaLnBrk="1" latinLnBrk="1" hangingPunct="1">
+                        <a:buNone/>
+                        <a:defRPr/>
+                      </a:pPr>
+                      <a:r>
+                        <a:rPr xmlns:mc="http://schemas.openxmlformats.org/markup-compatibility/2006" xmlns:hp="http://schemas.haansoft.com/office/presentation/8.0" kumimoji="0" lang="ko-KR" altLang="en-US" sz="1800" b="1" i="0" u="none" strike="noStrike" kern="1200" cap="none" normalizeH="0" baseline="0" mc:Ignorable="hp" hp:hslEmbossed="0">
+                          <a:ln w="9525">
+                            <a:solidFill>
+                              <a:srgbClr val="ffffff"/>
+                            </a:solidFill>
+                          </a:ln>
+                          <a:solidFill>
+                            <a:srgbClr val="000000"/>
+                          </a:solidFill>
+                          <a:latin typeface="Calibri"/>
+                          <a:ea typeface="맑은 고딕"/>
+                          <a:cs typeface="맑은 고딕"/>
+                        </a:rPr>
+                        <a:t>마이</a:t>
+                      </a:r>
+                      <a:endParaRPr xmlns:mc="http://schemas.openxmlformats.org/markup-compatibility/2006" xmlns:hp="http://schemas.haansoft.com/office/presentation/8.0" kumimoji="0" lang="ko-KR" altLang="en-US" sz="1800" b="1" i="0" u="none" strike="noStrike" kern="1200" cap="none" normalizeH="0" baseline="0" mc:Ignorable="hp" hp:hslEmbossed="0">
+                        <a:ln w="9525">
+                          <a:solidFill>
+                            <a:srgbClr val="ffffff"/>
+                          </a:solidFill>
+                        </a:ln>
+                        <a:solidFill>
+                          <a:srgbClr val="000000"/>
+                        </a:solidFill>
+                        <a:latin typeface="Calibri"/>
+                        <a:ea typeface="맑은 고딕"/>
+                        <a:cs typeface="맑은 고딕"/>
+                      </a:endParaRPr>
+                    </a:p>
+                  </a:txBody>
+                  <a:tcPr marL="91440" marR="91440">
+                    <a:lnL w="25400" cap="flat" cmpd="sng" algn="ctr">
+                      <a:solidFill>
+                        <a:srgbClr val="69d8ad">
+                          <a:alpha val="100000"/>
+                        </a:srgbClr>
+                      </a:solidFill>
+                      <a:prstDash val="solid"/>
+                      <a:round/>
+                      <a:headEnd w="med" len="med"/>
+                      <a:tailEnd w="med" len="med"/>
+                    </a:lnL>
+                    <a:lnR w="25400" cap="flat" cmpd="sng" algn="ctr">
+                      <a:solidFill>
+                        <a:srgbClr val="69d8ad">
+                          <a:alpha val="100000"/>
+                        </a:srgbClr>
+                      </a:solidFill>
+                      <a:prstDash val="solid"/>
+                      <a:round/>
+                      <a:headEnd w="med" len="med"/>
+                      <a:tailEnd w="med" len="med"/>
+                    </a:lnR>
+                    <a:lnT w="25400" cap="flat" cmpd="sng" algn="ctr">
+                      <a:solidFill>
+                        <a:srgbClr val="69d8ad">
+                          <a:alpha val="100000"/>
+                        </a:srgbClr>
+                      </a:solidFill>
+                      <a:prstDash val="solid"/>
+                      <a:round/>
+                      <a:headEnd w="med" len="med"/>
+                      <a:tailEnd w="med" len="med"/>
+                    </a:lnT>
+                    <a:lnB w="25400" cap="flat" cmpd="sng" algn="ctr">
+                      <a:solidFill>
+                        <a:srgbClr val="69d8ad">
+                          <a:alpha val="100000"/>
+                        </a:srgbClr>
+                      </a:solidFill>
+                      <a:prstDash val="solid"/>
+                      <a:round/>
+                      <a:headEnd w="med" len="med"/>
+                      <a:tailEnd w="med" len="med"/>
+                    </a:lnB>
+                    <a:solidFill>
+                      <a:srgbClr val="ffffff">
+                        <a:alpha val="100000"/>
+                      </a:srgbClr>
+                    </a:solidFill>
+                  </a:tcPr>
+                </a:tc>
+              </a:tr>
+            </a:tbl>
+          </a:graphicData>
+        </a:graphic>
+      </p:graphicFrame>
+      <p:sp>
+        <p:nvSpPr>
+          <p:cNvPr id="298" name=""/>
+          <p:cNvSpPr/>
+          <p:nvPr/>
+        </p:nvSpPr>
+        <p:spPr>
+          <a:xfrm>
+            <a:off x="513933" y="2022747"/>
+            <a:ext cx="2896833" cy="3802701"/>
+          </a:xfrm>
+          <a:prstGeom prst="rect">
+            <a:avLst/>
+          </a:prstGeom>
+          <a:solidFill>
+            <a:schemeClr val="lt1"/>
+          </a:solidFill>
+        </p:spPr>
+        <p:style>
+          <a:lnRef idx="2">
+            <a:schemeClr val="accent1">
+              <a:shade val="20000"/>
+            </a:schemeClr>
+          </a:lnRef>
+          <a:fillRef idx="1">
+            <a:schemeClr val="accent1"/>
+          </a:fillRef>
+          <a:effectRef idx="0">
+            <a:schemeClr val="accent1"/>
+          </a:effectRef>
+          <a:fontRef idx="minor">
+            <a:schemeClr val="lt1"/>
+          </a:fontRef>
+        </p:style>
+        <p:txBody>
+          <a:bodyPr anchor="ctr"/>
+          <a:p>
+            <a:pPr algn="ctr">
+              <a:defRPr/>
+            </a:pPr>
+            <a:endParaRPr lang="ko-KR" altLang="en-US"/>
+          </a:p>
+        </p:txBody>
+      </p:sp>
+      <p:sp>
+        <p:nvSpPr>
+          <p:cNvPr id="306" name=""/>
+          <p:cNvSpPr/>
+          <p:nvPr/>
+        </p:nvSpPr>
+        <p:spPr>
+          <a:xfrm>
+            <a:off x="619746" y="2693751"/>
+            <a:ext cx="2700337" cy="396049"/>
+          </a:xfrm>
+          <a:prstGeom prst="rect">
+            <a:avLst/>
+          </a:prstGeom>
+          <a:solidFill>
+            <a:schemeClr val="lt1"/>
+          </a:solidFill>
+        </p:spPr>
+        <p:style>
+          <a:lnRef idx="2">
+            <a:schemeClr val="accent1">
+              <a:shade val="20000"/>
+            </a:schemeClr>
+          </a:lnRef>
+          <a:fillRef idx="1">
+            <a:schemeClr val="accent1"/>
+          </a:fillRef>
+          <a:effectRef idx="0">
+            <a:schemeClr val="accent1"/>
+          </a:effectRef>
+          <a:fontRef idx="minor">
+            <a:schemeClr val="lt1"/>
+          </a:fontRef>
+        </p:style>
+        <p:txBody>
+          <a:bodyPr anchor="ctr"/>
+          <a:p>
+            <a:pPr algn="ctr">
+              <a:defRPr/>
+            </a:pPr>
+            <a:r>
+              <a:rPr lang="ko-KR" altLang="en-US" sz="1100">
+                <a:solidFill>
+                  <a:schemeClr val="dk1"/>
+                </a:solidFill>
+              </a:rPr>
+              <a:t>공지사항</a:t>
+            </a:r>
+            <a:endParaRPr lang="ko-KR" altLang="en-US" sz="1100">
+              <a:solidFill>
+                <a:schemeClr val="dk1"/>
+              </a:solidFill>
+            </a:endParaRPr>
+          </a:p>
+        </p:txBody>
+      </p:sp>
+      <p:sp>
+        <p:nvSpPr>
+          <p:cNvPr id="307" name=""/>
+          <p:cNvSpPr/>
+          <p:nvPr/>
+        </p:nvSpPr>
+        <p:spPr>
+          <a:xfrm>
+            <a:off x="604940" y="3320553"/>
+            <a:ext cx="2700337" cy="396049"/>
+          </a:xfrm>
+          <a:prstGeom prst="rect">
+            <a:avLst/>
+          </a:prstGeom>
+          <a:solidFill>
+            <a:srgbClr val="ffffff">
+              <a:alpha val="100000"/>
+            </a:srgbClr>
+          </a:solidFill>
+          <a:ln w="19050" cap="flat" cmpd="sng" algn="ctr">
+            <a:solidFill>
+              <a:srgbClr val="2e3e67">
+                <a:alpha val="100000"/>
+              </a:srgbClr>
+            </a:solidFill>
+            <a:prstDash val="solid"/>
+          </a:ln>
+        </p:spPr>
+        <p:txBody>
+          <a:bodyPr anchor="ctr"/>
+          <a:p>
+            <a:pPr marL="0" indent="0" algn="ctr" defTabSz="914400" rtl="0" eaLnBrk="1" latinLnBrk="1" hangingPunct="1">
+              <a:lnSpc>
+                <a:spcPct val="100000"/>
+              </a:lnSpc>
+              <a:spcBef>
+                <a:spcPct val="0"/>
+              </a:spcBef>
+              <a:spcAft>
+                <a:spcPts val="0"/>
+              </a:spcAft>
+              <a:buNone/>
+              <a:defRPr/>
+            </a:pPr>
+            <a:r>
+              <a:rPr xmlns:mc="http://schemas.openxmlformats.org/markup-compatibility/2006" xmlns:hp="http://schemas.haansoft.com/office/presentation/8.0" kumimoji="0" lang="ko-KR" altLang="en-US" sz="1100" b="0" i="0" u="none" strike="noStrike" kern="1200" cap="none" spc="0" normalizeH="0" baseline="0" mc:Ignorable="hp" hp:hslEmbossed="0">
+                <a:solidFill>
+                  <a:srgbClr val="000000"/>
+                </a:solidFill>
+                <a:latin typeface="Calibri"/>
+                <a:ea typeface="맑은 고딕"/>
+                <a:cs typeface="맑은 고딕"/>
+              </a:rPr>
+              <a:t>공지사항</a:t>
+            </a:r>
+            <a:endParaRPr xmlns:mc="http://schemas.openxmlformats.org/markup-compatibility/2006" xmlns:hp="http://schemas.haansoft.com/office/presentation/8.0" kumimoji="0" lang="ko-KR" altLang="en-US" sz="1100" b="0" i="0" u="none" strike="noStrike" kern="1200" cap="none" spc="0" normalizeH="0" baseline="0" mc:Ignorable="hp" hp:hslEmbossed="0">
+              <a:solidFill>
+                <a:srgbClr val="000000"/>
+              </a:solidFill>
+              <a:latin typeface="Calibri"/>
+              <a:ea typeface="맑은 고딕"/>
+              <a:cs typeface="맑은 고딕"/>
+            </a:endParaRPr>
+          </a:p>
+        </p:txBody>
+      </p:sp>
+      <p:sp>
+        <p:nvSpPr>
+          <p:cNvPr id="308" name=""/>
+          <p:cNvSpPr/>
+          <p:nvPr/>
+        </p:nvSpPr>
+        <p:spPr>
+          <a:xfrm>
+            <a:off x="623990" y="3893820"/>
+            <a:ext cx="2700337" cy="396049"/>
+          </a:xfrm>
+          <a:prstGeom prst="rect">
+            <a:avLst/>
+          </a:prstGeom>
+          <a:solidFill>
+            <a:srgbClr val="ffffff">
+              <a:alpha val="100000"/>
+            </a:srgbClr>
+          </a:solidFill>
+          <a:ln w="19050" cap="flat" cmpd="sng" algn="ctr">
+            <a:solidFill>
+              <a:srgbClr val="2e3e67">
+                <a:alpha val="100000"/>
+              </a:srgbClr>
+            </a:solidFill>
+            <a:prstDash val="solid"/>
+          </a:ln>
+        </p:spPr>
+        <p:txBody>
+          <a:bodyPr anchor="ctr"/>
+          <a:p>
+            <a:pPr marL="0" indent="0" algn="ctr" defTabSz="914400" rtl="0" eaLnBrk="1" latinLnBrk="1" hangingPunct="1">
+              <a:lnSpc>
+                <a:spcPct val="100000"/>
+              </a:lnSpc>
+              <a:spcBef>
+                <a:spcPct val="0"/>
+              </a:spcBef>
+              <a:spcAft>
+                <a:spcPts val="0"/>
+              </a:spcAft>
+              <a:buNone/>
+              <a:defRPr/>
+            </a:pPr>
+            <a:r>
+              <a:rPr xmlns:mc="http://schemas.openxmlformats.org/markup-compatibility/2006" xmlns:hp="http://schemas.haansoft.com/office/presentation/8.0" kumimoji="0" lang="ko-KR" altLang="en-US" sz="1100" b="0" i="0" u="none" strike="noStrike" kern="1200" cap="none" spc="0" normalizeH="0" baseline="0" mc:Ignorable="hp" hp:hslEmbossed="0">
+                <a:solidFill>
+                  <a:srgbClr val="000000"/>
+                </a:solidFill>
+                <a:latin typeface="Calibri"/>
+                <a:ea typeface="맑은 고딕"/>
+                <a:cs typeface="맑은 고딕"/>
+              </a:rPr>
+              <a:t>공지사항</a:t>
+            </a:r>
+            <a:endParaRPr xmlns:mc="http://schemas.openxmlformats.org/markup-compatibility/2006" xmlns:hp="http://schemas.haansoft.com/office/presentation/8.0" kumimoji="0" lang="ko-KR" altLang="en-US" sz="1100" b="0" i="0" u="none" strike="noStrike" kern="1200" cap="none" spc="0" normalizeH="0" baseline="0" mc:Ignorable="hp" hp:hslEmbossed="0">
+              <a:solidFill>
+                <a:srgbClr val="000000"/>
+              </a:solidFill>
+              <a:latin typeface="Calibri"/>
+              <a:ea typeface="맑은 고딕"/>
+              <a:cs typeface="맑은 고딕"/>
+            </a:endParaRPr>
+          </a:p>
+        </p:txBody>
+      </p:sp>
+      <p:sp>
+        <p:nvSpPr>
+          <p:cNvPr id="312" name=""/>
+          <p:cNvSpPr/>
+          <p:nvPr/>
+        </p:nvSpPr>
+        <p:spPr>
+          <a:xfrm>
+            <a:off x="799086" y="2207367"/>
+            <a:ext cx="2304288" cy="288036"/>
+          </a:xfrm>
+          <a:prstGeom prst="rect">
+            <a:avLst/>
+          </a:prstGeom>
+          <a:solidFill>
+            <a:schemeClr val="lt1"/>
+          </a:solidFill>
+        </p:spPr>
+        <p:style>
+          <a:lnRef idx="2">
+            <a:schemeClr val="accent1">
+              <a:shade val="20000"/>
+            </a:schemeClr>
+          </a:lnRef>
+          <a:fillRef idx="1">
+            <a:schemeClr val="accent1"/>
+          </a:fillRef>
+          <a:effectRef idx="0">
+            <a:schemeClr val="accent1"/>
+          </a:effectRef>
+          <a:fontRef idx="minor">
+            <a:schemeClr val="lt1"/>
+          </a:fontRef>
+        </p:style>
+        <p:txBody>
+          <a:bodyPr anchor="ctr"/>
+          <a:p>
+            <a:pPr algn="ctr">
+              <a:defRPr/>
+            </a:pPr>
+            <a:r>
+              <a:rPr lang="ko-KR" altLang="en-US" sz="1100">
+                <a:solidFill>
+                  <a:schemeClr val="dk1"/>
+                </a:solidFill>
+              </a:rPr>
+              <a:t>공지사항</a:t>
+            </a:r>
+            <a:endParaRPr lang="ko-KR" altLang="en-US" sz="1100">
+              <a:solidFill>
+                <a:schemeClr val="dk1"/>
+              </a:solidFill>
+            </a:endParaRPr>
+          </a:p>
+        </p:txBody>
+      </p:sp>
+      <p:sp>
+        <p:nvSpPr>
+          <p:cNvPr id="316" name="Shape 434"/>
+          <p:cNvSpPr/>
+          <p:nvPr/>
+        </p:nvSpPr>
+        <p:spPr>
+          <a:xfrm>
+            <a:off x="4023073" y="1123604"/>
+            <a:ext cx="2908790" cy="5152103"/>
+          </a:xfrm>
+          <a:prstGeom prst="rect">
+            <a:avLst/>
+          </a:prstGeom>
+          <a:ln>
+            <a:solidFill>
+              <a:srgbClr val="000000">
+                <a:alpha val="100000"/>
+              </a:srgbClr>
+            </a:solidFill>
+          </a:ln>
+        </p:spPr>
+        <p:txBody>
+          <a:bodyPr lIns="45324" tIns="45324" rIns="45324" bIns="45324"/>
+          <a:p>
+            <a:pPr marL="0" indent="0" algn="ctr" defTabSz="906145" rtl="0" eaLnBrk="1" latinLnBrk="0" hangingPunct="0">
+              <a:lnSpc>
+                <a:spcPct val="120000"/>
+              </a:lnSpc>
+              <a:spcBef>
+                <a:spcPct val="0"/>
+              </a:spcBef>
+              <a:spcAft>
+                <a:spcPts val="0"/>
+              </a:spcAft>
+              <a:buNone/>
+              <a:defRPr sz="700" b="1">
+                <a:latin typeface="Wingdings"/>
+                <a:ea typeface="Wingdings"/>
+                <a:cs typeface="Wingdings"/>
+                <a:sym typeface="Wingdings"/>
+              </a:defRPr>
+            </a:pPr>
+            <a:endParaRPr xmlns:mc="http://schemas.openxmlformats.org/markup-compatibility/2006" xmlns:hp="http://schemas.haansoft.com/office/presentation/8.0" kumimoji="0" sz="700" b="1" i="0" u="none" strike="noStrike" kern="0" cap="none" spc="0" normalizeH="0" baseline="0" mc:Ignorable="hp" hp:hslEmbossed="0">
+              <a:solidFill>
+                <a:srgbClr val="000000"/>
+              </a:solidFill>
+              <a:latin typeface="맑은 고딕"/>
+              <a:ea typeface="맑은 고딕"/>
+              <a:cs typeface="맑은 고딕"/>
+              <a:sym typeface="맑은 고딕"/>
+            </a:endParaRPr>
+          </a:p>
+        </p:txBody>
+      </p:sp>
+      <p:sp>
+        <p:nvSpPr>
+          <p:cNvPr id="317" name="타원 50"/>
+          <p:cNvSpPr/>
+          <p:nvPr/>
+        </p:nvSpPr>
+        <p:spPr>
+          <a:xfrm>
+            <a:off x="4856292" y="1268761"/>
+            <a:ext cx="1239708" cy="628317"/>
+          </a:xfrm>
+          <a:prstGeom prst="ellipse">
+            <a:avLst/>
+          </a:prstGeom>
+          <a:noFill/>
+          <a:ln w="3175" cap="flat" cmpd="sng" algn="ctr">
+            <a:solidFill>
+              <a:srgbClr val="bfbfbf">
+                <a:alpha val="100000"/>
+              </a:srgbClr>
+            </a:solidFill>
+            <a:prstDash val="solid"/>
+          </a:ln>
+        </p:spPr>
+        <p:txBody>
+          <a:bodyPr anchor="ctr"/>
+          <a:p>
+            <a:pPr marL="0" indent="0" algn="ctr" defTabSz="914400" rtl="0" eaLnBrk="1" latinLnBrk="1" hangingPunct="1">
+              <a:lnSpc>
+                <a:spcPct val="100000"/>
+              </a:lnSpc>
+              <a:spcBef>
+                <a:spcPct val="0"/>
+              </a:spcBef>
+              <a:spcAft>
+                <a:spcPts val="0"/>
+              </a:spcAft>
+              <a:buNone/>
+              <a:defRPr/>
+            </a:pPr>
+            <a:r>
+              <a:rPr xmlns:mc="http://schemas.openxmlformats.org/markup-compatibility/2006" xmlns:hp="http://schemas.haansoft.com/office/presentation/8.0" kumimoji="0" lang="ko-KR" altLang="en-US" sz="900" b="0" i="0" u="none" strike="noStrike" kern="1200" cap="none" spc="0" normalizeH="0" baseline="0" mc:Ignorable="hp" hp:hslEmbossed="0">
+                <a:solidFill>
+                  <a:srgbClr val="000000"/>
+                </a:solidFill>
+                <a:latin typeface="Calibri"/>
+                <a:ea typeface="맑은 고딕"/>
+                <a:cs typeface="맑은 고딕"/>
+              </a:rPr>
+              <a:t>로고</a:t>
+            </a:r>
+            <a:endParaRPr xmlns:mc="http://schemas.openxmlformats.org/markup-compatibility/2006" xmlns:hp="http://schemas.haansoft.com/office/presentation/8.0" kumimoji="0" lang="ko-KR" altLang="en-US" sz="900" b="0" i="0" u="none" strike="noStrike" kern="1200" cap="none" spc="0" normalizeH="0" baseline="0" mc:Ignorable="hp" hp:hslEmbossed="0">
+              <a:solidFill>
+                <a:srgbClr val="000000"/>
+              </a:solidFill>
+              <a:latin typeface="Calibri"/>
+              <a:ea typeface="맑은 고딕"/>
+              <a:cs typeface="맑은 고딕"/>
+            </a:endParaRPr>
+          </a:p>
+        </p:txBody>
+      </p:sp>
+      <p:sp>
+        <p:nvSpPr>
+          <p:cNvPr id="318" name=""/>
+          <p:cNvSpPr/>
+          <p:nvPr/>
+        </p:nvSpPr>
+        <p:spPr>
+          <a:xfrm>
+            <a:off x="4033635" y="5825450"/>
+            <a:ext cx="2898228" cy="450256"/>
+          </a:xfrm>
+          <a:prstGeom prst="rect">
+            <a:avLst/>
+          </a:prstGeom>
+          <a:solidFill>
+            <a:srgbClr val="ffffff">
+              <a:alpha val="100000"/>
+            </a:srgbClr>
+          </a:solidFill>
+          <a:ln w="19050" cap="flat" cmpd="sng" algn="ctr">
+            <a:solidFill>
+              <a:srgbClr val="9be5c8">
+                <a:alpha val="100000"/>
+              </a:srgbClr>
+            </a:solidFill>
+            <a:prstDash val="solid"/>
+          </a:ln>
+        </p:spPr>
+        <p:txBody>
+          <a:bodyPr anchor="ctr"/>
+          <a:p>
+            <a:pPr marL="0" indent="0" algn="ctr" defTabSz="914400" rtl="0" eaLnBrk="1" latinLnBrk="1" hangingPunct="1">
+              <a:lnSpc>
+                <a:spcPct val="100000"/>
+              </a:lnSpc>
+              <a:spcBef>
+                <a:spcPct val="0"/>
+              </a:spcBef>
+              <a:spcAft>
+                <a:spcPts val="0"/>
+              </a:spcAft>
+              <a:buNone/>
+              <a:defRPr/>
+            </a:pPr>
+            <a:endParaRPr xmlns:mc="http://schemas.openxmlformats.org/markup-compatibility/2006" xmlns:hp="http://schemas.haansoft.com/office/presentation/8.0" kumimoji="0" lang="ko-KR" altLang="en-US" sz="1800" b="0" i="0" u="none" strike="noStrike" kern="1200" cap="none" spc="0" normalizeH="0" baseline="0" mc:Ignorable="hp" hp:hslEmbossed="0">
+              <a:solidFill>
+                <a:srgbClr val="ffffff"/>
+              </a:solidFill>
+              <a:latin typeface="Calibri"/>
+              <a:ea typeface="맑은 고딕"/>
+              <a:cs typeface="맑은 고딕"/>
+            </a:endParaRPr>
+          </a:p>
+        </p:txBody>
+      </p:sp>
+      <p:graphicFrame>
+        <p:nvGraphicFramePr>
+          <p:cNvPr id="319" name=""/>
+          <p:cNvGraphicFramePr>
+            <a:graphicFrameLocks noGrp="1"/>
+          </p:cNvGraphicFramePr>
+          <p:nvPr/>
+        </p:nvGraphicFramePr>
+        <p:xfrm>
+          <a:off x="4023072" y="5825451"/>
+          <a:ext cx="2907396" cy="450256"/>
+        </p:xfrm>
+        <a:graphic>
+          <a:graphicData uri="http://schemas.openxmlformats.org/drawingml/2006/table">
+            <a:tbl>
+              <a:tblPr firstRow="1" bandRow="1">
+                <a:tableStyleId>{01A66EDD-3DAB-4C5B-A090-DC80EC1FD486}</a:tableStyleId>
+              </a:tblPr>
+              <a:tblGrid>
+                <a:gridCol w="727197"/>
+                <a:gridCol w="725805"/>
+                <a:gridCol w="727197"/>
+                <a:gridCol w="727197"/>
+              </a:tblGrid>
+              <a:tr h="450256">
+                <a:tc>
+                  <a:txBody>
+                    <a:bodyPr vert="horz" wrap="square" lIns="91440" tIns="45720" rIns="91440" bIns="45720" anchor="t" anchorCtr="0">
+                      <a:spAutoFit/>
+                    </a:bodyPr>
+                    <a:p>
+                      <a:pPr marL="0" algn="ctr" defTabSz="914400" rtl="0" eaLnBrk="1" latinLnBrk="1" hangingPunct="1">
+                        <a:buNone/>
+                        <a:defRPr/>
+                      </a:pPr>
+                      <a:r>
+                        <a:rPr xmlns:mc="http://schemas.openxmlformats.org/markup-compatibility/2006" xmlns:hp="http://schemas.haansoft.com/office/presentation/8.0" kumimoji="0" lang="ko-KR" altLang="en-US" sz="1800" b="1" i="0" u="none" strike="noStrike" kern="1200" cap="none" normalizeH="0" baseline="0" mc:Ignorable="hp" hp:hslEmbossed="0">
+                          <a:ln w="9525">
+                            <a:solidFill>
+                              <a:srgbClr val="ffffff"/>
+                            </a:solidFill>
+                          </a:ln>
+                          <a:solidFill>
+                            <a:srgbClr val="000000"/>
+                          </a:solidFill>
+                          <a:latin typeface="Calibri"/>
+                          <a:ea typeface="맑은 고딕"/>
+                          <a:cs typeface="맑은 고딕"/>
+                        </a:rPr>
+                        <a:t>홈</a:t>
+                      </a:r>
+                      <a:endParaRPr xmlns:mc="http://schemas.openxmlformats.org/markup-compatibility/2006" xmlns:hp="http://schemas.haansoft.com/office/presentation/8.0" kumimoji="0" lang="en-US" altLang="ko-KR" sz="1800" b="1" i="0" u="none" strike="noStrike" kern="1200" cap="none" normalizeH="0" baseline="0" mc:Ignorable="hp" hp:hslEmbossed="0">
+                        <a:ln w="9525">
+                          <a:solidFill>
+                            <a:srgbClr val="ffffff"/>
+                          </a:solidFill>
+                        </a:ln>
+                        <a:solidFill>
+                          <a:srgbClr val="000000"/>
+                        </a:solidFill>
+                        <a:latin typeface="Calibri"/>
+                        <a:ea typeface="맑은 고딕"/>
+                        <a:cs typeface="Calibri"/>
+                      </a:endParaRPr>
+                    </a:p>
+                  </a:txBody>
+                  <a:tcPr marL="91440" marR="91440">
+                    <a:lnL w="25400" cap="flat" cmpd="sng" algn="ctr">
+                      <a:solidFill>
+                        <a:srgbClr val="69d8ad">
+                          <a:alpha val="100000"/>
+                        </a:srgbClr>
+                      </a:solidFill>
+                      <a:prstDash val="solid"/>
+                      <a:round/>
+                      <a:headEnd w="med" len="med"/>
+                      <a:tailEnd w="med" len="med"/>
+                    </a:lnL>
+                    <a:lnR w="25400" cap="flat" cmpd="sng" algn="ctr">
+                      <a:solidFill>
+                        <a:srgbClr val="69d8ad">
+                          <a:alpha val="100000"/>
+                        </a:srgbClr>
+                      </a:solidFill>
+                      <a:prstDash val="solid"/>
+                      <a:round/>
+                      <a:headEnd w="med" len="med"/>
+                      <a:tailEnd w="med" len="med"/>
+                    </a:lnR>
+                    <a:lnT w="25400" cap="flat" cmpd="sng" algn="ctr">
+                      <a:solidFill>
+                        <a:srgbClr val="69d8ad">
+                          <a:alpha val="100000"/>
+                        </a:srgbClr>
+                      </a:solidFill>
+                      <a:prstDash val="solid"/>
+                      <a:round/>
+                      <a:headEnd w="med" len="med"/>
+                      <a:tailEnd w="med" len="med"/>
+                    </a:lnT>
+                    <a:lnB w="25400" cap="flat" cmpd="sng" algn="ctr">
+                      <a:solidFill>
+                        <a:srgbClr val="69d8ad">
+                          <a:alpha val="100000"/>
+                        </a:srgbClr>
+                      </a:solidFill>
+                      <a:prstDash val="solid"/>
+                      <a:round/>
+                      <a:headEnd w="med" len="med"/>
+                      <a:tailEnd w="med" len="med"/>
+                    </a:lnB>
+                    <a:solidFill>
+                      <a:srgbClr val="ffffff">
+                        <a:alpha val="100000"/>
+                      </a:srgbClr>
+                    </a:solidFill>
+                  </a:tcPr>
+                </a:tc>
+                <a:tc>
+                  <a:txBody>
+                    <a:bodyPr vert="horz" wrap="square" lIns="91440" tIns="45720" rIns="91440" bIns="45720" anchor="t" anchorCtr="0">
+                      <a:spAutoFit/>
+                    </a:bodyPr>
+                    <a:p>
+                      <a:pPr marL="0" algn="ctr" defTabSz="914400" rtl="0" eaLnBrk="1" latinLnBrk="1" hangingPunct="1">
+                        <a:buNone/>
+                        <a:defRPr/>
+                      </a:pPr>
+                      <a:r>
+                        <a:rPr xmlns:mc="http://schemas.openxmlformats.org/markup-compatibility/2006" xmlns:hp="http://schemas.haansoft.com/office/presentation/8.0" kumimoji="0" lang="ko-KR" altLang="en-US" sz="1800" b="1" i="0" u="none" strike="noStrike" kern="1200" cap="none" normalizeH="0" baseline="0" mc:Ignorable="hp" hp:hslEmbossed="0">
+                          <a:ln w="9525">
+                            <a:solidFill>
+                              <a:srgbClr val="ffffff"/>
+                            </a:solidFill>
+                          </a:ln>
+                          <a:solidFill>
+                            <a:srgbClr val="000000"/>
+                          </a:solidFill>
+                          <a:latin typeface="Calibri"/>
+                          <a:ea typeface="맑은 고딕"/>
+                          <a:cs typeface="맑은 고딕"/>
+                        </a:rPr>
+                        <a:t>상품</a:t>
+                      </a:r>
+                      <a:endParaRPr xmlns:mc="http://schemas.openxmlformats.org/markup-compatibility/2006" xmlns:hp="http://schemas.haansoft.com/office/presentation/8.0" kumimoji="0" lang="ko-KR" altLang="en-US" sz="1800" b="1" i="0" u="none" strike="noStrike" kern="1200" cap="none" normalizeH="0" baseline="0" mc:Ignorable="hp" hp:hslEmbossed="0">
+                        <a:ln w="9525">
+                          <a:solidFill>
+                            <a:srgbClr val="ffffff"/>
+                          </a:solidFill>
+                        </a:ln>
+                        <a:solidFill>
+                          <a:srgbClr val="000000"/>
+                        </a:solidFill>
+                        <a:latin typeface="Calibri"/>
+                        <a:ea typeface="맑은 고딕"/>
+                        <a:cs typeface="맑은 고딕"/>
+                      </a:endParaRPr>
+                    </a:p>
+                  </a:txBody>
+                  <a:tcPr marL="91440" marR="91440">
+                    <a:lnL w="25400" cap="flat" cmpd="sng" algn="ctr">
+                      <a:solidFill>
+                        <a:srgbClr val="69d8ad">
+                          <a:alpha val="100000"/>
+                        </a:srgbClr>
+                      </a:solidFill>
+                      <a:prstDash val="solid"/>
+                      <a:round/>
+                      <a:headEnd w="med" len="med"/>
+                      <a:tailEnd w="med" len="med"/>
+                    </a:lnL>
+                    <a:lnR w="25400" cap="flat" cmpd="sng" algn="ctr">
+                      <a:solidFill>
+                        <a:srgbClr val="69d8ad">
+                          <a:alpha val="100000"/>
+                        </a:srgbClr>
+                      </a:solidFill>
+                      <a:prstDash val="solid"/>
+                      <a:round/>
+                      <a:headEnd w="med" len="med"/>
+                      <a:tailEnd w="med" len="med"/>
+                    </a:lnR>
+                    <a:lnT w="25400" cap="flat" cmpd="sng" algn="ctr">
+                      <a:solidFill>
+                        <a:srgbClr val="69d8ad">
+                          <a:alpha val="100000"/>
+                        </a:srgbClr>
+                      </a:solidFill>
+                      <a:prstDash val="solid"/>
+                      <a:round/>
+                      <a:headEnd w="med" len="med"/>
+                      <a:tailEnd w="med" len="med"/>
+                    </a:lnT>
+                    <a:lnB w="25400" cap="flat" cmpd="sng" algn="ctr">
+                      <a:solidFill>
+                        <a:srgbClr val="69d8ad">
+                          <a:alpha val="100000"/>
+                        </a:srgbClr>
+                      </a:solidFill>
+                      <a:prstDash val="solid"/>
+                      <a:round/>
+                      <a:headEnd w="med" len="med"/>
+                      <a:tailEnd w="med" len="med"/>
+                    </a:lnB>
+                    <a:solidFill>
+                      <a:srgbClr val="ffffff">
+                        <a:alpha val="100000"/>
+                      </a:srgbClr>
+                    </a:solidFill>
+                  </a:tcPr>
+                </a:tc>
+                <a:tc>
+                  <a:txBody>
+                    <a:bodyPr vert="horz" wrap="square" lIns="91440" tIns="45720" rIns="91440" bIns="45720" anchor="t" anchorCtr="0">
+                      <a:spAutoFit/>
+                    </a:bodyPr>
+                    <a:p>
+                      <a:pPr marL="0" algn="ctr" defTabSz="914400" rtl="0" eaLnBrk="1" latinLnBrk="1" hangingPunct="1">
+                        <a:buNone/>
+                        <a:defRPr/>
+                      </a:pPr>
+                      <a:r>
+                        <a:rPr xmlns:mc="http://schemas.openxmlformats.org/markup-compatibility/2006" xmlns:hp="http://schemas.haansoft.com/office/presentation/8.0" kumimoji="0" lang="ko-KR" altLang="en-US" sz="1800" b="1" i="0" u="none" strike="noStrike" kern="1200" cap="none" normalizeH="0" baseline="0" mc:Ignorable="hp" hp:hslEmbossed="0">
+                          <a:ln w="9525">
+                            <a:solidFill>
+                              <a:srgbClr val="ffffff"/>
+                            </a:solidFill>
+                          </a:ln>
+                          <a:solidFill>
+                            <a:srgbClr val="000000"/>
+                          </a:solidFill>
+                          <a:latin typeface="Calibri"/>
+                          <a:ea typeface="맑은 고딕"/>
+                          <a:cs typeface="맑은 고딕"/>
+                        </a:rPr>
+                        <a:t>검색</a:t>
+                      </a:r>
+                      <a:endParaRPr xmlns:mc="http://schemas.openxmlformats.org/markup-compatibility/2006" xmlns:hp="http://schemas.haansoft.com/office/presentation/8.0" kumimoji="0" lang="ko-KR" altLang="en-US" sz="1800" b="1" i="0" u="none" strike="noStrike" kern="1200" cap="none" normalizeH="0" baseline="0" mc:Ignorable="hp" hp:hslEmbossed="0">
+                        <a:ln w="9525">
+                          <a:solidFill>
+                            <a:srgbClr val="ffffff"/>
+                          </a:solidFill>
+                        </a:ln>
+                        <a:solidFill>
+                          <a:srgbClr val="000000"/>
+                        </a:solidFill>
+                        <a:latin typeface="Calibri"/>
+                        <a:ea typeface="맑은 고딕"/>
+                        <a:cs typeface="맑은 고딕"/>
+                      </a:endParaRPr>
+                    </a:p>
+                  </a:txBody>
+                  <a:tcPr marL="91440" marR="91440">
+                    <a:lnL w="25400" cap="flat" cmpd="sng" algn="ctr">
+                      <a:solidFill>
+                        <a:srgbClr val="69d8ad">
+                          <a:alpha val="100000"/>
+                        </a:srgbClr>
+                      </a:solidFill>
+                      <a:prstDash val="solid"/>
+                      <a:round/>
+                      <a:headEnd w="med" len="med"/>
+                      <a:tailEnd w="med" len="med"/>
+                    </a:lnL>
+                    <a:lnR w="25400" cap="flat" cmpd="sng" algn="ctr">
+                      <a:solidFill>
+                        <a:srgbClr val="69d8ad">
+                          <a:alpha val="100000"/>
+                        </a:srgbClr>
+                      </a:solidFill>
+                      <a:prstDash val="solid"/>
+                      <a:round/>
+                      <a:headEnd w="med" len="med"/>
+                      <a:tailEnd w="med" len="med"/>
+                    </a:lnR>
+                    <a:lnT w="25400" cap="flat" cmpd="sng" algn="ctr">
+                      <a:solidFill>
+                        <a:srgbClr val="69d8ad">
+                          <a:alpha val="100000"/>
+                        </a:srgbClr>
+                      </a:solidFill>
+                      <a:prstDash val="solid"/>
+                      <a:round/>
+                      <a:headEnd w="med" len="med"/>
+                      <a:tailEnd w="med" len="med"/>
+                    </a:lnT>
+                    <a:lnB w="25400" cap="flat" cmpd="sng" algn="ctr">
+                      <a:solidFill>
+                        <a:srgbClr val="69d8ad">
+                          <a:alpha val="100000"/>
+                        </a:srgbClr>
+                      </a:solidFill>
+                      <a:prstDash val="solid"/>
+                      <a:round/>
+                      <a:headEnd w="med" len="med"/>
+                      <a:tailEnd w="med" len="med"/>
+                    </a:lnB>
+                    <a:solidFill>
+                      <a:srgbClr val="ffffff">
+                        <a:alpha val="100000"/>
+                      </a:srgbClr>
+                    </a:solidFill>
+                  </a:tcPr>
+                </a:tc>
+                <a:tc>
+                  <a:txBody>
+                    <a:bodyPr vert="horz" wrap="square" lIns="91440" tIns="45720" rIns="91440" bIns="45720" anchor="t" anchorCtr="0">
+                      <a:spAutoFit/>
+                    </a:bodyPr>
+                    <a:p>
+                      <a:pPr marL="0" algn="ctr" defTabSz="914400" rtl="0" eaLnBrk="1" latinLnBrk="1" hangingPunct="1">
+                        <a:buNone/>
+                        <a:defRPr/>
+                      </a:pPr>
+                      <a:r>
+                        <a:rPr xmlns:mc="http://schemas.openxmlformats.org/markup-compatibility/2006" xmlns:hp="http://schemas.haansoft.com/office/presentation/8.0" kumimoji="0" lang="ko-KR" altLang="en-US" sz="1800" b="1" i="0" u="none" strike="noStrike" kern="1200" cap="none" normalizeH="0" baseline="0" mc:Ignorable="hp" hp:hslEmbossed="0">
+                          <a:ln w="9525">
+                            <a:solidFill>
+                              <a:srgbClr val="ffffff"/>
+                            </a:solidFill>
+                          </a:ln>
+                          <a:solidFill>
+                            <a:srgbClr val="000000"/>
+                          </a:solidFill>
+                          <a:latin typeface="Calibri"/>
+                          <a:ea typeface="맑은 고딕"/>
+                          <a:cs typeface="맑은 고딕"/>
+                        </a:rPr>
+                        <a:t>마이</a:t>
+                      </a:r>
+                      <a:endParaRPr xmlns:mc="http://schemas.openxmlformats.org/markup-compatibility/2006" xmlns:hp="http://schemas.haansoft.com/office/presentation/8.0" kumimoji="0" lang="ko-KR" altLang="en-US" sz="1800" b="1" i="0" u="none" strike="noStrike" kern="1200" cap="none" normalizeH="0" baseline="0" mc:Ignorable="hp" hp:hslEmbossed="0">
+                        <a:ln w="9525">
+                          <a:solidFill>
+                            <a:srgbClr val="ffffff"/>
+                          </a:solidFill>
+                        </a:ln>
+                        <a:solidFill>
+                          <a:srgbClr val="000000"/>
+                        </a:solidFill>
+                        <a:latin typeface="Calibri"/>
+                        <a:ea typeface="맑은 고딕"/>
+                        <a:cs typeface="맑은 고딕"/>
+                      </a:endParaRPr>
+                    </a:p>
+                  </a:txBody>
+                  <a:tcPr marL="91440" marR="91440">
+                    <a:lnL w="25400" cap="flat" cmpd="sng" algn="ctr">
+                      <a:solidFill>
+                        <a:srgbClr val="69d8ad">
+                          <a:alpha val="100000"/>
+                        </a:srgbClr>
+                      </a:solidFill>
+                      <a:prstDash val="solid"/>
+                      <a:round/>
+                      <a:headEnd w="med" len="med"/>
+                      <a:tailEnd w="med" len="med"/>
+                    </a:lnL>
+                    <a:lnR w="25400" cap="flat" cmpd="sng" algn="ctr">
+                      <a:solidFill>
+                        <a:srgbClr val="69d8ad">
+                          <a:alpha val="100000"/>
+                        </a:srgbClr>
+                      </a:solidFill>
+                      <a:prstDash val="solid"/>
+                      <a:round/>
+                      <a:headEnd w="med" len="med"/>
+                      <a:tailEnd w="med" len="med"/>
+                    </a:lnR>
+                    <a:lnT w="25400" cap="flat" cmpd="sng" algn="ctr">
+                      <a:solidFill>
+                        <a:srgbClr val="69d8ad">
+                          <a:alpha val="100000"/>
+                        </a:srgbClr>
+                      </a:solidFill>
+                      <a:prstDash val="solid"/>
+                      <a:round/>
+                      <a:headEnd w="med" len="med"/>
+                      <a:tailEnd w="med" len="med"/>
+                    </a:lnT>
+                    <a:lnB w="25400" cap="flat" cmpd="sng" algn="ctr">
+                      <a:solidFill>
+                        <a:srgbClr val="69d8ad">
+                          <a:alpha val="100000"/>
+                        </a:srgbClr>
+                      </a:solidFill>
+                      <a:prstDash val="solid"/>
+                      <a:round/>
+                      <a:headEnd w="med" len="med"/>
+                      <a:tailEnd w="med" len="med"/>
+                    </a:lnB>
+                    <a:solidFill>
+                      <a:srgbClr val="ffffff">
+                        <a:alpha val="100000"/>
+                      </a:srgbClr>
+                    </a:solidFill>
+                  </a:tcPr>
+                </a:tc>
+              </a:tr>
+            </a:tbl>
+          </a:graphicData>
+        </a:graphic>
+      </p:graphicFrame>
+      <p:sp>
+        <p:nvSpPr>
+          <p:cNvPr id="320" name=""/>
+          <p:cNvSpPr/>
+          <p:nvPr/>
+        </p:nvSpPr>
+        <p:spPr>
+          <a:xfrm>
+            <a:off x="4023072" y="2022749"/>
+            <a:ext cx="2896833" cy="3802701"/>
+          </a:xfrm>
+          <a:prstGeom prst="rect">
+            <a:avLst/>
+          </a:prstGeom>
+          <a:solidFill>
+            <a:srgbClr val="ffffff">
+              <a:alpha val="100000"/>
+            </a:srgbClr>
+          </a:solidFill>
+          <a:ln w="19050" cap="flat" cmpd="sng" algn="ctr">
+            <a:solidFill>
+              <a:srgbClr val="2e3e67">
+                <a:alpha val="100000"/>
+              </a:srgbClr>
+            </a:solidFill>
+            <a:prstDash val="solid"/>
+          </a:ln>
+        </p:spPr>
+        <p:txBody>
+          <a:bodyPr anchor="ctr"/>
+          <a:p>
+            <a:pPr marL="0" indent="0" algn="ctr" defTabSz="914400" rtl="0" eaLnBrk="1" latinLnBrk="1" hangingPunct="1">
+              <a:lnSpc>
+                <a:spcPct val="100000"/>
+              </a:lnSpc>
+              <a:spcBef>
+                <a:spcPct val="0"/>
+              </a:spcBef>
+              <a:spcAft>
+                <a:spcPts val="0"/>
+              </a:spcAft>
+              <a:buNone/>
+              <a:defRPr/>
+            </a:pPr>
+            <a:endParaRPr xmlns:mc="http://schemas.openxmlformats.org/markup-compatibility/2006" xmlns:hp="http://schemas.haansoft.com/office/presentation/8.0" kumimoji="0" lang="ko-KR" altLang="en-US" sz="1800" b="0" i="0" u="none" strike="noStrike" kern="1200" cap="none" spc="0" normalizeH="0" baseline="0" mc:Ignorable="hp" hp:hslEmbossed="0">
+              <a:solidFill>
+                <a:srgbClr val="ffffff"/>
+              </a:solidFill>
+              <a:latin typeface="Calibri"/>
+              <a:ea typeface="맑은 고딕"/>
+              <a:cs typeface="맑은 고딕"/>
+            </a:endParaRPr>
+          </a:p>
+        </p:txBody>
+      </p:sp>
+      <p:sp>
+        <p:nvSpPr>
+          <p:cNvPr id="340" name=""/>
+          <p:cNvSpPr/>
+          <p:nvPr/>
+        </p:nvSpPr>
+        <p:spPr>
+          <a:xfrm>
+            <a:off x="4235886" y="2207367"/>
+            <a:ext cx="2471205" cy="3405288"/>
+          </a:xfrm>
+          <a:prstGeom prst="rect">
+            <a:avLst/>
+          </a:prstGeom>
+          <a:solidFill>
+            <a:schemeClr val="lt1"/>
+          </a:solidFill>
+        </p:spPr>
+        <p:style>
+          <a:lnRef idx="2">
+            <a:schemeClr val="accent1">
+              <a:shade val="20000"/>
+            </a:schemeClr>
+          </a:lnRef>
+          <a:fillRef idx="1">
+            <a:schemeClr val="accent1"/>
+          </a:fillRef>
+          <a:effectRef idx="0">
+            <a:schemeClr val="accent1"/>
+          </a:effectRef>
+          <a:fontRef idx="minor">
+            <a:schemeClr val="lt1"/>
+          </a:fontRef>
+        </p:style>
+        <p:txBody>
+          <a:bodyPr anchor="ctr"/>
+          <a:p>
+            <a:pPr algn="ctr">
+              <a:defRPr/>
+            </a:pPr>
+            <a:endParaRPr lang="ko-KR" altLang="en-US">
+              <a:solidFill>
+                <a:schemeClr val="dk1"/>
+              </a:solidFill>
+            </a:endParaRPr>
+          </a:p>
+        </p:txBody>
+      </p:sp>
+      <p:sp>
+        <p:nvSpPr>
+          <p:cNvPr id="341" name=""/>
+          <p:cNvSpPr/>
+          <p:nvPr/>
+        </p:nvSpPr>
+        <p:spPr>
+          <a:xfrm>
+            <a:off x="4378762" y="2946594"/>
+            <a:ext cx="2158022" cy="1145250"/>
+          </a:xfrm>
+          <a:prstGeom prst="rect">
+            <a:avLst/>
+          </a:prstGeom>
+        </p:spPr>
+        <p:style>
+          <a:lnRef idx="2">
+            <a:schemeClr val="accent1">
+              <a:shade val="20000"/>
+            </a:schemeClr>
+          </a:lnRef>
+          <a:fillRef idx="1">
+            <a:schemeClr val="accent1"/>
+          </a:fillRef>
+          <a:effectRef idx="0">
+            <a:schemeClr val="accent1"/>
+          </a:effectRef>
+          <a:fontRef idx="minor">
+            <a:schemeClr val="lt1"/>
+          </a:fontRef>
+        </p:style>
+        <p:txBody>
+          <a:bodyPr anchor="ctr"/>
+          <a:p>
+            <a:pPr algn="ctr">
+              <a:defRPr/>
+            </a:pPr>
+            <a:r>
+              <a:rPr lang="ko-KR" altLang="en-US" sz="1400"/>
+              <a:t>이미지</a:t>
+            </a:r>
+            <a:endParaRPr lang="en-US" altLang="ko-KR" sz="1400"/>
+          </a:p>
+        </p:txBody>
+      </p:sp>
+      <p:sp>
+        <p:nvSpPr>
+          <p:cNvPr id="342" name=""/>
+          <p:cNvSpPr/>
+          <p:nvPr/>
+        </p:nvSpPr>
+        <p:spPr>
+          <a:xfrm>
+            <a:off x="4378762" y="4091844"/>
+            <a:ext cx="2158022" cy="1071763"/>
+          </a:xfrm>
+          <a:prstGeom prst="rect">
+            <a:avLst/>
+          </a:prstGeom>
+          <a:solidFill>
+            <a:schemeClr val="lt1"/>
+          </a:solidFill>
+        </p:spPr>
+        <p:style>
+          <a:lnRef idx="2">
+            <a:schemeClr val="accent1">
+              <a:shade val="20000"/>
+            </a:schemeClr>
+          </a:lnRef>
+          <a:fillRef idx="1">
+            <a:schemeClr val="accent1"/>
+          </a:fillRef>
+          <a:effectRef idx="0">
+            <a:schemeClr val="accent1"/>
+          </a:effectRef>
+          <a:fontRef idx="minor">
+            <a:schemeClr val="lt1"/>
+          </a:fontRef>
+        </p:style>
+        <p:txBody>
+          <a:bodyPr anchor="ctr"/>
+          <a:p>
+            <a:pPr algn="ctr">
+              <a:defRPr/>
+            </a:pPr>
+            <a:r>
+              <a:rPr lang="ko-KR" altLang="en-US" sz="1400">
+                <a:solidFill>
+                  <a:schemeClr val="dk1"/>
+                </a:solidFill>
+              </a:rPr>
+              <a:t>공지사항 내용</a:t>
+            </a:r>
+            <a:endParaRPr lang="ko-KR" altLang="en-US" sz="1400">
+              <a:solidFill>
+                <a:schemeClr val="dk1"/>
+              </a:solidFill>
+            </a:endParaRPr>
+          </a:p>
+        </p:txBody>
+      </p:sp>
+      <p:sp>
+        <p:nvSpPr>
+          <p:cNvPr id="343" name=""/>
+          <p:cNvSpPr/>
+          <p:nvPr/>
+        </p:nvSpPr>
+        <p:spPr>
+          <a:xfrm>
+            <a:off x="4378762" y="2264517"/>
+            <a:ext cx="2158022" cy="588547"/>
+          </a:xfrm>
+          <a:prstGeom prst="rect">
+            <a:avLst/>
+          </a:prstGeom>
+          <a:solidFill>
+            <a:schemeClr val="lt1"/>
+          </a:solidFill>
+        </p:spPr>
+        <p:style>
+          <a:lnRef idx="2">
+            <a:schemeClr val="accent1">
+              <a:shade val="20000"/>
+            </a:schemeClr>
+          </a:lnRef>
+          <a:fillRef idx="1">
+            <a:schemeClr val="accent1"/>
+          </a:fillRef>
+          <a:effectRef idx="0">
+            <a:schemeClr val="accent1"/>
+          </a:effectRef>
+          <a:fontRef idx="minor">
+            <a:schemeClr val="lt1"/>
+          </a:fontRef>
+        </p:style>
+        <p:txBody>
+          <a:bodyPr anchor="ctr"/>
+          <a:p>
+            <a:pPr algn="ctr">
+              <a:defRPr/>
+            </a:pPr>
+            <a:r>
+              <a:rPr lang="ko-KR" altLang="en-US" sz="1300">
+                <a:solidFill>
+                  <a:schemeClr val="dk1"/>
+                </a:solidFill>
+              </a:rPr>
+              <a:t>공지사항 제목</a:t>
+            </a:r>
+            <a:endParaRPr lang="ko-KR" altLang="en-US" sz="1300">
+              <a:solidFill>
+                <a:schemeClr val="dk1"/>
+              </a:solidFill>
+            </a:endParaRPr>
+          </a:p>
+          <a:p>
+            <a:pPr algn="ctr">
+              <a:defRPr/>
+            </a:pPr>
+            <a:r>
+              <a:rPr lang="ko-KR" altLang="en-US" sz="1300">
+                <a:solidFill>
+                  <a:schemeClr val="dk1"/>
+                </a:solidFill>
+              </a:rPr>
+              <a:t>	날짜</a:t>
+            </a:r>
+            <a:endParaRPr lang="ko-KR" altLang="en-US" sz="1300">
+              <a:solidFill>
+                <a:schemeClr val="dk1"/>
+              </a:solidFill>
+            </a:endParaRPr>
+          </a:p>
+        </p:txBody>
+      </p:sp>
+      <p:cxnSp>
+        <p:nvCxnSpPr>
+          <p:cNvPr id="344" name=""/>
+          <p:cNvCxnSpPr/>
+          <p:nvPr/>
+        </p:nvCxnSpPr>
+        <p:spPr>
+          <a:xfrm flipV="1">
+            <a:off x="2990242" y="2351385"/>
+            <a:ext cx="1043393" cy="595208"/>
+          </a:xfrm>
+          <a:prstGeom prst="straightConnector1">
+            <a:avLst/>
+          </a:prstGeom>
+          <a:ln>
+            <a:tailEnd type="arrow"/>
+          </a:ln>
+        </p:spPr>
+        <p:style>
+          <a:lnRef idx="1">
+            <a:schemeClr val="accent1"/>
+          </a:lnRef>
+          <a:fillRef idx="0">
+            <a:schemeClr val="accent1"/>
+          </a:fillRef>
+          <a:effectRef idx="0">
+            <a:schemeClr val="accent1"/>
+          </a:effectRef>
+          <a:fontRef idx="minor">
+            <a:schemeClr val="tx1"/>
+          </a:fontRef>
+        </p:style>
+      </p:cxnSp>
+      <p:sp>
+        <p:nvSpPr>
+          <p:cNvPr id="347" name="타원 83"/>
+          <p:cNvSpPr/>
+          <p:nvPr/>
+        </p:nvSpPr>
+        <p:spPr>
+          <a:xfrm>
+            <a:off x="3951634" y="1951311"/>
+            <a:ext cx="142876" cy="142876"/>
+          </a:xfrm>
+          <a:prstGeom prst="ellipse">
+            <a:avLst/>
+          </a:prstGeom>
+          <a:solidFill>
+            <a:srgbClr val="fce700">
+              <a:alpha val="100000"/>
+            </a:srgbClr>
+          </a:solidFill>
+          <a:ln w="19050" cap="flat" cmpd="sng" algn="ctr">
+            <a:noFill/>
+            <a:prstDash val="solid"/>
+          </a:ln>
+        </p:spPr>
+        <p:txBody>
+          <a:bodyPr lIns="0" tIns="0" rIns="0" bIns="0" anchor="ctr"/>
+          <a:p>
+            <a:pPr marL="0" indent="0" algn="ctr" defTabSz="914400" rtl="0" eaLnBrk="1" latinLnBrk="1" hangingPunct="1">
+              <a:lnSpc>
+                <a:spcPct val="100000"/>
+              </a:lnSpc>
+              <a:spcBef>
+                <a:spcPct val="0"/>
+              </a:spcBef>
+              <a:spcAft>
+                <a:spcPts val="0"/>
+              </a:spcAft>
+              <a:buNone/>
+              <a:defRPr/>
+            </a:pPr>
+            <a:r>
+              <a:rPr xmlns:mc="http://schemas.openxmlformats.org/markup-compatibility/2006" xmlns:hp="http://schemas.haansoft.com/office/presentation/8.0" kumimoji="0" lang="en-US" altLang="ko-KR" sz="900" b="1" i="0" u="none" strike="noStrike" kern="1200" cap="none" spc="0" normalizeH="0" baseline="0" mc:Ignorable="hp" hp:hslEmbossed="0">
+                <a:solidFill>
+                  <a:srgbClr val="663300"/>
+                </a:solidFill>
+                <a:latin typeface="Calibri"/>
+                <a:ea typeface="맑은 고딕"/>
+                <a:cs typeface="Calibri"/>
+              </a:rPr>
+              <a:t>1</a:t>
+            </a:r>
+            <a:endParaRPr xmlns:mc="http://schemas.openxmlformats.org/markup-compatibility/2006" xmlns:hp="http://schemas.haansoft.com/office/presentation/8.0" kumimoji="0" lang="en-US" altLang="ko-KR" sz="900" b="1" i="0" u="none" strike="noStrike" kern="1200" cap="none" spc="0" normalizeH="0" baseline="0" mc:Ignorable="hp" hp:hslEmbossed="0">
+              <a:solidFill>
+                <a:srgbClr val="663300"/>
+              </a:solidFill>
+              <a:latin typeface="Calibri"/>
+              <a:ea typeface="맑은 고딕"/>
+              <a:cs typeface="Calibri"/>
             </a:endParaRPr>
           </a:p>
         </p:txBody>

--- a/프레젠테이션 1.pptx
+++ b/프레젠테이션 1.pptx
@@ -2,7 +2,7 @@
 <file path=ppt/presentation.xml><?xml version="1.0" encoding="utf-8"?>
 <p:presentation xmlns:r="http://schemas.openxmlformats.org/officeDocument/2006/relationships" xmlns:c="http://schemas.openxmlformats.org/drawingml/2006/chart" xmlns:a="http://schemas.openxmlformats.org/drawingml/2006/main" xmlns:dgm="http://schemas.openxmlformats.org/drawingml/2006/diagram" xmlns:dsp="http://schemas.microsoft.com/office/drawing/2008/diagram" xmlns:p="http://schemas.openxmlformats.org/presentationml/2006/main">
   <p:sldMasterIdLst>
-    <p:sldMasterId id="2147483777" r:id="rId1"/>
+    <p:sldMasterId id="2147483799" r:id="rId1"/>
   </p:sldMasterIdLst>
   <p:notesMasterIdLst>
     <p:notesMasterId r:id="rId2"/>
@@ -23,6 +23,8 @@
     <p:sldId id="269" r:id="rId15"/>
     <p:sldId id="270" r:id="rId16"/>
     <p:sldId id="271" r:id="rId17"/>
+    <p:sldId id="272" r:id="rId18"/>
+    <p:sldId id="273" r:id="rId19"/>
   </p:sldIdLst>
   <p:sldSz cx="12192000" cy="6858000"/>
   <p:notesSz cx="6858000" cy="9144000"/>
@@ -219,7 +221,7 @@
               <a:pPr lvl="0">
                 <a:defRPr/>
               </a:pPr>
-              <a:t>2021-05-28</a:t>
+              <a:t>2021-05-29</a:t>
             </a:fld>
             <a:endParaRPr lang="ko-KR" altLang="en-US"/>
           </a:p>
@@ -1195,6 +1197,207 @@
                 <a:defRPr/>
               </a:pPr>
               <a:t>15</a:t>
+            </a:fld>
+            <a:endParaRPr lang="en-US" altLang="ko-KR"/>
+          </a:p>
+        </p:txBody>
+      </p:sp>
+    </p:spTree>
+  </p:cSld>
+  <p:clrMapOvr>
+    <a:masterClrMapping/>
+  </p:clrMapOvr>
+</p:notes>
+</file>
+
+<file path=ppt/notesSlides/notesSlide16.xml><?xml version="1.0" encoding="utf-8"?>
+<p:notes xmlns:r="http://schemas.openxmlformats.org/officeDocument/2006/relationships" xmlns:c="http://schemas.openxmlformats.org/drawingml/2006/chart" xmlns:a="http://schemas.openxmlformats.org/drawingml/2006/main" xmlns:dgm="http://schemas.openxmlformats.org/drawingml/2006/diagram" xmlns:dsp="http://schemas.microsoft.com/office/drawing/2008/diagram" xmlns:p="http://schemas.openxmlformats.org/presentationml/2006/main">
+  <p:cSld>
+    <p:spTree>
+      <p:nvGrpSpPr>
+        <p:cNvPr id="1" name=""/>
+        <p:cNvGrpSpPr/>
+        <p:nvPr/>
+      </p:nvGrpSpPr>
+      <p:grpSpPr>
+        <a:xfrm>
+          <a:off x="0" y="0"/>
+          <a:ext cx="0" cy="0"/>
+          <a:chOff x="0" y="0"/>
+          <a:chExt cx="0" cy="0"/>
+        </a:xfrm>
+      </p:grpSpPr>
+      <p:sp>
+        <p:nvSpPr>
+          <p:cNvPr id="2" name="슬라이드 이미지 개체 틀 3"/>
+          <p:cNvSpPr>
+            <a:spLocks noGrp="1" noRot="1" noChangeAspect="1" noTextEdit="1"/>
+          </p:cNvSpPr>
+          <p:nvPr>
+            <p:ph type="sldImg" idx="2"/>
+          </p:nvPr>
+        </p:nvSpPr>
+        <p:spPr/>
+        <p:txBody>
+          <a:bodyPr/>
+          <a:lstStyle/>
+          <a:p>
+            <a:pPr>
+              <a:defRPr/>
+            </a:pPr>
+            <a:endParaRPr lang="ko-KR" altLang="en-US"/>
+          </a:p>
+        </p:txBody>
+      </p:sp>
+      <p:sp>
+        <p:nvSpPr>
+          <p:cNvPr id="3" name="슬라이드 노트 개체 틀 4"/>
+          <p:cNvSpPr>
+            <a:spLocks noGrp="1"/>
+          </p:cNvSpPr>
+          <p:nvPr>
+            <p:ph type="body" sz="quarter" idx="3"/>
+          </p:nvPr>
+        </p:nvSpPr>
+        <p:spPr/>
+        <p:txBody>
+          <a:bodyPr/>
+          <a:lstStyle/>
+          <a:p>
+            <a:pPr>
+              <a:defRPr/>
+            </a:pPr>
+            <a:r>
+              <a:rPr lang="ko-KR" altLang="en-US"/>
+              <a:t/>
+            </a:r>
+            <a:endParaRPr lang="ko-KR" altLang="en-US"/>
+          </a:p>
+        </p:txBody>
+      </p:sp>
+      <p:sp>
+        <p:nvSpPr>
+          <p:cNvPr id="4" name="슬라이드 번호 개체 틀 6"/>
+          <p:cNvSpPr>
+            <a:spLocks noGrp="1"/>
+          </p:cNvSpPr>
+          <p:nvPr>
+            <p:ph type="sldNum" sz="quarter" idx="5"/>
+          </p:nvPr>
+        </p:nvSpPr>
+        <p:spPr/>
+        <p:txBody>
+          <a:bodyPr/>
+          <a:lstStyle/>
+          <a:p>
+            <a:pPr lvl="0">
+              <a:defRPr/>
+            </a:pPr>
+            <a:fld id="{09F4262C-968C-4EE9-8164-CE16364706B3}" type="slidenum">
+              <a:rPr lang="en-US" altLang="en-US"/>
+              <a:pPr lvl="0">
+                <a:defRPr/>
+              </a:pPr>
+              <a:t>16</a:t>
+            </a:fld>
+            <a:endParaRPr lang="en-US" altLang="en-US"/>
+          </a:p>
+        </p:txBody>
+      </p:sp>
+    </p:spTree>
+  </p:cSld>
+  <p:clrMapOvr>
+    <a:masterClrMapping/>
+  </p:clrMapOvr>
+</p:notes>
+</file>
+
+<file path=ppt/notesSlides/notesSlide17.xml><?xml version="1.0" encoding="utf-8"?>
+<p:notes xmlns:r="http://schemas.openxmlformats.org/officeDocument/2006/relationships" xmlns:c="http://schemas.openxmlformats.org/drawingml/2006/chart" xmlns:a="http://schemas.openxmlformats.org/drawingml/2006/main" xmlns:dgm="http://schemas.openxmlformats.org/drawingml/2006/diagram" xmlns:dsp="http://schemas.microsoft.com/office/drawing/2008/diagram" xmlns:p="http://schemas.openxmlformats.org/presentationml/2006/main">
+  <p:cSld>
+    <p:spTree>
+      <p:nvGrpSpPr>
+        <p:cNvPr id="1" name=""/>
+        <p:cNvGrpSpPr/>
+        <p:nvPr/>
+      </p:nvGrpSpPr>
+      <p:grpSpPr>
+        <a:xfrm>
+          <a:off x="0" y="0"/>
+          <a:ext cx="0" cy="0"/>
+          <a:chOff x="0" y="0"/>
+          <a:chExt cx="0" cy="0"/>
+        </a:xfrm>
+      </p:grpSpPr>
+      <p:sp>
+        <p:nvSpPr>
+          <p:cNvPr id="2" name="Slide Image Placeholder 1"/>
+          <p:cNvSpPr>
+            <a:spLocks noGrp="1" noRot="1" noChangeAspect="1" noTextEdit="1"/>
+          </p:cNvSpPr>
+          <p:nvPr>
+            <p:ph type="sldImg" idx="0"/>
+          </p:nvPr>
+        </p:nvSpPr>
+        <p:spPr>
+          <a:xfrm>
+            <a:off x="2143125" y="684521"/>
+            <a:ext cx="2571750" cy="3429000"/>
+          </a:xfrm>
+        </p:spPr>
+      </p:sp>
+      <p:sp>
+        <p:nvSpPr>
+          <p:cNvPr id="3" name="Notes Placeholder 2"/>
+          <p:cNvSpPr>
+            <a:spLocks noGrp="1"/>
+          </p:cNvSpPr>
+          <p:nvPr>
+            <p:ph type="body" idx="1"/>
+          </p:nvPr>
+        </p:nvSpPr>
+        <p:spPr/>
+        <p:txBody>
+          <a:bodyPr>
+            <a:normAutofit/>
+          </a:bodyPr>
+          <a:lstStyle/>
+          <a:p>
+            <a:pPr lvl="0">
+              <a:defRPr/>
+            </a:pPr>
+            <a:r>
+              <a:rPr lang="ko-KR" altLang="en-US"/>
+              <a:t/>
+            </a:r>
+            <a:endParaRPr lang="ko-KR" altLang="en-US"/>
+          </a:p>
+        </p:txBody>
+      </p:sp>
+      <p:sp>
+        <p:nvSpPr>
+          <p:cNvPr id="4" name="Slide Number Placeholder 3"/>
+          <p:cNvSpPr>
+            <a:spLocks noGrp="1"/>
+          </p:cNvSpPr>
+          <p:nvPr>
+            <p:ph type="sldNum" sz="quarter" idx="10"/>
+          </p:nvPr>
+        </p:nvSpPr>
+        <p:spPr/>
+        <p:txBody>
+          <a:bodyPr/>
+          <a:lstStyle/>
+          <a:p>
+            <a:pPr lvl="0">
+              <a:defRPr/>
+            </a:pPr>
+            <a:fld id="{9B26CD33-4337-4529-948A-94F6960B2374}" type="slidenum">
+              <a:rPr lang="en-US" altLang="ko-KR"/>
+              <a:pPr lvl="0">
+                <a:defRPr/>
+              </a:pPr>
+              <a:t>16</a:t>
             </a:fld>
             <a:endParaRPr lang="en-US" altLang="ko-KR"/>
           </a:p>
@@ -5434,7 +5637,7 @@
               <a:pPr lvl="0">
                 <a:defRPr/>
               </a:pPr>
-              <a:t>2</a:t>
+              <a:t>1</a:t>
             </a:fld>
             <a:endParaRPr lang="en-US" altLang="en-US">
               <a:latin typeface="나눔고딕"/>
@@ -5556,8 +5759,8 @@
           <p:nvPr/>
         </p:nvGraphicFramePr>
         <p:xfrm>
-          <a:off x="8112224" y="908720"/>
-          <a:ext cx="2307911" cy="5604356"/>
+          <a:off x="8366755" y="888750"/>
+          <a:ext cx="3209745" cy="5604356"/>
         </p:xfrm>
         <a:graphic>
           <a:graphicData uri="http://schemas.openxmlformats.org/drawingml/2006/table">
@@ -5566,10 +5769,10 @@
                 <a:tableStyleId>{5C22544A-7EE6-4342-B048-85BDC9FD1C3A}</a:tableStyleId>
               </a:tblPr>
               <a:tblGrid>
-                <a:gridCol w="220031"/>
-                <a:gridCol w="2087880"/>
+                <a:gridCol w="306009"/>
+                <a:gridCol w="2903735"/>
               </a:tblGrid>
-              <a:tr h="370840">
+              <a:tr h="370839">
                 <a:tc gridSpan="2">
                   <a:txBody>
                     <a:bodyPr vert="horz" lIns="91440" tIns="45720" rIns="91440" bIns="45720" anchor="ctr" anchorCtr="0"/>
@@ -7802,194 +8005,6 @@
       </p:sp>
       <p:sp>
         <p:nvSpPr>
-          <p:cNvPr id="47" name="Shape 150"/>
-          <p:cNvSpPr/>
-          <p:nvPr/>
-        </p:nvSpPr>
-        <p:spPr>
-          <a:xfrm>
-            <a:off x="2193139" y="3870972"/>
-            <a:ext cx="2265784" cy="265116"/>
-          </a:xfrm>
-          <a:prstGeom prst="roundRect">
-            <a:avLst>
-              <a:gd name="adj" fmla="val 16667"/>
-            </a:avLst>
-          </a:prstGeom>
-          <a:solidFill>
-            <a:schemeClr val="bg1">
-              <a:lumMod val="95000"/>
-            </a:schemeClr>
-          </a:solidFill>
-          <a:ln/>
-          <a:effectLst/>
-        </p:spPr>
-        <p:style>
-          <a:lnRef idx="1">
-            <a:schemeClr val="dk1"/>
-          </a:lnRef>
-          <a:fillRef idx="2">
-            <a:schemeClr val="dk1"/>
-          </a:fillRef>
-          <a:effectRef idx="1">
-            <a:schemeClr val="dk1"/>
-          </a:effectRef>
-          <a:fontRef idx="minor">
-            <a:schemeClr val="dk1"/>
-          </a:fontRef>
-        </p:style>
-        <p:txBody>
-          <a:bodyPr wrap="square" lIns="45719" tIns="45719" rIns="45719" bIns="45719" anchor="ctr">
-            <a:noAutofit/>
-          </a:bodyPr>
-          <a:lstStyle/>
-          <a:p>
-            <a:pPr algn="ctr" defTabSz="906145" latinLnBrk="0" hangingPunct="0">
-              <a:lnSpc>
-                <a:spcPct val="120000"/>
-              </a:lnSpc>
-              <a:defRPr sz="1000"/>
-            </a:pPr>
-            <a:r>
-              <a:rPr lang="ko-KR" altLang="en-US" sz="900" kern="0">
-                <a:latin typeface="+mn-ea"/>
-              </a:rPr>
-              <a:t>로그인</a:t>
-            </a:r>
-            <a:endParaRPr lang="ko-KR" altLang="en-US" sz="900" kern="0">
-              <a:latin typeface="+mn-ea"/>
-            </a:endParaRPr>
-          </a:p>
-        </p:txBody>
-      </p:sp>
-      <p:sp>
-        <p:nvSpPr>
-          <p:cNvPr id="48" name="Shape 150"/>
-          <p:cNvSpPr/>
-          <p:nvPr/>
-        </p:nvSpPr>
-        <p:spPr>
-          <a:xfrm>
-            <a:off x="2193140" y="4327077"/>
-            <a:ext cx="1058568" cy="265116"/>
-          </a:xfrm>
-          <a:prstGeom prst="roundRect">
-            <a:avLst>
-              <a:gd name="adj" fmla="val 16667"/>
-            </a:avLst>
-          </a:prstGeom>
-          <a:solidFill>
-            <a:schemeClr val="bg1">
-              <a:lumMod val="95000"/>
-            </a:schemeClr>
-          </a:solidFill>
-          <a:ln/>
-          <a:effectLst/>
-        </p:spPr>
-        <p:style>
-          <a:lnRef idx="1">
-            <a:schemeClr val="dk1"/>
-          </a:lnRef>
-          <a:fillRef idx="2">
-            <a:schemeClr val="dk1"/>
-          </a:fillRef>
-          <a:effectRef idx="1">
-            <a:schemeClr val="dk1"/>
-          </a:effectRef>
-          <a:fontRef idx="minor">
-            <a:schemeClr val="dk1"/>
-          </a:fontRef>
-        </p:style>
-        <p:txBody>
-          <a:bodyPr wrap="square" lIns="45719" tIns="45719" rIns="45719" bIns="45719" anchor="ctr">
-            <a:noAutofit/>
-          </a:bodyPr>
-          <a:lstStyle/>
-          <a:p>
-            <a:pPr algn="ctr" defTabSz="906145" latinLnBrk="0" hangingPunct="0">
-              <a:lnSpc>
-                <a:spcPct val="120000"/>
-              </a:lnSpc>
-              <a:defRPr sz="1000"/>
-            </a:pPr>
-            <a:r>
-              <a:rPr lang="en-US" altLang="ko-KR" sz="900" kern="0">
-                <a:latin typeface="+mn-ea"/>
-              </a:rPr>
-              <a:t>ID/PW </a:t>
-            </a:r>
-            <a:r>
-              <a:rPr lang="ko-KR" altLang="en-US" sz="900" kern="0">
-                <a:latin typeface="+mn-ea"/>
-              </a:rPr>
-              <a:t>찾기</a:t>
-            </a:r>
-            <a:endParaRPr lang="ko-KR" altLang="en-US" sz="900" kern="0">
-              <a:latin typeface="+mn-ea"/>
-            </a:endParaRPr>
-          </a:p>
-        </p:txBody>
-      </p:sp>
-      <p:sp>
-        <p:nvSpPr>
-          <p:cNvPr id="49" name="Shape 150"/>
-          <p:cNvSpPr/>
-          <p:nvPr/>
-        </p:nvSpPr>
-        <p:spPr>
-          <a:xfrm>
-            <a:off x="3381248" y="4327077"/>
-            <a:ext cx="1058568" cy="265116"/>
-          </a:xfrm>
-          <a:prstGeom prst="roundRect">
-            <a:avLst>
-              <a:gd name="adj" fmla="val 16667"/>
-            </a:avLst>
-          </a:prstGeom>
-          <a:solidFill>
-            <a:schemeClr val="bg1">
-              <a:lumMod val="95000"/>
-            </a:schemeClr>
-          </a:solidFill>
-          <a:ln/>
-          <a:effectLst/>
-        </p:spPr>
-        <p:style>
-          <a:lnRef idx="1">
-            <a:schemeClr val="dk1"/>
-          </a:lnRef>
-          <a:fillRef idx="2">
-            <a:schemeClr val="dk1"/>
-          </a:fillRef>
-          <a:effectRef idx="1">
-            <a:schemeClr val="dk1"/>
-          </a:effectRef>
-          <a:fontRef idx="minor">
-            <a:schemeClr val="dk1"/>
-          </a:fontRef>
-        </p:style>
-        <p:txBody>
-          <a:bodyPr wrap="square" lIns="45719" tIns="45719" rIns="45719" bIns="45719" anchor="ctr">
-            <a:noAutofit/>
-          </a:bodyPr>
-          <a:lstStyle/>
-          <a:p>
-            <a:pPr algn="ctr" defTabSz="906145" latinLnBrk="0" hangingPunct="0">
-              <a:lnSpc>
-                <a:spcPct val="120000"/>
-              </a:lnSpc>
-              <a:defRPr sz="1000"/>
-            </a:pPr>
-            <a:r>
-              <a:rPr lang="ko-KR" altLang="en-US" kern="0"/>
-              <a:t>회원가입</a:t>
-            </a:r>
-            <a:endParaRPr lang="ko-KR" altLang="en-US" kern="0"/>
-          </a:p>
-        </p:txBody>
-      </p:sp>
-      <p:sp>
-        <p:nvSpPr>
           <p:cNvPr id="84" name="타원 83"/>
           <p:cNvSpPr/>
           <p:nvPr/>
@@ -8159,186 +8174,6 @@
                 </a:solidFill>
               </a:rPr>
               <a:t>5</a:t>
-            </a:r>
-            <a:endParaRPr lang="ko-KR" altLang="en-US" sz="900" b="1">
-              <a:solidFill>
-                <a:srgbClr val="663300"/>
-              </a:solidFill>
-            </a:endParaRPr>
-          </a:p>
-        </p:txBody>
-      </p:sp>
-      <p:sp>
-        <p:nvSpPr>
-          <p:cNvPr id="36" name="타원 35"/>
-          <p:cNvSpPr/>
-          <p:nvPr/>
-        </p:nvSpPr>
-        <p:spPr>
-          <a:xfrm>
-            <a:off x="4460049" y="3824831"/>
-            <a:ext cx="142876" cy="142876"/>
-          </a:xfrm>
-          <a:prstGeom prst="ellipse">
-            <a:avLst/>
-          </a:prstGeom>
-          <a:solidFill>
-            <a:srgbClr val="fce700"/>
-          </a:solidFill>
-          <a:ln>
-            <a:noFill/>
-          </a:ln>
-        </p:spPr>
-        <p:style>
-          <a:lnRef idx="2">
-            <a:schemeClr val="accent1">
-              <a:shade val="50000"/>
-            </a:schemeClr>
-          </a:lnRef>
-          <a:fillRef idx="1">
-            <a:schemeClr val="accent1"/>
-          </a:fillRef>
-          <a:effectRef idx="0">
-            <a:schemeClr val="accent1"/>
-          </a:effectRef>
-          <a:fontRef idx="minor">
-            <a:schemeClr val="lt1"/>
-          </a:fontRef>
-        </p:style>
-        <p:txBody>
-          <a:bodyPr lIns="0" tIns="0" rIns="0" bIns="0" anchor="ctr"/>
-          <a:lstStyle/>
-          <a:p>
-            <a:pPr algn="ctr">
-              <a:defRPr/>
-            </a:pPr>
-            <a:r>
-              <a:rPr lang="en-US" altLang="ko-KR" sz="900" b="1">
-                <a:solidFill>
-                  <a:srgbClr val="663300"/>
-                </a:solidFill>
-              </a:rPr>
-              <a:t>6</a:t>
-            </a:r>
-            <a:endParaRPr lang="ko-KR" altLang="en-US" sz="900" b="1">
-              <a:solidFill>
-                <a:srgbClr val="663300"/>
-              </a:solidFill>
-            </a:endParaRPr>
-          </a:p>
-        </p:txBody>
-      </p:sp>
-      <p:sp>
-        <p:nvSpPr>
-          <p:cNvPr id="53" name="타원 52"/>
-          <p:cNvSpPr/>
-          <p:nvPr/>
-        </p:nvSpPr>
-        <p:spPr>
-          <a:xfrm>
-            <a:off x="3132590" y="4278724"/>
-            <a:ext cx="142876" cy="142876"/>
-          </a:xfrm>
-          <a:prstGeom prst="ellipse">
-            <a:avLst/>
-          </a:prstGeom>
-          <a:solidFill>
-            <a:srgbClr val="fce700"/>
-          </a:solidFill>
-          <a:ln>
-            <a:noFill/>
-          </a:ln>
-        </p:spPr>
-        <p:style>
-          <a:lnRef idx="2">
-            <a:schemeClr val="accent1">
-              <a:shade val="50000"/>
-            </a:schemeClr>
-          </a:lnRef>
-          <a:fillRef idx="1">
-            <a:schemeClr val="accent1"/>
-          </a:fillRef>
-          <a:effectRef idx="0">
-            <a:schemeClr val="accent1"/>
-          </a:effectRef>
-          <a:fontRef idx="minor">
-            <a:schemeClr val="lt1"/>
-          </a:fontRef>
-        </p:style>
-        <p:txBody>
-          <a:bodyPr lIns="0" tIns="0" rIns="0" bIns="0" anchor="ctr"/>
-          <a:lstStyle/>
-          <a:p>
-            <a:pPr algn="ctr">
-              <a:defRPr/>
-            </a:pPr>
-            <a:r>
-              <a:rPr lang="en-US" altLang="ko-KR" sz="900" b="1">
-                <a:solidFill>
-                  <a:srgbClr val="663300"/>
-                </a:solidFill>
-              </a:rPr>
-              <a:t>7</a:t>
-            </a:r>
-            <a:endParaRPr lang="ko-KR" altLang="en-US" sz="900" b="1">
-              <a:solidFill>
-                <a:srgbClr val="663300"/>
-              </a:solidFill>
-            </a:endParaRPr>
-          </a:p>
-        </p:txBody>
-      </p:sp>
-      <p:sp>
-        <p:nvSpPr>
-          <p:cNvPr id="50" name="타원 49"/>
-          <p:cNvSpPr/>
-          <p:nvPr/>
-        </p:nvSpPr>
-        <p:spPr>
-          <a:xfrm>
-            <a:off x="4453754" y="4278724"/>
-            <a:ext cx="142876" cy="142876"/>
-          </a:xfrm>
-          <a:prstGeom prst="ellipse">
-            <a:avLst/>
-          </a:prstGeom>
-          <a:solidFill>
-            <a:srgbClr val="fce700"/>
-          </a:solidFill>
-          <a:ln>
-            <a:noFill/>
-          </a:ln>
-        </p:spPr>
-        <p:style>
-          <a:lnRef idx="2">
-            <a:schemeClr val="accent1">
-              <a:shade val="50000"/>
-            </a:schemeClr>
-          </a:lnRef>
-          <a:fillRef idx="1">
-            <a:schemeClr val="accent1"/>
-          </a:fillRef>
-          <a:effectRef idx="0">
-            <a:schemeClr val="accent1"/>
-          </a:effectRef>
-          <a:fontRef idx="minor">
-            <a:schemeClr val="lt1"/>
-          </a:fontRef>
-        </p:style>
-        <p:txBody>
-          <a:bodyPr lIns="0" tIns="0" rIns="0" bIns="0" anchor="ctr"/>
-          <a:lstStyle/>
-          <a:p>
-            <a:pPr algn="ctr">
-              <a:defRPr/>
-            </a:pPr>
-            <a:r>
-              <a:rPr lang="en-US" altLang="ko-KR" sz="900" b="1">
-                <a:solidFill>
-                  <a:srgbClr val="663300"/>
-                </a:solidFill>
-              </a:rPr>
-              <a:t>8</a:t>
             </a:r>
             <a:endParaRPr lang="ko-KR" altLang="en-US" sz="900" b="1">
               <a:solidFill>
@@ -8480,42 +8315,6 @@
           <a:xfrm>
             <a:off x="1892449" y="2052077"/>
             <a:ext cx="2970562" cy="8771"/>
-          </a:xfrm>
-          <a:prstGeom prst="line">
-            <a:avLst/>
-          </a:prstGeom>
-          <a:ln w="0">
-            <a:solidFill>
-              <a:srgbClr val="c00000"/>
-            </a:solidFill>
-            <a:prstDash val="dash"/>
-          </a:ln>
-        </p:spPr>
-        <p:style>
-          <a:lnRef idx="1">
-            <a:schemeClr val="accent1"/>
-          </a:lnRef>
-          <a:fillRef idx="0">
-            <a:schemeClr val="accent1"/>
-          </a:fillRef>
-          <a:effectRef idx="0">
-            <a:schemeClr val="accent1"/>
-          </a:effectRef>
-          <a:fontRef idx="minor">
-            <a:schemeClr val="tx1"/>
-          </a:fontRef>
-        </p:style>
-      </p:cxnSp>
-      <p:cxnSp>
-        <p:nvCxnSpPr>
-          <p:cNvPr id="72" name="직선 연결선 71"/>
-          <p:cNvCxnSpPr/>
-          <p:nvPr/>
-        </p:nvCxnSpPr>
-        <p:spPr>
-          <a:xfrm>
-            <a:off x="1881886" y="3789040"/>
-            <a:ext cx="2981125" cy="0"/>
           </a:xfrm>
           <a:prstGeom prst="line">
             <a:avLst/>
@@ -8684,6 +8483,766 @@
               <a:latin typeface="Calibri"/>
               <a:ea typeface="맑은 고딕"/>
               <a:cs typeface="Calibri"/>
+            </a:endParaRPr>
+          </a:p>
+        </p:txBody>
+      </p:sp>
+      <p:sp>
+        <p:nvSpPr>
+          <p:cNvPr id="96" name="Shape 150"/>
+          <p:cNvSpPr/>
+          <p:nvPr/>
+        </p:nvSpPr>
+        <p:spPr>
+          <a:xfrm>
+            <a:off x="2121701" y="3861519"/>
+            <a:ext cx="2265784" cy="265116"/>
+          </a:xfrm>
+          <a:prstGeom prst="roundRect">
+            <a:avLst>
+              <a:gd name="adj" fmla="val 16667"/>
+            </a:avLst>
+          </a:prstGeom>
+          <a:solidFill>
+            <a:schemeClr val="bg1">
+              <a:lumMod val="95000"/>
+            </a:schemeClr>
+          </a:solidFill>
+          <a:ln/>
+          <a:effectLst/>
+        </p:spPr>
+        <p:style>
+          <a:lnRef idx="1">
+            <a:schemeClr val="dk1"/>
+          </a:lnRef>
+          <a:fillRef idx="2">
+            <a:schemeClr val="dk1"/>
+          </a:fillRef>
+          <a:effectRef idx="1">
+            <a:schemeClr val="dk1"/>
+          </a:effectRef>
+          <a:fontRef idx="minor">
+            <a:schemeClr val="dk1"/>
+          </a:fontRef>
+        </p:style>
+        <p:txBody>
+          <a:bodyPr wrap="square" lIns="45719" tIns="45719" rIns="45719" bIns="45719" anchor="ctr">
+            <a:noAutofit/>
+          </a:bodyPr>
+          <a:lstStyle/>
+          <a:p>
+            <a:pPr algn="ctr" defTabSz="906145" latinLnBrk="0" hangingPunct="0">
+              <a:lnSpc>
+                <a:spcPct val="120000"/>
+              </a:lnSpc>
+              <a:defRPr sz="1000"/>
+            </a:pPr>
+            <a:r>
+              <a:rPr lang="ko-KR" altLang="en-US" sz="900" kern="0">
+                <a:latin typeface="+mn-ea"/>
+              </a:rPr>
+              <a:t>로그인</a:t>
+            </a:r>
+            <a:endParaRPr lang="ko-KR" altLang="en-US" sz="900" kern="0">
+              <a:latin typeface="+mn-ea"/>
+            </a:endParaRPr>
+          </a:p>
+        </p:txBody>
+      </p:sp>
+      <p:sp>
+        <p:nvSpPr>
+          <p:cNvPr id="97" name="Shape 150"/>
+          <p:cNvSpPr/>
+          <p:nvPr/>
+        </p:nvSpPr>
+        <p:spPr>
+          <a:xfrm>
+            <a:off x="2121702" y="4317624"/>
+            <a:ext cx="1058568" cy="265116"/>
+          </a:xfrm>
+          <a:prstGeom prst="roundRect">
+            <a:avLst>
+              <a:gd name="adj" fmla="val 16667"/>
+            </a:avLst>
+          </a:prstGeom>
+          <a:solidFill>
+            <a:schemeClr val="bg1">
+              <a:lumMod val="95000"/>
+            </a:schemeClr>
+          </a:solidFill>
+          <a:ln/>
+          <a:effectLst/>
+        </p:spPr>
+        <p:style>
+          <a:lnRef idx="1">
+            <a:schemeClr val="dk1"/>
+          </a:lnRef>
+          <a:fillRef idx="2">
+            <a:schemeClr val="dk1"/>
+          </a:fillRef>
+          <a:effectRef idx="1">
+            <a:schemeClr val="dk1"/>
+          </a:effectRef>
+          <a:fontRef idx="minor">
+            <a:schemeClr val="dk1"/>
+          </a:fontRef>
+        </p:style>
+        <p:txBody>
+          <a:bodyPr wrap="square" lIns="45719" tIns="45719" rIns="45719" bIns="45719" anchor="ctr">
+            <a:noAutofit/>
+          </a:bodyPr>
+          <a:lstStyle/>
+          <a:p>
+            <a:pPr algn="ctr" defTabSz="906145" latinLnBrk="0" hangingPunct="0">
+              <a:lnSpc>
+                <a:spcPct val="120000"/>
+              </a:lnSpc>
+              <a:defRPr sz="1000"/>
+            </a:pPr>
+            <a:r>
+              <a:rPr lang="en-US" altLang="ko-KR" sz="900" kern="0">
+                <a:latin typeface="+mn-ea"/>
+              </a:rPr>
+              <a:t>ID/PW </a:t>
+            </a:r>
+            <a:r>
+              <a:rPr lang="ko-KR" altLang="en-US" sz="900" kern="0">
+                <a:latin typeface="+mn-ea"/>
+              </a:rPr>
+              <a:t>찾기</a:t>
+            </a:r>
+            <a:endParaRPr lang="ko-KR" altLang="en-US" sz="900" kern="0">
+              <a:latin typeface="+mn-ea"/>
+            </a:endParaRPr>
+          </a:p>
+        </p:txBody>
+      </p:sp>
+      <p:sp>
+        <p:nvSpPr>
+          <p:cNvPr id="98" name="Shape 150"/>
+          <p:cNvSpPr/>
+          <p:nvPr/>
+        </p:nvSpPr>
+        <p:spPr>
+          <a:xfrm>
+            <a:off x="3309810" y="4317624"/>
+            <a:ext cx="1058568" cy="265116"/>
+          </a:xfrm>
+          <a:prstGeom prst="roundRect">
+            <a:avLst>
+              <a:gd name="adj" fmla="val 16667"/>
+            </a:avLst>
+          </a:prstGeom>
+          <a:solidFill>
+            <a:schemeClr val="bg1">
+              <a:lumMod val="95000"/>
+            </a:schemeClr>
+          </a:solidFill>
+          <a:ln/>
+          <a:effectLst/>
+        </p:spPr>
+        <p:style>
+          <a:lnRef idx="1">
+            <a:schemeClr val="dk1"/>
+          </a:lnRef>
+          <a:fillRef idx="2">
+            <a:schemeClr val="dk1"/>
+          </a:fillRef>
+          <a:effectRef idx="1">
+            <a:schemeClr val="dk1"/>
+          </a:effectRef>
+          <a:fontRef idx="minor">
+            <a:schemeClr val="dk1"/>
+          </a:fontRef>
+        </p:style>
+        <p:txBody>
+          <a:bodyPr wrap="square" lIns="45719" tIns="45719" rIns="45719" bIns="45719" anchor="ctr">
+            <a:noAutofit/>
+          </a:bodyPr>
+          <a:lstStyle/>
+          <a:p>
+            <a:pPr algn="ctr" defTabSz="906145" latinLnBrk="0" hangingPunct="0">
+              <a:lnSpc>
+                <a:spcPct val="120000"/>
+              </a:lnSpc>
+              <a:defRPr sz="1000"/>
+            </a:pPr>
+            <a:r>
+              <a:rPr lang="ko-KR" altLang="en-US" kern="0"/>
+              <a:t>회원가입</a:t>
+            </a:r>
+            <a:endParaRPr lang="ko-KR" altLang="en-US" kern="0"/>
+          </a:p>
+        </p:txBody>
+      </p:sp>
+      <p:sp>
+        <p:nvSpPr>
+          <p:cNvPr id="99" name="타원 35"/>
+          <p:cNvSpPr/>
+          <p:nvPr/>
+        </p:nvSpPr>
+        <p:spPr>
+          <a:xfrm>
+            <a:off x="4388611" y="3815378"/>
+            <a:ext cx="142876" cy="142876"/>
+          </a:xfrm>
+          <a:prstGeom prst="ellipse">
+            <a:avLst/>
+          </a:prstGeom>
+          <a:solidFill>
+            <a:srgbClr val="fce700"/>
+          </a:solidFill>
+          <a:ln>
+            <a:noFill/>
+          </a:ln>
+        </p:spPr>
+        <p:style>
+          <a:lnRef idx="2">
+            <a:schemeClr val="accent1">
+              <a:shade val="50000"/>
+            </a:schemeClr>
+          </a:lnRef>
+          <a:fillRef idx="1">
+            <a:schemeClr val="accent1"/>
+          </a:fillRef>
+          <a:effectRef idx="0">
+            <a:schemeClr val="accent1"/>
+          </a:effectRef>
+          <a:fontRef idx="minor">
+            <a:schemeClr val="lt1"/>
+          </a:fontRef>
+        </p:style>
+        <p:txBody>
+          <a:bodyPr lIns="0" tIns="0" rIns="0" bIns="0" anchor="ctr"/>
+          <a:lstStyle/>
+          <a:p>
+            <a:pPr algn="ctr">
+              <a:defRPr/>
+            </a:pPr>
+            <a:r>
+              <a:rPr lang="en-US" altLang="ko-KR" sz="900" b="1">
+                <a:solidFill>
+                  <a:srgbClr val="663300"/>
+                </a:solidFill>
+              </a:rPr>
+              <a:t>6</a:t>
+            </a:r>
+            <a:endParaRPr lang="ko-KR" altLang="en-US" sz="900" b="1">
+              <a:solidFill>
+                <a:srgbClr val="663300"/>
+              </a:solidFill>
+            </a:endParaRPr>
+          </a:p>
+        </p:txBody>
+      </p:sp>
+      <p:sp>
+        <p:nvSpPr>
+          <p:cNvPr id="100" name="타원 52"/>
+          <p:cNvSpPr/>
+          <p:nvPr/>
+        </p:nvSpPr>
+        <p:spPr>
+          <a:xfrm>
+            <a:off x="3061152" y="4269271"/>
+            <a:ext cx="142876" cy="142876"/>
+          </a:xfrm>
+          <a:prstGeom prst="ellipse">
+            <a:avLst/>
+          </a:prstGeom>
+          <a:solidFill>
+            <a:srgbClr val="fce700"/>
+          </a:solidFill>
+          <a:ln>
+            <a:noFill/>
+          </a:ln>
+        </p:spPr>
+        <p:style>
+          <a:lnRef idx="2">
+            <a:schemeClr val="accent1">
+              <a:shade val="50000"/>
+            </a:schemeClr>
+          </a:lnRef>
+          <a:fillRef idx="1">
+            <a:schemeClr val="accent1"/>
+          </a:fillRef>
+          <a:effectRef idx="0">
+            <a:schemeClr val="accent1"/>
+          </a:effectRef>
+          <a:fontRef idx="minor">
+            <a:schemeClr val="lt1"/>
+          </a:fontRef>
+        </p:style>
+        <p:txBody>
+          <a:bodyPr lIns="0" tIns="0" rIns="0" bIns="0" anchor="ctr"/>
+          <a:lstStyle/>
+          <a:p>
+            <a:pPr algn="ctr">
+              <a:defRPr/>
+            </a:pPr>
+            <a:r>
+              <a:rPr lang="en-US" altLang="ko-KR" sz="900" b="1">
+                <a:solidFill>
+                  <a:srgbClr val="663300"/>
+                </a:solidFill>
+              </a:rPr>
+              <a:t>7</a:t>
+            </a:r>
+            <a:endParaRPr lang="ko-KR" altLang="en-US" sz="900" b="1">
+              <a:solidFill>
+                <a:srgbClr val="663300"/>
+              </a:solidFill>
+            </a:endParaRPr>
+          </a:p>
+        </p:txBody>
+      </p:sp>
+      <p:sp>
+        <p:nvSpPr>
+          <p:cNvPr id="101" name="타원 49"/>
+          <p:cNvSpPr/>
+          <p:nvPr/>
+        </p:nvSpPr>
+        <p:spPr>
+          <a:xfrm>
+            <a:off x="4382316" y="4269271"/>
+            <a:ext cx="142876" cy="142876"/>
+          </a:xfrm>
+          <a:prstGeom prst="ellipse">
+            <a:avLst/>
+          </a:prstGeom>
+          <a:solidFill>
+            <a:srgbClr val="fce700"/>
+          </a:solidFill>
+          <a:ln>
+            <a:noFill/>
+          </a:ln>
+        </p:spPr>
+        <p:style>
+          <a:lnRef idx="2">
+            <a:schemeClr val="accent1">
+              <a:shade val="50000"/>
+            </a:schemeClr>
+          </a:lnRef>
+          <a:fillRef idx="1">
+            <a:schemeClr val="accent1"/>
+          </a:fillRef>
+          <a:effectRef idx="0">
+            <a:schemeClr val="accent1"/>
+          </a:effectRef>
+          <a:fontRef idx="minor">
+            <a:schemeClr val="lt1"/>
+          </a:fontRef>
+        </p:style>
+        <p:txBody>
+          <a:bodyPr lIns="0" tIns="0" rIns="0" bIns="0" anchor="ctr"/>
+          <a:lstStyle/>
+          <a:p>
+            <a:pPr algn="ctr">
+              <a:defRPr/>
+            </a:pPr>
+            <a:r>
+              <a:rPr lang="en-US" altLang="ko-KR" sz="900" b="1">
+                <a:solidFill>
+                  <a:srgbClr val="663300"/>
+                </a:solidFill>
+              </a:rPr>
+              <a:t>8</a:t>
+            </a:r>
+            <a:endParaRPr lang="ko-KR" altLang="en-US" sz="900" b="1">
+              <a:solidFill>
+                <a:srgbClr val="663300"/>
+              </a:solidFill>
+            </a:endParaRPr>
+          </a:p>
+        </p:txBody>
+      </p:sp>
+      <p:sp>
+        <p:nvSpPr>
+          <p:cNvPr id="102" name="Shape 150"/>
+          <p:cNvSpPr/>
+          <p:nvPr/>
+        </p:nvSpPr>
+        <p:spPr>
+          <a:xfrm>
+            <a:off x="2121701" y="4762947"/>
+            <a:ext cx="2265784" cy="265116"/>
+          </a:xfrm>
+          <a:prstGeom prst="roundRect">
+            <a:avLst>
+              <a:gd name="adj" fmla="val 16667"/>
+            </a:avLst>
+          </a:prstGeom>
+          <a:solidFill>
+            <a:schemeClr val="bg1">
+              <a:lumMod val="95000"/>
+            </a:schemeClr>
+          </a:solidFill>
+          <a:ln/>
+          <a:effectLst/>
+        </p:spPr>
+        <p:style>
+          <a:lnRef idx="1">
+            <a:schemeClr val="dk1"/>
+          </a:lnRef>
+          <a:fillRef idx="2">
+            <a:schemeClr val="dk1"/>
+          </a:fillRef>
+          <a:effectRef idx="1">
+            <a:schemeClr val="dk1"/>
+          </a:effectRef>
+          <a:fontRef idx="minor">
+            <a:schemeClr val="dk1"/>
+          </a:fontRef>
+        </p:style>
+        <p:txBody>
+          <a:bodyPr wrap="square" lIns="45719" tIns="45719" rIns="45719" bIns="45719" anchor="ctr">
+            <a:noAutofit/>
+          </a:bodyPr>
+          <a:lstStyle/>
+          <a:p>
+            <a:pPr algn="ctr" defTabSz="906145" latinLnBrk="0" hangingPunct="0">
+              <a:lnSpc>
+                <a:spcPct val="120000"/>
+              </a:lnSpc>
+              <a:defRPr sz="1000"/>
+            </a:pPr>
+            <a:r>
+              <a:rPr lang="ko-KR" altLang="en-US" sz="900" kern="0">
+                <a:latin typeface="+mn-ea"/>
+              </a:rPr>
+              <a:t>비회원 입장</a:t>
+            </a:r>
+            <a:endParaRPr lang="ko-KR" altLang="en-US" sz="900" kern="0">
+              <a:latin typeface="+mn-ea"/>
+            </a:endParaRPr>
+          </a:p>
+        </p:txBody>
+      </p:sp>
+      <p:sp>
+        <p:nvSpPr>
+          <p:cNvPr id="103" name="타원 40"/>
+          <p:cNvSpPr/>
+          <p:nvPr/>
+        </p:nvSpPr>
+        <p:spPr>
+          <a:xfrm>
+            <a:off x="4382316" y="4723164"/>
+            <a:ext cx="142876" cy="142876"/>
+          </a:xfrm>
+          <a:prstGeom prst="ellipse">
+            <a:avLst/>
+          </a:prstGeom>
+          <a:solidFill>
+            <a:srgbClr val="fce700"/>
+          </a:solidFill>
+          <a:ln>
+            <a:noFill/>
+          </a:ln>
+        </p:spPr>
+        <p:style>
+          <a:lnRef idx="2">
+            <a:schemeClr val="accent1">
+              <a:shade val="50000"/>
+            </a:schemeClr>
+          </a:lnRef>
+          <a:fillRef idx="1">
+            <a:schemeClr val="accent1"/>
+          </a:fillRef>
+          <a:effectRef idx="0">
+            <a:schemeClr val="accent1"/>
+          </a:effectRef>
+          <a:fontRef idx="minor">
+            <a:schemeClr val="lt1"/>
+          </a:fontRef>
+        </p:style>
+        <p:txBody>
+          <a:bodyPr lIns="0" tIns="0" rIns="0" bIns="0" anchor="ctr"/>
+          <a:lstStyle/>
+          <a:p>
+            <a:pPr algn="ctr">
+              <a:defRPr/>
+            </a:pPr>
+            <a:r>
+              <a:rPr lang="en-US" altLang="ko-KR" sz="900" b="1">
+                <a:solidFill>
+                  <a:srgbClr val="663300"/>
+                </a:solidFill>
+              </a:rPr>
+              <a:t>9</a:t>
+            </a:r>
+            <a:endParaRPr lang="ko-KR" altLang="en-US" sz="900" b="1">
+              <a:solidFill>
+                <a:srgbClr val="663300"/>
+              </a:solidFill>
+            </a:endParaRPr>
+          </a:p>
+        </p:txBody>
+      </p:sp>
+      <p:cxnSp>
+        <p:nvCxnSpPr>
+          <p:cNvPr id="104" name="직선 연결선 71"/>
+          <p:cNvCxnSpPr/>
+          <p:nvPr/>
+        </p:nvCxnSpPr>
+        <p:spPr>
+          <a:xfrm>
+            <a:off x="1810448" y="3779587"/>
+            <a:ext cx="2981125" cy="0"/>
+          </a:xfrm>
+          <a:prstGeom prst="line">
+            <a:avLst/>
+          </a:prstGeom>
+          <a:ln w="0">
+            <a:solidFill>
+              <a:srgbClr val="c00000"/>
+            </a:solidFill>
+            <a:prstDash val="dash"/>
+          </a:ln>
+        </p:spPr>
+        <p:style>
+          <a:lnRef idx="1">
+            <a:schemeClr val="accent1"/>
+          </a:lnRef>
+          <a:fillRef idx="0">
+            <a:schemeClr val="accent1"/>
+          </a:fillRef>
+          <a:effectRef idx="0">
+            <a:schemeClr val="accent1"/>
+          </a:effectRef>
+          <a:fontRef idx="minor">
+            <a:schemeClr val="tx1"/>
+          </a:fontRef>
+        </p:style>
+      </p:cxnSp>
+      <p:sp>
+        <p:nvSpPr>
+          <p:cNvPr id="105" name="Shape 193"/>
+          <p:cNvSpPr/>
+          <p:nvPr/>
+        </p:nvSpPr>
+        <p:spPr>
+          <a:xfrm>
+            <a:off x="5510497" y="2865539"/>
+            <a:ext cx="2318240" cy="288032"/>
+          </a:xfrm>
+          <a:prstGeom prst="roundRect">
+            <a:avLst>
+              <a:gd name="adj" fmla="val 0"/>
+            </a:avLst>
+          </a:prstGeom>
+          <a:solidFill>
+            <a:srgbClr val="262626"/>
+          </a:solidFill>
+          <a:ln w="12700" cap="flat">
+            <a:noFill/>
+            <a:miter/>
+          </a:ln>
+          <a:effectLst/>
+        </p:spPr>
+        <p:txBody>
+          <a:bodyPr wrap="square" lIns="45719" tIns="45719" rIns="45719" bIns="45719" anchor="ctr">
+            <a:noAutofit/>
+          </a:bodyPr>
+          <a:lstStyle/>
+          <a:p>
+            <a:pPr algn="ctr" defTabSz="906145" latinLnBrk="0" hangingPunct="0">
+              <a:lnSpc>
+                <a:spcPct val="120000"/>
+              </a:lnSpc>
+              <a:defRPr sz="800" b="1">
+                <a:solidFill>
+                  <a:srgbClr val="ffffff"/>
+                </a:solidFill>
+                <a:latin typeface="맑은 고딕"/>
+                <a:ea typeface="맑은 고딕"/>
+                <a:cs typeface="맑은 고딕"/>
+                <a:sym typeface="맑은 고딕"/>
+              </a:defRPr>
+            </a:pPr>
+            <a:r>
+              <a:rPr lang="ko-KR" altLang="en-US" kern="0"/>
+              <a:t>아이디 및 비밀번호가 일치하지 않습니다</a:t>
+            </a:r>
+            <a:r>
+              <a:rPr lang="en-US" altLang="ko-KR" kern="0"/>
+              <a:t>.</a:t>
+            </a:r>
+            <a:endParaRPr lang="ko-KR" altLang="en-US" kern="0"/>
+          </a:p>
+        </p:txBody>
+      </p:sp>
+      <p:sp>
+        <p:nvSpPr>
+          <p:cNvPr id="106" name="타원 58"/>
+          <p:cNvSpPr/>
+          <p:nvPr/>
+        </p:nvSpPr>
+        <p:spPr>
+          <a:xfrm>
+            <a:off x="5454173" y="2841815"/>
+            <a:ext cx="142876" cy="142876"/>
+          </a:xfrm>
+          <a:prstGeom prst="ellipse">
+            <a:avLst/>
+          </a:prstGeom>
+          <a:solidFill>
+            <a:srgbClr val="fce700"/>
+          </a:solidFill>
+          <a:ln>
+            <a:noFill/>
+          </a:ln>
+        </p:spPr>
+        <p:style>
+          <a:lnRef idx="2">
+            <a:schemeClr val="accent1">
+              <a:shade val="50000"/>
+            </a:schemeClr>
+          </a:lnRef>
+          <a:fillRef idx="1">
+            <a:schemeClr val="accent1"/>
+          </a:fillRef>
+          <a:effectRef idx="0">
+            <a:schemeClr val="accent1"/>
+          </a:effectRef>
+          <a:fontRef idx="minor">
+            <a:schemeClr val="lt1"/>
+          </a:fontRef>
+        </p:style>
+        <p:txBody>
+          <a:bodyPr lIns="0" tIns="0" rIns="0" bIns="0" anchor="ctr"/>
+          <a:lstStyle/>
+          <a:p>
+            <a:pPr algn="ctr">
+              <a:defRPr/>
+            </a:pPr>
+            <a:r>
+              <a:rPr lang="en-US" altLang="ko-KR" sz="900" b="1">
+                <a:solidFill>
+                  <a:srgbClr val="663300"/>
+                </a:solidFill>
+              </a:rPr>
+              <a:t>6</a:t>
+            </a:r>
+            <a:endParaRPr lang="ko-KR" altLang="en-US" sz="900" b="1">
+              <a:solidFill>
+                <a:srgbClr val="663300"/>
+              </a:solidFill>
+            </a:endParaRPr>
+          </a:p>
+        </p:txBody>
+      </p:sp>
+      <p:sp>
+        <p:nvSpPr>
+          <p:cNvPr id="107" name="Shape 193"/>
+          <p:cNvSpPr/>
+          <p:nvPr/>
+        </p:nvSpPr>
+        <p:spPr>
+          <a:xfrm>
+            <a:off x="5510497" y="3225579"/>
+            <a:ext cx="2318240" cy="288032"/>
+          </a:xfrm>
+          <a:prstGeom prst="roundRect">
+            <a:avLst>
+              <a:gd name="adj" fmla="val 0"/>
+            </a:avLst>
+          </a:prstGeom>
+          <a:solidFill>
+            <a:srgbClr val="262626"/>
+          </a:solidFill>
+          <a:ln w="12700" cap="flat">
+            <a:noFill/>
+            <a:miter/>
+          </a:ln>
+          <a:effectLst/>
+        </p:spPr>
+        <p:txBody>
+          <a:bodyPr wrap="square" lIns="45719" tIns="45719" rIns="45719" bIns="45719" anchor="ctr">
+            <a:noAutofit/>
+          </a:bodyPr>
+          <a:lstStyle/>
+          <a:p>
+            <a:pPr algn="ctr" defTabSz="906145" latinLnBrk="0" hangingPunct="0">
+              <a:lnSpc>
+                <a:spcPct val="120000"/>
+              </a:lnSpc>
+              <a:defRPr sz="800" b="1">
+                <a:solidFill>
+                  <a:srgbClr val="ffffff"/>
+                </a:solidFill>
+                <a:latin typeface="맑은 고딕"/>
+                <a:ea typeface="맑은 고딕"/>
+                <a:cs typeface="맑은 고딕"/>
+                <a:sym typeface="맑은 고딕"/>
+              </a:defRPr>
+            </a:pPr>
+            <a:r>
+              <a:rPr lang="ko-KR" altLang="en-US" kern="0"/>
+              <a:t>올바른 이메일 형식이 아닙니다</a:t>
+            </a:r>
+            <a:r>
+              <a:rPr lang="en-US" altLang="ko-KR" kern="0"/>
+              <a:t>.</a:t>
+            </a:r>
+            <a:endParaRPr lang="ko-KR" altLang="en-US" kern="0"/>
+          </a:p>
+        </p:txBody>
+      </p:sp>
+      <p:sp>
+        <p:nvSpPr>
+          <p:cNvPr id="108" name="타원 45"/>
+          <p:cNvSpPr/>
+          <p:nvPr/>
+        </p:nvSpPr>
+        <p:spPr>
+          <a:xfrm>
+            <a:off x="5454173" y="3184648"/>
+            <a:ext cx="142876" cy="142876"/>
+          </a:xfrm>
+          <a:prstGeom prst="ellipse">
+            <a:avLst/>
+          </a:prstGeom>
+          <a:solidFill>
+            <a:srgbClr val="fce700"/>
+          </a:solidFill>
+          <a:ln>
+            <a:noFill/>
+          </a:ln>
+        </p:spPr>
+        <p:style>
+          <a:lnRef idx="2">
+            <a:schemeClr val="accent1">
+              <a:shade val="50000"/>
+            </a:schemeClr>
+          </a:lnRef>
+          <a:fillRef idx="1">
+            <a:schemeClr val="accent1"/>
+          </a:fillRef>
+          <a:effectRef idx="0">
+            <a:schemeClr val="accent1"/>
+          </a:effectRef>
+          <a:fontRef idx="minor">
+            <a:schemeClr val="lt1"/>
+          </a:fontRef>
+        </p:style>
+        <p:txBody>
+          <a:bodyPr lIns="0" tIns="0" rIns="0" bIns="0" anchor="ctr"/>
+          <a:lstStyle/>
+          <a:p>
+            <a:pPr algn="ctr">
+              <a:defRPr/>
+            </a:pPr>
+            <a:r>
+              <a:rPr lang="en-US" altLang="ko-KR" sz="900" b="1">
+                <a:solidFill>
+                  <a:srgbClr val="663300"/>
+                </a:solidFill>
+              </a:rPr>
+              <a:t>6</a:t>
+            </a:r>
+            <a:endParaRPr lang="ko-KR" altLang="en-US" sz="900" b="1">
+              <a:solidFill>
+                <a:srgbClr val="663300"/>
+              </a:solidFill>
             </a:endParaRPr>
           </a:p>
         </p:txBody>
@@ -26329,6 +26888,4546 @@
           </a:p>
         </p:txBody>
       </p:sp>
+    </p:spTree>
+  </p:cSld>
+  <p:clrMapOvr>
+    <a:masterClrMapping/>
+  </p:clrMapOvr>
+  <mc:AlternateContent xmlns:mc="http://schemas.openxmlformats.org/markup-compatibility/2006">
+    <mc:Choice xmlns:p14="http://schemas.microsoft.com/office/powerpoint/2010/main" Requires="p14">
+      <p:transition xmlns:mc="http://schemas.openxmlformats.org/markup-compatibility/2006" xmlns:p14="http://schemas.microsoft.com/office/powerpoint/2010/main" mc:Ignorable="p14" p14:dur="500"/>
+    </mc:Choice>
+    <mc:Fallback>
+      <p:transition/>
+    </mc:Fallback>
+  </mc:AlternateContent>
+</p:sld>
+</file>
+
+<file path=ppt/slides/slide16.xml><?xml version="1.0" encoding="utf-8"?>
+<p:sld xmlns:r="http://schemas.openxmlformats.org/officeDocument/2006/relationships" xmlns:c="http://schemas.openxmlformats.org/drawingml/2006/chart" xmlns:a="http://schemas.openxmlformats.org/drawingml/2006/main" xmlns:dgm="http://schemas.openxmlformats.org/drawingml/2006/diagram" xmlns:dsp="http://schemas.microsoft.com/office/drawing/2008/diagram" xmlns:p="http://schemas.openxmlformats.org/presentationml/2006/main">
+  <p:cSld>
+    <p:spTree>
+      <p:nvGrpSpPr>
+        <p:cNvPr id="1" name=""/>
+        <p:cNvGrpSpPr/>
+        <p:nvPr/>
+      </p:nvGrpSpPr>
+      <p:grpSpPr>
+        <a:xfrm>
+          <a:off x="0" y="0"/>
+          <a:ext cx="0" cy="0"/>
+          <a:chOff x="0" y="0"/>
+          <a:chExt cx="0" cy="0"/>
+        </a:xfrm>
+      </p:grpSpPr>
+      <p:sp>
+        <p:nvSpPr>
+          <p:cNvPr id="2" name="TextBox 11"/>
+          <p:cNvSpPr txBox="1"/>
+          <p:nvPr/>
+        </p:nvSpPr>
+        <p:spPr>
+          <a:xfrm>
+            <a:off x="1703511" y="408640"/>
+            <a:ext cx="4392488" cy="369332"/>
+          </a:xfrm>
+          <a:prstGeom prst="rect">
+            <a:avLst/>
+          </a:prstGeom>
+          <a:noFill/>
+        </p:spPr>
+        <p:txBody>
+          <a:bodyPr wrap="square">
+            <a:spAutoFit/>
+          </a:bodyPr>
+          <a:p>
+            <a:pPr marL="0" indent="0" algn="l" defTabSz="914400" rtl="0" eaLnBrk="1" latinLnBrk="1" hangingPunct="1">
+              <a:lnSpc>
+                <a:spcPct val="90000"/>
+              </a:lnSpc>
+              <a:spcBef>
+                <a:spcPct val="0"/>
+              </a:spcBef>
+              <a:spcAft>
+                <a:spcPts val="0"/>
+              </a:spcAft>
+              <a:buNone/>
+              <a:defRPr/>
+            </a:pPr>
+            <a:r>
+              <a:rPr xmlns:mc="http://schemas.openxmlformats.org/markup-compatibility/2006" xmlns:hp="http://schemas.haansoft.com/office/presentation/8.0" kumimoji="0" lang="ko-KR" altLang="en-US" sz="2000" b="0" i="0" u="none" strike="noStrike" kern="1200" cap="none" spc="300" normalizeH="0" baseline="0" mc:Ignorable="hp" hp:hslEmbossed="0">
+                <a:solidFill>
+                  <a:srgbClr val="663300"/>
+                </a:solidFill>
+                <a:latin typeface="Calibri"/>
+              </a:rPr>
+              <a:t>관리자 페이지 메뉴 정보</a:t>
+            </a:r>
+            <a:endParaRPr xmlns:mc="http://schemas.openxmlformats.org/markup-compatibility/2006" xmlns:hp="http://schemas.haansoft.com/office/presentation/8.0" kumimoji="0" lang="ko-KR" altLang="en-US" sz="2000" b="0" i="0" u="none" strike="noStrike" kern="1200" cap="none" spc="300" normalizeH="0" baseline="0" mc:Ignorable="hp" hp:hslEmbossed="0">
+              <a:solidFill>
+                <a:srgbClr val="663300"/>
+              </a:solidFill>
+              <a:latin typeface="Calibri"/>
+            </a:endParaRPr>
+          </a:p>
+        </p:txBody>
+      </p:sp>
+      <p:graphicFrame>
+        <p:nvGraphicFramePr>
+          <p:cNvPr id="5" name=""/>
+          <p:cNvGraphicFramePr>
+            <a:graphicFrameLocks noGrp="1"/>
+          </p:cNvGraphicFramePr>
+          <p:nvPr/>
+        </p:nvGraphicFramePr>
+        <p:xfrm>
+          <a:off x="354685" y="1072938"/>
+          <a:ext cx="11463312" cy="2565540"/>
+        </p:xfrm>
+        <a:graphic>
+          <a:graphicData uri="http://schemas.openxmlformats.org/drawingml/2006/table">
+            <a:tbl>
+              <a:tblPr firstRow="1" bandRow="1">
+                <a:tableStyle styleId="{01A66EDD-3DAB-4C5B-A090-DC80EC1FD486}" styleName="Normal Style 1 - Accent 1">
+                  <a:wholeTbl>
+                    <a:tcTxStyle>
+                      <a:fontRef idx="minor">
+                        <a:prstClr val="black"/>
+                      </a:fontRef>
+                      <a:schemeClr val="dk1"/>
+                    </a:tcTxStyle>
+                    <a:tcStyle>
+                      <a:tcBdr>
+                        <a:left>
+                          <a:ln w="12700" cmpd="sng">
+                            <a:solidFill>
+                              <a:schemeClr val="lt1"/>
+                            </a:solidFill>
+                          </a:ln>
+                        </a:left>
+                        <a:right>
+                          <a:ln w="12700" cmpd="sng">
+                            <a:solidFill>
+                              <a:schemeClr val="lt1"/>
+                            </a:solidFill>
+                          </a:ln>
+                        </a:right>
+                        <a:top>
+                          <a:ln w="12700" cmpd="sng">
+                            <a:solidFill>
+                              <a:schemeClr val="lt1"/>
+                            </a:solidFill>
+                          </a:ln>
+                        </a:top>
+                        <a:bottom>
+                          <a:ln w="12700" cmpd="sng">
+                            <a:solidFill>
+                              <a:schemeClr val="lt1"/>
+                            </a:solidFill>
+                          </a:ln>
+                        </a:bottom>
+                        <a:insideH>
+                          <a:ln w="12700" cmpd="sng">
+                            <a:solidFill>
+                              <a:schemeClr val="lt1"/>
+                            </a:solidFill>
+                          </a:ln>
+                        </a:insideH>
+                        <a:insideV>
+                          <a:ln w="12700" cmpd="sng">
+                            <a:solidFill>
+                              <a:schemeClr val="lt1"/>
+                            </a:solidFill>
+                          </a:ln>
+                        </a:insideV>
+                      </a:tcBdr>
+                      <a:fill>
+                        <a:solidFill>
+                          <a:schemeClr val="accent1">
+                            <a:lum val="90000"/>
+                          </a:schemeClr>
+                        </a:solidFill>
+                      </a:fill>
+                    </a:tcStyle>
+                  </a:wholeTbl>
+                  <a:band1H>
+                    <a:tcTxStyle/>
+                    <a:tcStyle>
+                      <a:tcBdr/>
+                      <a:fill>
+                        <a:solidFill>
+                          <a:schemeClr val="accent1">
+                            <a:lum val="80000"/>
+                          </a:schemeClr>
+                        </a:solidFill>
+                      </a:fill>
+                    </a:tcStyle>
+                  </a:band1H>
+                  <a:band2H>
+                    <a:tcTxStyle/>
+                    <a:tcStyle>
+                      <a:tcBdr/>
+                    </a:tcStyle>
+                  </a:band2H>
+                  <a:band1V>
+                    <a:tcTxStyle/>
+                    <a:tcStyle>
+                      <a:tcBdr/>
+                      <a:fill>
+                        <a:solidFill>
+                          <a:schemeClr val="accent1">
+                            <a:lum val="80000"/>
+                          </a:schemeClr>
+                        </a:solidFill>
+                      </a:fill>
+                    </a:tcStyle>
+                  </a:band1V>
+                  <a:band2V>
+                    <a:tcTxStyle/>
+                    <a:tcStyle>
+                      <a:tcBdr/>
+                    </a:tcStyle>
+                  </a:band2V>
+                  <a:lastCol>
+                    <a:tcTxStyle b="on">
+                      <a:fontRef idx="minor">
+                        <a:prstClr val="black"/>
+                      </a:fontRef>
+                      <a:schemeClr val="lt1"/>
+                    </a:tcTxStyle>
+                    <a:tcStyle>
+                      <a:tcBdr/>
+                      <a:fill>
+                        <a:solidFill>
+                          <a:schemeClr val="accent1"/>
+                        </a:solidFill>
+                      </a:fill>
+                    </a:tcStyle>
+                  </a:lastCol>
+                  <a:firstCol>
+                    <a:tcTxStyle b="on">
+                      <a:fontRef idx="minor">
+                        <a:prstClr val="black"/>
+                      </a:fontRef>
+                      <a:schemeClr val="lt1"/>
+                    </a:tcTxStyle>
+                    <a:tcStyle>
+                      <a:tcBdr/>
+                      <a:fill>
+                        <a:solidFill>
+                          <a:schemeClr val="accent1"/>
+                        </a:solidFill>
+                      </a:fill>
+                    </a:tcStyle>
+                  </a:firstCol>
+                  <a:lastRow>
+                    <a:tcTxStyle b="on">
+                      <a:fontRef idx="minor">
+                        <a:prstClr val="black"/>
+                      </a:fontRef>
+                      <a:schemeClr val="lt1"/>
+                    </a:tcTxStyle>
+                    <a:tcStyle>
+                      <a:tcBdr>
+                        <a:top>
+                          <a:ln w="38100" cmpd="sng">
+                            <a:solidFill>
+                              <a:schemeClr val="lt1"/>
+                            </a:solidFill>
+                          </a:ln>
+                        </a:top>
+                      </a:tcBdr>
+                      <a:fill>
+                        <a:solidFill>
+                          <a:schemeClr val="accent1"/>
+                        </a:solidFill>
+                      </a:fill>
+                    </a:tcStyle>
+                  </a:lastRow>
+                  <a:firstRow>
+                    <a:tcTxStyle b="on">
+                      <a:fontRef idx="minor">
+                        <a:prstClr val="black"/>
+                      </a:fontRef>
+                      <a:schemeClr val="lt1"/>
+                    </a:tcTxStyle>
+                    <a:tcStyle>
+                      <a:tcBdr>
+                        <a:bottom>
+                          <a:ln w="38100" cmpd="sng">
+                            <a:solidFill>
+                              <a:schemeClr val="lt1"/>
+                            </a:solidFill>
+                          </a:ln>
+                        </a:bottom>
+                      </a:tcBdr>
+                      <a:fill>
+                        <a:solidFill>
+                          <a:schemeClr val="accent1"/>
+                        </a:solidFill>
+                      </a:fill>
+                    </a:tcStyle>
+                  </a:firstRow>
+                </a:tableStyle>
+              </a:tblPr>
+              <a:tblGrid>
+                <a:gridCol w="2297430"/>
+                <a:gridCol w="2291470"/>
+                <a:gridCol w="2291470"/>
+                <a:gridCol w="2291470"/>
+                <a:gridCol w="2291470"/>
+              </a:tblGrid>
+              <a:tr h="664349">
+                <a:tc>
+                  <a:txBody>
+                    <a:bodyPr vert="horz" wrap="square" lIns="91440" tIns="45720" rIns="91440" bIns="45720" anchor="ctr" anchorCtr="1">
+                      <a:spAutoFit/>
+                    </a:bodyPr>
+                    <a:p>
+                      <a:pPr marL="0" marR="0" lvl="0" indent="0" algn="ctr" defTabSz="914400" rtl="0" eaLnBrk="1" latinLnBrk="1" hangingPunct="1">
+                        <a:lnSpc>
+                          <a:spcPct val="100000"/>
+                        </a:lnSpc>
+                        <a:spcBef>
+                          <a:spcPts val="100"/>
+                        </a:spcBef>
+                        <a:spcAft>
+                          <a:spcPts val="0"/>
+                        </a:spcAft>
+                        <a:buClrTx/>
+                        <a:buFontTx/>
+                        <a:buNone/>
+                        <a:defRPr/>
+                      </a:pPr>
+                      <a:r>
+                        <a:rPr lang="ko-KR" altLang="en-US" sz="1400">
+                          <a:solidFill>
+                            <a:schemeClr val="dk1"/>
+                          </a:solidFill>
+                        </a:rPr>
+                        <a:t>회원관리</a:t>
+                      </a:r>
+                      <a:endParaRPr lang="ko-KR" altLang="en-US" sz="1400">
+                        <a:solidFill>
+                          <a:schemeClr val="dk1"/>
+                        </a:solidFill>
+                      </a:endParaRPr>
+                    </a:p>
+                  </a:txBody>
+                  <a:tcPr marL="91440" marR="91440" anchor="ctr" anchorCtr="1">
+                    <a:lnL w="12700" cap="flat" cmpd="sng" algn="ctr">
+                      <a:solidFill>
+                        <a:schemeClr val="tx1"/>
+                      </a:solidFill>
+                      <a:prstDash val="solid"/>
+                      <a:round/>
+                      <a:headEnd w="med" len="med"/>
+                      <a:tailEnd w="med" len="med"/>
+                    </a:lnL>
+                    <a:lnR w="12700" cap="flat" cmpd="sng" algn="ctr">
+                      <a:solidFill>
+                        <a:schemeClr val="tx1"/>
+                      </a:solidFill>
+                      <a:prstDash val="solid"/>
+                      <a:round/>
+                      <a:headEnd w="med" len="med"/>
+                      <a:tailEnd w="med" len="med"/>
+                    </a:lnR>
+                    <a:lnT w="12700" cap="flat" cmpd="sng" algn="ctr">
+                      <a:solidFill>
+                        <a:schemeClr val="tx1"/>
+                      </a:solidFill>
+                      <a:prstDash val="solid"/>
+                      <a:round/>
+                      <a:headEnd w="med" len="med"/>
+                      <a:tailEnd w="med" len="med"/>
+                    </a:lnT>
+                    <a:lnB w="12700" cap="flat" cmpd="sng" algn="ctr">
+                      <a:solidFill>
+                        <a:schemeClr val="tx1"/>
+                      </a:solidFill>
+                      <a:prstDash val="solid"/>
+                      <a:round/>
+                      <a:headEnd w="med" len="med"/>
+                      <a:tailEnd w="med" len="med"/>
+                    </a:lnB>
+                    <a:solidFill>
+                      <a:srgbClr val="e0e0e0"/>
+                    </a:solidFill>
+                  </a:tcPr>
+                </a:tc>
+                <a:tc>
+                  <a:txBody>
+                    <a:bodyPr vert="horz" wrap="square" lIns="91440" tIns="45720" rIns="91440" bIns="45720" anchor="ctr" anchorCtr="1">
+                      <a:spAutoFit/>
+                    </a:bodyPr>
+                    <a:p>
+                      <a:pPr marL="0" marR="0" lvl="0" indent="0" algn="ctr" defTabSz="914400" rtl="0" eaLnBrk="1" latinLnBrk="1" hangingPunct="1">
+                        <a:lnSpc>
+                          <a:spcPct val="100000"/>
+                        </a:lnSpc>
+                        <a:spcBef>
+                          <a:spcPts val="100"/>
+                        </a:spcBef>
+                        <a:spcAft>
+                          <a:spcPts val="0"/>
+                        </a:spcAft>
+                        <a:buClrTx/>
+                        <a:buFontTx/>
+                        <a:buNone/>
+                        <a:defRPr/>
+                      </a:pPr>
+                      <a:r>
+                        <a:rPr lang="ko-KR" altLang="en-US" sz="1400">
+                          <a:solidFill>
+                            <a:schemeClr val="dk1"/>
+                          </a:solidFill>
+                        </a:rPr>
+                        <a:t>주문관리</a:t>
+                      </a:r>
+                      <a:endParaRPr lang="ko-KR" altLang="en-US" sz="1400">
+                        <a:solidFill>
+                          <a:schemeClr val="dk1"/>
+                        </a:solidFill>
+                      </a:endParaRPr>
+                    </a:p>
+                  </a:txBody>
+                  <a:tcPr marL="91440" marR="91440" anchor="ctr" anchorCtr="1">
+                    <a:lnL w="12700" cap="flat" cmpd="sng" algn="ctr">
+                      <a:solidFill>
+                        <a:schemeClr val="tx1"/>
+                      </a:solidFill>
+                      <a:prstDash val="solid"/>
+                      <a:round/>
+                      <a:headEnd w="med" len="med"/>
+                      <a:tailEnd w="med" len="med"/>
+                    </a:lnL>
+                    <a:lnR w="12700" cap="flat" cmpd="sng" algn="ctr">
+                      <a:solidFill>
+                        <a:schemeClr val="tx1"/>
+                      </a:solidFill>
+                      <a:prstDash val="solid"/>
+                      <a:round/>
+                      <a:headEnd w="med" len="med"/>
+                      <a:tailEnd w="med" len="med"/>
+                    </a:lnR>
+                    <a:lnT w="12700" cap="flat" cmpd="sng" algn="ctr">
+                      <a:solidFill>
+                        <a:schemeClr val="tx1"/>
+                      </a:solidFill>
+                      <a:prstDash val="solid"/>
+                      <a:round/>
+                      <a:headEnd w="med" len="med"/>
+                      <a:tailEnd w="med" len="med"/>
+                    </a:lnT>
+                    <a:lnB w="12700" cap="flat" cmpd="sng" algn="ctr">
+                      <a:solidFill>
+                        <a:schemeClr val="tx1"/>
+                      </a:solidFill>
+                      <a:prstDash val="solid"/>
+                      <a:round/>
+                      <a:headEnd w="med" len="med"/>
+                      <a:tailEnd w="med" len="med"/>
+                    </a:lnB>
+                    <a:solidFill>
+                      <a:srgbClr val="e0e0e0"/>
+                    </a:solidFill>
+                  </a:tcPr>
+                </a:tc>
+                <a:tc>
+                  <a:txBody>
+                    <a:bodyPr vert="horz" wrap="square" lIns="91440" tIns="45720" rIns="91440" bIns="45720" anchor="ctr" anchorCtr="1">
+                      <a:spAutoFit/>
+                    </a:bodyPr>
+                    <a:p>
+                      <a:pPr marL="0" marR="0" lvl="0" indent="0" algn="ctr" defTabSz="914400" rtl="0" eaLnBrk="1" latinLnBrk="1" hangingPunct="1">
+                        <a:lnSpc>
+                          <a:spcPct val="100000"/>
+                        </a:lnSpc>
+                        <a:spcBef>
+                          <a:spcPts val="100"/>
+                        </a:spcBef>
+                        <a:spcAft>
+                          <a:spcPts val="0"/>
+                        </a:spcAft>
+                        <a:buClrTx/>
+                        <a:buFontTx/>
+                        <a:buNone/>
+                        <a:defRPr/>
+                      </a:pPr>
+                      <a:r>
+                        <a:rPr lang="ko-KR" altLang="en-US" sz="1400">
+                          <a:solidFill>
+                            <a:schemeClr val="dk1"/>
+                          </a:solidFill>
+                        </a:rPr>
+                        <a:t>공지사항</a:t>
+                      </a:r>
+                      <a:endParaRPr lang="ko-KR" altLang="en-US" sz="1400">
+                        <a:solidFill>
+                          <a:schemeClr val="dk1"/>
+                        </a:solidFill>
+                      </a:endParaRPr>
+                    </a:p>
+                  </a:txBody>
+                  <a:tcPr marL="91440" marR="91440" anchor="ctr" anchorCtr="1">
+                    <a:lnL w="12700" cap="flat" cmpd="sng" algn="ctr">
+                      <a:solidFill>
+                        <a:schemeClr val="tx1"/>
+                      </a:solidFill>
+                      <a:prstDash val="solid"/>
+                      <a:round/>
+                      <a:headEnd w="med" len="med"/>
+                      <a:tailEnd w="med" len="med"/>
+                    </a:lnL>
+                    <a:lnR w="12700" cap="flat" cmpd="sng" algn="ctr">
+                      <a:solidFill>
+                        <a:schemeClr val="tx1"/>
+                      </a:solidFill>
+                      <a:prstDash val="solid"/>
+                      <a:round/>
+                      <a:headEnd w="med" len="med"/>
+                      <a:tailEnd w="med" len="med"/>
+                    </a:lnR>
+                    <a:lnT w="12700" cap="flat" cmpd="sng" algn="ctr">
+                      <a:solidFill>
+                        <a:schemeClr val="tx1"/>
+                      </a:solidFill>
+                      <a:prstDash val="solid"/>
+                      <a:round/>
+                      <a:headEnd w="med" len="med"/>
+                      <a:tailEnd w="med" len="med"/>
+                    </a:lnT>
+                    <a:lnB w="12700" cap="flat" cmpd="sng" algn="ctr">
+                      <a:solidFill>
+                        <a:schemeClr val="tx1"/>
+                      </a:solidFill>
+                      <a:prstDash val="solid"/>
+                      <a:round/>
+                      <a:headEnd w="med" len="med"/>
+                      <a:tailEnd w="med" len="med"/>
+                    </a:lnB>
+                    <a:solidFill>
+                      <a:srgbClr val="e0e0e0"/>
+                    </a:solidFill>
+                  </a:tcPr>
+                </a:tc>
+                <a:tc>
+                  <a:txBody>
+                    <a:bodyPr vert="horz" wrap="square" lIns="91440" tIns="45720" rIns="91440" bIns="45720" anchor="ctr" anchorCtr="1">
+                      <a:spAutoFit/>
+                    </a:bodyPr>
+                    <a:p>
+                      <a:pPr marL="0" marR="0" lvl="0" indent="0" algn="ctr" defTabSz="914400" rtl="0" eaLnBrk="1" latinLnBrk="1" hangingPunct="1">
+                        <a:lnSpc>
+                          <a:spcPct val="100000"/>
+                        </a:lnSpc>
+                        <a:spcBef>
+                          <a:spcPts val="100"/>
+                        </a:spcBef>
+                        <a:spcAft>
+                          <a:spcPts val="0"/>
+                        </a:spcAft>
+                        <a:buClrTx/>
+                        <a:buFontTx/>
+                        <a:buNone/>
+                        <a:defRPr/>
+                      </a:pPr>
+                      <a:r>
+                        <a:rPr lang="ko-KR" altLang="en-US" sz="1400">
+                          <a:solidFill>
+                            <a:schemeClr val="dk1"/>
+                          </a:solidFill>
+                        </a:rPr>
+                        <a:t>상품관리</a:t>
+                      </a:r>
+                      <a:endParaRPr lang="ko-KR" altLang="en-US" sz="1400">
+                        <a:solidFill>
+                          <a:schemeClr val="dk1"/>
+                        </a:solidFill>
+                      </a:endParaRPr>
+                    </a:p>
+                  </a:txBody>
+                  <a:tcPr marL="91440" marR="91440" anchor="ctr" anchorCtr="1">
+                    <a:lnL w="12700" cap="flat" cmpd="sng" algn="ctr">
+                      <a:solidFill>
+                        <a:schemeClr val="tx1"/>
+                      </a:solidFill>
+                      <a:prstDash val="solid"/>
+                      <a:round/>
+                      <a:headEnd w="med" len="med"/>
+                      <a:tailEnd w="med" len="med"/>
+                    </a:lnL>
+                    <a:lnR w="12700" cap="flat" cmpd="sng" algn="ctr">
+                      <a:solidFill>
+                        <a:schemeClr val="tx1"/>
+                      </a:solidFill>
+                      <a:prstDash val="solid"/>
+                      <a:round/>
+                      <a:headEnd w="med" len="med"/>
+                      <a:tailEnd w="med" len="med"/>
+                    </a:lnR>
+                    <a:lnT w="12700" cap="flat" cmpd="sng" algn="ctr">
+                      <a:solidFill>
+                        <a:schemeClr val="tx1"/>
+                      </a:solidFill>
+                      <a:prstDash val="solid"/>
+                      <a:round/>
+                      <a:headEnd w="med" len="med"/>
+                      <a:tailEnd w="med" len="med"/>
+                    </a:lnT>
+                    <a:lnB w="12700" cap="flat" cmpd="sng" algn="ctr">
+                      <a:solidFill>
+                        <a:schemeClr val="tx1"/>
+                      </a:solidFill>
+                      <a:prstDash val="solid"/>
+                      <a:round/>
+                      <a:headEnd w="med" len="med"/>
+                      <a:tailEnd w="med" len="med"/>
+                    </a:lnB>
+                    <a:solidFill>
+                      <a:srgbClr val="e0e0e0"/>
+                    </a:solidFill>
+                  </a:tcPr>
+                </a:tc>
+                <a:tc>
+                  <a:txBody>
+                    <a:bodyPr vert="horz" wrap="square" lIns="91440" tIns="45720" rIns="91440" bIns="45720" anchor="ctr" anchorCtr="1">
+                      <a:spAutoFit/>
+                    </a:bodyPr>
+                    <a:p>
+                      <a:pPr marL="0" marR="0" lvl="0" indent="0" algn="ctr" defTabSz="914400" rtl="0" eaLnBrk="1" latinLnBrk="1" hangingPunct="1">
+                        <a:lnSpc>
+                          <a:spcPct val="100000"/>
+                        </a:lnSpc>
+                        <a:spcBef>
+                          <a:spcPts val="100"/>
+                        </a:spcBef>
+                        <a:spcAft>
+                          <a:spcPts val="0"/>
+                        </a:spcAft>
+                        <a:buClrTx/>
+                        <a:buFontTx/>
+                        <a:buNone/>
+                        <a:defRPr/>
+                      </a:pPr>
+                      <a:r>
+                        <a:rPr lang="ko-KR" altLang="en-US" sz="1400">
+                          <a:solidFill>
+                            <a:schemeClr val="dk1"/>
+                          </a:solidFill>
+                        </a:rPr>
+                        <a:t>고객 문의</a:t>
+                      </a:r>
+                      <a:endParaRPr lang="ko-KR" altLang="en-US" sz="1400">
+                        <a:solidFill>
+                          <a:schemeClr val="dk1"/>
+                        </a:solidFill>
+                      </a:endParaRPr>
+                    </a:p>
+                  </a:txBody>
+                  <a:tcPr marL="91440" marR="91440" anchor="ctr" anchorCtr="1">
+                    <a:lnL w="12700" cap="flat" cmpd="sng" algn="ctr">
+                      <a:solidFill>
+                        <a:schemeClr val="tx1"/>
+                      </a:solidFill>
+                      <a:prstDash val="solid"/>
+                      <a:round/>
+                      <a:headEnd w="med" len="med"/>
+                      <a:tailEnd w="med" len="med"/>
+                    </a:lnL>
+                    <a:lnR w="12700" cap="flat" cmpd="sng" algn="ctr">
+                      <a:solidFill>
+                        <a:schemeClr val="tx1"/>
+                      </a:solidFill>
+                      <a:prstDash val="solid"/>
+                      <a:round/>
+                      <a:headEnd w="med" len="med"/>
+                      <a:tailEnd w="med" len="med"/>
+                    </a:lnR>
+                    <a:lnT w="12700" cap="flat" cmpd="sng" algn="ctr">
+                      <a:solidFill>
+                        <a:schemeClr val="tx1"/>
+                      </a:solidFill>
+                      <a:prstDash val="solid"/>
+                      <a:round/>
+                      <a:headEnd w="med" len="med"/>
+                      <a:tailEnd w="med" len="med"/>
+                    </a:lnT>
+                    <a:lnB w="12700" cap="flat" cmpd="sng" algn="ctr">
+                      <a:solidFill>
+                        <a:schemeClr val="tx1"/>
+                      </a:solidFill>
+                      <a:prstDash val="solid"/>
+                      <a:round/>
+                      <a:headEnd w="med" len="med"/>
+                      <a:tailEnd w="med" len="med"/>
+                    </a:lnB>
+                    <a:solidFill>
+                      <a:srgbClr val="e0e0e0"/>
+                    </a:solidFill>
+                  </a:tcPr>
+                </a:tc>
+              </a:tr>
+              <a:tr h="1328699">
+                <a:tc>
+                  <a:txBody>
+                    <a:bodyPr vert="horz" wrap="square" lIns="91440" tIns="45720" rIns="91440" bIns="45720" anchor="ctr" anchorCtr="1">
+                      <a:spAutoFit/>
+                    </a:bodyPr>
+                    <a:p>
+                      <a:pPr marL="0" marR="0" lvl="0" indent="0" algn="ctr" defTabSz="914400" rtl="0" eaLnBrk="1" latinLnBrk="1" hangingPunct="1">
+                        <a:lnSpc>
+                          <a:spcPct val="100000"/>
+                        </a:lnSpc>
+                        <a:spcBef>
+                          <a:spcPts val="100"/>
+                        </a:spcBef>
+                        <a:spcAft>
+                          <a:spcPts val="0"/>
+                        </a:spcAft>
+                        <a:buClrTx/>
+                        <a:buFontTx/>
+                        <a:buNone/>
+                        <a:defRPr/>
+                      </a:pPr>
+                      <a:r>
+                        <a:rPr lang="ko-KR" altLang="en-US" sz="1400">
+                          <a:solidFill>
+                            <a:schemeClr val="dk1"/>
+                          </a:solidFill>
+                        </a:rPr>
+                        <a:t>회원 목록</a:t>
+                      </a:r>
+                      <a:endParaRPr lang="ko-KR" altLang="en-US" sz="1400">
+                        <a:solidFill>
+                          <a:schemeClr val="dk1"/>
+                        </a:solidFill>
+                      </a:endParaRPr>
+                    </a:p>
+                    <a:p>
+                      <a:pPr marL="0" marR="0" lvl="0" indent="0" algn="ctr" defTabSz="914400" rtl="0" eaLnBrk="1" latinLnBrk="1" hangingPunct="1">
+                        <a:lnSpc>
+                          <a:spcPct val="100000"/>
+                        </a:lnSpc>
+                        <a:spcBef>
+                          <a:spcPts val="100"/>
+                        </a:spcBef>
+                        <a:spcAft>
+                          <a:spcPts val="0"/>
+                        </a:spcAft>
+                        <a:buClrTx/>
+                        <a:buFontTx/>
+                        <a:buNone/>
+                        <a:defRPr/>
+                      </a:pPr>
+                      <a:endParaRPr lang="ko-KR" altLang="en-US" sz="1400">
+                        <a:solidFill>
+                          <a:schemeClr val="dk1"/>
+                        </a:solidFill>
+                      </a:endParaRPr>
+                    </a:p>
+                    <a:p>
+                      <a:pPr marL="0" marR="0" lvl="0" indent="0" defTabSz="914400" rtl="0" eaLnBrk="1" latinLnBrk="1" hangingPunct="1">
+                        <a:lnSpc>
+                          <a:spcPct val="100000"/>
+                        </a:lnSpc>
+                        <a:spcBef>
+                          <a:spcPts val="100"/>
+                        </a:spcBef>
+                        <a:spcAft>
+                          <a:spcPts val="0"/>
+                        </a:spcAft>
+                        <a:buClrTx/>
+                        <a:buFontTx/>
+                        <a:buNone/>
+                        <a:defRPr/>
+                      </a:pPr>
+                      <a:r>
+                        <a:rPr lang="en-US" altLang="ko-KR" sz="1200">
+                          <a:solidFill>
+                            <a:schemeClr val="dk1"/>
+                          </a:solidFill>
+                        </a:rPr>
+                        <a:t>*</a:t>
+                      </a:r>
+                      <a:r>
+                        <a:rPr lang="ko-KR" altLang="en-US" sz="1200">
+                          <a:solidFill>
+                            <a:schemeClr val="dk1"/>
+                          </a:solidFill>
+                        </a:rPr>
+                        <a:t> 회원 정보</a:t>
+                      </a:r>
+                      <a:endParaRPr lang="ko-KR" altLang="en-US" sz="1200">
+                        <a:solidFill>
+                          <a:schemeClr val="dk1"/>
+                        </a:solidFill>
+                      </a:endParaRPr>
+                    </a:p>
+                    <a:p>
+                      <a:pPr marL="0" marR="0" lvl="0" indent="0" defTabSz="914400" rtl="0" eaLnBrk="1" latinLnBrk="1" hangingPunct="1">
+                        <a:lnSpc>
+                          <a:spcPct val="100000"/>
+                        </a:lnSpc>
+                        <a:spcBef>
+                          <a:spcPts val="100"/>
+                        </a:spcBef>
+                        <a:spcAft>
+                          <a:spcPts val="0"/>
+                        </a:spcAft>
+                        <a:buClrTx/>
+                        <a:buFontTx/>
+                        <a:buNone/>
+                        <a:defRPr/>
+                      </a:pPr>
+                      <a:r>
+                        <a:rPr lang="en-US" altLang="ko-KR" sz="1200">
+                          <a:solidFill>
+                            <a:schemeClr val="dk1"/>
+                          </a:solidFill>
+                        </a:rPr>
+                        <a:t>-</a:t>
+                      </a:r>
+                      <a:r>
+                        <a:rPr lang="ko-KR" altLang="en-US" sz="1200">
+                          <a:solidFill>
+                            <a:schemeClr val="dk1"/>
+                          </a:solidFill>
+                        </a:rPr>
+                        <a:t> 회원 결제 횟수</a:t>
+                      </a:r>
+                      <a:endParaRPr lang="ko-KR" altLang="en-US" sz="1200">
+                        <a:solidFill>
+                          <a:schemeClr val="dk1"/>
+                        </a:solidFill>
+                      </a:endParaRPr>
+                    </a:p>
+                    <a:p>
+                      <a:pPr marL="0" marR="0" lvl="0" indent="0" defTabSz="914400" rtl="0" eaLnBrk="1" latinLnBrk="1" hangingPunct="1">
+                        <a:lnSpc>
+                          <a:spcPct val="100000"/>
+                        </a:lnSpc>
+                        <a:spcBef>
+                          <a:spcPts val="100"/>
+                        </a:spcBef>
+                        <a:spcAft>
+                          <a:spcPts val="0"/>
+                        </a:spcAft>
+                        <a:buClrTx/>
+                        <a:buFontTx/>
+                        <a:buNone/>
+                        <a:defRPr/>
+                      </a:pPr>
+                      <a:r>
+                        <a:rPr lang="en-US" altLang="ko-KR" sz="1200">
+                          <a:solidFill>
+                            <a:schemeClr val="dk1"/>
+                          </a:solidFill>
+                        </a:rPr>
+                        <a:t>-</a:t>
+                      </a:r>
+                      <a:r>
+                        <a:rPr lang="ko-KR" altLang="en-US" sz="1200">
+                          <a:solidFill>
+                            <a:schemeClr val="dk1"/>
+                          </a:solidFill>
+                        </a:rPr>
+                        <a:t> 회원 사용 금액</a:t>
+                      </a:r>
+                      <a:endParaRPr lang="ko-KR" altLang="en-US" sz="1200">
+                        <a:solidFill>
+                          <a:schemeClr val="dk1"/>
+                        </a:solidFill>
+                      </a:endParaRPr>
+                    </a:p>
+                    <a:p>
+                      <a:pPr marL="0" marR="0" lvl="0" indent="0" defTabSz="914400" rtl="0" eaLnBrk="1" latinLnBrk="1" hangingPunct="1">
+                        <a:lnSpc>
+                          <a:spcPct val="100000"/>
+                        </a:lnSpc>
+                        <a:spcBef>
+                          <a:spcPts val="100"/>
+                        </a:spcBef>
+                        <a:spcAft>
+                          <a:spcPts val="0"/>
+                        </a:spcAft>
+                        <a:buClrTx/>
+                        <a:buFontTx/>
+                        <a:buNone/>
+                        <a:defRPr/>
+                      </a:pPr>
+                      <a:r>
+                        <a:rPr lang="en-US" altLang="ko-KR" sz="1200">
+                          <a:solidFill>
+                            <a:schemeClr val="dk1"/>
+                          </a:solidFill>
+                        </a:rPr>
+                        <a:t>-</a:t>
+                      </a:r>
+                      <a:r>
+                        <a:rPr lang="ko-KR" altLang="en-US" sz="1200">
+                          <a:solidFill>
+                            <a:schemeClr val="dk1"/>
+                          </a:solidFill>
+                        </a:rPr>
+                        <a:t> 회원 배송지</a:t>
+                      </a:r>
+                      <a:endParaRPr lang="ko-KR" altLang="en-US" sz="1200">
+                        <a:solidFill>
+                          <a:schemeClr val="dk1"/>
+                        </a:solidFill>
+                      </a:endParaRPr>
+                    </a:p>
+                    <a:p>
+                      <a:pPr marL="0" marR="0" lvl="0" indent="0" defTabSz="914400" rtl="0" eaLnBrk="1" latinLnBrk="1" hangingPunct="1">
+                        <a:lnSpc>
+                          <a:spcPct val="100000"/>
+                        </a:lnSpc>
+                        <a:spcBef>
+                          <a:spcPts val="100"/>
+                        </a:spcBef>
+                        <a:spcAft>
+                          <a:spcPts val="0"/>
+                        </a:spcAft>
+                        <a:buClrTx/>
+                        <a:buFontTx/>
+                        <a:buNone/>
+                        <a:defRPr/>
+                      </a:pPr>
+                      <a:r>
+                        <a:rPr lang="en-US" altLang="ko-KR" sz="1200">
+                          <a:solidFill>
+                            <a:schemeClr val="dk1"/>
+                          </a:solidFill>
+                        </a:rPr>
+                        <a:t>-</a:t>
+                      </a:r>
+                      <a:r>
+                        <a:rPr lang="ko-KR" altLang="en-US" sz="1200">
+                          <a:solidFill>
+                            <a:schemeClr val="dk1"/>
+                          </a:solidFill>
+                        </a:rPr>
+                        <a:t> 잔여 포인트</a:t>
+                      </a:r>
+                      <a:endParaRPr lang="ko-KR" altLang="en-US" sz="1200">
+                        <a:solidFill>
+                          <a:schemeClr val="dk1"/>
+                        </a:solidFill>
+                      </a:endParaRPr>
+                    </a:p>
+                    <a:p>
+                      <a:pPr marL="0" marR="0" lvl="0" indent="0" defTabSz="914400" rtl="0" eaLnBrk="1" latinLnBrk="1" hangingPunct="1">
+                        <a:lnSpc>
+                          <a:spcPct val="100000"/>
+                        </a:lnSpc>
+                        <a:spcBef>
+                          <a:spcPts val="100"/>
+                        </a:spcBef>
+                        <a:spcAft>
+                          <a:spcPts val="0"/>
+                        </a:spcAft>
+                        <a:buClrTx/>
+                        <a:buFontTx/>
+                        <a:buNone/>
+                        <a:defRPr/>
+                      </a:pPr>
+                      <a:r>
+                        <a:rPr lang="en-US" altLang="ko-KR" sz="1200">
+                          <a:solidFill>
+                            <a:schemeClr val="dk1"/>
+                          </a:solidFill>
+                        </a:rPr>
+                        <a:t>-</a:t>
+                      </a:r>
+                      <a:r>
+                        <a:rPr lang="ko-KR" altLang="en-US" sz="1200">
+                          <a:solidFill>
+                            <a:schemeClr val="dk1"/>
+                          </a:solidFill>
+                        </a:rPr>
+                        <a:t> 쿠폰 내역</a:t>
+                      </a:r>
+                      <a:endParaRPr lang="ko-KR" altLang="en-US" sz="1200">
+                        <a:solidFill>
+                          <a:schemeClr val="dk1"/>
+                        </a:solidFill>
+                      </a:endParaRPr>
+                    </a:p>
+                    <a:p>
+                      <a:pPr marL="0" marR="0" lvl="0" indent="0" defTabSz="914400" rtl="0" eaLnBrk="1" latinLnBrk="1" hangingPunct="1">
+                        <a:lnSpc>
+                          <a:spcPct val="100000"/>
+                        </a:lnSpc>
+                        <a:spcBef>
+                          <a:spcPts val="100"/>
+                        </a:spcBef>
+                        <a:spcAft>
+                          <a:spcPts val="0"/>
+                        </a:spcAft>
+                        <a:buClrTx/>
+                        <a:buFontTx/>
+                        <a:buNone/>
+                        <a:defRPr/>
+                      </a:pPr>
+                      <a:r>
+                        <a:rPr lang="en-US" altLang="ko-KR" sz="1200">
+                          <a:solidFill>
+                            <a:schemeClr val="dk1"/>
+                          </a:solidFill>
+                        </a:rPr>
+                        <a:t>-</a:t>
+                      </a:r>
+                      <a:r>
+                        <a:rPr lang="ko-KR" altLang="en-US" sz="1200">
+                          <a:solidFill>
+                            <a:schemeClr val="dk1"/>
+                          </a:solidFill>
+                        </a:rPr>
+                        <a:t> 기본 정보</a:t>
+                      </a:r>
+                      <a:endParaRPr lang="ko-KR" altLang="en-US" sz="1200">
+                        <a:solidFill>
+                          <a:schemeClr val="dk1"/>
+                        </a:solidFill>
+                      </a:endParaRPr>
+                    </a:p>
+                  </a:txBody>
+                  <a:tcPr marL="91440" marR="91440" anchor="ctr" anchorCtr="1">
+                    <a:lnL w="12700" cap="flat" cmpd="sng" algn="ctr">
+                      <a:solidFill>
+                        <a:schemeClr val="tx1"/>
+                      </a:solidFill>
+                      <a:prstDash val="solid"/>
+                      <a:round/>
+                      <a:headEnd w="med" len="med"/>
+                      <a:tailEnd w="med" len="med"/>
+                    </a:lnL>
+                    <a:lnR w="12700" cap="flat" cmpd="sng" algn="ctr">
+                      <a:solidFill>
+                        <a:schemeClr val="tx1"/>
+                      </a:solidFill>
+                      <a:prstDash val="solid"/>
+                      <a:round/>
+                      <a:headEnd w="med" len="med"/>
+                      <a:tailEnd w="med" len="med"/>
+                    </a:lnR>
+                    <a:lnT w="12700" cap="flat" cmpd="sng" algn="ctr">
+                      <a:solidFill>
+                        <a:schemeClr val="tx1"/>
+                      </a:solidFill>
+                      <a:prstDash val="solid"/>
+                      <a:round/>
+                      <a:headEnd w="med" len="med"/>
+                      <a:tailEnd w="med" len="med"/>
+                    </a:lnT>
+                    <a:lnB w="12700" cap="flat" cmpd="sng" algn="ctr">
+                      <a:solidFill>
+                        <a:schemeClr val="tx1"/>
+                      </a:solidFill>
+                      <a:prstDash val="solid"/>
+                      <a:round/>
+                      <a:headEnd w="med" len="med"/>
+                      <a:tailEnd w="med" len="med"/>
+                    </a:lnB>
+                    <a:solidFill>
+                      <a:schemeClr val="lt1"/>
+                    </a:solidFill>
+                  </a:tcPr>
+                </a:tc>
+                <a:tc>
+                  <a:txBody>
+                    <a:bodyPr vert="horz" wrap="square" lIns="91440" tIns="45720" rIns="91440" bIns="45720" anchor="ctr" anchorCtr="1">
+                      <a:spAutoFit/>
+                    </a:bodyPr>
+                    <a:p>
+                      <a:pPr marL="0" marR="0" lvl="0" indent="0" algn="ctr" defTabSz="914400" rtl="0" eaLnBrk="1" latinLnBrk="1" hangingPunct="1">
+                        <a:lnSpc>
+                          <a:spcPct val="100000"/>
+                        </a:lnSpc>
+                        <a:spcBef>
+                          <a:spcPts val="100"/>
+                        </a:spcBef>
+                        <a:spcAft>
+                          <a:spcPts val="0"/>
+                        </a:spcAft>
+                        <a:buClrTx/>
+                        <a:buFontTx/>
+                        <a:buNone/>
+                        <a:defRPr/>
+                      </a:pPr>
+                      <a:r>
+                        <a:rPr lang="ko-KR" altLang="en-US" sz="1400">
+                          <a:solidFill>
+                            <a:schemeClr val="dk1"/>
+                          </a:solidFill>
+                        </a:rPr>
+                        <a:t>주문 내역</a:t>
+                      </a:r>
+                      <a:endParaRPr lang="ko-KR" altLang="en-US" sz="1400">
+                        <a:solidFill>
+                          <a:schemeClr val="dk1"/>
+                        </a:solidFill>
+                      </a:endParaRPr>
+                    </a:p>
+                    <a:p>
+                      <a:pPr marL="0" marR="0" lvl="0" indent="0" algn="ctr" defTabSz="914400" rtl="0" eaLnBrk="1" latinLnBrk="1" hangingPunct="1">
+                        <a:lnSpc>
+                          <a:spcPct val="100000"/>
+                        </a:lnSpc>
+                        <a:spcBef>
+                          <a:spcPts val="100"/>
+                        </a:spcBef>
+                        <a:spcAft>
+                          <a:spcPts val="0"/>
+                        </a:spcAft>
+                        <a:buClrTx/>
+                        <a:buFontTx/>
+                        <a:buNone/>
+                        <a:defRPr/>
+                      </a:pPr>
+                      <a:endParaRPr lang="ko-KR" altLang="en-US" sz="1400">
+                        <a:solidFill>
+                          <a:schemeClr val="dk1"/>
+                        </a:solidFill>
+                      </a:endParaRPr>
+                    </a:p>
+                    <a:p>
+                      <a:pPr marL="0" marR="0" lvl="0" indent="0" defTabSz="914400" rtl="0" eaLnBrk="1" latinLnBrk="1" hangingPunct="1">
+                        <a:lnSpc>
+                          <a:spcPct val="100000"/>
+                        </a:lnSpc>
+                        <a:spcBef>
+                          <a:spcPts val="100"/>
+                        </a:spcBef>
+                        <a:spcAft>
+                          <a:spcPts val="0"/>
+                        </a:spcAft>
+                        <a:buClrTx/>
+                        <a:buFontTx/>
+                        <a:buNone/>
+                        <a:defRPr/>
+                      </a:pPr>
+                      <a:r>
+                        <a:rPr lang="en-US" altLang="ko-KR" sz="1200">
+                          <a:solidFill>
+                            <a:schemeClr val="dk1"/>
+                          </a:solidFill>
+                        </a:rPr>
+                        <a:t>*</a:t>
+                      </a:r>
+                      <a:r>
+                        <a:rPr lang="ko-KR" altLang="en-US" sz="1200">
+                          <a:solidFill>
+                            <a:schemeClr val="dk1"/>
+                          </a:solidFill>
+                        </a:rPr>
+                        <a:t> 주문 정보</a:t>
+                      </a:r>
+                      <a:endParaRPr lang="ko-KR" altLang="en-US" sz="1200">
+                        <a:solidFill>
+                          <a:schemeClr val="dk1"/>
+                        </a:solidFill>
+                      </a:endParaRPr>
+                    </a:p>
+                    <a:p>
+                      <a:pPr marL="0" marR="0" lvl="0" indent="0" defTabSz="914400" rtl="0" eaLnBrk="1" latinLnBrk="1" hangingPunct="1">
+                        <a:lnSpc>
+                          <a:spcPct val="100000"/>
+                        </a:lnSpc>
+                        <a:spcBef>
+                          <a:spcPts val="100"/>
+                        </a:spcBef>
+                        <a:spcAft>
+                          <a:spcPts val="0"/>
+                        </a:spcAft>
+                        <a:buClrTx/>
+                        <a:buFontTx/>
+                        <a:buNone/>
+                        <a:defRPr/>
+                      </a:pPr>
+                      <a:r>
+                        <a:rPr lang="en-US" altLang="ko-KR" sz="1200">
+                          <a:solidFill>
+                            <a:schemeClr val="dk1"/>
+                          </a:solidFill>
+                        </a:rPr>
+                        <a:t>-</a:t>
+                      </a:r>
+                      <a:r>
+                        <a:rPr lang="ko-KR" altLang="en-US" sz="1200">
+                          <a:solidFill>
+                            <a:schemeClr val="dk1"/>
+                          </a:solidFill>
+                        </a:rPr>
+                        <a:t> 상품별 주문 내역</a:t>
+                      </a:r>
+                      <a:endParaRPr lang="ko-KR" altLang="en-US" sz="1200">
+                        <a:solidFill>
+                          <a:schemeClr val="dk1"/>
+                        </a:solidFill>
+                      </a:endParaRPr>
+                    </a:p>
+                    <a:p>
+                      <a:pPr marL="0" marR="0" lvl="0" indent="0" defTabSz="914400" rtl="0" eaLnBrk="1" latinLnBrk="1" hangingPunct="1">
+                        <a:lnSpc>
+                          <a:spcPct val="100000"/>
+                        </a:lnSpc>
+                        <a:spcBef>
+                          <a:spcPts val="100"/>
+                        </a:spcBef>
+                        <a:spcAft>
+                          <a:spcPts val="0"/>
+                        </a:spcAft>
+                        <a:buClrTx/>
+                        <a:buFontTx/>
+                        <a:buNone/>
+                        <a:defRPr/>
+                      </a:pPr>
+                      <a:r>
+                        <a:rPr lang="en-US" altLang="ko-KR" sz="1200">
+                          <a:solidFill>
+                            <a:schemeClr val="dk1"/>
+                          </a:solidFill>
+                        </a:rPr>
+                        <a:t>-</a:t>
+                      </a:r>
+                      <a:r>
+                        <a:rPr lang="ko-KR" altLang="en-US" sz="1200">
+                          <a:solidFill>
+                            <a:schemeClr val="dk1"/>
+                          </a:solidFill>
+                        </a:rPr>
+                        <a:t> 기간별 주문 내역</a:t>
+                      </a:r>
+                      <a:endParaRPr lang="ko-KR" altLang="en-US" sz="1200">
+                        <a:solidFill>
+                          <a:schemeClr val="dk1"/>
+                        </a:solidFill>
+                      </a:endParaRPr>
+                    </a:p>
+                    <a:p>
+                      <a:pPr marL="0" marR="0" lvl="0" indent="0" algn="ctr" defTabSz="914400" rtl="0" eaLnBrk="1" latinLnBrk="1" hangingPunct="1">
+                        <a:lnSpc>
+                          <a:spcPct val="100000"/>
+                        </a:lnSpc>
+                        <a:spcBef>
+                          <a:spcPts val="100"/>
+                        </a:spcBef>
+                        <a:spcAft>
+                          <a:spcPts val="0"/>
+                        </a:spcAft>
+                        <a:buClrTx/>
+                        <a:buFontTx/>
+                        <a:buNone/>
+                        <a:defRPr/>
+                      </a:pPr>
+                      <a:endParaRPr lang="ko-KR" altLang="en-US" sz="1200">
+                        <a:solidFill>
+                          <a:schemeClr val="dk1"/>
+                        </a:solidFill>
+                      </a:endParaRPr>
+                    </a:p>
+                  </a:txBody>
+                  <a:tcPr marL="91440" marR="91440" anchor="ctr" anchorCtr="1">
+                    <a:lnL w="12700" cap="flat" cmpd="sng" algn="ctr">
+                      <a:solidFill>
+                        <a:schemeClr val="tx1"/>
+                      </a:solidFill>
+                      <a:prstDash val="solid"/>
+                      <a:round/>
+                      <a:headEnd w="med" len="med"/>
+                      <a:tailEnd w="med" len="med"/>
+                    </a:lnL>
+                    <a:lnR w="12700" cap="flat" cmpd="sng" algn="ctr">
+                      <a:solidFill>
+                        <a:schemeClr val="tx1"/>
+                      </a:solidFill>
+                      <a:prstDash val="solid"/>
+                      <a:round/>
+                      <a:headEnd w="med" len="med"/>
+                      <a:tailEnd w="med" len="med"/>
+                    </a:lnR>
+                    <a:lnT w="12700" cap="flat" cmpd="sng" algn="ctr">
+                      <a:solidFill>
+                        <a:schemeClr val="tx1"/>
+                      </a:solidFill>
+                      <a:prstDash val="solid"/>
+                      <a:round/>
+                      <a:headEnd w="med" len="med"/>
+                      <a:tailEnd w="med" len="med"/>
+                    </a:lnT>
+                    <a:lnB w="12700" cap="flat" cmpd="sng" algn="ctr">
+                      <a:solidFill>
+                        <a:schemeClr val="tx1"/>
+                      </a:solidFill>
+                      <a:prstDash val="solid"/>
+                      <a:round/>
+                      <a:headEnd w="med" len="med"/>
+                      <a:tailEnd w="med" len="med"/>
+                    </a:lnB>
+                    <a:solidFill>
+                      <a:schemeClr val="lt1"/>
+                    </a:solidFill>
+                  </a:tcPr>
+                </a:tc>
+                <a:tc>
+                  <a:txBody>
+                    <a:bodyPr vert="horz" wrap="square" lIns="91440" tIns="45720" rIns="91440" bIns="45720" anchor="ctr" anchorCtr="1">
+                      <a:spAutoFit/>
+                    </a:bodyPr>
+                    <a:p>
+                      <a:pPr marL="0" marR="0" lvl="0" indent="0" algn="ctr" defTabSz="914400" rtl="0" eaLnBrk="1" latinLnBrk="1" hangingPunct="1">
+                        <a:lnSpc>
+                          <a:spcPct val="100000"/>
+                        </a:lnSpc>
+                        <a:spcBef>
+                          <a:spcPts val="100"/>
+                        </a:spcBef>
+                        <a:spcAft>
+                          <a:spcPts val="0"/>
+                        </a:spcAft>
+                        <a:buClrTx/>
+                        <a:buFontTx/>
+                        <a:buNone/>
+                        <a:defRPr/>
+                      </a:pPr>
+                      <a:r>
+                        <a:rPr lang="ko-KR" altLang="en-US" sz="1400">
+                          <a:solidFill>
+                            <a:schemeClr val="dk1"/>
+                          </a:solidFill>
+                        </a:rPr>
+                        <a:t>글 관리</a:t>
+                      </a:r>
+                      <a:endParaRPr lang="ko-KR" altLang="en-US" sz="1400">
+                        <a:solidFill>
+                          <a:schemeClr val="dk1"/>
+                        </a:solidFill>
+                      </a:endParaRPr>
+                    </a:p>
+                    <a:p>
+                      <a:pPr marL="0" marR="0" lvl="0" indent="0" algn="ctr" defTabSz="914400" rtl="0" eaLnBrk="1" latinLnBrk="1" hangingPunct="1">
+                        <a:lnSpc>
+                          <a:spcPct val="100000"/>
+                        </a:lnSpc>
+                        <a:spcBef>
+                          <a:spcPts val="100"/>
+                        </a:spcBef>
+                        <a:spcAft>
+                          <a:spcPts val="0"/>
+                        </a:spcAft>
+                        <a:buClrTx/>
+                        <a:buFontTx/>
+                        <a:buNone/>
+                        <a:defRPr/>
+                      </a:pPr>
+                      <a:endParaRPr lang="ko-KR" altLang="en-US" sz="1200">
+                        <a:solidFill>
+                          <a:schemeClr val="dk1"/>
+                        </a:solidFill>
+                      </a:endParaRPr>
+                    </a:p>
+                  </a:txBody>
+                  <a:tcPr marL="91440" marR="91440" anchor="ctr" anchorCtr="1">
+                    <a:lnL w="12700" cap="flat" cmpd="sng" algn="ctr">
+                      <a:solidFill>
+                        <a:schemeClr val="tx1"/>
+                      </a:solidFill>
+                      <a:prstDash val="solid"/>
+                      <a:round/>
+                      <a:headEnd w="med" len="med"/>
+                      <a:tailEnd w="med" len="med"/>
+                    </a:lnL>
+                    <a:lnR w="12700" cap="flat" cmpd="sng" algn="ctr">
+                      <a:solidFill>
+                        <a:schemeClr val="tx1"/>
+                      </a:solidFill>
+                      <a:prstDash val="solid"/>
+                      <a:round/>
+                      <a:headEnd w="med" len="med"/>
+                      <a:tailEnd w="med" len="med"/>
+                    </a:lnR>
+                    <a:lnT w="12700" cap="flat" cmpd="sng" algn="ctr">
+                      <a:solidFill>
+                        <a:schemeClr val="tx1"/>
+                      </a:solidFill>
+                      <a:prstDash val="solid"/>
+                      <a:round/>
+                      <a:headEnd w="med" len="med"/>
+                      <a:tailEnd w="med" len="med"/>
+                    </a:lnT>
+                    <a:lnB w="12700" cap="flat" cmpd="sng" algn="ctr">
+                      <a:solidFill>
+                        <a:schemeClr val="tx1"/>
+                      </a:solidFill>
+                      <a:prstDash val="solid"/>
+                      <a:round/>
+                      <a:headEnd w="med" len="med"/>
+                      <a:tailEnd w="med" len="med"/>
+                    </a:lnB>
+                    <a:solidFill>
+                      <a:schemeClr val="lt1"/>
+                    </a:solidFill>
+                  </a:tcPr>
+                </a:tc>
+                <a:tc>
+                  <a:txBody>
+                    <a:bodyPr vert="horz" wrap="square" lIns="91440" tIns="45720" rIns="91440" bIns="45720" anchor="ctr" anchorCtr="1">
+                      <a:spAutoFit/>
+                    </a:bodyPr>
+                    <a:p>
+                      <a:pPr marL="0" marR="0" lvl="0" indent="0" algn="ctr" defTabSz="914400" rtl="0" eaLnBrk="1" latinLnBrk="1" hangingPunct="1">
+                        <a:lnSpc>
+                          <a:spcPct val="100000"/>
+                        </a:lnSpc>
+                        <a:spcBef>
+                          <a:spcPts val="100"/>
+                        </a:spcBef>
+                        <a:spcAft>
+                          <a:spcPts val="0"/>
+                        </a:spcAft>
+                        <a:buClrTx/>
+                        <a:buFontTx/>
+                        <a:buNone/>
+                        <a:defRPr/>
+                      </a:pPr>
+                      <a:r>
+                        <a:rPr lang="ko-KR" altLang="en-US" sz="1400">
+                          <a:solidFill>
+                            <a:schemeClr val="dk1"/>
+                          </a:solidFill>
+                        </a:rPr>
+                        <a:t>상품 목록</a:t>
+                      </a:r>
+                      <a:endParaRPr lang="ko-KR" altLang="en-US" sz="1400">
+                        <a:solidFill>
+                          <a:schemeClr val="dk1"/>
+                        </a:solidFill>
+                      </a:endParaRPr>
+                    </a:p>
+                    <a:p>
+                      <a:pPr marL="0" marR="0" lvl="0" indent="0" algn="ctr" defTabSz="914400" rtl="0" eaLnBrk="1" latinLnBrk="1" hangingPunct="1">
+                        <a:lnSpc>
+                          <a:spcPct val="100000"/>
+                        </a:lnSpc>
+                        <a:spcBef>
+                          <a:spcPts val="100"/>
+                        </a:spcBef>
+                        <a:spcAft>
+                          <a:spcPts val="0"/>
+                        </a:spcAft>
+                        <a:buClrTx/>
+                        <a:buFontTx/>
+                        <a:buNone/>
+                        <a:defRPr/>
+                      </a:pPr>
+                      <a:endParaRPr lang="ko-KR" altLang="en-US" sz="1200">
+                        <a:solidFill>
+                          <a:schemeClr val="dk1"/>
+                        </a:solidFill>
+                      </a:endParaRPr>
+                    </a:p>
+                  </a:txBody>
+                  <a:tcPr marL="91440" marR="91440" anchor="ctr" anchorCtr="1">
+                    <a:lnL w="12700" cap="flat" cmpd="sng" algn="ctr">
+                      <a:solidFill>
+                        <a:schemeClr val="tx1"/>
+                      </a:solidFill>
+                      <a:prstDash val="solid"/>
+                      <a:round/>
+                      <a:headEnd w="med" len="med"/>
+                      <a:tailEnd w="med" len="med"/>
+                    </a:lnL>
+                    <a:lnR w="12700" cap="flat" cmpd="sng" algn="ctr">
+                      <a:solidFill>
+                        <a:schemeClr val="tx1"/>
+                      </a:solidFill>
+                      <a:prstDash val="solid"/>
+                      <a:round/>
+                      <a:headEnd w="med" len="med"/>
+                      <a:tailEnd w="med" len="med"/>
+                    </a:lnR>
+                    <a:lnT w="12700" cap="flat" cmpd="sng" algn="ctr">
+                      <a:solidFill>
+                        <a:schemeClr val="tx1"/>
+                      </a:solidFill>
+                      <a:prstDash val="solid"/>
+                      <a:round/>
+                      <a:headEnd w="med" len="med"/>
+                      <a:tailEnd w="med" len="med"/>
+                    </a:lnT>
+                    <a:lnB w="12700" cap="flat" cmpd="sng" algn="ctr">
+                      <a:solidFill>
+                        <a:schemeClr val="tx1"/>
+                      </a:solidFill>
+                      <a:prstDash val="solid"/>
+                      <a:round/>
+                      <a:headEnd w="med" len="med"/>
+                      <a:tailEnd w="med" len="med"/>
+                    </a:lnB>
+                    <a:solidFill>
+                      <a:schemeClr val="lt1"/>
+                    </a:solidFill>
+                  </a:tcPr>
+                </a:tc>
+                <a:tc>
+                  <a:txBody>
+                    <a:bodyPr vert="horz" wrap="square" lIns="91440" tIns="45720" rIns="91440" bIns="45720" anchor="ctr" anchorCtr="1">
+                      <a:spAutoFit/>
+                    </a:bodyPr>
+                    <a:p>
+                      <a:pPr marL="0" marR="0" lvl="0" indent="0" algn="ctr" defTabSz="914400" rtl="0" eaLnBrk="1" latinLnBrk="1" hangingPunct="1">
+                        <a:lnSpc>
+                          <a:spcPct val="100000"/>
+                        </a:lnSpc>
+                        <a:spcBef>
+                          <a:spcPts val="100"/>
+                        </a:spcBef>
+                        <a:spcAft>
+                          <a:spcPts val="0"/>
+                        </a:spcAft>
+                        <a:buClrTx/>
+                        <a:buFontTx/>
+                        <a:buNone/>
+                        <a:defRPr/>
+                      </a:pPr>
+                      <a:r>
+                        <a:rPr lang="ko-KR" altLang="en-US" sz="1400">
+                          <a:solidFill>
+                            <a:schemeClr val="dk1"/>
+                          </a:solidFill>
+                        </a:rPr>
+                        <a:t>고객 문의 내역</a:t>
+                      </a:r>
+                      <a:endParaRPr lang="ko-KR" altLang="en-US" sz="1400">
+                        <a:solidFill>
+                          <a:schemeClr val="dk1"/>
+                        </a:solidFill>
+                      </a:endParaRPr>
+                    </a:p>
+                    <a:p>
+                      <a:pPr marL="0" marR="0" lvl="0" indent="0" algn="ctr" defTabSz="914400" rtl="0" eaLnBrk="1" latinLnBrk="1" hangingPunct="1">
+                        <a:lnSpc>
+                          <a:spcPct val="100000"/>
+                        </a:lnSpc>
+                        <a:spcBef>
+                          <a:spcPts val="100"/>
+                        </a:spcBef>
+                        <a:spcAft>
+                          <a:spcPts val="0"/>
+                        </a:spcAft>
+                        <a:buClrTx/>
+                        <a:buFontTx/>
+                        <a:buNone/>
+                        <a:defRPr/>
+                      </a:pPr>
+                      <a:endParaRPr lang="ko-KR" altLang="en-US" sz="1200">
+                        <a:solidFill>
+                          <a:schemeClr val="dk1"/>
+                        </a:solidFill>
+                      </a:endParaRPr>
+                    </a:p>
+                  </a:txBody>
+                  <a:tcPr marL="91440" marR="91440" anchor="ctr" anchorCtr="1">
+                    <a:lnL w="12700" cap="flat" cmpd="sng" algn="ctr">
+                      <a:solidFill>
+                        <a:schemeClr val="tx1"/>
+                      </a:solidFill>
+                      <a:prstDash val="solid"/>
+                      <a:round/>
+                      <a:headEnd w="med" len="med"/>
+                      <a:tailEnd w="med" len="med"/>
+                    </a:lnL>
+                    <a:lnR w="12700" cap="flat" cmpd="sng" algn="ctr">
+                      <a:solidFill>
+                        <a:schemeClr val="tx1"/>
+                      </a:solidFill>
+                      <a:prstDash val="solid"/>
+                      <a:round/>
+                      <a:headEnd w="med" len="med"/>
+                      <a:tailEnd w="med" len="med"/>
+                    </a:lnR>
+                    <a:lnT w="12700" cap="flat" cmpd="sng" algn="ctr">
+                      <a:solidFill>
+                        <a:schemeClr val="tx1"/>
+                      </a:solidFill>
+                      <a:prstDash val="solid"/>
+                      <a:round/>
+                      <a:headEnd w="med" len="med"/>
+                      <a:tailEnd w="med" len="med"/>
+                    </a:lnT>
+                    <a:lnB w="12700" cap="flat" cmpd="sng" algn="ctr">
+                      <a:solidFill>
+                        <a:schemeClr val="tx1"/>
+                      </a:solidFill>
+                      <a:prstDash val="solid"/>
+                      <a:round/>
+                      <a:headEnd w="med" len="med"/>
+                      <a:tailEnd w="med" len="med"/>
+                    </a:lnB>
+                    <a:solidFill>
+                      <a:schemeClr val="lt1"/>
+                    </a:solidFill>
+                  </a:tcPr>
+                </a:tc>
+              </a:tr>
+            </a:tbl>
+          </a:graphicData>
+        </a:graphic>
+      </p:graphicFrame>
+    </p:spTree>
+  </p:cSld>
+  <p:clrMapOvr>
+    <a:masterClrMapping/>
+  </p:clrMapOvr>
+  <mc:AlternateContent xmlns:mc="http://schemas.openxmlformats.org/markup-compatibility/2006">
+    <mc:Choice xmlns:p14="http://schemas.microsoft.com/office/powerpoint/2010/main" Requires="p14">
+      <p:transition xmlns:mc="http://schemas.openxmlformats.org/markup-compatibility/2006" xmlns:p14="http://schemas.microsoft.com/office/powerpoint/2010/main" mc:Ignorable="p14" p14:dur="500"/>
+    </mc:Choice>
+    <mc:Fallback>
+      <p:transition/>
+    </mc:Fallback>
+  </mc:AlternateContent>
+</p:sld>
+</file>
+
+<file path=ppt/slides/slide17.xml><?xml version="1.0" encoding="utf-8"?>
+<p:sld xmlns:r="http://schemas.openxmlformats.org/officeDocument/2006/relationships" xmlns:c="http://schemas.openxmlformats.org/drawingml/2006/chart" xmlns:a="http://schemas.openxmlformats.org/drawingml/2006/main" xmlns:dgm="http://schemas.openxmlformats.org/drawingml/2006/diagram" xmlns:dsp="http://schemas.microsoft.com/office/drawing/2008/diagram" xmlns:p="http://schemas.openxmlformats.org/presentationml/2006/main">
+  <p:cSld>
+    <p:spTree>
+      <p:nvGrpSpPr>
+        <p:cNvPr id="1" name=""/>
+        <p:cNvGrpSpPr/>
+        <p:nvPr/>
+      </p:nvGrpSpPr>
+      <p:grpSpPr>
+        <a:xfrm>
+          <a:off x="0" y="0"/>
+          <a:ext cx="0" cy="0"/>
+          <a:chOff x="0" y="0"/>
+          <a:chExt cx="0" cy="0"/>
+        </a:xfrm>
+      </p:grpSpPr>
+      <p:sp>
+        <p:nvSpPr>
+          <p:cNvPr id="12" name="TextBox 11"/>
+          <p:cNvSpPr txBox="1"/>
+          <p:nvPr/>
+        </p:nvSpPr>
+        <p:spPr>
+          <a:xfrm>
+            <a:off x="1703511" y="408640"/>
+            <a:ext cx="4392488" cy="369332"/>
+          </a:xfrm>
+          <a:prstGeom prst="rect">
+            <a:avLst/>
+          </a:prstGeom>
+          <a:noFill/>
+        </p:spPr>
+        <p:txBody>
+          <a:bodyPr wrap="square">
+            <a:spAutoFit/>
+          </a:bodyPr>
+          <a:lstStyle/>
+          <a:p>
+            <a:pPr>
+              <a:lnSpc>
+                <a:spcPct val="90000"/>
+              </a:lnSpc>
+              <a:defRPr/>
+            </a:pPr>
+            <a:r>
+              <a:rPr lang="ko-KR" altLang="en-US" sz="2000" spc="300">
+                <a:solidFill>
+                  <a:srgbClr val="663300"/>
+                </a:solidFill>
+                <a:latin typeface="+mn-ea"/>
+              </a:rPr>
+              <a:t>관리자 페이지</a:t>
+            </a:r>
+            <a:endParaRPr lang="ko-KR" altLang="en-US" sz="2000" spc="300">
+              <a:solidFill>
+                <a:srgbClr val="663300"/>
+              </a:solidFill>
+              <a:latin typeface="+mn-ea"/>
+            </a:endParaRPr>
+          </a:p>
+        </p:txBody>
+      </p:sp>
+      <p:sp>
+        <p:nvSpPr>
+          <p:cNvPr id="2" name="슬라이드 번호 개체 틀 1"/>
+          <p:cNvSpPr>
+            <a:spLocks noGrp="1"/>
+          </p:cNvSpPr>
+          <p:nvPr>
+            <p:ph type="sldNum" sz="quarter" idx="4"/>
+          </p:nvPr>
+        </p:nvSpPr>
+        <p:spPr/>
+        <p:txBody>
+          <a:bodyPr/>
+          <a:lstStyle/>
+          <a:p>
+            <a:pPr lvl="0">
+              <a:defRPr/>
+            </a:pPr>
+            <a:fld id="{2FECCACC-60ED-4580-AB4B-3C07270897C0}" type="slidenum">
+              <a:rPr lang="en-US" altLang="en-US">
+                <a:latin typeface="나눔고딕"/>
+                <a:ea typeface="나눔고딕"/>
+              </a:rPr>
+              <a:pPr lvl="0">
+                <a:defRPr/>
+              </a:pPr>
+              <a:t>17</a:t>
+            </a:fld>
+            <a:endParaRPr lang="en-US" altLang="en-US">
+              <a:latin typeface="나눔고딕"/>
+              <a:ea typeface="나눔고딕"/>
+            </a:endParaRPr>
+          </a:p>
+        </p:txBody>
+      </p:sp>
+      <p:sp>
+        <p:nvSpPr>
+          <p:cNvPr id="348" name=""/>
+          <p:cNvSpPr/>
+          <p:nvPr/>
+        </p:nvSpPr>
+        <p:spPr>
+          <a:xfrm>
+            <a:off x="350600" y="971752"/>
+            <a:ext cx="8785966" cy="5566296"/>
+          </a:xfrm>
+          <a:prstGeom prst="rect">
+            <a:avLst/>
+          </a:prstGeom>
+          <a:solidFill>
+            <a:schemeClr val="lt1"/>
+          </a:solidFill>
+          <a:ln>
+            <a:solidFill>
+              <a:schemeClr val="dk1"/>
+            </a:solidFill>
+          </a:ln>
+        </p:spPr>
+        <p:style>
+          <a:lnRef idx="2">
+            <a:schemeClr val="accent1">
+              <a:shade val="20000"/>
+            </a:schemeClr>
+          </a:lnRef>
+          <a:fillRef idx="1">
+            <a:schemeClr val="accent1"/>
+          </a:fillRef>
+          <a:effectRef idx="0">
+            <a:schemeClr val="accent1"/>
+          </a:effectRef>
+          <a:fontRef idx="minor">
+            <a:schemeClr val="lt1"/>
+          </a:fontRef>
+        </p:style>
+        <p:txBody>
+          <a:bodyPr anchor="ctr"/>
+          <a:p>
+            <a:pPr algn="ctr">
+              <a:defRPr/>
+            </a:pPr>
+            <a:endParaRPr lang="ko-KR" altLang="en-US"/>
+          </a:p>
+        </p:txBody>
+      </p:sp>
+      <p:graphicFrame>
+        <p:nvGraphicFramePr>
+          <p:cNvPr id="351" name=""/>
+          <p:cNvGraphicFramePr>
+            <a:graphicFrameLocks noGrp="1"/>
+          </p:cNvGraphicFramePr>
+          <p:nvPr/>
+        </p:nvGraphicFramePr>
+        <p:xfrm>
+          <a:off x="9359490" y="971752"/>
+          <a:ext cx="2512983" cy="2513829"/>
+        </p:xfrm>
+        <a:graphic>
+          <a:graphicData uri="http://schemas.openxmlformats.org/drawingml/2006/table">
+            <a:tbl>
+              <a:tblPr firstRow="1" bandRow="1">
+                <a:tableStyleId>{01A66EDD-3DAB-4C5B-A090-DC80EC1FD486}</a:tableStyleId>
+              </a:tblPr>
+              <a:tblGrid>
+                <a:gridCol w="597846"/>
+                <a:gridCol w="1915136"/>
+              </a:tblGrid>
+              <a:tr h="418971">
+                <a:tc gridSpan="2">
+                  <a:txBody>
+                    <a:bodyPr vert="horz" wrap="square" lIns="91440" tIns="45720" rIns="91440" bIns="45720" anchor="ctr" anchorCtr="1">
+                      <a:spAutoFit/>
+                    </a:bodyPr>
+                    <a:p>
+                      <a:pPr marL="0" marR="0" lvl="0" indent="0" algn="ctr" defTabSz="914400" rtl="0" eaLnBrk="1" latinLnBrk="1" hangingPunct="1">
+                        <a:lnSpc>
+                          <a:spcPct val="100000"/>
+                        </a:lnSpc>
+                        <a:spcBef>
+                          <a:spcPts val="100"/>
+                        </a:spcBef>
+                        <a:spcAft>
+                          <a:spcPts val="0"/>
+                        </a:spcAft>
+                        <a:buClrTx/>
+                        <a:buFontTx/>
+                        <a:buNone/>
+                        <a:defRPr/>
+                      </a:pPr>
+                      <a:r>
+                        <a:rPr lang="en-US" altLang="ko-KR" sz="1300" b="1">
+                          <a:solidFill>
+                            <a:schemeClr val="dk1"/>
+                          </a:solidFill>
+                        </a:rPr>
+                        <a:t>Description</a:t>
+                      </a:r>
+                      <a:endParaRPr lang="en-US" altLang="ko-KR" sz="1300" b="0">
+                        <a:solidFill>
+                          <a:schemeClr val="dk1"/>
+                        </a:solidFill>
+                        <a:effectLst/>
+                      </a:endParaRPr>
+                    </a:p>
+                  </a:txBody>
+                  <a:tcPr marL="91440" marR="91440" anchor="ctr" anchorCtr="1">
+                    <a:lnL w="12700" cap="flat" cmpd="sng" algn="ctr">
+                      <a:solidFill>
+                        <a:srgbClr val="000000"/>
+                      </a:solidFill>
+                      <a:prstDash val="solid"/>
+                      <a:round/>
+                      <a:headEnd w="med" len="med"/>
+                      <a:tailEnd w="med" len="med"/>
+                    </a:lnL>
+                    <a:lnR w="12700" cap="flat" cmpd="sng" algn="ctr">
+                      <a:solidFill>
+                        <a:srgbClr val="000000"/>
+                      </a:solidFill>
+                      <a:prstDash val="solid"/>
+                      <a:round/>
+                      <a:headEnd w="med" len="med"/>
+                      <a:tailEnd w="med" len="med"/>
+                    </a:lnR>
+                    <a:lnT w="12700" cap="flat" cmpd="sng" algn="ctr">
+                      <a:solidFill>
+                        <a:srgbClr val="000000"/>
+                      </a:solidFill>
+                      <a:prstDash val="solid"/>
+                      <a:round/>
+                      <a:headEnd w="med" len="med"/>
+                      <a:tailEnd w="med" len="med"/>
+                    </a:lnT>
+                    <a:lnB w="12700" cap="flat" cmpd="sng" algn="ctr">
+                      <a:solidFill>
+                        <a:srgbClr val="000000"/>
+                      </a:solidFill>
+                      <a:prstDash val="solid"/>
+                      <a:round/>
+                      <a:headEnd w="med" len="med"/>
+                      <a:tailEnd w="med" len="med"/>
+                    </a:lnB>
+                    <a:solidFill>
+                      <a:srgbClr val="d9d9d9"/>
+                    </a:solidFill>
+                  </a:tcPr>
+                </a:tc>
+                <a:tc hMerge="1">
+                  <a:txBody>
+                    <a:bodyPr wrap="square">
+                      <a:spAutoFit/>
+                    </a:bodyPr>
+                    <a:p>
+                      <a:pPr>
+                        <a:defRPr/>
+                      </a:pPr>
+                      <a:endParaRPr lang="ko-KR" altLang="en-US"/>
+                    </a:p>
+                  </a:txBody>
+                  <a:tcPr marL="91440" marR="91440"/>
+                </a:tc>
+              </a:tr>
+              <a:tr h="418971">
+                <a:tc gridSpan="2">
+                  <a:txBody>
+                    <a:bodyPr vert="horz" wrap="square" lIns="91440" tIns="45720" rIns="91440" bIns="45720" anchor="ctr" anchorCtr="1">
+                      <a:spAutoFit/>
+                    </a:bodyPr>
+                    <a:p>
+                      <a:pPr>
+                        <a:defRPr/>
+                      </a:pPr>
+                      <a:r>
+                        <a:rPr lang="ko-KR" altLang="en-US" sz="1100">
+                          <a:solidFill>
+                            <a:schemeClr val="dk1"/>
+                          </a:solidFill>
+                        </a:rPr>
+                        <a:t>회원 관리</a:t>
+                      </a:r>
+                      <a:endParaRPr lang="ko-KR" altLang="en-US" sz="1100">
+                        <a:solidFill>
+                          <a:schemeClr val="dk1"/>
+                        </a:solidFill>
+                      </a:endParaRPr>
+                    </a:p>
+                  </a:txBody>
+                  <a:tcPr marL="91440" marR="91440" anchor="ctr" anchorCtr="1">
+                    <a:lnL w="12700" cap="flat" cmpd="sng" algn="ctr">
+                      <a:solidFill>
+                        <a:srgbClr val="000000"/>
+                      </a:solidFill>
+                      <a:prstDash val="solid"/>
+                      <a:round/>
+                      <a:headEnd w="med" len="med"/>
+                      <a:tailEnd w="med" len="med"/>
+                    </a:lnL>
+                    <a:lnR w="12700" cap="flat" cmpd="sng" algn="ctr">
+                      <a:solidFill>
+                        <a:srgbClr val="000000"/>
+                      </a:solidFill>
+                      <a:prstDash val="solid"/>
+                      <a:round/>
+                      <a:headEnd w="med" len="med"/>
+                      <a:tailEnd w="med" len="med"/>
+                    </a:lnR>
+                    <a:lnT w="12700" cap="flat" cmpd="sng" algn="ctr">
+                      <a:solidFill>
+                        <a:srgbClr val="000000"/>
+                      </a:solidFill>
+                      <a:prstDash val="solid"/>
+                      <a:round/>
+                      <a:headEnd w="med" len="med"/>
+                      <a:tailEnd w="med" len="med"/>
+                    </a:lnT>
+                    <a:lnB w="12700" cap="flat" cmpd="sng" algn="ctr">
+                      <a:solidFill>
+                        <a:srgbClr val="000000"/>
+                      </a:solidFill>
+                      <a:prstDash val="solid"/>
+                      <a:round/>
+                      <a:headEnd w="med" len="med"/>
+                      <a:tailEnd w="med" len="med"/>
+                    </a:lnB>
+                    <a:solidFill>
+                      <a:schemeClr val="lt1"/>
+                    </a:solidFill>
+                  </a:tcPr>
+                </a:tc>
+                <a:tc hMerge="1">
+                  <a:txBody>
+                    <a:bodyPr wrap="square">
+                      <a:spAutoFit/>
+                    </a:bodyPr>
+                    <a:p>
+                      <a:pPr>
+                        <a:defRPr/>
+                      </a:pPr>
+                      <a:endParaRPr lang="ko-KR" altLang="en-US"/>
+                    </a:p>
+                  </a:txBody>
+                  <a:tcPr marL="91440" marR="91440"/>
+                </a:tc>
+              </a:tr>
+              <a:tr h="418971">
+                <a:tc gridSpan="2">
+                  <a:txBody>
+                    <a:bodyPr vert="horz" wrap="square" lIns="91440" tIns="45720" rIns="91440" bIns="45720" anchor="ctr" anchorCtr="1">
+                      <a:spAutoFit/>
+                    </a:bodyPr>
+                    <a:p>
+                      <a:pPr algn="ctr">
+                        <a:defRPr/>
+                      </a:pPr>
+                      <a:r>
+                        <a:rPr lang="en-US" altLang="ko-KR" sz="1300">
+                          <a:solidFill>
+                            <a:schemeClr val="dk1"/>
+                          </a:solidFill>
+                        </a:rPr>
+                        <a:t>function</a:t>
+                      </a:r>
+                      <a:endParaRPr lang="en-US" altLang="ko-KR" sz="1300">
+                        <a:solidFill>
+                          <a:schemeClr val="dk1"/>
+                        </a:solidFill>
+                      </a:endParaRPr>
+                    </a:p>
+                  </a:txBody>
+                  <a:tcPr marL="91440" marR="91440" anchor="ctr" anchorCtr="1">
+                    <a:lnL w="12700" cap="flat" cmpd="sng" algn="ctr">
+                      <a:solidFill>
+                        <a:srgbClr val="000000"/>
+                      </a:solidFill>
+                      <a:prstDash val="solid"/>
+                      <a:round/>
+                      <a:headEnd w="med" len="med"/>
+                      <a:tailEnd w="med" len="med"/>
+                    </a:lnL>
+                    <a:lnR w="12700" cap="flat" cmpd="sng" algn="ctr">
+                      <a:solidFill>
+                        <a:srgbClr val="000000"/>
+                      </a:solidFill>
+                      <a:prstDash val="solid"/>
+                      <a:round/>
+                      <a:headEnd w="med" len="med"/>
+                      <a:tailEnd w="med" len="med"/>
+                    </a:lnR>
+                    <a:lnT w="12700" cap="flat" cmpd="sng" algn="ctr">
+                      <a:solidFill>
+                        <a:srgbClr val="000000"/>
+                      </a:solidFill>
+                      <a:prstDash val="solid"/>
+                      <a:round/>
+                      <a:headEnd w="med" len="med"/>
+                      <a:tailEnd w="med" len="med"/>
+                    </a:lnT>
+                    <a:lnB w="12700" cap="flat" cmpd="sng" algn="ctr">
+                      <a:solidFill>
+                        <a:srgbClr val="000000"/>
+                      </a:solidFill>
+                      <a:prstDash val="solid"/>
+                      <a:round/>
+                      <a:headEnd w="med" len="med"/>
+                      <a:tailEnd w="med" len="med"/>
+                    </a:lnB>
+                    <a:solidFill>
+                      <a:srgbClr val="d9d9d9"/>
+                    </a:solidFill>
+                  </a:tcPr>
+                </a:tc>
+                <a:tc hMerge="1">
+                  <a:txBody>
+                    <a:bodyPr wrap="square">
+                      <a:spAutoFit/>
+                    </a:bodyPr>
+                    <a:p>
+                      <a:pPr>
+                        <a:defRPr/>
+                      </a:pPr>
+                      <a:endParaRPr lang="ko-KR" altLang="en-US"/>
+                    </a:p>
+                  </a:txBody>
+                  <a:tcPr marL="91440" marR="91440"/>
+                </a:tc>
+              </a:tr>
+              <a:tr h="418971">
+                <a:tc>
+                  <a:txBody>
+                    <a:bodyPr vert="horz" wrap="square" lIns="91440" tIns="45720" rIns="91440" bIns="45720" anchor="ctr" anchorCtr="1">
+                      <a:spAutoFit/>
+                    </a:bodyPr>
+                    <a:p>
+                      <a:pPr>
+                        <a:defRPr/>
+                      </a:pPr>
+                      <a:r>
+                        <a:rPr lang="en-US" altLang="ko-KR" sz="1100">
+                          <a:solidFill>
+                            <a:schemeClr val="dk1"/>
+                          </a:solidFill>
+                        </a:rPr>
+                        <a:t>1</a:t>
+                      </a:r>
+                      <a:endParaRPr lang="en-US" altLang="ko-KR" sz="1100">
+                        <a:solidFill>
+                          <a:schemeClr val="dk1"/>
+                        </a:solidFill>
+                      </a:endParaRPr>
+                    </a:p>
+                  </a:txBody>
+                  <a:tcPr marL="91440" marR="91440" anchor="ctr" anchorCtr="1">
+                    <a:lnL w="12700" cap="flat" cmpd="sng" algn="ctr">
+                      <a:solidFill>
+                        <a:srgbClr val="000000"/>
+                      </a:solidFill>
+                      <a:prstDash val="solid"/>
+                      <a:round/>
+                      <a:headEnd w="med" len="med"/>
+                      <a:tailEnd w="med" len="med"/>
+                    </a:lnL>
+                    <a:lnR w="12700" cap="flat" cmpd="sng" algn="ctr">
+                      <a:solidFill>
+                        <a:srgbClr val="000000"/>
+                      </a:solidFill>
+                      <a:prstDash val="solid"/>
+                      <a:round/>
+                      <a:headEnd w="med" len="med"/>
+                      <a:tailEnd w="med" len="med"/>
+                    </a:lnR>
+                    <a:lnT w="12700" cap="flat" cmpd="sng" algn="ctr">
+                      <a:solidFill>
+                        <a:srgbClr val="000000"/>
+                      </a:solidFill>
+                      <a:prstDash val="solid"/>
+                      <a:round/>
+                      <a:headEnd w="med" len="med"/>
+                      <a:tailEnd w="med" len="med"/>
+                    </a:lnT>
+                    <a:lnB w="12700" cap="flat" cmpd="sng" algn="ctr">
+                      <a:solidFill>
+                        <a:srgbClr val="000000"/>
+                      </a:solidFill>
+                      <a:prstDash val="solid"/>
+                      <a:round/>
+                      <a:headEnd w="med" len="med"/>
+                      <a:tailEnd w="med" len="med"/>
+                    </a:lnB>
+                    <a:solidFill>
+                      <a:schemeClr val="lt1"/>
+                    </a:solidFill>
+                  </a:tcPr>
+                </a:tc>
+                <a:tc>
+                  <a:txBody>
+                    <a:bodyPr vert="horz" wrap="square" lIns="91440" tIns="45720" rIns="91440" bIns="45720" anchor="ctr" anchorCtr="1">
+                      <a:spAutoFit/>
+                    </a:bodyPr>
+                    <a:p>
+                      <a:pPr>
+                        <a:defRPr/>
+                      </a:pPr>
+                      <a:endParaRPr lang="ko-KR" altLang="en-US" sz="1100">
+                        <a:solidFill>
+                          <a:schemeClr val="dk1"/>
+                        </a:solidFill>
+                      </a:endParaRPr>
+                    </a:p>
+                  </a:txBody>
+                  <a:tcPr marL="91440" marR="91440" anchor="ctr" anchorCtr="1">
+                    <a:lnL w="12700" cap="flat" cmpd="sng" algn="ctr">
+                      <a:solidFill>
+                        <a:srgbClr val="000000"/>
+                      </a:solidFill>
+                      <a:prstDash val="solid"/>
+                      <a:round/>
+                      <a:headEnd w="med" len="med"/>
+                      <a:tailEnd w="med" len="med"/>
+                    </a:lnL>
+                    <a:lnR w="12700" cap="flat" cmpd="sng" algn="ctr">
+                      <a:solidFill>
+                        <a:srgbClr val="000000"/>
+                      </a:solidFill>
+                      <a:prstDash val="solid"/>
+                      <a:round/>
+                      <a:headEnd w="med" len="med"/>
+                      <a:tailEnd w="med" len="med"/>
+                    </a:lnR>
+                    <a:lnT w="12700" cap="flat" cmpd="sng" algn="ctr">
+                      <a:solidFill>
+                        <a:srgbClr val="000000"/>
+                      </a:solidFill>
+                      <a:prstDash val="solid"/>
+                      <a:round/>
+                      <a:headEnd w="med" len="med"/>
+                      <a:tailEnd w="med" len="med"/>
+                    </a:lnT>
+                    <a:lnB w="12700" cap="flat" cmpd="sng" algn="ctr">
+                      <a:solidFill>
+                        <a:srgbClr val="000000"/>
+                      </a:solidFill>
+                      <a:prstDash val="solid"/>
+                      <a:round/>
+                      <a:headEnd w="med" len="med"/>
+                      <a:tailEnd w="med" len="med"/>
+                    </a:lnB>
+                    <a:solidFill>
+                      <a:schemeClr val="lt1"/>
+                    </a:solidFill>
+                  </a:tcPr>
+                </a:tc>
+              </a:tr>
+              <a:tr h="418971">
+                <a:tc>
+                  <a:txBody>
+                    <a:bodyPr vert="horz" wrap="square" lIns="91440" tIns="45720" rIns="91440" bIns="45720" anchor="ctr" anchorCtr="1">
+                      <a:spAutoFit/>
+                    </a:bodyPr>
+                    <a:p>
+                      <a:pPr>
+                        <a:defRPr/>
+                      </a:pPr>
+                      <a:r>
+                        <a:rPr lang="en-US" altLang="ko-KR" sz="1100">
+                          <a:solidFill>
+                            <a:schemeClr val="dk1"/>
+                          </a:solidFill>
+                        </a:rPr>
+                        <a:t>2</a:t>
+                      </a:r>
+                      <a:endParaRPr lang="en-US" altLang="ko-KR" sz="1100">
+                        <a:solidFill>
+                          <a:schemeClr val="dk1"/>
+                        </a:solidFill>
+                      </a:endParaRPr>
+                    </a:p>
+                  </a:txBody>
+                  <a:tcPr marL="91440" marR="91440" anchor="ctr" anchorCtr="1">
+                    <a:lnL w="12700" cap="flat" cmpd="sng" algn="ctr">
+                      <a:solidFill>
+                        <a:srgbClr val="000000"/>
+                      </a:solidFill>
+                      <a:prstDash val="solid"/>
+                      <a:round/>
+                      <a:headEnd w="med" len="med"/>
+                      <a:tailEnd w="med" len="med"/>
+                    </a:lnL>
+                    <a:lnR w="12700" cap="flat" cmpd="sng" algn="ctr">
+                      <a:solidFill>
+                        <a:srgbClr val="000000"/>
+                      </a:solidFill>
+                      <a:prstDash val="solid"/>
+                      <a:round/>
+                      <a:headEnd w="med" len="med"/>
+                      <a:tailEnd w="med" len="med"/>
+                    </a:lnR>
+                    <a:lnT w="12700" cap="flat" cmpd="sng" algn="ctr">
+                      <a:solidFill>
+                        <a:srgbClr val="000000"/>
+                      </a:solidFill>
+                      <a:prstDash val="solid"/>
+                      <a:round/>
+                      <a:headEnd w="med" len="med"/>
+                      <a:tailEnd w="med" len="med"/>
+                    </a:lnT>
+                    <a:lnB w="12700" cap="flat" cmpd="sng" algn="ctr">
+                      <a:solidFill>
+                        <a:srgbClr val="000000"/>
+                      </a:solidFill>
+                      <a:prstDash val="solid"/>
+                      <a:round/>
+                      <a:headEnd w="med" len="med"/>
+                      <a:tailEnd w="med" len="med"/>
+                    </a:lnB>
+                    <a:solidFill>
+                      <a:schemeClr val="lt1"/>
+                    </a:solidFill>
+                  </a:tcPr>
+                </a:tc>
+                <a:tc>
+                  <a:txBody>
+                    <a:bodyPr vert="horz" wrap="square" lIns="91440" tIns="45720" rIns="91440" bIns="45720" anchor="ctr" anchorCtr="1">
+                      <a:spAutoFit/>
+                    </a:bodyPr>
+                    <a:p>
+                      <a:pPr>
+                        <a:defRPr/>
+                      </a:pPr>
+                      <a:endParaRPr lang="ko-KR" altLang="en-US" sz="1100">
+                        <a:solidFill>
+                          <a:schemeClr val="dk1"/>
+                        </a:solidFill>
+                      </a:endParaRPr>
+                    </a:p>
+                  </a:txBody>
+                  <a:tcPr marL="91440" marR="91440" anchor="ctr" anchorCtr="1">
+                    <a:lnL w="12700" cap="flat" cmpd="sng" algn="ctr">
+                      <a:solidFill>
+                        <a:srgbClr val="000000"/>
+                      </a:solidFill>
+                      <a:prstDash val="solid"/>
+                      <a:round/>
+                      <a:headEnd w="med" len="med"/>
+                      <a:tailEnd w="med" len="med"/>
+                    </a:lnL>
+                    <a:lnR w="12700" cap="flat" cmpd="sng" algn="ctr">
+                      <a:solidFill>
+                        <a:srgbClr val="000000"/>
+                      </a:solidFill>
+                      <a:prstDash val="solid"/>
+                      <a:round/>
+                      <a:headEnd w="med" len="med"/>
+                      <a:tailEnd w="med" len="med"/>
+                    </a:lnR>
+                    <a:lnT w="12700" cap="flat" cmpd="sng" algn="ctr">
+                      <a:solidFill>
+                        <a:srgbClr val="000000"/>
+                      </a:solidFill>
+                      <a:prstDash val="solid"/>
+                      <a:round/>
+                      <a:headEnd w="med" len="med"/>
+                      <a:tailEnd w="med" len="med"/>
+                    </a:lnT>
+                    <a:lnB w="12700" cap="flat" cmpd="sng" algn="ctr">
+                      <a:solidFill>
+                        <a:srgbClr val="000000"/>
+                      </a:solidFill>
+                      <a:prstDash val="solid"/>
+                      <a:round/>
+                      <a:headEnd w="med" len="med"/>
+                      <a:tailEnd w="med" len="med"/>
+                    </a:lnB>
+                    <a:solidFill>
+                      <a:schemeClr val="lt1"/>
+                    </a:solidFill>
+                  </a:tcPr>
+                </a:tc>
+              </a:tr>
+              <a:tr h="418971">
+                <a:tc>
+                  <a:txBody>
+                    <a:bodyPr vert="horz" wrap="square" lIns="91440" tIns="45720" rIns="91440" bIns="45720" anchor="ctr" anchorCtr="1">
+                      <a:spAutoFit/>
+                    </a:bodyPr>
+                    <a:p>
+                      <a:pPr>
+                        <a:defRPr/>
+                      </a:pPr>
+                      <a:r>
+                        <a:rPr lang="en-US" altLang="ko-KR" sz="1100">
+                          <a:solidFill>
+                            <a:schemeClr val="dk1"/>
+                          </a:solidFill>
+                        </a:rPr>
+                        <a:t>3</a:t>
+                      </a:r>
+                      <a:endParaRPr lang="en-US" altLang="ko-KR" sz="1100">
+                        <a:solidFill>
+                          <a:schemeClr val="dk1"/>
+                        </a:solidFill>
+                      </a:endParaRPr>
+                    </a:p>
+                  </a:txBody>
+                  <a:tcPr marL="91440" marR="91440" anchor="ctr" anchorCtr="1">
+                    <a:lnL w="12700" cap="flat" cmpd="sng" algn="ctr">
+                      <a:solidFill>
+                        <a:srgbClr val="000000"/>
+                      </a:solidFill>
+                      <a:prstDash val="solid"/>
+                      <a:round/>
+                      <a:headEnd w="med" len="med"/>
+                      <a:tailEnd w="med" len="med"/>
+                    </a:lnL>
+                    <a:lnR w="12700" cap="flat" cmpd="sng" algn="ctr">
+                      <a:solidFill>
+                        <a:srgbClr val="000000"/>
+                      </a:solidFill>
+                      <a:prstDash val="solid"/>
+                      <a:round/>
+                      <a:headEnd w="med" len="med"/>
+                      <a:tailEnd w="med" len="med"/>
+                    </a:lnR>
+                    <a:lnT w="12700" cap="flat" cmpd="sng" algn="ctr">
+                      <a:solidFill>
+                        <a:srgbClr val="000000"/>
+                      </a:solidFill>
+                      <a:prstDash val="solid"/>
+                      <a:round/>
+                      <a:headEnd w="med" len="med"/>
+                      <a:tailEnd w="med" len="med"/>
+                    </a:lnT>
+                    <a:lnB w="12700" cap="flat" cmpd="sng" algn="ctr">
+                      <a:solidFill>
+                        <a:srgbClr val="000000"/>
+                      </a:solidFill>
+                      <a:prstDash val="solid"/>
+                      <a:round/>
+                      <a:headEnd w="med" len="med"/>
+                      <a:tailEnd w="med" len="med"/>
+                    </a:lnB>
+                    <a:solidFill>
+                      <a:schemeClr val="lt1"/>
+                    </a:solidFill>
+                  </a:tcPr>
+                </a:tc>
+                <a:tc>
+                  <a:txBody>
+                    <a:bodyPr vert="horz" wrap="square" lIns="91440" tIns="45720" rIns="91440" bIns="45720" anchor="ctr" anchorCtr="1">
+                      <a:spAutoFit/>
+                    </a:bodyPr>
+                    <a:p>
+                      <a:pPr>
+                        <a:defRPr/>
+                      </a:pPr>
+                      <a:endParaRPr lang="ko-KR" altLang="en-US" sz="1100">
+                        <a:solidFill>
+                          <a:schemeClr val="dk1"/>
+                        </a:solidFill>
+                      </a:endParaRPr>
+                    </a:p>
+                  </a:txBody>
+                  <a:tcPr marL="91440" marR="91440" anchor="ctr" anchorCtr="1">
+                    <a:lnL w="12700" cap="flat" cmpd="sng" algn="ctr">
+                      <a:solidFill>
+                        <a:srgbClr val="000000"/>
+                      </a:solidFill>
+                      <a:prstDash val="solid"/>
+                      <a:round/>
+                      <a:headEnd w="med" len="med"/>
+                      <a:tailEnd w="med" len="med"/>
+                    </a:lnL>
+                    <a:lnR w="12700" cap="flat" cmpd="sng" algn="ctr">
+                      <a:solidFill>
+                        <a:srgbClr val="000000"/>
+                      </a:solidFill>
+                      <a:prstDash val="solid"/>
+                      <a:round/>
+                      <a:headEnd w="med" len="med"/>
+                      <a:tailEnd w="med" len="med"/>
+                    </a:lnR>
+                    <a:lnT w="12700" cap="flat" cmpd="sng" algn="ctr">
+                      <a:solidFill>
+                        <a:srgbClr val="000000"/>
+                      </a:solidFill>
+                      <a:prstDash val="solid"/>
+                      <a:round/>
+                      <a:headEnd w="med" len="med"/>
+                      <a:tailEnd w="med" len="med"/>
+                    </a:lnT>
+                    <a:lnB w="12700" cap="flat" cmpd="sng" algn="ctr">
+                      <a:solidFill>
+                        <a:srgbClr val="000000"/>
+                      </a:solidFill>
+                      <a:prstDash val="solid"/>
+                      <a:round/>
+                      <a:headEnd w="med" len="med"/>
+                      <a:tailEnd w="med" len="med"/>
+                    </a:lnB>
+                    <a:solidFill>
+                      <a:schemeClr val="lt1"/>
+                    </a:solidFill>
+                  </a:tcPr>
+                </a:tc>
+              </a:tr>
+            </a:tbl>
+          </a:graphicData>
+        </a:graphic>
+      </p:graphicFrame>
+      <p:sp>
+        <p:nvSpPr>
+          <p:cNvPr id="355" name=""/>
+          <p:cNvSpPr/>
+          <p:nvPr/>
+        </p:nvSpPr>
+        <p:spPr>
+          <a:xfrm>
+            <a:off x="350600" y="971752"/>
+            <a:ext cx="8785966" cy="1003164"/>
+          </a:xfrm>
+          <a:prstGeom prst="rect">
+            <a:avLst/>
+          </a:prstGeom>
+          <a:solidFill>
+            <a:schemeClr val="lt1"/>
+          </a:solidFill>
+        </p:spPr>
+        <p:style>
+          <a:lnRef idx="2">
+            <a:schemeClr val="accent1">
+              <a:shade val="20000"/>
+            </a:schemeClr>
+          </a:lnRef>
+          <a:fillRef idx="1">
+            <a:schemeClr val="accent1"/>
+          </a:fillRef>
+          <a:effectRef idx="0">
+            <a:schemeClr val="accent1"/>
+          </a:effectRef>
+          <a:fontRef idx="minor">
+            <a:schemeClr val="lt1"/>
+          </a:fontRef>
+        </p:style>
+        <p:txBody>
+          <a:bodyPr anchor="ctr"/>
+          <a:p>
+            <a:pPr algn="ctr">
+              <a:defRPr/>
+            </a:pPr>
+            <a:endParaRPr lang="ko-KR" altLang="en-US"/>
+          </a:p>
+        </p:txBody>
+      </p:sp>
+      <p:graphicFrame>
+        <p:nvGraphicFramePr>
+          <p:cNvPr id="353" name=""/>
+          <p:cNvGraphicFramePr>
+            <a:graphicFrameLocks noGrp="1"/>
+          </p:cNvGraphicFramePr>
+          <p:nvPr/>
+        </p:nvGraphicFramePr>
+        <p:xfrm>
+          <a:off x="350600" y="981278"/>
+          <a:ext cx="1512189" cy="5544692"/>
+        </p:xfrm>
+        <a:graphic>
+          <a:graphicData uri="http://schemas.openxmlformats.org/drawingml/2006/table">
+            <a:tbl>
+              <a:tblPr firstRow="1" bandRow="1">
+                <a:tableStyle styleId="{01A66EDD-3DAB-4C5B-A090-DC80EC1FD486}" styleName="Normal Style 1 - Accent 1">
+                  <a:wholeTbl>
+                    <a:tcTxStyle>
+                      <a:fontRef idx="minor">
+                        <a:prstClr val="black"/>
+                      </a:fontRef>
+                      <a:schemeClr val="dk1"/>
+                    </a:tcTxStyle>
+                    <a:tcStyle>
+                      <a:tcBdr>
+                        <a:left>
+                          <a:ln w="12700" cmpd="sng">
+                            <a:solidFill>
+                              <a:schemeClr val="lt1"/>
+                            </a:solidFill>
+                          </a:ln>
+                        </a:left>
+                        <a:right>
+                          <a:ln w="12700" cmpd="sng">
+                            <a:solidFill>
+                              <a:schemeClr val="lt1"/>
+                            </a:solidFill>
+                          </a:ln>
+                        </a:right>
+                        <a:top>
+                          <a:ln w="12700" cmpd="sng">
+                            <a:solidFill>
+                              <a:schemeClr val="lt1"/>
+                            </a:solidFill>
+                          </a:ln>
+                        </a:top>
+                        <a:bottom>
+                          <a:ln w="12700" cmpd="sng">
+                            <a:solidFill>
+                              <a:schemeClr val="lt1"/>
+                            </a:solidFill>
+                          </a:ln>
+                        </a:bottom>
+                        <a:insideH>
+                          <a:ln w="12700" cmpd="sng">
+                            <a:solidFill>
+                              <a:schemeClr val="lt1"/>
+                            </a:solidFill>
+                          </a:ln>
+                        </a:insideH>
+                        <a:insideV>
+                          <a:ln w="12700" cmpd="sng">
+                            <a:solidFill>
+                              <a:schemeClr val="lt1"/>
+                            </a:solidFill>
+                          </a:ln>
+                        </a:insideV>
+                      </a:tcBdr>
+                      <a:fill>
+                        <a:solidFill>
+                          <a:schemeClr val="accent1">
+                            <a:lum val="90000"/>
+                          </a:schemeClr>
+                        </a:solidFill>
+                      </a:fill>
+                    </a:tcStyle>
+                  </a:wholeTbl>
+                  <a:band1H>
+                    <a:tcTxStyle/>
+                    <a:tcStyle>
+                      <a:tcBdr/>
+                      <a:fill>
+                        <a:solidFill>
+                          <a:schemeClr val="accent1">
+                            <a:lum val="80000"/>
+                          </a:schemeClr>
+                        </a:solidFill>
+                      </a:fill>
+                    </a:tcStyle>
+                  </a:band1H>
+                  <a:band2H>
+                    <a:tcTxStyle/>
+                    <a:tcStyle>
+                      <a:tcBdr/>
+                    </a:tcStyle>
+                  </a:band2H>
+                  <a:band1V>
+                    <a:tcTxStyle/>
+                    <a:tcStyle>
+                      <a:tcBdr/>
+                      <a:fill>
+                        <a:solidFill>
+                          <a:schemeClr val="accent1">
+                            <a:lum val="80000"/>
+                          </a:schemeClr>
+                        </a:solidFill>
+                      </a:fill>
+                    </a:tcStyle>
+                  </a:band1V>
+                  <a:band2V>
+                    <a:tcTxStyle/>
+                    <a:tcStyle>
+                      <a:tcBdr/>
+                    </a:tcStyle>
+                  </a:band2V>
+                  <a:lastCol>
+                    <a:tcTxStyle b="on">
+                      <a:fontRef idx="minor">
+                        <a:prstClr val="black"/>
+                      </a:fontRef>
+                      <a:schemeClr val="lt1"/>
+                    </a:tcTxStyle>
+                    <a:tcStyle>
+                      <a:tcBdr/>
+                      <a:fill>
+                        <a:solidFill>
+                          <a:schemeClr val="accent1"/>
+                        </a:solidFill>
+                      </a:fill>
+                    </a:tcStyle>
+                  </a:lastCol>
+                  <a:firstCol>
+                    <a:tcTxStyle b="on">
+                      <a:fontRef idx="minor">
+                        <a:prstClr val="black"/>
+                      </a:fontRef>
+                      <a:schemeClr val="lt1"/>
+                    </a:tcTxStyle>
+                    <a:tcStyle>
+                      <a:tcBdr/>
+                      <a:fill>
+                        <a:solidFill>
+                          <a:schemeClr val="accent1"/>
+                        </a:solidFill>
+                      </a:fill>
+                    </a:tcStyle>
+                  </a:firstCol>
+                  <a:lastRow>
+                    <a:tcTxStyle b="on">
+                      <a:fontRef idx="minor">
+                        <a:prstClr val="black"/>
+                      </a:fontRef>
+                      <a:schemeClr val="lt1"/>
+                    </a:tcTxStyle>
+                    <a:tcStyle>
+                      <a:tcBdr>
+                        <a:top>
+                          <a:ln w="38100" cmpd="sng">
+                            <a:solidFill>
+                              <a:schemeClr val="lt1"/>
+                            </a:solidFill>
+                          </a:ln>
+                        </a:top>
+                      </a:tcBdr>
+                      <a:fill>
+                        <a:solidFill>
+                          <a:schemeClr val="accent1"/>
+                        </a:solidFill>
+                      </a:fill>
+                    </a:tcStyle>
+                  </a:lastRow>
+                  <a:firstRow>
+                    <a:tcTxStyle b="on">
+                      <a:fontRef idx="minor">
+                        <a:prstClr val="black"/>
+                      </a:fontRef>
+                      <a:schemeClr val="lt1"/>
+                    </a:tcTxStyle>
+                    <a:tcStyle>
+                      <a:tcBdr>
+                        <a:bottom>
+                          <a:ln w="38100" cmpd="sng">
+                            <a:solidFill>
+                              <a:schemeClr val="lt1"/>
+                            </a:solidFill>
+                          </a:ln>
+                        </a:bottom>
+                      </a:tcBdr>
+                      <a:fill>
+                        <a:solidFill>
+                          <a:schemeClr val="accent1"/>
+                        </a:solidFill>
+                      </a:fill>
+                    </a:tcStyle>
+                  </a:firstRow>
+                </a:tableStyle>
+              </a:tblPr>
+              <a:tblGrid>
+                <a:gridCol w="359754"/>
+                <a:gridCol w="1152434"/>
+              </a:tblGrid>
+              <a:tr h="462057">
+                <a:tc gridSpan="2">
+                  <a:txBody>
+                    <a:bodyPr vert="horz" wrap="square" lIns="91440" tIns="45720" rIns="91440" bIns="45720" anchor="ctr" anchorCtr="1">
+                      <a:spAutoFit/>
+                    </a:bodyPr>
+                    <a:p>
+                      <a:pPr marL="0" marR="0" lvl="0" indent="0" algn="ctr" defTabSz="914400" rtl="0" eaLnBrk="1" latinLnBrk="1" hangingPunct="1">
+                        <a:lnSpc>
+                          <a:spcPct val="100000"/>
+                        </a:lnSpc>
+                        <a:spcBef>
+                          <a:spcPts val="100"/>
+                        </a:spcBef>
+                        <a:spcAft>
+                          <a:spcPts val="0"/>
+                        </a:spcAft>
+                        <a:buClrTx/>
+                        <a:buFontTx/>
+                        <a:buNone/>
+                        <a:defRPr/>
+                      </a:pPr>
+                      <a:r>
+                        <a:rPr lang="ko-KR" altLang="en-US" sz="1300">
+                          <a:solidFill>
+                            <a:schemeClr val="lt1"/>
+                          </a:solidFill>
+                          <a:effectLst/>
+                        </a:rPr>
+                        <a:t>메인 메뉴</a:t>
+                      </a:r>
+                      <a:endParaRPr lang="ko-KR" altLang="en-US" sz="1300">
+                        <a:solidFill>
+                          <a:schemeClr val="lt1"/>
+                        </a:solidFill>
+                        <a:effectLst/>
+                      </a:endParaRPr>
+                    </a:p>
+                  </a:txBody>
+                  <a:tcPr marL="91440" marR="91440" anchor="ctr" anchorCtr="1">
+                    <a:lnL w="9525" cap="flat" cmpd="sng" algn="ctr">
+                      <a:noFill/>
+                      <a:prstDash val="solid"/>
+                      <a:round/>
+                      <a:headEnd w="med" len="med"/>
+                      <a:tailEnd w="med" len="med"/>
+                    </a:lnL>
+                    <a:lnR w="9525" cap="flat" cmpd="sng" algn="ctr">
+                      <a:noFill/>
+                      <a:prstDash val="solid"/>
+                      <a:round/>
+                      <a:headEnd w="med" len="med"/>
+                      <a:tailEnd w="med" len="med"/>
+                    </a:lnR>
+                    <a:lnT w="9525" cap="flat" cmpd="sng" algn="ctr">
+                      <a:noFill/>
+                      <a:prstDash val="solid"/>
+                      <a:round/>
+                      <a:headEnd w="med" len="med"/>
+                      <a:tailEnd w="med" len="med"/>
+                    </a:lnT>
+                    <a:lnB w="9525" cap="flat" cmpd="sng" algn="ctr">
+                      <a:noFill/>
+                      <a:prstDash val="solid"/>
+                      <a:round/>
+                      <a:headEnd w="med" len="med"/>
+                      <a:tailEnd w="med" len="med"/>
+                    </a:lnB>
+                    <a:solidFill>
+                      <a:srgbClr val="9be5c8"/>
+                    </a:solidFill>
+                  </a:tcPr>
+                </a:tc>
+                <a:tc hMerge="1">
+                  <a:txBody>
+                    <a:bodyPr wrap="square">
+                      <a:spAutoFit/>
+                    </a:bodyPr>
+                    <a:p>
+                      <a:pPr>
+                        <a:defRPr/>
+                      </a:pPr>
+                      <a:endParaRPr lang="ko-KR" altLang="en-US"/>
+                    </a:p>
+                  </a:txBody>
+                  <a:tcPr marL="91440" marR="91440"/>
+                </a:tc>
+              </a:tr>
+              <a:tr h="462057">
+                <a:tc gridSpan="2">
+                  <a:txBody>
+                    <a:bodyPr vert="horz" wrap="square" lIns="91440" tIns="45720" rIns="91440" bIns="45720" anchor="ctr" anchorCtr="1">
+                      <a:spAutoFit/>
+                    </a:bodyPr>
+                    <a:p>
+                      <a:pPr algn="ctr">
+                        <a:defRPr/>
+                      </a:pPr>
+                      <a:r>
+                        <a:rPr lang="ko-KR" altLang="en-US" sz="1300" b="1">
+                          <a:solidFill>
+                            <a:schemeClr val="lt1"/>
+                          </a:solidFill>
+                        </a:rPr>
+                        <a:t>회원관리</a:t>
+                      </a:r>
+                      <a:endParaRPr lang="ko-KR" altLang="en-US" sz="1300" b="1">
+                        <a:solidFill>
+                          <a:schemeClr val="lt1"/>
+                        </a:solidFill>
+                      </a:endParaRPr>
+                    </a:p>
+                  </a:txBody>
+                  <a:tcPr marL="91440" marR="91440" anchor="ctr" anchorCtr="1">
+                    <a:lnL w="9525" cap="flat" cmpd="sng" algn="ctr">
+                      <a:noFill/>
+                      <a:prstDash val="solid"/>
+                      <a:round/>
+                      <a:headEnd w="med" len="med"/>
+                      <a:tailEnd w="med" len="med"/>
+                    </a:lnL>
+                    <a:lnR w="9525" cap="flat" cmpd="sng" algn="ctr">
+                      <a:noFill/>
+                      <a:prstDash val="solid"/>
+                      <a:round/>
+                      <a:headEnd w="med" len="med"/>
+                      <a:tailEnd w="med" len="med"/>
+                    </a:lnR>
+                    <a:lnT w="9525" cap="flat" cmpd="sng" algn="ctr">
+                      <a:noFill/>
+                      <a:prstDash val="solid"/>
+                      <a:round/>
+                      <a:headEnd w="med" len="med"/>
+                      <a:tailEnd w="med" len="med"/>
+                    </a:lnT>
+                    <a:lnB w="9525" cap="flat" cmpd="sng" algn="ctr">
+                      <a:noFill/>
+                      <a:prstDash val="solid"/>
+                      <a:round/>
+                      <a:headEnd w="med" len="med"/>
+                      <a:tailEnd w="med" len="med"/>
+                    </a:lnB>
+                    <a:solidFill>
+                      <a:srgbClr val="9be5c8"/>
+                    </a:solidFill>
+                  </a:tcPr>
+                </a:tc>
+                <a:tc hMerge="1">
+                  <a:txBody>
+                    <a:bodyPr wrap="square">
+                      <a:spAutoFit/>
+                    </a:bodyPr>
+                    <a:p>
+                      <a:pPr>
+                        <a:defRPr/>
+                      </a:pPr>
+                      <a:endParaRPr lang="ko-KR" altLang="en-US"/>
+                    </a:p>
+                  </a:txBody>
+                  <a:tcPr marL="91440" marR="91440"/>
+                </a:tc>
+              </a:tr>
+              <a:tr h="462057">
+                <a:tc gridSpan="2">
+                  <a:txBody>
+                    <a:bodyPr vert="horz" wrap="square" lIns="91440" tIns="45720" rIns="91440" bIns="45720" anchor="ctr" anchorCtr="1">
+                      <a:spAutoFit/>
+                    </a:bodyPr>
+                    <a:p>
+                      <a:pPr algn="ctr">
+                        <a:defRPr/>
+                      </a:pPr>
+                      <a:r>
+                        <a:rPr lang="ko-KR" altLang="en-US" sz="1300" b="1">
+                          <a:solidFill>
+                            <a:schemeClr val="lt1"/>
+                          </a:solidFill>
+                        </a:rPr>
+                        <a:t>주문 관리</a:t>
+                      </a:r>
+                      <a:endParaRPr lang="ko-KR" altLang="en-US" sz="1300" b="1">
+                        <a:solidFill>
+                          <a:schemeClr val="lt1"/>
+                        </a:solidFill>
+                      </a:endParaRPr>
+                    </a:p>
+                  </a:txBody>
+                  <a:tcPr marL="91440" marR="91440" anchor="ctr" anchorCtr="1">
+                    <a:lnL w="9525" cap="flat" cmpd="sng" algn="ctr">
+                      <a:noFill/>
+                      <a:prstDash val="solid"/>
+                      <a:round/>
+                      <a:headEnd w="med" len="med"/>
+                      <a:tailEnd w="med" len="med"/>
+                    </a:lnL>
+                    <a:lnR w="9525" cap="flat" cmpd="sng" algn="ctr">
+                      <a:noFill/>
+                      <a:prstDash val="solid"/>
+                      <a:round/>
+                      <a:headEnd w="med" len="med"/>
+                      <a:tailEnd w="med" len="med"/>
+                    </a:lnR>
+                    <a:lnT w="9525" cap="flat" cmpd="sng" algn="ctr">
+                      <a:noFill/>
+                      <a:prstDash val="solid"/>
+                      <a:round/>
+                      <a:headEnd w="med" len="med"/>
+                      <a:tailEnd w="med" len="med"/>
+                    </a:lnT>
+                    <a:lnB w="9525" cap="flat" cmpd="sng" algn="ctr">
+                      <a:noFill/>
+                      <a:prstDash val="solid"/>
+                      <a:round/>
+                      <a:headEnd w="med" len="med"/>
+                      <a:tailEnd w="med" len="med"/>
+                    </a:lnB>
+                    <a:solidFill>
+                      <a:srgbClr val="9be5c8"/>
+                    </a:solidFill>
+                  </a:tcPr>
+                </a:tc>
+                <a:tc hMerge="1">
+                  <a:txBody>
+                    <a:bodyPr wrap="square">
+                      <a:spAutoFit/>
+                    </a:bodyPr>
+                    <a:p>
+                      <a:pPr>
+                        <a:defRPr/>
+                      </a:pPr>
+                      <a:endParaRPr lang="ko-KR" altLang="en-US"/>
+                    </a:p>
+                  </a:txBody>
+                  <a:tcPr marL="91440" marR="91440"/>
+                </a:tc>
+              </a:tr>
+              <a:tr h="462057">
+                <a:tc gridSpan="2">
+                  <a:txBody>
+                    <a:bodyPr vert="horz" wrap="square" lIns="91440" tIns="45720" rIns="91440" bIns="45720" anchor="ctr" anchorCtr="1">
+                      <a:spAutoFit/>
+                    </a:bodyPr>
+                    <a:p>
+                      <a:pPr algn="ctr">
+                        <a:defRPr/>
+                      </a:pPr>
+                      <a:r>
+                        <a:rPr lang="ko-KR" altLang="en-US" sz="1300" b="1">
+                          <a:solidFill>
+                            <a:schemeClr val="lt1"/>
+                          </a:solidFill>
+                        </a:rPr>
+                        <a:t>공지사항</a:t>
+                      </a:r>
+                      <a:endParaRPr lang="ko-KR" altLang="en-US" sz="1300" b="1">
+                        <a:solidFill>
+                          <a:schemeClr val="lt1"/>
+                        </a:solidFill>
+                      </a:endParaRPr>
+                    </a:p>
+                  </a:txBody>
+                  <a:tcPr marL="91440" marR="91440" anchor="ctr" anchorCtr="1">
+                    <a:lnL w="9525" cap="flat" cmpd="sng" algn="ctr">
+                      <a:noFill/>
+                      <a:prstDash val="solid"/>
+                      <a:round/>
+                      <a:headEnd w="med" len="med"/>
+                      <a:tailEnd w="med" len="med"/>
+                    </a:lnL>
+                    <a:lnR w="9525" cap="flat" cmpd="sng" algn="ctr">
+                      <a:noFill/>
+                      <a:prstDash val="solid"/>
+                      <a:round/>
+                      <a:headEnd w="med" len="med"/>
+                      <a:tailEnd w="med" len="med"/>
+                    </a:lnR>
+                    <a:lnT w="9525" cap="flat" cmpd="sng" algn="ctr">
+                      <a:noFill/>
+                      <a:prstDash val="solid"/>
+                      <a:round/>
+                      <a:headEnd w="med" len="med"/>
+                      <a:tailEnd w="med" len="med"/>
+                    </a:lnT>
+                    <a:lnB w="9525" cap="flat" cmpd="sng" algn="ctr">
+                      <a:noFill/>
+                      <a:prstDash val="solid"/>
+                      <a:round/>
+                      <a:headEnd w="med" len="med"/>
+                      <a:tailEnd w="med" len="med"/>
+                    </a:lnB>
+                    <a:solidFill>
+                      <a:srgbClr val="9be5c8"/>
+                    </a:solidFill>
+                  </a:tcPr>
+                </a:tc>
+                <a:tc hMerge="1">
+                  <a:txBody>
+                    <a:bodyPr wrap="square">
+                      <a:spAutoFit/>
+                    </a:bodyPr>
+                    <a:p>
+                      <a:pPr>
+                        <a:defRPr/>
+                      </a:pPr>
+                      <a:endParaRPr lang="ko-KR" altLang="en-US"/>
+                    </a:p>
+                  </a:txBody>
+                  <a:tcPr marL="91440" marR="91440"/>
+                </a:tc>
+              </a:tr>
+              <a:tr h="462057">
+                <a:tc gridSpan="2">
+                  <a:txBody>
+                    <a:bodyPr vert="horz" wrap="square" lIns="91440" tIns="45720" rIns="91440" bIns="45720" anchor="ctr" anchorCtr="1">
+                      <a:spAutoFit/>
+                    </a:bodyPr>
+                    <a:p>
+                      <a:pPr algn="ctr">
+                        <a:defRPr/>
+                      </a:pPr>
+                      <a:r>
+                        <a:rPr lang="ko-KR" altLang="en-US" sz="1300" b="1">
+                          <a:solidFill>
+                            <a:schemeClr val="lt1"/>
+                          </a:solidFill>
+                        </a:rPr>
+                        <a:t>고객 문의</a:t>
+                      </a:r>
+                      <a:endParaRPr lang="ko-KR" altLang="en-US" sz="1300" b="1">
+                        <a:solidFill>
+                          <a:schemeClr val="lt1"/>
+                        </a:solidFill>
+                      </a:endParaRPr>
+                    </a:p>
+                  </a:txBody>
+                  <a:tcPr marL="91440" marR="91440" anchor="ctr" anchorCtr="1">
+                    <a:lnL w="9525" cap="flat" cmpd="sng" algn="ctr">
+                      <a:noFill/>
+                      <a:prstDash val="solid"/>
+                      <a:round/>
+                      <a:headEnd w="med" len="med"/>
+                      <a:tailEnd w="med" len="med"/>
+                    </a:lnL>
+                    <a:lnR w="9525" cap="flat" cmpd="sng" algn="ctr">
+                      <a:noFill/>
+                      <a:prstDash val="solid"/>
+                      <a:round/>
+                      <a:headEnd w="med" len="med"/>
+                      <a:tailEnd w="med" len="med"/>
+                    </a:lnR>
+                    <a:lnT w="9525" cap="flat" cmpd="sng" algn="ctr">
+                      <a:noFill/>
+                      <a:prstDash val="solid"/>
+                      <a:round/>
+                      <a:headEnd w="med" len="med"/>
+                      <a:tailEnd w="med" len="med"/>
+                    </a:lnT>
+                    <a:lnB w="9525" cap="flat" cmpd="sng" algn="ctr">
+                      <a:noFill/>
+                      <a:prstDash val="solid"/>
+                      <a:round/>
+                      <a:headEnd w="med" len="med"/>
+                      <a:tailEnd w="med" len="med"/>
+                    </a:lnB>
+                    <a:solidFill>
+                      <a:srgbClr val="9be5c8"/>
+                    </a:solidFill>
+                  </a:tcPr>
+                </a:tc>
+                <a:tc hMerge="1">
+                  <a:txBody>
+                    <a:bodyPr wrap="square">
+                      <a:spAutoFit/>
+                    </a:bodyPr>
+                    <a:p>
+                      <a:pPr>
+                        <a:defRPr/>
+                      </a:pPr>
+                      <a:endParaRPr lang="ko-KR" altLang="en-US"/>
+                    </a:p>
+                  </a:txBody>
+                  <a:tcPr marL="91440" marR="91440"/>
+                </a:tc>
+              </a:tr>
+              <a:tr h="462057">
+                <a:tc gridSpan="2">
+                  <a:txBody>
+                    <a:bodyPr vert="horz" wrap="square" lIns="91440" tIns="45720" rIns="91440" bIns="45720" anchor="ctr" anchorCtr="1">
+                      <a:spAutoFit/>
+                    </a:bodyPr>
+                    <a:p>
+                      <a:pPr algn="ctr">
+                        <a:defRPr/>
+                      </a:pPr>
+                      <a:r>
+                        <a:rPr lang="ko-KR" altLang="en-US" sz="1300" b="1">
+                          <a:solidFill>
+                            <a:schemeClr val="lt1"/>
+                          </a:solidFill>
+                        </a:rPr>
+                        <a:t>상품관리</a:t>
+                      </a:r>
+                      <a:endParaRPr lang="ko-KR" altLang="en-US" sz="1300" b="1">
+                        <a:solidFill>
+                          <a:schemeClr val="lt1"/>
+                        </a:solidFill>
+                      </a:endParaRPr>
+                    </a:p>
+                  </a:txBody>
+                  <a:tcPr marL="91440" marR="91440" anchor="ctr" anchorCtr="1">
+                    <a:lnL w="9525" cap="flat" cmpd="sng" algn="ctr">
+                      <a:noFill/>
+                      <a:prstDash val="solid"/>
+                      <a:round/>
+                      <a:headEnd w="med" len="med"/>
+                      <a:tailEnd w="med" len="med"/>
+                    </a:lnL>
+                    <a:lnR w="9525" cap="flat" cmpd="sng" algn="ctr">
+                      <a:noFill/>
+                      <a:prstDash val="solid"/>
+                      <a:round/>
+                      <a:headEnd w="med" len="med"/>
+                      <a:tailEnd w="med" len="med"/>
+                    </a:lnR>
+                    <a:lnT w="9525" cap="flat" cmpd="sng" algn="ctr">
+                      <a:noFill/>
+                      <a:prstDash val="solid"/>
+                      <a:round/>
+                      <a:headEnd w="med" len="med"/>
+                      <a:tailEnd w="med" len="med"/>
+                    </a:lnT>
+                    <a:lnB w="9525" cap="flat" cmpd="sng" algn="ctr">
+                      <a:noFill/>
+                      <a:prstDash val="solid"/>
+                      <a:round/>
+                      <a:headEnd w="med" len="med"/>
+                      <a:tailEnd w="med" len="med"/>
+                    </a:lnB>
+                    <a:solidFill>
+                      <a:srgbClr val="9be5c8"/>
+                    </a:solidFill>
+                  </a:tcPr>
+                </a:tc>
+                <a:tc hMerge="1">
+                  <a:txBody>
+                    <a:bodyPr wrap="square">
+                      <a:spAutoFit/>
+                    </a:bodyPr>
+                    <a:p>
+                      <a:pPr>
+                        <a:defRPr/>
+                      </a:pPr>
+                      <a:endParaRPr lang="ko-KR" altLang="en-US"/>
+                    </a:p>
+                  </a:txBody>
+                  <a:tcPr marL="91440" marR="91440"/>
+                </a:tc>
+              </a:tr>
+              <a:tr h="462057">
+                <a:tc gridSpan="2">
+                  <a:txBody>
+                    <a:bodyPr vert="horz" wrap="square" lIns="91440" tIns="45720" rIns="91440" bIns="45720" anchor="ctr" anchorCtr="1">
+                      <a:spAutoFit/>
+                    </a:bodyPr>
+                    <a:p>
+                      <a:pPr algn="ctr">
+                        <a:defRPr/>
+                      </a:pPr>
+                      <a:endParaRPr lang="en-US" altLang="ko-KR" sz="1300" b="1">
+                        <a:solidFill>
+                          <a:schemeClr val="lt1"/>
+                        </a:solidFill>
+                      </a:endParaRPr>
+                    </a:p>
+                  </a:txBody>
+                  <a:tcPr marL="91440" marR="91440" anchor="ctr" anchorCtr="1">
+                    <a:lnL w="9525" cap="flat" cmpd="sng" algn="ctr">
+                      <a:noFill/>
+                      <a:prstDash val="solid"/>
+                      <a:round/>
+                      <a:headEnd w="med" len="med"/>
+                      <a:tailEnd w="med" len="med"/>
+                    </a:lnL>
+                    <a:lnR w="9525" cap="flat" cmpd="sng" algn="ctr">
+                      <a:noFill/>
+                      <a:prstDash val="solid"/>
+                      <a:round/>
+                      <a:headEnd w="med" len="med"/>
+                      <a:tailEnd w="med" len="med"/>
+                    </a:lnR>
+                    <a:lnT w="9525" cap="flat" cmpd="sng" algn="ctr">
+                      <a:noFill/>
+                      <a:prstDash val="solid"/>
+                      <a:round/>
+                      <a:headEnd w="med" len="med"/>
+                      <a:tailEnd w="med" len="med"/>
+                    </a:lnT>
+                    <a:lnB w="9525" cap="flat" cmpd="sng" algn="ctr">
+                      <a:noFill/>
+                      <a:prstDash val="solid"/>
+                      <a:round/>
+                      <a:headEnd w="med" len="med"/>
+                      <a:tailEnd w="med" len="med"/>
+                    </a:lnB>
+                    <a:solidFill>
+                      <a:srgbClr val="9be5c8"/>
+                    </a:solidFill>
+                  </a:tcPr>
+                </a:tc>
+                <a:tc hMerge="1">
+                  <a:txBody>
+                    <a:bodyPr wrap="square">
+                      <a:spAutoFit/>
+                    </a:bodyPr>
+                    <a:p>
+                      <a:pPr>
+                        <a:defRPr/>
+                      </a:pPr>
+                      <a:endParaRPr lang="ko-KR" altLang="en-US"/>
+                    </a:p>
+                  </a:txBody>
+                  <a:tcPr marL="91440" marR="91440"/>
+                </a:tc>
+              </a:tr>
+              <a:tr h="462057">
+                <a:tc gridSpan="2">
+                  <a:txBody>
+                    <a:bodyPr vert="horz" wrap="square" lIns="91440" tIns="45720" rIns="91440" bIns="45720" anchor="ctr" anchorCtr="1">
+                      <a:spAutoFit/>
+                    </a:bodyPr>
+                    <a:p>
+                      <a:pPr algn="ctr">
+                        <a:defRPr/>
+                      </a:pPr>
+                      <a:endParaRPr lang="en-US" altLang="ko-KR" sz="1300" b="1">
+                        <a:solidFill>
+                          <a:schemeClr val="lt1"/>
+                        </a:solidFill>
+                      </a:endParaRPr>
+                    </a:p>
+                  </a:txBody>
+                  <a:tcPr marL="91440" marR="91440" anchor="ctr" anchorCtr="1">
+                    <a:lnL w="9525" cap="flat" cmpd="sng" algn="ctr">
+                      <a:noFill/>
+                      <a:prstDash val="solid"/>
+                      <a:round/>
+                      <a:headEnd w="med" len="med"/>
+                      <a:tailEnd w="med" len="med"/>
+                    </a:lnL>
+                    <a:lnR w="9525" cap="flat" cmpd="sng" algn="ctr">
+                      <a:noFill/>
+                      <a:prstDash val="solid"/>
+                      <a:round/>
+                      <a:headEnd w="med" len="med"/>
+                      <a:tailEnd w="med" len="med"/>
+                    </a:lnR>
+                    <a:lnT w="9525" cap="flat" cmpd="sng" algn="ctr">
+                      <a:noFill/>
+                      <a:prstDash val="solid"/>
+                      <a:round/>
+                      <a:headEnd w="med" len="med"/>
+                      <a:tailEnd w="med" len="med"/>
+                    </a:lnT>
+                    <a:lnB w="9525" cap="flat" cmpd="sng" algn="ctr">
+                      <a:noFill/>
+                      <a:prstDash val="solid"/>
+                      <a:round/>
+                      <a:headEnd w="med" len="med"/>
+                      <a:tailEnd w="med" len="med"/>
+                    </a:lnB>
+                    <a:solidFill>
+                      <a:srgbClr val="9be5c8"/>
+                    </a:solidFill>
+                  </a:tcPr>
+                </a:tc>
+                <a:tc hMerge="1">
+                  <a:txBody>
+                    <a:bodyPr wrap="square">
+                      <a:spAutoFit/>
+                    </a:bodyPr>
+                    <a:p>
+                      <a:pPr>
+                        <a:defRPr/>
+                      </a:pPr>
+                      <a:endParaRPr lang="ko-KR" altLang="en-US"/>
+                    </a:p>
+                  </a:txBody>
+                  <a:tcPr marL="91440" marR="91440"/>
+                </a:tc>
+              </a:tr>
+              <a:tr h="462057">
+                <a:tc gridSpan="2">
+                  <a:txBody>
+                    <a:bodyPr vert="horz" wrap="square" lIns="91440" tIns="45720" rIns="91440" bIns="45720" anchor="ctr" anchorCtr="1">
+                      <a:spAutoFit/>
+                    </a:bodyPr>
+                    <a:p>
+                      <a:pPr algn="ctr">
+                        <a:defRPr/>
+                      </a:pPr>
+                      <a:endParaRPr lang="en-US" altLang="ko-KR" sz="1300" b="1">
+                        <a:solidFill>
+                          <a:schemeClr val="lt1"/>
+                        </a:solidFill>
+                      </a:endParaRPr>
+                    </a:p>
+                  </a:txBody>
+                  <a:tcPr marL="91440" marR="91440" anchor="ctr" anchorCtr="1">
+                    <a:lnL w="9525" cap="flat" cmpd="sng" algn="ctr">
+                      <a:noFill/>
+                      <a:prstDash val="solid"/>
+                      <a:round/>
+                      <a:headEnd w="med" len="med"/>
+                      <a:tailEnd w="med" len="med"/>
+                    </a:lnL>
+                    <a:lnR w="9525" cap="flat" cmpd="sng" algn="ctr">
+                      <a:noFill/>
+                      <a:prstDash val="solid"/>
+                      <a:round/>
+                      <a:headEnd w="med" len="med"/>
+                      <a:tailEnd w="med" len="med"/>
+                    </a:lnR>
+                    <a:lnT w="9525" cap="flat" cmpd="sng" algn="ctr">
+                      <a:noFill/>
+                      <a:prstDash val="solid"/>
+                      <a:round/>
+                      <a:headEnd w="med" len="med"/>
+                      <a:tailEnd w="med" len="med"/>
+                    </a:lnT>
+                    <a:lnB w="9525" cap="flat" cmpd="sng" algn="ctr">
+                      <a:noFill/>
+                      <a:prstDash val="solid"/>
+                      <a:round/>
+                      <a:headEnd w="med" len="med"/>
+                      <a:tailEnd w="med" len="med"/>
+                    </a:lnB>
+                    <a:solidFill>
+                      <a:srgbClr val="9be5c8"/>
+                    </a:solidFill>
+                  </a:tcPr>
+                </a:tc>
+                <a:tc hMerge="1">
+                  <a:txBody>
+                    <a:bodyPr wrap="square">
+                      <a:spAutoFit/>
+                    </a:bodyPr>
+                    <a:p>
+                      <a:pPr>
+                        <a:defRPr/>
+                      </a:pPr>
+                      <a:endParaRPr lang="ko-KR" altLang="en-US"/>
+                    </a:p>
+                  </a:txBody>
+                  <a:tcPr marL="91440" marR="91440"/>
+                </a:tc>
+              </a:tr>
+              <a:tr h="462057">
+                <a:tc gridSpan="2">
+                  <a:txBody>
+                    <a:bodyPr vert="horz" wrap="square" lIns="91440" tIns="45720" rIns="91440" bIns="45720" anchor="ctr" anchorCtr="1">
+                      <a:spAutoFit/>
+                    </a:bodyPr>
+                    <a:p>
+                      <a:pPr algn="ctr">
+                        <a:defRPr/>
+                      </a:pPr>
+                      <a:endParaRPr lang="en-US" altLang="ko-KR" sz="1300" b="1">
+                        <a:solidFill>
+                          <a:schemeClr val="lt1"/>
+                        </a:solidFill>
+                      </a:endParaRPr>
+                    </a:p>
+                  </a:txBody>
+                  <a:tcPr marL="91440" marR="91440" anchor="ctr" anchorCtr="1">
+                    <a:lnL w="9525" cap="flat" cmpd="sng" algn="ctr">
+                      <a:noFill/>
+                      <a:prstDash val="solid"/>
+                      <a:round/>
+                      <a:headEnd w="med" len="med"/>
+                      <a:tailEnd w="med" len="med"/>
+                    </a:lnL>
+                    <a:lnR w="9525" cap="flat" cmpd="sng" algn="ctr">
+                      <a:noFill/>
+                      <a:prstDash val="solid"/>
+                      <a:round/>
+                      <a:headEnd w="med" len="med"/>
+                      <a:tailEnd w="med" len="med"/>
+                    </a:lnR>
+                    <a:lnT w="9525" cap="flat" cmpd="sng" algn="ctr">
+                      <a:noFill/>
+                      <a:prstDash val="solid"/>
+                      <a:round/>
+                      <a:headEnd w="med" len="med"/>
+                      <a:tailEnd w="med" len="med"/>
+                    </a:lnT>
+                    <a:lnB w="9525" cap="flat" cmpd="sng" algn="ctr">
+                      <a:noFill/>
+                      <a:prstDash val="solid"/>
+                      <a:round/>
+                      <a:headEnd w="med" len="med"/>
+                      <a:tailEnd w="med" len="med"/>
+                    </a:lnB>
+                    <a:solidFill>
+                      <a:srgbClr val="9be5c8"/>
+                    </a:solidFill>
+                  </a:tcPr>
+                </a:tc>
+                <a:tc hMerge="1">
+                  <a:txBody>
+                    <a:bodyPr wrap="square">
+                      <a:spAutoFit/>
+                    </a:bodyPr>
+                    <a:p>
+                      <a:pPr>
+                        <a:defRPr/>
+                      </a:pPr>
+                      <a:endParaRPr lang="ko-KR" altLang="en-US"/>
+                    </a:p>
+                  </a:txBody>
+                  <a:tcPr marL="91440" marR="91440"/>
+                </a:tc>
+              </a:tr>
+              <a:tr h="462057">
+                <a:tc gridSpan="2">
+                  <a:txBody>
+                    <a:bodyPr vert="horz" wrap="square" lIns="91440" tIns="45720" rIns="91440" bIns="45720" anchor="ctr" anchorCtr="1">
+                      <a:spAutoFit/>
+                    </a:bodyPr>
+                    <a:p>
+                      <a:pPr algn="ctr">
+                        <a:defRPr/>
+                      </a:pPr>
+                      <a:endParaRPr lang="en-US" altLang="ko-KR" sz="1300" b="1">
+                        <a:solidFill>
+                          <a:schemeClr val="lt1"/>
+                        </a:solidFill>
+                      </a:endParaRPr>
+                    </a:p>
+                  </a:txBody>
+                  <a:tcPr marL="91440" marR="91440" anchor="ctr" anchorCtr="1">
+                    <a:lnL w="9525" cap="flat" cmpd="sng" algn="ctr">
+                      <a:noFill/>
+                      <a:prstDash val="solid"/>
+                      <a:round/>
+                      <a:headEnd w="med" len="med"/>
+                      <a:tailEnd w="med" len="med"/>
+                    </a:lnL>
+                    <a:lnR w="9525" cap="flat" cmpd="sng" algn="ctr">
+                      <a:noFill/>
+                      <a:prstDash val="solid"/>
+                      <a:round/>
+                      <a:headEnd w="med" len="med"/>
+                      <a:tailEnd w="med" len="med"/>
+                    </a:lnR>
+                    <a:lnT w="9525" cap="flat" cmpd="sng" algn="ctr">
+                      <a:noFill/>
+                      <a:prstDash val="solid"/>
+                      <a:round/>
+                      <a:headEnd w="med" len="med"/>
+                      <a:tailEnd w="med" len="med"/>
+                    </a:lnT>
+                    <a:lnB w="9525" cap="flat" cmpd="sng" algn="ctr">
+                      <a:noFill/>
+                      <a:prstDash val="solid"/>
+                      <a:round/>
+                      <a:headEnd w="med" len="med"/>
+                      <a:tailEnd w="med" len="med"/>
+                    </a:lnB>
+                    <a:solidFill>
+                      <a:srgbClr val="9be5c8"/>
+                    </a:solidFill>
+                  </a:tcPr>
+                </a:tc>
+                <a:tc hMerge="1">
+                  <a:txBody>
+                    <a:bodyPr wrap="square">
+                      <a:spAutoFit/>
+                    </a:bodyPr>
+                    <a:p>
+                      <a:pPr>
+                        <a:defRPr/>
+                      </a:pPr>
+                      <a:endParaRPr lang="ko-KR" altLang="en-US"/>
+                    </a:p>
+                  </a:txBody>
+                  <a:tcPr marL="91440" marR="91440"/>
+                </a:tc>
+              </a:tr>
+              <a:tr h="462057">
+                <a:tc gridSpan="2">
+                  <a:txBody>
+                    <a:bodyPr vert="horz" wrap="square" lIns="91440" tIns="45720" rIns="91440" bIns="45720" anchor="ctr" anchorCtr="1">
+                      <a:spAutoFit/>
+                    </a:bodyPr>
+                    <a:p>
+                      <a:pPr algn="ctr">
+                        <a:defRPr/>
+                      </a:pPr>
+                      <a:endParaRPr lang="en-US" altLang="ko-KR" sz="1300" b="1">
+                        <a:solidFill>
+                          <a:schemeClr val="lt1"/>
+                        </a:solidFill>
+                      </a:endParaRPr>
+                    </a:p>
+                  </a:txBody>
+                  <a:tcPr marL="91440" marR="91440" anchor="ctr" anchorCtr="1">
+                    <a:lnL w="9525" cap="flat" cmpd="sng" algn="ctr">
+                      <a:noFill/>
+                      <a:prstDash val="solid"/>
+                      <a:round/>
+                      <a:headEnd w="med" len="med"/>
+                      <a:tailEnd w="med" len="med"/>
+                    </a:lnL>
+                    <a:lnR w="9525" cap="flat" cmpd="sng" algn="ctr">
+                      <a:noFill/>
+                      <a:prstDash val="solid"/>
+                      <a:round/>
+                      <a:headEnd w="med" len="med"/>
+                      <a:tailEnd w="med" len="med"/>
+                    </a:lnR>
+                    <a:lnT w="9525" cap="flat" cmpd="sng" algn="ctr">
+                      <a:noFill/>
+                      <a:prstDash val="solid"/>
+                      <a:round/>
+                      <a:headEnd w="med" len="med"/>
+                      <a:tailEnd w="med" len="med"/>
+                    </a:lnT>
+                    <a:lnB w="9525" cap="flat" cmpd="sng" algn="ctr">
+                      <a:noFill/>
+                      <a:prstDash val="solid"/>
+                      <a:round/>
+                      <a:headEnd w="med" len="med"/>
+                      <a:tailEnd w="med" len="med"/>
+                    </a:lnB>
+                    <a:solidFill>
+                      <a:srgbClr val="9be5c8"/>
+                    </a:solidFill>
+                  </a:tcPr>
+                </a:tc>
+                <a:tc hMerge="1">
+                  <a:txBody>
+                    <a:bodyPr wrap="square">
+                      <a:spAutoFit/>
+                    </a:bodyPr>
+                    <a:p>
+                      <a:pPr>
+                        <a:defRPr/>
+                      </a:pPr>
+                      <a:endParaRPr lang="ko-KR" altLang="en-US"/>
+                    </a:p>
+                  </a:txBody>
+                  <a:tcPr marL="91440" marR="91440"/>
+                </a:tc>
+              </a:tr>
+            </a:tbl>
+          </a:graphicData>
+        </a:graphic>
+      </p:graphicFrame>
+      <p:graphicFrame>
+        <p:nvGraphicFramePr>
+          <p:cNvPr id="354" name=""/>
+          <p:cNvGraphicFramePr>
+            <a:graphicFrameLocks noGrp="1"/>
+          </p:cNvGraphicFramePr>
+          <p:nvPr/>
+        </p:nvGraphicFramePr>
+        <p:xfrm>
+          <a:off x="1862789" y="978289"/>
+          <a:ext cx="1512189" cy="5544692"/>
+        </p:xfrm>
+        <a:graphic>
+          <a:graphicData uri="http://schemas.openxmlformats.org/drawingml/2006/table">
+            <a:tbl>
+              <a:tblPr firstRow="1" bandRow="1">
+                <a:tableStyle styleId="{01A66EDD-3DAB-4C5B-A090-DC80EC1FD486}" styleName="Normal Style 1 - Accent 1">
+                  <a:wholeTbl>
+                    <a:tcTxStyle>
+                      <a:fontRef idx="minor">
+                        <a:prstClr val="black"/>
+                      </a:fontRef>
+                      <a:schemeClr val="dk1"/>
+                    </a:tcTxStyle>
+                    <a:tcStyle>
+                      <a:tcBdr>
+                        <a:left>
+                          <a:ln w="12700" cmpd="sng">
+                            <a:solidFill>
+                              <a:schemeClr val="lt1"/>
+                            </a:solidFill>
+                          </a:ln>
+                        </a:left>
+                        <a:right>
+                          <a:ln w="12700" cmpd="sng">
+                            <a:solidFill>
+                              <a:schemeClr val="lt1"/>
+                            </a:solidFill>
+                          </a:ln>
+                        </a:right>
+                        <a:top>
+                          <a:ln w="12700" cmpd="sng">
+                            <a:solidFill>
+                              <a:schemeClr val="lt1"/>
+                            </a:solidFill>
+                          </a:ln>
+                        </a:top>
+                        <a:bottom>
+                          <a:ln w="12700" cmpd="sng">
+                            <a:solidFill>
+                              <a:schemeClr val="lt1"/>
+                            </a:solidFill>
+                          </a:ln>
+                        </a:bottom>
+                        <a:insideH>
+                          <a:ln w="12700" cmpd="sng">
+                            <a:solidFill>
+                              <a:schemeClr val="lt1"/>
+                            </a:solidFill>
+                          </a:ln>
+                        </a:insideH>
+                        <a:insideV>
+                          <a:ln w="12700" cmpd="sng">
+                            <a:solidFill>
+                              <a:schemeClr val="lt1"/>
+                            </a:solidFill>
+                          </a:ln>
+                        </a:insideV>
+                      </a:tcBdr>
+                      <a:fill>
+                        <a:solidFill>
+                          <a:schemeClr val="accent1">
+                            <a:lum val="90000"/>
+                          </a:schemeClr>
+                        </a:solidFill>
+                      </a:fill>
+                    </a:tcStyle>
+                  </a:wholeTbl>
+                  <a:band1H>
+                    <a:tcTxStyle/>
+                    <a:tcStyle>
+                      <a:tcBdr/>
+                      <a:fill>
+                        <a:solidFill>
+                          <a:schemeClr val="accent1">
+                            <a:lum val="80000"/>
+                          </a:schemeClr>
+                        </a:solidFill>
+                      </a:fill>
+                    </a:tcStyle>
+                  </a:band1H>
+                  <a:band2H>
+                    <a:tcTxStyle/>
+                    <a:tcStyle>
+                      <a:tcBdr/>
+                    </a:tcStyle>
+                  </a:band2H>
+                  <a:band1V>
+                    <a:tcTxStyle/>
+                    <a:tcStyle>
+                      <a:tcBdr/>
+                      <a:fill>
+                        <a:solidFill>
+                          <a:schemeClr val="accent1">
+                            <a:lum val="80000"/>
+                          </a:schemeClr>
+                        </a:solidFill>
+                      </a:fill>
+                    </a:tcStyle>
+                  </a:band1V>
+                  <a:band2V>
+                    <a:tcTxStyle/>
+                    <a:tcStyle>
+                      <a:tcBdr/>
+                    </a:tcStyle>
+                  </a:band2V>
+                  <a:lastCol>
+                    <a:tcTxStyle b="on">
+                      <a:fontRef idx="minor">
+                        <a:prstClr val="black"/>
+                      </a:fontRef>
+                      <a:schemeClr val="lt1"/>
+                    </a:tcTxStyle>
+                    <a:tcStyle>
+                      <a:tcBdr/>
+                      <a:fill>
+                        <a:solidFill>
+                          <a:schemeClr val="accent1"/>
+                        </a:solidFill>
+                      </a:fill>
+                    </a:tcStyle>
+                  </a:lastCol>
+                  <a:firstCol>
+                    <a:tcTxStyle b="on">
+                      <a:fontRef idx="minor">
+                        <a:prstClr val="black"/>
+                      </a:fontRef>
+                      <a:schemeClr val="lt1"/>
+                    </a:tcTxStyle>
+                    <a:tcStyle>
+                      <a:tcBdr/>
+                      <a:fill>
+                        <a:solidFill>
+                          <a:schemeClr val="accent1"/>
+                        </a:solidFill>
+                      </a:fill>
+                    </a:tcStyle>
+                  </a:firstCol>
+                  <a:lastRow>
+                    <a:tcTxStyle b="on">
+                      <a:fontRef idx="minor">
+                        <a:prstClr val="black"/>
+                      </a:fontRef>
+                      <a:schemeClr val="lt1"/>
+                    </a:tcTxStyle>
+                    <a:tcStyle>
+                      <a:tcBdr>
+                        <a:top>
+                          <a:ln w="38100" cmpd="sng">
+                            <a:solidFill>
+                              <a:schemeClr val="lt1"/>
+                            </a:solidFill>
+                          </a:ln>
+                        </a:top>
+                      </a:tcBdr>
+                      <a:fill>
+                        <a:solidFill>
+                          <a:schemeClr val="accent1"/>
+                        </a:solidFill>
+                      </a:fill>
+                    </a:tcStyle>
+                  </a:lastRow>
+                  <a:firstRow>
+                    <a:tcTxStyle b="on">
+                      <a:fontRef idx="minor">
+                        <a:prstClr val="black"/>
+                      </a:fontRef>
+                      <a:schemeClr val="lt1"/>
+                    </a:tcTxStyle>
+                    <a:tcStyle>
+                      <a:tcBdr>
+                        <a:bottom>
+                          <a:ln w="38100" cmpd="sng">
+                            <a:solidFill>
+                              <a:schemeClr val="lt1"/>
+                            </a:solidFill>
+                          </a:ln>
+                        </a:bottom>
+                      </a:tcBdr>
+                      <a:fill>
+                        <a:solidFill>
+                          <a:schemeClr val="accent1"/>
+                        </a:solidFill>
+                      </a:fill>
+                    </a:tcStyle>
+                  </a:firstRow>
+                </a:tableStyle>
+              </a:tblPr>
+              <a:tblGrid>
+                <a:gridCol w="359754"/>
+                <a:gridCol w="1152434"/>
+              </a:tblGrid>
+              <a:tr h="462057">
+                <a:tc gridSpan="2">
+                  <a:txBody>
+                    <a:bodyPr vert="horz" wrap="square" lIns="91440" tIns="45720" rIns="91440" bIns="45720" anchor="ctr" anchorCtr="1">
+                      <a:spAutoFit/>
+                    </a:bodyPr>
+                    <a:p>
+                      <a:pPr marL="0" marR="0" lvl="0" indent="0" algn="ctr" defTabSz="914400" rtl="0" eaLnBrk="1" latinLnBrk="1" hangingPunct="1">
+                        <a:lnSpc>
+                          <a:spcPct val="100000"/>
+                        </a:lnSpc>
+                        <a:spcBef>
+                          <a:spcPts val="100"/>
+                        </a:spcBef>
+                        <a:spcAft>
+                          <a:spcPts val="0"/>
+                        </a:spcAft>
+                        <a:buClrTx/>
+                        <a:buFontTx/>
+                        <a:buNone/>
+                        <a:defRPr/>
+                      </a:pPr>
+                      <a:r>
+                        <a:rPr lang="ko-KR" altLang="en-US" sz="1300">
+                          <a:solidFill>
+                            <a:schemeClr val="lt1"/>
+                          </a:solidFill>
+                          <a:effectLst/>
+                        </a:rPr>
+                        <a:t>서브 메뉴</a:t>
+                      </a:r>
+                      <a:endParaRPr lang="ko-KR" altLang="en-US" sz="1300">
+                        <a:solidFill>
+                          <a:schemeClr val="lt1"/>
+                        </a:solidFill>
+                        <a:effectLst/>
+                      </a:endParaRPr>
+                    </a:p>
+                  </a:txBody>
+                  <a:tcPr marL="91440" marR="91440" anchor="ctr" anchorCtr="1">
+                    <a:lnL w="9525" cap="flat" cmpd="sng" algn="ctr">
+                      <a:noFill/>
+                      <a:prstDash val="solid"/>
+                      <a:round/>
+                      <a:headEnd w="med" len="med"/>
+                      <a:tailEnd w="med" len="med"/>
+                    </a:lnL>
+                    <a:lnR w="9525" cap="flat" cmpd="sng" algn="ctr">
+                      <a:noFill/>
+                      <a:prstDash val="solid"/>
+                      <a:round/>
+                      <a:headEnd w="med" len="med"/>
+                      <a:tailEnd w="med" len="med"/>
+                    </a:lnR>
+                    <a:lnT w="9525" cap="flat" cmpd="sng" algn="ctr">
+                      <a:noFill/>
+                      <a:prstDash val="solid"/>
+                      <a:round/>
+                      <a:headEnd w="med" len="med"/>
+                      <a:tailEnd w="med" len="med"/>
+                    </a:lnT>
+                    <a:lnB w="9525" cap="flat" cmpd="sng" algn="ctr">
+                      <a:noFill/>
+                      <a:prstDash val="solid"/>
+                      <a:round/>
+                      <a:headEnd w="med" len="med"/>
+                      <a:tailEnd w="med" len="med"/>
+                    </a:lnB>
+                    <a:solidFill>
+                      <a:srgbClr val="69d8ad"/>
+                    </a:solidFill>
+                  </a:tcPr>
+                </a:tc>
+                <a:tc hMerge="1">
+                  <a:txBody>
+                    <a:bodyPr wrap="square">
+                      <a:spAutoFit/>
+                    </a:bodyPr>
+                    <a:p>
+                      <a:pPr>
+                        <a:defRPr/>
+                      </a:pPr>
+                      <a:endParaRPr lang="ko-KR" altLang="en-US"/>
+                    </a:p>
+                  </a:txBody>
+                  <a:tcPr marL="91440" marR="91440"/>
+                </a:tc>
+              </a:tr>
+              <a:tr h="462057">
+                <a:tc gridSpan="2">
+                  <a:txBody>
+                    <a:bodyPr vert="horz" wrap="square" lIns="91440" tIns="45720" rIns="91440" bIns="45720" anchor="ctr" anchorCtr="1">
+                      <a:spAutoFit/>
+                    </a:bodyPr>
+                    <a:p>
+                      <a:pPr algn="ctr">
+                        <a:defRPr/>
+                      </a:pPr>
+                      <a:endParaRPr lang="ko-KR" altLang="en-US" sz="1300" b="1">
+                        <a:solidFill>
+                          <a:schemeClr val="lt1"/>
+                        </a:solidFill>
+                      </a:endParaRPr>
+                    </a:p>
+                  </a:txBody>
+                  <a:tcPr marL="91440" marR="91440" anchor="ctr" anchorCtr="1">
+                    <a:lnL w="9525" cap="flat" cmpd="sng" algn="ctr">
+                      <a:noFill/>
+                      <a:prstDash val="solid"/>
+                      <a:round/>
+                      <a:headEnd w="med" len="med"/>
+                      <a:tailEnd w="med" len="med"/>
+                    </a:lnL>
+                    <a:lnR w="9525" cap="flat" cmpd="sng" algn="ctr">
+                      <a:noFill/>
+                      <a:prstDash val="solid"/>
+                      <a:round/>
+                      <a:headEnd w="med" len="med"/>
+                      <a:tailEnd w="med" len="med"/>
+                    </a:lnR>
+                    <a:lnT w="9525" cap="flat" cmpd="sng" algn="ctr">
+                      <a:noFill/>
+                      <a:prstDash val="solid"/>
+                      <a:round/>
+                      <a:headEnd w="med" len="med"/>
+                      <a:tailEnd w="med" len="med"/>
+                    </a:lnT>
+                    <a:lnB w="9525" cap="flat" cmpd="sng" algn="ctr">
+                      <a:noFill/>
+                      <a:prstDash val="solid"/>
+                      <a:round/>
+                      <a:headEnd w="med" len="med"/>
+                      <a:tailEnd w="med" len="med"/>
+                    </a:lnB>
+                    <a:solidFill>
+                      <a:srgbClr val="69d8ad"/>
+                    </a:solidFill>
+                  </a:tcPr>
+                </a:tc>
+                <a:tc hMerge="1">
+                  <a:txBody>
+                    <a:bodyPr wrap="square">
+                      <a:spAutoFit/>
+                    </a:bodyPr>
+                    <a:p>
+                      <a:pPr>
+                        <a:defRPr/>
+                      </a:pPr>
+                      <a:endParaRPr lang="ko-KR" altLang="en-US"/>
+                    </a:p>
+                  </a:txBody>
+                  <a:tcPr marL="91440" marR="91440"/>
+                </a:tc>
+              </a:tr>
+              <a:tr h="462057">
+                <a:tc gridSpan="2">
+                  <a:txBody>
+                    <a:bodyPr vert="horz" wrap="square" lIns="91440" tIns="45720" rIns="91440" bIns="45720" anchor="ctr" anchorCtr="1">
+                      <a:spAutoFit/>
+                    </a:bodyPr>
+                    <a:p>
+                      <a:pPr algn="ctr">
+                        <a:defRPr/>
+                      </a:pPr>
+                      <a:endParaRPr lang="ko-KR" altLang="en-US" sz="1300" b="1">
+                        <a:solidFill>
+                          <a:schemeClr val="lt1"/>
+                        </a:solidFill>
+                      </a:endParaRPr>
+                    </a:p>
+                  </a:txBody>
+                  <a:tcPr marL="91440" marR="91440" anchor="ctr" anchorCtr="1">
+                    <a:lnL w="9525" cap="flat" cmpd="sng" algn="ctr">
+                      <a:noFill/>
+                      <a:prstDash val="solid"/>
+                      <a:round/>
+                      <a:headEnd w="med" len="med"/>
+                      <a:tailEnd w="med" len="med"/>
+                    </a:lnL>
+                    <a:lnR w="9525" cap="flat" cmpd="sng" algn="ctr">
+                      <a:noFill/>
+                      <a:prstDash val="solid"/>
+                      <a:round/>
+                      <a:headEnd w="med" len="med"/>
+                      <a:tailEnd w="med" len="med"/>
+                    </a:lnR>
+                    <a:lnT w="9525" cap="flat" cmpd="sng" algn="ctr">
+                      <a:noFill/>
+                      <a:prstDash val="solid"/>
+                      <a:round/>
+                      <a:headEnd w="med" len="med"/>
+                      <a:tailEnd w="med" len="med"/>
+                    </a:lnT>
+                    <a:lnB w="9525" cap="flat" cmpd="sng" algn="ctr">
+                      <a:noFill/>
+                      <a:prstDash val="solid"/>
+                      <a:round/>
+                      <a:headEnd w="med" len="med"/>
+                      <a:tailEnd w="med" len="med"/>
+                    </a:lnB>
+                    <a:solidFill>
+                      <a:srgbClr val="69d8ad"/>
+                    </a:solidFill>
+                  </a:tcPr>
+                </a:tc>
+                <a:tc hMerge="1">
+                  <a:txBody>
+                    <a:bodyPr wrap="square">
+                      <a:spAutoFit/>
+                    </a:bodyPr>
+                    <a:p>
+                      <a:pPr>
+                        <a:defRPr/>
+                      </a:pPr>
+                      <a:endParaRPr lang="ko-KR" altLang="en-US"/>
+                    </a:p>
+                  </a:txBody>
+                  <a:tcPr marL="91440" marR="91440"/>
+                </a:tc>
+              </a:tr>
+              <a:tr h="462057">
+                <a:tc gridSpan="2">
+                  <a:txBody>
+                    <a:bodyPr vert="horz" wrap="square" lIns="91440" tIns="45720" rIns="91440" bIns="45720" anchor="ctr" anchorCtr="1">
+                      <a:spAutoFit/>
+                    </a:bodyPr>
+                    <a:p>
+                      <a:pPr algn="ctr">
+                        <a:defRPr/>
+                      </a:pPr>
+                      <a:endParaRPr lang="ko-KR" altLang="en-US" sz="1300" b="1">
+                        <a:solidFill>
+                          <a:schemeClr val="lt1"/>
+                        </a:solidFill>
+                      </a:endParaRPr>
+                    </a:p>
+                  </a:txBody>
+                  <a:tcPr marL="91440" marR="91440" anchor="ctr" anchorCtr="1">
+                    <a:lnL w="9525" cap="flat" cmpd="sng" algn="ctr">
+                      <a:noFill/>
+                      <a:prstDash val="solid"/>
+                      <a:round/>
+                      <a:headEnd w="med" len="med"/>
+                      <a:tailEnd w="med" len="med"/>
+                    </a:lnL>
+                    <a:lnR w="9525" cap="flat" cmpd="sng" algn="ctr">
+                      <a:noFill/>
+                      <a:prstDash val="solid"/>
+                      <a:round/>
+                      <a:headEnd w="med" len="med"/>
+                      <a:tailEnd w="med" len="med"/>
+                    </a:lnR>
+                    <a:lnT w="9525" cap="flat" cmpd="sng" algn="ctr">
+                      <a:noFill/>
+                      <a:prstDash val="solid"/>
+                      <a:round/>
+                      <a:headEnd w="med" len="med"/>
+                      <a:tailEnd w="med" len="med"/>
+                    </a:lnT>
+                    <a:lnB w="9525" cap="flat" cmpd="sng" algn="ctr">
+                      <a:noFill/>
+                      <a:prstDash val="solid"/>
+                      <a:round/>
+                      <a:headEnd w="med" len="med"/>
+                      <a:tailEnd w="med" len="med"/>
+                    </a:lnB>
+                    <a:solidFill>
+                      <a:srgbClr val="69d8ad"/>
+                    </a:solidFill>
+                  </a:tcPr>
+                </a:tc>
+                <a:tc hMerge="1">
+                  <a:txBody>
+                    <a:bodyPr wrap="square">
+                      <a:spAutoFit/>
+                    </a:bodyPr>
+                    <a:p>
+                      <a:pPr>
+                        <a:defRPr/>
+                      </a:pPr>
+                      <a:endParaRPr lang="ko-KR" altLang="en-US"/>
+                    </a:p>
+                  </a:txBody>
+                  <a:tcPr marL="91440" marR="91440"/>
+                </a:tc>
+              </a:tr>
+              <a:tr h="462057">
+                <a:tc gridSpan="2">
+                  <a:txBody>
+                    <a:bodyPr vert="horz" wrap="square" lIns="91440" tIns="45720" rIns="91440" bIns="45720" anchor="ctr" anchorCtr="1">
+                      <a:spAutoFit/>
+                    </a:bodyPr>
+                    <a:p>
+                      <a:pPr algn="ctr">
+                        <a:defRPr/>
+                      </a:pPr>
+                      <a:endParaRPr lang="ko-KR" altLang="en-US" sz="1300" b="1">
+                        <a:solidFill>
+                          <a:schemeClr val="lt1"/>
+                        </a:solidFill>
+                      </a:endParaRPr>
+                    </a:p>
+                  </a:txBody>
+                  <a:tcPr marL="91440" marR="91440" anchor="ctr" anchorCtr="1">
+                    <a:lnL w="9525" cap="flat" cmpd="sng" algn="ctr">
+                      <a:noFill/>
+                      <a:prstDash val="solid"/>
+                      <a:round/>
+                      <a:headEnd w="med" len="med"/>
+                      <a:tailEnd w="med" len="med"/>
+                    </a:lnL>
+                    <a:lnR w="9525" cap="flat" cmpd="sng" algn="ctr">
+                      <a:noFill/>
+                      <a:prstDash val="solid"/>
+                      <a:round/>
+                      <a:headEnd w="med" len="med"/>
+                      <a:tailEnd w="med" len="med"/>
+                    </a:lnR>
+                    <a:lnT w="9525" cap="flat" cmpd="sng" algn="ctr">
+                      <a:noFill/>
+                      <a:prstDash val="solid"/>
+                      <a:round/>
+                      <a:headEnd w="med" len="med"/>
+                      <a:tailEnd w="med" len="med"/>
+                    </a:lnT>
+                    <a:lnB w="9525" cap="flat" cmpd="sng" algn="ctr">
+                      <a:noFill/>
+                      <a:prstDash val="solid"/>
+                      <a:round/>
+                      <a:headEnd w="med" len="med"/>
+                      <a:tailEnd w="med" len="med"/>
+                    </a:lnB>
+                    <a:solidFill>
+                      <a:srgbClr val="69d8ad"/>
+                    </a:solidFill>
+                  </a:tcPr>
+                </a:tc>
+                <a:tc hMerge="1">
+                  <a:txBody>
+                    <a:bodyPr wrap="square">
+                      <a:spAutoFit/>
+                    </a:bodyPr>
+                    <a:p>
+                      <a:pPr>
+                        <a:defRPr/>
+                      </a:pPr>
+                      <a:endParaRPr lang="ko-KR" altLang="en-US"/>
+                    </a:p>
+                  </a:txBody>
+                  <a:tcPr marL="91440" marR="91440"/>
+                </a:tc>
+              </a:tr>
+              <a:tr h="462057">
+                <a:tc gridSpan="2">
+                  <a:txBody>
+                    <a:bodyPr vert="horz" wrap="square" lIns="91440" tIns="45720" rIns="91440" bIns="45720" anchor="ctr" anchorCtr="1">
+                      <a:spAutoFit/>
+                    </a:bodyPr>
+                    <a:p>
+                      <a:pPr algn="ctr">
+                        <a:defRPr/>
+                      </a:pPr>
+                      <a:endParaRPr lang="ko-KR" altLang="en-US" sz="1300" b="1">
+                        <a:solidFill>
+                          <a:schemeClr val="lt1"/>
+                        </a:solidFill>
+                      </a:endParaRPr>
+                    </a:p>
+                  </a:txBody>
+                  <a:tcPr marL="91440" marR="91440" anchor="ctr" anchorCtr="1">
+                    <a:lnL w="9525" cap="flat" cmpd="sng" algn="ctr">
+                      <a:noFill/>
+                      <a:prstDash val="solid"/>
+                      <a:round/>
+                      <a:headEnd w="med" len="med"/>
+                      <a:tailEnd w="med" len="med"/>
+                    </a:lnL>
+                    <a:lnR w="9525" cap="flat" cmpd="sng" algn="ctr">
+                      <a:noFill/>
+                      <a:prstDash val="solid"/>
+                      <a:round/>
+                      <a:headEnd w="med" len="med"/>
+                      <a:tailEnd w="med" len="med"/>
+                    </a:lnR>
+                    <a:lnT w="9525" cap="flat" cmpd="sng" algn="ctr">
+                      <a:noFill/>
+                      <a:prstDash val="solid"/>
+                      <a:round/>
+                      <a:headEnd w="med" len="med"/>
+                      <a:tailEnd w="med" len="med"/>
+                    </a:lnT>
+                    <a:lnB w="9525" cap="flat" cmpd="sng" algn="ctr">
+                      <a:noFill/>
+                      <a:prstDash val="solid"/>
+                      <a:round/>
+                      <a:headEnd w="med" len="med"/>
+                      <a:tailEnd w="med" len="med"/>
+                    </a:lnB>
+                    <a:solidFill>
+                      <a:srgbClr val="69d8ad"/>
+                    </a:solidFill>
+                  </a:tcPr>
+                </a:tc>
+                <a:tc hMerge="1">
+                  <a:txBody>
+                    <a:bodyPr wrap="square">
+                      <a:spAutoFit/>
+                    </a:bodyPr>
+                    <a:p>
+                      <a:pPr>
+                        <a:defRPr/>
+                      </a:pPr>
+                      <a:endParaRPr lang="ko-KR" altLang="en-US"/>
+                    </a:p>
+                  </a:txBody>
+                  <a:tcPr marL="91440" marR="91440"/>
+                </a:tc>
+              </a:tr>
+              <a:tr h="462057">
+                <a:tc gridSpan="2">
+                  <a:txBody>
+                    <a:bodyPr vert="horz" wrap="square" lIns="91440" tIns="45720" rIns="91440" bIns="45720" anchor="ctr" anchorCtr="1">
+                      <a:spAutoFit/>
+                    </a:bodyPr>
+                    <a:p>
+                      <a:pPr algn="ctr">
+                        <a:defRPr/>
+                      </a:pPr>
+                      <a:endParaRPr lang="en-US" altLang="ko-KR" sz="1300" b="1">
+                        <a:solidFill>
+                          <a:schemeClr val="lt1"/>
+                        </a:solidFill>
+                      </a:endParaRPr>
+                    </a:p>
+                  </a:txBody>
+                  <a:tcPr marL="91440" marR="91440" anchor="ctr" anchorCtr="1">
+                    <a:lnL w="9525" cap="flat" cmpd="sng" algn="ctr">
+                      <a:noFill/>
+                      <a:prstDash val="solid"/>
+                      <a:round/>
+                      <a:headEnd w="med" len="med"/>
+                      <a:tailEnd w="med" len="med"/>
+                    </a:lnL>
+                    <a:lnR w="9525" cap="flat" cmpd="sng" algn="ctr">
+                      <a:noFill/>
+                      <a:prstDash val="solid"/>
+                      <a:round/>
+                      <a:headEnd w="med" len="med"/>
+                      <a:tailEnd w="med" len="med"/>
+                    </a:lnR>
+                    <a:lnT w="9525" cap="flat" cmpd="sng" algn="ctr">
+                      <a:noFill/>
+                      <a:prstDash val="solid"/>
+                      <a:round/>
+                      <a:headEnd w="med" len="med"/>
+                      <a:tailEnd w="med" len="med"/>
+                    </a:lnT>
+                    <a:lnB w="9525" cap="flat" cmpd="sng" algn="ctr">
+                      <a:noFill/>
+                      <a:prstDash val="solid"/>
+                      <a:round/>
+                      <a:headEnd w="med" len="med"/>
+                      <a:tailEnd w="med" len="med"/>
+                    </a:lnB>
+                    <a:solidFill>
+                      <a:srgbClr val="69d8ad"/>
+                    </a:solidFill>
+                  </a:tcPr>
+                </a:tc>
+                <a:tc hMerge="1">
+                  <a:txBody>
+                    <a:bodyPr wrap="square">
+                      <a:spAutoFit/>
+                    </a:bodyPr>
+                    <a:p>
+                      <a:pPr>
+                        <a:defRPr/>
+                      </a:pPr>
+                      <a:endParaRPr lang="ko-KR" altLang="en-US"/>
+                    </a:p>
+                  </a:txBody>
+                  <a:tcPr marL="91440" marR="91440"/>
+                </a:tc>
+              </a:tr>
+              <a:tr h="462057">
+                <a:tc gridSpan="2">
+                  <a:txBody>
+                    <a:bodyPr vert="horz" wrap="square" lIns="91440" tIns="45720" rIns="91440" bIns="45720" anchor="ctr" anchorCtr="1">
+                      <a:spAutoFit/>
+                    </a:bodyPr>
+                    <a:p>
+                      <a:pPr algn="ctr">
+                        <a:defRPr/>
+                      </a:pPr>
+                      <a:endParaRPr lang="en-US" altLang="ko-KR" sz="1300" b="1">
+                        <a:solidFill>
+                          <a:schemeClr val="lt1"/>
+                        </a:solidFill>
+                      </a:endParaRPr>
+                    </a:p>
+                  </a:txBody>
+                  <a:tcPr marL="91440" marR="91440" anchor="ctr" anchorCtr="1">
+                    <a:lnL w="9525" cap="flat" cmpd="sng" algn="ctr">
+                      <a:noFill/>
+                      <a:prstDash val="solid"/>
+                      <a:round/>
+                      <a:headEnd w="med" len="med"/>
+                      <a:tailEnd w="med" len="med"/>
+                    </a:lnL>
+                    <a:lnR w="9525" cap="flat" cmpd="sng" algn="ctr">
+                      <a:noFill/>
+                      <a:prstDash val="solid"/>
+                      <a:round/>
+                      <a:headEnd w="med" len="med"/>
+                      <a:tailEnd w="med" len="med"/>
+                    </a:lnR>
+                    <a:lnT w="9525" cap="flat" cmpd="sng" algn="ctr">
+                      <a:noFill/>
+                      <a:prstDash val="solid"/>
+                      <a:round/>
+                      <a:headEnd w="med" len="med"/>
+                      <a:tailEnd w="med" len="med"/>
+                    </a:lnT>
+                    <a:lnB w="9525" cap="flat" cmpd="sng" algn="ctr">
+                      <a:noFill/>
+                      <a:prstDash val="solid"/>
+                      <a:round/>
+                      <a:headEnd w="med" len="med"/>
+                      <a:tailEnd w="med" len="med"/>
+                    </a:lnB>
+                    <a:solidFill>
+                      <a:srgbClr val="69d8ad"/>
+                    </a:solidFill>
+                  </a:tcPr>
+                </a:tc>
+                <a:tc hMerge="1">
+                  <a:txBody>
+                    <a:bodyPr wrap="square">
+                      <a:spAutoFit/>
+                    </a:bodyPr>
+                    <a:p>
+                      <a:pPr>
+                        <a:defRPr/>
+                      </a:pPr>
+                      <a:endParaRPr lang="ko-KR" altLang="en-US"/>
+                    </a:p>
+                  </a:txBody>
+                  <a:tcPr marL="91440" marR="91440"/>
+                </a:tc>
+              </a:tr>
+              <a:tr h="462057">
+                <a:tc gridSpan="2">
+                  <a:txBody>
+                    <a:bodyPr vert="horz" wrap="square" lIns="91440" tIns="45720" rIns="91440" bIns="45720" anchor="ctr" anchorCtr="1">
+                      <a:spAutoFit/>
+                    </a:bodyPr>
+                    <a:p>
+                      <a:pPr algn="ctr">
+                        <a:defRPr/>
+                      </a:pPr>
+                      <a:endParaRPr lang="en-US" altLang="ko-KR" sz="1300" b="1">
+                        <a:solidFill>
+                          <a:schemeClr val="lt1"/>
+                        </a:solidFill>
+                      </a:endParaRPr>
+                    </a:p>
+                  </a:txBody>
+                  <a:tcPr marL="91440" marR="91440" anchor="ctr" anchorCtr="1">
+                    <a:lnL w="9525" cap="flat" cmpd="sng" algn="ctr">
+                      <a:noFill/>
+                      <a:prstDash val="solid"/>
+                      <a:round/>
+                      <a:headEnd w="med" len="med"/>
+                      <a:tailEnd w="med" len="med"/>
+                    </a:lnL>
+                    <a:lnR w="9525" cap="flat" cmpd="sng" algn="ctr">
+                      <a:noFill/>
+                      <a:prstDash val="solid"/>
+                      <a:round/>
+                      <a:headEnd w="med" len="med"/>
+                      <a:tailEnd w="med" len="med"/>
+                    </a:lnR>
+                    <a:lnT w="9525" cap="flat" cmpd="sng" algn="ctr">
+                      <a:noFill/>
+                      <a:prstDash val="solid"/>
+                      <a:round/>
+                      <a:headEnd w="med" len="med"/>
+                      <a:tailEnd w="med" len="med"/>
+                    </a:lnT>
+                    <a:lnB w="9525" cap="flat" cmpd="sng" algn="ctr">
+                      <a:noFill/>
+                      <a:prstDash val="solid"/>
+                      <a:round/>
+                      <a:headEnd w="med" len="med"/>
+                      <a:tailEnd w="med" len="med"/>
+                    </a:lnB>
+                    <a:solidFill>
+                      <a:srgbClr val="69d8ad"/>
+                    </a:solidFill>
+                  </a:tcPr>
+                </a:tc>
+                <a:tc hMerge="1">
+                  <a:txBody>
+                    <a:bodyPr wrap="square">
+                      <a:spAutoFit/>
+                    </a:bodyPr>
+                    <a:p>
+                      <a:pPr>
+                        <a:defRPr/>
+                      </a:pPr>
+                      <a:endParaRPr lang="ko-KR" altLang="en-US"/>
+                    </a:p>
+                  </a:txBody>
+                  <a:tcPr marL="91440" marR="91440"/>
+                </a:tc>
+              </a:tr>
+              <a:tr h="462057">
+                <a:tc gridSpan="2">
+                  <a:txBody>
+                    <a:bodyPr vert="horz" wrap="square" lIns="91440" tIns="45720" rIns="91440" bIns="45720" anchor="ctr" anchorCtr="1">
+                      <a:spAutoFit/>
+                    </a:bodyPr>
+                    <a:p>
+                      <a:pPr algn="ctr">
+                        <a:defRPr/>
+                      </a:pPr>
+                      <a:endParaRPr lang="en-US" altLang="ko-KR" sz="1300" b="1">
+                        <a:solidFill>
+                          <a:schemeClr val="lt1"/>
+                        </a:solidFill>
+                      </a:endParaRPr>
+                    </a:p>
+                  </a:txBody>
+                  <a:tcPr marL="91440" marR="91440" anchor="ctr" anchorCtr="1">
+                    <a:lnL w="9525" cap="flat" cmpd="sng" algn="ctr">
+                      <a:noFill/>
+                      <a:prstDash val="solid"/>
+                      <a:round/>
+                      <a:headEnd w="med" len="med"/>
+                      <a:tailEnd w="med" len="med"/>
+                    </a:lnL>
+                    <a:lnR w="9525" cap="flat" cmpd="sng" algn="ctr">
+                      <a:noFill/>
+                      <a:prstDash val="solid"/>
+                      <a:round/>
+                      <a:headEnd w="med" len="med"/>
+                      <a:tailEnd w="med" len="med"/>
+                    </a:lnR>
+                    <a:lnT w="9525" cap="flat" cmpd="sng" algn="ctr">
+                      <a:noFill/>
+                      <a:prstDash val="solid"/>
+                      <a:round/>
+                      <a:headEnd w="med" len="med"/>
+                      <a:tailEnd w="med" len="med"/>
+                    </a:lnT>
+                    <a:lnB w="9525" cap="flat" cmpd="sng" algn="ctr">
+                      <a:noFill/>
+                      <a:prstDash val="solid"/>
+                      <a:round/>
+                      <a:headEnd w="med" len="med"/>
+                      <a:tailEnd w="med" len="med"/>
+                    </a:lnB>
+                    <a:solidFill>
+                      <a:srgbClr val="69d8ad"/>
+                    </a:solidFill>
+                  </a:tcPr>
+                </a:tc>
+                <a:tc hMerge="1">
+                  <a:txBody>
+                    <a:bodyPr wrap="square">
+                      <a:spAutoFit/>
+                    </a:bodyPr>
+                    <a:p>
+                      <a:pPr>
+                        <a:defRPr/>
+                      </a:pPr>
+                      <a:endParaRPr lang="ko-KR" altLang="en-US"/>
+                    </a:p>
+                  </a:txBody>
+                  <a:tcPr marL="91440" marR="91440"/>
+                </a:tc>
+              </a:tr>
+              <a:tr h="462057">
+                <a:tc gridSpan="2">
+                  <a:txBody>
+                    <a:bodyPr vert="horz" wrap="square" lIns="91440" tIns="45720" rIns="91440" bIns="45720" anchor="ctr" anchorCtr="1">
+                      <a:spAutoFit/>
+                    </a:bodyPr>
+                    <a:p>
+                      <a:pPr algn="ctr">
+                        <a:defRPr/>
+                      </a:pPr>
+                      <a:endParaRPr lang="en-US" altLang="ko-KR" sz="1300" b="1">
+                        <a:solidFill>
+                          <a:schemeClr val="lt1"/>
+                        </a:solidFill>
+                      </a:endParaRPr>
+                    </a:p>
+                  </a:txBody>
+                  <a:tcPr marL="91440" marR="91440" anchor="ctr" anchorCtr="1">
+                    <a:lnL w="9525" cap="flat" cmpd="sng" algn="ctr">
+                      <a:noFill/>
+                      <a:prstDash val="solid"/>
+                      <a:round/>
+                      <a:headEnd w="med" len="med"/>
+                      <a:tailEnd w="med" len="med"/>
+                    </a:lnL>
+                    <a:lnR w="9525" cap="flat" cmpd="sng" algn="ctr">
+                      <a:noFill/>
+                      <a:prstDash val="solid"/>
+                      <a:round/>
+                      <a:headEnd w="med" len="med"/>
+                      <a:tailEnd w="med" len="med"/>
+                    </a:lnR>
+                    <a:lnT w="9525" cap="flat" cmpd="sng" algn="ctr">
+                      <a:noFill/>
+                      <a:prstDash val="solid"/>
+                      <a:round/>
+                      <a:headEnd w="med" len="med"/>
+                      <a:tailEnd w="med" len="med"/>
+                    </a:lnT>
+                    <a:lnB w="9525" cap="flat" cmpd="sng" algn="ctr">
+                      <a:noFill/>
+                      <a:prstDash val="solid"/>
+                      <a:round/>
+                      <a:headEnd w="med" len="med"/>
+                      <a:tailEnd w="med" len="med"/>
+                    </a:lnB>
+                    <a:solidFill>
+                      <a:srgbClr val="69d8ad"/>
+                    </a:solidFill>
+                  </a:tcPr>
+                </a:tc>
+                <a:tc hMerge="1">
+                  <a:txBody>
+                    <a:bodyPr wrap="square">
+                      <a:spAutoFit/>
+                    </a:bodyPr>
+                    <a:p>
+                      <a:pPr>
+                        <a:defRPr/>
+                      </a:pPr>
+                      <a:endParaRPr lang="ko-KR" altLang="en-US"/>
+                    </a:p>
+                  </a:txBody>
+                  <a:tcPr marL="91440" marR="91440"/>
+                </a:tc>
+              </a:tr>
+              <a:tr h="462057">
+                <a:tc gridSpan="2">
+                  <a:txBody>
+                    <a:bodyPr vert="horz" wrap="square" lIns="91440" tIns="45720" rIns="91440" bIns="45720" anchor="ctr" anchorCtr="1">
+                      <a:spAutoFit/>
+                    </a:bodyPr>
+                    <a:p>
+                      <a:pPr algn="ctr">
+                        <a:defRPr/>
+                      </a:pPr>
+                      <a:endParaRPr lang="en-US" altLang="ko-KR" sz="1300" b="1">
+                        <a:solidFill>
+                          <a:schemeClr val="lt1"/>
+                        </a:solidFill>
+                      </a:endParaRPr>
+                    </a:p>
+                  </a:txBody>
+                  <a:tcPr marL="91440" marR="91440" anchor="ctr" anchorCtr="1">
+                    <a:lnL w="9525" cap="flat" cmpd="sng" algn="ctr">
+                      <a:noFill/>
+                      <a:prstDash val="solid"/>
+                      <a:round/>
+                      <a:headEnd w="med" len="med"/>
+                      <a:tailEnd w="med" len="med"/>
+                    </a:lnL>
+                    <a:lnR w="9525" cap="flat" cmpd="sng" algn="ctr">
+                      <a:noFill/>
+                      <a:prstDash val="solid"/>
+                      <a:round/>
+                      <a:headEnd w="med" len="med"/>
+                      <a:tailEnd w="med" len="med"/>
+                    </a:lnR>
+                    <a:lnT w="9525" cap="flat" cmpd="sng" algn="ctr">
+                      <a:noFill/>
+                      <a:prstDash val="solid"/>
+                      <a:round/>
+                      <a:headEnd w="med" len="med"/>
+                      <a:tailEnd w="med" len="med"/>
+                    </a:lnT>
+                    <a:lnB w="9525" cap="flat" cmpd="sng" algn="ctr">
+                      <a:noFill/>
+                      <a:prstDash val="solid"/>
+                      <a:round/>
+                      <a:headEnd w="med" len="med"/>
+                      <a:tailEnd w="med" len="med"/>
+                    </a:lnB>
+                    <a:solidFill>
+                      <a:srgbClr val="69d8ad"/>
+                    </a:solidFill>
+                  </a:tcPr>
+                </a:tc>
+                <a:tc hMerge="1">
+                  <a:txBody>
+                    <a:bodyPr wrap="square">
+                      <a:spAutoFit/>
+                    </a:bodyPr>
+                    <a:p>
+                      <a:pPr>
+                        <a:defRPr/>
+                      </a:pPr>
+                      <a:endParaRPr lang="ko-KR" altLang="en-US"/>
+                    </a:p>
+                  </a:txBody>
+                  <a:tcPr marL="91440" marR="91440"/>
+                </a:tc>
+              </a:tr>
+            </a:tbl>
+          </a:graphicData>
+        </a:graphic>
+      </p:graphicFrame>
     </p:spTree>
   </p:cSld>
   <p:clrMapOvr>
